--- a/Qualidade de Produto de SW/Qualidade de produto de SW - TRABALHO.pptx
+++ b/Qualidade de Produto de SW/Qualidade de produto de SW - TRABALHO.pptx
@@ -5,7 +5,7 @@
     <p:sldMasterId id="2147483681" r:id="rId1"/>
   </p:sldMasterIdLst>
   <p:notesMasterIdLst>
-    <p:notesMasterId r:id="rId20"/>
+    <p:notesMasterId r:id="rId23"/>
   </p:notesMasterIdLst>
   <p:sldIdLst>
     <p:sldId id="256" r:id="rId2"/>
@@ -26,28 +26,31 @@
     <p:sldId id="340" r:id="rId17"/>
     <p:sldId id="343" r:id="rId18"/>
     <p:sldId id="342" r:id="rId19"/>
+    <p:sldId id="344" r:id="rId20"/>
+    <p:sldId id="345" r:id="rId21"/>
+    <p:sldId id="346" r:id="rId22"/>
   </p:sldIdLst>
   <p:sldSz cx="9144000" cy="6858000" type="screen4x3"/>
   <p:notesSz cx="7315200" cy="9601200"/>
   <p:embeddedFontLst>
     <p:embeddedFont>
-      <p:font typeface="Verdana" panose="020B0604030504040204" pitchFamily="34" charset="0"/>
-      <p:regular r:id="rId21"/>
-      <p:bold r:id="rId22"/>
-      <p:italic r:id="rId23"/>
-      <p:boldItalic r:id="rId24"/>
+      <p:font typeface="Verdana" pitchFamily="34" charset="0"/>
+      <p:regular r:id="rId24"/>
+      <p:bold r:id="rId25"/>
+      <p:italic r:id="rId26"/>
+      <p:boldItalic r:id="rId27"/>
     </p:embeddedFont>
     <p:embeddedFont>
-      <p:font typeface="Calibri" panose="020F0502020204030204" pitchFamily="34" charset="0"/>
-      <p:regular r:id="rId25"/>
-      <p:bold r:id="rId26"/>
-      <p:italic r:id="rId27"/>
-      <p:boldItalic r:id="rId28"/>
+      <p:font typeface="Calibri" pitchFamily="34" charset="0"/>
+      <p:regular r:id="rId28"/>
+      <p:bold r:id="rId29"/>
+      <p:italic r:id="rId30"/>
+      <p:boldItalic r:id="rId31"/>
     </p:embeddedFont>
     <p:embeddedFont>
-      <p:font typeface="Tahoma" panose="020B0604030504040204" pitchFamily="34" charset="0"/>
-      <p:regular r:id="rId29"/>
-      <p:bold r:id="rId30"/>
+      <p:font typeface="Tahoma" pitchFamily="34" charset="0"/>
+      <p:regular r:id="rId32"/>
+      <p:bold r:id="rId33"/>
     </p:embeddedFont>
   </p:embeddedFontLst>
   <p:defaultTextStyle>
@@ -254,7 +257,7 @@
   </p:defaultTextStyle>
   <p:extLst>
     <p:ext uri="{EFAFB233-063F-42B5-8137-9DF3F51BA10A}">
-      <p15:sldGuideLst xmlns:p15="http://schemas.microsoft.com/office/powerpoint/2012/main" xmlns="">
+      <p15:sldGuideLst xmlns="" xmlns:p15="http://schemas.microsoft.com/office/powerpoint/2012/main">
         <p15:guide id="1" orient="horz" pos="2160">
           <p15:clr>
             <a:srgbClr val="A4A3A4"/>
@@ -1178,7 +1181,7 @@
                 <a:buFont typeface="Tahoma"/>
                 <a:buNone/>
               </a:pPr>
-              <a:t>‹nº›</a:t>
+              <a:t>‹#›</a:t>
             </a:fld>
             <a:endParaRPr lang="en-US" sz="1300" b="0" i="0" u="none" strike="noStrike" cap="none">
               <a:solidFill>
@@ -1195,7 +1198,7 @@
     </p:spTree>
     <p:extLst>
       <p:ext uri="{BB962C8B-B14F-4D97-AF65-F5344CB8AC3E}">
-        <p14:creationId xmlns:p14="http://schemas.microsoft.com/office/powerpoint/2010/main" val="1559816394"/>
+        <p14:creationId xmlns:p14="http://schemas.microsoft.com/office/powerpoint/2010/main" xmlns="" val="1559816394"/>
       </p:ext>
     </p:extLst>
   </p:cSld>
@@ -1391,7 +1394,7 @@
     </p:spTree>
     <p:extLst>
       <p:ext uri="{BB962C8B-B14F-4D97-AF65-F5344CB8AC3E}">
-        <p14:creationId xmlns:p14="http://schemas.microsoft.com/office/powerpoint/2010/main" val="4222154634"/>
+        <p14:creationId xmlns:p14="http://schemas.microsoft.com/office/powerpoint/2010/main" xmlns="" val="4222154634"/>
       </p:ext>
     </p:extLst>
   </p:cSld>
@@ -1507,7 +1510,7 @@
     </p:spTree>
     <p:extLst>
       <p:ext uri="{BB962C8B-B14F-4D97-AF65-F5344CB8AC3E}">
-        <p14:creationId xmlns:p14="http://schemas.microsoft.com/office/powerpoint/2010/main" val="1279608820"/>
+        <p14:creationId xmlns:p14="http://schemas.microsoft.com/office/powerpoint/2010/main" xmlns="" val="1279608820"/>
       </p:ext>
     </p:extLst>
   </p:cSld>
@@ -1740,7 +1743,7 @@
     </p:spTree>
     <p:extLst>
       <p:ext uri="{BB962C8B-B14F-4D97-AF65-F5344CB8AC3E}">
-        <p14:creationId xmlns:p14="http://schemas.microsoft.com/office/powerpoint/2010/main" val="2478786571"/>
+        <p14:creationId xmlns:p14="http://schemas.microsoft.com/office/powerpoint/2010/main" xmlns="" val="2478786571"/>
       </p:ext>
     </p:extLst>
   </p:cSld>
@@ -2034,7 +2037,7 @@
     </p:spTree>
     <p:extLst>
       <p:ext uri="{BB962C8B-B14F-4D97-AF65-F5344CB8AC3E}">
-        <p14:creationId xmlns:p14="http://schemas.microsoft.com/office/powerpoint/2010/main" val="2328964540"/>
+        <p14:creationId xmlns:p14="http://schemas.microsoft.com/office/powerpoint/2010/main" xmlns="" val="2328964540"/>
       </p:ext>
     </p:extLst>
   </p:cSld>
@@ -2388,7 +2391,7 @@
                 <a:cs typeface="Verdana" pitchFamily="34" charset="0"/>
               </a:rPr>
               <a:pPr/>
-              <a:t>‹nº›</a:t>
+              <a:t>‹#›</a:t>
             </a:fld>
             <a:endParaRPr lang="pt-BR" sz="1400" b="1" dirty="0">
               <a:solidFill>
@@ -2407,7 +2410,7 @@
     </p:spTree>
     <p:extLst>
       <p:ext uri="{BB962C8B-B14F-4D97-AF65-F5344CB8AC3E}">
-        <p14:creationId xmlns:p14="http://schemas.microsoft.com/office/powerpoint/2010/main" val="3375524679"/>
+        <p14:creationId xmlns:p14="http://schemas.microsoft.com/office/powerpoint/2010/main" xmlns="" val="3375524679"/>
       </p:ext>
     </p:extLst>
   </p:cSld>
@@ -2437,7 +2440,7 @@
     </p:spTree>
     <p:extLst>
       <p:ext uri="{BB962C8B-B14F-4D97-AF65-F5344CB8AC3E}">
-        <p14:creationId xmlns:p14="http://schemas.microsoft.com/office/powerpoint/2010/main" val="772820594"/>
+        <p14:creationId xmlns:p14="http://schemas.microsoft.com/office/powerpoint/2010/main" xmlns="" val="772820594"/>
       </p:ext>
     </p:extLst>
   </p:cSld>
@@ -2599,7 +2602,7 @@
     </p:spTree>
     <p:extLst>
       <p:ext uri="{BB962C8B-B14F-4D97-AF65-F5344CB8AC3E}">
-        <p14:creationId xmlns:p14="http://schemas.microsoft.com/office/powerpoint/2010/main" val="2806790013"/>
+        <p14:creationId xmlns:p14="http://schemas.microsoft.com/office/powerpoint/2010/main" xmlns="" val="2806790013"/>
       </p:ext>
     </p:extLst>
   </p:cSld>
@@ -2740,7 +2743,7 @@
     </p:spTree>
     <p:extLst>
       <p:ext uri="{BB962C8B-B14F-4D97-AF65-F5344CB8AC3E}">
-        <p14:creationId xmlns:p14="http://schemas.microsoft.com/office/powerpoint/2010/main" val="1674071280"/>
+        <p14:creationId xmlns:p14="http://schemas.microsoft.com/office/powerpoint/2010/main" xmlns="" val="1674071280"/>
       </p:ext>
     </p:extLst>
   </p:cSld>
@@ -2923,7 +2926,7 @@
     </p:spTree>
     <p:extLst>
       <p:ext uri="{BB962C8B-B14F-4D97-AF65-F5344CB8AC3E}">
-        <p14:creationId xmlns:p14="http://schemas.microsoft.com/office/powerpoint/2010/main" val="3915180986"/>
+        <p14:creationId xmlns:p14="http://schemas.microsoft.com/office/powerpoint/2010/main" xmlns="" val="3915180986"/>
       </p:ext>
     </p:extLst>
   </p:cSld>
@@ -2988,7 +2991,7 @@
     </p:spTree>
     <p:extLst>
       <p:ext uri="{BB962C8B-B14F-4D97-AF65-F5344CB8AC3E}">
-        <p14:creationId xmlns:p14="http://schemas.microsoft.com/office/powerpoint/2010/main" val="3402029070"/>
+        <p14:creationId xmlns:p14="http://schemas.microsoft.com/office/powerpoint/2010/main" xmlns="" val="3402029070"/>
       </p:ext>
     </p:extLst>
   </p:cSld>
@@ -3066,7 +3069,7 @@
     </p:spTree>
     <p:extLst>
       <p:ext uri="{BB962C8B-B14F-4D97-AF65-F5344CB8AC3E}">
-        <p14:creationId xmlns:p14="http://schemas.microsoft.com/office/powerpoint/2010/main" val="721522243"/>
+        <p14:creationId xmlns:p14="http://schemas.microsoft.com/office/powerpoint/2010/main" xmlns="" val="721522243"/>
       </p:ext>
     </p:extLst>
   </p:cSld>
@@ -3198,7 +3201,7 @@
     </p:spTree>
     <p:extLst>
       <p:ext uri="{BB962C8B-B14F-4D97-AF65-F5344CB8AC3E}">
-        <p14:creationId xmlns:p14="http://schemas.microsoft.com/office/powerpoint/2010/main" val="656146748"/>
+        <p14:creationId xmlns:p14="http://schemas.microsoft.com/office/powerpoint/2010/main" xmlns="" val="656146748"/>
       </p:ext>
     </p:extLst>
   </p:cSld>
@@ -3587,15 +3590,7 @@
                   <a:schemeClr val="tx1"/>
                 </a:solidFill>
               </a:rPr>
-              <a:t>  Professor </a:t>
-            </a:r>
-            <a:r>
-              <a:rPr lang="pt-BR" sz="1400" dirty="0" smtClean="0">
-                <a:solidFill>
-                  <a:schemeClr val="tx1"/>
-                </a:solidFill>
-              </a:rPr>
-              <a:t> Ivan Santos</a:t>
+              <a:t>  Professor  Ivan Santos</a:t>
             </a:r>
           </a:p>
           <a:p>
@@ -3746,14 +3741,14 @@
             <p:ph idx="1"/>
             <p:extLst>
               <p:ext uri="{D42A27DB-BD31-4B8C-83A1-F6EECF244321}">
-                <p14:modId xmlns:p14="http://schemas.microsoft.com/office/powerpoint/2010/main" val="959159014"/>
+                <p14:modId xmlns:p14="http://schemas.microsoft.com/office/powerpoint/2010/main" xmlns="" val="959159014"/>
               </p:ext>
             </p:extLst>
           </p:nvPr>
         </p:nvGraphicFramePr>
         <p:xfrm>
           <a:off x="755576" y="1772817"/>
-          <a:ext cx="7704856" cy="4472562"/>
+          <a:ext cx="7704856" cy="4550664"/>
         </p:xfrm>
         <a:graphic>
           <a:graphicData uri="http://schemas.openxmlformats.org/drawingml/2006/table">
@@ -4209,7 +4204,7 @@
           <a:blip r:embed="rId2">
             <a:extLst>
               <a:ext uri="{28A0092B-C50C-407E-A947-70E740481C1C}">
-                <a14:useLocalDpi xmlns:a14="http://schemas.microsoft.com/office/drawing/2010/main" val="0"/>
+                <a14:useLocalDpi xmlns:a14="http://schemas.microsoft.com/office/drawing/2010/main" xmlns="" val="0"/>
               </a:ext>
             </a:extLst>
           </a:blip>
@@ -4233,14 +4228,14 @@
           <a:effectLst/>
           <a:extLst>
             <a:ext uri="{909E8E84-426E-40DD-AFC4-6F175D3DCCD1}">
-              <a14:hiddenFill xmlns:a14="http://schemas.microsoft.com/office/drawing/2010/main">
+              <a14:hiddenFill xmlns:a14="http://schemas.microsoft.com/office/drawing/2010/main" xmlns="">
                 <a:solidFill>
                   <a:schemeClr val="accent1"/>
                 </a:solidFill>
               </a14:hiddenFill>
             </a:ext>
             <a:ext uri="{91240B29-F687-4F45-9708-019B960494DF}">
-              <a14:hiddenLine xmlns:a14="http://schemas.microsoft.com/office/drawing/2010/main" w="9525">
+              <a14:hiddenLine xmlns:a14="http://schemas.microsoft.com/office/drawing/2010/main" xmlns="" w="9525">
                 <a:solidFill>
                   <a:schemeClr val="tx1"/>
                 </a:solidFill>
@@ -4250,7 +4245,7 @@
               </a14:hiddenLine>
             </a:ext>
             <a:ext uri="{AF507438-7753-43E0-B8FC-AC1667EBCBE1}">
-              <a14:hiddenEffects xmlns:a14="http://schemas.microsoft.com/office/drawing/2010/main">
+              <a14:hiddenEffects xmlns:a14="http://schemas.microsoft.com/office/drawing/2010/main" xmlns="">
                 <a:effectLst>
                   <a:outerShdw dist="35921" dir="2700000" algn="ctr" rotWithShape="0">
                     <a:schemeClr val="bg2"/>
@@ -4264,7 +4259,7 @@
     </p:spTree>
     <p:extLst>
       <p:ext uri="{BB962C8B-B14F-4D97-AF65-F5344CB8AC3E}">
-        <p14:creationId xmlns:p14="http://schemas.microsoft.com/office/powerpoint/2010/main" val="1773547826"/>
+        <p14:creationId xmlns:p14="http://schemas.microsoft.com/office/powerpoint/2010/main" xmlns="" val="1773547826"/>
       </p:ext>
     </p:extLst>
   </p:cSld>
@@ -4342,7 +4337,7 @@
           <a:blip r:embed="rId2">
             <a:extLst>
               <a:ext uri="{28A0092B-C50C-407E-A947-70E740481C1C}">
-                <a14:useLocalDpi xmlns:a14="http://schemas.microsoft.com/office/drawing/2010/main" val="0"/>
+                <a14:useLocalDpi xmlns:a14="http://schemas.microsoft.com/office/drawing/2010/main" xmlns="" val="0"/>
               </a:ext>
             </a:extLst>
           </a:blip>
@@ -4366,14 +4361,14 @@
           <a:effectLst/>
           <a:extLst>
             <a:ext uri="{909E8E84-426E-40DD-AFC4-6F175D3DCCD1}">
-              <a14:hiddenFill xmlns:a14="http://schemas.microsoft.com/office/drawing/2010/main">
+              <a14:hiddenFill xmlns:a14="http://schemas.microsoft.com/office/drawing/2010/main" xmlns="">
                 <a:solidFill>
                   <a:schemeClr val="accent1"/>
                 </a:solidFill>
               </a14:hiddenFill>
             </a:ext>
             <a:ext uri="{91240B29-F687-4F45-9708-019B960494DF}">
-              <a14:hiddenLine xmlns:a14="http://schemas.microsoft.com/office/drawing/2010/main" w="9525">
+              <a14:hiddenLine xmlns:a14="http://schemas.microsoft.com/office/drawing/2010/main" xmlns="" w="9525">
                 <a:solidFill>
                   <a:schemeClr val="tx1"/>
                 </a:solidFill>
@@ -4383,7 +4378,7 @@
               </a14:hiddenLine>
             </a:ext>
             <a:ext uri="{AF507438-7753-43E0-B8FC-AC1667EBCBE1}">
-              <a14:hiddenEffects xmlns:a14="http://schemas.microsoft.com/office/drawing/2010/main">
+              <a14:hiddenEffects xmlns:a14="http://schemas.microsoft.com/office/drawing/2010/main" xmlns="">
                 <a:effectLst>
                   <a:outerShdw dist="35921" dir="2700000" algn="ctr" rotWithShape="0">
                     <a:schemeClr val="bg2"/>
@@ -4403,7 +4398,7 @@
           <p:nvPr>
             <p:extLst>
               <p:ext uri="{D42A27DB-BD31-4B8C-83A1-F6EECF244321}">
-                <p14:modId xmlns:p14="http://schemas.microsoft.com/office/powerpoint/2010/main" val="4134727282"/>
+                <p14:modId xmlns:p14="http://schemas.microsoft.com/office/powerpoint/2010/main" xmlns="" val="4134727282"/>
               </p:ext>
             </p:extLst>
           </p:nvPr>
@@ -4857,7 +4852,7 @@
     </p:spTree>
     <p:extLst>
       <p:ext uri="{BB962C8B-B14F-4D97-AF65-F5344CB8AC3E}">
-        <p14:creationId xmlns:p14="http://schemas.microsoft.com/office/powerpoint/2010/main" val="3083613247"/>
+        <p14:creationId xmlns:p14="http://schemas.microsoft.com/office/powerpoint/2010/main" xmlns="" val="3083613247"/>
       </p:ext>
     </p:extLst>
   </p:cSld>
@@ -4951,7 +4946,7 @@
           <p:nvPr>
             <p:extLst>
               <p:ext uri="{D42A27DB-BD31-4B8C-83A1-F6EECF244321}">
-                <p14:modId xmlns:p14="http://schemas.microsoft.com/office/powerpoint/2010/main" val="1091969864"/>
+                <p14:modId xmlns:p14="http://schemas.microsoft.com/office/powerpoint/2010/main" xmlns="" val="1091969864"/>
               </p:ext>
             </p:extLst>
           </p:nvPr>
@@ -5357,7 +5352,7 @@
     </p:spTree>
     <p:extLst>
       <p:ext uri="{BB962C8B-B14F-4D97-AF65-F5344CB8AC3E}">
-        <p14:creationId xmlns:p14="http://schemas.microsoft.com/office/powerpoint/2010/main" val="3044112681"/>
+        <p14:creationId xmlns:p14="http://schemas.microsoft.com/office/powerpoint/2010/main" xmlns="" val="3044112681"/>
       </p:ext>
     </p:extLst>
   </p:cSld>
@@ -5455,14 +5450,14 @@
           <p:nvPr>
             <p:extLst>
               <p:ext uri="{D42A27DB-BD31-4B8C-83A1-F6EECF244321}">
-                <p14:modId xmlns:p14="http://schemas.microsoft.com/office/powerpoint/2010/main" val="2685736119"/>
+                <p14:modId xmlns:p14="http://schemas.microsoft.com/office/powerpoint/2010/main" xmlns="" val="2685736119"/>
               </p:ext>
             </p:extLst>
           </p:nvPr>
         </p:nvGraphicFramePr>
         <p:xfrm>
           <a:off x="971600" y="2420888"/>
-          <a:ext cx="7488832" cy="3184403"/>
+          <a:ext cx="7488832" cy="3197420"/>
         </p:xfrm>
         <a:graphic>
           <a:graphicData uri="http://schemas.openxmlformats.org/drawingml/2006/table">
@@ -5840,7 +5835,7 @@
     </p:spTree>
     <p:extLst>
       <p:ext uri="{BB962C8B-B14F-4D97-AF65-F5344CB8AC3E}">
-        <p14:creationId xmlns:p14="http://schemas.microsoft.com/office/powerpoint/2010/main" val="1817359947"/>
+        <p14:creationId xmlns:p14="http://schemas.microsoft.com/office/powerpoint/2010/main" xmlns="" val="1817359947"/>
       </p:ext>
     </p:extLst>
   </p:cSld>
@@ -5912,6 +5907,46 @@
           <a:bodyPr/>
           <a:lstStyle/>
           <a:p>
+            <a:r>
+              <a:rPr lang="pt-BR" b="1" dirty="0" smtClean="0"/>
+              <a:t>Hardware</a:t>
+            </a:r>
+          </a:p>
+          <a:p>
+            <a:pPr>
+              <a:buNone/>
+            </a:pPr>
+            <a:endParaRPr lang="pt-BR" dirty="0" smtClean="0"/>
+          </a:p>
+          <a:p>
+            <a:pPr>
+              <a:buNone/>
+            </a:pPr>
+            <a:r>
+              <a:rPr lang="pt-BR" dirty="0" smtClean="0"/>
+              <a:t>2 Notebooks -  8/2 GB de RAM ; 1TB/5OO HD ; Processador I7</a:t>
+            </a:r>
+          </a:p>
+          <a:p>
+            <a:endParaRPr lang="pt-BR" dirty="0" smtClean="0"/>
+          </a:p>
+          <a:p>
+            <a:r>
+              <a:rPr lang="pt-BR" b="1" dirty="0" smtClean="0"/>
+              <a:t>Software </a:t>
+            </a:r>
+          </a:p>
+          <a:p>
+            <a:endParaRPr lang="pt-BR" b="1" dirty="0" smtClean="0"/>
+          </a:p>
+          <a:p>
+            <a:pPr>
+              <a:buNone/>
+            </a:pPr>
+            <a:r>
+              <a:rPr lang="pt-BR" dirty="0" smtClean="0"/>
+              <a:t>2 licenças - Windows Server/Seven ; SLQ 2012 ; IIS8 ; VS 2015</a:t>
+            </a:r>
             <a:endParaRPr lang="pt-BR" dirty="0"/>
           </a:p>
         </p:txBody>
@@ -5919,7 +5954,7 @@
     </p:spTree>
     <p:extLst>
       <p:ext uri="{BB962C8B-B14F-4D97-AF65-F5344CB8AC3E}">
-        <p14:creationId xmlns:p14="http://schemas.microsoft.com/office/powerpoint/2010/main" val="2672163100"/>
+        <p14:creationId xmlns:p14="http://schemas.microsoft.com/office/powerpoint/2010/main" xmlns="" val="2672163100"/>
       </p:ext>
     </p:extLst>
   </p:cSld>
@@ -5986,7 +6021,7 @@
             <p:ph idx="1"/>
             <p:extLst>
               <p:ext uri="{D42A27DB-BD31-4B8C-83A1-F6EECF244321}">
-                <p14:modId xmlns:p14="http://schemas.microsoft.com/office/powerpoint/2010/main" val="1917114459"/>
+                <p14:modId xmlns:p14="http://schemas.microsoft.com/office/powerpoint/2010/main" xmlns="" val="1917114459"/>
               </p:ext>
             </p:extLst>
           </p:nvPr>
@@ -6524,7 +6559,7 @@
     </p:spTree>
     <p:extLst>
       <p:ext uri="{BB962C8B-B14F-4D97-AF65-F5344CB8AC3E}">
-        <p14:creationId xmlns:p14="http://schemas.microsoft.com/office/powerpoint/2010/main" val="2738599320"/>
+        <p14:creationId xmlns:p14="http://schemas.microsoft.com/office/powerpoint/2010/main" xmlns="" val="2738599320"/>
       </p:ext>
     </p:extLst>
   </p:cSld>
@@ -6619,7 +6654,7 @@
           <p:nvPr>
             <p:extLst>
               <p:ext uri="{D42A27DB-BD31-4B8C-83A1-F6EECF244321}">
-                <p14:modId xmlns:p14="http://schemas.microsoft.com/office/powerpoint/2010/main" val="1816815984"/>
+                <p14:modId xmlns:p14="http://schemas.microsoft.com/office/powerpoint/2010/main" xmlns="" val="1816815984"/>
               </p:ext>
             </p:extLst>
           </p:nvPr>
@@ -7127,14 +7162,14 @@
           <a:effectLst/>
           <a:extLst>
             <a:ext uri="{909E8E84-426E-40DD-AFC4-6F175D3DCCD1}">
-              <a14:hiddenFill xmlns:a14="http://schemas.microsoft.com/office/drawing/2010/main">
+              <a14:hiddenFill xmlns:a14="http://schemas.microsoft.com/office/drawing/2010/main" xmlns="">
                 <a:solidFill>
                   <a:schemeClr val="accent1"/>
                 </a:solidFill>
               </a14:hiddenFill>
             </a:ext>
             <a:ext uri="{91240B29-F687-4F45-9708-019B960494DF}">
-              <a14:hiddenLine xmlns:a14="http://schemas.microsoft.com/office/drawing/2010/main" w="9525">
+              <a14:hiddenLine xmlns:a14="http://schemas.microsoft.com/office/drawing/2010/main" xmlns="" w="9525">
                 <a:solidFill>
                   <a:schemeClr val="tx1"/>
                 </a:solidFill>
@@ -7144,7 +7179,7 @@
               </a14:hiddenLine>
             </a:ext>
             <a:ext uri="{AF507438-7753-43E0-B8FC-AC1667EBCBE1}">
-              <a14:hiddenEffects xmlns:a14="http://schemas.microsoft.com/office/drawing/2010/main">
+              <a14:hiddenEffects xmlns:a14="http://schemas.microsoft.com/office/drawing/2010/main" xmlns="">
                 <a:effectLst>
                   <a:outerShdw dist="35921" dir="2700000" algn="ctr" rotWithShape="0">
                     <a:schemeClr val="bg2"/>
@@ -7196,7 +7231,7 @@
     </p:spTree>
     <p:extLst>
       <p:ext uri="{BB962C8B-B14F-4D97-AF65-F5344CB8AC3E}">
-        <p14:creationId xmlns:p14="http://schemas.microsoft.com/office/powerpoint/2010/main" val="984614559"/>
+        <p14:creationId xmlns:p14="http://schemas.microsoft.com/office/powerpoint/2010/main" xmlns="" val="984614559"/>
       </p:ext>
     </p:extLst>
   </p:cSld>
@@ -7308,7 +7343,7 @@
     </p:spTree>
     <p:extLst>
       <p:ext uri="{BB962C8B-B14F-4D97-AF65-F5344CB8AC3E}">
-        <p14:creationId xmlns:p14="http://schemas.microsoft.com/office/powerpoint/2010/main" val="2889682945"/>
+        <p14:creationId xmlns:p14="http://schemas.microsoft.com/office/powerpoint/2010/main" xmlns="" val="2889682945"/>
       </p:ext>
     </p:extLst>
   </p:cSld>
@@ -7381,7 +7416,7 @@
           <p:nvPr>
             <p:extLst>
               <p:ext uri="{D42A27DB-BD31-4B8C-83A1-F6EECF244321}">
-                <p14:modId xmlns:p14="http://schemas.microsoft.com/office/powerpoint/2010/main" val="4138588668"/>
+                <p14:modId xmlns:p14="http://schemas.microsoft.com/office/powerpoint/2010/main" xmlns="" val="4138588668"/>
               </p:ext>
             </p:extLst>
           </p:nvPr>
@@ -7392,40 +7427,9 @@
         </p:xfrm>
         <a:graphic>
           <a:graphicData uri="http://schemas.openxmlformats.org/presentationml/2006/ole">
-            <mc:AlternateContent xmlns:mc="http://schemas.openxmlformats.org/markup-compatibility/2006">
-              <mc:Choice xmlns:v="urn:schemas-microsoft-com:vml" Requires="v">
-                <p:oleObj spid="_x0000_s9220" name="Planilha" r:id="rId3" imgW="1228771" imgH="390594" progId="Excel.Sheet.12">
-                  <p:embed/>
-                </p:oleObj>
-              </mc:Choice>
-              <mc:Fallback>
-                <p:oleObj name="Planilha" r:id="rId3" imgW="1228771" imgH="390594" progId="Excel.Sheet.12">
-                  <p:embed/>
-                  <p:pic>
-                    <p:nvPicPr>
-                      <p:cNvPr id="0" name=""/>
-                      <p:cNvPicPr/>
-                      <p:nvPr/>
-                    </p:nvPicPr>
-                    <p:blipFill>
-                      <a:blip r:embed="rId4"/>
-                      <a:stretch>
-                        <a:fillRect/>
-                      </a:stretch>
-                    </p:blipFill>
-                    <p:spPr>
-                      <a:xfrm>
-                        <a:off x="3957638" y="3233738"/>
-                        <a:ext cx="1228725" cy="390525"/>
-                      </a:xfrm>
-                      <a:prstGeom prst="rect">
-                        <a:avLst/>
-                      </a:prstGeom>
-                    </p:spPr>
-                  </p:pic>
-                </p:oleObj>
-              </mc:Fallback>
-            </mc:AlternateContent>
+            <p:oleObj spid="_x0000_s9220" name="Planilha" r:id="rId3" imgW="1228771" imgH="390594" progId="Excel.Sheet.12">
+              <p:embed/>
+            </p:oleObj>
           </a:graphicData>
         </a:graphic>
       </p:graphicFrame>
@@ -7439,7 +7443,7 @@
             <p:ph idx="1"/>
             <p:extLst>
               <p:ext uri="{D42A27DB-BD31-4B8C-83A1-F6EECF244321}">
-                <p14:modId xmlns:p14="http://schemas.microsoft.com/office/powerpoint/2010/main" val="2134768840"/>
+                <p14:modId xmlns:p14="http://schemas.microsoft.com/office/powerpoint/2010/main" xmlns="" val="2134768840"/>
               </p:ext>
             </p:extLst>
           </p:nvPr>
@@ -8006,7 +8010,7 @@
     </p:spTree>
     <p:extLst>
       <p:ext uri="{BB962C8B-B14F-4D97-AF65-F5344CB8AC3E}">
-        <p14:creationId xmlns:p14="http://schemas.microsoft.com/office/powerpoint/2010/main" val="1060046226"/>
+        <p14:creationId xmlns:p14="http://schemas.microsoft.com/office/powerpoint/2010/main" xmlns="" val="1060046226"/>
       </p:ext>
     </p:extLst>
   </p:cSld>
@@ -8020,6 +8024,93 @@
       </p:par>
     </p:tnLst>
   </p:timing>
+</p:sld>
+</file>
+
+<file path=ppt/slides/slide19.xml><?xml version="1.0" encoding="utf-8"?>
+<p:sld xmlns:a="http://schemas.openxmlformats.org/drawingml/2006/main" xmlns:r="http://schemas.openxmlformats.org/officeDocument/2006/relationships" xmlns:p="http://schemas.openxmlformats.org/presentationml/2006/main">
+  <p:cSld>
+    <p:spTree>
+      <p:nvGrpSpPr>
+        <p:cNvPr id="1" name=""/>
+        <p:cNvGrpSpPr/>
+        <p:nvPr/>
+      </p:nvGrpSpPr>
+      <p:grpSpPr>
+        <a:xfrm>
+          <a:off x="0" y="0"/>
+          <a:ext cx="0" cy="0"/>
+          <a:chOff x="0" y="0"/>
+          <a:chExt cx="0" cy="0"/>
+        </a:xfrm>
+      </p:grpSpPr>
+      <p:sp>
+        <p:nvSpPr>
+          <p:cNvPr id="3" name="Content Placeholder 2"/>
+          <p:cNvSpPr>
+            <a:spLocks noGrp="1"/>
+          </p:cNvSpPr>
+          <p:nvPr>
+            <p:ph idx="1"/>
+          </p:nvPr>
+        </p:nvSpPr>
+        <p:spPr>
+          <a:xfrm>
+            <a:off x="179512" y="1196752"/>
+            <a:ext cx="8785225" cy="4751387"/>
+          </a:xfrm>
+        </p:spPr>
+        <p:txBody>
+          <a:bodyPr/>
+          <a:lstStyle/>
+          <a:p>
+            <a:pPr algn="ctr">
+              <a:buNone/>
+            </a:pPr>
+            <a:endParaRPr lang="en-US" sz="4400" dirty="0" smtClean="0">
+              <a:latin typeface="Verdana" pitchFamily="34" charset="0"/>
+              <a:ea typeface="Verdana" pitchFamily="34" charset="0"/>
+              <a:cs typeface="Verdana" pitchFamily="34" charset="0"/>
+            </a:endParaRPr>
+          </a:p>
+          <a:p>
+            <a:pPr algn="ctr">
+              <a:buNone/>
+            </a:pPr>
+            <a:r>
+              <a:rPr lang="en-US" sz="6600" b="1" dirty="0" smtClean="0">
+                <a:latin typeface="Verdana" pitchFamily="34" charset="0"/>
+                <a:ea typeface="Verdana" pitchFamily="34" charset="0"/>
+                <a:cs typeface="Verdana" pitchFamily="34" charset="0"/>
+              </a:rPr>
+              <a:t>KPI</a:t>
+            </a:r>
+          </a:p>
+          <a:p>
+            <a:pPr algn="ctr">
+              <a:buNone/>
+            </a:pPr>
+            <a:r>
+              <a:rPr lang="en-US" sz="3600" dirty="0" smtClean="0">
+                <a:latin typeface="Verdana" pitchFamily="34" charset="0"/>
+                <a:ea typeface="Verdana" pitchFamily="34" charset="0"/>
+                <a:cs typeface="Verdana" pitchFamily="34" charset="0"/>
+              </a:rPr>
+              <a:t>Key Performance Indicator</a:t>
+            </a:r>
+            <a:endParaRPr lang="en-US" sz="3600" dirty="0">
+              <a:latin typeface="Verdana" pitchFamily="34" charset="0"/>
+              <a:ea typeface="Verdana" pitchFamily="34" charset="0"/>
+              <a:cs typeface="Verdana" pitchFamily="34" charset="0"/>
+            </a:endParaRPr>
+          </a:p>
+        </p:txBody>
+      </p:sp>
+    </p:spTree>
+  </p:cSld>
+  <p:clrMapOvr>
+    <a:masterClrMapping/>
+  </p:clrMapOvr>
 </p:sld>
 </file>
 
@@ -8085,7 +8176,7 @@
     </p:spTree>
     <p:extLst>
       <p:ext uri="{BB962C8B-B14F-4D97-AF65-F5344CB8AC3E}">
-        <p14:creationId xmlns:p14="http://schemas.microsoft.com/office/powerpoint/2010/main" val="33390202"/>
+        <p14:creationId xmlns:p14="http://schemas.microsoft.com/office/powerpoint/2010/main" xmlns="" val="33390202"/>
       </p:ext>
     </p:extLst>
   </p:cSld>
@@ -8099,6 +8190,160 @@
       </p:par>
     </p:tnLst>
   </p:timing>
+</p:sld>
+</file>
+
+<file path=ppt/slides/slide20.xml><?xml version="1.0" encoding="utf-8"?>
+<p:sld xmlns:a="http://schemas.openxmlformats.org/drawingml/2006/main" xmlns:r="http://schemas.openxmlformats.org/officeDocument/2006/relationships" xmlns:p="http://schemas.openxmlformats.org/presentationml/2006/main">
+  <p:cSld>
+    <p:spTree>
+      <p:nvGrpSpPr>
+        <p:cNvPr id="1" name=""/>
+        <p:cNvGrpSpPr/>
+        <p:nvPr/>
+      </p:nvGrpSpPr>
+      <p:grpSpPr>
+        <a:xfrm>
+          <a:off x="0" y="0"/>
+          <a:ext cx="0" cy="0"/>
+          <a:chOff x="0" y="0"/>
+          <a:chExt cx="0" cy="0"/>
+        </a:xfrm>
+      </p:grpSpPr>
+      <p:sp>
+        <p:nvSpPr>
+          <p:cNvPr id="2" name="Title 1"/>
+          <p:cNvSpPr>
+            <a:spLocks noGrp="1"/>
+          </p:cNvSpPr>
+          <p:nvPr>
+            <p:ph type="title"/>
+          </p:nvPr>
+        </p:nvSpPr>
+        <p:spPr/>
+        <p:txBody>
+          <a:bodyPr/>
+          <a:lstStyle/>
+          <a:p>
+            <a:r>
+              <a:rPr lang="en-US" dirty="0" err="1" smtClean="0"/>
+              <a:t>Indicadores</a:t>
+            </a:r>
+            <a:endParaRPr lang="en-US" dirty="0"/>
+          </a:p>
+        </p:txBody>
+      </p:sp>
+      <p:sp>
+        <p:nvSpPr>
+          <p:cNvPr id="3" name="Content Placeholder 2"/>
+          <p:cNvSpPr>
+            <a:spLocks noGrp="1"/>
+          </p:cNvSpPr>
+          <p:nvPr>
+            <p:ph idx="1"/>
+          </p:nvPr>
+        </p:nvSpPr>
+        <p:spPr/>
+        <p:txBody>
+          <a:bodyPr/>
+          <a:lstStyle/>
+          <a:p>
+            <a:r>
+              <a:rPr lang="en-US" dirty="0" err="1" smtClean="0"/>
+              <a:t>Casos</a:t>
+            </a:r>
+            <a:r>
+              <a:rPr lang="en-US" dirty="0" smtClean="0"/>
+              <a:t> de testes</a:t>
+            </a:r>
+          </a:p>
+          <a:p>
+            <a:r>
+              <a:rPr lang="en-US" dirty="0" smtClean="0"/>
+              <a:t>Bugs</a:t>
+            </a:r>
+          </a:p>
+          <a:p>
+            <a:r>
+              <a:rPr lang="en-US" dirty="0" smtClean="0"/>
+              <a:t>RH</a:t>
+            </a:r>
+            <a:endParaRPr lang="en-US" dirty="0"/>
+          </a:p>
+        </p:txBody>
+      </p:sp>
+    </p:spTree>
+  </p:cSld>
+  <p:clrMapOvr>
+    <a:masterClrMapping/>
+  </p:clrMapOvr>
+</p:sld>
+</file>
+
+<file path=ppt/slides/slide21.xml><?xml version="1.0" encoding="utf-8"?>
+<p:sld xmlns:a="http://schemas.openxmlformats.org/drawingml/2006/main" xmlns:r="http://schemas.openxmlformats.org/officeDocument/2006/relationships" xmlns:p="http://schemas.openxmlformats.org/presentationml/2006/main">
+  <p:cSld>
+    <p:spTree>
+      <p:nvGrpSpPr>
+        <p:cNvPr id="1" name=""/>
+        <p:cNvGrpSpPr/>
+        <p:nvPr/>
+      </p:nvGrpSpPr>
+      <p:grpSpPr>
+        <a:xfrm>
+          <a:off x="0" y="0"/>
+          <a:ext cx="0" cy="0"/>
+          <a:chOff x="0" y="0"/>
+          <a:chExt cx="0" cy="0"/>
+        </a:xfrm>
+      </p:grpSpPr>
+      <p:sp>
+        <p:nvSpPr>
+          <p:cNvPr id="2" name="Title 1"/>
+          <p:cNvSpPr>
+            <a:spLocks noGrp="1"/>
+          </p:cNvSpPr>
+          <p:nvPr>
+            <p:ph type="title"/>
+          </p:nvPr>
+        </p:nvSpPr>
+        <p:spPr/>
+        <p:txBody>
+          <a:bodyPr/>
+          <a:lstStyle/>
+          <a:p>
+            <a:r>
+              <a:rPr lang="en-US" dirty="0" smtClean="0"/>
+              <a:t>Targets</a:t>
+            </a:r>
+            <a:endParaRPr lang="en-US" dirty="0"/>
+          </a:p>
+        </p:txBody>
+      </p:sp>
+      <p:sp>
+        <p:nvSpPr>
+          <p:cNvPr id="3" name="Content Placeholder 2"/>
+          <p:cNvSpPr>
+            <a:spLocks noGrp="1"/>
+          </p:cNvSpPr>
+          <p:nvPr>
+            <p:ph idx="1"/>
+          </p:nvPr>
+        </p:nvSpPr>
+        <p:spPr/>
+        <p:txBody>
+          <a:bodyPr/>
+          <a:lstStyle/>
+          <a:p>
+            <a:endParaRPr lang="en-US" dirty="0"/>
+          </a:p>
+        </p:txBody>
+      </p:sp>
+    </p:spTree>
+  </p:cSld>
+  <p:clrMapOvr>
+    <a:masterClrMapping/>
+  </p:clrMapOvr>
 </p:sld>
 </file>
 
@@ -8151,7 +8396,7 @@
     </p:spTree>
     <p:extLst>
       <p:ext uri="{BB962C8B-B14F-4D97-AF65-F5344CB8AC3E}">
-        <p14:creationId xmlns:p14="http://schemas.microsoft.com/office/powerpoint/2010/main" val="1673295198"/>
+        <p14:creationId xmlns:p14="http://schemas.microsoft.com/office/powerpoint/2010/main" xmlns="" val="1673295198"/>
       </p:ext>
     </p:extLst>
   </p:cSld>
@@ -8239,7 +8484,7 @@
     </p:spTree>
     <p:extLst>
       <p:ext uri="{BB962C8B-B14F-4D97-AF65-F5344CB8AC3E}">
-        <p14:creationId xmlns:p14="http://schemas.microsoft.com/office/powerpoint/2010/main" val="660323680"/>
+        <p14:creationId xmlns:p14="http://schemas.microsoft.com/office/powerpoint/2010/main" xmlns="" val="660323680"/>
       </p:ext>
     </p:extLst>
   </p:cSld>
@@ -8342,7 +8587,7 @@
     </p:spTree>
     <p:extLst>
       <p:ext uri="{BB962C8B-B14F-4D97-AF65-F5344CB8AC3E}">
-        <p14:creationId xmlns:p14="http://schemas.microsoft.com/office/powerpoint/2010/main" val="3037708794"/>
+        <p14:creationId xmlns:p14="http://schemas.microsoft.com/office/powerpoint/2010/main" xmlns="" val="3037708794"/>
       </p:ext>
     </p:extLst>
   </p:cSld>
@@ -8460,7 +8705,7 @@
     </p:spTree>
     <p:extLst>
       <p:ext uri="{BB962C8B-B14F-4D97-AF65-F5344CB8AC3E}">
-        <p14:creationId xmlns:p14="http://schemas.microsoft.com/office/powerpoint/2010/main" val="2293345811"/>
+        <p14:creationId xmlns:p14="http://schemas.microsoft.com/office/powerpoint/2010/main" xmlns="" val="2293345811"/>
       </p:ext>
     </p:extLst>
   </p:cSld>
@@ -8526,7 +8771,7 @@
             <p:ph idx="1"/>
             <p:extLst>
               <p:ext uri="{D42A27DB-BD31-4B8C-83A1-F6EECF244321}">
-                <p14:modId xmlns:p14="http://schemas.microsoft.com/office/powerpoint/2010/main" val="3703342790"/>
+                <p14:modId xmlns:p14="http://schemas.microsoft.com/office/powerpoint/2010/main" xmlns="" val="3703342790"/>
               </p:ext>
             </p:extLst>
           </p:nvPr>
@@ -8816,7 +9061,7 @@
     </p:spTree>
     <p:extLst>
       <p:ext uri="{BB962C8B-B14F-4D97-AF65-F5344CB8AC3E}">
-        <p14:creationId xmlns:p14="http://schemas.microsoft.com/office/powerpoint/2010/main" val="3327228760"/>
+        <p14:creationId xmlns:p14="http://schemas.microsoft.com/office/powerpoint/2010/main" xmlns="" val="3327228760"/>
       </p:ext>
     </p:extLst>
   </p:cSld>
@@ -8943,7 +9188,7 @@
     </p:spTree>
     <p:extLst>
       <p:ext uri="{BB962C8B-B14F-4D97-AF65-F5344CB8AC3E}">
-        <p14:creationId xmlns:p14="http://schemas.microsoft.com/office/powerpoint/2010/main" val="2218987622"/>
+        <p14:creationId xmlns:p14="http://schemas.microsoft.com/office/powerpoint/2010/main" xmlns="" val="2218987622"/>
       </p:ext>
     </p:extLst>
   </p:cSld>
@@ -9041,7 +9286,7 @@
           <p:nvPr>
             <p:extLst>
               <p:ext uri="{D42A27DB-BD31-4B8C-83A1-F6EECF244321}">
-                <p14:modId xmlns:p14="http://schemas.microsoft.com/office/powerpoint/2010/main" val="4196804845"/>
+                <p14:modId xmlns:p14="http://schemas.microsoft.com/office/powerpoint/2010/main" xmlns="" val="4196804845"/>
               </p:ext>
             </p:extLst>
           </p:nvPr>
@@ -9497,7 +9742,7 @@
     </p:spTree>
     <p:extLst>
       <p:ext uri="{BB962C8B-B14F-4D97-AF65-F5344CB8AC3E}">
-        <p14:creationId xmlns:p14="http://schemas.microsoft.com/office/powerpoint/2010/main" val="2050360181"/>
+        <p14:creationId xmlns:p14="http://schemas.microsoft.com/office/powerpoint/2010/main" xmlns="" val="2050360181"/>
       </p:ext>
     </p:extLst>
   </p:cSld>
@@ -9819,7 +10064,7 @@
   <a:extraClrSchemeLst/>
   <a:extLst>
     <a:ext uri="{05A4C25C-085E-4340-85A3-A5531E510DB2}">
-      <thm15:themeFamily xmlns:thm15="http://schemas.microsoft.com/office/thememl/2012/main" xmlns="" name="Impacta" id="{9DEE3D4C-7075-4EED-BE25-71DD8C403211}" vid="{301E77B6-CD37-4EBE-AE48-640047432F64}"/>
+      <thm15:themeFamily xmlns="" xmlns:thm15="http://schemas.microsoft.com/office/thememl/2012/main" name="Impacta" id="{9DEE3D4C-7075-4EED-BE25-71DD8C403211}" vid="{301E77B6-CD37-4EBE-AE48-640047432F64}"/>
     </a:ext>
   </a:extLst>
 </a:theme>

--- a/Qualidade de Produto de SW/Qualidade de produto de SW - TRABALHO.pptx
+++ b/Qualidade de Produto de SW/Qualidade de produto de SW - TRABALHO.pptx
@@ -13,18 +13,18 @@
     <p:sldId id="328" r:id="rId4"/>
     <p:sldId id="329" r:id="rId5"/>
     <p:sldId id="330" r:id="rId6"/>
-    <p:sldId id="331" r:id="rId7"/>
-    <p:sldId id="332" r:id="rId8"/>
-    <p:sldId id="333" r:id="rId9"/>
-    <p:sldId id="334" r:id="rId10"/>
-    <p:sldId id="336" r:id="rId11"/>
-    <p:sldId id="335" r:id="rId12"/>
-    <p:sldId id="337" r:id="rId13"/>
-    <p:sldId id="338" r:id="rId14"/>
+    <p:sldId id="347" r:id="rId7"/>
+    <p:sldId id="348" r:id="rId8"/>
+    <p:sldId id="349" r:id="rId9"/>
+    <p:sldId id="350" r:id="rId10"/>
+    <p:sldId id="351" r:id="rId11"/>
+    <p:sldId id="352" r:id="rId12"/>
+    <p:sldId id="353" r:id="rId13"/>
+    <p:sldId id="354" r:id="rId14"/>
     <p:sldId id="339" r:id="rId15"/>
-    <p:sldId id="341" r:id="rId16"/>
-    <p:sldId id="340" r:id="rId17"/>
-    <p:sldId id="343" r:id="rId18"/>
+    <p:sldId id="355" r:id="rId16"/>
+    <p:sldId id="356" r:id="rId17"/>
+    <p:sldId id="357" r:id="rId18"/>
     <p:sldId id="342" r:id="rId19"/>
     <p:sldId id="344" r:id="rId20"/>
     <p:sldId id="345" r:id="rId21"/>
@@ -34,21 +34,21 @@
   <p:notesSz cx="7315200" cy="9601200"/>
   <p:embeddedFontLst>
     <p:embeddedFont>
-      <p:font typeface="Verdana" pitchFamily="34" charset="0"/>
+      <p:font typeface="Verdana" panose="020B0604030504040204" pitchFamily="34" charset="0"/>
       <p:regular r:id="rId24"/>
       <p:bold r:id="rId25"/>
       <p:italic r:id="rId26"/>
       <p:boldItalic r:id="rId27"/>
     </p:embeddedFont>
     <p:embeddedFont>
-      <p:font typeface="Calibri" pitchFamily="34" charset="0"/>
+      <p:font typeface="Calibri" panose="020F0502020204030204" pitchFamily="34" charset="0"/>
       <p:regular r:id="rId28"/>
       <p:bold r:id="rId29"/>
       <p:italic r:id="rId30"/>
       <p:boldItalic r:id="rId31"/>
     </p:embeddedFont>
     <p:embeddedFont>
-      <p:font typeface="Tahoma" pitchFamily="34" charset="0"/>
+      <p:font typeface="Tahoma" panose="020B0604030504040204" pitchFamily="34" charset="0"/>
       <p:regular r:id="rId32"/>
       <p:bold r:id="rId33"/>
     </p:embeddedFont>
@@ -257,7 +257,7 @@
   </p:defaultTextStyle>
   <p:extLst>
     <p:ext uri="{EFAFB233-063F-42B5-8137-9DF3F51BA10A}">
-      <p15:sldGuideLst xmlns="" xmlns:p15="http://schemas.microsoft.com/office/powerpoint/2012/main">
+      <p15:sldGuideLst xmlns:p15="http://schemas.microsoft.com/office/powerpoint/2012/main">
         <p15:guide id="1" orient="horz" pos="2160">
           <p15:clr>
             <a:srgbClr val="A4A3A4"/>
@@ -1181,7 +1181,7 @@
                 <a:buFont typeface="Tahoma"/>
                 <a:buNone/>
               </a:pPr>
-              <a:t>‹#›</a:t>
+              <a:t>‹nº›</a:t>
             </a:fld>
             <a:endParaRPr lang="en-US" sz="1300" b="0" i="0" u="none" strike="noStrike" cap="none">
               <a:solidFill>
@@ -1198,7 +1198,7 @@
     </p:spTree>
     <p:extLst>
       <p:ext uri="{BB962C8B-B14F-4D97-AF65-F5344CB8AC3E}">
-        <p14:creationId xmlns:p14="http://schemas.microsoft.com/office/powerpoint/2010/main" xmlns="" val="1559816394"/>
+        <p14:creationId xmlns:p14="http://schemas.microsoft.com/office/powerpoint/2010/main" val="1559816394"/>
       </p:ext>
     </p:extLst>
   </p:cSld>
@@ -1394,7 +1394,7 @@
     </p:spTree>
     <p:extLst>
       <p:ext uri="{BB962C8B-B14F-4D97-AF65-F5344CB8AC3E}">
-        <p14:creationId xmlns:p14="http://schemas.microsoft.com/office/powerpoint/2010/main" xmlns="" val="4222154634"/>
+        <p14:creationId xmlns:p14="http://schemas.microsoft.com/office/powerpoint/2010/main" val="4222154634"/>
       </p:ext>
     </p:extLst>
   </p:cSld>
@@ -1510,7 +1510,7 @@
     </p:spTree>
     <p:extLst>
       <p:ext uri="{BB962C8B-B14F-4D97-AF65-F5344CB8AC3E}">
-        <p14:creationId xmlns:p14="http://schemas.microsoft.com/office/powerpoint/2010/main" xmlns="" val="1279608820"/>
+        <p14:creationId xmlns:p14="http://schemas.microsoft.com/office/powerpoint/2010/main" val="1279608820"/>
       </p:ext>
     </p:extLst>
   </p:cSld>
@@ -1743,7 +1743,7 @@
     </p:spTree>
     <p:extLst>
       <p:ext uri="{BB962C8B-B14F-4D97-AF65-F5344CB8AC3E}">
-        <p14:creationId xmlns:p14="http://schemas.microsoft.com/office/powerpoint/2010/main" xmlns="" val="2478786571"/>
+        <p14:creationId xmlns:p14="http://schemas.microsoft.com/office/powerpoint/2010/main" val="2478786571"/>
       </p:ext>
     </p:extLst>
   </p:cSld>
@@ -2037,7 +2037,7 @@
     </p:spTree>
     <p:extLst>
       <p:ext uri="{BB962C8B-B14F-4D97-AF65-F5344CB8AC3E}">
-        <p14:creationId xmlns:p14="http://schemas.microsoft.com/office/powerpoint/2010/main" xmlns="" val="2328964540"/>
+        <p14:creationId xmlns:p14="http://schemas.microsoft.com/office/powerpoint/2010/main" val="2328964540"/>
       </p:ext>
     </p:extLst>
   </p:cSld>
@@ -2391,7 +2391,7 @@
                 <a:cs typeface="Verdana" pitchFamily="34" charset="0"/>
               </a:rPr>
               <a:pPr/>
-              <a:t>‹#›</a:t>
+              <a:t>‹nº›</a:t>
             </a:fld>
             <a:endParaRPr lang="pt-BR" sz="1400" b="1" dirty="0">
               <a:solidFill>
@@ -2410,7 +2410,7 @@
     </p:spTree>
     <p:extLst>
       <p:ext uri="{BB962C8B-B14F-4D97-AF65-F5344CB8AC3E}">
-        <p14:creationId xmlns:p14="http://schemas.microsoft.com/office/powerpoint/2010/main" xmlns="" val="3375524679"/>
+        <p14:creationId xmlns:p14="http://schemas.microsoft.com/office/powerpoint/2010/main" val="3375524679"/>
       </p:ext>
     </p:extLst>
   </p:cSld>
@@ -2440,7 +2440,7 @@
     </p:spTree>
     <p:extLst>
       <p:ext uri="{BB962C8B-B14F-4D97-AF65-F5344CB8AC3E}">
-        <p14:creationId xmlns:p14="http://schemas.microsoft.com/office/powerpoint/2010/main" xmlns="" val="772820594"/>
+        <p14:creationId xmlns:p14="http://schemas.microsoft.com/office/powerpoint/2010/main" val="772820594"/>
       </p:ext>
     </p:extLst>
   </p:cSld>
@@ -2602,7 +2602,7 @@
     </p:spTree>
     <p:extLst>
       <p:ext uri="{BB962C8B-B14F-4D97-AF65-F5344CB8AC3E}">
-        <p14:creationId xmlns:p14="http://schemas.microsoft.com/office/powerpoint/2010/main" xmlns="" val="2806790013"/>
+        <p14:creationId xmlns:p14="http://schemas.microsoft.com/office/powerpoint/2010/main" val="2806790013"/>
       </p:ext>
     </p:extLst>
   </p:cSld>
@@ -2743,7 +2743,7 @@
     </p:spTree>
     <p:extLst>
       <p:ext uri="{BB962C8B-B14F-4D97-AF65-F5344CB8AC3E}">
-        <p14:creationId xmlns:p14="http://schemas.microsoft.com/office/powerpoint/2010/main" xmlns="" val="1674071280"/>
+        <p14:creationId xmlns:p14="http://schemas.microsoft.com/office/powerpoint/2010/main" val="1674071280"/>
       </p:ext>
     </p:extLst>
   </p:cSld>
@@ -2926,7 +2926,7 @@
     </p:spTree>
     <p:extLst>
       <p:ext uri="{BB962C8B-B14F-4D97-AF65-F5344CB8AC3E}">
-        <p14:creationId xmlns:p14="http://schemas.microsoft.com/office/powerpoint/2010/main" xmlns="" val="3915180986"/>
+        <p14:creationId xmlns:p14="http://schemas.microsoft.com/office/powerpoint/2010/main" val="3915180986"/>
       </p:ext>
     </p:extLst>
   </p:cSld>
@@ -2991,7 +2991,7 @@
     </p:spTree>
     <p:extLst>
       <p:ext uri="{BB962C8B-B14F-4D97-AF65-F5344CB8AC3E}">
-        <p14:creationId xmlns:p14="http://schemas.microsoft.com/office/powerpoint/2010/main" xmlns="" val="3402029070"/>
+        <p14:creationId xmlns:p14="http://schemas.microsoft.com/office/powerpoint/2010/main" val="3402029070"/>
       </p:ext>
     </p:extLst>
   </p:cSld>
@@ -3069,7 +3069,7 @@
     </p:spTree>
     <p:extLst>
       <p:ext uri="{BB962C8B-B14F-4D97-AF65-F5344CB8AC3E}">
-        <p14:creationId xmlns:p14="http://schemas.microsoft.com/office/powerpoint/2010/main" xmlns="" val="721522243"/>
+        <p14:creationId xmlns:p14="http://schemas.microsoft.com/office/powerpoint/2010/main" val="721522243"/>
       </p:ext>
     </p:extLst>
   </p:cSld>
@@ -3201,7 +3201,7 @@
     </p:spTree>
     <p:extLst>
       <p:ext uri="{BB962C8B-B14F-4D97-AF65-F5344CB8AC3E}">
-        <p14:creationId xmlns:p14="http://schemas.microsoft.com/office/powerpoint/2010/main" xmlns="" val="656146748"/>
+        <p14:creationId xmlns:p14="http://schemas.microsoft.com/office/powerpoint/2010/main" val="656146748"/>
       </p:ext>
     </p:extLst>
   </p:cSld>
@@ -3661,7 +3661,31 @@
                   <a:schemeClr val="tx1"/>
                 </a:solidFill>
               </a:rPr>
-              <a:t>                                   Vagner Alcântara - RA 1600192</a:t>
+              <a:t>                                   Vagner </a:t>
+            </a:r>
+            <a:r>
+              <a:rPr lang="pt-BR" sz="1400" dirty="0" err="1" smtClean="0">
+                <a:solidFill>
+                  <a:schemeClr val="tx1"/>
+                </a:solidFill>
+              </a:rPr>
+              <a:t>Alcantara</a:t>
+            </a:r>
+            <a:r>
+              <a:rPr lang="pt-BR" sz="1400" dirty="0" smtClean="0">
+                <a:solidFill>
+                  <a:schemeClr val="tx1"/>
+                </a:solidFill>
+              </a:rPr>
+              <a:t> </a:t>
+            </a:r>
+            <a:r>
+              <a:rPr lang="pt-BR" sz="1400" dirty="0" smtClean="0">
+                <a:solidFill>
+                  <a:schemeClr val="tx1"/>
+                </a:solidFill>
+              </a:rPr>
+              <a:t>- RA 1600192</a:t>
             </a:r>
           </a:p>
           <a:p>
@@ -3739,22 +3763,18 @@
           </p:cNvGraphicFramePr>
           <p:nvPr>
             <p:ph idx="1"/>
-            <p:extLst>
-              <p:ext uri="{D42A27DB-BD31-4B8C-83A1-F6EECF244321}">
-                <p14:modId xmlns:p14="http://schemas.microsoft.com/office/powerpoint/2010/main" xmlns="" val="959159014"/>
-              </p:ext>
-            </p:extLst>
+            <p:extLst/>
           </p:nvPr>
         </p:nvGraphicFramePr>
         <p:xfrm>
-          <a:off x="755576" y="1772817"/>
-          <a:ext cx="7704856" cy="4550664"/>
+          <a:off x="726046" y="1916832"/>
+          <a:ext cx="7704856" cy="4615942"/>
         </p:xfrm>
         <a:graphic>
           <a:graphicData uri="http://schemas.openxmlformats.org/drawingml/2006/table">
             <a:tbl>
               <a:tblPr bandRow="1">
-                <a:tableStyleId>{5C22544A-7EE6-4342-B048-85BDC9FD1C3A}</a:tableStyleId>
+                <a:tableStyleId>{793D81CF-94F2-401A-BA57-92F5A7B2D0C5}</a:tableStyleId>
               </a:tblPr>
               <a:tblGrid>
                 <a:gridCol w="1946406"/>
@@ -3775,18 +3795,24 @@
                         </a:spcAft>
                       </a:pPr>
                       <a:r>
-                        <a:rPr lang="pt-BR" sz="1800" dirty="0">
-                          <a:effectLst/>
-                        </a:rPr>
-                        <a:t>                              </a:t>
-                      </a:r>
-                      <a:r>
                         <a:rPr lang="pt-BR" sz="1800" b="1" dirty="0">
                           <a:effectLst/>
                         </a:rPr>
-                        <a:t>               Descrição do Teste Funcional</a:t>
-                      </a:r>
-                      <a:endParaRPr lang="pt-BR" sz="1800" b="1" dirty="0">
+                        <a:t>                                             </a:t>
+                      </a:r>
+                      <a:r>
+                        <a:rPr lang="pt-BR" sz="1800" b="1" dirty="0" smtClean="0">
+                          <a:effectLst/>
+                        </a:rPr>
+                        <a:t>                  </a:t>
+                      </a:r>
+                      <a:r>
+                        <a:rPr lang="pt-BR" sz="2200" b="1" dirty="0" smtClean="0">
+                          <a:effectLst/>
+                        </a:rPr>
+                        <a:t>Descrição</a:t>
+                      </a:r>
+                      <a:endParaRPr lang="pt-BR" sz="2200" b="1" dirty="0">
                         <a:solidFill>
                           <a:srgbClr val="000000"/>
                         </a:solidFill>
@@ -3797,7 +3823,17 @@
                       </a:endParaRPr>
                     </a:p>
                   </a:txBody>
-                  <a:tcPr marL="66675" marR="66675" marT="66675" marB="66675"/>
+                  <a:tcPr marL="66675" marR="66675" marT="66675" marB="66675">
+                    <a:lnB w="12700" cap="flat" cmpd="sng" algn="ctr">
+                      <a:solidFill>
+                        <a:schemeClr val="tx1"/>
+                      </a:solidFill>
+                      <a:prstDash val="solid"/>
+                      <a:round/>
+                      <a:headEnd type="none" w="med" len="med"/>
+                      <a:tailEnd type="none" w="med" len="med"/>
+                    </a:lnB>
+                  </a:tcPr>
                 </a:tc>
                 <a:tc hMerge="1">
                   <a:txBody>
@@ -3825,12 +3861,18 @@
                         </a:spcAft>
                       </a:pPr>
                       <a:r>
-                        <a:rPr lang="pt-BR" sz="1800">
-                          <a:effectLst/>
-                        </a:rPr>
-                        <a:t>Tipo de Teste</a:t>
-                      </a:r>
-                      <a:endParaRPr lang="pt-BR" sz="1800">
+                        <a:rPr lang="pt-BR" sz="1800" b="1" dirty="0">
+                          <a:effectLst/>
+                        </a:rPr>
+                        <a:t>Tipo de </a:t>
+                      </a:r>
+                      <a:r>
+                        <a:rPr lang="pt-BR" sz="1800" b="1" dirty="0" smtClean="0">
+                          <a:effectLst/>
+                        </a:rPr>
+                        <a:t>Teste:</a:t>
+                      </a:r>
+                      <a:endParaRPr lang="pt-BR" sz="1800" b="1" dirty="0">
                         <a:solidFill>
                           <a:srgbClr val="000000"/>
                         </a:solidFill>
@@ -3841,7 +3883,44 @@
                       </a:endParaRPr>
                     </a:p>
                   </a:txBody>
-                  <a:tcPr marL="66675" marR="66675" marT="66675" marB="66675"/>
+                  <a:tcPr marL="66675" marR="66675" marT="66675" marB="66675">
+                    <a:lnL w="12700" cap="flat" cmpd="sng" algn="ctr">
+                      <a:solidFill>
+                        <a:schemeClr val="tx1"/>
+                      </a:solidFill>
+                      <a:prstDash val="solid"/>
+                      <a:round/>
+                      <a:headEnd type="none" w="med" len="med"/>
+                      <a:tailEnd type="none" w="med" len="med"/>
+                    </a:lnL>
+                    <a:lnR w="12700" cap="flat" cmpd="sng" algn="ctr">
+                      <a:solidFill>
+                        <a:schemeClr val="tx1"/>
+                      </a:solidFill>
+                      <a:prstDash val="solid"/>
+                      <a:round/>
+                      <a:headEnd type="none" w="med" len="med"/>
+                      <a:tailEnd type="none" w="med" len="med"/>
+                    </a:lnR>
+                    <a:lnT w="12700" cap="flat" cmpd="sng" algn="ctr">
+                      <a:solidFill>
+                        <a:schemeClr val="tx1"/>
+                      </a:solidFill>
+                      <a:prstDash val="solid"/>
+                      <a:round/>
+                      <a:headEnd type="none" w="med" len="med"/>
+                      <a:tailEnd type="none" w="med" len="med"/>
+                    </a:lnT>
+                    <a:lnB w="12700" cap="flat" cmpd="sng" algn="ctr">
+                      <a:solidFill>
+                        <a:schemeClr val="tx1"/>
+                      </a:solidFill>
+                      <a:prstDash val="solid"/>
+                      <a:round/>
+                      <a:headEnd type="none" w="med" len="med"/>
+                      <a:tailEnd type="none" w="med" len="med"/>
+                    </a:lnB>
+                  </a:tcPr>
                 </a:tc>
                 <a:tc>
                   <a:txBody>
@@ -3857,12 +3936,12 @@
                         </a:spcAft>
                       </a:pPr>
                       <a:r>
-                        <a:rPr lang="pt-BR" sz="1800">
-                          <a:effectLst/>
-                        </a:rPr>
-                        <a:t>Funcional</a:t>
-                      </a:r>
-                      <a:endParaRPr lang="pt-BR" sz="1800">
+                        <a:rPr lang="pt-BR" sz="1800" dirty="0" smtClean="0">
+                          <a:effectLst/>
+                        </a:rPr>
+                        <a:t>Funcional.</a:t>
+                      </a:r>
+                      <a:endParaRPr lang="pt-BR" sz="1800" dirty="0">
                         <a:solidFill>
                           <a:srgbClr val="000000"/>
                         </a:solidFill>
@@ -3873,7 +3952,44 @@
                       </a:endParaRPr>
                     </a:p>
                   </a:txBody>
-                  <a:tcPr marL="66675" marR="66675" marT="66675" marB="66675"/>
+                  <a:tcPr marL="66675" marR="66675" marT="66675" marB="66675">
+                    <a:lnL w="12700" cap="flat" cmpd="sng" algn="ctr">
+                      <a:solidFill>
+                        <a:schemeClr val="tx1"/>
+                      </a:solidFill>
+                      <a:prstDash val="solid"/>
+                      <a:round/>
+                      <a:headEnd type="none" w="med" len="med"/>
+                      <a:tailEnd type="none" w="med" len="med"/>
+                    </a:lnL>
+                    <a:lnR w="12700" cap="flat" cmpd="sng" algn="ctr">
+                      <a:solidFill>
+                        <a:schemeClr val="tx1"/>
+                      </a:solidFill>
+                      <a:prstDash val="solid"/>
+                      <a:round/>
+                      <a:headEnd type="none" w="med" len="med"/>
+                      <a:tailEnd type="none" w="med" len="med"/>
+                    </a:lnR>
+                    <a:lnT w="12700" cap="flat" cmpd="sng" algn="ctr">
+                      <a:solidFill>
+                        <a:schemeClr val="tx1"/>
+                      </a:solidFill>
+                      <a:prstDash val="solid"/>
+                      <a:round/>
+                      <a:headEnd type="none" w="med" len="med"/>
+                      <a:tailEnd type="none" w="med" len="med"/>
+                    </a:lnT>
+                    <a:lnB w="12700" cap="flat" cmpd="sng" algn="ctr">
+                      <a:solidFill>
+                        <a:schemeClr val="tx1"/>
+                      </a:solidFill>
+                      <a:prstDash val="solid"/>
+                      <a:round/>
+                      <a:headEnd type="none" w="med" len="med"/>
+                      <a:tailEnd type="none" w="med" len="med"/>
+                    </a:lnB>
+                  </a:tcPr>
                 </a:tc>
               </a:tr>
               <a:tr h="660500">
@@ -3891,12 +4007,12 @@
                         </a:spcAft>
                       </a:pPr>
                       <a:r>
-                        <a:rPr lang="pt-BR" sz="1800">
+                        <a:rPr lang="pt-BR" sz="1800" b="1" dirty="0">
                           <a:effectLst/>
                         </a:rPr>
                         <a:t>Objetivo do Teste:</a:t>
                       </a:r>
-                      <a:endParaRPr lang="pt-BR" sz="1800">
+                      <a:endParaRPr lang="pt-BR" sz="1800" b="1" dirty="0">
                         <a:solidFill>
                           <a:srgbClr val="000000"/>
                         </a:solidFill>
@@ -3907,7 +4023,44 @@
                       </a:endParaRPr>
                     </a:p>
                   </a:txBody>
-                  <a:tcPr marL="66675" marR="66675" marT="66675" marB="66675"/>
+                  <a:tcPr marL="66675" marR="66675" marT="66675" marB="66675">
+                    <a:lnL w="12700" cap="flat" cmpd="sng" algn="ctr">
+                      <a:solidFill>
+                        <a:schemeClr val="tx1"/>
+                      </a:solidFill>
+                      <a:prstDash val="solid"/>
+                      <a:round/>
+                      <a:headEnd type="none" w="med" len="med"/>
+                      <a:tailEnd type="none" w="med" len="med"/>
+                    </a:lnL>
+                    <a:lnR w="12700" cap="flat" cmpd="sng" algn="ctr">
+                      <a:solidFill>
+                        <a:schemeClr val="tx1"/>
+                      </a:solidFill>
+                      <a:prstDash val="solid"/>
+                      <a:round/>
+                      <a:headEnd type="none" w="med" len="med"/>
+                      <a:tailEnd type="none" w="med" len="med"/>
+                    </a:lnR>
+                    <a:lnT w="12700" cap="flat" cmpd="sng" algn="ctr">
+                      <a:solidFill>
+                        <a:schemeClr val="tx1"/>
+                      </a:solidFill>
+                      <a:prstDash val="solid"/>
+                      <a:round/>
+                      <a:headEnd type="none" w="med" len="med"/>
+                      <a:tailEnd type="none" w="med" len="med"/>
+                    </a:lnT>
+                    <a:lnB w="12700" cap="flat" cmpd="sng" algn="ctr">
+                      <a:solidFill>
+                        <a:schemeClr val="tx1"/>
+                      </a:solidFill>
+                      <a:prstDash val="solid"/>
+                      <a:round/>
+                      <a:headEnd type="none" w="med" len="med"/>
+                      <a:tailEnd type="none" w="med" len="med"/>
+                    </a:lnB>
+                  </a:tcPr>
                 </a:tc>
                 <a:tc>
                   <a:txBody>
@@ -3923,12 +4076,12 @@
                         </a:spcAft>
                       </a:pPr>
                       <a:r>
-                        <a:rPr lang="pt-BR" sz="1800">
+                        <a:rPr lang="pt-BR" sz="1800" dirty="0">
                           <a:effectLst/>
                         </a:rPr>
                         <a:t>Verificar e validar a conformidade dos requisitos e funções desenvolvidas.</a:t>
                       </a:r>
-                      <a:endParaRPr lang="pt-BR" sz="1800">
+                      <a:endParaRPr lang="pt-BR" sz="1800" dirty="0">
                         <a:solidFill>
                           <a:srgbClr val="000000"/>
                         </a:solidFill>
@@ -3939,7 +4092,44 @@
                       </a:endParaRPr>
                     </a:p>
                   </a:txBody>
-                  <a:tcPr marL="66675" marR="66675" marT="66675" marB="66675"/>
+                  <a:tcPr marL="66675" marR="66675" marT="66675" marB="66675">
+                    <a:lnL w="12700" cap="flat" cmpd="sng" algn="ctr">
+                      <a:solidFill>
+                        <a:schemeClr val="tx1"/>
+                      </a:solidFill>
+                      <a:prstDash val="solid"/>
+                      <a:round/>
+                      <a:headEnd type="none" w="med" len="med"/>
+                      <a:tailEnd type="none" w="med" len="med"/>
+                    </a:lnL>
+                    <a:lnR w="12700" cap="flat" cmpd="sng" algn="ctr">
+                      <a:solidFill>
+                        <a:schemeClr val="tx1"/>
+                      </a:solidFill>
+                      <a:prstDash val="solid"/>
+                      <a:round/>
+                      <a:headEnd type="none" w="med" len="med"/>
+                      <a:tailEnd type="none" w="med" len="med"/>
+                    </a:lnR>
+                    <a:lnT w="12700" cap="flat" cmpd="sng" algn="ctr">
+                      <a:solidFill>
+                        <a:schemeClr val="tx1"/>
+                      </a:solidFill>
+                      <a:prstDash val="solid"/>
+                      <a:round/>
+                      <a:headEnd type="none" w="med" len="med"/>
+                      <a:tailEnd type="none" w="med" len="med"/>
+                    </a:lnT>
+                    <a:lnB w="12700" cap="flat" cmpd="sng" algn="ctr">
+                      <a:solidFill>
+                        <a:schemeClr val="tx1"/>
+                      </a:solidFill>
+                      <a:prstDash val="solid"/>
+                      <a:round/>
+                      <a:headEnd type="none" w="med" len="med"/>
+                      <a:tailEnd type="none" w="med" len="med"/>
+                    </a:lnB>
+                  </a:tcPr>
                 </a:tc>
               </a:tr>
               <a:tr h="660500">
@@ -3957,12 +4147,12 @@
                         </a:spcAft>
                       </a:pPr>
                       <a:r>
-                        <a:rPr lang="pt-BR" sz="1800">
+                        <a:rPr lang="pt-BR" sz="1800" b="1" dirty="0">
                           <a:effectLst/>
                         </a:rPr>
                         <a:t>Técnica:</a:t>
                       </a:r>
-                      <a:endParaRPr lang="pt-BR" sz="1800">
+                      <a:endParaRPr lang="pt-BR" sz="1800" b="1" dirty="0">
                         <a:solidFill>
                           <a:srgbClr val="000000"/>
                         </a:solidFill>
@@ -3973,7 +4163,44 @@
                       </a:endParaRPr>
                     </a:p>
                   </a:txBody>
-                  <a:tcPr marL="66675" marR="66675" marT="66675" marB="66675"/>
+                  <a:tcPr marL="66675" marR="66675" marT="66675" marB="66675">
+                    <a:lnL w="12700" cap="flat" cmpd="sng" algn="ctr">
+                      <a:solidFill>
+                        <a:schemeClr val="tx1"/>
+                      </a:solidFill>
+                      <a:prstDash val="solid"/>
+                      <a:round/>
+                      <a:headEnd type="none" w="med" len="med"/>
+                      <a:tailEnd type="none" w="med" len="med"/>
+                    </a:lnL>
+                    <a:lnR w="12700" cap="flat" cmpd="sng" algn="ctr">
+                      <a:solidFill>
+                        <a:schemeClr val="tx1"/>
+                      </a:solidFill>
+                      <a:prstDash val="solid"/>
+                      <a:round/>
+                      <a:headEnd type="none" w="med" len="med"/>
+                      <a:tailEnd type="none" w="med" len="med"/>
+                    </a:lnR>
+                    <a:lnT w="12700" cap="flat" cmpd="sng" algn="ctr">
+                      <a:solidFill>
+                        <a:schemeClr val="tx1"/>
+                      </a:solidFill>
+                      <a:prstDash val="solid"/>
+                      <a:round/>
+                      <a:headEnd type="none" w="med" len="med"/>
+                      <a:tailEnd type="none" w="med" len="med"/>
+                    </a:lnT>
+                    <a:lnB w="12700" cap="flat" cmpd="sng" algn="ctr">
+                      <a:solidFill>
+                        <a:schemeClr val="tx1"/>
+                      </a:solidFill>
+                      <a:prstDash val="solid"/>
+                      <a:round/>
+                      <a:headEnd type="none" w="med" len="med"/>
+                      <a:tailEnd type="none" w="med" len="med"/>
+                    </a:lnB>
+                  </a:tcPr>
                 </a:tc>
                 <a:tc>
                   <a:txBody>
@@ -3989,12 +4216,12 @@
                         </a:spcAft>
                       </a:pPr>
                       <a:r>
-                        <a:rPr lang="pt-BR" sz="1800">
+                        <a:rPr lang="pt-BR" sz="1800" dirty="0">
                           <a:effectLst/>
                         </a:rPr>
                         <a:t>Partição de equivalência, Tabela de decisão e Transição de estados.</a:t>
                       </a:r>
-                      <a:endParaRPr lang="pt-BR" sz="1800">
+                      <a:endParaRPr lang="pt-BR" sz="1800" dirty="0">
                         <a:solidFill>
                           <a:srgbClr val="000000"/>
                         </a:solidFill>
@@ -4005,7 +4232,44 @@
                       </a:endParaRPr>
                     </a:p>
                   </a:txBody>
-                  <a:tcPr marL="66675" marR="66675" marT="66675" marB="66675"/>
+                  <a:tcPr marL="66675" marR="66675" marT="66675" marB="66675">
+                    <a:lnL w="12700" cap="flat" cmpd="sng" algn="ctr">
+                      <a:solidFill>
+                        <a:schemeClr val="tx1"/>
+                      </a:solidFill>
+                      <a:prstDash val="solid"/>
+                      <a:round/>
+                      <a:headEnd type="none" w="med" len="med"/>
+                      <a:tailEnd type="none" w="med" len="med"/>
+                    </a:lnL>
+                    <a:lnR w="12700" cap="flat" cmpd="sng" algn="ctr">
+                      <a:solidFill>
+                        <a:schemeClr val="tx1"/>
+                      </a:solidFill>
+                      <a:prstDash val="solid"/>
+                      <a:round/>
+                      <a:headEnd type="none" w="med" len="med"/>
+                      <a:tailEnd type="none" w="med" len="med"/>
+                    </a:lnR>
+                    <a:lnT w="12700" cap="flat" cmpd="sng" algn="ctr">
+                      <a:solidFill>
+                        <a:schemeClr val="tx1"/>
+                      </a:solidFill>
+                      <a:prstDash val="solid"/>
+                      <a:round/>
+                      <a:headEnd type="none" w="med" len="med"/>
+                      <a:tailEnd type="none" w="med" len="med"/>
+                    </a:lnT>
+                    <a:lnB w="12700" cap="flat" cmpd="sng" algn="ctr">
+                      <a:solidFill>
+                        <a:schemeClr val="tx1"/>
+                      </a:solidFill>
+                      <a:prstDash val="solid"/>
+                      <a:round/>
+                      <a:headEnd type="none" w="med" len="med"/>
+                      <a:tailEnd type="none" w="med" len="med"/>
+                    </a:lnB>
+                  </a:tcPr>
                 </a:tc>
               </a:tr>
               <a:tr h="731655">
@@ -4023,12 +4287,12 @@
                         </a:spcAft>
                       </a:pPr>
                       <a:r>
-                        <a:rPr lang="pt-BR" sz="1800">
+                        <a:rPr lang="pt-BR" sz="1800" b="1" dirty="0">
                           <a:effectLst/>
                         </a:rPr>
                         <a:t>Critério de Início:</a:t>
                       </a:r>
-                      <a:endParaRPr lang="pt-BR" sz="1800">
+                      <a:endParaRPr lang="pt-BR" sz="1800" b="1" dirty="0">
                         <a:solidFill>
                           <a:srgbClr val="000000"/>
                         </a:solidFill>
@@ -4039,7 +4303,44 @@
                       </a:endParaRPr>
                     </a:p>
                   </a:txBody>
-                  <a:tcPr marL="66675" marR="66675" marT="66675" marB="66675"/>
+                  <a:tcPr marL="66675" marR="66675" marT="66675" marB="66675">
+                    <a:lnL w="12700" cap="flat" cmpd="sng" algn="ctr">
+                      <a:solidFill>
+                        <a:schemeClr val="tx1"/>
+                      </a:solidFill>
+                      <a:prstDash val="solid"/>
+                      <a:round/>
+                      <a:headEnd type="none" w="med" len="med"/>
+                      <a:tailEnd type="none" w="med" len="med"/>
+                    </a:lnL>
+                    <a:lnR w="12700" cap="flat" cmpd="sng" algn="ctr">
+                      <a:solidFill>
+                        <a:schemeClr val="tx1"/>
+                      </a:solidFill>
+                      <a:prstDash val="solid"/>
+                      <a:round/>
+                      <a:headEnd type="none" w="med" len="med"/>
+                      <a:tailEnd type="none" w="med" len="med"/>
+                    </a:lnR>
+                    <a:lnT w="12700" cap="flat" cmpd="sng" algn="ctr">
+                      <a:solidFill>
+                        <a:schemeClr val="tx1"/>
+                      </a:solidFill>
+                      <a:prstDash val="solid"/>
+                      <a:round/>
+                      <a:headEnd type="none" w="med" len="med"/>
+                      <a:tailEnd type="none" w="med" len="med"/>
+                    </a:lnT>
+                    <a:lnB w="12700" cap="flat" cmpd="sng" algn="ctr">
+                      <a:solidFill>
+                        <a:schemeClr val="tx1"/>
+                      </a:solidFill>
+                      <a:prstDash val="solid"/>
+                      <a:round/>
+                      <a:headEnd type="none" w="med" len="med"/>
+                      <a:tailEnd type="none" w="med" len="med"/>
+                    </a:lnB>
+                  </a:tcPr>
                 </a:tc>
                 <a:tc>
                   <a:txBody>
@@ -4087,7 +4388,44 @@
                       </a:endParaRPr>
                     </a:p>
                   </a:txBody>
-                  <a:tcPr marL="66675" marR="66675" marT="66675" marB="66675"/>
+                  <a:tcPr marL="66675" marR="66675" marT="66675" marB="66675">
+                    <a:lnL w="12700" cap="flat" cmpd="sng" algn="ctr">
+                      <a:solidFill>
+                        <a:schemeClr val="tx1"/>
+                      </a:solidFill>
+                      <a:prstDash val="solid"/>
+                      <a:round/>
+                      <a:headEnd type="none" w="med" len="med"/>
+                      <a:tailEnd type="none" w="med" len="med"/>
+                    </a:lnL>
+                    <a:lnR w="12700" cap="flat" cmpd="sng" algn="ctr">
+                      <a:solidFill>
+                        <a:schemeClr val="tx1"/>
+                      </a:solidFill>
+                      <a:prstDash val="solid"/>
+                      <a:round/>
+                      <a:headEnd type="none" w="med" len="med"/>
+                      <a:tailEnd type="none" w="med" len="med"/>
+                    </a:lnR>
+                    <a:lnT w="12700" cap="flat" cmpd="sng" algn="ctr">
+                      <a:solidFill>
+                        <a:schemeClr val="tx1"/>
+                      </a:solidFill>
+                      <a:prstDash val="solid"/>
+                      <a:round/>
+                      <a:headEnd type="none" w="med" len="med"/>
+                      <a:tailEnd type="none" w="med" len="med"/>
+                    </a:lnT>
+                    <a:lnB w="12700" cap="flat" cmpd="sng" algn="ctr">
+                      <a:solidFill>
+                        <a:schemeClr val="tx1"/>
+                      </a:solidFill>
+                      <a:prstDash val="solid"/>
+                      <a:round/>
+                      <a:headEnd type="none" w="med" len="med"/>
+                      <a:tailEnd type="none" w="med" len="med"/>
+                    </a:lnB>
+                  </a:tcPr>
                 </a:tc>
               </a:tr>
               <a:tr h="1350943">
@@ -4105,12 +4443,12 @@
                         </a:spcAft>
                       </a:pPr>
                       <a:r>
-                        <a:rPr lang="pt-BR" sz="1800">
+                        <a:rPr lang="pt-BR" sz="1800" b="1" dirty="0">
                           <a:effectLst/>
                         </a:rPr>
                         <a:t>Critério de Finalização:</a:t>
                       </a:r>
-                      <a:endParaRPr lang="pt-BR" sz="1800">
+                      <a:endParaRPr lang="pt-BR" sz="1800" b="1" dirty="0">
                         <a:solidFill>
                           <a:srgbClr val="000000"/>
                         </a:solidFill>
@@ -4121,7 +4459,44 @@
                       </a:endParaRPr>
                     </a:p>
                   </a:txBody>
-                  <a:tcPr marL="66675" marR="66675" marT="66675" marB="66675"/>
+                  <a:tcPr marL="66675" marR="66675" marT="66675" marB="66675">
+                    <a:lnL w="12700" cap="flat" cmpd="sng" algn="ctr">
+                      <a:solidFill>
+                        <a:schemeClr val="tx1"/>
+                      </a:solidFill>
+                      <a:prstDash val="solid"/>
+                      <a:round/>
+                      <a:headEnd type="none" w="med" len="med"/>
+                      <a:tailEnd type="none" w="med" len="med"/>
+                    </a:lnL>
+                    <a:lnR w="12700" cap="flat" cmpd="sng" algn="ctr">
+                      <a:solidFill>
+                        <a:schemeClr val="tx1"/>
+                      </a:solidFill>
+                      <a:prstDash val="solid"/>
+                      <a:round/>
+                      <a:headEnd type="none" w="med" len="med"/>
+                      <a:tailEnd type="none" w="med" len="med"/>
+                    </a:lnR>
+                    <a:lnT w="12700" cap="flat" cmpd="sng" algn="ctr">
+                      <a:solidFill>
+                        <a:schemeClr val="tx1"/>
+                      </a:solidFill>
+                      <a:prstDash val="solid"/>
+                      <a:round/>
+                      <a:headEnd type="none" w="med" len="med"/>
+                      <a:tailEnd type="none" w="med" len="med"/>
+                    </a:lnT>
+                    <a:lnB w="12700" cap="flat" cmpd="sng" algn="ctr">
+                      <a:solidFill>
+                        <a:schemeClr val="tx1"/>
+                      </a:solidFill>
+                      <a:prstDash val="solid"/>
+                      <a:round/>
+                      <a:headEnd type="none" w="med" len="med"/>
+                      <a:tailEnd type="none" w="med" len="med"/>
+                    </a:lnB>
+                  </a:tcPr>
                 </a:tc>
                 <a:tc>
                   <a:txBody>
@@ -4156,8 +4531,17 @@
                         <a:rPr lang="pt-BR" sz="1800" dirty="0">
                           <a:effectLst/>
                         </a:rPr>
-                        <a:t>- Fechar o relatório de incidentes</a:t>
-                      </a:r>
+                        <a:t>- Fechar o relatório de </a:t>
+                      </a:r>
+                      <a:r>
+                        <a:rPr lang="pt-BR" sz="1800" dirty="0" smtClean="0">
+                          <a:effectLst/>
+                        </a:rPr>
+                        <a:t>incidentes.</a:t>
+                      </a:r>
+                      <a:endParaRPr lang="pt-BR" sz="1800" dirty="0">
+                        <a:effectLst/>
+                      </a:endParaRPr>
                     </a:p>
                     <a:p>
                       <a:pPr algn="just">
@@ -4185,81 +4569,258 @@
                       </a:endParaRPr>
                     </a:p>
                   </a:txBody>
-                  <a:tcPr marL="66675" marR="66675" marT="66675" marB="66675"/>
+                  <a:tcPr marL="66675" marR="66675" marT="66675" marB="66675">
+                    <a:lnL w="12700" cap="flat" cmpd="sng" algn="ctr">
+                      <a:solidFill>
+                        <a:schemeClr val="tx1"/>
+                      </a:solidFill>
+                      <a:prstDash val="solid"/>
+                      <a:round/>
+                      <a:headEnd type="none" w="med" len="med"/>
+                      <a:tailEnd type="none" w="med" len="med"/>
+                    </a:lnL>
+                    <a:lnR w="12700" cap="flat" cmpd="sng" algn="ctr">
+                      <a:solidFill>
+                        <a:schemeClr val="tx1"/>
+                      </a:solidFill>
+                      <a:prstDash val="solid"/>
+                      <a:round/>
+                      <a:headEnd type="none" w="med" len="med"/>
+                      <a:tailEnd type="none" w="med" len="med"/>
+                    </a:lnR>
+                    <a:lnT w="12700" cap="flat" cmpd="sng" algn="ctr">
+                      <a:solidFill>
+                        <a:schemeClr val="tx1"/>
+                      </a:solidFill>
+                      <a:prstDash val="solid"/>
+                      <a:round/>
+                      <a:headEnd type="none" w="med" len="med"/>
+                      <a:tailEnd type="none" w="med" len="med"/>
+                    </a:lnT>
+                    <a:lnB w="12700" cap="flat" cmpd="sng" algn="ctr">
+                      <a:solidFill>
+                        <a:schemeClr val="tx1"/>
+                      </a:solidFill>
+                      <a:prstDash val="solid"/>
+                      <a:round/>
+                      <a:headEnd type="none" w="med" len="med"/>
+                      <a:tailEnd type="none" w="med" len="med"/>
+                    </a:lnB>
+                  </a:tcPr>
                 </a:tc>
               </a:tr>
             </a:tbl>
           </a:graphicData>
         </a:graphic>
       </p:graphicFrame>
-      <p:pic>
-        <p:nvPicPr>
-          <p:cNvPr id="5" name="Picture 2"/>
-          <p:cNvPicPr>
-            <a:picLocks noChangeAspect="1" noChangeArrowheads="1"/>
-          </p:cNvPicPr>
+      <p:sp>
+        <p:nvSpPr>
+          <p:cNvPr id="7" name="Espaço Reservado para Conteúdo 2"/>
+          <p:cNvSpPr txBox="1">
+            <a:spLocks/>
+          </p:cNvSpPr>
           <p:nvPr/>
-        </p:nvPicPr>
-        <p:blipFill>
-          <a:blip r:embed="rId2">
-            <a:extLst>
-              <a:ext uri="{28A0092B-C50C-407E-A947-70E740481C1C}">
-                <a14:useLocalDpi xmlns:a14="http://schemas.microsoft.com/office/drawing/2010/main" xmlns="" val="0"/>
-              </a:ext>
-            </a:extLst>
-          </a:blip>
-          <a:srcRect/>
-          <a:stretch>
-            <a:fillRect/>
-          </a:stretch>
-        </p:blipFill>
-        <p:spPr bwMode="auto">
+        </p:nvSpPr>
+        <p:spPr>
           <a:xfrm>
-            <a:off x="-25219" y="188640"/>
-            <a:ext cx="8924925" cy="981075"/>
+            <a:off x="179513" y="1341909"/>
+            <a:ext cx="6552728" cy="574923"/>
           </a:xfrm>
           <a:prstGeom prst="rect">
             <a:avLst/>
           </a:prstGeom>
-          <a:noFill/>
-          <a:ln>
-            <a:noFill/>
-          </a:ln>
-          <a:effectLst/>
-          <a:extLst>
-            <a:ext uri="{909E8E84-426E-40DD-AFC4-6F175D3DCCD1}">
-              <a14:hiddenFill xmlns:a14="http://schemas.microsoft.com/office/drawing/2010/main" xmlns="">
-                <a:solidFill>
-                  <a:schemeClr val="accent1"/>
-                </a:solidFill>
-              </a14:hiddenFill>
-            </a:ext>
-            <a:ext uri="{91240B29-F687-4F45-9708-019B960494DF}">
-              <a14:hiddenLine xmlns:a14="http://schemas.microsoft.com/office/drawing/2010/main" xmlns="" w="9525">
+        </p:spPr>
+        <p:txBody>
+          <a:bodyPr/>
+          <a:lstStyle>
+            <a:lvl1pPr marL="342900" indent="-342900" algn="l" defTabSz="914400" rtl="0" eaLnBrk="1" latinLnBrk="0" hangingPunct="1">
+              <a:spcBef>
+                <a:spcPct val="20000"/>
+              </a:spcBef>
+              <a:buFont typeface="Arial" pitchFamily="34" charset="0"/>
+              <a:buChar char="•"/>
+              <a:defRPr sz="2400" kern="1200">
                 <a:solidFill>
                   <a:schemeClr val="tx1"/>
                 </a:solidFill>
-                <a:miter lim="800000"/>
-                <a:headEnd/>
-                <a:tailEnd/>
-              </a14:hiddenLine>
-            </a:ext>
-            <a:ext uri="{AF507438-7753-43E0-B8FC-AC1667EBCBE1}">
-              <a14:hiddenEffects xmlns:a14="http://schemas.microsoft.com/office/drawing/2010/main" xmlns="">
-                <a:effectLst>
-                  <a:outerShdw dist="35921" dir="2700000" algn="ctr" rotWithShape="0">
-                    <a:schemeClr val="bg2"/>
-                  </a:outerShdw>
-                </a:effectLst>
-              </a14:hiddenEffects>
-            </a:ext>
-          </a:extLst>
+                <a:latin typeface="+mn-lt"/>
+                <a:ea typeface="+mn-ea"/>
+                <a:cs typeface="+mn-cs"/>
+              </a:defRPr>
+            </a:lvl1pPr>
+            <a:lvl2pPr marL="742950" indent="-285750" algn="l" defTabSz="914400" rtl="0" eaLnBrk="1" latinLnBrk="0" hangingPunct="1">
+              <a:spcBef>
+                <a:spcPct val="20000"/>
+              </a:spcBef>
+              <a:buFont typeface="Arial" pitchFamily="34" charset="0"/>
+              <a:buChar char="–"/>
+              <a:defRPr sz="2000" kern="1200">
+                <a:solidFill>
+                  <a:schemeClr val="tx1"/>
+                </a:solidFill>
+                <a:latin typeface="+mn-lt"/>
+                <a:ea typeface="+mn-ea"/>
+                <a:cs typeface="+mn-cs"/>
+              </a:defRPr>
+            </a:lvl2pPr>
+            <a:lvl3pPr marL="1143000" indent="-228600" algn="l" defTabSz="914400" rtl="0" eaLnBrk="1" latinLnBrk="0" hangingPunct="1">
+              <a:spcBef>
+                <a:spcPct val="20000"/>
+              </a:spcBef>
+              <a:buFont typeface="Arial" pitchFamily="34" charset="0"/>
+              <a:buChar char="•"/>
+              <a:defRPr sz="1800" kern="1200">
+                <a:solidFill>
+                  <a:schemeClr val="tx1"/>
+                </a:solidFill>
+                <a:latin typeface="+mn-lt"/>
+                <a:ea typeface="+mn-ea"/>
+                <a:cs typeface="+mn-cs"/>
+              </a:defRPr>
+            </a:lvl3pPr>
+            <a:lvl4pPr marL="1600200" indent="-228600" algn="l" defTabSz="914400" rtl="0" eaLnBrk="1" latinLnBrk="0" hangingPunct="1">
+              <a:spcBef>
+                <a:spcPct val="20000"/>
+              </a:spcBef>
+              <a:buFont typeface="Arial" pitchFamily="34" charset="0"/>
+              <a:buChar char="–"/>
+              <a:defRPr sz="1600" kern="1200">
+                <a:solidFill>
+                  <a:schemeClr val="tx1"/>
+                </a:solidFill>
+                <a:latin typeface="+mn-lt"/>
+                <a:ea typeface="+mn-ea"/>
+                <a:cs typeface="+mn-cs"/>
+              </a:defRPr>
+            </a:lvl4pPr>
+            <a:lvl5pPr marL="2057400" indent="-228600" algn="l" defTabSz="914400" rtl="0" eaLnBrk="1" latinLnBrk="0" hangingPunct="1">
+              <a:spcBef>
+                <a:spcPct val="20000"/>
+              </a:spcBef>
+              <a:buFont typeface="Arial" pitchFamily="34" charset="0"/>
+              <a:buChar char="»"/>
+              <a:defRPr sz="1600" kern="1200">
+                <a:solidFill>
+                  <a:schemeClr val="tx1"/>
+                </a:solidFill>
+                <a:latin typeface="+mn-lt"/>
+                <a:ea typeface="+mn-ea"/>
+                <a:cs typeface="+mn-cs"/>
+              </a:defRPr>
+            </a:lvl5pPr>
+            <a:lvl6pPr marL="2514600" indent="-228600" algn="l" defTabSz="914400" rtl="0" eaLnBrk="1" latinLnBrk="0" hangingPunct="1">
+              <a:spcBef>
+                <a:spcPct val="20000"/>
+              </a:spcBef>
+              <a:buFont typeface="Arial" pitchFamily="34" charset="0"/>
+              <a:buChar char="•"/>
+              <a:defRPr sz="2000" kern="1200">
+                <a:solidFill>
+                  <a:schemeClr val="tx1"/>
+                </a:solidFill>
+                <a:latin typeface="+mn-lt"/>
+                <a:ea typeface="+mn-ea"/>
+                <a:cs typeface="+mn-cs"/>
+              </a:defRPr>
+            </a:lvl6pPr>
+            <a:lvl7pPr marL="2971800" indent="-228600" algn="l" defTabSz="914400" rtl="0" eaLnBrk="1" latinLnBrk="0" hangingPunct="1">
+              <a:spcBef>
+                <a:spcPct val="20000"/>
+              </a:spcBef>
+              <a:buFont typeface="Arial" pitchFamily="34" charset="0"/>
+              <a:buChar char="•"/>
+              <a:defRPr sz="2000" kern="1200">
+                <a:solidFill>
+                  <a:schemeClr val="tx1"/>
+                </a:solidFill>
+                <a:latin typeface="+mn-lt"/>
+                <a:ea typeface="+mn-ea"/>
+                <a:cs typeface="+mn-cs"/>
+              </a:defRPr>
+            </a:lvl7pPr>
+            <a:lvl8pPr marL="3429000" indent="-228600" algn="l" defTabSz="914400" rtl="0" eaLnBrk="1" latinLnBrk="0" hangingPunct="1">
+              <a:spcBef>
+                <a:spcPct val="20000"/>
+              </a:spcBef>
+              <a:buFont typeface="Arial" pitchFamily="34" charset="0"/>
+              <a:buChar char="•"/>
+              <a:defRPr sz="2000" kern="1200">
+                <a:solidFill>
+                  <a:schemeClr val="tx1"/>
+                </a:solidFill>
+                <a:latin typeface="+mn-lt"/>
+                <a:ea typeface="+mn-ea"/>
+                <a:cs typeface="+mn-cs"/>
+              </a:defRPr>
+            </a:lvl8pPr>
+            <a:lvl9pPr marL="3886200" indent="-228600" algn="l" defTabSz="914400" rtl="0" eaLnBrk="1" latinLnBrk="0" hangingPunct="1">
+              <a:spcBef>
+                <a:spcPct val="20000"/>
+              </a:spcBef>
+              <a:buFont typeface="Arial" pitchFamily="34" charset="0"/>
+              <a:buChar char="•"/>
+              <a:defRPr sz="2000" kern="1200">
+                <a:solidFill>
+                  <a:schemeClr val="tx1"/>
+                </a:solidFill>
+                <a:latin typeface="+mn-lt"/>
+                <a:ea typeface="+mn-ea"/>
+                <a:cs typeface="+mn-cs"/>
+              </a:defRPr>
+            </a:lvl9pPr>
+          </a:lstStyle>
+          <a:p>
+            <a:r>
+              <a:rPr lang="pt-BR" dirty="0" smtClean="0"/>
+              <a:t>Teste Funcional</a:t>
+            </a:r>
+          </a:p>
+          <a:p>
+            <a:pPr marL="0" indent="0">
+              <a:buNone/>
+            </a:pPr>
+            <a:endParaRPr lang="pt-BR" dirty="0" smtClean="0"/>
+          </a:p>
+          <a:p>
+            <a:endParaRPr lang="pt-BR" dirty="0" smtClean="0"/>
+          </a:p>
+          <a:p>
+            <a:endParaRPr lang="pt-BR" dirty="0"/>
+          </a:p>
+        </p:txBody>
+      </p:sp>
+      <p:sp>
+        <p:nvSpPr>
+          <p:cNvPr id="8" name="Título 1"/>
+          <p:cNvSpPr>
+            <a:spLocks noGrp="1"/>
+          </p:cNvSpPr>
+          <p:nvPr>
+            <p:ph type="title"/>
+          </p:nvPr>
+        </p:nvSpPr>
+        <p:spPr>
+          <a:xfrm>
+            <a:off x="179512" y="188640"/>
+            <a:ext cx="8797925" cy="922338"/>
+          </a:xfrm>
         </p:spPr>
-      </p:pic>
+        <p:txBody>
+          <a:bodyPr/>
+          <a:lstStyle/>
+          <a:p>
+            <a:r>
+              <a:rPr lang="pt-BR" b="1" dirty="0" smtClean="0"/>
+              <a:t>Níveis e Técnicas de Teste</a:t>
+            </a:r>
+            <a:endParaRPr lang="pt-BR" b="1" dirty="0"/>
+          </a:p>
+        </p:txBody>
+      </p:sp>
     </p:spTree>
     <p:extLst>
       <p:ext uri="{BB962C8B-B14F-4D97-AF65-F5344CB8AC3E}">
-        <p14:creationId xmlns:p14="http://schemas.microsoft.com/office/powerpoint/2010/main" xmlns="" val="1773547826"/>
+        <p14:creationId xmlns:p14="http://schemas.microsoft.com/office/powerpoint/2010/main" val="3488319752"/>
       </p:ext>
     </p:extLst>
   </p:cSld>
@@ -4325,70 +4886,6 @@
           </a:p>
         </p:txBody>
       </p:sp>
-      <p:pic>
-        <p:nvPicPr>
-          <p:cNvPr id="3074" name="Picture 2"/>
-          <p:cNvPicPr>
-            <a:picLocks noChangeAspect="1" noChangeArrowheads="1"/>
-          </p:cNvPicPr>
-          <p:nvPr/>
-        </p:nvPicPr>
-        <p:blipFill>
-          <a:blip r:embed="rId2">
-            <a:extLst>
-              <a:ext uri="{28A0092B-C50C-407E-A947-70E740481C1C}">
-                <a14:useLocalDpi xmlns:a14="http://schemas.microsoft.com/office/drawing/2010/main" xmlns="" val="0"/>
-              </a:ext>
-            </a:extLst>
-          </a:blip>
-          <a:srcRect/>
-          <a:stretch>
-            <a:fillRect/>
-          </a:stretch>
-        </p:blipFill>
-        <p:spPr bwMode="auto">
-          <a:xfrm>
-            <a:off x="195546" y="188640"/>
-            <a:ext cx="8924925" cy="981075"/>
-          </a:xfrm>
-          <a:prstGeom prst="rect">
-            <a:avLst/>
-          </a:prstGeom>
-          <a:noFill/>
-          <a:ln>
-            <a:noFill/>
-          </a:ln>
-          <a:effectLst/>
-          <a:extLst>
-            <a:ext uri="{909E8E84-426E-40DD-AFC4-6F175D3DCCD1}">
-              <a14:hiddenFill xmlns:a14="http://schemas.microsoft.com/office/drawing/2010/main" xmlns="">
-                <a:solidFill>
-                  <a:schemeClr val="accent1"/>
-                </a:solidFill>
-              </a14:hiddenFill>
-            </a:ext>
-            <a:ext uri="{91240B29-F687-4F45-9708-019B960494DF}">
-              <a14:hiddenLine xmlns:a14="http://schemas.microsoft.com/office/drawing/2010/main" xmlns="" w="9525">
-                <a:solidFill>
-                  <a:schemeClr val="tx1"/>
-                </a:solidFill>
-                <a:miter lim="800000"/>
-                <a:headEnd/>
-                <a:tailEnd/>
-              </a14:hiddenLine>
-            </a:ext>
-            <a:ext uri="{AF507438-7753-43E0-B8FC-AC1667EBCBE1}">
-              <a14:hiddenEffects xmlns:a14="http://schemas.microsoft.com/office/drawing/2010/main" xmlns="">
-                <a:effectLst>
-                  <a:outerShdw dist="35921" dir="2700000" algn="ctr" rotWithShape="0">
-                    <a:schemeClr val="bg2"/>
-                  </a:outerShdw>
-                </a:effectLst>
-              </a14:hiddenEffects>
-            </a:ext>
-          </a:extLst>
-        </p:spPr>
-      </p:pic>
       <p:graphicFrame>
         <p:nvGraphicFramePr>
           <p:cNvPr id="4" name="Tabela 3"/>
@@ -4396,22 +4893,18 @@
             <a:graphicFrameLocks noGrp="1"/>
           </p:cNvGraphicFramePr>
           <p:nvPr>
-            <p:extLst>
-              <p:ext uri="{D42A27DB-BD31-4B8C-83A1-F6EECF244321}">
-                <p14:modId xmlns:p14="http://schemas.microsoft.com/office/powerpoint/2010/main" xmlns="" val="4134727282"/>
-              </p:ext>
-            </p:extLst>
+            <p:extLst/>
           </p:nvPr>
         </p:nvGraphicFramePr>
         <p:xfrm>
           <a:off x="755576" y="2060846"/>
-          <a:ext cx="7704856" cy="4045668"/>
+          <a:ext cx="7704856" cy="4061891"/>
         </p:xfrm>
         <a:graphic>
           <a:graphicData uri="http://schemas.openxmlformats.org/drawingml/2006/table">
             <a:tbl>
               <a:tblPr bandRow="1">
-                <a:tableStyleId>{5C22544A-7EE6-4342-B048-85BDC9FD1C3A}</a:tableStyleId>
+                <a:tableStyleId>{793D81CF-94F2-401A-BA57-92F5A7B2D0C5}</a:tableStyleId>
               </a:tblPr>
               <a:tblGrid>
                 <a:gridCol w="2298050"/>
@@ -4432,18 +4925,12 @@
                         </a:spcAft>
                       </a:pPr>
                       <a:r>
-                        <a:rPr lang="pt-BR" sz="1800" b="1" dirty="0">
-                          <a:effectLst/>
-                        </a:rPr>
-                        <a:t>Descrição do Teste </a:t>
-                      </a:r>
-                      <a:r>
-                        <a:rPr lang="pt-BR" sz="1800" b="1" dirty="0" smtClean="0">
-                          <a:effectLst/>
-                        </a:rPr>
-                        <a:t>Não-Funcional</a:t>
-                      </a:r>
-                      <a:endParaRPr lang="pt-BR" sz="1800" b="1" dirty="0">
+                        <a:rPr lang="pt-BR" sz="2200" b="1" dirty="0" smtClean="0">
+                          <a:effectLst/>
+                        </a:rPr>
+                        <a:t>Descrição</a:t>
+                      </a:r>
+                      <a:endParaRPr lang="pt-BR" sz="2200" b="1" dirty="0">
                         <a:solidFill>
                           <a:srgbClr val="000000"/>
                         </a:solidFill>
@@ -4454,7 +4941,17 @@
                       </a:endParaRPr>
                     </a:p>
                   </a:txBody>
-                  <a:tcPr marL="66675" marR="66675" marT="66675" marB="66675"/>
+                  <a:tcPr marL="66675" marR="66675" marT="66675" marB="66675">
+                    <a:lnB w="12700" cap="flat" cmpd="sng" algn="ctr">
+                      <a:solidFill>
+                        <a:schemeClr val="tx1"/>
+                      </a:solidFill>
+                      <a:prstDash val="solid"/>
+                      <a:round/>
+                      <a:headEnd type="none" w="med" len="med"/>
+                      <a:tailEnd type="none" w="med" len="med"/>
+                    </a:lnB>
+                  </a:tcPr>
                 </a:tc>
                 <a:tc hMerge="1">
                   <a:txBody>
@@ -4482,12 +4979,18 @@
                         </a:spcAft>
                       </a:pPr>
                       <a:r>
-                        <a:rPr lang="pt-BR" sz="1800" dirty="0">
-                          <a:effectLst/>
-                        </a:rPr>
-                        <a:t>Tipo de Teste</a:t>
-                      </a:r>
-                      <a:endParaRPr lang="pt-BR" sz="1800" dirty="0">
+                        <a:rPr lang="pt-BR" sz="1800" b="1" dirty="0">
+                          <a:effectLst/>
+                        </a:rPr>
+                        <a:t>Tipo de </a:t>
+                      </a:r>
+                      <a:r>
+                        <a:rPr lang="pt-BR" sz="1800" b="1" dirty="0" smtClean="0">
+                          <a:effectLst/>
+                        </a:rPr>
+                        <a:t>Teste:</a:t>
+                      </a:r>
+                      <a:endParaRPr lang="pt-BR" sz="1800" b="1" dirty="0">
                         <a:solidFill>
                           <a:srgbClr val="000000"/>
                         </a:solidFill>
@@ -4498,7 +5001,44 @@
                       </a:endParaRPr>
                     </a:p>
                   </a:txBody>
-                  <a:tcPr marL="66675" marR="66675" marT="66675" marB="66675"/>
+                  <a:tcPr marL="66675" marR="66675" marT="66675" marB="66675">
+                    <a:lnL w="12700" cap="flat" cmpd="sng" algn="ctr">
+                      <a:solidFill>
+                        <a:schemeClr val="tx1"/>
+                      </a:solidFill>
+                      <a:prstDash val="solid"/>
+                      <a:round/>
+                      <a:headEnd type="none" w="med" len="med"/>
+                      <a:tailEnd type="none" w="med" len="med"/>
+                    </a:lnL>
+                    <a:lnR w="12700" cap="flat" cmpd="sng" algn="ctr">
+                      <a:solidFill>
+                        <a:schemeClr val="tx1"/>
+                      </a:solidFill>
+                      <a:prstDash val="solid"/>
+                      <a:round/>
+                      <a:headEnd type="none" w="med" len="med"/>
+                      <a:tailEnd type="none" w="med" len="med"/>
+                    </a:lnR>
+                    <a:lnT w="12700" cap="flat" cmpd="sng" algn="ctr">
+                      <a:solidFill>
+                        <a:schemeClr val="tx1"/>
+                      </a:solidFill>
+                      <a:prstDash val="solid"/>
+                      <a:round/>
+                      <a:headEnd type="none" w="med" len="med"/>
+                      <a:tailEnd type="none" w="med" len="med"/>
+                    </a:lnT>
+                    <a:lnB w="12700" cap="flat" cmpd="sng" algn="ctr">
+                      <a:solidFill>
+                        <a:schemeClr val="tx1"/>
+                      </a:solidFill>
+                      <a:prstDash val="solid"/>
+                      <a:round/>
+                      <a:headEnd type="none" w="med" len="med"/>
+                      <a:tailEnd type="none" w="med" len="med"/>
+                    </a:lnB>
+                  </a:tcPr>
                 </a:tc>
                 <a:tc>
                   <a:txBody>
@@ -4517,7 +5057,13 @@
                         <a:rPr lang="pt-BR" sz="1800" dirty="0">
                           <a:effectLst/>
                         </a:rPr>
-                        <a:t>Não funcional</a:t>
+                        <a:t>Não </a:t>
+                      </a:r>
+                      <a:r>
+                        <a:rPr lang="pt-BR" sz="1800" dirty="0" smtClean="0">
+                          <a:effectLst/>
+                        </a:rPr>
+                        <a:t>funcional.</a:t>
                       </a:r>
                       <a:endParaRPr lang="pt-BR" sz="1800" dirty="0">
                         <a:solidFill>
@@ -4530,7 +5076,44 @@
                       </a:endParaRPr>
                     </a:p>
                   </a:txBody>
-                  <a:tcPr marL="66675" marR="66675" marT="66675" marB="66675"/>
+                  <a:tcPr marL="66675" marR="66675" marT="66675" marB="66675">
+                    <a:lnL w="12700" cap="flat" cmpd="sng" algn="ctr">
+                      <a:solidFill>
+                        <a:schemeClr val="tx1"/>
+                      </a:solidFill>
+                      <a:prstDash val="solid"/>
+                      <a:round/>
+                      <a:headEnd type="none" w="med" len="med"/>
+                      <a:tailEnd type="none" w="med" len="med"/>
+                    </a:lnL>
+                    <a:lnR w="12700" cap="flat" cmpd="sng" algn="ctr">
+                      <a:solidFill>
+                        <a:schemeClr val="tx1"/>
+                      </a:solidFill>
+                      <a:prstDash val="solid"/>
+                      <a:round/>
+                      <a:headEnd type="none" w="med" len="med"/>
+                      <a:tailEnd type="none" w="med" len="med"/>
+                    </a:lnR>
+                    <a:lnT w="12700" cap="flat" cmpd="sng" algn="ctr">
+                      <a:solidFill>
+                        <a:schemeClr val="tx1"/>
+                      </a:solidFill>
+                      <a:prstDash val="solid"/>
+                      <a:round/>
+                      <a:headEnd type="none" w="med" len="med"/>
+                      <a:tailEnd type="none" w="med" len="med"/>
+                    </a:lnT>
+                    <a:lnB w="12700" cap="flat" cmpd="sng" algn="ctr">
+                      <a:solidFill>
+                        <a:schemeClr val="tx1"/>
+                      </a:solidFill>
+                      <a:prstDash val="solid"/>
+                      <a:round/>
+                      <a:headEnd type="none" w="med" len="med"/>
+                      <a:tailEnd type="none" w="med" len="med"/>
+                    </a:lnB>
+                  </a:tcPr>
                 </a:tc>
               </a:tr>
               <a:tr h="1381082">
@@ -4548,12 +5131,12 @@
                         </a:spcAft>
                       </a:pPr>
                       <a:r>
-                        <a:rPr lang="pt-BR" sz="1800">
+                        <a:rPr lang="pt-BR" sz="1800" b="1" dirty="0">
                           <a:effectLst/>
                         </a:rPr>
                         <a:t>Objetivo do Teste:</a:t>
                       </a:r>
-                      <a:endParaRPr lang="pt-BR" sz="1800">
+                      <a:endParaRPr lang="pt-BR" sz="1800" b="1" dirty="0">
                         <a:solidFill>
                           <a:srgbClr val="000000"/>
                         </a:solidFill>
@@ -4564,7 +5147,44 @@
                       </a:endParaRPr>
                     </a:p>
                   </a:txBody>
-                  <a:tcPr marL="66675" marR="66675" marT="66675" marB="66675"/>
+                  <a:tcPr marL="66675" marR="66675" marT="66675" marB="66675">
+                    <a:lnL w="12700" cap="flat" cmpd="sng" algn="ctr">
+                      <a:solidFill>
+                        <a:schemeClr val="tx1"/>
+                      </a:solidFill>
+                      <a:prstDash val="solid"/>
+                      <a:round/>
+                      <a:headEnd type="none" w="med" len="med"/>
+                      <a:tailEnd type="none" w="med" len="med"/>
+                    </a:lnL>
+                    <a:lnR w="12700" cap="flat" cmpd="sng" algn="ctr">
+                      <a:solidFill>
+                        <a:schemeClr val="tx1"/>
+                      </a:solidFill>
+                      <a:prstDash val="solid"/>
+                      <a:round/>
+                      <a:headEnd type="none" w="med" len="med"/>
+                      <a:tailEnd type="none" w="med" len="med"/>
+                    </a:lnR>
+                    <a:lnT w="12700" cap="flat" cmpd="sng" algn="ctr">
+                      <a:solidFill>
+                        <a:schemeClr val="tx1"/>
+                      </a:solidFill>
+                      <a:prstDash val="solid"/>
+                      <a:round/>
+                      <a:headEnd type="none" w="med" len="med"/>
+                      <a:tailEnd type="none" w="med" len="med"/>
+                    </a:lnT>
+                    <a:lnB w="12700" cap="flat" cmpd="sng" algn="ctr">
+                      <a:solidFill>
+                        <a:schemeClr val="tx1"/>
+                      </a:solidFill>
+                      <a:prstDash val="solid"/>
+                      <a:round/>
+                      <a:headEnd type="none" w="med" len="med"/>
+                      <a:tailEnd type="none" w="med" len="med"/>
+                    </a:lnB>
+                  </a:tcPr>
                 </a:tc>
                 <a:tc>
                   <a:txBody>
@@ -4580,7 +5200,7 @@
                         </a:spcAft>
                       </a:pPr>
                       <a:r>
-                        <a:rPr lang="pt-BR" sz="1800">
+                        <a:rPr lang="pt-BR" sz="1800" dirty="0">
                           <a:effectLst/>
                         </a:rPr>
                         <a:t>Validar requisitos não funcionais, como:</a:t>
@@ -4596,11 +5216,20 @@
                         </a:spcAft>
                       </a:pPr>
                       <a:r>
-                        <a:rPr lang="pt-BR" sz="1800">
-                          <a:effectLst/>
-                        </a:rPr>
-                        <a:t>-       Usabilidade</a:t>
-                      </a:r>
+                        <a:rPr lang="pt-BR" sz="1800" dirty="0">
+                          <a:effectLst/>
+                        </a:rPr>
+                        <a:t>-       </a:t>
+                      </a:r>
+                      <a:r>
+                        <a:rPr lang="pt-BR" sz="1800" dirty="0" smtClean="0">
+                          <a:effectLst/>
+                        </a:rPr>
+                        <a:t>Usabilidade;</a:t>
+                      </a:r>
+                      <a:endParaRPr lang="pt-BR" sz="1800" dirty="0">
+                        <a:effectLst/>
+                      </a:endParaRPr>
                     </a:p>
                     <a:p>
                       <a:pPr indent="-228600" algn="just">
@@ -4612,11 +5241,20 @@
                         </a:spcAft>
                       </a:pPr>
                       <a:r>
-                        <a:rPr lang="pt-BR" sz="1800">
-                          <a:effectLst/>
-                        </a:rPr>
-                        <a:t>-       Segurança</a:t>
-                      </a:r>
+                        <a:rPr lang="pt-BR" sz="1800" dirty="0">
+                          <a:effectLst/>
+                        </a:rPr>
+                        <a:t>-       </a:t>
+                      </a:r>
+                      <a:r>
+                        <a:rPr lang="pt-BR" sz="1800" dirty="0" smtClean="0">
+                          <a:effectLst/>
+                        </a:rPr>
+                        <a:t>Segurança;</a:t>
+                      </a:r>
+                      <a:endParaRPr lang="pt-BR" sz="1800" dirty="0">
+                        <a:effectLst/>
+                      </a:endParaRPr>
                     </a:p>
                     <a:p>
                       <a:pPr indent="-228600" algn="just">
@@ -4628,12 +5266,18 @@
                         </a:spcAft>
                       </a:pPr>
                       <a:r>
-                        <a:rPr lang="pt-BR" sz="1800">
-                          <a:effectLst/>
-                        </a:rPr>
-                        <a:t>-       Performance</a:t>
-                      </a:r>
-                      <a:endParaRPr lang="pt-BR" sz="1800">
+                        <a:rPr lang="pt-BR" sz="1800" dirty="0">
+                          <a:effectLst/>
+                        </a:rPr>
+                        <a:t>-       </a:t>
+                      </a:r>
+                      <a:r>
+                        <a:rPr lang="pt-BR" sz="1800" dirty="0" smtClean="0">
+                          <a:effectLst/>
+                        </a:rPr>
+                        <a:t>Performance.</a:t>
+                      </a:r>
+                      <a:endParaRPr lang="pt-BR" sz="1800" dirty="0">
                         <a:solidFill>
                           <a:srgbClr val="000000"/>
                         </a:solidFill>
@@ -4644,7 +5288,44 @@
                       </a:endParaRPr>
                     </a:p>
                   </a:txBody>
-                  <a:tcPr marL="66675" marR="66675" marT="66675" marB="66675"/>
+                  <a:tcPr marL="66675" marR="66675" marT="66675" marB="66675">
+                    <a:lnL w="12700" cap="flat" cmpd="sng" algn="ctr">
+                      <a:solidFill>
+                        <a:schemeClr val="tx1"/>
+                      </a:solidFill>
+                      <a:prstDash val="solid"/>
+                      <a:round/>
+                      <a:headEnd type="none" w="med" len="med"/>
+                      <a:tailEnd type="none" w="med" len="med"/>
+                    </a:lnL>
+                    <a:lnR w="12700" cap="flat" cmpd="sng" algn="ctr">
+                      <a:solidFill>
+                        <a:schemeClr val="tx1"/>
+                      </a:solidFill>
+                      <a:prstDash val="solid"/>
+                      <a:round/>
+                      <a:headEnd type="none" w="med" len="med"/>
+                      <a:tailEnd type="none" w="med" len="med"/>
+                    </a:lnR>
+                    <a:lnT w="12700" cap="flat" cmpd="sng" algn="ctr">
+                      <a:solidFill>
+                        <a:schemeClr val="tx1"/>
+                      </a:solidFill>
+                      <a:prstDash val="solid"/>
+                      <a:round/>
+                      <a:headEnd type="none" w="med" len="med"/>
+                      <a:tailEnd type="none" w="med" len="med"/>
+                    </a:lnT>
+                    <a:lnB w="12700" cap="flat" cmpd="sng" algn="ctr">
+                      <a:solidFill>
+                        <a:schemeClr val="tx1"/>
+                      </a:solidFill>
+                      <a:prstDash val="solid"/>
+                      <a:round/>
+                      <a:headEnd type="none" w="med" len="med"/>
+                      <a:tailEnd type="none" w="med" len="med"/>
+                    </a:lnB>
+                  </a:tcPr>
                 </a:tc>
               </a:tr>
               <a:tr h="475902">
@@ -4662,12 +5343,12 @@
                         </a:spcAft>
                       </a:pPr>
                       <a:r>
-                        <a:rPr lang="pt-BR" sz="1800">
+                        <a:rPr lang="pt-BR" sz="1800" b="1" dirty="0">
                           <a:effectLst/>
                         </a:rPr>
                         <a:t>Técnica:</a:t>
                       </a:r>
-                      <a:endParaRPr lang="pt-BR" sz="1800">
+                      <a:endParaRPr lang="pt-BR" sz="1800" b="1" dirty="0">
                         <a:solidFill>
                           <a:srgbClr val="000000"/>
                         </a:solidFill>
@@ -4678,7 +5359,44 @@
                       </a:endParaRPr>
                     </a:p>
                   </a:txBody>
-                  <a:tcPr marL="66675" marR="66675" marT="66675" marB="66675"/>
+                  <a:tcPr marL="66675" marR="66675" marT="66675" marB="66675">
+                    <a:lnL w="12700" cap="flat" cmpd="sng" algn="ctr">
+                      <a:solidFill>
+                        <a:schemeClr val="tx1"/>
+                      </a:solidFill>
+                      <a:prstDash val="solid"/>
+                      <a:round/>
+                      <a:headEnd type="none" w="med" len="med"/>
+                      <a:tailEnd type="none" w="med" len="med"/>
+                    </a:lnL>
+                    <a:lnR w="12700" cap="flat" cmpd="sng" algn="ctr">
+                      <a:solidFill>
+                        <a:schemeClr val="tx1"/>
+                      </a:solidFill>
+                      <a:prstDash val="solid"/>
+                      <a:round/>
+                      <a:headEnd type="none" w="med" len="med"/>
+                      <a:tailEnd type="none" w="med" len="med"/>
+                    </a:lnR>
+                    <a:lnT w="12700" cap="flat" cmpd="sng" algn="ctr">
+                      <a:solidFill>
+                        <a:schemeClr val="tx1"/>
+                      </a:solidFill>
+                      <a:prstDash val="solid"/>
+                      <a:round/>
+                      <a:headEnd type="none" w="med" len="med"/>
+                      <a:tailEnd type="none" w="med" len="med"/>
+                    </a:lnT>
+                    <a:lnB w="12700" cap="flat" cmpd="sng" algn="ctr">
+                      <a:solidFill>
+                        <a:schemeClr val="tx1"/>
+                      </a:solidFill>
+                      <a:prstDash val="solid"/>
+                      <a:round/>
+                      <a:headEnd type="none" w="med" len="med"/>
+                      <a:tailEnd type="none" w="med" len="med"/>
+                    </a:lnB>
+                  </a:tcPr>
                 </a:tc>
                 <a:tc>
                   <a:txBody>
@@ -4697,7 +5415,13 @@
                         <a:rPr lang="pt-BR" sz="1800" dirty="0">
                           <a:effectLst/>
                         </a:rPr>
-                        <a:t>Não se aplica</a:t>
+                        <a:t>Não se </a:t>
+                      </a:r>
+                      <a:r>
+                        <a:rPr lang="pt-BR" sz="1800" dirty="0" smtClean="0">
+                          <a:effectLst/>
+                        </a:rPr>
+                        <a:t>aplica.</a:t>
                       </a:r>
                       <a:endParaRPr lang="pt-BR" sz="1800" dirty="0">
                         <a:solidFill>
@@ -4710,7 +5434,44 @@
                       </a:endParaRPr>
                     </a:p>
                   </a:txBody>
-                  <a:tcPr marL="66675" marR="66675" marT="66675" marB="66675"/>
+                  <a:tcPr marL="66675" marR="66675" marT="66675" marB="66675">
+                    <a:lnL w="12700" cap="flat" cmpd="sng" algn="ctr">
+                      <a:solidFill>
+                        <a:schemeClr val="tx1"/>
+                      </a:solidFill>
+                      <a:prstDash val="solid"/>
+                      <a:round/>
+                      <a:headEnd type="none" w="med" len="med"/>
+                      <a:tailEnd type="none" w="med" len="med"/>
+                    </a:lnL>
+                    <a:lnR w="12700" cap="flat" cmpd="sng" algn="ctr">
+                      <a:solidFill>
+                        <a:schemeClr val="tx1"/>
+                      </a:solidFill>
+                      <a:prstDash val="solid"/>
+                      <a:round/>
+                      <a:headEnd type="none" w="med" len="med"/>
+                      <a:tailEnd type="none" w="med" len="med"/>
+                    </a:lnR>
+                    <a:lnT w="12700" cap="flat" cmpd="sng" algn="ctr">
+                      <a:solidFill>
+                        <a:schemeClr val="tx1"/>
+                      </a:solidFill>
+                      <a:prstDash val="solid"/>
+                      <a:round/>
+                      <a:headEnd type="none" w="med" len="med"/>
+                      <a:tailEnd type="none" w="med" len="med"/>
+                    </a:lnT>
+                    <a:lnB w="12700" cap="flat" cmpd="sng" algn="ctr">
+                      <a:solidFill>
+                        <a:schemeClr val="tx1"/>
+                      </a:solidFill>
+                      <a:prstDash val="solid"/>
+                      <a:round/>
+                      <a:headEnd type="none" w="med" len="med"/>
+                      <a:tailEnd type="none" w="med" len="med"/>
+                    </a:lnB>
+                  </a:tcPr>
                 </a:tc>
               </a:tr>
               <a:tr h="475902">
@@ -4728,12 +5489,12 @@
                         </a:spcAft>
                       </a:pPr>
                       <a:r>
-                        <a:rPr lang="pt-BR" sz="1800">
+                        <a:rPr lang="pt-BR" sz="1800" b="1" dirty="0">
                           <a:effectLst/>
                         </a:rPr>
                         <a:t>Critério de Início:</a:t>
                       </a:r>
-                      <a:endParaRPr lang="pt-BR" sz="1800">
+                      <a:endParaRPr lang="pt-BR" sz="1800" b="1" dirty="0">
                         <a:solidFill>
                           <a:srgbClr val="000000"/>
                         </a:solidFill>
@@ -4744,7 +5505,44 @@
                       </a:endParaRPr>
                     </a:p>
                   </a:txBody>
-                  <a:tcPr marL="66675" marR="66675" marT="66675" marB="66675"/>
+                  <a:tcPr marL="66675" marR="66675" marT="66675" marB="66675">
+                    <a:lnL w="12700" cap="flat" cmpd="sng" algn="ctr">
+                      <a:solidFill>
+                        <a:schemeClr val="tx1"/>
+                      </a:solidFill>
+                      <a:prstDash val="solid"/>
+                      <a:round/>
+                      <a:headEnd type="none" w="med" len="med"/>
+                      <a:tailEnd type="none" w="med" len="med"/>
+                    </a:lnL>
+                    <a:lnR w="12700" cap="flat" cmpd="sng" algn="ctr">
+                      <a:solidFill>
+                        <a:schemeClr val="tx1"/>
+                      </a:solidFill>
+                      <a:prstDash val="solid"/>
+                      <a:round/>
+                      <a:headEnd type="none" w="med" len="med"/>
+                      <a:tailEnd type="none" w="med" len="med"/>
+                    </a:lnR>
+                    <a:lnT w="12700" cap="flat" cmpd="sng" algn="ctr">
+                      <a:solidFill>
+                        <a:schemeClr val="tx1"/>
+                      </a:solidFill>
+                      <a:prstDash val="solid"/>
+                      <a:round/>
+                      <a:headEnd type="none" w="med" len="med"/>
+                      <a:tailEnd type="none" w="med" len="med"/>
+                    </a:lnT>
+                    <a:lnB w="12700" cap="flat" cmpd="sng" algn="ctr">
+                      <a:solidFill>
+                        <a:schemeClr val="tx1"/>
+                      </a:solidFill>
+                      <a:prstDash val="solid"/>
+                      <a:round/>
+                      <a:headEnd type="none" w="med" len="med"/>
+                      <a:tailEnd type="none" w="med" len="med"/>
+                    </a:lnB>
+                  </a:tcPr>
                 </a:tc>
                 <a:tc>
                   <a:txBody>
@@ -4776,7 +5574,44 @@
                       </a:endParaRPr>
                     </a:p>
                   </a:txBody>
-                  <a:tcPr marL="66675" marR="66675" marT="66675" marB="66675"/>
+                  <a:tcPr marL="66675" marR="66675" marT="66675" marB="66675">
+                    <a:lnL w="12700" cap="flat" cmpd="sng" algn="ctr">
+                      <a:solidFill>
+                        <a:schemeClr val="tx1"/>
+                      </a:solidFill>
+                      <a:prstDash val="solid"/>
+                      <a:round/>
+                      <a:headEnd type="none" w="med" len="med"/>
+                      <a:tailEnd type="none" w="med" len="med"/>
+                    </a:lnL>
+                    <a:lnR w="12700" cap="flat" cmpd="sng" algn="ctr">
+                      <a:solidFill>
+                        <a:schemeClr val="tx1"/>
+                      </a:solidFill>
+                      <a:prstDash val="solid"/>
+                      <a:round/>
+                      <a:headEnd type="none" w="med" len="med"/>
+                      <a:tailEnd type="none" w="med" len="med"/>
+                    </a:lnR>
+                    <a:lnT w="12700" cap="flat" cmpd="sng" algn="ctr">
+                      <a:solidFill>
+                        <a:schemeClr val="tx1"/>
+                      </a:solidFill>
+                      <a:prstDash val="solid"/>
+                      <a:round/>
+                      <a:headEnd type="none" w="med" len="med"/>
+                      <a:tailEnd type="none" w="med" len="med"/>
+                    </a:lnT>
+                    <a:lnB w="12700" cap="flat" cmpd="sng" algn="ctr">
+                      <a:solidFill>
+                        <a:schemeClr val="tx1"/>
+                      </a:solidFill>
+                      <a:prstDash val="solid"/>
+                      <a:round/>
+                      <a:headEnd type="none" w="med" len="med"/>
+                      <a:tailEnd type="none" w="med" len="med"/>
+                    </a:lnB>
+                  </a:tcPr>
                 </a:tc>
               </a:tr>
               <a:tr h="760978">
@@ -4794,12 +5629,12 @@
                         </a:spcAft>
                       </a:pPr>
                       <a:r>
-                        <a:rPr lang="pt-BR" sz="1800">
+                        <a:rPr lang="pt-BR" sz="1800" b="1" dirty="0">
                           <a:effectLst/>
                         </a:rPr>
                         <a:t>Critério de Finalização:</a:t>
                       </a:r>
-                      <a:endParaRPr lang="pt-BR" sz="1800">
+                      <a:endParaRPr lang="pt-BR" sz="1800" b="1" dirty="0">
                         <a:solidFill>
                           <a:srgbClr val="000000"/>
                         </a:solidFill>
@@ -4810,7 +5645,44 @@
                       </a:endParaRPr>
                     </a:p>
                   </a:txBody>
-                  <a:tcPr marL="66675" marR="66675" marT="66675" marB="66675"/>
+                  <a:tcPr marL="66675" marR="66675" marT="66675" marB="66675">
+                    <a:lnL w="12700" cap="flat" cmpd="sng" algn="ctr">
+                      <a:solidFill>
+                        <a:schemeClr val="tx1"/>
+                      </a:solidFill>
+                      <a:prstDash val="solid"/>
+                      <a:round/>
+                      <a:headEnd type="none" w="med" len="med"/>
+                      <a:tailEnd type="none" w="med" len="med"/>
+                    </a:lnL>
+                    <a:lnR w="12700" cap="flat" cmpd="sng" algn="ctr">
+                      <a:solidFill>
+                        <a:schemeClr val="tx1"/>
+                      </a:solidFill>
+                      <a:prstDash val="solid"/>
+                      <a:round/>
+                      <a:headEnd type="none" w="med" len="med"/>
+                      <a:tailEnd type="none" w="med" len="med"/>
+                    </a:lnR>
+                    <a:lnT w="12700" cap="flat" cmpd="sng" algn="ctr">
+                      <a:solidFill>
+                        <a:schemeClr val="tx1"/>
+                      </a:solidFill>
+                      <a:prstDash val="solid"/>
+                      <a:round/>
+                      <a:headEnd type="none" w="med" len="med"/>
+                      <a:tailEnd type="none" w="med" len="med"/>
+                    </a:lnT>
+                    <a:lnB w="12700" cap="flat" cmpd="sng" algn="ctr">
+                      <a:solidFill>
+                        <a:schemeClr val="tx1"/>
+                      </a:solidFill>
+                      <a:prstDash val="solid"/>
+                      <a:round/>
+                      <a:headEnd type="none" w="med" len="med"/>
+                      <a:tailEnd type="none" w="med" len="med"/>
+                    </a:lnB>
+                  </a:tcPr>
                 </a:tc>
                 <a:tc>
                   <a:txBody>
@@ -4842,17 +5714,82 @@
                       </a:endParaRPr>
                     </a:p>
                   </a:txBody>
-                  <a:tcPr marL="66675" marR="66675" marT="66675" marB="66675"/>
+                  <a:tcPr marL="66675" marR="66675" marT="66675" marB="66675">
+                    <a:lnL w="12700" cap="flat" cmpd="sng" algn="ctr">
+                      <a:solidFill>
+                        <a:schemeClr val="tx1"/>
+                      </a:solidFill>
+                      <a:prstDash val="solid"/>
+                      <a:round/>
+                      <a:headEnd type="none" w="med" len="med"/>
+                      <a:tailEnd type="none" w="med" len="med"/>
+                    </a:lnL>
+                    <a:lnR w="12700" cap="flat" cmpd="sng" algn="ctr">
+                      <a:solidFill>
+                        <a:schemeClr val="tx1"/>
+                      </a:solidFill>
+                      <a:prstDash val="solid"/>
+                      <a:round/>
+                      <a:headEnd type="none" w="med" len="med"/>
+                      <a:tailEnd type="none" w="med" len="med"/>
+                    </a:lnR>
+                    <a:lnT w="12700" cap="flat" cmpd="sng" algn="ctr">
+                      <a:solidFill>
+                        <a:schemeClr val="tx1"/>
+                      </a:solidFill>
+                      <a:prstDash val="solid"/>
+                      <a:round/>
+                      <a:headEnd type="none" w="med" len="med"/>
+                      <a:tailEnd type="none" w="med" len="med"/>
+                    </a:lnT>
+                    <a:lnB w="12700" cap="flat" cmpd="sng" algn="ctr">
+                      <a:solidFill>
+                        <a:schemeClr val="tx1"/>
+                      </a:solidFill>
+                      <a:prstDash val="solid"/>
+                      <a:round/>
+                      <a:headEnd type="none" w="med" len="med"/>
+                      <a:tailEnd type="none" w="med" len="med"/>
+                    </a:lnB>
+                  </a:tcPr>
                 </a:tc>
               </a:tr>
             </a:tbl>
           </a:graphicData>
         </a:graphic>
       </p:graphicFrame>
+      <p:sp>
+        <p:nvSpPr>
+          <p:cNvPr id="7" name="Título 1"/>
+          <p:cNvSpPr>
+            <a:spLocks noGrp="1"/>
+          </p:cNvSpPr>
+          <p:nvPr>
+            <p:ph type="title"/>
+          </p:nvPr>
+        </p:nvSpPr>
+        <p:spPr>
+          <a:xfrm>
+            <a:off x="179512" y="188640"/>
+            <a:ext cx="8797925" cy="922338"/>
+          </a:xfrm>
+        </p:spPr>
+        <p:txBody>
+          <a:bodyPr/>
+          <a:lstStyle/>
+          <a:p>
+            <a:r>
+              <a:rPr lang="pt-BR" b="1" dirty="0" smtClean="0"/>
+              <a:t>Níveis e Técnicas de Teste</a:t>
+            </a:r>
+            <a:endParaRPr lang="pt-BR" b="1" dirty="0"/>
+          </a:p>
+        </p:txBody>
+      </p:sp>
     </p:spTree>
     <p:extLst>
       <p:ext uri="{BB962C8B-B14F-4D97-AF65-F5344CB8AC3E}">
-        <p14:creationId xmlns:p14="http://schemas.microsoft.com/office/powerpoint/2010/main" xmlns="" val="3083613247"/>
+        <p14:creationId xmlns:p14="http://schemas.microsoft.com/office/powerpoint/2010/main" val="1068463166"/>
       </p:ext>
     </p:extLst>
   </p:cSld>
@@ -4886,25 +5823,6 @@
           <a:chExt cx="0" cy="0"/>
         </a:xfrm>
       </p:grpSpPr>
-      <p:sp>
-        <p:nvSpPr>
-          <p:cNvPr id="2" name="Título 1"/>
-          <p:cNvSpPr>
-            <a:spLocks noGrp="1"/>
-          </p:cNvSpPr>
-          <p:nvPr>
-            <p:ph type="title"/>
-          </p:nvPr>
-        </p:nvSpPr>
-        <p:spPr/>
-        <p:txBody>
-          <a:bodyPr/>
-          <a:lstStyle/>
-          <a:p>
-            <a:endParaRPr lang="pt-BR"/>
-          </a:p>
-        </p:txBody>
-      </p:sp>
       <p:sp>
         <p:nvSpPr>
           <p:cNvPr id="3" name="Espaço Reservado para Conteúdo 2"/>
@@ -4944,11 +5862,7 @@
             <a:graphicFrameLocks noGrp="1"/>
           </p:cNvGraphicFramePr>
           <p:nvPr>
-            <p:extLst>
-              <p:ext uri="{D42A27DB-BD31-4B8C-83A1-F6EECF244321}">
-                <p14:modId xmlns:p14="http://schemas.microsoft.com/office/powerpoint/2010/main" xmlns="" val="1091969864"/>
-              </p:ext>
-            </p:extLst>
+            <p:extLst/>
           </p:nvPr>
         </p:nvGraphicFramePr>
         <p:xfrm>
@@ -4959,7 +5873,7 @@
           <a:graphicData uri="http://schemas.openxmlformats.org/drawingml/2006/table">
             <a:tbl>
               <a:tblPr bandRow="1">
-                <a:tableStyleId>{5C22544A-7EE6-4342-B048-85BDC9FD1C3A}</a:tableStyleId>
+                <a:tableStyleId>{793D81CF-94F2-401A-BA57-92F5A7B2D0C5}</a:tableStyleId>
               </a:tblPr>
               <a:tblGrid>
                 <a:gridCol w="2543342"/>
@@ -4980,12 +5894,12 @@
                         </a:spcAft>
                       </a:pPr>
                       <a:r>
-                        <a:rPr lang="pt-BR" sz="1800" b="1" dirty="0">
-                          <a:effectLst/>
-                        </a:rPr>
-                        <a:t>Descrição dos Testes de Regressão</a:t>
-                      </a:r>
-                      <a:endParaRPr lang="pt-BR" sz="1800" b="1" dirty="0">
+                        <a:rPr lang="pt-BR" sz="2200" b="1" dirty="0" smtClean="0">
+                          <a:effectLst/>
+                        </a:rPr>
+                        <a:t>Descrição</a:t>
+                      </a:r>
+                      <a:endParaRPr lang="pt-BR" sz="2200" b="1" dirty="0">
                         <a:solidFill>
                           <a:srgbClr val="000000"/>
                         </a:solidFill>
@@ -4996,7 +5910,44 @@
                       </a:endParaRPr>
                     </a:p>
                   </a:txBody>
-                  <a:tcPr marL="66675" marR="66675" marT="66675" marB="66675"/>
+                  <a:tcPr marL="66675" marR="66675" marT="66675" marB="66675">
+                    <a:lnL w="12700" cap="flat" cmpd="sng" algn="ctr">
+                      <a:solidFill>
+                        <a:schemeClr val="tx1"/>
+                      </a:solidFill>
+                      <a:prstDash val="solid"/>
+                      <a:round/>
+                      <a:headEnd type="none" w="med" len="med"/>
+                      <a:tailEnd type="none" w="med" len="med"/>
+                    </a:lnL>
+                    <a:lnR w="12700" cap="flat" cmpd="sng" algn="ctr">
+                      <a:solidFill>
+                        <a:schemeClr val="tx1"/>
+                      </a:solidFill>
+                      <a:prstDash val="solid"/>
+                      <a:round/>
+                      <a:headEnd type="none" w="med" len="med"/>
+                      <a:tailEnd type="none" w="med" len="med"/>
+                    </a:lnR>
+                    <a:lnT w="12700" cap="flat" cmpd="sng" algn="ctr">
+                      <a:solidFill>
+                        <a:schemeClr val="tx1"/>
+                      </a:solidFill>
+                      <a:prstDash val="solid"/>
+                      <a:round/>
+                      <a:headEnd type="none" w="med" len="med"/>
+                      <a:tailEnd type="none" w="med" len="med"/>
+                    </a:lnT>
+                    <a:lnB w="12700" cap="flat" cmpd="sng" algn="ctr">
+                      <a:solidFill>
+                        <a:schemeClr val="tx1"/>
+                      </a:solidFill>
+                      <a:prstDash val="solid"/>
+                      <a:round/>
+                      <a:headEnd type="none" w="med" len="med"/>
+                      <a:tailEnd type="none" w="med" len="med"/>
+                    </a:lnB>
+                  </a:tcPr>
                 </a:tc>
                 <a:tc hMerge="1">
                   <a:txBody>
@@ -5024,12 +5975,12 @@
                         </a:spcAft>
                       </a:pPr>
                       <a:r>
-                        <a:rPr lang="pt-BR" sz="1800">
+                        <a:rPr lang="pt-BR" sz="1800" b="1" dirty="0">
                           <a:effectLst/>
                         </a:rPr>
                         <a:t>Tipo de Teste:</a:t>
                       </a:r>
-                      <a:endParaRPr lang="pt-BR" sz="1800">
+                      <a:endParaRPr lang="pt-BR" sz="1800" b="1" dirty="0">
                         <a:solidFill>
                           <a:srgbClr val="000000"/>
                         </a:solidFill>
@@ -5040,7 +5991,26 @@
                       </a:endParaRPr>
                     </a:p>
                   </a:txBody>
-                  <a:tcPr marL="66675" marR="66675" marT="66675" marB="66675"/>
+                  <a:tcPr marL="66675" marR="66675" marT="66675" marB="66675">
+                    <a:lnR w="12700" cap="flat" cmpd="sng" algn="ctr">
+                      <a:solidFill>
+                        <a:schemeClr val="tx1"/>
+                      </a:solidFill>
+                      <a:prstDash val="solid"/>
+                      <a:round/>
+                      <a:headEnd type="none" w="med" len="med"/>
+                      <a:tailEnd type="none" w="med" len="med"/>
+                    </a:lnR>
+                    <a:lnT w="12700" cap="flat" cmpd="sng" algn="ctr">
+                      <a:solidFill>
+                        <a:schemeClr val="tx1"/>
+                      </a:solidFill>
+                      <a:prstDash val="solid"/>
+                      <a:round/>
+                      <a:headEnd type="none" w="med" len="med"/>
+                      <a:tailEnd type="none" w="med" len="med"/>
+                    </a:lnT>
+                  </a:tcPr>
                 </a:tc>
                 <a:tc>
                   <a:txBody>
@@ -5056,10 +6026,10 @@
                         </a:spcAft>
                       </a:pPr>
                       <a:r>
-                        <a:rPr lang="pt-BR" sz="1800" dirty="0">
-                          <a:effectLst/>
-                        </a:rPr>
-                        <a:t>Regressão</a:t>
+                        <a:rPr lang="pt-BR" sz="1800" dirty="0" smtClean="0">
+                          <a:effectLst/>
+                        </a:rPr>
+                        <a:t>Regressão.</a:t>
                       </a:r>
                       <a:endParaRPr lang="pt-BR" sz="1800" dirty="0">
                         <a:solidFill>
@@ -5072,7 +6042,44 @@
                       </a:endParaRPr>
                     </a:p>
                   </a:txBody>
-                  <a:tcPr marL="66675" marR="66675" marT="66675" marB="66675"/>
+                  <a:tcPr marL="66675" marR="66675" marT="66675" marB="66675">
+                    <a:lnL w="12700" cap="flat" cmpd="sng" algn="ctr">
+                      <a:solidFill>
+                        <a:schemeClr val="tx1"/>
+                      </a:solidFill>
+                      <a:prstDash val="solid"/>
+                      <a:round/>
+                      <a:headEnd type="none" w="med" len="med"/>
+                      <a:tailEnd type="none" w="med" len="med"/>
+                    </a:lnL>
+                    <a:lnR w="12700" cap="flat" cmpd="sng" algn="ctr">
+                      <a:solidFill>
+                        <a:schemeClr val="tx1"/>
+                      </a:solidFill>
+                      <a:prstDash val="solid"/>
+                      <a:round/>
+                      <a:headEnd type="none" w="med" len="med"/>
+                      <a:tailEnd type="none" w="med" len="med"/>
+                    </a:lnR>
+                    <a:lnT w="12700" cap="flat" cmpd="sng" algn="ctr">
+                      <a:solidFill>
+                        <a:schemeClr val="tx1"/>
+                      </a:solidFill>
+                      <a:prstDash val="solid"/>
+                      <a:round/>
+                      <a:headEnd type="none" w="med" len="med"/>
+                      <a:tailEnd type="none" w="med" len="med"/>
+                    </a:lnT>
+                    <a:lnB w="12700" cap="flat" cmpd="sng" algn="ctr">
+                      <a:solidFill>
+                        <a:schemeClr val="tx1"/>
+                      </a:solidFill>
+                      <a:prstDash val="solid"/>
+                      <a:round/>
+                      <a:headEnd type="none" w="med" len="med"/>
+                      <a:tailEnd type="none" w="med" len="med"/>
+                    </a:lnB>
+                  </a:tcPr>
                 </a:tc>
               </a:tr>
               <a:tr h="565712">
@@ -5090,12 +6097,12 @@
                         </a:spcAft>
                       </a:pPr>
                       <a:r>
-                        <a:rPr lang="pt-BR" sz="1800">
+                        <a:rPr lang="pt-BR" sz="1800" b="1" dirty="0">
                           <a:effectLst/>
                         </a:rPr>
                         <a:t>Objetivo do Teste:</a:t>
                       </a:r>
-                      <a:endParaRPr lang="pt-BR" sz="1800">
+                      <a:endParaRPr lang="pt-BR" sz="1800" b="1" dirty="0">
                         <a:solidFill>
                           <a:srgbClr val="000000"/>
                         </a:solidFill>
@@ -5106,7 +6113,17 @@
                       </a:endParaRPr>
                     </a:p>
                   </a:txBody>
-                  <a:tcPr marL="66675" marR="66675" marT="66675" marB="66675"/>
+                  <a:tcPr marL="66675" marR="66675" marT="66675" marB="66675">
+                    <a:lnR w="12700" cap="flat" cmpd="sng" algn="ctr">
+                      <a:solidFill>
+                        <a:schemeClr val="tx1"/>
+                      </a:solidFill>
+                      <a:prstDash val="solid"/>
+                      <a:round/>
+                      <a:headEnd type="none" w="med" len="med"/>
+                      <a:tailEnd type="none" w="med" len="med"/>
+                    </a:lnR>
+                  </a:tcPr>
                 </a:tc>
                 <a:tc>
                   <a:txBody>
@@ -5122,12 +6139,12 @@
                         </a:spcAft>
                       </a:pPr>
                       <a:r>
-                        <a:rPr lang="pt-BR" sz="1800">
+                        <a:rPr lang="pt-BR" sz="1800" dirty="0">
                           <a:effectLst/>
                         </a:rPr>
                         <a:t>Verificar efeitos colaterais em novos releases.</a:t>
                       </a:r>
-                      <a:endParaRPr lang="pt-BR" sz="1800">
+                      <a:endParaRPr lang="pt-BR" sz="1800" dirty="0">
                         <a:solidFill>
                           <a:srgbClr val="000000"/>
                         </a:solidFill>
@@ -5138,7 +6155,44 @@
                       </a:endParaRPr>
                     </a:p>
                   </a:txBody>
-                  <a:tcPr marL="66675" marR="66675" marT="66675" marB="66675"/>
+                  <a:tcPr marL="66675" marR="66675" marT="66675" marB="66675">
+                    <a:lnL w="12700" cap="flat" cmpd="sng" algn="ctr">
+                      <a:solidFill>
+                        <a:schemeClr val="tx1"/>
+                      </a:solidFill>
+                      <a:prstDash val="solid"/>
+                      <a:round/>
+                      <a:headEnd type="none" w="med" len="med"/>
+                      <a:tailEnd type="none" w="med" len="med"/>
+                    </a:lnL>
+                    <a:lnR w="12700" cap="flat" cmpd="sng" algn="ctr">
+                      <a:solidFill>
+                        <a:schemeClr val="tx1"/>
+                      </a:solidFill>
+                      <a:prstDash val="solid"/>
+                      <a:round/>
+                      <a:headEnd type="none" w="med" len="med"/>
+                      <a:tailEnd type="none" w="med" len="med"/>
+                    </a:lnR>
+                    <a:lnT w="12700" cap="flat" cmpd="sng" algn="ctr">
+                      <a:solidFill>
+                        <a:schemeClr val="tx1"/>
+                      </a:solidFill>
+                      <a:prstDash val="solid"/>
+                      <a:round/>
+                      <a:headEnd type="none" w="med" len="med"/>
+                      <a:tailEnd type="none" w="med" len="med"/>
+                    </a:lnT>
+                    <a:lnB w="12700" cap="flat" cmpd="sng" algn="ctr">
+                      <a:solidFill>
+                        <a:schemeClr val="tx1"/>
+                      </a:solidFill>
+                      <a:prstDash val="solid"/>
+                      <a:round/>
+                      <a:headEnd type="none" w="med" len="med"/>
+                      <a:tailEnd type="none" w="med" len="med"/>
+                    </a:lnB>
+                  </a:tcPr>
                 </a:tc>
               </a:tr>
               <a:tr h="627822">
@@ -5156,12 +6210,12 @@
                         </a:spcAft>
                       </a:pPr>
                       <a:r>
-                        <a:rPr lang="pt-BR" sz="1800">
+                        <a:rPr lang="pt-BR" sz="1800" b="1" dirty="0">
                           <a:effectLst/>
                         </a:rPr>
                         <a:t>Técnica:</a:t>
                       </a:r>
-                      <a:endParaRPr lang="pt-BR" sz="1800">
+                      <a:endParaRPr lang="pt-BR" sz="1800" b="1" dirty="0">
                         <a:solidFill>
                           <a:srgbClr val="000000"/>
                         </a:solidFill>
@@ -5172,7 +6226,17 @@
                       </a:endParaRPr>
                     </a:p>
                   </a:txBody>
-                  <a:tcPr marL="66675" marR="66675" marT="66675" marB="66675"/>
+                  <a:tcPr marL="66675" marR="66675" marT="66675" marB="66675">
+                    <a:lnR w="12700" cap="flat" cmpd="sng" algn="ctr">
+                      <a:solidFill>
+                        <a:schemeClr val="tx1"/>
+                      </a:solidFill>
+                      <a:prstDash val="solid"/>
+                      <a:round/>
+                      <a:headEnd type="none" w="med" len="med"/>
+                      <a:tailEnd type="none" w="med" len="med"/>
+                    </a:lnR>
+                  </a:tcPr>
                 </a:tc>
                 <a:tc>
                   <a:txBody>
@@ -5197,7 +6261,7 @@
                         <a:rPr lang="pt-BR" sz="1800" baseline="0" dirty="0" smtClean="0">
                           <a:effectLst/>
                         </a:rPr>
-                        <a:t> a regressão</a:t>
+                        <a:t> a regressão.</a:t>
                       </a:r>
                       <a:endParaRPr lang="pt-BR" sz="1800" dirty="0">
                         <a:solidFill>
@@ -5210,7 +6274,44 @@
                       </a:endParaRPr>
                     </a:p>
                   </a:txBody>
-                  <a:tcPr marL="66675" marR="66675" marT="66675" marB="66675"/>
+                  <a:tcPr marL="66675" marR="66675" marT="66675" marB="66675">
+                    <a:lnL w="12700" cap="flat" cmpd="sng" algn="ctr">
+                      <a:solidFill>
+                        <a:schemeClr val="tx1"/>
+                      </a:solidFill>
+                      <a:prstDash val="solid"/>
+                      <a:round/>
+                      <a:headEnd type="none" w="med" len="med"/>
+                      <a:tailEnd type="none" w="med" len="med"/>
+                    </a:lnL>
+                    <a:lnR w="12700" cap="flat" cmpd="sng" algn="ctr">
+                      <a:solidFill>
+                        <a:schemeClr val="tx1"/>
+                      </a:solidFill>
+                      <a:prstDash val="solid"/>
+                      <a:round/>
+                      <a:headEnd type="none" w="med" len="med"/>
+                      <a:tailEnd type="none" w="med" len="med"/>
+                    </a:lnR>
+                    <a:lnT w="12700" cap="flat" cmpd="sng" algn="ctr">
+                      <a:solidFill>
+                        <a:schemeClr val="tx1"/>
+                      </a:solidFill>
+                      <a:prstDash val="solid"/>
+                      <a:round/>
+                      <a:headEnd type="none" w="med" len="med"/>
+                      <a:tailEnd type="none" w="med" len="med"/>
+                    </a:lnT>
+                    <a:lnB w="12700" cap="flat" cmpd="sng" algn="ctr">
+                      <a:solidFill>
+                        <a:schemeClr val="tx1"/>
+                      </a:solidFill>
+                      <a:prstDash val="solid"/>
+                      <a:round/>
+                      <a:headEnd type="none" w="med" len="med"/>
+                      <a:tailEnd type="none" w="med" len="med"/>
+                    </a:lnB>
+                  </a:tcPr>
                 </a:tc>
               </a:tr>
               <a:tr h="565712">
@@ -5228,12 +6329,12 @@
                         </a:spcAft>
                       </a:pPr>
                       <a:r>
-                        <a:rPr lang="pt-BR" sz="1800">
+                        <a:rPr lang="pt-BR" sz="1800" b="1" dirty="0">
                           <a:effectLst/>
                         </a:rPr>
                         <a:t>Critério de Início:</a:t>
                       </a:r>
-                      <a:endParaRPr lang="pt-BR" sz="1800">
+                      <a:endParaRPr lang="pt-BR" sz="1800" b="1" dirty="0">
                         <a:solidFill>
                           <a:srgbClr val="000000"/>
                         </a:solidFill>
@@ -5244,7 +6345,17 @@
                       </a:endParaRPr>
                     </a:p>
                   </a:txBody>
-                  <a:tcPr marL="66675" marR="66675" marT="66675" marB="66675"/>
+                  <a:tcPr marL="66675" marR="66675" marT="66675" marB="66675">
+                    <a:lnR w="12700" cap="flat" cmpd="sng" algn="ctr">
+                      <a:solidFill>
+                        <a:schemeClr val="tx1"/>
+                      </a:solidFill>
+                      <a:prstDash val="solid"/>
+                      <a:round/>
+                      <a:headEnd type="none" w="med" len="med"/>
+                      <a:tailEnd type="none" w="med" len="med"/>
+                    </a:lnR>
+                  </a:tcPr>
                 </a:tc>
                 <a:tc>
                   <a:txBody>
@@ -5260,12 +6371,18 @@
                         </a:spcAft>
                       </a:pPr>
                       <a:r>
-                        <a:rPr lang="pt-BR" sz="1800">
-                          <a:effectLst/>
-                        </a:rPr>
-                        <a:t>Novo release de software disponível</a:t>
-                      </a:r>
-                      <a:endParaRPr lang="pt-BR" sz="1800">
+                        <a:rPr lang="pt-BR" sz="1800" dirty="0">
+                          <a:effectLst/>
+                        </a:rPr>
+                        <a:t>Novo release de software </a:t>
+                      </a:r>
+                      <a:r>
+                        <a:rPr lang="pt-BR" sz="1800" dirty="0" smtClean="0">
+                          <a:effectLst/>
+                        </a:rPr>
+                        <a:t>disponível.</a:t>
+                      </a:r>
+                      <a:endParaRPr lang="pt-BR" sz="1800" dirty="0">
                         <a:solidFill>
                           <a:srgbClr val="000000"/>
                         </a:solidFill>
@@ -5276,7 +6393,44 @@
                       </a:endParaRPr>
                     </a:p>
                   </a:txBody>
-                  <a:tcPr marL="66675" marR="66675" marT="66675" marB="66675"/>
+                  <a:tcPr marL="66675" marR="66675" marT="66675" marB="66675">
+                    <a:lnL w="12700" cap="flat" cmpd="sng" algn="ctr">
+                      <a:solidFill>
+                        <a:schemeClr val="tx1"/>
+                      </a:solidFill>
+                      <a:prstDash val="solid"/>
+                      <a:round/>
+                      <a:headEnd type="none" w="med" len="med"/>
+                      <a:tailEnd type="none" w="med" len="med"/>
+                    </a:lnL>
+                    <a:lnR w="12700" cap="flat" cmpd="sng" algn="ctr">
+                      <a:solidFill>
+                        <a:schemeClr val="tx1"/>
+                      </a:solidFill>
+                      <a:prstDash val="solid"/>
+                      <a:round/>
+                      <a:headEnd type="none" w="med" len="med"/>
+                      <a:tailEnd type="none" w="med" len="med"/>
+                    </a:lnR>
+                    <a:lnT w="12700" cap="flat" cmpd="sng" algn="ctr">
+                      <a:solidFill>
+                        <a:schemeClr val="tx1"/>
+                      </a:solidFill>
+                      <a:prstDash val="solid"/>
+                      <a:round/>
+                      <a:headEnd type="none" w="med" len="med"/>
+                      <a:tailEnd type="none" w="med" len="med"/>
+                    </a:lnT>
+                    <a:lnB w="12700" cap="flat" cmpd="sng" algn="ctr">
+                      <a:solidFill>
+                        <a:schemeClr val="tx1"/>
+                      </a:solidFill>
+                      <a:prstDash val="solid"/>
+                      <a:round/>
+                      <a:headEnd type="none" w="med" len="med"/>
+                      <a:tailEnd type="none" w="med" len="med"/>
+                    </a:lnB>
+                  </a:tcPr>
                 </a:tc>
               </a:tr>
               <a:tr h="565712">
@@ -5294,12 +6448,12 @@
                         </a:spcAft>
                       </a:pPr>
                       <a:r>
-                        <a:rPr lang="pt-BR" sz="1800">
+                        <a:rPr lang="pt-BR" sz="1800" b="1" dirty="0">
                           <a:effectLst/>
                         </a:rPr>
                         <a:t>Critério de Finalização:</a:t>
                       </a:r>
-                      <a:endParaRPr lang="pt-BR" sz="1800">
+                      <a:endParaRPr lang="pt-BR" sz="1800" b="1" dirty="0">
                         <a:solidFill>
                           <a:srgbClr val="000000"/>
                         </a:solidFill>
@@ -5310,7 +6464,17 @@
                       </a:endParaRPr>
                     </a:p>
                   </a:txBody>
-                  <a:tcPr marL="66675" marR="66675" marT="66675" marB="66675"/>
+                  <a:tcPr marL="66675" marR="66675" marT="66675" marB="66675">
+                    <a:lnR w="12700" cap="flat" cmpd="sng" algn="ctr">
+                      <a:solidFill>
+                        <a:schemeClr val="tx1"/>
+                      </a:solidFill>
+                      <a:prstDash val="solid"/>
+                      <a:round/>
+                      <a:headEnd type="none" w="med" len="med"/>
+                      <a:tailEnd type="none" w="med" len="med"/>
+                    </a:lnR>
+                  </a:tcPr>
                 </a:tc>
                 <a:tc>
                   <a:txBody>
@@ -5329,7 +6493,13 @@
                         <a:rPr lang="pt-BR" sz="1800" dirty="0">
                           <a:effectLst/>
                         </a:rPr>
-                        <a:t>Regressão realizada com sucesso</a:t>
+                        <a:t>Regressão realizada com </a:t>
+                      </a:r>
+                      <a:r>
+                        <a:rPr lang="pt-BR" sz="1800" dirty="0" smtClean="0">
+                          <a:effectLst/>
+                        </a:rPr>
+                        <a:t>sucesso.</a:t>
                       </a:r>
                       <a:endParaRPr lang="pt-BR" sz="1800" dirty="0">
                         <a:solidFill>
@@ -5342,17 +6512,82 @@
                       </a:endParaRPr>
                     </a:p>
                   </a:txBody>
-                  <a:tcPr marL="66675" marR="66675" marT="66675" marB="66675"/>
+                  <a:tcPr marL="66675" marR="66675" marT="66675" marB="66675">
+                    <a:lnL w="12700" cap="flat" cmpd="sng" algn="ctr">
+                      <a:solidFill>
+                        <a:schemeClr val="tx1"/>
+                      </a:solidFill>
+                      <a:prstDash val="solid"/>
+                      <a:round/>
+                      <a:headEnd type="none" w="med" len="med"/>
+                      <a:tailEnd type="none" w="med" len="med"/>
+                    </a:lnL>
+                    <a:lnR w="12700" cap="flat" cmpd="sng" algn="ctr">
+                      <a:solidFill>
+                        <a:schemeClr val="tx1"/>
+                      </a:solidFill>
+                      <a:prstDash val="solid"/>
+                      <a:round/>
+                      <a:headEnd type="none" w="med" len="med"/>
+                      <a:tailEnd type="none" w="med" len="med"/>
+                    </a:lnR>
+                    <a:lnT w="12700" cap="flat" cmpd="sng" algn="ctr">
+                      <a:solidFill>
+                        <a:schemeClr val="tx1"/>
+                      </a:solidFill>
+                      <a:prstDash val="solid"/>
+                      <a:round/>
+                      <a:headEnd type="none" w="med" len="med"/>
+                      <a:tailEnd type="none" w="med" len="med"/>
+                    </a:lnT>
+                    <a:lnB w="12700" cap="flat" cmpd="sng" algn="ctr">
+                      <a:solidFill>
+                        <a:schemeClr val="tx1"/>
+                      </a:solidFill>
+                      <a:prstDash val="solid"/>
+                      <a:round/>
+                      <a:headEnd type="none" w="med" len="med"/>
+                      <a:tailEnd type="none" w="med" len="med"/>
+                    </a:lnB>
+                  </a:tcPr>
                 </a:tc>
               </a:tr>
             </a:tbl>
           </a:graphicData>
         </a:graphic>
       </p:graphicFrame>
+      <p:sp>
+        <p:nvSpPr>
+          <p:cNvPr id="7" name="Título 1"/>
+          <p:cNvSpPr>
+            <a:spLocks noGrp="1"/>
+          </p:cNvSpPr>
+          <p:nvPr>
+            <p:ph type="title"/>
+          </p:nvPr>
+        </p:nvSpPr>
+        <p:spPr>
+          <a:xfrm>
+            <a:off x="179512" y="188640"/>
+            <a:ext cx="8797925" cy="922338"/>
+          </a:xfrm>
+        </p:spPr>
+        <p:txBody>
+          <a:bodyPr/>
+          <a:lstStyle/>
+          <a:p>
+            <a:r>
+              <a:rPr lang="pt-BR" b="1" dirty="0" smtClean="0"/>
+              <a:t>Níveis e Técnicas de Teste</a:t>
+            </a:r>
+            <a:endParaRPr lang="pt-BR" b="1" dirty="0"/>
+          </a:p>
+        </p:txBody>
+      </p:sp>
     </p:spTree>
     <p:extLst>
       <p:ext uri="{BB962C8B-B14F-4D97-AF65-F5344CB8AC3E}">
-        <p14:creationId xmlns:p14="http://schemas.microsoft.com/office/powerpoint/2010/main" xmlns="" val="3044112681"/>
+        <p14:creationId xmlns:p14="http://schemas.microsoft.com/office/powerpoint/2010/main" val="2224284626"/>
       </p:ext>
     </p:extLst>
   </p:cSld>
@@ -5402,10 +6637,10 @@
           <a:lstStyle/>
           <a:p>
             <a:r>
-              <a:rPr lang="pt-BR" dirty="0" smtClean="0"/>
+              <a:rPr lang="pt-BR" b="1" dirty="0" smtClean="0"/>
               <a:t>Ferramentas</a:t>
             </a:r>
-            <a:endParaRPr lang="pt-BR" dirty="0"/>
+            <a:endParaRPr lang="pt-BR" b="1" dirty="0"/>
           </a:p>
         </p:txBody>
       </p:sp>
@@ -5448,22 +6683,18 @@
             <a:graphicFrameLocks noGrp="1"/>
           </p:cNvGraphicFramePr>
           <p:nvPr>
-            <p:extLst>
-              <p:ext uri="{D42A27DB-BD31-4B8C-83A1-F6EECF244321}">
-                <p14:modId xmlns:p14="http://schemas.microsoft.com/office/powerpoint/2010/main" xmlns="" val="2685736119"/>
-              </p:ext>
-            </p:extLst>
+            <p:extLst/>
           </p:nvPr>
         </p:nvGraphicFramePr>
         <p:xfrm>
           <a:off x="971600" y="2420888"/>
-          <a:ext cx="7488832" cy="3197420"/>
+          <a:ext cx="7488832" cy="3816689"/>
         </p:xfrm>
         <a:graphic>
           <a:graphicData uri="http://schemas.openxmlformats.org/drawingml/2006/table">
             <a:tbl>
               <a:tblPr bandRow="1">
-                <a:tableStyleId>{5C22544A-7EE6-4342-B048-85BDC9FD1C3A}</a:tableStyleId>
+                <a:tableStyleId>{793D81CF-94F2-401A-BA57-92F5A7B2D0C5}</a:tableStyleId>
               </a:tblPr>
               <a:tblGrid>
                 <a:gridCol w="5305043"/>
@@ -5475,7 +6706,7 @@
                     <a:bodyPr/>
                     <a:lstStyle/>
                     <a:p>
-                      <a:pPr algn="just">
+                      <a:pPr algn="ctr">
                         <a:lnSpc>
                           <a:spcPct val="107000"/>
                         </a:lnSpc>
@@ -5484,12 +6715,12 @@
                         </a:spcAft>
                       </a:pPr>
                       <a:r>
-                        <a:rPr lang="pt-BR" sz="1800" dirty="0">
-                          <a:effectLst/>
-                        </a:rPr>
-                        <a:t>Gerenciamento das atividades de teste:</a:t>
-                      </a:r>
-                      <a:endParaRPr lang="pt-BR" sz="1800" dirty="0">
+                        <a:rPr lang="pt-BR" sz="1800" b="1" dirty="0" smtClean="0">
+                          <a:effectLst/>
+                        </a:rPr>
+                        <a:t>Utilização</a:t>
+                      </a:r>
+                      <a:endParaRPr lang="pt-BR" sz="1800" b="1" dirty="0">
                         <a:solidFill>
                           <a:srgbClr val="000000"/>
                         </a:solidFill>
@@ -5500,14 +6731,51 @@
                       </a:endParaRPr>
                     </a:p>
                   </a:txBody>
-                  <a:tcPr marL="47625" marR="47625" marT="66675" marB="66675"/>
+                  <a:tcPr marL="47625" marR="47625" marT="66675" marB="66675">
+                    <a:lnL w="12700" cap="flat" cmpd="sng" algn="ctr">
+                      <a:solidFill>
+                        <a:schemeClr val="tx1"/>
+                      </a:solidFill>
+                      <a:prstDash val="solid"/>
+                      <a:round/>
+                      <a:headEnd type="none" w="med" len="med"/>
+                      <a:tailEnd type="none" w="med" len="med"/>
+                    </a:lnL>
+                    <a:lnR w="12700" cap="flat" cmpd="sng" algn="ctr">
+                      <a:solidFill>
+                        <a:schemeClr val="tx1"/>
+                      </a:solidFill>
+                      <a:prstDash val="solid"/>
+                      <a:round/>
+                      <a:headEnd type="none" w="med" len="med"/>
+                      <a:tailEnd type="none" w="med" len="med"/>
+                    </a:lnR>
+                    <a:lnT w="12700" cap="flat" cmpd="sng" algn="ctr">
+                      <a:solidFill>
+                        <a:schemeClr val="tx1"/>
+                      </a:solidFill>
+                      <a:prstDash val="solid"/>
+                      <a:round/>
+                      <a:headEnd type="none" w="med" len="med"/>
+                      <a:tailEnd type="none" w="med" len="med"/>
+                    </a:lnT>
+                    <a:lnB w="12700" cap="flat" cmpd="sng" algn="ctr">
+                      <a:solidFill>
+                        <a:schemeClr val="tx1"/>
+                      </a:solidFill>
+                      <a:prstDash val="solid"/>
+                      <a:round/>
+                      <a:headEnd type="none" w="med" len="med"/>
+                      <a:tailEnd type="none" w="med" len="med"/>
+                    </a:lnB>
+                  </a:tcPr>
                 </a:tc>
                 <a:tc>
                   <a:txBody>
                     <a:bodyPr/>
                     <a:lstStyle/>
                     <a:p>
-                      <a:pPr algn="just">
+                      <a:pPr algn="ctr">
                         <a:lnSpc>
                           <a:spcPct val="107000"/>
                         </a:lnSpc>
@@ -5516,23 +6784,51 @@
                         </a:spcAft>
                       </a:pPr>
                       <a:r>
-                        <a:rPr lang="pt-BR" sz="1800">
-                          <a:effectLst/>
-                        </a:rPr>
-                        <a:t>TestLink</a:t>
-                      </a:r>
-                      <a:endParaRPr lang="pt-BR" sz="1800">
-                        <a:solidFill>
-                          <a:srgbClr val="000000"/>
-                        </a:solidFill>
-                        <a:effectLst/>
-                        <a:latin typeface="Calibri"/>
-                        <a:ea typeface="Calibri"/>
-                        <a:cs typeface="Calibri"/>
-                      </a:endParaRPr>
+                        <a:rPr lang="pt-BR" sz="1800" b="1" dirty="0" smtClean="0">
+                          <a:effectLst/>
+                        </a:rPr>
+                        <a:t>Ferramenta</a:t>
+                      </a:r>
                     </a:p>
                   </a:txBody>
-                  <a:tcPr marL="47625" marR="47625" marT="66675" marB="66675"/>
+                  <a:tcPr marL="47625" marR="47625" marT="66675" marB="66675">
+                    <a:lnL w="12700" cap="flat" cmpd="sng" algn="ctr">
+                      <a:solidFill>
+                        <a:schemeClr val="tx1"/>
+                      </a:solidFill>
+                      <a:prstDash val="solid"/>
+                      <a:round/>
+                      <a:headEnd type="none" w="med" len="med"/>
+                      <a:tailEnd type="none" w="med" len="med"/>
+                    </a:lnL>
+                    <a:lnR w="12700" cap="flat" cmpd="sng" algn="ctr">
+                      <a:solidFill>
+                        <a:schemeClr val="tx1"/>
+                      </a:solidFill>
+                      <a:prstDash val="solid"/>
+                      <a:round/>
+                      <a:headEnd type="none" w="med" len="med"/>
+                      <a:tailEnd type="none" w="med" len="med"/>
+                    </a:lnR>
+                    <a:lnT w="12700" cap="flat" cmpd="sng" algn="ctr">
+                      <a:solidFill>
+                        <a:schemeClr val="tx1"/>
+                      </a:solidFill>
+                      <a:prstDash val="solid"/>
+                      <a:round/>
+                      <a:headEnd type="none" w="med" len="med"/>
+                      <a:tailEnd type="none" w="med" len="med"/>
+                    </a:lnT>
+                    <a:lnB w="12700" cap="flat" cmpd="sng" algn="ctr">
+                      <a:solidFill>
+                        <a:schemeClr val="tx1"/>
+                      </a:solidFill>
+                      <a:prstDash val="solid"/>
+                      <a:round/>
+                      <a:headEnd type="none" w="med" len="med"/>
+                      <a:tailEnd type="none" w="med" len="med"/>
+                    </a:lnB>
+                  </a:tcPr>
                 </a:tc>
               </a:tr>
               <a:tr h="619269">
@@ -5553,7 +6849,25 @@
                         <a:rPr lang="pt-BR" sz="1800" dirty="0">
                           <a:effectLst/>
                         </a:rPr>
-                        <a:t>Gerenciamento dos casos de teste:</a:t>
+                        <a:t>Gerenciamento das </a:t>
+                      </a:r>
+                      <a:r>
+                        <a:rPr lang="pt-BR" sz="1800" dirty="0" smtClean="0">
+                          <a:effectLst/>
+                        </a:rPr>
+                        <a:t>Atividades </a:t>
+                      </a:r>
+                      <a:r>
+                        <a:rPr lang="pt-BR" sz="1800" dirty="0">
+                          <a:effectLst/>
+                        </a:rPr>
+                        <a:t>de </a:t>
+                      </a:r>
+                      <a:r>
+                        <a:rPr lang="pt-BR" sz="1800" dirty="0" smtClean="0">
+                          <a:effectLst/>
+                        </a:rPr>
+                        <a:t>Teste:</a:t>
                       </a:r>
                       <a:endParaRPr lang="pt-BR" sz="1800" dirty="0">
                         <a:solidFill>
@@ -5566,7 +6880,44 @@
                       </a:endParaRPr>
                     </a:p>
                   </a:txBody>
-                  <a:tcPr marL="47625" marR="47625" marT="66675" marB="66675"/>
+                  <a:tcPr marL="47625" marR="47625" marT="66675" marB="66675">
+                    <a:lnL w="12700" cap="flat" cmpd="sng" algn="ctr">
+                      <a:solidFill>
+                        <a:schemeClr val="tx1"/>
+                      </a:solidFill>
+                      <a:prstDash val="solid"/>
+                      <a:round/>
+                      <a:headEnd type="none" w="med" len="med"/>
+                      <a:tailEnd type="none" w="med" len="med"/>
+                    </a:lnL>
+                    <a:lnR w="12700" cap="flat" cmpd="sng" algn="ctr">
+                      <a:solidFill>
+                        <a:schemeClr val="tx1"/>
+                      </a:solidFill>
+                      <a:prstDash val="solid"/>
+                      <a:round/>
+                      <a:headEnd type="none" w="med" len="med"/>
+                      <a:tailEnd type="none" w="med" len="med"/>
+                    </a:lnR>
+                    <a:lnT w="12700" cap="flat" cmpd="sng" algn="ctr">
+                      <a:solidFill>
+                        <a:schemeClr val="tx1"/>
+                      </a:solidFill>
+                      <a:prstDash val="solid"/>
+                      <a:round/>
+                      <a:headEnd type="none" w="med" len="med"/>
+                      <a:tailEnd type="none" w="med" len="med"/>
+                    </a:lnT>
+                    <a:lnB w="12700" cap="flat" cmpd="sng" algn="ctr">
+                      <a:solidFill>
+                        <a:schemeClr val="tx1"/>
+                      </a:solidFill>
+                      <a:prstDash val="solid"/>
+                      <a:round/>
+                      <a:headEnd type="none" w="med" len="med"/>
+                      <a:tailEnd type="none" w="med" len="med"/>
+                    </a:lnB>
+                  </a:tcPr>
                 </a:tc>
                 <a:tc>
                   <a:txBody>
@@ -5582,12 +6933,12 @@
                         </a:spcAft>
                       </a:pPr>
                       <a:r>
-                        <a:rPr lang="pt-BR" sz="1800">
+                        <a:rPr lang="pt-BR" sz="1800" dirty="0" err="1" smtClean="0">
                           <a:effectLst/>
                         </a:rPr>
                         <a:t>TestLink</a:t>
                       </a:r>
-                      <a:endParaRPr lang="pt-BR" sz="1800">
+                      <a:endParaRPr lang="pt-BR" sz="1800" dirty="0">
                         <a:solidFill>
                           <a:srgbClr val="000000"/>
                         </a:solidFill>
@@ -5598,7 +6949,44 @@
                       </a:endParaRPr>
                     </a:p>
                   </a:txBody>
-                  <a:tcPr marL="47625" marR="47625" marT="66675" marB="66675"/>
+                  <a:tcPr marL="47625" marR="47625" marT="66675" marB="66675">
+                    <a:lnL w="12700" cap="flat" cmpd="sng" algn="ctr">
+                      <a:solidFill>
+                        <a:schemeClr val="tx1"/>
+                      </a:solidFill>
+                      <a:prstDash val="solid"/>
+                      <a:round/>
+                      <a:headEnd type="none" w="med" len="med"/>
+                      <a:tailEnd type="none" w="med" len="med"/>
+                    </a:lnL>
+                    <a:lnR w="12700" cap="flat" cmpd="sng" algn="ctr">
+                      <a:solidFill>
+                        <a:schemeClr val="tx1"/>
+                      </a:solidFill>
+                      <a:prstDash val="solid"/>
+                      <a:round/>
+                      <a:headEnd type="none" w="med" len="med"/>
+                      <a:tailEnd type="none" w="med" len="med"/>
+                    </a:lnR>
+                    <a:lnT w="12700" cap="flat" cmpd="sng" algn="ctr">
+                      <a:solidFill>
+                        <a:schemeClr val="tx1"/>
+                      </a:solidFill>
+                      <a:prstDash val="solid"/>
+                      <a:round/>
+                      <a:headEnd type="none" w="med" len="med"/>
+                      <a:tailEnd type="none" w="med" len="med"/>
+                    </a:lnT>
+                    <a:lnB w="12700" cap="flat" cmpd="sng" algn="ctr">
+                      <a:solidFill>
+                        <a:schemeClr val="tx1"/>
+                      </a:solidFill>
+                      <a:prstDash val="solid"/>
+                      <a:round/>
+                      <a:headEnd type="none" w="med" len="med"/>
+                      <a:tailEnd type="none" w="med" len="med"/>
+                    </a:lnB>
+                  </a:tcPr>
                 </a:tc>
               </a:tr>
               <a:tr h="619269">
@@ -5616,12 +7004,30 @@
                         </a:spcAft>
                       </a:pPr>
                       <a:r>
-                        <a:rPr lang="pt-BR" sz="1800">
-                          <a:effectLst/>
-                        </a:rPr>
-                        <a:t>Gerenciamento de defeitos:</a:t>
-                      </a:r>
-                      <a:endParaRPr lang="pt-BR" sz="1800">
+                        <a:rPr lang="pt-BR" sz="1800" dirty="0">
+                          <a:effectLst/>
+                        </a:rPr>
+                        <a:t>Gerenciamento dos </a:t>
+                      </a:r>
+                      <a:r>
+                        <a:rPr lang="pt-BR" sz="1800" dirty="0" smtClean="0">
+                          <a:effectLst/>
+                        </a:rPr>
+                        <a:t>Casos </a:t>
+                      </a:r>
+                      <a:r>
+                        <a:rPr lang="pt-BR" sz="1800" dirty="0">
+                          <a:effectLst/>
+                        </a:rPr>
+                        <a:t>de </a:t>
+                      </a:r>
+                      <a:r>
+                        <a:rPr lang="pt-BR" sz="1800" dirty="0" smtClean="0">
+                          <a:effectLst/>
+                        </a:rPr>
+                        <a:t>Teste:</a:t>
+                      </a:r>
+                      <a:endParaRPr lang="pt-BR" sz="1800" dirty="0">
                         <a:solidFill>
                           <a:srgbClr val="000000"/>
                         </a:solidFill>
@@ -5632,7 +7038,44 @@
                       </a:endParaRPr>
                     </a:p>
                   </a:txBody>
-                  <a:tcPr marL="47625" marR="47625" marT="66675" marB="66675"/>
+                  <a:tcPr marL="47625" marR="47625" marT="66675" marB="66675">
+                    <a:lnL w="12700" cap="flat" cmpd="sng" algn="ctr">
+                      <a:solidFill>
+                        <a:schemeClr val="tx1"/>
+                      </a:solidFill>
+                      <a:prstDash val="solid"/>
+                      <a:round/>
+                      <a:headEnd type="none" w="med" len="med"/>
+                      <a:tailEnd type="none" w="med" len="med"/>
+                    </a:lnL>
+                    <a:lnR w="12700" cap="flat" cmpd="sng" algn="ctr">
+                      <a:solidFill>
+                        <a:schemeClr val="tx1"/>
+                      </a:solidFill>
+                      <a:prstDash val="solid"/>
+                      <a:round/>
+                      <a:headEnd type="none" w="med" len="med"/>
+                      <a:tailEnd type="none" w="med" len="med"/>
+                    </a:lnR>
+                    <a:lnT w="12700" cap="flat" cmpd="sng" algn="ctr">
+                      <a:solidFill>
+                        <a:schemeClr val="tx1"/>
+                      </a:solidFill>
+                      <a:prstDash val="solid"/>
+                      <a:round/>
+                      <a:headEnd type="none" w="med" len="med"/>
+                      <a:tailEnd type="none" w="med" len="med"/>
+                    </a:lnT>
+                    <a:lnB w="12700" cap="flat" cmpd="sng" algn="ctr">
+                      <a:solidFill>
+                        <a:schemeClr val="tx1"/>
+                      </a:solidFill>
+                      <a:prstDash val="solid"/>
+                      <a:round/>
+                      <a:headEnd type="none" w="med" len="med"/>
+                      <a:tailEnd type="none" w="med" len="med"/>
+                    </a:lnB>
+                  </a:tcPr>
                 </a:tc>
                 <a:tc>
                   <a:txBody>
@@ -5648,12 +7091,12 @@
                         </a:spcAft>
                       </a:pPr>
                       <a:r>
-                        <a:rPr lang="pt-BR" sz="1800">
-                          <a:effectLst/>
-                        </a:rPr>
-                        <a:t>Mantis</a:t>
-                      </a:r>
-                      <a:endParaRPr lang="pt-BR" sz="1800">
+                        <a:rPr lang="pt-BR" sz="1800" dirty="0" err="1">
+                          <a:effectLst/>
+                        </a:rPr>
+                        <a:t>TestLink</a:t>
+                      </a:r>
+                      <a:endParaRPr lang="pt-BR" sz="1800" dirty="0">
                         <a:solidFill>
                           <a:srgbClr val="000000"/>
                         </a:solidFill>
@@ -5664,7 +7107,44 @@
                       </a:endParaRPr>
                     </a:p>
                   </a:txBody>
-                  <a:tcPr marL="47625" marR="47625" marT="66675" marB="66675"/>
+                  <a:tcPr marL="47625" marR="47625" marT="66675" marB="66675">
+                    <a:lnL w="12700" cap="flat" cmpd="sng" algn="ctr">
+                      <a:solidFill>
+                        <a:schemeClr val="tx1"/>
+                      </a:solidFill>
+                      <a:prstDash val="solid"/>
+                      <a:round/>
+                      <a:headEnd type="none" w="med" len="med"/>
+                      <a:tailEnd type="none" w="med" len="med"/>
+                    </a:lnL>
+                    <a:lnR w="12700" cap="flat" cmpd="sng" algn="ctr">
+                      <a:solidFill>
+                        <a:schemeClr val="tx1"/>
+                      </a:solidFill>
+                      <a:prstDash val="solid"/>
+                      <a:round/>
+                      <a:headEnd type="none" w="med" len="med"/>
+                      <a:tailEnd type="none" w="med" len="med"/>
+                    </a:lnR>
+                    <a:lnT w="12700" cap="flat" cmpd="sng" algn="ctr">
+                      <a:solidFill>
+                        <a:schemeClr val="tx1"/>
+                      </a:solidFill>
+                      <a:prstDash val="solid"/>
+                      <a:round/>
+                      <a:headEnd type="none" w="med" len="med"/>
+                      <a:tailEnd type="none" w="med" len="med"/>
+                    </a:lnT>
+                    <a:lnB w="12700" cap="flat" cmpd="sng" algn="ctr">
+                      <a:solidFill>
+                        <a:schemeClr val="tx1"/>
+                      </a:solidFill>
+                      <a:prstDash val="solid"/>
+                      <a:round/>
+                      <a:headEnd type="none" w="med" len="med"/>
+                      <a:tailEnd type="none" w="med" len="med"/>
+                    </a:lnB>
+                  </a:tcPr>
                 </a:tc>
               </a:tr>
               <a:tr h="619269">
@@ -5682,12 +7162,18 @@
                         </a:spcAft>
                       </a:pPr>
                       <a:r>
-                        <a:rPr lang="pt-BR" sz="1800">
-                          <a:effectLst/>
-                        </a:rPr>
-                        <a:t>Automação de testes</a:t>
-                      </a:r>
-                      <a:endParaRPr lang="pt-BR" sz="1800">
+                        <a:rPr lang="pt-BR" sz="1800" dirty="0">
+                          <a:effectLst/>
+                        </a:rPr>
+                        <a:t>Gerenciamento de </a:t>
+                      </a:r>
+                      <a:r>
+                        <a:rPr lang="pt-BR" sz="1800" dirty="0" smtClean="0">
+                          <a:effectLst/>
+                        </a:rPr>
+                        <a:t>Defeitos:</a:t>
+                      </a:r>
+                      <a:endParaRPr lang="pt-BR" sz="1800" dirty="0">
                         <a:solidFill>
                           <a:srgbClr val="000000"/>
                         </a:solidFill>
@@ -5698,7 +7184,44 @@
                       </a:endParaRPr>
                     </a:p>
                   </a:txBody>
-                  <a:tcPr marL="47625" marR="47625" marT="66675" marB="66675"/>
+                  <a:tcPr marL="47625" marR="47625" marT="66675" marB="66675">
+                    <a:lnL w="12700" cap="flat" cmpd="sng" algn="ctr">
+                      <a:solidFill>
+                        <a:schemeClr val="tx1"/>
+                      </a:solidFill>
+                      <a:prstDash val="solid"/>
+                      <a:round/>
+                      <a:headEnd type="none" w="med" len="med"/>
+                      <a:tailEnd type="none" w="med" len="med"/>
+                    </a:lnL>
+                    <a:lnR w="12700" cap="flat" cmpd="sng" algn="ctr">
+                      <a:solidFill>
+                        <a:schemeClr val="tx1"/>
+                      </a:solidFill>
+                      <a:prstDash val="solid"/>
+                      <a:round/>
+                      <a:headEnd type="none" w="med" len="med"/>
+                      <a:tailEnd type="none" w="med" len="med"/>
+                    </a:lnR>
+                    <a:lnT w="12700" cap="flat" cmpd="sng" algn="ctr">
+                      <a:solidFill>
+                        <a:schemeClr val="tx1"/>
+                      </a:solidFill>
+                      <a:prstDash val="solid"/>
+                      <a:round/>
+                      <a:headEnd type="none" w="med" len="med"/>
+                      <a:tailEnd type="none" w="med" len="med"/>
+                    </a:lnT>
+                    <a:lnB w="12700" cap="flat" cmpd="sng" algn="ctr">
+                      <a:solidFill>
+                        <a:schemeClr val="tx1"/>
+                      </a:solidFill>
+                      <a:prstDash val="solid"/>
+                      <a:round/>
+                      <a:headEnd type="none" w="med" len="med"/>
+                      <a:tailEnd type="none" w="med" len="med"/>
+                    </a:lnB>
+                  </a:tcPr>
                 </a:tc>
                 <a:tc>
                   <a:txBody>
@@ -5714,39 +7237,10 @@
                         </a:spcAft>
                       </a:pPr>
                       <a:r>
-                        <a:rPr lang="pt-BR" sz="1800" dirty="0" err="1" smtClean="0">
-                          <a:effectLst/>
-                        </a:rPr>
-                        <a:t>Selenium</a:t>
-                      </a:r>
-                      <a:r>
-                        <a:rPr lang="pt-BR" sz="1800" baseline="0" dirty="0" smtClean="0">
-                          <a:effectLst/>
-                        </a:rPr>
-                        <a:t> </a:t>
-                      </a:r>
-                      <a:r>
-                        <a:rPr lang="pt-BR" sz="1800" dirty="0" smtClean="0">
-                          <a:effectLst/>
-                        </a:rPr>
-                        <a:t>IDE/</a:t>
-                      </a:r>
-                      <a:br>
-                        <a:rPr lang="pt-BR" sz="1800" dirty="0" smtClean="0">
-                          <a:effectLst/>
-                        </a:rPr>
-                      </a:br>
-                      <a:r>
-                        <a:rPr lang="pt-BR" sz="1800" dirty="0" smtClean="0">
-                          <a:effectLst/>
-                        </a:rPr>
-                        <a:t>Web </a:t>
-                      </a:r>
-                      <a:r>
                         <a:rPr lang="pt-BR" sz="1800" dirty="0">
                           <a:effectLst/>
                         </a:rPr>
-                        <a:t>Driver</a:t>
+                        <a:t>Mantis</a:t>
                       </a:r>
                       <a:endParaRPr lang="pt-BR" sz="1800" dirty="0">
                         <a:solidFill>
@@ -5759,7 +7253,44 @@
                       </a:endParaRPr>
                     </a:p>
                   </a:txBody>
-                  <a:tcPr marL="47625" marR="47625" marT="66675" marB="66675"/>
+                  <a:tcPr marL="47625" marR="47625" marT="66675" marB="66675">
+                    <a:lnL w="12700" cap="flat" cmpd="sng" algn="ctr">
+                      <a:solidFill>
+                        <a:schemeClr val="tx1"/>
+                      </a:solidFill>
+                      <a:prstDash val="solid"/>
+                      <a:round/>
+                      <a:headEnd type="none" w="med" len="med"/>
+                      <a:tailEnd type="none" w="med" len="med"/>
+                    </a:lnL>
+                    <a:lnR w="12700" cap="flat" cmpd="sng" algn="ctr">
+                      <a:solidFill>
+                        <a:schemeClr val="tx1"/>
+                      </a:solidFill>
+                      <a:prstDash val="solid"/>
+                      <a:round/>
+                      <a:headEnd type="none" w="med" len="med"/>
+                      <a:tailEnd type="none" w="med" len="med"/>
+                    </a:lnR>
+                    <a:lnT w="12700" cap="flat" cmpd="sng" algn="ctr">
+                      <a:solidFill>
+                        <a:schemeClr val="tx1"/>
+                      </a:solidFill>
+                      <a:prstDash val="solid"/>
+                      <a:round/>
+                      <a:headEnd type="none" w="med" len="med"/>
+                      <a:tailEnd type="none" w="med" len="med"/>
+                    </a:lnT>
+                    <a:lnB w="12700" cap="flat" cmpd="sng" algn="ctr">
+                      <a:solidFill>
+                        <a:schemeClr val="tx1"/>
+                      </a:solidFill>
+                      <a:prstDash val="solid"/>
+                      <a:round/>
+                      <a:headEnd type="none" w="med" len="med"/>
+                      <a:tailEnd type="none" w="med" len="med"/>
+                    </a:lnB>
+                  </a:tcPr>
                 </a:tc>
               </a:tr>
               <a:tr h="619269">
@@ -5780,7 +7311,13 @@
                         <a:rPr lang="pt-BR" sz="1800" dirty="0">
                           <a:effectLst/>
                         </a:rPr>
-                        <a:t>Testes Não-Funcionais</a:t>
+                        <a:t>Automação de </a:t>
+                      </a:r>
+                      <a:r>
+                        <a:rPr lang="pt-BR" sz="1800" dirty="0" smtClean="0">
+                          <a:effectLst/>
+                        </a:rPr>
+                        <a:t>Testes:</a:t>
                       </a:r>
                       <a:endParaRPr lang="pt-BR" sz="1800" dirty="0">
                         <a:solidFill>
@@ -5793,7 +7330,44 @@
                       </a:endParaRPr>
                     </a:p>
                   </a:txBody>
-                  <a:tcPr marL="47625" marR="47625" marT="66675" marB="66675"/>
+                  <a:tcPr marL="47625" marR="47625" marT="66675" marB="66675">
+                    <a:lnL w="12700" cap="flat" cmpd="sng" algn="ctr">
+                      <a:solidFill>
+                        <a:schemeClr val="tx1"/>
+                      </a:solidFill>
+                      <a:prstDash val="solid"/>
+                      <a:round/>
+                      <a:headEnd type="none" w="med" len="med"/>
+                      <a:tailEnd type="none" w="med" len="med"/>
+                    </a:lnL>
+                    <a:lnR w="12700" cap="flat" cmpd="sng" algn="ctr">
+                      <a:solidFill>
+                        <a:schemeClr val="tx1"/>
+                      </a:solidFill>
+                      <a:prstDash val="solid"/>
+                      <a:round/>
+                      <a:headEnd type="none" w="med" len="med"/>
+                      <a:tailEnd type="none" w="med" len="med"/>
+                    </a:lnR>
+                    <a:lnT w="12700" cap="flat" cmpd="sng" algn="ctr">
+                      <a:solidFill>
+                        <a:schemeClr val="tx1"/>
+                      </a:solidFill>
+                      <a:prstDash val="solid"/>
+                      <a:round/>
+                      <a:headEnd type="none" w="med" len="med"/>
+                      <a:tailEnd type="none" w="med" len="med"/>
+                    </a:lnT>
+                    <a:lnB w="12700" cap="flat" cmpd="sng" algn="ctr">
+                      <a:solidFill>
+                        <a:schemeClr val="tx1"/>
+                      </a:solidFill>
+                      <a:prstDash val="solid"/>
+                      <a:round/>
+                      <a:headEnd type="none" w="med" len="med"/>
+                      <a:tailEnd type="none" w="med" len="med"/>
+                    </a:lnB>
+                  </a:tcPr>
                 </a:tc>
                 <a:tc>
                   <a:txBody>
@@ -5809,10 +7383,39 @@
                         </a:spcAft>
                       </a:pPr>
                       <a:r>
-                        <a:rPr lang="pt-BR" sz="1800" dirty="0" err="1">
-                          <a:effectLst/>
-                        </a:rPr>
-                        <a:t>JMetter</a:t>
+                        <a:rPr lang="pt-BR" sz="1800" dirty="0" err="1" smtClean="0">
+                          <a:effectLst/>
+                        </a:rPr>
+                        <a:t>Selenium</a:t>
+                      </a:r>
+                      <a:r>
+                        <a:rPr lang="pt-BR" sz="1800" baseline="0" dirty="0" smtClean="0">
+                          <a:effectLst/>
+                        </a:rPr>
+                        <a:t> </a:t>
+                      </a:r>
+                      <a:r>
+                        <a:rPr lang="pt-BR" sz="1800" dirty="0" smtClean="0">
+                          <a:effectLst/>
+                        </a:rPr>
+                        <a:t>IDE/</a:t>
+                      </a:r>
+                      <a:br>
+                        <a:rPr lang="pt-BR" sz="1800" dirty="0" smtClean="0">
+                          <a:effectLst/>
+                        </a:rPr>
+                      </a:br>
+                      <a:r>
+                        <a:rPr lang="pt-BR" sz="1800" dirty="0" smtClean="0">
+                          <a:effectLst/>
+                        </a:rPr>
+                        <a:t>Web </a:t>
+                      </a:r>
+                      <a:r>
+                        <a:rPr lang="pt-BR" sz="1800" dirty="0">
+                          <a:effectLst/>
+                        </a:rPr>
+                        <a:t>Driver</a:t>
                       </a:r>
                       <a:endParaRPr lang="pt-BR" sz="1800" dirty="0">
                         <a:solidFill>
@@ -5825,7 +7428,184 @@
                       </a:endParaRPr>
                     </a:p>
                   </a:txBody>
-                  <a:tcPr marL="47625" marR="47625" marT="66675" marB="66675"/>
+                  <a:tcPr marL="47625" marR="47625" marT="66675" marB="66675">
+                    <a:lnL w="12700" cap="flat" cmpd="sng" algn="ctr">
+                      <a:solidFill>
+                        <a:schemeClr val="tx1"/>
+                      </a:solidFill>
+                      <a:prstDash val="solid"/>
+                      <a:round/>
+                      <a:headEnd type="none" w="med" len="med"/>
+                      <a:tailEnd type="none" w="med" len="med"/>
+                    </a:lnL>
+                    <a:lnR w="12700" cap="flat" cmpd="sng" algn="ctr">
+                      <a:solidFill>
+                        <a:schemeClr val="tx1"/>
+                      </a:solidFill>
+                      <a:prstDash val="solid"/>
+                      <a:round/>
+                      <a:headEnd type="none" w="med" len="med"/>
+                      <a:tailEnd type="none" w="med" len="med"/>
+                    </a:lnR>
+                    <a:lnT w="12700" cap="flat" cmpd="sng" algn="ctr">
+                      <a:solidFill>
+                        <a:schemeClr val="tx1"/>
+                      </a:solidFill>
+                      <a:prstDash val="solid"/>
+                      <a:round/>
+                      <a:headEnd type="none" w="med" len="med"/>
+                      <a:tailEnd type="none" w="med" len="med"/>
+                    </a:lnT>
+                    <a:lnB w="12700" cap="flat" cmpd="sng" algn="ctr">
+                      <a:solidFill>
+                        <a:schemeClr val="tx1"/>
+                      </a:solidFill>
+                      <a:prstDash val="solid"/>
+                      <a:round/>
+                      <a:headEnd type="none" w="med" len="med"/>
+                      <a:tailEnd type="none" w="med" len="med"/>
+                    </a:lnB>
+                  </a:tcPr>
+                </a:tc>
+              </a:tr>
+              <a:tr h="619269">
+                <a:tc>
+                  <a:txBody>
+                    <a:bodyPr/>
+                    <a:lstStyle/>
+                    <a:p>
+                      <a:pPr algn="just">
+                        <a:lnSpc>
+                          <a:spcPct val="107000"/>
+                        </a:lnSpc>
+                        <a:spcAft>
+                          <a:spcPts val="0"/>
+                        </a:spcAft>
+                      </a:pPr>
+                      <a:r>
+                        <a:rPr lang="pt-BR" sz="1800" dirty="0">
+                          <a:effectLst/>
+                        </a:rPr>
+                        <a:t>Testes </a:t>
+                      </a:r>
+                      <a:r>
+                        <a:rPr lang="pt-BR" sz="1800" dirty="0" smtClean="0">
+                          <a:effectLst/>
+                        </a:rPr>
+                        <a:t>Não-Funcionais:</a:t>
+                      </a:r>
+                      <a:endParaRPr lang="pt-BR" sz="1800" dirty="0">
+                        <a:solidFill>
+                          <a:srgbClr val="000000"/>
+                        </a:solidFill>
+                        <a:effectLst/>
+                        <a:latin typeface="Calibri"/>
+                        <a:ea typeface="Calibri"/>
+                        <a:cs typeface="Calibri"/>
+                      </a:endParaRPr>
+                    </a:p>
+                  </a:txBody>
+                  <a:tcPr marL="47625" marR="47625" marT="66675" marB="66675">
+                    <a:lnL w="12700" cap="flat" cmpd="sng" algn="ctr">
+                      <a:solidFill>
+                        <a:schemeClr val="tx1"/>
+                      </a:solidFill>
+                      <a:prstDash val="solid"/>
+                      <a:round/>
+                      <a:headEnd type="none" w="med" len="med"/>
+                      <a:tailEnd type="none" w="med" len="med"/>
+                    </a:lnL>
+                    <a:lnR w="12700" cap="flat" cmpd="sng" algn="ctr">
+                      <a:solidFill>
+                        <a:schemeClr val="tx1"/>
+                      </a:solidFill>
+                      <a:prstDash val="solid"/>
+                      <a:round/>
+                      <a:headEnd type="none" w="med" len="med"/>
+                      <a:tailEnd type="none" w="med" len="med"/>
+                    </a:lnR>
+                    <a:lnT w="12700" cap="flat" cmpd="sng" algn="ctr">
+                      <a:solidFill>
+                        <a:schemeClr val="tx1"/>
+                      </a:solidFill>
+                      <a:prstDash val="solid"/>
+                      <a:round/>
+                      <a:headEnd type="none" w="med" len="med"/>
+                      <a:tailEnd type="none" w="med" len="med"/>
+                    </a:lnT>
+                    <a:lnB w="12700" cap="flat" cmpd="sng" algn="ctr">
+                      <a:solidFill>
+                        <a:schemeClr val="tx1"/>
+                      </a:solidFill>
+                      <a:prstDash val="solid"/>
+                      <a:round/>
+                      <a:headEnd type="none" w="med" len="med"/>
+                      <a:tailEnd type="none" w="med" len="med"/>
+                    </a:lnB>
+                  </a:tcPr>
+                </a:tc>
+                <a:tc>
+                  <a:txBody>
+                    <a:bodyPr/>
+                    <a:lstStyle/>
+                    <a:p>
+                      <a:pPr algn="just">
+                        <a:lnSpc>
+                          <a:spcPct val="107000"/>
+                        </a:lnSpc>
+                        <a:spcAft>
+                          <a:spcPts val="0"/>
+                        </a:spcAft>
+                      </a:pPr>
+                      <a:r>
+                        <a:rPr lang="pt-BR" sz="1800" dirty="0" err="1" smtClean="0">
+                          <a:effectLst/>
+                        </a:rPr>
+                        <a:t>Jmetter</a:t>
+                      </a:r>
+                      <a:endParaRPr lang="pt-BR" sz="1800" dirty="0" smtClean="0">
+                        <a:effectLst/>
+                      </a:endParaRPr>
+                    </a:p>
+                  </a:txBody>
+                  <a:tcPr marL="47625" marR="47625" marT="66675" marB="66675">
+                    <a:lnL w="12700" cap="flat" cmpd="sng" algn="ctr">
+                      <a:solidFill>
+                        <a:schemeClr val="tx1"/>
+                      </a:solidFill>
+                      <a:prstDash val="solid"/>
+                      <a:round/>
+                      <a:headEnd type="none" w="med" len="med"/>
+                      <a:tailEnd type="none" w="med" len="med"/>
+                    </a:lnL>
+                    <a:lnR w="12700" cap="flat" cmpd="sng" algn="ctr">
+                      <a:solidFill>
+                        <a:schemeClr val="tx1"/>
+                      </a:solidFill>
+                      <a:prstDash val="solid"/>
+                      <a:round/>
+                      <a:headEnd type="none" w="med" len="med"/>
+                      <a:tailEnd type="none" w="med" len="med"/>
+                    </a:lnR>
+                    <a:lnT w="12700" cap="flat" cmpd="sng" algn="ctr">
+                      <a:solidFill>
+                        <a:schemeClr val="tx1"/>
+                      </a:solidFill>
+                      <a:prstDash val="solid"/>
+                      <a:round/>
+                      <a:headEnd type="none" w="med" len="med"/>
+                      <a:tailEnd type="none" w="med" len="med"/>
+                    </a:lnT>
+                    <a:lnB w="12700" cap="flat" cmpd="sng" algn="ctr">
+                      <a:solidFill>
+                        <a:schemeClr val="tx1"/>
+                      </a:solidFill>
+                      <a:prstDash val="solid"/>
+                      <a:round/>
+                      <a:headEnd type="none" w="med" len="med"/>
+                      <a:tailEnd type="none" w="med" len="med"/>
+                    </a:lnB>
+                  </a:tcPr>
                 </a:tc>
               </a:tr>
             </a:tbl>
@@ -5835,7 +7615,7 @@
     </p:spTree>
     <p:extLst>
       <p:ext uri="{BB962C8B-B14F-4D97-AF65-F5344CB8AC3E}">
-        <p14:creationId xmlns:p14="http://schemas.microsoft.com/office/powerpoint/2010/main" xmlns="" val="1817359947"/>
+        <p14:creationId xmlns:p14="http://schemas.microsoft.com/office/powerpoint/2010/main" val="2350085748"/>
       </p:ext>
     </p:extLst>
   </p:cSld>
@@ -5885,10 +7665,10 @@
           <a:lstStyle/>
           <a:p>
             <a:r>
-              <a:rPr lang="pt-BR" dirty="0" smtClean="0"/>
+              <a:rPr lang="pt-BR" b="1" dirty="0" smtClean="0"/>
               <a:t>Ambiente de Teste</a:t>
             </a:r>
-            <a:endParaRPr lang="pt-BR" dirty="0"/>
+            <a:endParaRPr lang="pt-BR" b="1" dirty="0"/>
           </a:p>
         </p:txBody>
       </p:sp>
@@ -5908,7 +7688,7 @@
           <a:lstStyle/>
           <a:p>
             <a:r>
-              <a:rPr lang="pt-BR" b="1" dirty="0" smtClean="0"/>
+              <a:rPr lang="pt-BR" sz="2000" b="1" dirty="0" smtClean="0"/>
               <a:t>Hardware</a:t>
             </a:r>
           </a:p>
@@ -5916,45 +7696,62 @@
             <a:pPr>
               <a:buNone/>
             </a:pPr>
-            <a:endParaRPr lang="pt-BR" dirty="0" smtClean="0"/>
+            <a:endParaRPr lang="pt-BR" sz="2000" dirty="0" smtClean="0"/>
           </a:p>
           <a:p>
             <a:pPr>
               <a:buNone/>
             </a:pPr>
             <a:r>
-              <a:rPr lang="pt-BR" dirty="0" smtClean="0"/>
-              <a:t>2 Notebooks -  8/2 GB de RAM ; 1TB/5OO HD ; Processador I7</a:t>
+              <a:rPr lang="pt-BR" sz="2000" dirty="0"/>
+              <a:t>	</a:t>
             </a:r>
+            <a:r>
+              <a:rPr lang="pt-BR" sz="2000" dirty="0" smtClean="0"/>
+              <a:t>2 </a:t>
+            </a:r>
+            <a:r>
+              <a:rPr lang="pt-BR" sz="2000" dirty="0" smtClean="0"/>
+              <a:t>Notebooks -  8/2 GB de RAM ; 1TB/5OO HD ; Processador </a:t>
+            </a:r>
+            <a:r>
+              <a:rPr lang="pt-BR" sz="2000" dirty="0" smtClean="0"/>
+              <a:t>I7;</a:t>
+            </a:r>
+            <a:endParaRPr lang="pt-BR" sz="2000" dirty="0" smtClean="0"/>
           </a:p>
           <a:p>
-            <a:endParaRPr lang="pt-BR" dirty="0" smtClean="0"/>
+            <a:endParaRPr lang="pt-BR" sz="2000" dirty="0" smtClean="0"/>
           </a:p>
           <a:p>
             <a:r>
-              <a:rPr lang="pt-BR" b="1" dirty="0" smtClean="0"/>
+              <a:rPr lang="pt-BR" sz="2000" b="1" dirty="0" smtClean="0"/>
               <a:t>Software </a:t>
             </a:r>
           </a:p>
           <a:p>
-            <a:endParaRPr lang="pt-BR" b="1" dirty="0" smtClean="0"/>
+            <a:endParaRPr lang="pt-BR" sz="2000" b="1" dirty="0" smtClean="0"/>
           </a:p>
           <a:p>
             <a:pPr>
               <a:buNone/>
             </a:pPr>
             <a:r>
-              <a:rPr lang="pt-BR" dirty="0" smtClean="0"/>
-              <a:t>2 licenças - Windows Server/Seven ; SLQ 2012 ; IIS8 ; VS 2015</a:t>
+              <a:rPr lang="pt-BR" sz="2000" dirty="0" smtClean="0"/>
+              <a:t>	2 </a:t>
             </a:r>
-            <a:endParaRPr lang="pt-BR" dirty="0"/>
+            <a:r>
+              <a:rPr lang="pt-BR" sz="2000" dirty="0" smtClean="0"/>
+              <a:t>licenças - Windows Server/Seven ; SLQ 2012 ; IIS8 ; VS 2015</a:t>
+            </a:r>
+            <a:endParaRPr lang="pt-BR" sz="2000" dirty="0"/>
           </a:p>
         </p:txBody>
       </p:sp>
     </p:spTree>
     <p:extLst>
       <p:ext uri="{BB962C8B-B14F-4D97-AF65-F5344CB8AC3E}">
-        <p14:creationId xmlns:p14="http://schemas.microsoft.com/office/powerpoint/2010/main" xmlns="" val="2672163100"/>
+        <p14:creationId xmlns:p14="http://schemas.microsoft.com/office/powerpoint/2010/main" val="2672163100"/>
       </p:ext>
     </p:extLst>
   </p:cSld>
@@ -6004,10 +7801,10 @@
           <a:lstStyle/>
           <a:p>
             <a:r>
-              <a:rPr lang="pt-BR" dirty="0" err="1" smtClean="0"/>
+              <a:rPr lang="pt-BR" b="1" dirty="0" err="1" smtClean="0"/>
               <a:t>Milestones</a:t>
             </a:r>
-            <a:endParaRPr lang="pt-BR" dirty="0"/>
+            <a:endParaRPr lang="pt-BR" b="1" dirty="0"/>
           </a:p>
         </p:txBody>
       </p:sp>
@@ -6019,11 +7816,7 @@
           </p:cNvGraphicFramePr>
           <p:nvPr>
             <p:ph idx="1"/>
-            <p:extLst>
-              <p:ext uri="{D42A27DB-BD31-4B8C-83A1-F6EECF244321}">
-                <p14:modId xmlns:p14="http://schemas.microsoft.com/office/powerpoint/2010/main" xmlns="" val="1917114459"/>
-              </p:ext>
-            </p:extLst>
+            <p:extLst/>
           </p:nvPr>
         </p:nvGraphicFramePr>
         <p:xfrm>
@@ -6034,7 +7827,7 @@
           <a:graphicData uri="http://schemas.openxmlformats.org/drawingml/2006/table">
             <a:tbl>
               <a:tblPr bandRow="1">
-                <a:tableStyleId>{5C22544A-7EE6-4342-B048-85BDC9FD1C3A}</a:tableStyleId>
+                <a:tableStyleId>{793D81CF-94F2-401A-BA57-92F5A7B2D0C5}</a:tableStyleId>
               </a:tblPr>
               <a:tblGrid>
                 <a:gridCol w="2934878"/>
@@ -6055,29 +7848,66 @@
                         </a:spcAft>
                       </a:pPr>
                       <a:r>
-                        <a:rPr lang="pt-BR" sz="1800" b="1" dirty="0" err="1">
+                        <a:rPr lang="pt-BR" sz="2200" b="1" dirty="0" err="1">
                           <a:effectLst/>
                         </a:rPr>
                         <a:t>Milestones</a:t>
                       </a:r>
                       <a:r>
-                        <a:rPr lang="pt-BR" sz="1800" b="1" dirty="0">
+                        <a:rPr lang="pt-BR" sz="2200" b="1" dirty="0">
                           <a:effectLst/>
                         </a:rPr>
                         <a:t> do Projeto em </a:t>
                       </a:r>
                       <a:r>
-                        <a:rPr lang="pt-BR" sz="1800" b="1" dirty="0" smtClean="0">
+                        <a:rPr lang="pt-BR" sz="2200" b="1" dirty="0" smtClean="0">
                           <a:effectLst/>
                         </a:rPr>
                         <a:t>Teste</a:t>
                       </a:r>
-                      <a:endParaRPr lang="pt-BR" sz="1800" b="1" dirty="0">
+                      <a:endParaRPr lang="pt-BR" sz="2200" b="1" dirty="0">
                         <a:effectLst/>
                       </a:endParaRPr>
                     </a:p>
                   </a:txBody>
-                  <a:tcPr marL="47625" marR="47625" marT="66675" marB="66675"/>
+                  <a:tcPr marL="47625" marR="47625" marT="66675" marB="66675">
+                    <a:lnL w="12700" cap="flat" cmpd="sng" algn="ctr">
+                      <a:solidFill>
+                        <a:schemeClr val="tx1"/>
+                      </a:solidFill>
+                      <a:prstDash val="solid"/>
+                      <a:round/>
+                      <a:headEnd type="none" w="med" len="med"/>
+                      <a:tailEnd type="none" w="med" len="med"/>
+                    </a:lnL>
+                    <a:lnR w="12700" cap="flat" cmpd="sng" algn="ctr">
+                      <a:solidFill>
+                        <a:schemeClr val="tx1"/>
+                      </a:solidFill>
+                      <a:prstDash val="solid"/>
+                      <a:round/>
+                      <a:headEnd type="none" w="med" len="med"/>
+                      <a:tailEnd type="none" w="med" len="med"/>
+                    </a:lnR>
+                    <a:lnT w="12700" cap="flat" cmpd="sng" algn="ctr">
+                      <a:solidFill>
+                        <a:schemeClr val="tx1"/>
+                      </a:solidFill>
+                      <a:prstDash val="solid"/>
+                      <a:round/>
+                      <a:headEnd type="none" w="med" len="med"/>
+                      <a:tailEnd type="none" w="med" len="med"/>
+                    </a:lnT>
+                    <a:lnB w="12700" cap="flat" cmpd="sng" algn="ctr">
+                      <a:solidFill>
+                        <a:schemeClr val="tx1"/>
+                      </a:solidFill>
+                      <a:prstDash val="solid"/>
+                      <a:round/>
+                      <a:headEnd type="none" w="med" len="med"/>
+                      <a:tailEnd type="none" w="med" len="med"/>
+                    </a:lnB>
+                  </a:tcPr>
                 </a:tc>
                 <a:tc hMerge="1">
                   <a:txBody>
@@ -6105,12 +7935,18 @@
                         </a:spcAft>
                       </a:pPr>
                       <a:r>
-                        <a:rPr lang="pt-BR" sz="1800">
+                        <a:rPr lang="pt-BR" sz="1800" dirty="0" err="1" smtClean="0">
                           <a:effectLst/>
                         </a:rPr>
                         <a:t>Milestone</a:t>
                       </a:r>
-                      <a:endParaRPr lang="pt-BR" sz="1800">
+                      <a:r>
+                        <a:rPr lang="pt-BR" sz="1800" dirty="0" smtClean="0">
+                          <a:effectLst/>
+                        </a:rPr>
+                        <a:t>:</a:t>
+                      </a:r>
+                      <a:endParaRPr lang="pt-BR" sz="1800" dirty="0">
                         <a:solidFill>
                           <a:srgbClr val="000000"/>
                         </a:solidFill>
@@ -6121,7 +7957,44 @@
                       </a:endParaRPr>
                     </a:p>
                   </a:txBody>
-                  <a:tcPr marL="47625" marR="47625" marT="66675" marB="66675"/>
+                  <a:tcPr marL="47625" marR="47625" marT="66675" marB="66675">
+                    <a:lnL w="12700" cap="flat" cmpd="sng" algn="ctr">
+                      <a:solidFill>
+                        <a:schemeClr val="tx1"/>
+                      </a:solidFill>
+                      <a:prstDash val="solid"/>
+                      <a:round/>
+                      <a:headEnd type="none" w="med" len="med"/>
+                      <a:tailEnd type="none" w="med" len="med"/>
+                    </a:lnL>
+                    <a:lnR w="12700" cap="flat" cmpd="sng" algn="ctr">
+                      <a:solidFill>
+                        <a:schemeClr val="tx1"/>
+                      </a:solidFill>
+                      <a:prstDash val="solid"/>
+                      <a:round/>
+                      <a:headEnd type="none" w="med" len="med"/>
+                      <a:tailEnd type="none" w="med" len="med"/>
+                    </a:lnR>
+                    <a:lnT w="12700" cap="flat" cmpd="sng" algn="ctr">
+                      <a:solidFill>
+                        <a:schemeClr val="tx1"/>
+                      </a:solidFill>
+                      <a:prstDash val="solid"/>
+                      <a:round/>
+                      <a:headEnd type="none" w="med" len="med"/>
+                      <a:tailEnd type="none" w="med" len="med"/>
+                    </a:lnT>
+                    <a:lnB w="12700" cap="flat" cmpd="sng" algn="ctr">
+                      <a:solidFill>
+                        <a:schemeClr val="tx1"/>
+                      </a:solidFill>
+                      <a:prstDash val="solid"/>
+                      <a:round/>
+                      <a:headEnd type="none" w="med" len="med"/>
+                      <a:tailEnd type="none" w="med" len="med"/>
+                    </a:lnB>
+                  </a:tcPr>
                 </a:tc>
                 <a:tc>
                   <a:txBody>
@@ -6153,7 +8026,44 @@
                       </a:endParaRPr>
                     </a:p>
                   </a:txBody>
-                  <a:tcPr marL="47625" marR="47625" marT="66675" marB="66675"/>
+                  <a:tcPr marL="47625" marR="47625" marT="66675" marB="66675">
+                    <a:lnL w="12700" cap="flat" cmpd="sng" algn="ctr">
+                      <a:solidFill>
+                        <a:schemeClr val="tx1"/>
+                      </a:solidFill>
+                      <a:prstDash val="solid"/>
+                      <a:round/>
+                      <a:headEnd type="none" w="med" len="med"/>
+                      <a:tailEnd type="none" w="med" len="med"/>
+                    </a:lnL>
+                    <a:lnR w="12700" cap="flat" cmpd="sng" algn="ctr">
+                      <a:solidFill>
+                        <a:schemeClr val="tx1"/>
+                      </a:solidFill>
+                      <a:prstDash val="solid"/>
+                      <a:round/>
+                      <a:headEnd type="none" w="med" len="med"/>
+                      <a:tailEnd type="none" w="med" len="med"/>
+                    </a:lnR>
+                    <a:lnT w="12700" cap="flat" cmpd="sng" algn="ctr">
+                      <a:solidFill>
+                        <a:schemeClr val="tx1"/>
+                      </a:solidFill>
+                      <a:prstDash val="solid"/>
+                      <a:round/>
+                      <a:headEnd type="none" w="med" len="med"/>
+                      <a:tailEnd type="none" w="med" len="med"/>
+                    </a:lnT>
+                    <a:lnB w="12700" cap="flat" cmpd="sng" algn="ctr">
+                      <a:solidFill>
+                        <a:schemeClr val="tx1"/>
+                      </a:solidFill>
+                      <a:prstDash val="solid"/>
+                      <a:round/>
+                      <a:headEnd type="none" w="med" len="med"/>
+                      <a:tailEnd type="none" w="med" len="med"/>
+                    </a:lnB>
+                  </a:tcPr>
                 </a:tc>
               </a:tr>
               <a:tr h="420855">
@@ -6171,12 +8081,12 @@
                         </a:spcAft>
                       </a:pPr>
                       <a:r>
-                        <a:rPr lang="pt-BR" sz="1800">
-                          <a:effectLst/>
-                        </a:rPr>
-                        <a:t>Revião</a:t>
-                      </a:r>
-                      <a:endParaRPr lang="pt-BR" sz="1800">
+                        <a:rPr lang="pt-BR" sz="1800" dirty="0" smtClean="0">
+                          <a:effectLst/>
+                        </a:rPr>
+                        <a:t>Revisão:</a:t>
+                      </a:r>
+                      <a:endParaRPr lang="pt-BR" sz="1800" dirty="0">
                         <a:solidFill>
                           <a:srgbClr val="000000"/>
                         </a:solidFill>
@@ -6187,7 +8097,44 @@
                       </a:endParaRPr>
                     </a:p>
                   </a:txBody>
-                  <a:tcPr marL="47625" marR="47625" marT="66675" marB="66675"/>
+                  <a:tcPr marL="47625" marR="47625" marT="66675" marB="66675">
+                    <a:lnL w="12700" cap="flat" cmpd="sng" algn="ctr">
+                      <a:solidFill>
+                        <a:schemeClr val="tx1"/>
+                      </a:solidFill>
+                      <a:prstDash val="solid"/>
+                      <a:round/>
+                      <a:headEnd type="none" w="med" len="med"/>
+                      <a:tailEnd type="none" w="med" len="med"/>
+                    </a:lnL>
+                    <a:lnR w="12700" cap="flat" cmpd="sng" algn="ctr">
+                      <a:solidFill>
+                        <a:schemeClr val="tx1"/>
+                      </a:solidFill>
+                      <a:prstDash val="solid"/>
+                      <a:round/>
+                      <a:headEnd type="none" w="med" len="med"/>
+                      <a:tailEnd type="none" w="med" len="med"/>
+                    </a:lnR>
+                    <a:lnT w="12700" cap="flat" cmpd="sng" algn="ctr">
+                      <a:solidFill>
+                        <a:schemeClr val="tx1"/>
+                      </a:solidFill>
+                      <a:prstDash val="solid"/>
+                      <a:round/>
+                      <a:headEnd type="none" w="med" len="med"/>
+                      <a:tailEnd type="none" w="med" len="med"/>
+                    </a:lnT>
+                    <a:lnB w="12700" cap="flat" cmpd="sng" algn="ctr">
+                      <a:solidFill>
+                        <a:schemeClr val="tx1"/>
+                      </a:solidFill>
+                      <a:prstDash val="solid"/>
+                      <a:round/>
+                      <a:headEnd type="none" w="med" len="med"/>
+                      <a:tailEnd type="none" w="med" len="med"/>
+                    </a:lnB>
+                  </a:tcPr>
                 </a:tc>
                 <a:tc>
                   <a:txBody>
@@ -6219,7 +8166,44 @@
                       </a:endParaRPr>
                     </a:p>
                   </a:txBody>
-                  <a:tcPr marL="47625" marR="47625" marT="66675" marB="66675"/>
+                  <a:tcPr marL="47625" marR="47625" marT="66675" marB="66675">
+                    <a:lnL w="12700" cap="flat" cmpd="sng" algn="ctr">
+                      <a:solidFill>
+                        <a:schemeClr val="tx1"/>
+                      </a:solidFill>
+                      <a:prstDash val="solid"/>
+                      <a:round/>
+                      <a:headEnd type="none" w="med" len="med"/>
+                      <a:tailEnd type="none" w="med" len="med"/>
+                    </a:lnL>
+                    <a:lnR w="12700" cap="flat" cmpd="sng" algn="ctr">
+                      <a:solidFill>
+                        <a:schemeClr val="tx1"/>
+                      </a:solidFill>
+                      <a:prstDash val="solid"/>
+                      <a:round/>
+                      <a:headEnd type="none" w="med" len="med"/>
+                      <a:tailEnd type="none" w="med" len="med"/>
+                    </a:lnR>
+                    <a:lnT w="12700" cap="flat" cmpd="sng" algn="ctr">
+                      <a:solidFill>
+                        <a:schemeClr val="tx1"/>
+                      </a:solidFill>
+                      <a:prstDash val="solid"/>
+                      <a:round/>
+                      <a:headEnd type="none" w="med" len="med"/>
+                      <a:tailEnd type="none" w="med" len="med"/>
+                    </a:lnT>
+                    <a:lnB w="12700" cap="flat" cmpd="sng" algn="ctr">
+                      <a:solidFill>
+                        <a:schemeClr val="tx1"/>
+                      </a:solidFill>
+                      <a:prstDash val="solid"/>
+                      <a:round/>
+                      <a:headEnd type="none" w="med" len="med"/>
+                      <a:tailEnd type="none" w="med" len="med"/>
+                    </a:lnB>
+                  </a:tcPr>
                 </a:tc>
               </a:tr>
               <a:tr h="639307">
@@ -6237,12 +8221,18 @@
                         </a:spcAft>
                       </a:pPr>
                       <a:r>
-                        <a:rPr lang="pt-BR" sz="1800">
-                          <a:effectLst/>
-                        </a:rPr>
-                        <a:t>Plano de teste/ Planejamento</a:t>
-                      </a:r>
-                      <a:endParaRPr lang="pt-BR" sz="1800">
+                        <a:rPr lang="pt-BR" sz="1800" dirty="0">
+                          <a:effectLst/>
+                        </a:rPr>
+                        <a:t>Plano de teste/ </a:t>
+                      </a:r>
+                      <a:r>
+                        <a:rPr lang="pt-BR" sz="1800" dirty="0" smtClean="0">
+                          <a:effectLst/>
+                        </a:rPr>
+                        <a:t>Planejamento:</a:t>
+                      </a:r>
+                      <a:endParaRPr lang="pt-BR" sz="1800" dirty="0">
                         <a:solidFill>
                           <a:srgbClr val="000000"/>
                         </a:solidFill>
@@ -6253,7 +8243,44 @@
                       </a:endParaRPr>
                     </a:p>
                   </a:txBody>
-                  <a:tcPr marL="47625" marR="47625" marT="66675" marB="66675"/>
+                  <a:tcPr marL="47625" marR="47625" marT="66675" marB="66675">
+                    <a:lnL w="12700" cap="flat" cmpd="sng" algn="ctr">
+                      <a:solidFill>
+                        <a:schemeClr val="tx1"/>
+                      </a:solidFill>
+                      <a:prstDash val="solid"/>
+                      <a:round/>
+                      <a:headEnd type="none" w="med" len="med"/>
+                      <a:tailEnd type="none" w="med" len="med"/>
+                    </a:lnL>
+                    <a:lnR w="12700" cap="flat" cmpd="sng" algn="ctr">
+                      <a:solidFill>
+                        <a:schemeClr val="tx1"/>
+                      </a:solidFill>
+                      <a:prstDash val="solid"/>
+                      <a:round/>
+                      <a:headEnd type="none" w="med" len="med"/>
+                      <a:tailEnd type="none" w="med" len="med"/>
+                    </a:lnR>
+                    <a:lnT w="12700" cap="flat" cmpd="sng" algn="ctr">
+                      <a:solidFill>
+                        <a:schemeClr val="tx1"/>
+                      </a:solidFill>
+                      <a:prstDash val="solid"/>
+                      <a:round/>
+                      <a:headEnd type="none" w="med" len="med"/>
+                      <a:tailEnd type="none" w="med" len="med"/>
+                    </a:lnT>
+                    <a:lnB w="12700" cap="flat" cmpd="sng" algn="ctr">
+                      <a:solidFill>
+                        <a:schemeClr val="tx1"/>
+                      </a:solidFill>
+                      <a:prstDash val="solid"/>
+                      <a:round/>
+                      <a:headEnd type="none" w="med" len="med"/>
+                      <a:tailEnd type="none" w="med" len="med"/>
+                    </a:lnB>
+                  </a:tcPr>
                 </a:tc>
                 <a:tc>
                   <a:txBody>
@@ -6285,7 +8312,44 @@
                       </a:endParaRPr>
                     </a:p>
                   </a:txBody>
-                  <a:tcPr marL="47625" marR="47625" marT="66675" marB="66675"/>
+                  <a:tcPr marL="47625" marR="47625" marT="66675" marB="66675">
+                    <a:lnL w="12700" cap="flat" cmpd="sng" algn="ctr">
+                      <a:solidFill>
+                        <a:schemeClr val="tx1"/>
+                      </a:solidFill>
+                      <a:prstDash val="solid"/>
+                      <a:round/>
+                      <a:headEnd type="none" w="med" len="med"/>
+                      <a:tailEnd type="none" w="med" len="med"/>
+                    </a:lnL>
+                    <a:lnR w="12700" cap="flat" cmpd="sng" algn="ctr">
+                      <a:solidFill>
+                        <a:schemeClr val="tx1"/>
+                      </a:solidFill>
+                      <a:prstDash val="solid"/>
+                      <a:round/>
+                      <a:headEnd type="none" w="med" len="med"/>
+                      <a:tailEnd type="none" w="med" len="med"/>
+                    </a:lnR>
+                    <a:lnT w="12700" cap="flat" cmpd="sng" algn="ctr">
+                      <a:solidFill>
+                        <a:schemeClr val="tx1"/>
+                      </a:solidFill>
+                      <a:prstDash val="solid"/>
+                      <a:round/>
+                      <a:headEnd type="none" w="med" len="med"/>
+                      <a:tailEnd type="none" w="med" len="med"/>
+                    </a:lnT>
+                    <a:lnB w="12700" cap="flat" cmpd="sng" algn="ctr">
+                      <a:solidFill>
+                        <a:schemeClr val="tx1"/>
+                      </a:solidFill>
+                      <a:prstDash val="solid"/>
+                      <a:round/>
+                      <a:headEnd type="none" w="med" len="med"/>
+                      <a:tailEnd type="none" w="med" len="med"/>
+                    </a:lnB>
+                  </a:tcPr>
                 </a:tc>
               </a:tr>
               <a:tr h="467060">
@@ -6303,12 +8367,18 @@
                         </a:spcAft>
                       </a:pPr>
                       <a:r>
-                        <a:rPr lang="pt-BR" sz="1800">
-                          <a:effectLst/>
-                        </a:rPr>
-                        <a:t>Modelagem de Caso de teste</a:t>
-                      </a:r>
-                      <a:endParaRPr lang="pt-BR" sz="1800">
+                        <a:rPr lang="pt-BR" sz="1800" dirty="0">
+                          <a:effectLst/>
+                        </a:rPr>
+                        <a:t>Modelagem de Caso de </a:t>
+                      </a:r>
+                      <a:r>
+                        <a:rPr lang="pt-BR" sz="1800" dirty="0" smtClean="0">
+                          <a:effectLst/>
+                        </a:rPr>
+                        <a:t>teste:</a:t>
+                      </a:r>
+                      <a:endParaRPr lang="pt-BR" sz="1800" dirty="0">
                         <a:solidFill>
                           <a:srgbClr val="000000"/>
                         </a:solidFill>
@@ -6319,7 +8389,44 @@
                       </a:endParaRPr>
                     </a:p>
                   </a:txBody>
-                  <a:tcPr marL="47625" marR="47625" marT="66675" marB="66675"/>
+                  <a:tcPr marL="47625" marR="47625" marT="66675" marB="66675">
+                    <a:lnL w="12700" cap="flat" cmpd="sng" algn="ctr">
+                      <a:solidFill>
+                        <a:schemeClr val="tx1"/>
+                      </a:solidFill>
+                      <a:prstDash val="solid"/>
+                      <a:round/>
+                      <a:headEnd type="none" w="med" len="med"/>
+                      <a:tailEnd type="none" w="med" len="med"/>
+                    </a:lnL>
+                    <a:lnR w="12700" cap="flat" cmpd="sng" algn="ctr">
+                      <a:solidFill>
+                        <a:schemeClr val="tx1"/>
+                      </a:solidFill>
+                      <a:prstDash val="solid"/>
+                      <a:round/>
+                      <a:headEnd type="none" w="med" len="med"/>
+                      <a:tailEnd type="none" w="med" len="med"/>
+                    </a:lnR>
+                    <a:lnT w="12700" cap="flat" cmpd="sng" algn="ctr">
+                      <a:solidFill>
+                        <a:schemeClr val="tx1"/>
+                      </a:solidFill>
+                      <a:prstDash val="solid"/>
+                      <a:round/>
+                      <a:headEnd type="none" w="med" len="med"/>
+                      <a:tailEnd type="none" w="med" len="med"/>
+                    </a:lnT>
+                    <a:lnB w="12700" cap="flat" cmpd="sng" algn="ctr">
+                      <a:solidFill>
+                        <a:schemeClr val="tx1"/>
+                      </a:solidFill>
+                      <a:prstDash val="solid"/>
+                      <a:round/>
+                      <a:headEnd type="none" w="med" len="med"/>
+                      <a:tailEnd type="none" w="med" len="med"/>
+                    </a:lnB>
+                  </a:tcPr>
                 </a:tc>
                 <a:tc>
                   <a:txBody>
@@ -6335,12 +8442,12 @@
                         </a:spcAft>
                       </a:pPr>
                       <a:r>
-                        <a:rPr lang="pt-BR" sz="1800">
+                        <a:rPr lang="pt-BR" sz="1800" dirty="0">
                           <a:effectLst/>
                         </a:rPr>
                         <a:t>Alto</a:t>
                       </a:r>
-                      <a:endParaRPr lang="pt-BR" sz="1800">
+                      <a:endParaRPr lang="pt-BR" sz="1800" dirty="0">
                         <a:solidFill>
                           <a:srgbClr val="000000"/>
                         </a:solidFill>
@@ -6351,7 +8458,44 @@
                       </a:endParaRPr>
                     </a:p>
                   </a:txBody>
-                  <a:tcPr marL="47625" marR="47625" marT="66675" marB="66675"/>
+                  <a:tcPr marL="47625" marR="47625" marT="66675" marB="66675">
+                    <a:lnL w="12700" cap="flat" cmpd="sng" algn="ctr">
+                      <a:solidFill>
+                        <a:schemeClr val="tx1"/>
+                      </a:solidFill>
+                      <a:prstDash val="solid"/>
+                      <a:round/>
+                      <a:headEnd type="none" w="med" len="med"/>
+                      <a:tailEnd type="none" w="med" len="med"/>
+                    </a:lnL>
+                    <a:lnR w="12700" cap="flat" cmpd="sng" algn="ctr">
+                      <a:solidFill>
+                        <a:schemeClr val="tx1"/>
+                      </a:solidFill>
+                      <a:prstDash val="solid"/>
+                      <a:round/>
+                      <a:headEnd type="none" w="med" len="med"/>
+                      <a:tailEnd type="none" w="med" len="med"/>
+                    </a:lnR>
+                    <a:lnT w="12700" cap="flat" cmpd="sng" algn="ctr">
+                      <a:solidFill>
+                        <a:schemeClr val="tx1"/>
+                      </a:solidFill>
+                      <a:prstDash val="solid"/>
+                      <a:round/>
+                      <a:headEnd type="none" w="med" len="med"/>
+                      <a:tailEnd type="none" w="med" len="med"/>
+                    </a:lnT>
+                    <a:lnB w="12700" cap="flat" cmpd="sng" algn="ctr">
+                      <a:solidFill>
+                        <a:schemeClr val="tx1"/>
+                      </a:solidFill>
+                      <a:prstDash val="solid"/>
+                      <a:round/>
+                      <a:headEnd type="none" w="med" len="med"/>
+                      <a:tailEnd type="none" w="med" len="med"/>
+                    </a:lnB>
+                  </a:tcPr>
                 </a:tc>
               </a:tr>
               <a:tr h="433699">
@@ -6369,12 +8513,18 @@
                         </a:spcAft>
                       </a:pPr>
                       <a:r>
-                        <a:rPr lang="pt-BR" sz="1800">
-                          <a:effectLst/>
-                        </a:rPr>
-                        <a:t>Executar teste</a:t>
-                      </a:r>
-                      <a:endParaRPr lang="pt-BR" sz="1800">
+                        <a:rPr lang="pt-BR" sz="1800" dirty="0">
+                          <a:effectLst/>
+                        </a:rPr>
+                        <a:t>Executar </a:t>
+                      </a:r>
+                      <a:r>
+                        <a:rPr lang="pt-BR" sz="1800" dirty="0" smtClean="0">
+                          <a:effectLst/>
+                        </a:rPr>
+                        <a:t>teste:</a:t>
+                      </a:r>
+                      <a:endParaRPr lang="pt-BR" sz="1800" dirty="0">
                         <a:solidFill>
                           <a:srgbClr val="000000"/>
                         </a:solidFill>
@@ -6385,7 +8535,44 @@
                       </a:endParaRPr>
                     </a:p>
                   </a:txBody>
-                  <a:tcPr marL="47625" marR="47625" marT="66675" marB="66675"/>
+                  <a:tcPr marL="47625" marR="47625" marT="66675" marB="66675">
+                    <a:lnL w="12700" cap="flat" cmpd="sng" algn="ctr">
+                      <a:solidFill>
+                        <a:schemeClr val="tx1"/>
+                      </a:solidFill>
+                      <a:prstDash val="solid"/>
+                      <a:round/>
+                      <a:headEnd type="none" w="med" len="med"/>
+                      <a:tailEnd type="none" w="med" len="med"/>
+                    </a:lnL>
+                    <a:lnR w="12700" cap="flat" cmpd="sng" algn="ctr">
+                      <a:solidFill>
+                        <a:schemeClr val="tx1"/>
+                      </a:solidFill>
+                      <a:prstDash val="solid"/>
+                      <a:round/>
+                      <a:headEnd type="none" w="med" len="med"/>
+                      <a:tailEnd type="none" w="med" len="med"/>
+                    </a:lnR>
+                    <a:lnT w="12700" cap="flat" cmpd="sng" algn="ctr">
+                      <a:solidFill>
+                        <a:schemeClr val="tx1"/>
+                      </a:solidFill>
+                      <a:prstDash val="solid"/>
+                      <a:round/>
+                      <a:headEnd type="none" w="med" len="med"/>
+                      <a:tailEnd type="none" w="med" len="med"/>
+                    </a:lnT>
+                    <a:lnB w="12700" cap="flat" cmpd="sng" algn="ctr">
+                      <a:solidFill>
+                        <a:schemeClr val="tx1"/>
+                      </a:solidFill>
+                      <a:prstDash val="solid"/>
+                      <a:round/>
+                      <a:headEnd type="none" w="med" len="med"/>
+                      <a:tailEnd type="none" w="med" len="med"/>
+                    </a:lnB>
+                  </a:tcPr>
                 </a:tc>
                 <a:tc>
                   <a:txBody>
@@ -6417,7 +8604,44 @@
                       </a:endParaRPr>
                     </a:p>
                   </a:txBody>
-                  <a:tcPr marL="47625" marR="47625" marT="66675" marB="66675"/>
+                  <a:tcPr marL="47625" marR="47625" marT="66675" marB="66675">
+                    <a:lnL w="12700" cap="flat" cmpd="sng" algn="ctr">
+                      <a:solidFill>
+                        <a:schemeClr val="tx1"/>
+                      </a:solidFill>
+                      <a:prstDash val="solid"/>
+                      <a:round/>
+                      <a:headEnd type="none" w="med" len="med"/>
+                      <a:tailEnd type="none" w="med" len="med"/>
+                    </a:lnL>
+                    <a:lnR w="12700" cap="flat" cmpd="sng" algn="ctr">
+                      <a:solidFill>
+                        <a:schemeClr val="tx1"/>
+                      </a:solidFill>
+                      <a:prstDash val="solid"/>
+                      <a:round/>
+                      <a:headEnd type="none" w="med" len="med"/>
+                      <a:tailEnd type="none" w="med" len="med"/>
+                    </a:lnR>
+                    <a:lnT w="12700" cap="flat" cmpd="sng" algn="ctr">
+                      <a:solidFill>
+                        <a:schemeClr val="tx1"/>
+                      </a:solidFill>
+                      <a:prstDash val="solid"/>
+                      <a:round/>
+                      <a:headEnd type="none" w="med" len="med"/>
+                      <a:tailEnd type="none" w="med" len="med"/>
+                    </a:lnT>
+                    <a:lnB w="12700" cap="flat" cmpd="sng" algn="ctr">
+                      <a:solidFill>
+                        <a:schemeClr val="tx1"/>
+                      </a:solidFill>
+                      <a:prstDash val="solid"/>
+                      <a:round/>
+                      <a:headEnd type="none" w="med" len="med"/>
+                      <a:tailEnd type="none" w="med" len="med"/>
+                    </a:lnB>
+                  </a:tcPr>
                 </a:tc>
               </a:tr>
               <a:tr h="467060">
@@ -6435,12 +8659,18 @@
                         </a:spcAft>
                       </a:pPr>
                       <a:r>
-                        <a:rPr lang="pt-BR" sz="1800">
-                          <a:effectLst/>
-                        </a:rPr>
-                        <a:t>Avaliar Resultado de teste</a:t>
-                      </a:r>
-                      <a:endParaRPr lang="pt-BR" sz="1800">
+                        <a:rPr lang="pt-BR" sz="1800" dirty="0">
+                          <a:effectLst/>
+                        </a:rPr>
+                        <a:t>Avaliar Resultado de </a:t>
+                      </a:r>
+                      <a:r>
+                        <a:rPr lang="pt-BR" sz="1800" dirty="0" smtClean="0">
+                          <a:effectLst/>
+                        </a:rPr>
+                        <a:t>teste:</a:t>
+                      </a:r>
+                      <a:endParaRPr lang="pt-BR" sz="1800" dirty="0">
                         <a:solidFill>
                           <a:srgbClr val="000000"/>
                         </a:solidFill>
@@ -6451,7 +8681,44 @@
                       </a:endParaRPr>
                     </a:p>
                   </a:txBody>
-                  <a:tcPr marL="47625" marR="47625" marT="66675" marB="66675"/>
+                  <a:tcPr marL="47625" marR="47625" marT="66675" marB="66675">
+                    <a:lnL w="12700" cap="flat" cmpd="sng" algn="ctr">
+                      <a:solidFill>
+                        <a:schemeClr val="tx1"/>
+                      </a:solidFill>
+                      <a:prstDash val="solid"/>
+                      <a:round/>
+                      <a:headEnd type="none" w="med" len="med"/>
+                      <a:tailEnd type="none" w="med" len="med"/>
+                    </a:lnL>
+                    <a:lnR w="12700" cap="flat" cmpd="sng" algn="ctr">
+                      <a:solidFill>
+                        <a:schemeClr val="tx1"/>
+                      </a:solidFill>
+                      <a:prstDash val="solid"/>
+                      <a:round/>
+                      <a:headEnd type="none" w="med" len="med"/>
+                      <a:tailEnd type="none" w="med" len="med"/>
+                    </a:lnR>
+                    <a:lnT w="12700" cap="flat" cmpd="sng" algn="ctr">
+                      <a:solidFill>
+                        <a:schemeClr val="tx1"/>
+                      </a:solidFill>
+                      <a:prstDash val="solid"/>
+                      <a:round/>
+                      <a:headEnd type="none" w="med" len="med"/>
+                      <a:tailEnd type="none" w="med" len="med"/>
+                    </a:lnT>
+                    <a:lnB w="12700" cap="flat" cmpd="sng" algn="ctr">
+                      <a:solidFill>
+                        <a:schemeClr val="tx1"/>
+                      </a:solidFill>
+                      <a:prstDash val="solid"/>
+                      <a:round/>
+                      <a:headEnd type="none" w="med" len="med"/>
+                      <a:tailEnd type="none" w="med" len="med"/>
+                    </a:lnB>
+                  </a:tcPr>
                 </a:tc>
                 <a:tc>
                   <a:txBody>
@@ -6483,7 +8750,44 @@
                       </a:endParaRPr>
                     </a:p>
                   </a:txBody>
-                  <a:tcPr marL="47625" marR="47625" marT="66675" marB="66675"/>
+                  <a:tcPr marL="47625" marR="47625" marT="66675" marB="66675">
+                    <a:lnL w="12700" cap="flat" cmpd="sng" algn="ctr">
+                      <a:solidFill>
+                        <a:schemeClr val="tx1"/>
+                      </a:solidFill>
+                      <a:prstDash val="solid"/>
+                      <a:round/>
+                      <a:headEnd type="none" w="med" len="med"/>
+                      <a:tailEnd type="none" w="med" len="med"/>
+                    </a:lnL>
+                    <a:lnR w="12700" cap="flat" cmpd="sng" algn="ctr">
+                      <a:solidFill>
+                        <a:schemeClr val="tx1"/>
+                      </a:solidFill>
+                      <a:prstDash val="solid"/>
+                      <a:round/>
+                      <a:headEnd type="none" w="med" len="med"/>
+                      <a:tailEnd type="none" w="med" len="med"/>
+                    </a:lnR>
+                    <a:lnT w="12700" cap="flat" cmpd="sng" algn="ctr">
+                      <a:solidFill>
+                        <a:schemeClr val="tx1"/>
+                      </a:solidFill>
+                      <a:prstDash val="solid"/>
+                      <a:round/>
+                      <a:headEnd type="none" w="med" len="med"/>
+                      <a:tailEnd type="none" w="med" len="med"/>
+                    </a:lnT>
+                    <a:lnB w="12700" cap="flat" cmpd="sng" algn="ctr">
+                      <a:solidFill>
+                        <a:schemeClr val="tx1"/>
+                      </a:solidFill>
+                      <a:prstDash val="solid"/>
+                      <a:round/>
+                      <a:headEnd type="none" w="med" len="med"/>
+                      <a:tailEnd type="none" w="med" len="med"/>
+                    </a:lnB>
+                  </a:tcPr>
                 </a:tc>
               </a:tr>
               <a:tr h="433699">
@@ -6501,12 +8805,18 @@
                         </a:spcAft>
                       </a:pPr>
                       <a:r>
-                        <a:rPr lang="pt-BR" sz="1800">
-                          <a:effectLst/>
-                        </a:rPr>
-                        <a:t>Executar teste de aceite</a:t>
-                      </a:r>
-                      <a:endParaRPr lang="pt-BR" sz="1800">
+                        <a:rPr lang="pt-BR" sz="1800" dirty="0">
+                          <a:effectLst/>
+                        </a:rPr>
+                        <a:t>Executar teste de </a:t>
+                      </a:r>
+                      <a:r>
+                        <a:rPr lang="pt-BR" sz="1800" dirty="0" smtClean="0">
+                          <a:effectLst/>
+                        </a:rPr>
+                        <a:t>aceite:</a:t>
+                      </a:r>
+                      <a:endParaRPr lang="pt-BR" sz="1800" dirty="0">
                         <a:solidFill>
                           <a:srgbClr val="000000"/>
                         </a:solidFill>
@@ -6517,7 +8827,44 @@
                       </a:endParaRPr>
                     </a:p>
                   </a:txBody>
-                  <a:tcPr marL="47625" marR="47625" marT="66675" marB="66675"/>
+                  <a:tcPr marL="47625" marR="47625" marT="66675" marB="66675">
+                    <a:lnL w="12700" cap="flat" cmpd="sng" algn="ctr">
+                      <a:solidFill>
+                        <a:schemeClr val="tx1"/>
+                      </a:solidFill>
+                      <a:prstDash val="solid"/>
+                      <a:round/>
+                      <a:headEnd type="none" w="med" len="med"/>
+                      <a:tailEnd type="none" w="med" len="med"/>
+                    </a:lnL>
+                    <a:lnR w="12700" cap="flat" cmpd="sng" algn="ctr">
+                      <a:solidFill>
+                        <a:schemeClr val="tx1"/>
+                      </a:solidFill>
+                      <a:prstDash val="solid"/>
+                      <a:round/>
+                      <a:headEnd type="none" w="med" len="med"/>
+                      <a:tailEnd type="none" w="med" len="med"/>
+                    </a:lnR>
+                    <a:lnT w="12700" cap="flat" cmpd="sng" algn="ctr">
+                      <a:solidFill>
+                        <a:schemeClr val="tx1"/>
+                      </a:solidFill>
+                      <a:prstDash val="solid"/>
+                      <a:round/>
+                      <a:headEnd type="none" w="med" len="med"/>
+                      <a:tailEnd type="none" w="med" len="med"/>
+                    </a:lnT>
+                    <a:lnB w="12700" cap="flat" cmpd="sng" algn="ctr">
+                      <a:solidFill>
+                        <a:schemeClr val="tx1"/>
+                      </a:solidFill>
+                      <a:prstDash val="solid"/>
+                      <a:round/>
+                      <a:headEnd type="none" w="med" len="med"/>
+                      <a:tailEnd type="none" w="med" len="med"/>
+                    </a:lnB>
+                  </a:tcPr>
                 </a:tc>
                 <a:tc>
                   <a:txBody>
@@ -6549,7 +8896,44 @@
                       </a:endParaRPr>
                     </a:p>
                   </a:txBody>
-                  <a:tcPr marL="47625" marR="47625" marT="66675" marB="66675"/>
+                  <a:tcPr marL="47625" marR="47625" marT="66675" marB="66675">
+                    <a:lnL w="12700" cap="flat" cmpd="sng" algn="ctr">
+                      <a:solidFill>
+                        <a:schemeClr val="tx1"/>
+                      </a:solidFill>
+                      <a:prstDash val="solid"/>
+                      <a:round/>
+                      <a:headEnd type="none" w="med" len="med"/>
+                      <a:tailEnd type="none" w="med" len="med"/>
+                    </a:lnL>
+                    <a:lnR w="12700" cap="flat" cmpd="sng" algn="ctr">
+                      <a:solidFill>
+                        <a:schemeClr val="tx1"/>
+                      </a:solidFill>
+                      <a:prstDash val="solid"/>
+                      <a:round/>
+                      <a:headEnd type="none" w="med" len="med"/>
+                      <a:tailEnd type="none" w="med" len="med"/>
+                    </a:lnR>
+                    <a:lnT w="12700" cap="flat" cmpd="sng" algn="ctr">
+                      <a:solidFill>
+                        <a:schemeClr val="tx1"/>
+                      </a:solidFill>
+                      <a:prstDash val="solid"/>
+                      <a:round/>
+                      <a:headEnd type="none" w="med" len="med"/>
+                      <a:tailEnd type="none" w="med" len="med"/>
+                    </a:lnT>
+                    <a:lnB w="12700" cap="flat" cmpd="sng" algn="ctr">
+                      <a:solidFill>
+                        <a:schemeClr val="tx1"/>
+                      </a:solidFill>
+                      <a:prstDash val="solid"/>
+                      <a:round/>
+                      <a:headEnd type="none" w="med" len="med"/>
+                      <a:tailEnd type="none" w="med" len="med"/>
+                    </a:lnB>
+                  </a:tcPr>
                 </a:tc>
               </a:tr>
             </a:tbl>
@@ -6559,7 +8943,7 @@
     </p:spTree>
     <p:extLst>
       <p:ext uri="{BB962C8B-B14F-4D97-AF65-F5344CB8AC3E}">
-        <p14:creationId xmlns:p14="http://schemas.microsoft.com/office/powerpoint/2010/main" xmlns="" val="2738599320"/>
+        <p14:creationId xmlns:p14="http://schemas.microsoft.com/office/powerpoint/2010/main" val="3472621727"/>
       </p:ext>
     </p:extLst>
   </p:cSld>
@@ -6609,10 +8993,10 @@
           <a:lstStyle/>
           <a:p>
             <a:r>
-              <a:rPr lang="pt-BR" dirty="0" smtClean="0"/>
+              <a:rPr lang="pt-BR" b="1" dirty="0" smtClean="0"/>
               <a:t>RH e Atividades</a:t>
             </a:r>
-            <a:endParaRPr lang="pt-BR" dirty="0"/>
+            <a:endParaRPr lang="pt-BR" b="1" dirty="0"/>
           </a:p>
         </p:txBody>
       </p:sp>
@@ -6652,11 +9036,7 @@
             <a:graphicFrameLocks noGrp="1"/>
           </p:cNvGraphicFramePr>
           <p:nvPr>
-            <p:extLst>
-              <p:ext uri="{D42A27DB-BD31-4B8C-83A1-F6EECF244321}">
-                <p14:modId xmlns:p14="http://schemas.microsoft.com/office/powerpoint/2010/main" xmlns="" val="1816815984"/>
-              </p:ext>
-            </p:extLst>
+            <p:extLst/>
           </p:nvPr>
         </p:nvGraphicFramePr>
         <p:xfrm>
@@ -6667,7 +9047,7 @@
           <a:graphicData uri="http://schemas.openxmlformats.org/drawingml/2006/table">
             <a:tbl>
               <a:tblPr bandRow="1">
-                <a:tableStyleId>{5C22544A-7EE6-4342-B048-85BDC9FD1C3A}</a:tableStyleId>
+                <a:tableStyleId>{793D81CF-94F2-401A-BA57-92F5A7B2D0C5}</a:tableStyleId>
               </a:tblPr>
               <a:tblGrid>
                 <a:gridCol w="3881521"/>
@@ -6688,12 +9068,12 @@
                         </a:spcAft>
                       </a:pPr>
                       <a:r>
-                        <a:rPr lang="pt-BR" sz="1800">
+                        <a:rPr lang="pt-BR" sz="1800" b="1" dirty="0" err="1">
                           <a:effectLst/>
                         </a:rPr>
                         <a:t>Milestone</a:t>
                       </a:r>
-                      <a:endParaRPr lang="pt-BR" sz="1800">
+                      <a:endParaRPr lang="pt-BR" sz="1800" b="1" dirty="0">
                         <a:solidFill>
                           <a:srgbClr val="000000"/>
                         </a:solidFill>
@@ -6704,7 +9084,44 @@
                       </a:endParaRPr>
                     </a:p>
                   </a:txBody>
-                  <a:tcPr marL="47625" marR="47625" marT="66675" marB="66675"/>
+                  <a:tcPr marL="47625" marR="47625" marT="66675" marB="66675">
+                    <a:lnL w="12700" cap="flat" cmpd="sng" algn="ctr">
+                      <a:solidFill>
+                        <a:schemeClr val="tx1"/>
+                      </a:solidFill>
+                      <a:prstDash val="solid"/>
+                      <a:round/>
+                      <a:headEnd type="none" w="med" len="med"/>
+                      <a:tailEnd type="none" w="med" len="med"/>
+                    </a:lnL>
+                    <a:lnR w="12700" cap="flat" cmpd="sng" algn="ctr">
+                      <a:solidFill>
+                        <a:schemeClr val="tx1"/>
+                      </a:solidFill>
+                      <a:prstDash val="solid"/>
+                      <a:round/>
+                      <a:headEnd type="none" w="med" len="med"/>
+                      <a:tailEnd type="none" w="med" len="med"/>
+                    </a:lnR>
+                    <a:lnT w="12700" cap="flat" cmpd="sng" algn="ctr">
+                      <a:solidFill>
+                        <a:schemeClr val="tx1"/>
+                      </a:solidFill>
+                      <a:prstDash val="solid"/>
+                      <a:round/>
+                      <a:headEnd type="none" w="med" len="med"/>
+                      <a:tailEnd type="none" w="med" len="med"/>
+                    </a:lnT>
+                    <a:lnB w="12700" cap="flat" cmpd="sng" algn="ctr">
+                      <a:solidFill>
+                        <a:schemeClr val="tx1"/>
+                      </a:solidFill>
+                      <a:prstDash val="solid"/>
+                      <a:round/>
+                      <a:headEnd type="none" w="med" len="med"/>
+                      <a:tailEnd type="none" w="med" len="med"/>
+                    </a:lnB>
+                  </a:tcPr>
                 </a:tc>
                 <a:tc>
                   <a:txBody>
@@ -6720,12 +9137,12 @@
                         </a:spcAft>
                       </a:pPr>
                       <a:r>
-                        <a:rPr lang="pt-BR" sz="1800">
+                        <a:rPr lang="pt-BR" sz="1800" b="1" dirty="0">
                           <a:effectLst/>
                         </a:rPr>
                         <a:t>Recursos</a:t>
                       </a:r>
-                      <a:endParaRPr lang="pt-BR" sz="1800">
+                      <a:endParaRPr lang="pt-BR" sz="1800" b="1" dirty="0">
                         <a:solidFill>
                           <a:srgbClr val="000000"/>
                         </a:solidFill>
@@ -6736,7 +9153,44 @@
                       </a:endParaRPr>
                     </a:p>
                   </a:txBody>
-                  <a:tcPr marL="47625" marR="47625" marT="66675" marB="66675"/>
+                  <a:tcPr marL="47625" marR="47625" marT="66675" marB="66675">
+                    <a:lnL w="12700" cap="flat" cmpd="sng" algn="ctr">
+                      <a:solidFill>
+                        <a:schemeClr val="tx1"/>
+                      </a:solidFill>
+                      <a:prstDash val="solid"/>
+                      <a:round/>
+                      <a:headEnd type="none" w="med" len="med"/>
+                      <a:tailEnd type="none" w="med" len="med"/>
+                    </a:lnL>
+                    <a:lnR w="12700" cap="flat" cmpd="sng" algn="ctr">
+                      <a:solidFill>
+                        <a:schemeClr val="tx1"/>
+                      </a:solidFill>
+                      <a:prstDash val="solid"/>
+                      <a:round/>
+                      <a:headEnd type="none" w="med" len="med"/>
+                      <a:tailEnd type="none" w="med" len="med"/>
+                    </a:lnR>
+                    <a:lnT w="12700" cap="flat" cmpd="sng" algn="ctr">
+                      <a:solidFill>
+                        <a:schemeClr val="tx1"/>
+                      </a:solidFill>
+                      <a:prstDash val="solid"/>
+                      <a:round/>
+                      <a:headEnd type="none" w="med" len="med"/>
+                      <a:tailEnd type="none" w="med" len="med"/>
+                    </a:lnT>
+                    <a:lnB w="12700" cap="flat" cmpd="sng" algn="ctr">
+                      <a:solidFill>
+                        <a:schemeClr val="tx1"/>
+                      </a:solidFill>
+                      <a:prstDash val="solid"/>
+                      <a:round/>
+                      <a:headEnd type="none" w="med" len="med"/>
+                      <a:tailEnd type="none" w="med" len="med"/>
+                    </a:lnB>
+                  </a:tcPr>
                 </a:tc>
               </a:tr>
               <a:tr h="545203">
@@ -6754,12 +9208,12 @@
                         </a:spcAft>
                       </a:pPr>
                       <a:r>
-                        <a:rPr lang="pt-BR" sz="1800">
-                          <a:effectLst/>
-                        </a:rPr>
-                        <a:t>Revisão</a:t>
-                      </a:r>
-                      <a:endParaRPr lang="pt-BR" sz="1800">
+                        <a:rPr lang="pt-BR" sz="1800" dirty="0" smtClean="0">
+                          <a:effectLst/>
+                        </a:rPr>
+                        <a:t>Revisão:</a:t>
+                      </a:r>
+                      <a:endParaRPr lang="pt-BR" sz="1800" dirty="0">
                         <a:solidFill>
                           <a:srgbClr val="000000"/>
                         </a:solidFill>
@@ -6770,7 +9224,44 @@
                       </a:endParaRPr>
                     </a:p>
                   </a:txBody>
-                  <a:tcPr marL="47625" marR="47625" marT="66675" marB="66675"/>
+                  <a:tcPr marL="47625" marR="47625" marT="66675" marB="66675">
+                    <a:lnL w="12700" cap="flat" cmpd="sng" algn="ctr">
+                      <a:solidFill>
+                        <a:schemeClr val="tx1"/>
+                      </a:solidFill>
+                      <a:prstDash val="solid"/>
+                      <a:round/>
+                      <a:headEnd type="none" w="med" len="med"/>
+                      <a:tailEnd type="none" w="med" len="med"/>
+                    </a:lnL>
+                    <a:lnR w="12700" cap="flat" cmpd="sng" algn="ctr">
+                      <a:solidFill>
+                        <a:schemeClr val="tx1"/>
+                      </a:solidFill>
+                      <a:prstDash val="solid"/>
+                      <a:round/>
+                      <a:headEnd type="none" w="med" len="med"/>
+                      <a:tailEnd type="none" w="med" len="med"/>
+                    </a:lnR>
+                    <a:lnT w="12700" cap="flat" cmpd="sng" algn="ctr">
+                      <a:solidFill>
+                        <a:schemeClr val="tx1"/>
+                      </a:solidFill>
+                      <a:prstDash val="solid"/>
+                      <a:round/>
+                      <a:headEnd type="none" w="med" len="med"/>
+                      <a:tailEnd type="none" w="med" len="med"/>
+                    </a:lnT>
+                    <a:lnB w="12700" cap="flat" cmpd="sng" algn="ctr">
+                      <a:solidFill>
+                        <a:schemeClr val="tx1"/>
+                      </a:solidFill>
+                      <a:prstDash val="solid"/>
+                      <a:round/>
+                      <a:headEnd type="none" w="med" len="med"/>
+                      <a:tailEnd type="none" w="med" len="med"/>
+                    </a:lnB>
+                  </a:tcPr>
                 </a:tc>
                 <a:tc>
                   <a:txBody>
@@ -6786,12 +9277,36 @@
                         </a:spcAft>
                       </a:pPr>
                       <a:r>
-                        <a:rPr lang="en-US" sz="1800">
-                          <a:effectLst/>
-                        </a:rPr>
-                        <a:t>Alisson,Tatiana; Alexandre, Vagner, Wender</a:t>
-                      </a:r>
-                      <a:endParaRPr lang="pt-BR" sz="1800">
+                        <a:rPr lang="en-US" sz="1800" dirty="0" err="1">
+                          <a:effectLst/>
+                        </a:rPr>
+                        <a:t>Alisson,Tatiana</a:t>
+                      </a:r>
+                      <a:r>
+                        <a:rPr lang="en-US" sz="1800" dirty="0">
+                          <a:effectLst/>
+                        </a:rPr>
+                        <a:t>; Alexandre, </a:t>
+                      </a:r>
+                      <a:r>
+                        <a:rPr lang="en-US" sz="1800" dirty="0" err="1">
+                          <a:effectLst/>
+                        </a:rPr>
+                        <a:t>Vagner</a:t>
+                      </a:r>
+                      <a:r>
+                        <a:rPr lang="en-US" sz="1800" dirty="0">
+                          <a:effectLst/>
+                        </a:rPr>
+                        <a:t>, </a:t>
+                      </a:r>
+                      <a:r>
+                        <a:rPr lang="en-US" sz="1800" dirty="0" err="1">
+                          <a:effectLst/>
+                        </a:rPr>
+                        <a:t>Wender</a:t>
+                      </a:r>
+                      <a:endParaRPr lang="pt-BR" sz="1800" dirty="0">
                         <a:solidFill>
                           <a:srgbClr val="000000"/>
                         </a:solidFill>
@@ -6802,7 +9317,44 @@
                       </a:endParaRPr>
                     </a:p>
                   </a:txBody>
-                  <a:tcPr marL="47625" marR="47625" marT="66675" marB="66675"/>
+                  <a:tcPr marL="47625" marR="47625" marT="66675" marB="66675">
+                    <a:lnL w="12700" cap="flat" cmpd="sng" algn="ctr">
+                      <a:solidFill>
+                        <a:schemeClr val="tx1"/>
+                      </a:solidFill>
+                      <a:prstDash val="solid"/>
+                      <a:round/>
+                      <a:headEnd type="none" w="med" len="med"/>
+                      <a:tailEnd type="none" w="med" len="med"/>
+                    </a:lnL>
+                    <a:lnR w="12700" cap="flat" cmpd="sng" algn="ctr">
+                      <a:solidFill>
+                        <a:schemeClr val="tx1"/>
+                      </a:solidFill>
+                      <a:prstDash val="solid"/>
+                      <a:round/>
+                      <a:headEnd type="none" w="med" len="med"/>
+                      <a:tailEnd type="none" w="med" len="med"/>
+                    </a:lnR>
+                    <a:lnT w="12700" cap="flat" cmpd="sng" algn="ctr">
+                      <a:solidFill>
+                        <a:schemeClr val="tx1"/>
+                      </a:solidFill>
+                      <a:prstDash val="solid"/>
+                      <a:round/>
+                      <a:headEnd type="none" w="med" len="med"/>
+                      <a:tailEnd type="none" w="med" len="med"/>
+                    </a:lnT>
+                    <a:lnB w="12700" cap="flat" cmpd="sng" algn="ctr">
+                      <a:solidFill>
+                        <a:schemeClr val="tx1"/>
+                      </a:solidFill>
+                      <a:prstDash val="solid"/>
+                      <a:round/>
+                      <a:headEnd type="none" w="med" len="med"/>
+                      <a:tailEnd type="none" w="med" len="med"/>
+                    </a:lnB>
+                  </a:tcPr>
                 </a:tc>
               </a:tr>
               <a:tr h="545203">
@@ -6820,12 +9372,18 @@
                         </a:spcAft>
                       </a:pPr>
                       <a:r>
-                        <a:rPr lang="pt-BR" sz="1800">
-                          <a:effectLst/>
-                        </a:rPr>
-                        <a:t>Plano de teste</a:t>
-                      </a:r>
-                      <a:endParaRPr lang="pt-BR" sz="1800">
+                        <a:rPr lang="pt-BR" sz="1800" dirty="0">
+                          <a:effectLst/>
+                        </a:rPr>
+                        <a:t>Plano de </a:t>
+                      </a:r>
+                      <a:r>
+                        <a:rPr lang="pt-BR" sz="1800" dirty="0" smtClean="0">
+                          <a:effectLst/>
+                        </a:rPr>
+                        <a:t>Teste:</a:t>
+                      </a:r>
+                      <a:endParaRPr lang="pt-BR" sz="1800" dirty="0">
                         <a:solidFill>
                           <a:srgbClr val="000000"/>
                         </a:solidFill>
@@ -6836,7 +9394,44 @@
                       </a:endParaRPr>
                     </a:p>
                   </a:txBody>
-                  <a:tcPr marL="47625" marR="47625" marT="66675" marB="66675"/>
+                  <a:tcPr marL="47625" marR="47625" marT="66675" marB="66675">
+                    <a:lnL w="12700" cap="flat" cmpd="sng" algn="ctr">
+                      <a:solidFill>
+                        <a:schemeClr val="tx1"/>
+                      </a:solidFill>
+                      <a:prstDash val="solid"/>
+                      <a:round/>
+                      <a:headEnd type="none" w="med" len="med"/>
+                      <a:tailEnd type="none" w="med" len="med"/>
+                    </a:lnL>
+                    <a:lnR w="12700" cap="flat" cmpd="sng" algn="ctr">
+                      <a:solidFill>
+                        <a:schemeClr val="tx1"/>
+                      </a:solidFill>
+                      <a:prstDash val="solid"/>
+                      <a:round/>
+                      <a:headEnd type="none" w="med" len="med"/>
+                      <a:tailEnd type="none" w="med" len="med"/>
+                    </a:lnR>
+                    <a:lnT w="12700" cap="flat" cmpd="sng" algn="ctr">
+                      <a:solidFill>
+                        <a:schemeClr val="tx1"/>
+                      </a:solidFill>
+                      <a:prstDash val="solid"/>
+                      <a:round/>
+                      <a:headEnd type="none" w="med" len="med"/>
+                      <a:tailEnd type="none" w="med" len="med"/>
+                    </a:lnT>
+                    <a:lnB w="12700" cap="flat" cmpd="sng" algn="ctr">
+                      <a:solidFill>
+                        <a:schemeClr val="tx1"/>
+                      </a:solidFill>
+                      <a:prstDash val="solid"/>
+                      <a:round/>
+                      <a:headEnd type="none" w="med" len="med"/>
+                      <a:tailEnd type="none" w="med" len="med"/>
+                    </a:lnB>
+                  </a:tcPr>
                 </a:tc>
                 <a:tc>
                   <a:txBody>
@@ -6852,12 +9447,12 @@
                         </a:spcAft>
                       </a:pPr>
                       <a:r>
-                        <a:rPr lang="pt-BR" sz="1800">
+                        <a:rPr lang="pt-BR" sz="1800" dirty="0">
                           <a:effectLst/>
                         </a:rPr>
                         <a:t>Alisson, Tatiana; Alexandre</a:t>
                       </a:r>
-                      <a:endParaRPr lang="pt-BR" sz="1800">
+                      <a:endParaRPr lang="pt-BR" sz="1800" dirty="0">
                         <a:solidFill>
                           <a:srgbClr val="000000"/>
                         </a:solidFill>
@@ -6868,7 +9463,44 @@
                       </a:endParaRPr>
                     </a:p>
                   </a:txBody>
-                  <a:tcPr marL="47625" marR="47625" marT="66675" marB="66675"/>
+                  <a:tcPr marL="47625" marR="47625" marT="66675" marB="66675">
+                    <a:lnL w="12700" cap="flat" cmpd="sng" algn="ctr">
+                      <a:solidFill>
+                        <a:schemeClr val="tx1"/>
+                      </a:solidFill>
+                      <a:prstDash val="solid"/>
+                      <a:round/>
+                      <a:headEnd type="none" w="med" len="med"/>
+                      <a:tailEnd type="none" w="med" len="med"/>
+                    </a:lnL>
+                    <a:lnR w="12700" cap="flat" cmpd="sng" algn="ctr">
+                      <a:solidFill>
+                        <a:schemeClr val="tx1"/>
+                      </a:solidFill>
+                      <a:prstDash val="solid"/>
+                      <a:round/>
+                      <a:headEnd type="none" w="med" len="med"/>
+                      <a:tailEnd type="none" w="med" len="med"/>
+                    </a:lnR>
+                    <a:lnT w="12700" cap="flat" cmpd="sng" algn="ctr">
+                      <a:solidFill>
+                        <a:schemeClr val="tx1"/>
+                      </a:solidFill>
+                      <a:prstDash val="solid"/>
+                      <a:round/>
+                      <a:headEnd type="none" w="med" len="med"/>
+                      <a:tailEnd type="none" w="med" len="med"/>
+                    </a:lnT>
+                    <a:lnB w="12700" cap="flat" cmpd="sng" algn="ctr">
+                      <a:solidFill>
+                        <a:schemeClr val="tx1"/>
+                      </a:solidFill>
+                      <a:prstDash val="solid"/>
+                      <a:round/>
+                      <a:headEnd type="none" w="med" len="med"/>
+                      <a:tailEnd type="none" w="med" len="med"/>
+                    </a:lnB>
+                  </a:tcPr>
                 </a:tc>
               </a:tr>
               <a:tr h="545203">
@@ -6886,12 +9518,18 @@
                         </a:spcAft>
                       </a:pPr>
                       <a:r>
-                        <a:rPr lang="pt-BR" sz="1800">
-                          <a:effectLst/>
-                        </a:rPr>
-                        <a:t>Elaborar Caso de teste</a:t>
-                      </a:r>
-                      <a:endParaRPr lang="pt-BR" sz="1800">
+                        <a:rPr lang="pt-BR" sz="1800" dirty="0">
+                          <a:effectLst/>
+                        </a:rPr>
+                        <a:t>Elaborar Caso de </a:t>
+                      </a:r>
+                      <a:r>
+                        <a:rPr lang="pt-BR" sz="1800" dirty="0" smtClean="0">
+                          <a:effectLst/>
+                        </a:rPr>
+                        <a:t>Teste:</a:t>
+                      </a:r>
+                      <a:endParaRPr lang="pt-BR" sz="1800" dirty="0">
                         <a:solidFill>
                           <a:srgbClr val="000000"/>
                         </a:solidFill>
@@ -6902,7 +9540,44 @@
                       </a:endParaRPr>
                     </a:p>
                   </a:txBody>
-                  <a:tcPr marL="47625" marR="47625" marT="66675" marB="66675"/>
+                  <a:tcPr marL="47625" marR="47625" marT="66675" marB="66675">
+                    <a:lnL w="12700" cap="flat" cmpd="sng" algn="ctr">
+                      <a:solidFill>
+                        <a:schemeClr val="tx1"/>
+                      </a:solidFill>
+                      <a:prstDash val="solid"/>
+                      <a:round/>
+                      <a:headEnd type="none" w="med" len="med"/>
+                      <a:tailEnd type="none" w="med" len="med"/>
+                    </a:lnL>
+                    <a:lnR w="12700" cap="flat" cmpd="sng" algn="ctr">
+                      <a:solidFill>
+                        <a:schemeClr val="tx1"/>
+                      </a:solidFill>
+                      <a:prstDash val="solid"/>
+                      <a:round/>
+                      <a:headEnd type="none" w="med" len="med"/>
+                      <a:tailEnd type="none" w="med" len="med"/>
+                    </a:lnR>
+                    <a:lnT w="12700" cap="flat" cmpd="sng" algn="ctr">
+                      <a:solidFill>
+                        <a:schemeClr val="tx1"/>
+                      </a:solidFill>
+                      <a:prstDash val="solid"/>
+                      <a:round/>
+                      <a:headEnd type="none" w="med" len="med"/>
+                      <a:tailEnd type="none" w="med" len="med"/>
+                    </a:lnT>
+                    <a:lnB w="12700" cap="flat" cmpd="sng" algn="ctr">
+                      <a:solidFill>
+                        <a:schemeClr val="tx1"/>
+                      </a:solidFill>
+                      <a:prstDash val="solid"/>
+                      <a:round/>
+                      <a:headEnd type="none" w="med" len="med"/>
+                      <a:tailEnd type="none" w="med" len="med"/>
+                    </a:lnB>
+                  </a:tcPr>
                 </a:tc>
                 <a:tc>
                   <a:txBody>
@@ -6918,12 +9593,12 @@
                         </a:spcAft>
                       </a:pPr>
                       <a:r>
-                        <a:rPr lang="pt-BR" sz="1800">
+                        <a:rPr lang="pt-BR" sz="1800" dirty="0">
                           <a:effectLst/>
                         </a:rPr>
                         <a:t>Alisson, Tatiana; Vagner</a:t>
                       </a:r>
-                      <a:endParaRPr lang="pt-BR" sz="1800">
+                      <a:endParaRPr lang="pt-BR" sz="1800" dirty="0">
                         <a:solidFill>
                           <a:srgbClr val="000000"/>
                         </a:solidFill>
@@ -6934,7 +9609,44 @@
                       </a:endParaRPr>
                     </a:p>
                   </a:txBody>
-                  <a:tcPr marL="47625" marR="47625" marT="66675" marB="66675"/>
+                  <a:tcPr marL="47625" marR="47625" marT="66675" marB="66675">
+                    <a:lnL w="12700" cap="flat" cmpd="sng" algn="ctr">
+                      <a:solidFill>
+                        <a:schemeClr val="tx1"/>
+                      </a:solidFill>
+                      <a:prstDash val="solid"/>
+                      <a:round/>
+                      <a:headEnd type="none" w="med" len="med"/>
+                      <a:tailEnd type="none" w="med" len="med"/>
+                    </a:lnL>
+                    <a:lnR w="12700" cap="flat" cmpd="sng" algn="ctr">
+                      <a:solidFill>
+                        <a:schemeClr val="tx1"/>
+                      </a:solidFill>
+                      <a:prstDash val="solid"/>
+                      <a:round/>
+                      <a:headEnd type="none" w="med" len="med"/>
+                      <a:tailEnd type="none" w="med" len="med"/>
+                    </a:lnR>
+                    <a:lnT w="12700" cap="flat" cmpd="sng" algn="ctr">
+                      <a:solidFill>
+                        <a:schemeClr val="tx1"/>
+                      </a:solidFill>
+                      <a:prstDash val="solid"/>
+                      <a:round/>
+                      <a:headEnd type="none" w="med" len="med"/>
+                      <a:tailEnd type="none" w="med" len="med"/>
+                    </a:lnT>
+                    <a:lnB w="12700" cap="flat" cmpd="sng" algn="ctr">
+                      <a:solidFill>
+                        <a:schemeClr val="tx1"/>
+                      </a:solidFill>
+                      <a:prstDash val="solid"/>
+                      <a:round/>
+                      <a:headEnd type="none" w="med" len="med"/>
+                      <a:tailEnd type="none" w="med" len="med"/>
+                    </a:lnB>
+                  </a:tcPr>
                 </a:tc>
               </a:tr>
               <a:tr h="545203">
@@ -6952,12 +9664,18 @@
                         </a:spcAft>
                       </a:pPr>
                       <a:r>
-                        <a:rPr lang="pt-BR" sz="1800">
-                          <a:effectLst/>
-                        </a:rPr>
-                        <a:t>Executar teste</a:t>
-                      </a:r>
-                      <a:endParaRPr lang="pt-BR" sz="1800">
+                        <a:rPr lang="pt-BR" sz="1800" dirty="0">
+                          <a:effectLst/>
+                        </a:rPr>
+                        <a:t>Executar </a:t>
+                      </a:r>
+                      <a:r>
+                        <a:rPr lang="pt-BR" sz="1800" dirty="0" smtClean="0">
+                          <a:effectLst/>
+                        </a:rPr>
+                        <a:t>Teste:</a:t>
+                      </a:r>
+                      <a:endParaRPr lang="pt-BR" sz="1800" dirty="0">
                         <a:solidFill>
                           <a:srgbClr val="000000"/>
                         </a:solidFill>
@@ -6968,7 +9686,44 @@
                       </a:endParaRPr>
                     </a:p>
                   </a:txBody>
-                  <a:tcPr marL="47625" marR="47625" marT="66675" marB="66675"/>
+                  <a:tcPr marL="47625" marR="47625" marT="66675" marB="66675">
+                    <a:lnL w="12700" cap="flat" cmpd="sng" algn="ctr">
+                      <a:solidFill>
+                        <a:schemeClr val="tx1"/>
+                      </a:solidFill>
+                      <a:prstDash val="solid"/>
+                      <a:round/>
+                      <a:headEnd type="none" w="med" len="med"/>
+                      <a:tailEnd type="none" w="med" len="med"/>
+                    </a:lnL>
+                    <a:lnR w="12700" cap="flat" cmpd="sng" algn="ctr">
+                      <a:solidFill>
+                        <a:schemeClr val="tx1"/>
+                      </a:solidFill>
+                      <a:prstDash val="solid"/>
+                      <a:round/>
+                      <a:headEnd type="none" w="med" len="med"/>
+                      <a:tailEnd type="none" w="med" len="med"/>
+                    </a:lnR>
+                    <a:lnT w="12700" cap="flat" cmpd="sng" algn="ctr">
+                      <a:solidFill>
+                        <a:schemeClr val="tx1"/>
+                      </a:solidFill>
+                      <a:prstDash val="solid"/>
+                      <a:round/>
+                      <a:headEnd type="none" w="med" len="med"/>
+                      <a:tailEnd type="none" w="med" len="med"/>
+                    </a:lnT>
+                    <a:lnB w="12700" cap="flat" cmpd="sng" algn="ctr">
+                      <a:solidFill>
+                        <a:schemeClr val="tx1"/>
+                      </a:solidFill>
+                      <a:prstDash val="solid"/>
+                      <a:round/>
+                      <a:headEnd type="none" w="med" len="med"/>
+                      <a:tailEnd type="none" w="med" len="med"/>
+                    </a:lnB>
+                  </a:tcPr>
                 </a:tc>
                 <a:tc>
                   <a:txBody>
@@ -7000,7 +9755,44 @@
                       </a:endParaRPr>
                     </a:p>
                   </a:txBody>
-                  <a:tcPr marL="47625" marR="47625" marT="66675" marB="66675"/>
+                  <a:tcPr marL="47625" marR="47625" marT="66675" marB="66675">
+                    <a:lnL w="12700" cap="flat" cmpd="sng" algn="ctr">
+                      <a:solidFill>
+                        <a:schemeClr val="tx1"/>
+                      </a:solidFill>
+                      <a:prstDash val="solid"/>
+                      <a:round/>
+                      <a:headEnd type="none" w="med" len="med"/>
+                      <a:tailEnd type="none" w="med" len="med"/>
+                    </a:lnL>
+                    <a:lnR w="12700" cap="flat" cmpd="sng" algn="ctr">
+                      <a:solidFill>
+                        <a:schemeClr val="tx1"/>
+                      </a:solidFill>
+                      <a:prstDash val="solid"/>
+                      <a:round/>
+                      <a:headEnd type="none" w="med" len="med"/>
+                      <a:tailEnd type="none" w="med" len="med"/>
+                    </a:lnR>
+                    <a:lnT w="12700" cap="flat" cmpd="sng" algn="ctr">
+                      <a:solidFill>
+                        <a:schemeClr val="tx1"/>
+                      </a:solidFill>
+                      <a:prstDash val="solid"/>
+                      <a:round/>
+                      <a:headEnd type="none" w="med" len="med"/>
+                      <a:tailEnd type="none" w="med" len="med"/>
+                    </a:lnT>
+                    <a:lnB w="12700" cap="flat" cmpd="sng" algn="ctr">
+                      <a:solidFill>
+                        <a:schemeClr val="tx1"/>
+                      </a:solidFill>
+                      <a:prstDash val="solid"/>
+                      <a:round/>
+                      <a:headEnd type="none" w="med" len="med"/>
+                      <a:tailEnd type="none" w="med" len="med"/>
+                    </a:lnB>
+                  </a:tcPr>
                 </a:tc>
               </a:tr>
               <a:tr h="545203">
@@ -7018,12 +9810,18 @@
                         </a:spcAft>
                       </a:pPr>
                       <a:r>
-                        <a:rPr lang="pt-BR" sz="1800">
-                          <a:effectLst/>
-                        </a:rPr>
-                        <a:t>Avaliar Resultado de teste</a:t>
-                      </a:r>
-                      <a:endParaRPr lang="pt-BR" sz="1800">
+                        <a:rPr lang="pt-BR" sz="1800" dirty="0">
+                          <a:effectLst/>
+                        </a:rPr>
+                        <a:t>Avaliar Resultado de </a:t>
+                      </a:r>
+                      <a:r>
+                        <a:rPr lang="pt-BR" sz="1800" dirty="0" smtClean="0">
+                          <a:effectLst/>
+                        </a:rPr>
+                        <a:t>Teste:</a:t>
+                      </a:r>
+                      <a:endParaRPr lang="pt-BR" sz="1800" dirty="0">
                         <a:solidFill>
                           <a:srgbClr val="000000"/>
                         </a:solidFill>
@@ -7034,7 +9832,44 @@
                       </a:endParaRPr>
                     </a:p>
                   </a:txBody>
-                  <a:tcPr marL="47625" marR="47625" marT="66675" marB="66675"/>
+                  <a:tcPr marL="47625" marR="47625" marT="66675" marB="66675">
+                    <a:lnL w="12700" cap="flat" cmpd="sng" algn="ctr">
+                      <a:solidFill>
+                        <a:schemeClr val="tx1"/>
+                      </a:solidFill>
+                      <a:prstDash val="solid"/>
+                      <a:round/>
+                      <a:headEnd type="none" w="med" len="med"/>
+                      <a:tailEnd type="none" w="med" len="med"/>
+                    </a:lnL>
+                    <a:lnR w="12700" cap="flat" cmpd="sng" algn="ctr">
+                      <a:solidFill>
+                        <a:schemeClr val="tx1"/>
+                      </a:solidFill>
+                      <a:prstDash val="solid"/>
+                      <a:round/>
+                      <a:headEnd type="none" w="med" len="med"/>
+                      <a:tailEnd type="none" w="med" len="med"/>
+                    </a:lnR>
+                    <a:lnT w="12700" cap="flat" cmpd="sng" algn="ctr">
+                      <a:solidFill>
+                        <a:schemeClr val="tx1"/>
+                      </a:solidFill>
+                      <a:prstDash val="solid"/>
+                      <a:round/>
+                      <a:headEnd type="none" w="med" len="med"/>
+                      <a:tailEnd type="none" w="med" len="med"/>
+                    </a:lnT>
+                    <a:lnB w="12700" cap="flat" cmpd="sng" algn="ctr">
+                      <a:solidFill>
+                        <a:schemeClr val="tx1"/>
+                      </a:solidFill>
+                      <a:prstDash val="solid"/>
+                      <a:round/>
+                      <a:headEnd type="none" w="med" len="med"/>
+                      <a:tailEnd type="none" w="med" len="med"/>
+                    </a:lnB>
+                  </a:tcPr>
                 </a:tc>
                 <a:tc>
                   <a:txBody>
@@ -7050,12 +9885,12 @@
                         </a:spcAft>
                       </a:pPr>
                       <a:r>
-                        <a:rPr lang="pt-BR" sz="1800">
+                        <a:rPr lang="pt-BR" sz="1800" dirty="0">
                           <a:effectLst/>
                         </a:rPr>
                         <a:t>Alisson</a:t>
                       </a:r>
-                      <a:endParaRPr lang="pt-BR" sz="1800">
+                      <a:endParaRPr lang="pt-BR" sz="1800" dirty="0">
                         <a:solidFill>
                           <a:srgbClr val="000000"/>
                         </a:solidFill>
@@ -7066,7 +9901,44 @@
                       </a:endParaRPr>
                     </a:p>
                   </a:txBody>
-                  <a:tcPr marL="47625" marR="47625" marT="66675" marB="66675"/>
+                  <a:tcPr marL="47625" marR="47625" marT="66675" marB="66675">
+                    <a:lnL w="12700" cap="flat" cmpd="sng" algn="ctr">
+                      <a:solidFill>
+                        <a:schemeClr val="tx1"/>
+                      </a:solidFill>
+                      <a:prstDash val="solid"/>
+                      <a:round/>
+                      <a:headEnd type="none" w="med" len="med"/>
+                      <a:tailEnd type="none" w="med" len="med"/>
+                    </a:lnL>
+                    <a:lnR w="12700" cap="flat" cmpd="sng" algn="ctr">
+                      <a:solidFill>
+                        <a:schemeClr val="tx1"/>
+                      </a:solidFill>
+                      <a:prstDash val="solid"/>
+                      <a:round/>
+                      <a:headEnd type="none" w="med" len="med"/>
+                      <a:tailEnd type="none" w="med" len="med"/>
+                    </a:lnR>
+                    <a:lnT w="12700" cap="flat" cmpd="sng" algn="ctr">
+                      <a:solidFill>
+                        <a:schemeClr val="tx1"/>
+                      </a:solidFill>
+                      <a:prstDash val="solid"/>
+                      <a:round/>
+                      <a:headEnd type="none" w="med" len="med"/>
+                      <a:tailEnd type="none" w="med" len="med"/>
+                    </a:lnT>
+                    <a:lnB w="12700" cap="flat" cmpd="sng" algn="ctr">
+                      <a:solidFill>
+                        <a:schemeClr val="tx1"/>
+                      </a:solidFill>
+                      <a:prstDash val="solid"/>
+                      <a:round/>
+                      <a:headEnd type="none" w="med" len="med"/>
+                      <a:tailEnd type="none" w="med" len="med"/>
+                    </a:lnB>
+                  </a:tcPr>
                 </a:tc>
               </a:tr>
               <a:tr h="545203">
@@ -7084,12 +9956,30 @@
                         </a:spcAft>
                       </a:pPr>
                       <a:r>
-                        <a:rPr lang="pt-BR" sz="1800">
-                          <a:effectLst/>
-                        </a:rPr>
-                        <a:t>Executar teste de aceite</a:t>
-                      </a:r>
-                      <a:endParaRPr lang="pt-BR" sz="1800">
+                        <a:rPr lang="pt-BR" sz="1800" dirty="0">
+                          <a:effectLst/>
+                        </a:rPr>
+                        <a:t>Executar </a:t>
+                      </a:r>
+                      <a:r>
+                        <a:rPr lang="pt-BR" sz="1800" dirty="0" smtClean="0">
+                          <a:effectLst/>
+                        </a:rPr>
+                        <a:t>Teste </a:t>
+                      </a:r>
+                      <a:r>
+                        <a:rPr lang="pt-BR" sz="1800" dirty="0">
+                          <a:effectLst/>
+                        </a:rPr>
+                        <a:t>de </a:t>
+                      </a:r>
+                      <a:r>
+                        <a:rPr lang="pt-BR" sz="1800" dirty="0" smtClean="0">
+                          <a:effectLst/>
+                        </a:rPr>
+                        <a:t>Aceite:</a:t>
+                      </a:r>
+                      <a:endParaRPr lang="pt-BR" sz="1800" dirty="0">
                         <a:solidFill>
                           <a:srgbClr val="000000"/>
                         </a:solidFill>
@@ -7100,7 +9990,44 @@
                       </a:endParaRPr>
                     </a:p>
                   </a:txBody>
-                  <a:tcPr marL="47625" marR="47625" marT="66675" marB="66675"/>
+                  <a:tcPr marL="47625" marR="47625" marT="66675" marB="66675">
+                    <a:lnL w="12700" cap="flat" cmpd="sng" algn="ctr">
+                      <a:solidFill>
+                        <a:schemeClr val="tx1"/>
+                      </a:solidFill>
+                      <a:prstDash val="solid"/>
+                      <a:round/>
+                      <a:headEnd type="none" w="med" len="med"/>
+                      <a:tailEnd type="none" w="med" len="med"/>
+                    </a:lnL>
+                    <a:lnR w="12700" cap="flat" cmpd="sng" algn="ctr">
+                      <a:solidFill>
+                        <a:schemeClr val="tx1"/>
+                      </a:solidFill>
+                      <a:prstDash val="solid"/>
+                      <a:round/>
+                      <a:headEnd type="none" w="med" len="med"/>
+                      <a:tailEnd type="none" w="med" len="med"/>
+                    </a:lnR>
+                    <a:lnT w="12700" cap="flat" cmpd="sng" algn="ctr">
+                      <a:solidFill>
+                        <a:schemeClr val="tx1"/>
+                      </a:solidFill>
+                      <a:prstDash val="solid"/>
+                      <a:round/>
+                      <a:headEnd type="none" w="med" len="med"/>
+                      <a:tailEnd type="none" w="med" len="med"/>
+                    </a:lnT>
+                    <a:lnB w="12700" cap="flat" cmpd="sng" algn="ctr">
+                      <a:solidFill>
+                        <a:schemeClr val="tx1"/>
+                      </a:solidFill>
+                      <a:prstDash val="solid"/>
+                      <a:round/>
+                      <a:headEnd type="none" w="med" len="med"/>
+                      <a:tailEnd type="none" w="med" len="med"/>
+                    </a:lnB>
+                  </a:tcPr>
                 </a:tc>
                 <a:tc>
                   <a:txBody>
@@ -7132,7 +10059,44 @@
                       </a:endParaRPr>
                     </a:p>
                   </a:txBody>
-                  <a:tcPr marL="47625" marR="47625" marT="66675" marB="66675"/>
+                  <a:tcPr marL="47625" marR="47625" marT="66675" marB="66675">
+                    <a:lnL w="12700" cap="flat" cmpd="sng" algn="ctr">
+                      <a:solidFill>
+                        <a:schemeClr val="tx1"/>
+                      </a:solidFill>
+                      <a:prstDash val="solid"/>
+                      <a:round/>
+                      <a:headEnd type="none" w="med" len="med"/>
+                      <a:tailEnd type="none" w="med" len="med"/>
+                    </a:lnL>
+                    <a:lnR w="12700" cap="flat" cmpd="sng" algn="ctr">
+                      <a:solidFill>
+                        <a:schemeClr val="tx1"/>
+                      </a:solidFill>
+                      <a:prstDash val="solid"/>
+                      <a:round/>
+                      <a:headEnd type="none" w="med" len="med"/>
+                      <a:tailEnd type="none" w="med" len="med"/>
+                    </a:lnR>
+                    <a:lnT w="12700" cap="flat" cmpd="sng" algn="ctr">
+                      <a:solidFill>
+                        <a:schemeClr val="tx1"/>
+                      </a:solidFill>
+                      <a:prstDash val="solid"/>
+                      <a:round/>
+                      <a:headEnd type="none" w="med" len="med"/>
+                      <a:tailEnd type="none" w="med" len="med"/>
+                    </a:lnT>
+                    <a:lnB w="12700" cap="flat" cmpd="sng" algn="ctr">
+                      <a:solidFill>
+                        <a:schemeClr val="tx1"/>
+                      </a:solidFill>
+                      <a:prstDash val="solid"/>
+                      <a:round/>
+                      <a:headEnd type="none" w="med" len="med"/>
+                      <a:tailEnd type="none" w="med" len="med"/>
+                    </a:lnB>
+                  </a:tcPr>
                 </a:tc>
               </a:tr>
             </a:tbl>
@@ -7162,14 +10126,14 @@
           <a:effectLst/>
           <a:extLst>
             <a:ext uri="{909E8E84-426E-40DD-AFC4-6F175D3DCCD1}">
-              <a14:hiddenFill xmlns:a14="http://schemas.microsoft.com/office/drawing/2010/main" xmlns="">
+              <a14:hiddenFill xmlns:a14="http://schemas.microsoft.com/office/drawing/2010/main">
                 <a:solidFill>
                   <a:schemeClr val="accent1"/>
                 </a:solidFill>
               </a14:hiddenFill>
             </a:ext>
             <a:ext uri="{91240B29-F687-4F45-9708-019B960494DF}">
-              <a14:hiddenLine xmlns:a14="http://schemas.microsoft.com/office/drawing/2010/main" xmlns="" w="9525">
+              <a14:hiddenLine xmlns:a14="http://schemas.microsoft.com/office/drawing/2010/main" w="9525">
                 <a:solidFill>
                   <a:schemeClr val="tx1"/>
                 </a:solidFill>
@@ -7179,7 +10143,7 @@
               </a14:hiddenLine>
             </a:ext>
             <a:ext uri="{AF507438-7753-43E0-B8FC-AC1667EBCBE1}">
-              <a14:hiddenEffects xmlns:a14="http://schemas.microsoft.com/office/drawing/2010/main" xmlns="">
+              <a14:hiddenEffects xmlns:a14="http://schemas.microsoft.com/office/drawing/2010/main">
                 <a:effectLst>
                   <a:outerShdw dist="35921" dir="2700000" algn="ctr" rotWithShape="0">
                     <a:schemeClr val="bg2"/>
@@ -7231,7 +10195,7 @@
     </p:spTree>
     <p:extLst>
       <p:ext uri="{BB962C8B-B14F-4D97-AF65-F5344CB8AC3E}">
-        <p14:creationId xmlns:p14="http://schemas.microsoft.com/office/powerpoint/2010/main" xmlns="" val="984614559"/>
+        <p14:creationId xmlns:p14="http://schemas.microsoft.com/office/powerpoint/2010/main" val="3069635047"/>
       </p:ext>
     </p:extLst>
   </p:cSld>
@@ -7281,10 +10245,10 @@
           <a:lstStyle/>
           <a:p>
             <a:r>
-              <a:rPr lang="pt-BR" dirty="0" smtClean="0"/>
-              <a:t>Massa de dados</a:t>
+              <a:rPr lang="pt-BR" b="1" dirty="0" smtClean="0"/>
+              <a:t>Massa de Dados</a:t>
             </a:r>
-            <a:endParaRPr lang="pt-BR" dirty="0"/>
+            <a:endParaRPr lang="pt-BR" b="1" dirty="0"/>
           </a:p>
         </p:txBody>
       </p:sp>
@@ -7304,34 +10268,41 @@
           <a:lstStyle/>
           <a:p>
             <a:r>
-              <a:rPr lang="pt-BR" dirty="0" smtClean="0"/>
-              <a:t>Dados fictícios de clientes</a:t>
+              <a:rPr lang="pt-BR" sz="2000" dirty="0" smtClean="0"/>
+              <a:t>Dados fictícios de clientes:</a:t>
             </a:r>
           </a:p>
           <a:p>
+            <a:pPr marL="0" indent="0">
+              <a:buNone/>
+            </a:pPr>
             <a:endParaRPr lang="pt-BR" dirty="0"/>
           </a:p>
           <a:p>
+            <a:pPr lvl="2"/>
             <a:r>
-              <a:rPr lang="pt-BR" dirty="0" smtClean="0"/>
+              <a:rPr lang="pt-BR" sz="2000" dirty="0" smtClean="0"/>
               <a:t>Nome</a:t>
             </a:r>
           </a:p>
           <a:p>
+            <a:pPr lvl="2"/>
             <a:r>
-              <a:rPr lang="pt-BR" dirty="0" smtClean="0"/>
+              <a:rPr lang="pt-BR" sz="2000" dirty="0" smtClean="0"/>
               <a:t>Empresa</a:t>
             </a:r>
           </a:p>
           <a:p>
+            <a:pPr lvl="2"/>
             <a:r>
-              <a:rPr lang="pt-BR" dirty="0" smtClean="0"/>
+              <a:rPr lang="pt-BR" sz="2000" dirty="0" smtClean="0"/>
               <a:t>CPF/CNPJ</a:t>
             </a:r>
           </a:p>
           <a:p>
+            <a:pPr lvl="2"/>
             <a:r>
-              <a:rPr lang="pt-BR" dirty="0" smtClean="0"/>
+              <a:rPr lang="pt-BR" sz="2000" dirty="0" smtClean="0"/>
               <a:t>Tipo de serviço prestado</a:t>
             </a:r>
           </a:p>
@@ -7343,7 +10314,7 @@
     </p:spTree>
     <p:extLst>
       <p:ext uri="{BB962C8B-B14F-4D97-AF65-F5344CB8AC3E}">
-        <p14:creationId xmlns:p14="http://schemas.microsoft.com/office/powerpoint/2010/main" xmlns="" val="2889682945"/>
+        <p14:creationId xmlns:p14="http://schemas.microsoft.com/office/powerpoint/2010/main" val="2255650603"/>
       </p:ext>
     </p:extLst>
   </p:cSld>
@@ -7393,17 +10364,25 @@
           <a:lstStyle/>
           <a:p>
             <a:r>
-              <a:rPr lang="pt-BR" dirty="0" smtClean="0"/>
-              <a:t>Casos de teste </a:t>
+              <a:rPr lang="pt-BR" b="1" dirty="0" smtClean="0"/>
+              <a:t>Casos de </a:t>
+            </a:r>
+            <a:r>
+              <a:rPr lang="pt-BR" b="1" dirty="0" smtClean="0"/>
+              <a:t>Teste </a:t>
+            </a:r>
+            <a:r>
+              <a:rPr lang="pt-BR" b="1" dirty="0" smtClean="0"/>
+              <a:t/>
             </a:r>
             <a:br>
-              <a:rPr lang="pt-BR" dirty="0" smtClean="0"/>
+              <a:rPr lang="pt-BR" b="1" dirty="0" smtClean="0"/>
             </a:br>
             <a:r>
-              <a:rPr lang="pt-BR" dirty="0" smtClean="0"/>
+              <a:rPr lang="pt-BR" b="1" dirty="0" smtClean="0"/>
               <a:t> Subsistema Agenda</a:t>
             </a:r>
-            <a:endParaRPr lang="pt-BR" dirty="0"/>
+            <a:endParaRPr lang="pt-BR" b="1" dirty="0"/>
           </a:p>
         </p:txBody>
       </p:sp>
@@ -7416,7 +10395,7 @@
           <p:nvPr>
             <p:extLst>
               <p:ext uri="{D42A27DB-BD31-4B8C-83A1-F6EECF244321}">
-                <p14:modId xmlns:p14="http://schemas.microsoft.com/office/powerpoint/2010/main" xmlns="" val="4138588668"/>
+                <p14:modId xmlns:p14="http://schemas.microsoft.com/office/powerpoint/2010/main" val="4138588668"/>
               </p:ext>
             </p:extLst>
           </p:nvPr>
@@ -7427,9 +10406,59 @@
         </p:xfrm>
         <a:graphic>
           <a:graphicData uri="http://schemas.openxmlformats.org/presentationml/2006/ole">
-            <p:oleObj spid="_x0000_s9220" name="Planilha" r:id="rId3" imgW="1228771" imgH="390594" progId="Excel.Sheet.12">
-              <p:embed/>
-            </p:oleObj>
+            <mc:AlternateContent xmlns:mc="http://schemas.openxmlformats.org/markup-compatibility/2006">
+              <mc:Choice xmlns:v="urn:schemas-microsoft-com:vml" Requires="v">
+                <p:oleObj spid="_x0000_s9222" name="Planilha" r:id="rId3" imgW="1228771" imgH="390594" progId="Excel.Sheet.12">
+                  <p:embed/>
+                </p:oleObj>
+              </mc:Choice>
+              <mc:Fallback>
+                <p:oleObj name="Planilha" r:id="rId3" imgW="1228771" imgH="390594" progId="Excel.Sheet.12">
+                  <p:embed/>
+                  <p:pic>
+                    <p:nvPicPr>
+                      <p:cNvPr id="0" name="Picture 4"/>
+                      <p:cNvPicPr>
+                        <a:picLocks noChangeAspect="1" noChangeArrowheads="1"/>
+                      </p:cNvPicPr>
+                      <p:nvPr/>
+                    </p:nvPicPr>
+                    <p:blipFill>
+                      <a:blip r:embed="rId4">
+                        <a:extLst>
+                          <a:ext uri="{28A0092B-C50C-407E-A947-70E740481C1C}">
+                            <a14:useLocalDpi xmlns:a14="http://schemas.microsoft.com/office/drawing/2010/main" val="0"/>
+                          </a:ext>
+                        </a:extLst>
+                      </a:blip>
+                      <a:srcRect/>
+                      <a:stretch>
+                        <a:fillRect/>
+                      </a:stretch>
+                    </p:blipFill>
+                    <p:spPr bwMode="auto">
+                      <a:xfrm>
+                        <a:off x="3957638" y="3233738"/>
+                        <a:ext cx="1228725" cy="390525"/>
+                      </a:xfrm>
+                      <a:prstGeom prst="rect">
+                        <a:avLst/>
+                      </a:prstGeom>
+                      <a:noFill/>
+                      <a:extLst>
+                        <a:ext uri="{909E8E84-426E-40DD-AFC4-6F175D3DCCD1}">
+                          <a14:hiddenFill xmlns:a14="http://schemas.microsoft.com/office/drawing/2010/main">
+                            <a:solidFill>
+                              <a:srgbClr val="FFFFFF"/>
+                            </a:solidFill>
+                          </a14:hiddenFill>
+                        </a:ext>
+                      </a:extLst>
+                    </p:spPr>
+                  </p:pic>
+                </p:oleObj>
+              </mc:Fallback>
+            </mc:AlternateContent>
           </a:graphicData>
         </a:graphic>
       </p:graphicFrame>
@@ -7443,7 +10472,7 @@
             <p:ph idx="1"/>
             <p:extLst>
               <p:ext uri="{D42A27DB-BD31-4B8C-83A1-F6EECF244321}">
-                <p14:modId xmlns:p14="http://schemas.microsoft.com/office/powerpoint/2010/main" xmlns="" val="2134768840"/>
+                <p14:modId xmlns:p14="http://schemas.microsoft.com/office/powerpoint/2010/main" val="2134768840"/>
               </p:ext>
             </p:extLst>
           </p:nvPr>
@@ -8010,7 +11039,7 @@
     </p:spTree>
     <p:extLst>
       <p:ext uri="{BB962C8B-B14F-4D97-AF65-F5344CB8AC3E}">
-        <p14:creationId xmlns:p14="http://schemas.microsoft.com/office/powerpoint/2010/main" xmlns="" val="1060046226"/>
+        <p14:creationId xmlns:p14="http://schemas.microsoft.com/office/powerpoint/2010/main" val="1060046226"/>
       </p:ext>
     </p:extLst>
   </p:cSld>
@@ -8078,7 +11107,7 @@
               <a:buNone/>
             </a:pPr>
             <a:r>
-              <a:rPr lang="en-US" sz="6600" b="1" dirty="0" smtClean="0">
+              <a:rPr lang="en-US" sz="5400" b="1" dirty="0" smtClean="0">
                 <a:latin typeface="Verdana" pitchFamily="34" charset="0"/>
                 <a:ea typeface="Verdana" pitchFamily="34" charset="0"/>
                 <a:cs typeface="Verdana" pitchFamily="34" charset="0"/>
@@ -8176,7 +11205,7 @@
     </p:spTree>
     <p:extLst>
       <p:ext uri="{BB962C8B-B14F-4D97-AF65-F5344CB8AC3E}">
-        <p14:creationId xmlns:p14="http://schemas.microsoft.com/office/powerpoint/2010/main" xmlns="" val="33390202"/>
+        <p14:creationId xmlns:p14="http://schemas.microsoft.com/office/powerpoint/2010/main" val="33390202"/>
       </p:ext>
     </p:extLst>
   </p:cSld>
@@ -8226,10 +11255,10 @@
           <a:lstStyle/>
           <a:p>
             <a:r>
-              <a:rPr lang="en-US" dirty="0" err="1" smtClean="0"/>
+              <a:rPr lang="en-US" b="1" dirty="0" err="1" smtClean="0"/>
               <a:t>Indicadores</a:t>
             </a:r>
-            <a:endParaRPr lang="en-US" dirty="0"/>
+            <a:endParaRPr lang="en-US" b="1" dirty="0"/>
           </a:p>
         </p:txBody>
       </p:sp>
@@ -8249,26 +11278,26 @@
           <a:lstStyle/>
           <a:p>
             <a:r>
-              <a:rPr lang="en-US" dirty="0" err="1" smtClean="0"/>
+              <a:rPr lang="en-US" sz="2000" dirty="0" err="1" smtClean="0"/>
               <a:t>Casos</a:t>
             </a:r>
             <a:r>
-              <a:rPr lang="en-US" dirty="0" smtClean="0"/>
+              <a:rPr lang="en-US" sz="2000" dirty="0" smtClean="0"/>
               <a:t> de testes</a:t>
             </a:r>
           </a:p>
           <a:p>
             <a:r>
-              <a:rPr lang="en-US" dirty="0" smtClean="0"/>
+              <a:rPr lang="en-US" sz="2000" dirty="0" smtClean="0"/>
               <a:t>Bugs</a:t>
             </a:r>
           </a:p>
           <a:p>
             <a:r>
-              <a:rPr lang="en-US" dirty="0" smtClean="0"/>
+              <a:rPr lang="en-US" sz="2000" dirty="0" smtClean="0"/>
               <a:t>RH</a:t>
             </a:r>
-            <a:endParaRPr lang="en-US" dirty="0"/>
+            <a:endParaRPr lang="en-US" sz="2000" dirty="0"/>
           </a:p>
         </p:txBody>
       </p:sp>
@@ -8366,7 +11395,7 @@
       </p:grpSpPr>
       <p:sp>
         <p:nvSpPr>
-          <p:cNvPr id="2" name="Título 1"/>
+          <p:cNvPr id="3" name="Título 2"/>
           <p:cNvSpPr>
             <a:spLocks noGrp="1"/>
           </p:cNvSpPr>
@@ -8374,20 +11403,55 @@
             <p:ph type="title"/>
           </p:nvPr>
         </p:nvSpPr>
+        <p:spPr/>
+        <p:txBody>
+          <a:bodyPr/>
+          <a:lstStyle/>
+          <a:p>
+            <a:endParaRPr lang="pt-BR"/>
+          </a:p>
+        </p:txBody>
+      </p:sp>
+      <p:sp>
+        <p:nvSpPr>
+          <p:cNvPr id="4" name="Título 1"/>
+          <p:cNvSpPr txBox="1">
+            <a:spLocks/>
+          </p:cNvSpPr>
+          <p:nvPr/>
+        </p:nvSpPr>
         <p:spPr>
           <a:xfrm>
             <a:off x="251520" y="2420888"/>
             <a:ext cx="8797925" cy="922338"/>
           </a:xfrm>
+          <a:prstGeom prst="rect">
+            <a:avLst/>
+          </a:prstGeom>
         </p:spPr>
         <p:txBody>
           <a:bodyPr/>
-          <a:lstStyle/>
+          <a:lstStyle>
+            <a:lvl1pPr algn="r" defTabSz="914400" rtl="0" eaLnBrk="1" latinLnBrk="0" hangingPunct="1">
+              <a:spcBef>
+                <a:spcPct val="0"/>
+              </a:spcBef>
+              <a:buNone/>
+              <a:defRPr sz="2800" kern="1200">
+                <a:solidFill>
+                  <a:schemeClr val="tx1"/>
+                </a:solidFill>
+                <a:latin typeface="Verdana" pitchFamily="34" charset="0"/>
+                <a:ea typeface="Verdana" pitchFamily="34" charset="0"/>
+                <a:cs typeface="Verdana" pitchFamily="34" charset="0"/>
+              </a:defRPr>
+            </a:lvl1pPr>
+          </a:lstStyle>
           <a:p>
             <a:pPr algn="ctr"/>
             <a:r>
               <a:rPr lang="pt-BR" sz="4400" b="1" dirty="0" smtClean="0"/>
-              <a:t>Plano de testes</a:t>
+              <a:t>Plano de Testes</a:t>
             </a:r>
             <a:endParaRPr lang="pt-BR" sz="4400" b="1" dirty="0"/>
           </a:p>
@@ -8396,7 +11460,7 @@
     </p:spTree>
     <p:extLst>
       <p:ext uri="{BB962C8B-B14F-4D97-AF65-F5344CB8AC3E}">
-        <p14:creationId xmlns:p14="http://schemas.microsoft.com/office/powerpoint/2010/main" xmlns="" val="1673295198"/>
+        <p14:creationId xmlns:p14="http://schemas.microsoft.com/office/powerpoint/2010/main" val="1673295198"/>
       </p:ext>
     </p:extLst>
   </p:cSld>
@@ -8432,59 +11496,279 @@
       </p:grpSpPr>
       <p:sp>
         <p:nvSpPr>
-          <p:cNvPr id="2" name="Título 1"/>
-          <p:cNvSpPr>
-            <a:spLocks noGrp="1"/>
+          <p:cNvPr id="8" name="Título 1"/>
+          <p:cNvSpPr txBox="1">
+            <a:spLocks/>
           </p:cNvSpPr>
-          <p:nvPr>
-            <p:ph type="title"/>
-          </p:nvPr>
+          <p:nvPr/>
         </p:nvSpPr>
-        <p:spPr/>
+        <p:spPr>
+          <a:xfrm>
+            <a:off x="166688" y="260350"/>
+            <a:ext cx="8797925" cy="922338"/>
+          </a:xfrm>
+          <a:prstGeom prst="rect">
+            <a:avLst/>
+          </a:prstGeom>
+        </p:spPr>
         <p:txBody>
           <a:bodyPr/>
-          <a:lstStyle/>
+          <a:lstStyle>
+            <a:lvl1pPr algn="ctr" defTabSz="914400" rtl="0" eaLnBrk="1" latinLnBrk="0" hangingPunct="1">
+              <a:spcBef>
+                <a:spcPct val="0"/>
+              </a:spcBef>
+              <a:buNone/>
+              <a:defRPr sz="4400" kern="1200">
+                <a:solidFill>
+                  <a:schemeClr val="tx1"/>
+                </a:solidFill>
+                <a:latin typeface="Verdana" pitchFamily="34" charset="0"/>
+                <a:ea typeface="Verdana" pitchFamily="34" charset="0"/>
+                <a:cs typeface="Verdana" pitchFamily="34" charset="0"/>
+              </a:defRPr>
+            </a:lvl1pPr>
+          </a:lstStyle>
           <a:p>
             <a:r>
               <a:rPr lang="pt-BR" dirty="0" smtClean="0"/>
-              <a:t>	Sistema</a:t>
+              <a:t>	</a:t>
             </a:r>
-            <a:endParaRPr lang="pt-BR" dirty="0"/>
+            <a:r>
+              <a:rPr lang="pt-BR" b="1" dirty="0" smtClean="0"/>
+              <a:t>Sistema</a:t>
+            </a:r>
+            <a:endParaRPr lang="pt-BR" b="1" dirty="0"/>
           </a:p>
         </p:txBody>
       </p:sp>
       <p:sp>
         <p:nvSpPr>
-          <p:cNvPr id="3" name="Espaço Reservado para Conteúdo 2"/>
-          <p:cNvSpPr>
-            <a:spLocks noGrp="1"/>
+          <p:cNvPr id="9" name="Espaço Reservado para Conteúdo 2"/>
+          <p:cNvSpPr txBox="1">
+            <a:spLocks/>
           </p:cNvSpPr>
-          <p:nvPr>
-            <p:ph idx="1"/>
-          </p:nvPr>
+          <p:nvPr/>
         </p:nvSpPr>
         <p:spPr>
           <a:xfrm>
-            <a:off x="179512" y="2060848"/>
-            <a:ext cx="8785225" cy="3096344"/>
+            <a:off x="179512" y="1412776"/>
+            <a:ext cx="8785225" cy="4824536"/>
           </a:xfrm>
+          <a:prstGeom prst="rect">
+            <a:avLst/>
+          </a:prstGeom>
         </p:spPr>
         <p:txBody>
           <a:bodyPr/>
-          <a:lstStyle/>
+          <a:lstStyle>
+            <a:lvl1pPr marL="342900" indent="-342900" algn="l" defTabSz="914400" rtl="0" eaLnBrk="1" latinLnBrk="0" hangingPunct="1">
+              <a:spcBef>
+                <a:spcPct val="20000"/>
+              </a:spcBef>
+              <a:buFont typeface="Arial" pitchFamily="34" charset="0"/>
+              <a:buChar char="•"/>
+              <a:defRPr sz="3200" kern="1200">
+                <a:solidFill>
+                  <a:schemeClr val="tx1"/>
+                </a:solidFill>
+                <a:latin typeface="+mn-lt"/>
+                <a:ea typeface="+mn-ea"/>
+                <a:cs typeface="+mn-cs"/>
+              </a:defRPr>
+            </a:lvl1pPr>
+            <a:lvl2pPr marL="742950" indent="-285750" algn="l" defTabSz="914400" rtl="0" eaLnBrk="1" latinLnBrk="0" hangingPunct="1">
+              <a:spcBef>
+                <a:spcPct val="20000"/>
+              </a:spcBef>
+              <a:buFont typeface="Arial" pitchFamily="34" charset="0"/>
+              <a:buChar char="–"/>
+              <a:defRPr sz="2800" kern="1200">
+                <a:solidFill>
+                  <a:schemeClr val="tx1"/>
+                </a:solidFill>
+                <a:latin typeface="+mn-lt"/>
+                <a:ea typeface="+mn-ea"/>
+                <a:cs typeface="+mn-cs"/>
+              </a:defRPr>
+            </a:lvl2pPr>
+            <a:lvl3pPr marL="1143000" indent="-228600" algn="l" defTabSz="914400" rtl="0" eaLnBrk="1" latinLnBrk="0" hangingPunct="1">
+              <a:spcBef>
+                <a:spcPct val="20000"/>
+              </a:spcBef>
+              <a:buFont typeface="Arial" pitchFamily="34" charset="0"/>
+              <a:buChar char="•"/>
+              <a:defRPr sz="2400" kern="1200">
+                <a:solidFill>
+                  <a:schemeClr val="tx1"/>
+                </a:solidFill>
+                <a:latin typeface="+mn-lt"/>
+                <a:ea typeface="+mn-ea"/>
+                <a:cs typeface="+mn-cs"/>
+              </a:defRPr>
+            </a:lvl3pPr>
+            <a:lvl4pPr marL="1600200" indent="-228600" algn="l" defTabSz="914400" rtl="0" eaLnBrk="1" latinLnBrk="0" hangingPunct="1">
+              <a:spcBef>
+                <a:spcPct val="20000"/>
+              </a:spcBef>
+              <a:buFont typeface="Arial" pitchFamily="34" charset="0"/>
+              <a:buChar char="–"/>
+              <a:defRPr sz="2000" kern="1200">
+                <a:solidFill>
+                  <a:schemeClr val="tx1"/>
+                </a:solidFill>
+                <a:latin typeface="+mn-lt"/>
+                <a:ea typeface="+mn-ea"/>
+                <a:cs typeface="+mn-cs"/>
+              </a:defRPr>
+            </a:lvl4pPr>
+            <a:lvl5pPr marL="2057400" indent="-228600" algn="l" defTabSz="914400" rtl="0" eaLnBrk="1" latinLnBrk="0" hangingPunct="1">
+              <a:spcBef>
+                <a:spcPct val="20000"/>
+              </a:spcBef>
+              <a:buFont typeface="Arial" pitchFamily="34" charset="0"/>
+              <a:buChar char="»"/>
+              <a:defRPr sz="2000" kern="1200">
+                <a:solidFill>
+                  <a:schemeClr val="tx1"/>
+                </a:solidFill>
+                <a:latin typeface="+mn-lt"/>
+                <a:ea typeface="+mn-ea"/>
+                <a:cs typeface="+mn-cs"/>
+              </a:defRPr>
+            </a:lvl5pPr>
+            <a:lvl6pPr marL="2514600" indent="-228600" algn="l" defTabSz="914400" rtl="0" eaLnBrk="1" latinLnBrk="0" hangingPunct="1">
+              <a:spcBef>
+                <a:spcPct val="20000"/>
+              </a:spcBef>
+              <a:buFont typeface="Arial" pitchFamily="34" charset="0"/>
+              <a:buChar char="•"/>
+              <a:defRPr sz="2000" kern="1200">
+                <a:solidFill>
+                  <a:schemeClr val="tx1"/>
+                </a:solidFill>
+                <a:latin typeface="+mn-lt"/>
+                <a:ea typeface="+mn-ea"/>
+                <a:cs typeface="+mn-cs"/>
+              </a:defRPr>
+            </a:lvl6pPr>
+            <a:lvl7pPr marL="2971800" indent="-228600" algn="l" defTabSz="914400" rtl="0" eaLnBrk="1" latinLnBrk="0" hangingPunct="1">
+              <a:spcBef>
+                <a:spcPct val="20000"/>
+              </a:spcBef>
+              <a:buFont typeface="Arial" pitchFamily="34" charset="0"/>
+              <a:buChar char="•"/>
+              <a:defRPr sz="2000" kern="1200">
+                <a:solidFill>
+                  <a:schemeClr val="tx1"/>
+                </a:solidFill>
+                <a:latin typeface="+mn-lt"/>
+                <a:ea typeface="+mn-ea"/>
+                <a:cs typeface="+mn-cs"/>
+              </a:defRPr>
+            </a:lvl7pPr>
+            <a:lvl8pPr marL="3429000" indent="-228600" algn="l" defTabSz="914400" rtl="0" eaLnBrk="1" latinLnBrk="0" hangingPunct="1">
+              <a:spcBef>
+                <a:spcPct val="20000"/>
+              </a:spcBef>
+              <a:buFont typeface="Arial" pitchFamily="34" charset="0"/>
+              <a:buChar char="•"/>
+              <a:defRPr sz="2000" kern="1200">
+                <a:solidFill>
+                  <a:schemeClr val="tx1"/>
+                </a:solidFill>
+                <a:latin typeface="+mn-lt"/>
+                <a:ea typeface="+mn-ea"/>
+                <a:cs typeface="+mn-cs"/>
+              </a:defRPr>
+            </a:lvl8pPr>
+            <a:lvl9pPr marL="3886200" indent="-228600" algn="l" defTabSz="914400" rtl="0" eaLnBrk="1" latinLnBrk="0" hangingPunct="1">
+              <a:spcBef>
+                <a:spcPct val="20000"/>
+              </a:spcBef>
+              <a:buFont typeface="Arial" pitchFamily="34" charset="0"/>
+              <a:buChar char="•"/>
+              <a:defRPr sz="2000" kern="1200">
+                <a:solidFill>
+                  <a:schemeClr val="tx1"/>
+                </a:solidFill>
+                <a:latin typeface="+mn-lt"/>
+                <a:ea typeface="+mn-ea"/>
+                <a:cs typeface="+mn-cs"/>
+              </a:defRPr>
+            </a:lvl9pPr>
+          </a:lstStyle>
           <a:p>
             <a:pPr algn="just"/>
             <a:r>
-              <a:rPr lang="pt-BR" dirty="0"/>
-              <a:t>	O produto a ser testado é um sistema de gerenciamento de informações e atividades de uma clínica psicológica NR Avaliações Psicológicas, tais como: cadastro de empresas/convênios, cadastro de pacientes, controle de agenda, controle financeiro e emissão de relatórios.</a:t>
+              <a:rPr lang="pt-BR" sz="2000" smtClean="0"/>
+              <a:t> O produto a ser testado é um sistema de gerenciamento de informações e atividades de uma clínica psicológica, a NR Avaliações Psicológicas, contemplando funcionalidades como: </a:t>
             </a:r>
+          </a:p>
+          <a:p>
+            <a:pPr marL="0" indent="0" algn="just">
+              <a:buFont typeface="Arial" pitchFamily="34" charset="0"/>
+              <a:buNone/>
+            </a:pPr>
+            <a:endParaRPr lang="pt-BR" sz="2000" smtClean="0"/>
+          </a:p>
+          <a:p>
+            <a:pPr lvl="3" algn="just">
+              <a:buFont typeface="Arial" pitchFamily="34" charset="0"/>
+              <a:buChar char="•"/>
+            </a:pPr>
+            <a:r>
+              <a:rPr lang="pt-BR" smtClean="0"/>
+              <a:t>Cadastro de empresas/convênios; </a:t>
+            </a:r>
+          </a:p>
+          <a:p>
+            <a:pPr lvl="3" algn="just">
+              <a:buFont typeface="Arial" pitchFamily="34" charset="0"/>
+              <a:buChar char="•"/>
+            </a:pPr>
+            <a:r>
+              <a:rPr lang="pt-BR" smtClean="0"/>
+              <a:t>Cadastro de pacientes; </a:t>
+            </a:r>
+          </a:p>
+          <a:p>
+            <a:pPr lvl="3" algn="just">
+              <a:buFont typeface="Arial" pitchFamily="34" charset="0"/>
+              <a:buChar char="•"/>
+            </a:pPr>
+            <a:r>
+              <a:rPr lang="pt-BR" smtClean="0"/>
+              <a:t>Controle de agenda; </a:t>
+            </a:r>
+          </a:p>
+          <a:p>
+            <a:pPr lvl="3" algn="just">
+              <a:buFont typeface="Arial" pitchFamily="34" charset="0"/>
+              <a:buChar char="•"/>
+            </a:pPr>
+            <a:r>
+              <a:rPr lang="pt-BR" smtClean="0"/>
+              <a:t>Controle financeiro; </a:t>
+            </a:r>
+          </a:p>
+          <a:p>
+            <a:pPr lvl="3" algn="just">
+              <a:buFont typeface="Arial" pitchFamily="34" charset="0"/>
+              <a:buChar char="•"/>
+            </a:pPr>
+            <a:r>
+              <a:rPr lang="pt-BR" smtClean="0"/>
+              <a:t>Emissão de relatórios.</a:t>
+            </a:r>
+            <a:endParaRPr lang="pt-BR" dirty="0"/>
           </a:p>
         </p:txBody>
       </p:sp>
     </p:spTree>
     <p:extLst>
       <p:ext uri="{BB962C8B-B14F-4D97-AF65-F5344CB8AC3E}">
-        <p14:creationId xmlns:p14="http://schemas.microsoft.com/office/powerpoint/2010/main" xmlns="" val="660323680"/>
+        <p14:creationId xmlns:p14="http://schemas.microsoft.com/office/powerpoint/2010/main" val="660323680"/>
       </p:ext>
     </p:extLst>
   </p:cSld>
@@ -8520,74 +11804,243 @@
       </p:grpSpPr>
       <p:sp>
         <p:nvSpPr>
-          <p:cNvPr id="2" name="Título 1"/>
-          <p:cNvSpPr>
-            <a:spLocks noGrp="1"/>
+          <p:cNvPr id="10" name="Título 1"/>
+          <p:cNvSpPr txBox="1">
+            <a:spLocks/>
           </p:cNvSpPr>
-          <p:nvPr>
-            <p:ph type="title"/>
-          </p:nvPr>
+          <p:nvPr/>
         </p:nvSpPr>
-        <p:spPr/>
+        <p:spPr>
+          <a:xfrm>
+            <a:off x="166688" y="260350"/>
+            <a:ext cx="8797925" cy="922338"/>
+          </a:xfrm>
+          <a:prstGeom prst="rect">
+            <a:avLst/>
+          </a:prstGeom>
+        </p:spPr>
         <p:txBody>
           <a:bodyPr/>
-          <a:lstStyle/>
+          <a:lstStyle>
+            <a:lvl1pPr algn="r" defTabSz="914400" rtl="0" eaLnBrk="1" latinLnBrk="0" hangingPunct="1">
+              <a:spcBef>
+                <a:spcPct val="0"/>
+              </a:spcBef>
+              <a:buNone/>
+              <a:defRPr sz="2800" kern="1200">
+                <a:solidFill>
+                  <a:schemeClr val="tx1"/>
+                </a:solidFill>
+                <a:latin typeface="Verdana" pitchFamily="34" charset="0"/>
+                <a:ea typeface="Verdana" pitchFamily="34" charset="0"/>
+                <a:cs typeface="Verdana" pitchFamily="34" charset="0"/>
+              </a:defRPr>
+            </a:lvl1pPr>
+          </a:lstStyle>
           <a:p>
             <a:r>
-              <a:rPr lang="pt-BR" dirty="0" smtClean="0"/>
+              <a:rPr lang="pt-BR" b="1" smtClean="0"/>
               <a:t>Escopo</a:t>
             </a:r>
-            <a:endParaRPr lang="pt-BR" dirty="0"/>
+            <a:endParaRPr lang="pt-BR" b="1" dirty="0"/>
           </a:p>
         </p:txBody>
       </p:sp>
       <p:sp>
         <p:nvSpPr>
-          <p:cNvPr id="3" name="Espaço Reservado para Conteúdo 2"/>
-          <p:cNvSpPr>
-            <a:spLocks noGrp="1"/>
+          <p:cNvPr id="11" name="Espaço Reservado para Conteúdo 2"/>
+          <p:cNvSpPr txBox="1">
+            <a:spLocks/>
           </p:cNvSpPr>
-          <p:nvPr>
-            <p:ph idx="1"/>
-          </p:nvPr>
+          <p:nvPr/>
         </p:nvSpPr>
         <p:spPr>
           <a:xfrm>
             <a:off x="251520" y="1268760"/>
             <a:ext cx="8785225" cy="4823395"/>
           </a:xfrm>
+          <a:prstGeom prst="rect">
+            <a:avLst/>
+          </a:prstGeom>
         </p:spPr>
         <p:txBody>
           <a:bodyPr/>
-          <a:lstStyle/>
+          <a:lstStyle>
+            <a:lvl1pPr marL="342900" indent="-342900" algn="l" defTabSz="914400" rtl="0" eaLnBrk="1" latinLnBrk="0" hangingPunct="1">
+              <a:spcBef>
+                <a:spcPct val="20000"/>
+              </a:spcBef>
+              <a:buFont typeface="Arial" pitchFamily="34" charset="0"/>
+              <a:buChar char="•"/>
+              <a:defRPr sz="2400" kern="1200">
+                <a:solidFill>
+                  <a:schemeClr val="tx1"/>
+                </a:solidFill>
+                <a:latin typeface="+mn-lt"/>
+                <a:ea typeface="+mn-ea"/>
+                <a:cs typeface="+mn-cs"/>
+              </a:defRPr>
+            </a:lvl1pPr>
+            <a:lvl2pPr marL="742950" indent="-285750" algn="l" defTabSz="914400" rtl="0" eaLnBrk="1" latinLnBrk="0" hangingPunct="1">
+              <a:spcBef>
+                <a:spcPct val="20000"/>
+              </a:spcBef>
+              <a:buFont typeface="Arial" pitchFamily="34" charset="0"/>
+              <a:buChar char="–"/>
+              <a:defRPr sz="2000" kern="1200">
+                <a:solidFill>
+                  <a:schemeClr val="tx1"/>
+                </a:solidFill>
+                <a:latin typeface="+mn-lt"/>
+                <a:ea typeface="+mn-ea"/>
+                <a:cs typeface="+mn-cs"/>
+              </a:defRPr>
+            </a:lvl2pPr>
+            <a:lvl3pPr marL="1143000" indent="-228600" algn="l" defTabSz="914400" rtl="0" eaLnBrk="1" latinLnBrk="0" hangingPunct="1">
+              <a:spcBef>
+                <a:spcPct val="20000"/>
+              </a:spcBef>
+              <a:buFont typeface="Arial" pitchFamily="34" charset="0"/>
+              <a:buChar char="•"/>
+              <a:defRPr sz="1800" kern="1200">
+                <a:solidFill>
+                  <a:schemeClr val="tx1"/>
+                </a:solidFill>
+                <a:latin typeface="+mn-lt"/>
+                <a:ea typeface="+mn-ea"/>
+                <a:cs typeface="+mn-cs"/>
+              </a:defRPr>
+            </a:lvl3pPr>
+            <a:lvl4pPr marL="1600200" indent="-228600" algn="l" defTabSz="914400" rtl="0" eaLnBrk="1" latinLnBrk="0" hangingPunct="1">
+              <a:spcBef>
+                <a:spcPct val="20000"/>
+              </a:spcBef>
+              <a:buFont typeface="Arial" pitchFamily="34" charset="0"/>
+              <a:buChar char="–"/>
+              <a:defRPr sz="1600" kern="1200">
+                <a:solidFill>
+                  <a:schemeClr val="tx1"/>
+                </a:solidFill>
+                <a:latin typeface="+mn-lt"/>
+                <a:ea typeface="+mn-ea"/>
+                <a:cs typeface="+mn-cs"/>
+              </a:defRPr>
+            </a:lvl4pPr>
+            <a:lvl5pPr marL="2057400" indent="-228600" algn="l" defTabSz="914400" rtl="0" eaLnBrk="1" latinLnBrk="0" hangingPunct="1">
+              <a:spcBef>
+                <a:spcPct val="20000"/>
+              </a:spcBef>
+              <a:buFont typeface="Arial" pitchFamily="34" charset="0"/>
+              <a:buChar char="»"/>
+              <a:defRPr sz="1600" kern="1200">
+                <a:solidFill>
+                  <a:schemeClr val="tx1"/>
+                </a:solidFill>
+                <a:latin typeface="+mn-lt"/>
+                <a:ea typeface="+mn-ea"/>
+                <a:cs typeface="+mn-cs"/>
+              </a:defRPr>
+            </a:lvl5pPr>
+            <a:lvl6pPr marL="2514600" indent="-228600" algn="l" defTabSz="914400" rtl="0" eaLnBrk="1" latinLnBrk="0" hangingPunct="1">
+              <a:spcBef>
+                <a:spcPct val="20000"/>
+              </a:spcBef>
+              <a:buFont typeface="Arial" pitchFamily="34" charset="0"/>
+              <a:buChar char="•"/>
+              <a:defRPr sz="2000" kern="1200">
+                <a:solidFill>
+                  <a:schemeClr val="tx1"/>
+                </a:solidFill>
+                <a:latin typeface="+mn-lt"/>
+                <a:ea typeface="+mn-ea"/>
+                <a:cs typeface="+mn-cs"/>
+              </a:defRPr>
+            </a:lvl6pPr>
+            <a:lvl7pPr marL="2971800" indent="-228600" algn="l" defTabSz="914400" rtl="0" eaLnBrk="1" latinLnBrk="0" hangingPunct="1">
+              <a:spcBef>
+                <a:spcPct val="20000"/>
+              </a:spcBef>
+              <a:buFont typeface="Arial" pitchFamily="34" charset="0"/>
+              <a:buChar char="•"/>
+              <a:defRPr sz="2000" kern="1200">
+                <a:solidFill>
+                  <a:schemeClr val="tx1"/>
+                </a:solidFill>
+                <a:latin typeface="+mn-lt"/>
+                <a:ea typeface="+mn-ea"/>
+                <a:cs typeface="+mn-cs"/>
+              </a:defRPr>
+            </a:lvl7pPr>
+            <a:lvl8pPr marL="3429000" indent="-228600" algn="l" defTabSz="914400" rtl="0" eaLnBrk="1" latinLnBrk="0" hangingPunct="1">
+              <a:spcBef>
+                <a:spcPct val="20000"/>
+              </a:spcBef>
+              <a:buFont typeface="Arial" pitchFamily="34" charset="0"/>
+              <a:buChar char="•"/>
+              <a:defRPr sz="2000" kern="1200">
+                <a:solidFill>
+                  <a:schemeClr val="tx1"/>
+                </a:solidFill>
+                <a:latin typeface="+mn-lt"/>
+                <a:ea typeface="+mn-ea"/>
+                <a:cs typeface="+mn-cs"/>
+              </a:defRPr>
+            </a:lvl8pPr>
+            <a:lvl9pPr marL="3886200" indent="-228600" algn="l" defTabSz="914400" rtl="0" eaLnBrk="1" latinLnBrk="0" hangingPunct="1">
+              <a:spcBef>
+                <a:spcPct val="20000"/>
+              </a:spcBef>
+              <a:buFont typeface="Arial" pitchFamily="34" charset="0"/>
+              <a:buChar char="•"/>
+              <a:defRPr sz="2000" kern="1200">
+                <a:solidFill>
+                  <a:schemeClr val="tx1"/>
+                </a:solidFill>
+                <a:latin typeface="+mn-lt"/>
+                <a:ea typeface="+mn-ea"/>
+                <a:cs typeface="+mn-cs"/>
+              </a:defRPr>
+            </a:lvl9pPr>
+          </a:lstStyle>
           <a:p>
             <a:r>
-              <a:rPr lang="pt-BR" dirty="0" smtClean="0"/>
-              <a:t>Os </a:t>
-            </a:r>
-            <a:r>
-              <a:rPr lang="pt-BR" dirty="0"/>
-              <a:t>testes serão realizados em iterações e seu objetivo é avaliar a qualidade do produto desenvolvido utilizando boas práticas da área de qualidade e teste, cobertura de  casos de testes por requisitos e quantidade de bugs encontrados.</a:t>
+              <a:rPr lang="pt-BR" sz="2000" dirty="0" smtClean="0"/>
+              <a:t>Os testes serão realizados em iterações e seu objetivo é avaliar a qualidade do produto desenvolvido utilizando boas práticas da área de qualidade e teste, com cobertura de  casos de testes por requisitos e mensurar a quantidade de bugs encontrados.</a:t>
             </a:r>
           </a:p>
           <a:p>
+            <a:pPr marL="0" indent="0">
+              <a:buFont typeface="Arial" pitchFamily="34" charset="0"/>
+              <a:buNone/>
+            </a:pPr>
+            <a:endParaRPr lang="pt-BR" dirty="0" smtClean="0"/>
+          </a:p>
+          <a:p>
             <a:r>
-              <a:rPr lang="pt-BR" dirty="0"/>
+              <a:rPr lang="pt-BR" sz="2000" dirty="0" smtClean="0"/>
               <a:t>O método de desenvolvimento do projeto NR Avaliações Psicológicas é iterativo, e os testes devem ser realizados dentro destas interações.</a:t>
             </a:r>
           </a:p>
           <a:p>
+            <a:pPr marL="0" indent="0">
+              <a:buFont typeface="Arial" pitchFamily="34" charset="0"/>
+              <a:buNone/>
+            </a:pPr>
+            <a:endParaRPr lang="pt-BR" sz="2000" dirty="0" smtClean="0"/>
+          </a:p>
+          <a:p>
             <a:r>
-              <a:rPr lang="pt-BR" dirty="0"/>
+              <a:rPr lang="pt-BR" sz="2000" dirty="0" smtClean="0"/>
               <a:t>Serão realizadas seis (6) iterações e em cada uma delas haverá uma suíte de testes, contendo todos os cenários e casos de testes a serem executados dentro de um roteiro. Após a finalização de todas as iterações, será realizado um teste de integração dos componentes desenvolvidos para avaliar a qualidade do produto de forma integrada. Devem ser previstos testes de integrações parciais entre os componentes desenvolvidos a cada iteração.</a:t>
             </a:r>
+            <a:endParaRPr lang="pt-BR" sz="2000" dirty="0"/>
           </a:p>
         </p:txBody>
       </p:sp>
     </p:spTree>
     <p:extLst>
       <p:ext uri="{BB962C8B-B14F-4D97-AF65-F5344CB8AC3E}">
-        <p14:creationId xmlns:p14="http://schemas.microsoft.com/office/powerpoint/2010/main" xmlns="" val="3037708794"/>
+        <p14:creationId xmlns:p14="http://schemas.microsoft.com/office/powerpoint/2010/main" val="3037708794"/>
       </p:ext>
     </p:extLst>
   </p:cSld>
@@ -8637,10 +12090,10 @@
           <a:lstStyle/>
           <a:p>
             <a:r>
-              <a:rPr lang="pt-BR" dirty="0" smtClean="0"/>
+              <a:rPr lang="pt-BR" b="1" dirty="0" smtClean="0"/>
               <a:t>Estratégia</a:t>
             </a:r>
-            <a:endParaRPr lang="pt-BR" dirty="0"/>
+            <a:endParaRPr lang="pt-BR" b="1" dirty="0"/>
           </a:p>
         </p:txBody>
       </p:sp>
@@ -8656,7 +12109,7 @@
         </p:nvSpPr>
         <p:spPr>
           <a:xfrm>
-            <a:off x="179388" y="1340768"/>
+            <a:off x="166688" y="1700808"/>
             <a:ext cx="8785225" cy="4968552"/>
           </a:xfrm>
         </p:spPr>
@@ -8665,35 +12118,63 @@
           <a:lstStyle/>
           <a:p>
             <a:r>
-              <a:rPr lang="pt-BR" dirty="0" smtClean="0"/>
+              <a:rPr lang="pt-BR" sz="2000" b="1" dirty="0" smtClean="0"/>
               <a:t>Analítica</a:t>
             </a:r>
             <a:r>
-              <a:rPr lang="pt-BR" dirty="0"/>
-              <a:t>: Testes direcionados às “áreas” do software que contém mais riscos, ou seja, as funcionalidades primordiais para o funcionamento do sistema.</a:t>
+              <a:rPr lang="pt-BR" sz="2000" b="1" dirty="0"/>
+              <a:t>:</a:t>
+            </a:r>
+            <a:r>
+              <a:rPr lang="pt-BR" sz="2000" dirty="0"/>
+              <a:t> Testes direcionados às “áreas” do software que contém mais riscos, ou seja, as funcionalidades primordiais para o funcionamento do sistema</a:t>
+            </a:r>
+            <a:r>
+              <a:rPr lang="pt-BR" sz="2000" dirty="0" smtClean="0"/>
+              <a:t>.</a:t>
             </a:r>
           </a:p>
           <a:p>
+            <a:pPr marL="0" indent="0">
+              <a:buNone/>
+            </a:pPr>
+            <a:endParaRPr lang="pt-BR" sz="2000" dirty="0"/>
+          </a:p>
+          <a:p>
             <a:r>
-              <a:rPr lang="pt-BR" dirty="0" smtClean="0"/>
+              <a:rPr lang="pt-BR" sz="2000" b="1" dirty="0" smtClean="0"/>
               <a:t>Metódica</a:t>
             </a:r>
             <a:r>
-              <a:rPr lang="pt-BR" dirty="0"/>
-              <a:t>: Testes baseados em falhas, </a:t>
+              <a:rPr lang="pt-BR" sz="2000" b="1" dirty="0"/>
+              <a:t>: </a:t>
             </a:r>
             <a:r>
-              <a:rPr lang="pt-BR" dirty="0" err="1"/>
+              <a:rPr lang="pt-BR" sz="2000" dirty="0"/>
+              <a:t>Testes baseados em falhas, </a:t>
+            </a:r>
+            <a:r>
+              <a:rPr lang="pt-BR" sz="2000" dirty="0" err="1"/>
               <a:t>check-list</a:t>
             </a:r>
             <a:r>
-              <a:rPr lang="pt-BR" dirty="0"/>
-              <a:t> e características de qualidade.</a:t>
+              <a:rPr lang="pt-BR" sz="2000" dirty="0"/>
+              <a:t> e características de qualidade</a:t>
+            </a:r>
+            <a:r>
+              <a:rPr lang="pt-BR" sz="2000" dirty="0" smtClean="0"/>
+              <a:t>.</a:t>
             </a:r>
           </a:p>
           <a:p>
+            <a:pPr marL="0" indent="0">
+              <a:buNone/>
+            </a:pPr>
+            <a:endParaRPr lang="pt-BR" sz="2000" dirty="0"/>
+          </a:p>
+          <a:p>
             <a:r>
-              <a:rPr lang="pt-BR" dirty="0" smtClean="0"/>
+              <a:rPr lang="pt-BR" sz="2000" dirty="0" smtClean="0"/>
               <a:t>Qualquer discrepância encontrada deve ser reportada o mais breve possível pela equipe de teste através de evidências para o devido tratamento pela equipe de desenvolvimento, sendo que se ultrapassado o número de três (3) casos de testes falhos críticos por iteração, os testes do ciclo serão interrompidos e não será aprovado para validação e integração.</a:t>
             </a:r>
           </a:p>
@@ -8705,7 +12186,7 @@
     </p:spTree>
     <p:extLst>
       <p:ext uri="{BB962C8B-B14F-4D97-AF65-F5344CB8AC3E}">
-        <p14:creationId xmlns:p14="http://schemas.microsoft.com/office/powerpoint/2010/main" xmlns="" val="2293345811"/>
+        <p14:creationId xmlns:p14="http://schemas.microsoft.com/office/powerpoint/2010/main" val="1412825067"/>
       </p:ext>
     </p:extLst>
   </p:cSld>
@@ -8755,9 +12236,10 @@
           <a:lstStyle/>
           <a:p>
             <a:r>
-              <a:rPr lang="pt-BR" dirty="0"/>
-              <a:t>Estratégia</a:t>
+              <a:rPr lang="pt-BR" b="1" dirty="0" smtClean="0"/>
+              <a:t>Estratégia cont.</a:t>
             </a:r>
+            <a:endParaRPr lang="pt-BR" b="1" dirty="0"/>
           </a:p>
         </p:txBody>
       </p:sp>
@@ -8769,11 +12251,7 @@
           </p:cNvGraphicFramePr>
           <p:nvPr>
             <p:ph idx="1"/>
-            <p:extLst>
-              <p:ext uri="{D42A27DB-BD31-4B8C-83A1-F6EECF244321}">
-                <p14:modId xmlns:p14="http://schemas.microsoft.com/office/powerpoint/2010/main" xmlns="" val="3703342790"/>
-              </p:ext>
-            </p:extLst>
+            <p:extLst/>
           </p:nvPr>
         </p:nvGraphicFramePr>
         <p:xfrm>
@@ -8784,7 +12262,7 @@
           <a:graphicData uri="http://schemas.openxmlformats.org/drawingml/2006/table">
             <a:tbl>
               <a:tblPr bandRow="1">
-                <a:tableStyleId>{5C22544A-7EE6-4342-B048-85BDC9FD1C3A}</a:tableStyleId>
+                <a:tableStyleId>{793D81CF-94F2-401A-BA57-92F5A7B2D0C5}</a:tableStyleId>
               </a:tblPr>
               <a:tblGrid>
                 <a:gridCol w="2624088"/>
@@ -8796,7 +12274,7 @@
                     <a:bodyPr/>
                     <a:lstStyle/>
                     <a:p>
-                      <a:pPr marL="63500" algn="just">
+                      <a:pPr marL="63500" algn="ctr">
                         <a:lnSpc>
                           <a:spcPct val="107000"/>
                         </a:lnSpc>
@@ -8805,12 +12283,24 @@
                         </a:spcAft>
                       </a:pPr>
                       <a:r>
-                        <a:rPr lang="pt-BR" sz="1800" dirty="0">
-                          <a:effectLst/>
-                        </a:rPr>
-                        <a:t>         Severidade de bugs</a:t>
-                      </a:r>
-                      <a:endParaRPr lang="pt-BR" sz="1800" dirty="0">
+                        <a:rPr lang="pt-BR" sz="1800" b="1" dirty="0">
+                          <a:effectLst/>
+                        </a:rPr>
+                        <a:t> </a:t>
+                      </a:r>
+                      <a:r>
+                        <a:rPr lang="pt-BR" sz="1800" b="1" dirty="0" smtClean="0">
+                          <a:effectLst/>
+                        </a:rPr>
+                        <a:t>Severidade </a:t>
+                      </a:r>
+                      <a:r>
+                        <a:rPr lang="pt-BR" sz="1800" b="1" dirty="0">
+                          <a:effectLst/>
+                        </a:rPr>
+                        <a:t>de bugs</a:t>
+                      </a:r>
+                      <a:endParaRPr lang="pt-BR" sz="1800" b="1" dirty="0">
                         <a:solidFill>
                           <a:srgbClr val="000000"/>
                         </a:solidFill>
@@ -8821,7 +12311,190 @@
                       </a:endParaRPr>
                     </a:p>
                   </a:txBody>
-                  <a:tcPr marL="66675" marR="66675" marT="66675" marB="66675"/>
+                  <a:tcPr marL="66675" marR="66675" marT="66675" marB="66675">
+                    <a:lnL w="12700" cap="flat" cmpd="sng" algn="ctr">
+                      <a:solidFill>
+                        <a:schemeClr val="tx1"/>
+                      </a:solidFill>
+                      <a:prstDash val="solid"/>
+                      <a:round/>
+                      <a:headEnd type="none" w="med" len="med"/>
+                      <a:tailEnd type="none" w="med" len="med"/>
+                    </a:lnL>
+                    <a:lnR w="12700" cap="flat" cmpd="sng" algn="ctr">
+                      <a:solidFill>
+                        <a:schemeClr val="tx1"/>
+                      </a:solidFill>
+                      <a:prstDash val="solid"/>
+                      <a:round/>
+                      <a:headEnd type="none" w="med" len="med"/>
+                      <a:tailEnd type="none" w="med" len="med"/>
+                    </a:lnR>
+                    <a:lnT w="12700" cap="flat" cmpd="sng" algn="ctr">
+                      <a:solidFill>
+                        <a:schemeClr val="tx1"/>
+                      </a:solidFill>
+                      <a:prstDash val="solid"/>
+                      <a:round/>
+                      <a:headEnd type="none" w="med" len="med"/>
+                      <a:tailEnd type="none" w="med" len="med"/>
+                    </a:lnT>
+                    <a:lnB w="12700" cap="flat" cmpd="sng" algn="ctr">
+                      <a:solidFill>
+                        <a:schemeClr val="tx1"/>
+                      </a:solidFill>
+                      <a:prstDash val="solid"/>
+                      <a:round/>
+                      <a:headEnd type="none" w="med" len="med"/>
+                      <a:tailEnd type="none" w="med" len="med"/>
+                    </a:lnB>
+                  </a:tcPr>
+                </a:tc>
+                <a:tc>
+                  <a:txBody>
+                    <a:bodyPr/>
+                    <a:lstStyle/>
+                    <a:p>
+                      <a:pPr marL="63500" algn="ctr">
+                        <a:lnSpc>
+                          <a:spcPct val="107000"/>
+                        </a:lnSpc>
+                        <a:spcAft>
+                          <a:spcPts val="0"/>
+                        </a:spcAft>
+                      </a:pPr>
+                      <a:r>
+                        <a:rPr lang="pt-BR" sz="1800" dirty="0">
+                          <a:effectLst/>
+                        </a:rPr>
+                        <a:t> </a:t>
+                      </a:r>
+                      <a:r>
+                        <a:rPr lang="pt-BR" sz="1800" b="1" dirty="0" smtClean="0">
+                          <a:effectLst/>
+                        </a:rPr>
+                        <a:t>Classificação</a:t>
+                      </a:r>
+                      <a:endParaRPr lang="pt-BR" sz="1800" b="1" dirty="0">
+                        <a:solidFill>
+                          <a:srgbClr val="000000"/>
+                        </a:solidFill>
+                        <a:effectLst/>
+                        <a:latin typeface="Calibri"/>
+                        <a:ea typeface="Calibri"/>
+                        <a:cs typeface="Calibri"/>
+                      </a:endParaRPr>
+                    </a:p>
+                  </a:txBody>
+                  <a:tcPr marL="66675" marR="66675" marT="66675" marB="66675">
+                    <a:lnL w="12700" cap="flat" cmpd="sng" algn="ctr">
+                      <a:solidFill>
+                        <a:schemeClr val="tx1"/>
+                      </a:solidFill>
+                      <a:prstDash val="solid"/>
+                      <a:round/>
+                      <a:headEnd type="none" w="med" len="med"/>
+                      <a:tailEnd type="none" w="med" len="med"/>
+                    </a:lnL>
+                    <a:lnR w="12700" cap="flat" cmpd="sng" algn="ctr">
+                      <a:solidFill>
+                        <a:schemeClr val="tx1"/>
+                      </a:solidFill>
+                      <a:prstDash val="solid"/>
+                      <a:round/>
+                      <a:headEnd type="none" w="med" len="med"/>
+                      <a:tailEnd type="none" w="med" len="med"/>
+                    </a:lnR>
+                    <a:lnT w="12700" cap="flat" cmpd="sng" algn="ctr">
+                      <a:solidFill>
+                        <a:schemeClr val="tx1"/>
+                      </a:solidFill>
+                      <a:prstDash val="solid"/>
+                      <a:round/>
+                      <a:headEnd type="none" w="med" len="med"/>
+                      <a:tailEnd type="none" w="med" len="med"/>
+                    </a:lnT>
+                    <a:lnB w="12700" cap="flat" cmpd="sng" algn="ctr">
+                      <a:solidFill>
+                        <a:schemeClr val="tx1"/>
+                      </a:solidFill>
+                      <a:prstDash val="solid"/>
+                      <a:round/>
+                      <a:headEnd type="none" w="med" len="med"/>
+                      <a:tailEnd type="none" w="med" len="med"/>
+                    </a:lnB>
+                  </a:tcPr>
+                </a:tc>
+              </a:tr>
+              <a:tr h="855150">
+                <a:tc>
+                  <a:txBody>
+                    <a:bodyPr/>
+                    <a:lstStyle/>
+                    <a:p>
+                      <a:pPr marL="63500" algn="ctr">
+                        <a:lnSpc>
+                          <a:spcPct val="107000"/>
+                        </a:lnSpc>
+                        <a:spcAft>
+                          <a:spcPts val="0"/>
+                        </a:spcAft>
+                      </a:pPr>
+                      <a:r>
+                        <a:rPr lang="pt-BR" sz="1800">
+                          <a:effectLst/>
+                        </a:rPr>
+                        <a:t>1 - Alto</a:t>
+                      </a:r>
+                      <a:endParaRPr lang="pt-BR" sz="1800">
+                        <a:solidFill>
+                          <a:srgbClr val="000000"/>
+                        </a:solidFill>
+                        <a:effectLst/>
+                        <a:latin typeface="Calibri"/>
+                        <a:ea typeface="Calibri"/>
+                        <a:cs typeface="Calibri"/>
+                      </a:endParaRPr>
+                    </a:p>
+                  </a:txBody>
+                  <a:tcPr marL="66675" marR="66675" marT="66675" marB="66675">
+                    <a:lnL w="12700" cap="flat" cmpd="sng" algn="ctr">
+                      <a:solidFill>
+                        <a:schemeClr val="tx1"/>
+                      </a:solidFill>
+                      <a:prstDash val="solid"/>
+                      <a:round/>
+                      <a:headEnd type="none" w="med" len="med"/>
+                      <a:tailEnd type="none" w="med" len="med"/>
+                    </a:lnL>
+                    <a:lnR w="12700" cap="flat" cmpd="sng" algn="ctr">
+                      <a:solidFill>
+                        <a:schemeClr val="tx1"/>
+                      </a:solidFill>
+                      <a:prstDash val="solid"/>
+                      <a:round/>
+                      <a:headEnd type="none" w="med" len="med"/>
+                      <a:tailEnd type="none" w="med" len="med"/>
+                    </a:lnR>
+                    <a:lnT w="12700" cap="flat" cmpd="sng" algn="ctr">
+                      <a:solidFill>
+                        <a:schemeClr val="tx1"/>
+                      </a:solidFill>
+                      <a:prstDash val="solid"/>
+                      <a:round/>
+                      <a:headEnd type="none" w="med" len="med"/>
+                      <a:tailEnd type="none" w="med" len="med"/>
+                    </a:lnT>
+                    <a:lnB w="12700" cap="flat" cmpd="sng" algn="ctr">
+                      <a:solidFill>
+                        <a:schemeClr val="tx1"/>
+                      </a:solidFill>
+                      <a:prstDash val="solid"/>
+                      <a:round/>
+                      <a:headEnd type="none" w="med" len="med"/>
+                      <a:tailEnd type="none" w="med" len="med"/>
+                    </a:lnB>
+                  </a:tcPr>
                 </a:tc>
                 <a:tc>
                   <a:txBody>
@@ -8840,7 +12513,7 @@
                         <a:rPr lang="pt-BR" sz="1800" dirty="0">
                           <a:effectLst/>
                         </a:rPr>
-                        <a:t>                     Classificação</a:t>
+                        <a:t>Erros que impeçam a execução com êxito do componente da iteração.</a:t>
                       </a:r>
                       <a:endParaRPr lang="pt-BR" sz="1800" dirty="0">
                         <a:solidFill>
@@ -8853,7 +12526,44 @@
                       </a:endParaRPr>
                     </a:p>
                   </a:txBody>
-                  <a:tcPr marL="66675" marR="66675" marT="66675" marB="66675"/>
+                  <a:tcPr marL="66675" marR="66675" marT="66675" marB="66675">
+                    <a:lnL w="12700" cap="flat" cmpd="sng" algn="ctr">
+                      <a:solidFill>
+                        <a:schemeClr val="tx1"/>
+                      </a:solidFill>
+                      <a:prstDash val="solid"/>
+                      <a:round/>
+                      <a:headEnd type="none" w="med" len="med"/>
+                      <a:tailEnd type="none" w="med" len="med"/>
+                    </a:lnL>
+                    <a:lnR w="12700" cap="flat" cmpd="sng" algn="ctr">
+                      <a:solidFill>
+                        <a:schemeClr val="tx1"/>
+                      </a:solidFill>
+                      <a:prstDash val="solid"/>
+                      <a:round/>
+                      <a:headEnd type="none" w="med" len="med"/>
+                      <a:tailEnd type="none" w="med" len="med"/>
+                    </a:lnR>
+                    <a:lnT w="12700" cap="flat" cmpd="sng" algn="ctr">
+                      <a:solidFill>
+                        <a:schemeClr val="tx1"/>
+                      </a:solidFill>
+                      <a:prstDash val="solid"/>
+                      <a:round/>
+                      <a:headEnd type="none" w="med" len="med"/>
+                      <a:tailEnd type="none" w="med" len="med"/>
+                    </a:lnT>
+                    <a:lnB w="12700" cap="flat" cmpd="sng" algn="ctr">
+                      <a:solidFill>
+                        <a:schemeClr val="tx1"/>
+                      </a:solidFill>
+                      <a:prstDash val="solid"/>
+                      <a:round/>
+                      <a:headEnd type="none" w="med" len="med"/>
+                      <a:tailEnd type="none" w="med" len="med"/>
+                    </a:lnB>
+                  </a:tcPr>
                 </a:tc>
               </a:tr>
               <a:tr h="855150">
@@ -8862,7 +12572,7 @@
                     <a:bodyPr/>
                     <a:lstStyle/>
                     <a:p>
-                      <a:pPr marL="63500" algn="just">
+                      <a:pPr marL="63500" algn="ctr">
                         <a:lnSpc>
                           <a:spcPct val="107000"/>
                         </a:lnSpc>
@@ -8871,12 +12581,12 @@
                         </a:spcAft>
                       </a:pPr>
                       <a:r>
-                        <a:rPr lang="pt-BR" sz="1800">
-                          <a:effectLst/>
-                        </a:rPr>
-                        <a:t>1 - Alto</a:t>
-                      </a:r>
-                      <a:endParaRPr lang="pt-BR" sz="1800">
+                        <a:rPr lang="pt-BR" sz="1800" dirty="0">
+                          <a:effectLst/>
+                        </a:rPr>
+                        <a:t>2 - Médio</a:t>
+                      </a:r>
+                      <a:endParaRPr lang="pt-BR" sz="1800" dirty="0">
                         <a:solidFill>
                           <a:srgbClr val="000000"/>
                         </a:solidFill>
@@ -8887,7 +12597,44 @@
                       </a:endParaRPr>
                     </a:p>
                   </a:txBody>
-                  <a:tcPr marL="66675" marR="66675" marT="66675" marB="66675"/>
+                  <a:tcPr marL="66675" marR="66675" marT="66675" marB="66675">
+                    <a:lnL w="12700" cap="flat" cmpd="sng" algn="ctr">
+                      <a:solidFill>
+                        <a:schemeClr val="tx1"/>
+                      </a:solidFill>
+                      <a:prstDash val="solid"/>
+                      <a:round/>
+                      <a:headEnd type="none" w="med" len="med"/>
+                      <a:tailEnd type="none" w="med" len="med"/>
+                    </a:lnL>
+                    <a:lnR w="12700" cap="flat" cmpd="sng" algn="ctr">
+                      <a:solidFill>
+                        <a:schemeClr val="tx1"/>
+                      </a:solidFill>
+                      <a:prstDash val="solid"/>
+                      <a:round/>
+                      <a:headEnd type="none" w="med" len="med"/>
+                      <a:tailEnd type="none" w="med" len="med"/>
+                    </a:lnR>
+                    <a:lnT w="12700" cap="flat" cmpd="sng" algn="ctr">
+                      <a:solidFill>
+                        <a:schemeClr val="tx1"/>
+                      </a:solidFill>
+                      <a:prstDash val="solid"/>
+                      <a:round/>
+                      <a:headEnd type="none" w="med" len="med"/>
+                      <a:tailEnd type="none" w="med" len="med"/>
+                    </a:lnT>
+                    <a:lnB w="12700" cap="flat" cmpd="sng" algn="ctr">
+                      <a:solidFill>
+                        <a:schemeClr val="tx1"/>
+                      </a:solidFill>
+                      <a:prstDash val="solid"/>
+                      <a:round/>
+                      <a:headEnd type="none" w="med" len="med"/>
+                      <a:tailEnd type="none" w="med" len="med"/>
+                    </a:lnB>
+                  </a:tcPr>
                 </a:tc>
                 <a:tc>
                   <a:txBody>
@@ -8906,7 +12653,7 @@
                         <a:rPr lang="pt-BR" sz="1800" dirty="0">
                           <a:effectLst/>
                         </a:rPr>
-                        <a:t>Erros que impeçam a execução com êxito do componente da iteração.</a:t>
+                        <a:t>Erros que impeçam parcialmente a execução do componente da iteração</a:t>
                       </a:r>
                       <a:endParaRPr lang="pt-BR" sz="1800" dirty="0">
                         <a:solidFill>
@@ -8919,7 +12666,44 @@
                       </a:endParaRPr>
                     </a:p>
                   </a:txBody>
-                  <a:tcPr marL="66675" marR="66675" marT="66675" marB="66675"/>
+                  <a:tcPr marL="66675" marR="66675" marT="66675" marB="66675">
+                    <a:lnL w="12700" cap="flat" cmpd="sng" algn="ctr">
+                      <a:solidFill>
+                        <a:schemeClr val="tx1"/>
+                      </a:solidFill>
+                      <a:prstDash val="solid"/>
+                      <a:round/>
+                      <a:headEnd type="none" w="med" len="med"/>
+                      <a:tailEnd type="none" w="med" len="med"/>
+                    </a:lnL>
+                    <a:lnR w="12700" cap="flat" cmpd="sng" algn="ctr">
+                      <a:solidFill>
+                        <a:schemeClr val="tx1"/>
+                      </a:solidFill>
+                      <a:prstDash val="solid"/>
+                      <a:round/>
+                      <a:headEnd type="none" w="med" len="med"/>
+                      <a:tailEnd type="none" w="med" len="med"/>
+                    </a:lnR>
+                    <a:lnT w="12700" cap="flat" cmpd="sng" algn="ctr">
+                      <a:solidFill>
+                        <a:schemeClr val="tx1"/>
+                      </a:solidFill>
+                      <a:prstDash val="solid"/>
+                      <a:round/>
+                      <a:headEnd type="none" w="med" len="med"/>
+                      <a:tailEnd type="none" w="med" len="med"/>
+                    </a:lnT>
+                    <a:lnB w="12700" cap="flat" cmpd="sng" algn="ctr">
+                      <a:solidFill>
+                        <a:schemeClr val="tx1"/>
+                      </a:solidFill>
+                      <a:prstDash val="solid"/>
+                      <a:round/>
+                      <a:headEnd type="none" w="med" len="med"/>
+                      <a:tailEnd type="none" w="med" len="med"/>
+                    </a:lnB>
+                  </a:tcPr>
                 </a:tc>
               </a:tr>
               <a:tr h="855150">
@@ -8928,7 +12712,7 @@
                     <a:bodyPr/>
                     <a:lstStyle/>
                     <a:p>
-                      <a:pPr marL="63500" algn="just">
+                      <a:pPr marL="63500" algn="ctr">
                         <a:lnSpc>
                           <a:spcPct val="107000"/>
                         </a:lnSpc>
@@ -8937,12 +12721,12 @@
                         </a:spcAft>
                       </a:pPr>
                       <a:r>
-                        <a:rPr lang="pt-BR" sz="1800">
-                          <a:effectLst/>
-                        </a:rPr>
-                        <a:t>2 - Médio</a:t>
-                      </a:r>
-                      <a:endParaRPr lang="pt-BR" sz="1800">
+                        <a:rPr lang="pt-BR" sz="1800" dirty="0">
+                          <a:effectLst/>
+                        </a:rPr>
+                        <a:t>3 - Baixo</a:t>
+                      </a:r>
+                      <a:endParaRPr lang="pt-BR" sz="1800" dirty="0">
                         <a:solidFill>
                           <a:srgbClr val="000000"/>
                         </a:solidFill>
@@ -8953,7 +12737,44 @@
                       </a:endParaRPr>
                     </a:p>
                   </a:txBody>
-                  <a:tcPr marL="66675" marR="66675" marT="66675" marB="66675"/>
+                  <a:tcPr marL="66675" marR="66675" marT="66675" marB="66675">
+                    <a:lnL w="12700" cap="flat" cmpd="sng" algn="ctr">
+                      <a:solidFill>
+                        <a:schemeClr val="tx1"/>
+                      </a:solidFill>
+                      <a:prstDash val="solid"/>
+                      <a:round/>
+                      <a:headEnd type="none" w="med" len="med"/>
+                      <a:tailEnd type="none" w="med" len="med"/>
+                    </a:lnL>
+                    <a:lnR w="12700" cap="flat" cmpd="sng" algn="ctr">
+                      <a:solidFill>
+                        <a:schemeClr val="tx1"/>
+                      </a:solidFill>
+                      <a:prstDash val="solid"/>
+                      <a:round/>
+                      <a:headEnd type="none" w="med" len="med"/>
+                      <a:tailEnd type="none" w="med" len="med"/>
+                    </a:lnR>
+                    <a:lnT w="12700" cap="flat" cmpd="sng" algn="ctr">
+                      <a:solidFill>
+                        <a:schemeClr val="tx1"/>
+                      </a:solidFill>
+                      <a:prstDash val="solid"/>
+                      <a:round/>
+                      <a:headEnd type="none" w="med" len="med"/>
+                      <a:tailEnd type="none" w="med" len="med"/>
+                    </a:lnT>
+                    <a:lnB w="12700" cap="flat" cmpd="sng" algn="ctr">
+                      <a:solidFill>
+                        <a:schemeClr val="tx1"/>
+                      </a:solidFill>
+                      <a:prstDash val="solid"/>
+                      <a:round/>
+                      <a:headEnd type="none" w="med" len="med"/>
+                      <a:tailEnd type="none" w="med" len="med"/>
+                    </a:lnB>
+                  </a:tcPr>
                 </a:tc>
                 <a:tc>
                   <a:txBody>
@@ -8972,7 +12793,7 @@
                         <a:rPr lang="pt-BR" sz="1800" dirty="0">
                           <a:effectLst/>
                         </a:rPr>
-                        <a:t>Erros que impeçam parcialmente a execução do componente da iteração</a:t>
+                        <a:t>Erros que não impeçam a execução com êxito do componente da iteração.</a:t>
                       </a:r>
                       <a:endParaRPr lang="pt-BR" sz="1800" dirty="0">
                         <a:solidFill>
@@ -8985,73 +12806,44 @@
                       </a:endParaRPr>
                     </a:p>
                   </a:txBody>
-                  <a:tcPr marL="66675" marR="66675" marT="66675" marB="66675"/>
-                </a:tc>
-              </a:tr>
-              <a:tr h="855150">
-                <a:tc>
-                  <a:txBody>
-                    <a:bodyPr/>
-                    <a:lstStyle/>
-                    <a:p>
-                      <a:pPr marL="63500" algn="just">
-                        <a:lnSpc>
-                          <a:spcPct val="107000"/>
-                        </a:lnSpc>
-                        <a:spcAft>
-                          <a:spcPts val="0"/>
-                        </a:spcAft>
-                      </a:pPr>
-                      <a:r>
-                        <a:rPr lang="pt-BR" sz="1800">
-                          <a:effectLst/>
-                        </a:rPr>
-                        <a:t>3 - Baixo</a:t>
-                      </a:r>
-                      <a:endParaRPr lang="pt-BR" sz="1800">
-                        <a:solidFill>
-                          <a:srgbClr val="000000"/>
-                        </a:solidFill>
-                        <a:effectLst/>
-                        <a:latin typeface="Calibri"/>
-                        <a:ea typeface="Calibri"/>
-                        <a:cs typeface="Calibri"/>
-                      </a:endParaRPr>
-                    </a:p>
-                  </a:txBody>
-                  <a:tcPr marL="66675" marR="66675" marT="66675" marB="66675"/>
-                </a:tc>
-                <a:tc>
-                  <a:txBody>
-                    <a:bodyPr/>
-                    <a:lstStyle/>
-                    <a:p>
-                      <a:pPr marL="63500" algn="just">
-                        <a:lnSpc>
-                          <a:spcPct val="107000"/>
-                        </a:lnSpc>
-                        <a:spcAft>
-                          <a:spcPts val="0"/>
-                        </a:spcAft>
-                      </a:pPr>
-                      <a:r>
-                        <a:rPr lang="pt-BR" sz="1800" dirty="0">
-                          <a:effectLst/>
-                        </a:rPr>
-                        <a:t>Erros que não impeçam a execução com êxito do componente da iteração.</a:t>
-                      </a:r>
-                      <a:endParaRPr lang="pt-BR" sz="1800" dirty="0">
-                        <a:solidFill>
-                          <a:srgbClr val="000000"/>
-                        </a:solidFill>
-                        <a:effectLst/>
-                        <a:latin typeface="Calibri"/>
-                        <a:ea typeface="Calibri"/>
-                        <a:cs typeface="Calibri"/>
-                      </a:endParaRPr>
-                    </a:p>
-                  </a:txBody>
-                  <a:tcPr marL="66675" marR="66675" marT="66675" marB="66675"/>
+                  <a:tcPr marL="66675" marR="66675" marT="66675" marB="66675">
+                    <a:lnL w="12700" cap="flat" cmpd="sng" algn="ctr">
+                      <a:solidFill>
+                        <a:schemeClr val="tx1"/>
+                      </a:solidFill>
+                      <a:prstDash val="solid"/>
+                      <a:round/>
+                      <a:headEnd type="none" w="med" len="med"/>
+                      <a:tailEnd type="none" w="med" len="med"/>
+                    </a:lnL>
+                    <a:lnR w="12700" cap="flat" cmpd="sng" algn="ctr">
+                      <a:solidFill>
+                        <a:schemeClr val="tx1"/>
+                      </a:solidFill>
+                      <a:prstDash val="solid"/>
+                      <a:round/>
+                      <a:headEnd type="none" w="med" len="med"/>
+                      <a:tailEnd type="none" w="med" len="med"/>
+                    </a:lnR>
+                    <a:lnT w="12700" cap="flat" cmpd="sng" algn="ctr">
+                      <a:solidFill>
+                        <a:schemeClr val="tx1"/>
+                      </a:solidFill>
+                      <a:prstDash val="solid"/>
+                      <a:round/>
+                      <a:headEnd type="none" w="med" len="med"/>
+                      <a:tailEnd type="none" w="med" len="med"/>
+                    </a:lnT>
+                    <a:lnB w="12700" cap="flat" cmpd="sng" algn="ctr">
+                      <a:solidFill>
+                        <a:schemeClr val="tx1"/>
+                      </a:solidFill>
+                      <a:prstDash val="solid"/>
+                      <a:round/>
+                      <a:headEnd type="none" w="med" len="med"/>
+                      <a:tailEnd type="none" w="med" len="med"/>
+                    </a:lnB>
+                  </a:tcPr>
                 </a:tc>
               </a:tr>
             </a:tbl>
@@ -9061,7 +12853,7 @@
     </p:spTree>
     <p:extLst>
       <p:ext uri="{BB962C8B-B14F-4D97-AF65-F5344CB8AC3E}">
-        <p14:creationId xmlns:p14="http://schemas.microsoft.com/office/powerpoint/2010/main" xmlns="" val="3327228760"/>
+        <p14:creationId xmlns:p14="http://schemas.microsoft.com/office/powerpoint/2010/main" val="4019947591"/>
       </p:ext>
     </p:extLst>
   </p:cSld>
@@ -9116,10 +12908,10 @@
           <a:lstStyle/>
           <a:p>
             <a:r>
-              <a:rPr lang="pt-BR" dirty="0" smtClean="0"/>
+              <a:rPr lang="pt-BR" b="1" dirty="0" smtClean="0"/>
               <a:t>Níveis e Técnicas de Teste</a:t>
             </a:r>
-            <a:endParaRPr lang="pt-BR" dirty="0"/>
+            <a:endParaRPr lang="pt-BR" b="1" dirty="0"/>
           </a:p>
         </p:txBody>
       </p:sp>
@@ -9139,11 +12931,11 @@
           <a:lstStyle/>
           <a:p>
             <a:r>
-              <a:rPr lang="pt-BR" dirty="0"/>
+              <a:rPr lang="pt-BR" sz="2000" dirty="0"/>
               <a:t>A cada iteração a equipe irá realizar testes</a:t>
             </a:r>
             <a:r>
-              <a:rPr lang="pt-BR" dirty="0" smtClean="0"/>
+              <a:rPr lang="pt-BR" sz="2000" dirty="0" smtClean="0"/>
               <a:t>:</a:t>
             </a:r>
           </a:p>
@@ -9151,34 +12943,44 @@
             <a:pPr marL="0" indent="0">
               <a:buNone/>
             </a:pPr>
-            <a:endParaRPr lang="pt-BR" dirty="0"/>
+            <a:endParaRPr lang="pt-BR" sz="2000" dirty="0" smtClean="0"/>
           </a:p>
           <a:p>
+            <a:pPr marL="0" indent="0">
+              <a:buNone/>
+            </a:pPr>
+            <a:endParaRPr lang="pt-BR" sz="2000" dirty="0"/>
+          </a:p>
+          <a:p>
+            <a:pPr lvl="2"/>
             <a:r>
-              <a:rPr lang="pt-BR" dirty="0" smtClean="0"/>
+              <a:rPr lang="pt-BR" sz="2000" dirty="0" smtClean="0"/>
               <a:t>Estruturais</a:t>
             </a:r>
-            <a:endParaRPr lang="pt-BR" dirty="0"/>
+            <a:endParaRPr lang="pt-BR" sz="2000" dirty="0"/>
           </a:p>
           <a:p>
+            <a:pPr lvl="2"/>
             <a:r>
-              <a:rPr lang="pt-BR" dirty="0" smtClean="0"/>
+              <a:rPr lang="pt-BR" sz="2000" dirty="0" smtClean="0"/>
               <a:t>Funcionais</a:t>
             </a:r>
-            <a:endParaRPr lang="pt-BR" dirty="0"/>
+            <a:endParaRPr lang="pt-BR" sz="2000" dirty="0"/>
           </a:p>
           <a:p>
+            <a:pPr lvl="2"/>
             <a:r>
-              <a:rPr lang="pt-BR" dirty="0" smtClean="0"/>
+              <a:rPr lang="pt-BR" sz="2000" dirty="0" smtClean="0"/>
               <a:t>Não Funcionais</a:t>
             </a:r>
           </a:p>
           <a:p>
+            <a:pPr lvl="2"/>
             <a:r>
-              <a:rPr lang="pt-BR" dirty="0" smtClean="0"/>
+              <a:rPr lang="pt-BR" sz="2000" dirty="0" smtClean="0"/>
               <a:t>Regressão</a:t>
             </a:r>
-            <a:endParaRPr lang="pt-BR" dirty="0"/>
+            <a:endParaRPr lang="pt-BR" sz="2000" dirty="0"/>
           </a:p>
           <a:p>
             <a:endParaRPr lang="pt-BR" dirty="0"/>
@@ -9188,7 +12990,7 @@
     </p:spTree>
     <p:extLst>
       <p:ext uri="{BB962C8B-B14F-4D97-AF65-F5344CB8AC3E}">
-        <p14:creationId xmlns:p14="http://schemas.microsoft.com/office/powerpoint/2010/main" xmlns="" val="2218987622"/>
+        <p14:creationId xmlns:p14="http://schemas.microsoft.com/office/powerpoint/2010/main" val="394801760"/>
       </p:ext>
     </p:extLst>
   </p:cSld>
@@ -9254,29 +13056,6 @@
           </a:p>
         </p:txBody>
       </p:sp>
-      <p:sp>
-        <p:nvSpPr>
-          <p:cNvPr id="4" name="Título 1"/>
-          <p:cNvSpPr>
-            <a:spLocks noGrp="1"/>
-          </p:cNvSpPr>
-          <p:nvPr>
-            <p:ph type="title"/>
-          </p:nvPr>
-        </p:nvSpPr>
-        <p:spPr/>
-        <p:txBody>
-          <a:bodyPr/>
-          <a:lstStyle/>
-          <a:p>
-            <a:r>
-              <a:rPr lang="pt-BR" dirty="0" smtClean="0"/>
-              <a:t>Níveis e Técnicas de Teste</a:t>
-            </a:r>
-            <a:endParaRPr lang="pt-BR" dirty="0"/>
-          </a:p>
-        </p:txBody>
-      </p:sp>
       <p:graphicFrame>
         <p:nvGraphicFramePr>
           <p:cNvPr id="5" name="Tabela 4"/>
@@ -9284,22 +13063,18 @@
             <a:graphicFrameLocks noGrp="1"/>
           </p:cNvGraphicFramePr>
           <p:nvPr>
-            <p:extLst>
-              <p:ext uri="{D42A27DB-BD31-4B8C-83A1-F6EECF244321}">
-                <p14:modId xmlns:p14="http://schemas.microsoft.com/office/powerpoint/2010/main" xmlns="" val="4196804845"/>
-              </p:ext>
-            </p:extLst>
+            <p:extLst/>
           </p:nvPr>
         </p:nvGraphicFramePr>
         <p:xfrm>
-          <a:off x="755576" y="2276871"/>
-          <a:ext cx="7488832" cy="3697736"/>
+          <a:off x="821234" y="1933921"/>
+          <a:ext cx="7488832" cy="3731227"/>
         </p:xfrm>
         <a:graphic>
           <a:graphicData uri="http://schemas.openxmlformats.org/drawingml/2006/table">
             <a:tbl>
               <a:tblPr bandRow="1">
-                <a:tableStyleId>{5C22544A-7EE6-4342-B048-85BDC9FD1C3A}</a:tableStyleId>
+                <a:tableStyleId>{793D81CF-94F2-401A-BA57-92F5A7B2D0C5}</a:tableStyleId>
               </a:tblPr>
               <a:tblGrid>
                 <a:gridCol w="2455442"/>
@@ -9320,18 +13095,24 @@
                         </a:spcAft>
                       </a:pPr>
                       <a:r>
-                        <a:rPr lang="pt-BR" sz="1800" dirty="0">
-                          <a:effectLst/>
-                        </a:rPr>
-                        <a:t>                             </a:t>
-                      </a:r>
-                      <a:r>
-                        <a:rPr lang="pt-BR" sz="1800" b="1" dirty="0">
-                          <a:effectLst/>
-                        </a:rPr>
-                        <a:t>             Descrição do Teste Estrutural</a:t>
-                      </a:r>
-                      <a:endParaRPr lang="pt-BR" sz="1800" b="1" dirty="0">
+                        <a:rPr lang="pt-BR" sz="2000" dirty="0">
+                          <a:effectLst/>
+                        </a:rPr>
+                        <a:t>                                         </a:t>
+                      </a:r>
+                      <a:r>
+                        <a:rPr lang="pt-BR" sz="2000" dirty="0" smtClean="0">
+                          <a:effectLst/>
+                        </a:rPr>
+                        <a:t>             </a:t>
+                      </a:r>
+                      <a:r>
+                        <a:rPr lang="pt-BR" sz="2200" b="1" dirty="0" smtClean="0">
+                          <a:effectLst/>
+                        </a:rPr>
+                        <a:t>Descrição</a:t>
+                      </a:r>
+                      <a:endParaRPr lang="pt-BR" sz="2200" b="1" dirty="0">
                         <a:solidFill>
                           <a:srgbClr val="000000"/>
                         </a:solidFill>
@@ -9342,7 +13123,17 @@
                       </a:endParaRPr>
                     </a:p>
                   </a:txBody>
-                  <a:tcPr marL="66675" marR="66675" marT="66675" marB="66675"/>
+                  <a:tcPr marL="66675" marR="66675" marT="66675" marB="66675">
+                    <a:lnB w="12700" cap="flat" cmpd="sng" algn="ctr">
+                      <a:solidFill>
+                        <a:schemeClr val="tx1"/>
+                      </a:solidFill>
+                      <a:prstDash val="solid"/>
+                      <a:round/>
+                      <a:headEnd type="none" w="med" len="med"/>
+                      <a:tailEnd type="none" w="med" len="med"/>
+                    </a:lnB>
+                  </a:tcPr>
                 </a:tc>
                 <a:tc hMerge="1">
                   <a:txBody>
@@ -9370,12 +13161,18 @@
                         </a:spcAft>
                       </a:pPr>
                       <a:r>
-                        <a:rPr lang="pt-BR" sz="1800">
-                          <a:effectLst/>
-                        </a:rPr>
-                        <a:t>Tipo de Teste</a:t>
-                      </a:r>
-                      <a:endParaRPr lang="pt-BR" sz="1800">
+                        <a:rPr lang="pt-BR" sz="1800" b="1" dirty="0">
+                          <a:effectLst/>
+                        </a:rPr>
+                        <a:t>Tipo de </a:t>
+                      </a:r>
+                      <a:r>
+                        <a:rPr lang="pt-BR" sz="1800" b="1" dirty="0" smtClean="0">
+                          <a:effectLst/>
+                        </a:rPr>
+                        <a:t>Teste:</a:t>
+                      </a:r>
+                      <a:endParaRPr lang="pt-BR" sz="1800" b="1" dirty="0">
                         <a:solidFill>
                           <a:srgbClr val="000000"/>
                         </a:solidFill>
@@ -9386,7 +13183,44 @@
                       </a:endParaRPr>
                     </a:p>
                   </a:txBody>
-                  <a:tcPr marL="66675" marR="66675" marT="66675" marB="66675"/>
+                  <a:tcPr marL="66675" marR="66675" marT="66675" marB="66675">
+                    <a:lnL w="12700" cap="flat" cmpd="sng" algn="ctr">
+                      <a:solidFill>
+                        <a:schemeClr val="tx1"/>
+                      </a:solidFill>
+                      <a:prstDash val="solid"/>
+                      <a:round/>
+                      <a:headEnd type="none" w="med" len="med"/>
+                      <a:tailEnd type="none" w="med" len="med"/>
+                    </a:lnL>
+                    <a:lnR w="12700" cap="flat" cmpd="sng" algn="ctr">
+                      <a:solidFill>
+                        <a:schemeClr val="tx1"/>
+                      </a:solidFill>
+                      <a:prstDash val="solid"/>
+                      <a:round/>
+                      <a:headEnd type="none" w="med" len="med"/>
+                      <a:tailEnd type="none" w="med" len="med"/>
+                    </a:lnR>
+                    <a:lnT w="12700" cap="flat" cmpd="sng" algn="ctr">
+                      <a:solidFill>
+                        <a:schemeClr val="tx1"/>
+                      </a:solidFill>
+                      <a:prstDash val="solid"/>
+                      <a:round/>
+                      <a:headEnd type="none" w="med" len="med"/>
+                      <a:tailEnd type="none" w="med" len="med"/>
+                    </a:lnT>
+                    <a:lnB w="12700" cap="flat" cmpd="sng" algn="ctr">
+                      <a:solidFill>
+                        <a:schemeClr val="tx1"/>
+                      </a:solidFill>
+                      <a:prstDash val="solid"/>
+                      <a:round/>
+                      <a:headEnd type="none" w="med" len="med"/>
+                      <a:tailEnd type="none" w="med" len="med"/>
+                    </a:lnB>
+                  </a:tcPr>
                 </a:tc>
                 <a:tc>
                   <a:txBody>
@@ -9402,12 +13236,12 @@
                         </a:spcAft>
                       </a:pPr>
                       <a:r>
-                        <a:rPr lang="pt-BR" sz="1800">
-                          <a:effectLst/>
-                        </a:rPr>
-                        <a:t>Estrutural</a:t>
-                      </a:r>
-                      <a:endParaRPr lang="pt-BR" sz="1800">
+                        <a:rPr lang="pt-BR" sz="1800" dirty="0" smtClean="0">
+                          <a:effectLst/>
+                        </a:rPr>
+                        <a:t>Estrutural.</a:t>
+                      </a:r>
+                      <a:endParaRPr lang="pt-BR" sz="1800" dirty="0">
                         <a:solidFill>
                           <a:srgbClr val="000000"/>
                         </a:solidFill>
@@ -9418,7 +13252,44 @@
                       </a:endParaRPr>
                     </a:p>
                   </a:txBody>
-                  <a:tcPr marL="66675" marR="66675" marT="66675" marB="66675"/>
+                  <a:tcPr marL="66675" marR="66675" marT="66675" marB="66675">
+                    <a:lnL w="12700" cap="flat" cmpd="sng" algn="ctr">
+                      <a:solidFill>
+                        <a:schemeClr val="tx1"/>
+                      </a:solidFill>
+                      <a:prstDash val="solid"/>
+                      <a:round/>
+                      <a:headEnd type="none" w="med" len="med"/>
+                      <a:tailEnd type="none" w="med" len="med"/>
+                    </a:lnL>
+                    <a:lnR w="12700" cap="flat" cmpd="sng" algn="ctr">
+                      <a:solidFill>
+                        <a:schemeClr val="tx1"/>
+                      </a:solidFill>
+                      <a:prstDash val="solid"/>
+                      <a:round/>
+                      <a:headEnd type="none" w="med" len="med"/>
+                      <a:tailEnd type="none" w="med" len="med"/>
+                    </a:lnR>
+                    <a:lnT w="12700" cap="flat" cmpd="sng" algn="ctr">
+                      <a:solidFill>
+                        <a:schemeClr val="tx1"/>
+                      </a:solidFill>
+                      <a:prstDash val="solid"/>
+                      <a:round/>
+                      <a:headEnd type="none" w="med" len="med"/>
+                      <a:tailEnd type="none" w="med" len="med"/>
+                    </a:lnT>
+                    <a:lnB w="12700" cap="flat" cmpd="sng" algn="ctr">
+                      <a:solidFill>
+                        <a:schemeClr val="tx1"/>
+                      </a:solidFill>
+                      <a:prstDash val="solid"/>
+                      <a:round/>
+                      <a:headEnd type="none" w="med" len="med"/>
+                      <a:tailEnd type="none" w="med" len="med"/>
+                    </a:lnB>
+                  </a:tcPr>
                 </a:tc>
               </a:tr>
               <a:tr h="735992">
@@ -9436,12 +13307,12 @@
                         </a:spcAft>
                       </a:pPr>
                       <a:r>
-                        <a:rPr lang="pt-BR" sz="1800">
+                        <a:rPr lang="pt-BR" sz="1800" b="1" dirty="0">
                           <a:effectLst/>
                         </a:rPr>
                         <a:t>Objetivo do Teste:</a:t>
                       </a:r>
-                      <a:endParaRPr lang="pt-BR" sz="1800">
+                      <a:endParaRPr lang="pt-BR" sz="1800" b="1" dirty="0">
                         <a:solidFill>
                           <a:srgbClr val="000000"/>
                         </a:solidFill>
@@ -9452,7 +13323,44 @@
                       </a:endParaRPr>
                     </a:p>
                   </a:txBody>
-                  <a:tcPr marL="66675" marR="66675" marT="66675" marB="66675"/>
+                  <a:tcPr marL="66675" marR="66675" marT="66675" marB="66675">
+                    <a:lnL w="12700" cap="flat" cmpd="sng" algn="ctr">
+                      <a:solidFill>
+                        <a:schemeClr val="tx1"/>
+                      </a:solidFill>
+                      <a:prstDash val="solid"/>
+                      <a:round/>
+                      <a:headEnd type="none" w="med" len="med"/>
+                      <a:tailEnd type="none" w="med" len="med"/>
+                    </a:lnL>
+                    <a:lnR w="12700" cap="flat" cmpd="sng" algn="ctr">
+                      <a:solidFill>
+                        <a:schemeClr val="tx1"/>
+                      </a:solidFill>
+                      <a:prstDash val="solid"/>
+                      <a:round/>
+                      <a:headEnd type="none" w="med" len="med"/>
+                      <a:tailEnd type="none" w="med" len="med"/>
+                    </a:lnR>
+                    <a:lnT w="12700" cap="flat" cmpd="sng" algn="ctr">
+                      <a:solidFill>
+                        <a:schemeClr val="tx1"/>
+                      </a:solidFill>
+                      <a:prstDash val="solid"/>
+                      <a:round/>
+                      <a:headEnd type="none" w="med" len="med"/>
+                      <a:tailEnd type="none" w="med" len="med"/>
+                    </a:lnT>
+                    <a:lnB w="12700" cap="flat" cmpd="sng" algn="ctr">
+                      <a:solidFill>
+                        <a:schemeClr val="tx1"/>
+                      </a:solidFill>
+                      <a:prstDash val="solid"/>
+                      <a:round/>
+                      <a:headEnd type="none" w="med" len="med"/>
+                      <a:tailEnd type="none" w="med" len="med"/>
+                    </a:lnB>
+                  </a:tcPr>
                 </a:tc>
                 <a:tc>
                   <a:txBody>
@@ -9468,12 +13376,12 @@
                         </a:spcAft>
                       </a:pPr>
                       <a:r>
-                        <a:rPr lang="pt-BR" sz="1800">
+                        <a:rPr lang="pt-BR" sz="1800" dirty="0">
                           <a:effectLst/>
                         </a:rPr>
                         <a:t>Verificar comandos, decisões, desvios e código morto.</a:t>
                       </a:r>
-                      <a:endParaRPr lang="pt-BR" sz="1800">
+                      <a:endParaRPr lang="pt-BR" sz="1800" dirty="0">
                         <a:solidFill>
                           <a:srgbClr val="000000"/>
                         </a:solidFill>
@@ -9484,7 +13392,44 @@
                       </a:endParaRPr>
                     </a:p>
                   </a:txBody>
-                  <a:tcPr marL="66675" marR="66675" marT="66675" marB="66675"/>
+                  <a:tcPr marL="66675" marR="66675" marT="66675" marB="66675">
+                    <a:lnL w="12700" cap="flat" cmpd="sng" algn="ctr">
+                      <a:solidFill>
+                        <a:schemeClr val="tx1"/>
+                      </a:solidFill>
+                      <a:prstDash val="solid"/>
+                      <a:round/>
+                      <a:headEnd type="none" w="med" len="med"/>
+                      <a:tailEnd type="none" w="med" len="med"/>
+                    </a:lnL>
+                    <a:lnR w="12700" cap="flat" cmpd="sng" algn="ctr">
+                      <a:solidFill>
+                        <a:schemeClr val="tx1"/>
+                      </a:solidFill>
+                      <a:prstDash val="solid"/>
+                      <a:round/>
+                      <a:headEnd type="none" w="med" len="med"/>
+                      <a:tailEnd type="none" w="med" len="med"/>
+                    </a:lnR>
+                    <a:lnT w="12700" cap="flat" cmpd="sng" algn="ctr">
+                      <a:solidFill>
+                        <a:schemeClr val="tx1"/>
+                      </a:solidFill>
+                      <a:prstDash val="solid"/>
+                      <a:round/>
+                      <a:headEnd type="none" w="med" len="med"/>
+                      <a:tailEnd type="none" w="med" len="med"/>
+                    </a:lnT>
+                    <a:lnB w="12700" cap="flat" cmpd="sng" algn="ctr">
+                      <a:solidFill>
+                        <a:schemeClr val="tx1"/>
+                      </a:solidFill>
+                      <a:prstDash val="solid"/>
+                      <a:round/>
+                      <a:headEnd type="none" w="med" len="med"/>
+                      <a:tailEnd type="none" w="med" len="med"/>
+                    </a:lnB>
+                  </a:tcPr>
                 </a:tc>
               </a:tr>
               <a:tr h="436275">
@@ -9502,12 +13447,12 @@
                         </a:spcAft>
                       </a:pPr>
                       <a:r>
-                        <a:rPr lang="pt-BR" sz="1800">
+                        <a:rPr lang="pt-BR" sz="1800" b="1" dirty="0">
                           <a:effectLst/>
                         </a:rPr>
                         <a:t>Técnica:</a:t>
                       </a:r>
-                      <a:endParaRPr lang="pt-BR" sz="1800">
+                      <a:endParaRPr lang="pt-BR" sz="1800" b="1" dirty="0">
                         <a:solidFill>
                           <a:srgbClr val="000000"/>
                         </a:solidFill>
@@ -9518,7 +13463,44 @@
                       </a:endParaRPr>
                     </a:p>
                   </a:txBody>
-                  <a:tcPr marL="66675" marR="66675" marT="66675" marB="66675"/>
+                  <a:tcPr marL="66675" marR="66675" marT="66675" marB="66675">
+                    <a:lnL w="12700" cap="flat" cmpd="sng" algn="ctr">
+                      <a:solidFill>
+                        <a:schemeClr val="tx1"/>
+                      </a:solidFill>
+                      <a:prstDash val="solid"/>
+                      <a:round/>
+                      <a:headEnd type="none" w="med" len="med"/>
+                      <a:tailEnd type="none" w="med" len="med"/>
+                    </a:lnL>
+                    <a:lnR w="12700" cap="flat" cmpd="sng" algn="ctr">
+                      <a:solidFill>
+                        <a:schemeClr val="tx1"/>
+                      </a:solidFill>
+                      <a:prstDash val="solid"/>
+                      <a:round/>
+                      <a:headEnd type="none" w="med" len="med"/>
+                      <a:tailEnd type="none" w="med" len="med"/>
+                    </a:lnR>
+                    <a:lnT w="12700" cap="flat" cmpd="sng" algn="ctr">
+                      <a:solidFill>
+                        <a:schemeClr val="tx1"/>
+                      </a:solidFill>
+                      <a:prstDash val="solid"/>
+                      <a:round/>
+                      <a:headEnd type="none" w="med" len="med"/>
+                      <a:tailEnd type="none" w="med" len="med"/>
+                    </a:lnT>
+                    <a:lnB w="12700" cap="flat" cmpd="sng" algn="ctr">
+                      <a:solidFill>
+                        <a:schemeClr val="tx1"/>
+                      </a:solidFill>
+                      <a:prstDash val="solid"/>
+                      <a:round/>
+                      <a:headEnd type="none" w="med" len="med"/>
+                      <a:tailEnd type="none" w="med" len="med"/>
+                    </a:lnB>
+                  </a:tcPr>
                 </a:tc>
                 <a:tc>
                   <a:txBody>
@@ -9534,12 +13516,12 @@
                         </a:spcAft>
                       </a:pPr>
                       <a:r>
-                        <a:rPr lang="pt-BR" sz="1800">
+                        <a:rPr lang="pt-BR" sz="1800" dirty="0">
                           <a:effectLst/>
                         </a:rPr>
                         <a:t>Cobertura de sentença e Cobertura de decisão.</a:t>
                       </a:r>
-                      <a:endParaRPr lang="pt-BR" sz="1800">
+                      <a:endParaRPr lang="pt-BR" sz="1800" dirty="0">
                         <a:solidFill>
                           <a:srgbClr val="000000"/>
                         </a:solidFill>
@@ -9550,7 +13532,44 @@
                       </a:endParaRPr>
                     </a:p>
                   </a:txBody>
-                  <a:tcPr marL="66675" marR="66675" marT="66675" marB="66675"/>
+                  <a:tcPr marL="66675" marR="66675" marT="66675" marB="66675">
+                    <a:lnL w="12700" cap="flat" cmpd="sng" algn="ctr">
+                      <a:solidFill>
+                        <a:schemeClr val="tx1"/>
+                      </a:solidFill>
+                      <a:prstDash val="solid"/>
+                      <a:round/>
+                      <a:headEnd type="none" w="med" len="med"/>
+                      <a:tailEnd type="none" w="med" len="med"/>
+                    </a:lnL>
+                    <a:lnR w="12700" cap="flat" cmpd="sng" algn="ctr">
+                      <a:solidFill>
+                        <a:schemeClr val="tx1"/>
+                      </a:solidFill>
+                      <a:prstDash val="solid"/>
+                      <a:round/>
+                      <a:headEnd type="none" w="med" len="med"/>
+                      <a:tailEnd type="none" w="med" len="med"/>
+                    </a:lnR>
+                    <a:lnT w="12700" cap="flat" cmpd="sng" algn="ctr">
+                      <a:solidFill>
+                        <a:schemeClr val="tx1"/>
+                      </a:solidFill>
+                      <a:prstDash val="solid"/>
+                      <a:round/>
+                      <a:headEnd type="none" w="med" len="med"/>
+                      <a:tailEnd type="none" w="med" len="med"/>
+                    </a:lnT>
+                    <a:lnB w="12700" cap="flat" cmpd="sng" algn="ctr">
+                      <a:solidFill>
+                        <a:schemeClr val="tx1"/>
+                      </a:solidFill>
+                      <a:prstDash val="solid"/>
+                      <a:round/>
+                      <a:headEnd type="none" w="med" len="med"/>
+                      <a:tailEnd type="none" w="med" len="med"/>
+                    </a:lnB>
+                  </a:tcPr>
                 </a:tc>
               </a:tr>
               <a:tr h="815280">
@@ -9568,12 +13587,12 @@
                         </a:spcAft>
                       </a:pPr>
                       <a:r>
-                        <a:rPr lang="pt-BR" sz="1800">
+                        <a:rPr lang="pt-BR" sz="1800" b="1" dirty="0">
                           <a:effectLst/>
                         </a:rPr>
                         <a:t>Critério de Início:</a:t>
                       </a:r>
-                      <a:endParaRPr lang="pt-BR" sz="1800">
+                      <a:endParaRPr lang="pt-BR" sz="1800" b="1" dirty="0">
                         <a:solidFill>
                           <a:srgbClr val="000000"/>
                         </a:solidFill>
@@ -9584,7 +13603,44 @@
                       </a:endParaRPr>
                     </a:p>
                   </a:txBody>
-                  <a:tcPr marL="66675" marR="66675" marT="66675" marB="66675"/>
+                  <a:tcPr marL="66675" marR="66675" marT="66675" marB="66675">
+                    <a:lnL w="12700" cap="flat" cmpd="sng" algn="ctr">
+                      <a:solidFill>
+                        <a:schemeClr val="tx1"/>
+                      </a:solidFill>
+                      <a:prstDash val="solid"/>
+                      <a:round/>
+                      <a:headEnd type="none" w="med" len="med"/>
+                      <a:tailEnd type="none" w="med" len="med"/>
+                    </a:lnL>
+                    <a:lnR w="12700" cap="flat" cmpd="sng" algn="ctr">
+                      <a:solidFill>
+                        <a:schemeClr val="tx1"/>
+                      </a:solidFill>
+                      <a:prstDash val="solid"/>
+                      <a:round/>
+                      <a:headEnd type="none" w="med" len="med"/>
+                      <a:tailEnd type="none" w="med" len="med"/>
+                    </a:lnR>
+                    <a:lnT w="12700" cap="flat" cmpd="sng" algn="ctr">
+                      <a:solidFill>
+                        <a:schemeClr val="tx1"/>
+                      </a:solidFill>
+                      <a:prstDash val="solid"/>
+                      <a:round/>
+                      <a:headEnd type="none" w="med" len="med"/>
+                      <a:tailEnd type="none" w="med" len="med"/>
+                    </a:lnT>
+                    <a:lnB w="12700" cap="flat" cmpd="sng" algn="ctr">
+                      <a:solidFill>
+                        <a:schemeClr val="tx1"/>
+                      </a:solidFill>
+                      <a:prstDash val="solid"/>
+                      <a:round/>
+                      <a:headEnd type="none" w="med" len="med"/>
+                      <a:tailEnd type="none" w="med" len="med"/>
+                    </a:lnB>
+                  </a:tcPr>
                 </a:tc>
                 <a:tc>
                   <a:txBody>
@@ -9600,7 +13656,7 @@
                         </a:spcAft>
                       </a:pPr>
                       <a:r>
-                        <a:rPr lang="pt-BR" sz="1800">
+                        <a:rPr lang="pt-BR" sz="1800" dirty="0">
                           <a:effectLst/>
                         </a:rPr>
                         <a:t>- Disponibilidade do código a ser testado</a:t>
@@ -9616,12 +13672,12 @@
                         </a:spcAft>
                       </a:pPr>
                       <a:r>
-                        <a:rPr lang="pt-BR" sz="1800">
+                        <a:rPr lang="pt-BR" sz="1800" dirty="0">
                           <a:effectLst/>
                         </a:rPr>
                         <a:t>- Ferramenta no ambiente de teste.</a:t>
                       </a:r>
-                      <a:endParaRPr lang="pt-BR" sz="1800">
+                      <a:endParaRPr lang="pt-BR" sz="1800" dirty="0">
                         <a:solidFill>
                           <a:srgbClr val="000000"/>
                         </a:solidFill>
@@ -9632,7 +13688,44 @@
                       </a:endParaRPr>
                     </a:p>
                   </a:txBody>
-                  <a:tcPr marL="66675" marR="66675" marT="66675" marB="66675"/>
+                  <a:tcPr marL="66675" marR="66675" marT="66675" marB="66675">
+                    <a:lnL w="12700" cap="flat" cmpd="sng" algn="ctr">
+                      <a:solidFill>
+                        <a:schemeClr val="tx1"/>
+                      </a:solidFill>
+                      <a:prstDash val="solid"/>
+                      <a:round/>
+                      <a:headEnd type="none" w="med" len="med"/>
+                      <a:tailEnd type="none" w="med" len="med"/>
+                    </a:lnL>
+                    <a:lnR w="12700" cap="flat" cmpd="sng" algn="ctr">
+                      <a:solidFill>
+                        <a:schemeClr val="tx1"/>
+                      </a:solidFill>
+                      <a:prstDash val="solid"/>
+                      <a:round/>
+                      <a:headEnd type="none" w="med" len="med"/>
+                      <a:tailEnd type="none" w="med" len="med"/>
+                    </a:lnR>
+                    <a:lnT w="12700" cap="flat" cmpd="sng" algn="ctr">
+                      <a:solidFill>
+                        <a:schemeClr val="tx1"/>
+                      </a:solidFill>
+                      <a:prstDash val="solid"/>
+                      <a:round/>
+                      <a:headEnd type="none" w="med" len="med"/>
+                      <a:tailEnd type="none" w="med" len="med"/>
+                    </a:lnT>
+                    <a:lnB w="12700" cap="flat" cmpd="sng" algn="ctr">
+                      <a:solidFill>
+                        <a:schemeClr val="tx1"/>
+                      </a:solidFill>
+                      <a:prstDash val="solid"/>
+                      <a:round/>
+                      <a:headEnd type="none" w="med" len="med"/>
+                      <a:tailEnd type="none" w="med" len="med"/>
+                    </a:lnB>
+                  </a:tcPr>
                 </a:tc>
               </a:tr>
               <a:tr h="815280">
@@ -9650,12 +13743,12 @@
                         </a:spcAft>
                       </a:pPr>
                       <a:r>
-                        <a:rPr lang="pt-BR" sz="1800">
+                        <a:rPr lang="pt-BR" sz="1800" b="1" dirty="0">
                           <a:effectLst/>
                         </a:rPr>
                         <a:t>Critério de Finalização:</a:t>
                       </a:r>
-                      <a:endParaRPr lang="pt-BR" sz="1800">
+                      <a:endParaRPr lang="pt-BR" sz="1800" b="1" dirty="0">
                         <a:solidFill>
                           <a:srgbClr val="000000"/>
                         </a:solidFill>
@@ -9666,7 +13759,44 @@
                       </a:endParaRPr>
                     </a:p>
                   </a:txBody>
-                  <a:tcPr marL="66675" marR="66675" marT="66675" marB="66675"/>
+                  <a:tcPr marL="66675" marR="66675" marT="66675" marB="66675">
+                    <a:lnL w="12700" cap="flat" cmpd="sng" algn="ctr">
+                      <a:solidFill>
+                        <a:schemeClr val="tx1"/>
+                      </a:solidFill>
+                      <a:prstDash val="solid"/>
+                      <a:round/>
+                      <a:headEnd type="none" w="med" len="med"/>
+                      <a:tailEnd type="none" w="med" len="med"/>
+                    </a:lnL>
+                    <a:lnR w="12700" cap="flat" cmpd="sng" algn="ctr">
+                      <a:solidFill>
+                        <a:schemeClr val="tx1"/>
+                      </a:solidFill>
+                      <a:prstDash val="solid"/>
+                      <a:round/>
+                      <a:headEnd type="none" w="med" len="med"/>
+                      <a:tailEnd type="none" w="med" len="med"/>
+                    </a:lnR>
+                    <a:lnT w="12700" cap="flat" cmpd="sng" algn="ctr">
+                      <a:solidFill>
+                        <a:schemeClr val="tx1"/>
+                      </a:solidFill>
+                      <a:prstDash val="solid"/>
+                      <a:round/>
+                      <a:headEnd type="none" w="med" len="med"/>
+                      <a:tailEnd type="none" w="med" len="med"/>
+                    </a:lnT>
+                    <a:lnB w="12700" cap="flat" cmpd="sng" algn="ctr">
+                      <a:solidFill>
+                        <a:schemeClr val="tx1"/>
+                      </a:solidFill>
+                      <a:prstDash val="solid"/>
+                      <a:round/>
+                      <a:headEnd type="none" w="med" len="med"/>
+                      <a:tailEnd type="none" w="med" len="med"/>
+                    </a:lnB>
+                  </a:tcPr>
                 </a:tc>
                 <a:tc>
                   <a:txBody>
@@ -9699,25 +13829,13 @@
                       </a:pPr>
                       <a:r>
                         <a:rPr lang="pt-BR" sz="1800" dirty="0" smtClean="0">
-                          <a:solidFill>
-                            <a:schemeClr val="dk1"/>
-                          </a:solidFill>
-                          <a:effectLst/>
-                          <a:latin typeface="+mn-lt"/>
-                          <a:ea typeface="+mn-ea"/>
-                          <a:cs typeface="+mn-cs"/>
+                          <a:effectLst/>
                         </a:rPr>
                         <a:t>Ao</a:t>
                       </a:r>
                       <a:r>
                         <a:rPr lang="pt-BR" sz="1800" baseline="0" dirty="0" smtClean="0">
-                          <a:solidFill>
-                            <a:schemeClr val="dk1"/>
-                          </a:solidFill>
-                          <a:effectLst/>
-                          <a:latin typeface="+mn-lt"/>
-                          <a:ea typeface="+mn-ea"/>
-                          <a:cs typeface="+mn-cs"/>
+                          <a:effectLst/>
                         </a:rPr>
                         <a:t> menos 50% de cobertura de código por iteração</a:t>
                       </a:r>
@@ -9732,17 +13850,98 @@
                       </a:endParaRPr>
                     </a:p>
                   </a:txBody>
-                  <a:tcPr marL="66675" marR="66675" marT="66675" marB="66675"/>
+                  <a:tcPr marL="66675" marR="66675" marT="66675" marB="66675">
+                    <a:lnL w="12700" cap="flat" cmpd="sng" algn="ctr">
+                      <a:solidFill>
+                        <a:schemeClr val="tx1"/>
+                      </a:solidFill>
+                      <a:prstDash val="solid"/>
+                      <a:round/>
+                      <a:headEnd type="none" w="med" len="med"/>
+                      <a:tailEnd type="none" w="med" len="med"/>
+                    </a:lnL>
+                    <a:lnR w="12700" cap="flat" cmpd="sng" algn="ctr">
+                      <a:solidFill>
+                        <a:schemeClr val="tx1"/>
+                      </a:solidFill>
+                      <a:prstDash val="solid"/>
+                      <a:round/>
+                      <a:headEnd type="none" w="med" len="med"/>
+                      <a:tailEnd type="none" w="med" len="med"/>
+                    </a:lnR>
+                    <a:lnT w="12700" cap="flat" cmpd="sng" algn="ctr">
+                      <a:solidFill>
+                        <a:schemeClr val="tx1"/>
+                      </a:solidFill>
+                      <a:prstDash val="solid"/>
+                      <a:round/>
+                      <a:headEnd type="none" w="med" len="med"/>
+                      <a:tailEnd type="none" w="med" len="med"/>
+                    </a:lnT>
+                    <a:lnB w="12700" cap="flat" cmpd="sng" algn="ctr">
+                      <a:solidFill>
+                        <a:schemeClr val="tx1"/>
+                      </a:solidFill>
+                      <a:prstDash val="solid"/>
+                      <a:round/>
+                      <a:headEnd type="none" w="med" len="med"/>
+                      <a:tailEnd type="none" w="med" len="med"/>
+                    </a:lnB>
+                  </a:tcPr>
                 </a:tc>
               </a:tr>
             </a:tbl>
           </a:graphicData>
         </a:graphic>
       </p:graphicFrame>
+      <p:sp>
+        <p:nvSpPr>
+          <p:cNvPr id="6" name="Título 1"/>
+          <p:cNvSpPr txBox="1">
+            <a:spLocks/>
+          </p:cNvSpPr>
+          <p:nvPr/>
+        </p:nvSpPr>
+        <p:spPr>
+          <a:xfrm>
+            <a:off x="179512" y="188640"/>
+            <a:ext cx="8797925" cy="922338"/>
+          </a:xfrm>
+          <a:prstGeom prst="rect">
+            <a:avLst/>
+          </a:prstGeom>
+        </p:spPr>
+        <p:txBody>
+          <a:bodyPr/>
+          <a:lstStyle>
+            <a:lvl1pPr algn="r" defTabSz="914400" rtl="0" eaLnBrk="1" latinLnBrk="0" hangingPunct="1">
+              <a:spcBef>
+                <a:spcPct val="0"/>
+              </a:spcBef>
+              <a:buNone/>
+              <a:defRPr sz="2800" kern="1200">
+                <a:solidFill>
+                  <a:schemeClr val="tx1"/>
+                </a:solidFill>
+                <a:latin typeface="Verdana" pitchFamily="34" charset="0"/>
+                <a:ea typeface="Verdana" pitchFamily="34" charset="0"/>
+                <a:cs typeface="Verdana" pitchFamily="34" charset="0"/>
+              </a:defRPr>
+            </a:lvl1pPr>
+          </a:lstStyle>
+          <a:p>
+            <a:r>
+              <a:rPr lang="pt-BR" b="1" smtClean="0"/>
+              <a:t>Níveis e Técnicas de Teste</a:t>
+            </a:r>
+            <a:endParaRPr lang="pt-BR" b="1" dirty="0"/>
+          </a:p>
+        </p:txBody>
+      </p:sp>
     </p:spTree>
     <p:extLst>
       <p:ext uri="{BB962C8B-B14F-4D97-AF65-F5344CB8AC3E}">
-        <p14:creationId xmlns:p14="http://schemas.microsoft.com/office/powerpoint/2010/main" xmlns="" val="2050360181"/>
+        <p14:creationId xmlns:p14="http://schemas.microsoft.com/office/powerpoint/2010/main" val="3567939113"/>
       </p:ext>
     </p:extLst>
   </p:cSld>
@@ -10064,7 +14263,7 @@
   <a:extraClrSchemeLst/>
   <a:extLst>
     <a:ext uri="{05A4C25C-085E-4340-85A3-A5531E510DB2}">
-      <thm15:themeFamily xmlns="" xmlns:thm15="http://schemas.microsoft.com/office/thememl/2012/main" name="Impacta" id="{9DEE3D4C-7075-4EED-BE25-71DD8C403211}" vid="{301E77B6-CD37-4EBE-AE48-640047432F64}"/>
+      <thm15:themeFamily xmlns:thm15="http://schemas.microsoft.com/office/thememl/2012/main" name="Impacta" id="{9DEE3D4C-7075-4EED-BE25-71DD8C403211}" vid="{301E77B6-CD37-4EBE-AE48-640047432F64}"/>
     </a:ext>
   </a:extLst>
 </a:theme>

--- a/Qualidade de Produto de SW/Qualidade de produto de SW - TRABALHO.pptx
+++ b/Qualidade de Produto de SW/Qualidade de produto de SW - TRABALHO.pptx
@@ -5,7 +5,7 @@
     <p:sldMasterId id="2147483681" r:id="rId1"/>
   </p:sldMasterIdLst>
   <p:notesMasterIdLst>
-    <p:notesMasterId r:id="rId23"/>
+    <p:notesMasterId r:id="rId24"/>
   </p:notesMasterIdLst>
   <p:sldIdLst>
     <p:sldId id="256" r:id="rId2"/>
@@ -22,35 +22,36 @@
     <p:sldId id="353" r:id="rId13"/>
     <p:sldId id="354" r:id="rId14"/>
     <p:sldId id="339" r:id="rId15"/>
-    <p:sldId id="355" r:id="rId16"/>
-    <p:sldId id="356" r:id="rId17"/>
-    <p:sldId id="357" r:id="rId18"/>
-    <p:sldId id="342" r:id="rId19"/>
-    <p:sldId id="344" r:id="rId20"/>
-    <p:sldId id="345" r:id="rId21"/>
-    <p:sldId id="346" r:id="rId22"/>
+    <p:sldId id="358" r:id="rId16"/>
+    <p:sldId id="355" r:id="rId17"/>
+    <p:sldId id="356" r:id="rId18"/>
+    <p:sldId id="357" r:id="rId19"/>
+    <p:sldId id="342" r:id="rId20"/>
+    <p:sldId id="344" r:id="rId21"/>
+    <p:sldId id="345" r:id="rId22"/>
+    <p:sldId id="346" r:id="rId23"/>
   </p:sldIdLst>
   <p:sldSz cx="9144000" cy="6858000" type="screen4x3"/>
   <p:notesSz cx="7315200" cy="9601200"/>
   <p:embeddedFontLst>
     <p:embeddedFont>
       <p:font typeface="Verdana" panose="020B0604030504040204" pitchFamily="34" charset="0"/>
-      <p:regular r:id="rId24"/>
-      <p:bold r:id="rId25"/>
-      <p:italic r:id="rId26"/>
-      <p:boldItalic r:id="rId27"/>
+      <p:regular r:id="rId25"/>
+      <p:bold r:id="rId26"/>
+      <p:italic r:id="rId27"/>
+      <p:boldItalic r:id="rId28"/>
     </p:embeddedFont>
     <p:embeddedFont>
       <p:font typeface="Calibri" panose="020F0502020204030204" pitchFamily="34" charset="0"/>
-      <p:regular r:id="rId28"/>
-      <p:bold r:id="rId29"/>
-      <p:italic r:id="rId30"/>
-      <p:boldItalic r:id="rId31"/>
+      <p:regular r:id="rId29"/>
+      <p:bold r:id="rId30"/>
+      <p:italic r:id="rId31"/>
+      <p:boldItalic r:id="rId32"/>
     </p:embeddedFont>
     <p:embeddedFont>
       <p:font typeface="Tahoma" panose="020B0604030504040204" pitchFamily="34" charset="0"/>
-      <p:regular r:id="rId32"/>
-      <p:bold r:id="rId33"/>
+      <p:regular r:id="rId33"/>
+      <p:bold r:id="rId34"/>
     </p:embeddedFont>
   </p:embeddedFontLst>
   <p:defaultTextStyle>
@@ -3677,15 +3678,7 @@
                   <a:schemeClr val="tx1"/>
                 </a:solidFill>
               </a:rPr>
-              <a:t> </a:t>
-            </a:r>
-            <a:r>
-              <a:rPr lang="pt-BR" sz="1400" dirty="0" smtClean="0">
-                <a:solidFill>
-                  <a:schemeClr val="tx1"/>
-                </a:solidFill>
-              </a:rPr>
-              <a:t>- RA 1600192</a:t>
+              <a:t> - RA 1600192</a:t>
             </a:r>
           </a:p>
           <a:p>
@@ -7688,15 +7681,129 @@
           <a:lstStyle/>
           <a:p>
             <a:r>
+              <a:rPr lang="pt-BR" sz="2000" dirty="0"/>
+              <a:t> </a:t>
+            </a:r>
+            <a:r>
               <a:rPr lang="pt-BR" sz="2000" b="1" dirty="0" smtClean="0"/>
-              <a:t>Hardware</a:t>
+              <a:t>Servidor de Desenvolvimento</a:t>
             </a:r>
           </a:p>
           <a:p>
-            <a:pPr>
+            <a:endParaRPr lang="pt-BR" sz="1800" b="1" dirty="0"/>
+          </a:p>
+          <a:p>
+            <a:pPr lvl="1"/>
+            <a:r>
+              <a:rPr lang="pt-BR" sz="1800" dirty="0" smtClean="0"/>
+              <a:t>Hardware (Mínimo):</a:t>
+            </a:r>
+          </a:p>
+          <a:p>
+            <a:pPr lvl="2"/>
+            <a:r>
+              <a:rPr lang="pt-BR" dirty="0" smtClean="0"/>
+              <a:t>RAM: 6GB</a:t>
+            </a:r>
+          </a:p>
+          <a:p>
+            <a:pPr lvl="2"/>
+            <a:r>
+              <a:rPr lang="pt-BR" dirty="0" smtClean="0"/>
+              <a:t>HD: 1TB</a:t>
+            </a:r>
+          </a:p>
+          <a:p>
+            <a:pPr lvl="2"/>
+            <a:r>
+              <a:rPr lang="pt-BR" dirty="0" smtClean="0"/>
+              <a:t>PROCESSADOR: i7</a:t>
+            </a:r>
+          </a:p>
+          <a:p>
+            <a:pPr marL="914400" lvl="2" indent="0">
               <a:buNone/>
             </a:pPr>
-            <a:endParaRPr lang="pt-BR" sz="2000" dirty="0" smtClean="0"/>
+            <a:endParaRPr lang="pt-BR" b="1" dirty="0"/>
+          </a:p>
+          <a:p>
+            <a:pPr marL="914400" lvl="2" indent="0">
+              <a:buNone/>
+            </a:pPr>
+            <a:endParaRPr lang="pt-BR" b="1" dirty="0" smtClean="0"/>
+          </a:p>
+          <a:p>
+            <a:pPr lvl="1"/>
+            <a:r>
+              <a:rPr lang="pt-BR" sz="1800" dirty="0" smtClean="0"/>
+              <a:t>Software </a:t>
+            </a:r>
+            <a:r>
+              <a:rPr lang="pt-BR" sz="1800" dirty="0"/>
+              <a:t>(Mínimo):</a:t>
+            </a:r>
+          </a:p>
+          <a:p>
+            <a:pPr lvl="2"/>
+            <a:r>
+              <a:rPr lang="pt-BR" dirty="0" smtClean="0"/>
+              <a:t>SQL Server 2012</a:t>
+            </a:r>
+          </a:p>
+          <a:p>
+            <a:pPr lvl="2"/>
+            <a:r>
+              <a:rPr lang="pt-BR" dirty="0" smtClean="0"/>
+              <a:t>IIS8</a:t>
+            </a:r>
+          </a:p>
+          <a:p>
+            <a:pPr lvl="2"/>
+            <a:r>
+              <a:rPr lang="pt-BR" dirty="0" smtClean="0"/>
+              <a:t>Windows Server 2009</a:t>
+            </a:r>
+          </a:p>
+          <a:p>
+            <a:pPr lvl="2"/>
+            <a:r>
+              <a:rPr lang="pt-BR" dirty="0" smtClean="0"/>
+              <a:t>Visual Studio 2013</a:t>
+            </a:r>
+          </a:p>
+          <a:p>
+            <a:pPr lvl="2"/>
+            <a:endParaRPr lang="pt-BR" sz="1200" b="1" dirty="0" smtClean="0"/>
+          </a:p>
+          <a:p>
+            <a:endParaRPr lang="pt-BR" sz="2000" b="1" dirty="0"/>
+          </a:p>
+          <a:p>
+            <a:endParaRPr lang="pt-BR" sz="2000" b="1" dirty="0" smtClean="0"/>
+          </a:p>
+          <a:p>
+            <a:endParaRPr lang="pt-BR" sz="2000" b="1" dirty="0"/>
+          </a:p>
+          <a:p>
+            <a:endParaRPr lang="pt-BR" sz="2000" b="1" dirty="0" smtClean="0"/>
+          </a:p>
+          <a:p>
+            <a:endParaRPr lang="pt-BR" sz="2000" b="1" dirty="0"/>
+          </a:p>
+          <a:p>
+            <a:endParaRPr lang="pt-BR" sz="2000" b="1" dirty="0" smtClean="0"/>
+          </a:p>
+          <a:p>
+            <a:endParaRPr lang="pt-BR" sz="2000" b="1" dirty="0"/>
+          </a:p>
+          <a:p>
+            <a:endParaRPr lang="pt-BR" sz="2000" b="1" dirty="0" smtClean="0"/>
+          </a:p>
+          <a:p>
+            <a:endParaRPr lang="pt-BR" sz="2000" b="1" dirty="0"/>
+          </a:p>
+          <a:p>
+            <a:endParaRPr lang="pt-BR" sz="2000" b="1" dirty="0" smtClean="0"/>
           </a:p>
           <a:p>
             <a:pPr>
@@ -7708,29 +7815,75 @@
             </a:r>
             <a:r>
               <a:rPr lang="pt-BR" sz="2000" dirty="0" smtClean="0"/>
+              <a:t>Windows 7</a:t>
+            </a:r>
+          </a:p>
+          <a:p>
+            <a:pPr>
+              <a:buNone/>
+            </a:pPr>
+            <a:r>
+              <a:rPr lang="pt-BR" sz="2000" dirty="0"/>
+              <a:t> </a:t>
+            </a:r>
+            <a:r>
+              <a:rPr lang="pt-BR" sz="2000" dirty="0" smtClean="0"/>
+              <a:t>    </a:t>
+            </a:r>
+            <a:r>
+              <a:rPr lang="pt-BR" sz="2000" dirty="0" smtClean="0"/>
               <a:t>2 </a:t>
             </a:r>
             <a:r>
               <a:rPr lang="pt-BR" sz="2000" dirty="0" smtClean="0"/>
-              <a:t>Notebooks -  8/2 GB de RAM ; 1TB/5OO HD ; Processador </a:t>
+              <a:t>GB de </a:t>
             </a:r>
             <a:r>
               <a:rPr lang="pt-BR" sz="2000" dirty="0" smtClean="0"/>
-              <a:t>I7;</a:t>
+              <a:t>RAM </a:t>
             </a:r>
-            <a:endParaRPr lang="pt-BR" sz="2000" dirty="0" smtClean="0"/>
-          </a:p>
-          <a:p>
-            <a:endParaRPr lang="pt-BR" sz="2000" dirty="0" smtClean="0"/>
-          </a:p>
-          <a:p>
+          </a:p>
+          <a:p>
+            <a:pPr>
+              <a:buNone/>
+            </a:pPr>
             <a:r>
-              <a:rPr lang="pt-BR" sz="2000" b="1" dirty="0" smtClean="0"/>
-              <a:t>Software </a:t>
+              <a:rPr lang="pt-BR" sz="2000" dirty="0"/>
+              <a:t> </a:t>
             </a:r>
-          </a:p>
-          <a:p>
-            <a:endParaRPr lang="pt-BR" sz="2000" b="1" dirty="0" smtClean="0"/>
+            <a:r>
+              <a:rPr lang="pt-BR" sz="2000" dirty="0" smtClean="0"/>
+              <a:t>    </a:t>
+            </a:r>
+            <a:r>
+              <a:rPr lang="pt-BR" sz="2000" dirty="0" smtClean="0"/>
+              <a:t>5OO GB HD</a:t>
+            </a:r>
+          </a:p>
+          <a:p>
+            <a:pPr>
+              <a:buNone/>
+            </a:pPr>
+            <a:r>
+              <a:rPr lang="pt-BR" sz="2000" dirty="0"/>
+              <a:t> </a:t>
+            </a:r>
+            <a:r>
+              <a:rPr lang="pt-BR" sz="2000" dirty="0" smtClean="0"/>
+              <a:t>   </a:t>
+            </a:r>
+            <a:r>
+              <a:rPr lang="pt-BR" sz="2000" dirty="0" smtClean="0"/>
+              <a:t> </a:t>
+            </a:r>
+            <a:r>
+              <a:rPr lang="pt-BR" sz="2000" dirty="0" smtClean="0"/>
+              <a:t>Processador </a:t>
+            </a:r>
+            <a:r>
+              <a:rPr lang="pt-BR" sz="2000" dirty="0" smtClean="0"/>
+              <a:t>I3</a:t>
+            </a:r>
           </a:p>
           <a:p>
             <a:pPr>
@@ -7738,11 +7891,29 @@
             </a:pPr>
             <a:r>
               <a:rPr lang="pt-BR" sz="2000" dirty="0" smtClean="0"/>
-              <a:t>	2 </a:t>
+              <a:t>     Vi</a:t>
             </a:r>
+            <a:endParaRPr lang="pt-BR" sz="2000" dirty="0" smtClean="0"/>
+          </a:p>
+          <a:p>
+            <a:endParaRPr lang="pt-BR" sz="2000" dirty="0" smtClean="0"/>
+          </a:p>
+          <a:p>
+            <a:r>
+              <a:rPr lang="pt-BR" sz="2000" b="1" dirty="0" smtClean="0"/>
+              <a:t>Software </a:t>
+            </a:r>
+          </a:p>
+          <a:p>
+            <a:endParaRPr lang="pt-BR" sz="2000" b="1" dirty="0" smtClean="0"/>
+          </a:p>
+          <a:p>
+            <a:pPr>
+              <a:buNone/>
+            </a:pPr>
             <a:r>
               <a:rPr lang="pt-BR" sz="2000" dirty="0" smtClean="0"/>
-              <a:t>licenças - Windows Server/Seven ; SLQ 2012 ; IIS8 ; VS 2015</a:t>
+              <a:t>	2 licenças - Windows Server/Seven ; SLQ 2012 ; IIS8 ; VS 2015</a:t>
             </a:r>
             <a:endParaRPr lang="pt-BR" sz="2000" dirty="0"/>
           </a:p>
@@ -7801,6 +7972,109 @@
           <a:lstStyle/>
           <a:p>
             <a:r>
+              <a:rPr lang="pt-BR" b="1" dirty="0"/>
+              <a:t>Ambiente de Teste</a:t>
+            </a:r>
+            <a:endParaRPr lang="pt-BR" dirty="0"/>
+          </a:p>
+        </p:txBody>
+      </p:sp>
+      <p:sp>
+        <p:nvSpPr>
+          <p:cNvPr id="3" name="Espaço Reservado para Conteúdo 2"/>
+          <p:cNvSpPr>
+            <a:spLocks noGrp="1"/>
+          </p:cNvSpPr>
+          <p:nvPr>
+            <p:ph idx="1"/>
+          </p:nvPr>
+        </p:nvSpPr>
+        <p:spPr/>
+        <p:txBody>
+          <a:bodyPr/>
+          <a:lstStyle/>
+          <a:p>
+            <a:r>
+              <a:rPr lang="pt-BR" dirty="0" smtClean="0"/>
+              <a:t>Automação de testes</a:t>
+            </a:r>
+          </a:p>
+          <a:p>
+            <a:endParaRPr lang="pt-BR" dirty="0" smtClean="0"/>
+          </a:p>
+          <a:p>
+            <a:pPr lvl="1"/>
+            <a:r>
+              <a:rPr lang="pt-BR" dirty="0" smtClean="0"/>
+              <a:t>Hardware</a:t>
+            </a:r>
+          </a:p>
+          <a:p>
+            <a:pPr lvl="2"/>
+            <a:r>
+              <a:rPr lang="pt-BR" dirty="0" smtClean="0"/>
+              <a:t>RAM: 2GB</a:t>
+            </a:r>
+          </a:p>
+          <a:p>
+            <a:pPr lvl="2"/>
+            <a:r>
+              <a:rPr lang="pt-BR" dirty="0" smtClean="0"/>
+              <a:t>HD: 500 GB</a:t>
+            </a:r>
+          </a:p>
+          <a:p>
+            <a:pPr lvl="2"/>
+            <a:endParaRPr lang="pt-BR" dirty="0"/>
+          </a:p>
+        </p:txBody>
+      </p:sp>
+    </p:spTree>
+    <p:extLst>
+      <p:ext uri="{BB962C8B-B14F-4D97-AF65-F5344CB8AC3E}">
+        <p14:creationId xmlns:p14="http://schemas.microsoft.com/office/powerpoint/2010/main" val="125991297"/>
+      </p:ext>
+    </p:extLst>
+  </p:cSld>
+  <p:clrMapOvr>
+    <a:masterClrMapping/>
+  </p:clrMapOvr>
+</p:sld>
+</file>
+
+<file path=ppt/slides/slide16.xml><?xml version="1.0" encoding="utf-8"?>
+<p:sld xmlns:a="http://schemas.openxmlformats.org/drawingml/2006/main" xmlns:r="http://schemas.openxmlformats.org/officeDocument/2006/relationships" xmlns:p="http://schemas.openxmlformats.org/presentationml/2006/main">
+  <p:cSld>
+    <p:spTree>
+      <p:nvGrpSpPr>
+        <p:cNvPr id="1" name=""/>
+        <p:cNvGrpSpPr/>
+        <p:nvPr/>
+      </p:nvGrpSpPr>
+      <p:grpSpPr>
+        <a:xfrm>
+          <a:off x="0" y="0"/>
+          <a:ext cx="0" cy="0"/>
+          <a:chOff x="0" y="0"/>
+          <a:chExt cx="0" cy="0"/>
+        </a:xfrm>
+      </p:grpSpPr>
+      <p:sp>
+        <p:nvSpPr>
+          <p:cNvPr id="2" name="Título 1"/>
+          <p:cNvSpPr>
+            <a:spLocks noGrp="1"/>
+          </p:cNvSpPr>
+          <p:nvPr>
+            <p:ph type="title"/>
+          </p:nvPr>
+        </p:nvSpPr>
+        <p:spPr/>
+        <p:txBody>
+          <a:bodyPr/>
+          <a:lstStyle/>
+          <a:p>
+            <a:r>
               <a:rPr lang="pt-BR" b="1" dirty="0" err="1" smtClean="0"/>
               <a:t>Milestones</a:t>
             </a:r>
@@ -8960,7 +9234,7 @@
 </p:sld>
 </file>
 
-<file path=ppt/slides/slide16.xml><?xml version="1.0" encoding="utf-8"?>
+<file path=ppt/slides/slide17.xml><?xml version="1.0" encoding="utf-8"?>
 <p:sld xmlns:a="http://schemas.openxmlformats.org/drawingml/2006/main" xmlns:r="http://schemas.openxmlformats.org/officeDocument/2006/relationships" xmlns:p="http://schemas.openxmlformats.org/presentationml/2006/main">
   <p:cSld>
     <p:spTree>
@@ -10212,125 +10486,6 @@
 </p:sld>
 </file>
 
-<file path=ppt/slides/slide17.xml><?xml version="1.0" encoding="utf-8"?>
-<p:sld xmlns:a="http://schemas.openxmlformats.org/drawingml/2006/main" xmlns:r="http://schemas.openxmlformats.org/officeDocument/2006/relationships" xmlns:p="http://schemas.openxmlformats.org/presentationml/2006/main">
-  <p:cSld>
-    <p:spTree>
-      <p:nvGrpSpPr>
-        <p:cNvPr id="1" name=""/>
-        <p:cNvGrpSpPr/>
-        <p:nvPr/>
-      </p:nvGrpSpPr>
-      <p:grpSpPr>
-        <a:xfrm>
-          <a:off x="0" y="0"/>
-          <a:ext cx="0" cy="0"/>
-          <a:chOff x="0" y="0"/>
-          <a:chExt cx="0" cy="0"/>
-        </a:xfrm>
-      </p:grpSpPr>
-      <p:sp>
-        <p:nvSpPr>
-          <p:cNvPr id="2" name="Título 1"/>
-          <p:cNvSpPr>
-            <a:spLocks noGrp="1"/>
-          </p:cNvSpPr>
-          <p:nvPr>
-            <p:ph type="title"/>
-          </p:nvPr>
-        </p:nvSpPr>
-        <p:spPr/>
-        <p:txBody>
-          <a:bodyPr/>
-          <a:lstStyle/>
-          <a:p>
-            <a:r>
-              <a:rPr lang="pt-BR" b="1" dirty="0" smtClean="0"/>
-              <a:t>Massa de Dados</a:t>
-            </a:r>
-            <a:endParaRPr lang="pt-BR" b="1" dirty="0"/>
-          </a:p>
-        </p:txBody>
-      </p:sp>
-      <p:sp>
-        <p:nvSpPr>
-          <p:cNvPr id="3" name="Espaço Reservado para Conteúdo 2"/>
-          <p:cNvSpPr>
-            <a:spLocks noGrp="1"/>
-          </p:cNvSpPr>
-          <p:nvPr>
-            <p:ph idx="1"/>
-          </p:nvPr>
-        </p:nvSpPr>
-        <p:spPr/>
-        <p:txBody>
-          <a:bodyPr/>
-          <a:lstStyle/>
-          <a:p>
-            <a:r>
-              <a:rPr lang="pt-BR" sz="2000" dirty="0" smtClean="0"/>
-              <a:t>Dados fictícios de clientes:</a:t>
-            </a:r>
-          </a:p>
-          <a:p>
-            <a:pPr marL="0" indent="0">
-              <a:buNone/>
-            </a:pPr>
-            <a:endParaRPr lang="pt-BR" dirty="0"/>
-          </a:p>
-          <a:p>
-            <a:pPr lvl="2"/>
-            <a:r>
-              <a:rPr lang="pt-BR" sz="2000" dirty="0" smtClean="0"/>
-              <a:t>Nome</a:t>
-            </a:r>
-          </a:p>
-          <a:p>
-            <a:pPr lvl="2"/>
-            <a:r>
-              <a:rPr lang="pt-BR" sz="2000" dirty="0" smtClean="0"/>
-              <a:t>Empresa</a:t>
-            </a:r>
-          </a:p>
-          <a:p>
-            <a:pPr lvl="2"/>
-            <a:r>
-              <a:rPr lang="pt-BR" sz="2000" dirty="0" smtClean="0"/>
-              <a:t>CPF/CNPJ</a:t>
-            </a:r>
-          </a:p>
-          <a:p>
-            <a:pPr lvl="2"/>
-            <a:r>
-              <a:rPr lang="pt-BR" sz="2000" dirty="0" smtClean="0"/>
-              <a:t>Tipo de serviço prestado</a:t>
-            </a:r>
-          </a:p>
-          <a:p>
-            <a:endParaRPr lang="pt-BR" dirty="0"/>
-          </a:p>
-        </p:txBody>
-      </p:sp>
-    </p:spTree>
-    <p:extLst>
-      <p:ext uri="{BB962C8B-B14F-4D97-AF65-F5344CB8AC3E}">
-        <p14:creationId xmlns:p14="http://schemas.microsoft.com/office/powerpoint/2010/main" val="2255650603"/>
-      </p:ext>
-    </p:extLst>
-  </p:cSld>
-  <p:clrMapOvr>
-    <a:masterClrMapping/>
-  </p:clrMapOvr>
-  <p:timing>
-    <p:tnLst>
-      <p:par>
-        <p:cTn id="1" dur="indefinite" restart="never" nodeType="tmRoot"/>
-      </p:par>
-    </p:tnLst>
-  </p:timing>
-</p:sld>
-</file>
-
 <file path=ppt/slides/slide18.xml><?xml version="1.0" encoding="utf-8"?>
 <p:sld xmlns:a="http://schemas.openxmlformats.org/drawingml/2006/main" xmlns:r="http://schemas.openxmlformats.org/officeDocument/2006/relationships" xmlns:p="http://schemas.openxmlformats.org/presentationml/2006/main">
   <p:cSld>
@@ -10365,15 +10520,126 @@
           <a:p>
             <a:r>
               <a:rPr lang="pt-BR" b="1" dirty="0" smtClean="0"/>
-              <a:t>Casos de </a:t>
+              <a:t>Massa de Dados</a:t>
             </a:r>
+            <a:endParaRPr lang="pt-BR" b="1" dirty="0"/>
+          </a:p>
+        </p:txBody>
+      </p:sp>
+      <p:sp>
+        <p:nvSpPr>
+          <p:cNvPr id="3" name="Espaço Reservado para Conteúdo 2"/>
+          <p:cNvSpPr>
+            <a:spLocks noGrp="1"/>
+          </p:cNvSpPr>
+          <p:nvPr>
+            <p:ph idx="1"/>
+          </p:nvPr>
+        </p:nvSpPr>
+        <p:spPr/>
+        <p:txBody>
+          <a:bodyPr/>
+          <a:lstStyle/>
+          <a:p>
+            <a:r>
+              <a:rPr lang="pt-BR" sz="2000" dirty="0" smtClean="0"/>
+              <a:t>Dados fictícios de clientes:</a:t>
+            </a:r>
+          </a:p>
+          <a:p>
+            <a:pPr marL="0" indent="0">
+              <a:buNone/>
+            </a:pPr>
+            <a:endParaRPr lang="pt-BR" dirty="0"/>
+          </a:p>
+          <a:p>
+            <a:pPr lvl="2"/>
+            <a:r>
+              <a:rPr lang="pt-BR" sz="2000" dirty="0" smtClean="0"/>
+              <a:t>Nome</a:t>
+            </a:r>
+          </a:p>
+          <a:p>
+            <a:pPr lvl="2"/>
+            <a:r>
+              <a:rPr lang="pt-BR" sz="2000" dirty="0" smtClean="0"/>
+              <a:t>Empresa</a:t>
+            </a:r>
+          </a:p>
+          <a:p>
+            <a:pPr lvl="2"/>
+            <a:r>
+              <a:rPr lang="pt-BR" sz="2000" dirty="0" smtClean="0"/>
+              <a:t>CPF/CNPJ</a:t>
+            </a:r>
+          </a:p>
+          <a:p>
+            <a:pPr lvl="2"/>
+            <a:r>
+              <a:rPr lang="pt-BR" sz="2000" dirty="0" smtClean="0"/>
+              <a:t>Tipo de serviço prestado</a:t>
+            </a:r>
+          </a:p>
+          <a:p>
+            <a:endParaRPr lang="pt-BR" dirty="0"/>
+          </a:p>
+        </p:txBody>
+      </p:sp>
+    </p:spTree>
+    <p:extLst>
+      <p:ext uri="{BB962C8B-B14F-4D97-AF65-F5344CB8AC3E}">
+        <p14:creationId xmlns:p14="http://schemas.microsoft.com/office/powerpoint/2010/main" val="2255650603"/>
+      </p:ext>
+    </p:extLst>
+  </p:cSld>
+  <p:clrMapOvr>
+    <a:masterClrMapping/>
+  </p:clrMapOvr>
+  <p:timing>
+    <p:tnLst>
+      <p:par>
+        <p:cTn id="1" dur="indefinite" restart="never" nodeType="tmRoot"/>
+      </p:par>
+    </p:tnLst>
+  </p:timing>
+</p:sld>
+</file>
+
+<file path=ppt/slides/slide19.xml><?xml version="1.0" encoding="utf-8"?>
+<p:sld xmlns:a="http://schemas.openxmlformats.org/drawingml/2006/main" xmlns:r="http://schemas.openxmlformats.org/officeDocument/2006/relationships" xmlns:p="http://schemas.openxmlformats.org/presentationml/2006/main">
+  <p:cSld>
+    <p:spTree>
+      <p:nvGrpSpPr>
+        <p:cNvPr id="1" name=""/>
+        <p:cNvGrpSpPr/>
+        <p:nvPr/>
+      </p:nvGrpSpPr>
+      <p:grpSpPr>
+        <a:xfrm>
+          <a:off x="0" y="0"/>
+          <a:ext cx="0" cy="0"/>
+          <a:chOff x="0" y="0"/>
+          <a:chExt cx="0" cy="0"/>
+        </a:xfrm>
+      </p:grpSpPr>
+      <p:sp>
+        <p:nvSpPr>
+          <p:cNvPr id="2" name="Título 1"/>
+          <p:cNvSpPr>
+            <a:spLocks noGrp="1"/>
+          </p:cNvSpPr>
+          <p:nvPr>
+            <p:ph type="title"/>
+          </p:nvPr>
+        </p:nvSpPr>
+        <p:spPr/>
+        <p:txBody>
+          <a:bodyPr/>
+          <a:lstStyle/>
+          <a:p>
             <a:r>
               <a:rPr lang="pt-BR" b="1" dirty="0" smtClean="0"/>
-              <a:t>Teste </a:t>
-            </a:r>
-            <a:r>
-              <a:rPr lang="pt-BR" b="1" dirty="0" smtClean="0"/>
-              <a:t/>
+              <a:t>Casos de Teste </a:t>
             </a:r>
             <a:br>
               <a:rPr lang="pt-BR" b="1" dirty="0" smtClean="0"/>
@@ -10408,7 +10674,7 @@
           <a:graphicData uri="http://schemas.openxmlformats.org/presentationml/2006/ole">
             <mc:AlternateContent xmlns:mc="http://schemas.openxmlformats.org/markup-compatibility/2006">
               <mc:Choice xmlns:v="urn:schemas-microsoft-com:vml" Requires="v">
-                <p:oleObj spid="_x0000_s9222" name="Planilha" r:id="rId3" imgW="1228771" imgH="390594" progId="Excel.Sheet.12">
+                <p:oleObj spid="_x0000_s9225" name="Planilha" r:id="rId3" imgW="1228771" imgH="390594" progId="Excel.Sheet.12">
                   <p:embed/>
                 </p:oleObj>
               </mc:Choice>
@@ -11056,93 +11322,6 @@
 </p:sld>
 </file>
 
-<file path=ppt/slides/slide19.xml><?xml version="1.0" encoding="utf-8"?>
-<p:sld xmlns:a="http://schemas.openxmlformats.org/drawingml/2006/main" xmlns:r="http://schemas.openxmlformats.org/officeDocument/2006/relationships" xmlns:p="http://schemas.openxmlformats.org/presentationml/2006/main">
-  <p:cSld>
-    <p:spTree>
-      <p:nvGrpSpPr>
-        <p:cNvPr id="1" name=""/>
-        <p:cNvGrpSpPr/>
-        <p:nvPr/>
-      </p:nvGrpSpPr>
-      <p:grpSpPr>
-        <a:xfrm>
-          <a:off x="0" y="0"/>
-          <a:ext cx="0" cy="0"/>
-          <a:chOff x="0" y="0"/>
-          <a:chExt cx="0" cy="0"/>
-        </a:xfrm>
-      </p:grpSpPr>
-      <p:sp>
-        <p:nvSpPr>
-          <p:cNvPr id="3" name="Content Placeholder 2"/>
-          <p:cNvSpPr>
-            <a:spLocks noGrp="1"/>
-          </p:cNvSpPr>
-          <p:nvPr>
-            <p:ph idx="1"/>
-          </p:nvPr>
-        </p:nvSpPr>
-        <p:spPr>
-          <a:xfrm>
-            <a:off x="179512" y="1196752"/>
-            <a:ext cx="8785225" cy="4751387"/>
-          </a:xfrm>
-        </p:spPr>
-        <p:txBody>
-          <a:bodyPr/>
-          <a:lstStyle/>
-          <a:p>
-            <a:pPr algn="ctr">
-              <a:buNone/>
-            </a:pPr>
-            <a:endParaRPr lang="en-US" sz="4400" dirty="0" smtClean="0">
-              <a:latin typeface="Verdana" pitchFamily="34" charset="0"/>
-              <a:ea typeface="Verdana" pitchFamily="34" charset="0"/>
-              <a:cs typeface="Verdana" pitchFamily="34" charset="0"/>
-            </a:endParaRPr>
-          </a:p>
-          <a:p>
-            <a:pPr algn="ctr">
-              <a:buNone/>
-            </a:pPr>
-            <a:r>
-              <a:rPr lang="en-US" sz="5400" b="1" dirty="0" smtClean="0">
-                <a:latin typeface="Verdana" pitchFamily="34" charset="0"/>
-                <a:ea typeface="Verdana" pitchFamily="34" charset="0"/>
-                <a:cs typeface="Verdana" pitchFamily="34" charset="0"/>
-              </a:rPr>
-              <a:t>KPI</a:t>
-            </a:r>
-          </a:p>
-          <a:p>
-            <a:pPr algn="ctr">
-              <a:buNone/>
-            </a:pPr>
-            <a:r>
-              <a:rPr lang="en-US" sz="3600" dirty="0" smtClean="0">
-                <a:latin typeface="Verdana" pitchFamily="34" charset="0"/>
-                <a:ea typeface="Verdana" pitchFamily="34" charset="0"/>
-                <a:cs typeface="Verdana" pitchFamily="34" charset="0"/>
-              </a:rPr>
-              <a:t>Key Performance Indicator</a:t>
-            </a:r>
-            <a:endParaRPr lang="en-US" sz="3600" dirty="0">
-              <a:latin typeface="Verdana" pitchFamily="34" charset="0"/>
-              <a:ea typeface="Verdana" pitchFamily="34" charset="0"/>
-              <a:cs typeface="Verdana" pitchFamily="34" charset="0"/>
-            </a:endParaRPr>
-          </a:p>
-        </p:txBody>
-      </p:sp>
-    </p:spTree>
-  </p:cSld>
-  <p:clrMapOvr>
-    <a:masterClrMapping/>
-  </p:clrMapOvr>
-</p:sld>
-</file>
-
 <file path=ppt/slides/slide2.xml><?xml version="1.0" encoding="utf-8"?>
 <p:sld xmlns:a="http://schemas.openxmlformats.org/drawingml/2006/main" xmlns:r="http://schemas.openxmlformats.org/officeDocument/2006/relationships" xmlns:p="http://schemas.openxmlformats.org/presentationml/2006/main">
   <p:cSld>
@@ -11241,6 +11420,93 @@
       </p:grpSpPr>
       <p:sp>
         <p:nvSpPr>
+          <p:cNvPr id="3" name="Content Placeholder 2"/>
+          <p:cNvSpPr>
+            <a:spLocks noGrp="1"/>
+          </p:cNvSpPr>
+          <p:nvPr>
+            <p:ph idx="1"/>
+          </p:nvPr>
+        </p:nvSpPr>
+        <p:spPr>
+          <a:xfrm>
+            <a:off x="179512" y="1196752"/>
+            <a:ext cx="8785225" cy="4751387"/>
+          </a:xfrm>
+        </p:spPr>
+        <p:txBody>
+          <a:bodyPr/>
+          <a:lstStyle/>
+          <a:p>
+            <a:pPr algn="ctr">
+              <a:buNone/>
+            </a:pPr>
+            <a:endParaRPr lang="en-US" sz="4400" dirty="0" smtClean="0">
+              <a:latin typeface="Verdana" pitchFamily="34" charset="0"/>
+              <a:ea typeface="Verdana" pitchFamily="34" charset="0"/>
+              <a:cs typeface="Verdana" pitchFamily="34" charset="0"/>
+            </a:endParaRPr>
+          </a:p>
+          <a:p>
+            <a:pPr algn="ctr">
+              <a:buNone/>
+            </a:pPr>
+            <a:r>
+              <a:rPr lang="en-US" sz="5400" b="1" dirty="0" smtClean="0">
+                <a:latin typeface="Verdana" pitchFamily="34" charset="0"/>
+                <a:ea typeface="Verdana" pitchFamily="34" charset="0"/>
+                <a:cs typeface="Verdana" pitchFamily="34" charset="0"/>
+              </a:rPr>
+              <a:t>KPI</a:t>
+            </a:r>
+          </a:p>
+          <a:p>
+            <a:pPr algn="ctr">
+              <a:buNone/>
+            </a:pPr>
+            <a:r>
+              <a:rPr lang="en-US" sz="3600" dirty="0" smtClean="0">
+                <a:latin typeface="Verdana" pitchFamily="34" charset="0"/>
+                <a:ea typeface="Verdana" pitchFamily="34" charset="0"/>
+                <a:cs typeface="Verdana" pitchFamily="34" charset="0"/>
+              </a:rPr>
+              <a:t>Key Performance Indicator</a:t>
+            </a:r>
+            <a:endParaRPr lang="en-US" sz="3600" dirty="0">
+              <a:latin typeface="Verdana" pitchFamily="34" charset="0"/>
+              <a:ea typeface="Verdana" pitchFamily="34" charset="0"/>
+              <a:cs typeface="Verdana" pitchFamily="34" charset="0"/>
+            </a:endParaRPr>
+          </a:p>
+        </p:txBody>
+      </p:sp>
+    </p:spTree>
+  </p:cSld>
+  <p:clrMapOvr>
+    <a:masterClrMapping/>
+  </p:clrMapOvr>
+</p:sld>
+</file>
+
+<file path=ppt/slides/slide21.xml><?xml version="1.0" encoding="utf-8"?>
+<p:sld xmlns:a="http://schemas.openxmlformats.org/drawingml/2006/main" xmlns:r="http://schemas.openxmlformats.org/officeDocument/2006/relationships" xmlns:p="http://schemas.openxmlformats.org/presentationml/2006/main">
+  <p:cSld>
+    <p:spTree>
+      <p:nvGrpSpPr>
+        <p:cNvPr id="1" name=""/>
+        <p:cNvGrpSpPr/>
+        <p:nvPr/>
+      </p:nvGrpSpPr>
+      <p:grpSpPr>
+        <a:xfrm>
+          <a:off x="0" y="0"/>
+          <a:ext cx="0" cy="0"/>
+          <a:chOff x="0" y="0"/>
+          <a:chExt cx="0" cy="0"/>
+        </a:xfrm>
+      </p:grpSpPr>
+      <p:sp>
+        <p:nvSpPr>
           <p:cNvPr id="2" name="Title 1"/>
           <p:cNvSpPr>
             <a:spLocks noGrp="1"/>
@@ -11309,7 +11575,7 @@
 </p:sld>
 </file>
 
-<file path=ppt/slides/slide21.xml><?xml version="1.0" encoding="utf-8"?>
+<file path=ppt/slides/slide22.xml><?xml version="1.0" encoding="utf-8"?>
 <p:sld xmlns:a="http://schemas.openxmlformats.org/drawingml/2006/main" xmlns:r="http://schemas.openxmlformats.org/officeDocument/2006/relationships" xmlns:p="http://schemas.openxmlformats.org/presentationml/2006/main">
   <p:cSld>
     <p:spTree>

--- a/Qualidade de Produto de SW/Qualidade de produto de SW - TRABALHO.pptx
+++ b/Qualidade de Produto de SW/Qualidade de produto de SW - TRABALHO.pptx
@@ -35,21 +35,21 @@
   <p:notesSz cx="7315200" cy="9601200"/>
   <p:embeddedFontLst>
     <p:embeddedFont>
-      <p:font typeface="Verdana" panose="020B0604030504040204" pitchFamily="34" charset="0"/>
+      <p:font typeface="Verdana" pitchFamily="34" charset="0"/>
       <p:regular r:id="rId25"/>
       <p:bold r:id="rId26"/>
       <p:italic r:id="rId27"/>
       <p:boldItalic r:id="rId28"/>
     </p:embeddedFont>
     <p:embeddedFont>
-      <p:font typeface="Calibri" panose="020F0502020204030204" pitchFamily="34" charset="0"/>
+      <p:font typeface="Calibri" pitchFamily="34" charset="0"/>
       <p:regular r:id="rId29"/>
       <p:bold r:id="rId30"/>
       <p:italic r:id="rId31"/>
       <p:boldItalic r:id="rId32"/>
     </p:embeddedFont>
     <p:embeddedFont>
-      <p:font typeface="Tahoma" panose="020B0604030504040204" pitchFamily="34" charset="0"/>
+      <p:font typeface="Tahoma" pitchFamily="34" charset="0"/>
       <p:regular r:id="rId33"/>
       <p:bold r:id="rId34"/>
     </p:embeddedFont>
@@ -258,7 +258,7 @@
   </p:defaultTextStyle>
   <p:extLst>
     <p:ext uri="{EFAFB233-063F-42B5-8137-9DF3F51BA10A}">
-      <p15:sldGuideLst xmlns:p15="http://schemas.microsoft.com/office/powerpoint/2012/main">
+      <p15:sldGuideLst xmlns:p15="http://schemas.microsoft.com/office/powerpoint/2012/main" xmlns="">
         <p15:guide id="1" orient="horz" pos="2160">
           <p15:clr>
             <a:srgbClr val="A4A3A4"/>
@@ -1182,7 +1182,7 @@
                 <a:buFont typeface="Tahoma"/>
                 <a:buNone/>
               </a:pPr>
-              <a:t>‹nº›</a:t>
+              <a:t>‹#›</a:t>
             </a:fld>
             <a:endParaRPr lang="en-US" sz="1300" b="0" i="0" u="none" strike="noStrike" cap="none">
               <a:solidFill>
@@ -1199,7 +1199,7 @@
     </p:spTree>
     <p:extLst>
       <p:ext uri="{BB962C8B-B14F-4D97-AF65-F5344CB8AC3E}">
-        <p14:creationId xmlns:p14="http://schemas.microsoft.com/office/powerpoint/2010/main" val="1559816394"/>
+        <p14:creationId xmlns:p14="http://schemas.microsoft.com/office/powerpoint/2010/main" xmlns="" val="1559816394"/>
       </p:ext>
     </p:extLst>
   </p:cSld>
@@ -1395,7 +1395,7 @@
     </p:spTree>
     <p:extLst>
       <p:ext uri="{BB962C8B-B14F-4D97-AF65-F5344CB8AC3E}">
-        <p14:creationId xmlns:p14="http://schemas.microsoft.com/office/powerpoint/2010/main" val="4222154634"/>
+        <p14:creationId xmlns:p14="http://schemas.microsoft.com/office/powerpoint/2010/main" xmlns="" val="4222154634"/>
       </p:ext>
     </p:extLst>
   </p:cSld>
@@ -1511,7 +1511,7 @@
     </p:spTree>
     <p:extLst>
       <p:ext uri="{BB962C8B-B14F-4D97-AF65-F5344CB8AC3E}">
-        <p14:creationId xmlns:p14="http://schemas.microsoft.com/office/powerpoint/2010/main" val="1279608820"/>
+        <p14:creationId xmlns:p14="http://schemas.microsoft.com/office/powerpoint/2010/main" xmlns="" val="1279608820"/>
       </p:ext>
     </p:extLst>
   </p:cSld>
@@ -1744,7 +1744,7 @@
     </p:spTree>
     <p:extLst>
       <p:ext uri="{BB962C8B-B14F-4D97-AF65-F5344CB8AC3E}">
-        <p14:creationId xmlns:p14="http://schemas.microsoft.com/office/powerpoint/2010/main" val="2478786571"/>
+        <p14:creationId xmlns:p14="http://schemas.microsoft.com/office/powerpoint/2010/main" xmlns="" val="2478786571"/>
       </p:ext>
     </p:extLst>
   </p:cSld>
@@ -2038,7 +2038,7 @@
     </p:spTree>
     <p:extLst>
       <p:ext uri="{BB962C8B-B14F-4D97-AF65-F5344CB8AC3E}">
-        <p14:creationId xmlns:p14="http://schemas.microsoft.com/office/powerpoint/2010/main" val="2328964540"/>
+        <p14:creationId xmlns:p14="http://schemas.microsoft.com/office/powerpoint/2010/main" xmlns="" val="2328964540"/>
       </p:ext>
     </p:extLst>
   </p:cSld>
@@ -2392,7 +2392,7 @@
                 <a:cs typeface="Verdana" pitchFamily="34" charset="0"/>
               </a:rPr>
               <a:pPr/>
-              <a:t>‹nº›</a:t>
+              <a:t>‹#›</a:t>
             </a:fld>
             <a:endParaRPr lang="pt-BR" sz="1400" b="1" dirty="0">
               <a:solidFill>
@@ -2411,7 +2411,7 @@
     </p:spTree>
     <p:extLst>
       <p:ext uri="{BB962C8B-B14F-4D97-AF65-F5344CB8AC3E}">
-        <p14:creationId xmlns:p14="http://schemas.microsoft.com/office/powerpoint/2010/main" val="3375524679"/>
+        <p14:creationId xmlns:p14="http://schemas.microsoft.com/office/powerpoint/2010/main" xmlns="" val="3375524679"/>
       </p:ext>
     </p:extLst>
   </p:cSld>
@@ -2441,7 +2441,7 @@
     </p:spTree>
     <p:extLst>
       <p:ext uri="{BB962C8B-B14F-4D97-AF65-F5344CB8AC3E}">
-        <p14:creationId xmlns:p14="http://schemas.microsoft.com/office/powerpoint/2010/main" val="772820594"/>
+        <p14:creationId xmlns:p14="http://schemas.microsoft.com/office/powerpoint/2010/main" xmlns="" val="772820594"/>
       </p:ext>
     </p:extLst>
   </p:cSld>
@@ -2603,7 +2603,7 @@
     </p:spTree>
     <p:extLst>
       <p:ext uri="{BB962C8B-B14F-4D97-AF65-F5344CB8AC3E}">
-        <p14:creationId xmlns:p14="http://schemas.microsoft.com/office/powerpoint/2010/main" val="2806790013"/>
+        <p14:creationId xmlns:p14="http://schemas.microsoft.com/office/powerpoint/2010/main" xmlns="" val="2806790013"/>
       </p:ext>
     </p:extLst>
   </p:cSld>
@@ -2744,7 +2744,7 @@
     </p:spTree>
     <p:extLst>
       <p:ext uri="{BB962C8B-B14F-4D97-AF65-F5344CB8AC3E}">
-        <p14:creationId xmlns:p14="http://schemas.microsoft.com/office/powerpoint/2010/main" val="1674071280"/>
+        <p14:creationId xmlns:p14="http://schemas.microsoft.com/office/powerpoint/2010/main" xmlns="" val="1674071280"/>
       </p:ext>
     </p:extLst>
   </p:cSld>
@@ -2927,7 +2927,7 @@
     </p:spTree>
     <p:extLst>
       <p:ext uri="{BB962C8B-B14F-4D97-AF65-F5344CB8AC3E}">
-        <p14:creationId xmlns:p14="http://schemas.microsoft.com/office/powerpoint/2010/main" val="3915180986"/>
+        <p14:creationId xmlns:p14="http://schemas.microsoft.com/office/powerpoint/2010/main" xmlns="" val="3915180986"/>
       </p:ext>
     </p:extLst>
   </p:cSld>
@@ -2992,7 +2992,7 @@
     </p:spTree>
     <p:extLst>
       <p:ext uri="{BB962C8B-B14F-4D97-AF65-F5344CB8AC3E}">
-        <p14:creationId xmlns:p14="http://schemas.microsoft.com/office/powerpoint/2010/main" val="3402029070"/>
+        <p14:creationId xmlns:p14="http://schemas.microsoft.com/office/powerpoint/2010/main" xmlns="" val="3402029070"/>
       </p:ext>
     </p:extLst>
   </p:cSld>
@@ -3070,7 +3070,7 @@
     </p:spTree>
     <p:extLst>
       <p:ext uri="{BB962C8B-B14F-4D97-AF65-F5344CB8AC3E}">
-        <p14:creationId xmlns:p14="http://schemas.microsoft.com/office/powerpoint/2010/main" val="721522243"/>
+        <p14:creationId xmlns:p14="http://schemas.microsoft.com/office/powerpoint/2010/main" xmlns="" val="721522243"/>
       </p:ext>
     </p:extLst>
   </p:cSld>
@@ -3202,7 +3202,7 @@
     </p:spTree>
     <p:extLst>
       <p:ext uri="{BB962C8B-B14F-4D97-AF65-F5344CB8AC3E}">
-        <p14:creationId xmlns:p14="http://schemas.microsoft.com/office/powerpoint/2010/main" val="656146748"/>
+        <p14:creationId xmlns:p14="http://schemas.microsoft.com/office/powerpoint/2010/main" xmlns="" val="656146748"/>
       </p:ext>
     </p:extLst>
   </p:cSld>
@@ -3761,7 +3761,7 @@
         </p:nvGraphicFramePr>
         <p:xfrm>
           <a:off x="726046" y="1916832"/>
-          <a:ext cx="7704856" cy="4615942"/>
+          <a:ext cx="7704856" cy="4534982"/>
         </p:xfrm>
         <a:graphic>
           <a:graphicData uri="http://schemas.openxmlformats.org/drawingml/2006/table">
@@ -4813,7 +4813,7 @@
     </p:spTree>
     <p:extLst>
       <p:ext uri="{BB962C8B-B14F-4D97-AF65-F5344CB8AC3E}">
-        <p14:creationId xmlns:p14="http://schemas.microsoft.com/office/powerpoint/2010/main" val="3488319752"/>
+        <p14:creationId xmlns:p14="http://schemas.microsoft.com/office/powerpoint/2010/main" xmlns="" val="3488319752"/>
       </p:ext>
     </p:extLst>
   </p:cSld>
@@ -4891,7 +4891,7 @@
         </p:nvGraphicFramePr>
         <p:xfrm>
           <a:off x="755576" y="2060846"/>
-          <a:ext cx="7704856" cy="4061891"/>
+          <a:ext cx="7704856" cy="4046016"/>
         </p:xfrm>
         <a:graphic>
           <a:graphicData uri="http://schemas.openxmlformats.org/drawingml/2006/table">
@@ -5782,7 +5782,7 @@
     </p:spTree>
     <p:extLst>
       <p:ext uri="{BB962C8B-B14F-4D97-AF65-F5344CB8AC3E}">
-        <p14:creationId xmlns:p14="http://schemas.microsoft.com/office/powerpoint/2010/main" val="1068463166"/>
+        <p14:creationId xmlns:p14="http://schemas.microsoft.com/office/powerpoint/2010/main" xmlns="" val="1068463166"/>
       </p:ext>
     </p:extLst>
   </p:cSld>
@@ -6580,7 +6580,7 @@
     </p:spTree>
     <p:extLst>
       <p:ext uri="{BB962C8B-B14F-4D97-AF65-F5344CB8AC3E}">
-        <p14:creationId xmlns:p14="http://schemas.microsoft.com/office/powerpoint/2010/main" val="2224284626"/>
+        <p14:creationId xmlns:p14="http://schemas.microsoft.com/office/powerpoint/2010/main" xmlns="" val="2224284626"/>
       </p:ext>
     </p:extLst>
   </p:cSld>
@@ -6681,7 +6681,7 @@
         </p:nvGraphicFramePr>
         <p:xfrm>
           <a:off x="971600" y="2420888"/>
-          <a:ext cx="7488832" cy="3816689"/>
+          <a:ext cx="7488832" cy="3803672"/>
         </p:xfrm>
         <a:graphic>
           <a:graphicData uri="http://schemas.openxmlformats.org/drawingml/2006/table">
@@ -7608,7 +7608,7 @@
     </p:spTree>
     <p:extLst>
       <p:ext uri="{BB962C8B-B14F-4D97-AF65-F5344CB8AC3E}">
-        <p14:creationId xmlns:p14="http://schemas.microsoft.com/office/powerpoint/2010/main" val="2350085748"/>
+        <p14:creationId xmlns:p14="http://schemas.microsoft.com/office/powerpoint/2010/main" xmlns="" val="2350085748"/>
       </p:ext>
     </p:extLst>
   </p:cSld>
@@ -7828,19 +7828,7 @@
             </a:r>
             <a:r>
               <a:rPr lang="pt-BR" sz="2000" dirty="0" smtClean="0"/>
-              <a:t>    </a:t>
-            </a:r>
-            <a:r>
-              <a:rPr lang="pt-BR" sz="2000" dirty="0" smtClean="0"/>
-              <a:t>2 </a:t>
-            </a:r>
-            <a:r>
-              <a:rPr lang="pt-BR" sz="2000" dirty="0" smtClean="0"/>
-              <a:t>GB de </a:t>
-            </a:r>
-            <a:r>
-              <a:rPr lang="pt-BR" sz="2000" dirty="0" smtClean="0"/>
-              <a:t>RAM </a:t>
+              <a:t>    2 GB de RAM </a:t>
             </a:r>
           </a:p>
           <a:p>
@@ -7853,11 +7841,7 @@
             </a:r>
             <a:r>
               <a:rPr lang="pt-BR" sz="2000" dirty="0" smtClean="0"/>
-              <a:t>    </a:t>
-            </a:r>
-            <a:r>
-              <a:rPr lang="pt-BR" sz="2000" dirty="0" smtClean="0"/>
-              <a:t>5OO GB HD</a:t>
+              <a:t>    5OO GB HD</a:t>
             </a:r>
           </a:p>
           <a:p>
@@ -7870,19 +7854,7 @@
             </a:r>
             <a:r>
               <a:rPr lang="pt-BR" sz="2000" dirty="0" smtClean="0"/>
-              <a:t>   </a:t>
-            </a:r>
-            <a:r>
-              <a:rPr lang="pt-BR" sz="2000" dirty="0" smtClean="0"/>
-              <a:t> </a:t>
-            </a:r>
-            <a:r>
-              <a:rPr lang="pt-BR" sz="2000" dirty="0" smtClean="0"/>
-              <a:t>Processador </a:t>
-            </a:r>
-            <a:r>
-              <a:rPr lang="pt-BR" sz="2000" dirty="0" smtClean="0"/>
-              <a:t>I3</a:t>
+              <a:t>    Processador I3</a:t>
             </a:r>
           </a:p>
           <a:p>
@@ -7893,7 +7865,6 @@
               <a:rPr lang="pt-BR" sz="2000" dirty="0" smtClean="0"/>
               <a:t>     Vi</a:t>
             </a:r>
-            <a:endParaRPr lang="pt-BR" sz="2000" dirty="0" smtClean="0"/>
           </a:p>
           <a:p>
             <a:endParaRPr lang="pt-BR" sz="2000" dirty="0" smtClean="0"/>
@@ -7922,7 +7893,7 @@
     </p:spTree>
     <p:extLst>
       <p:ext uri="{BB962C8B-B14F-4D97-AF65-F5344CB8AC3E}">
-        <p14:creationId xmlns:p14="http://schemas.microsoft.com/office/powerpoint/2010/main" val="2672163100"/>
+        <p14:creationId xmlns:p14="http://schemas.microsoft.com/office/powerpoint/2010/main" xmlns="" val="2672163100"/>
       </p:ext>
     </p:extLst>
   </p:cSld>
@@ -8020,11 +7991,76 @@
             <a:pPr lvl="2"/>
             <a:r>
               <a:rPr lang="pt-BR" dirty="0" smtClean="0"/>
-              <a:t>HD: 500 GB</a:t>
+              <a:t>HD: 500 </a:t>
+            </a:r>
+            <a:r>
+              <a:rPr lang="pt-BR" dirty="0" smtClean="0"/>
+              <a:t>GB</a:t>
             </a:r>
           </a:p>
           <a:p>
             <a:pPr lvl="2"/>
+            <a:r>
+              <a:rPr lang="pt-BR" dirty="0" smtClean="0"/>
+              <a:t>PROCESSADOR: I5</a:t>
+            </a:r>
+          </a:p>
+          <a:p>
+            <a:pPr lvl="2"/>
+            <a:endParaRPr lang="pt-BR" dirty="0" smtClean="0"/>
+          </a:p>
+          <a:p>
+            <a:pPr lvl="1"/>
+            <a:r>
+              <a:rPr lang="pt-BR" dirty="0" smtClean="0"/>
+              <a:t>Software</a:t>
+            </a:r>
+          </a:p>
+          <a:p>
+            <a:pPr lvl="2"/>
+            <a:r>
+              <a:rPr lang="pt-BR" dirty="0" smtClean="0"/>
+              <a:t>Windows 7</a:t>
+            </a:r>
+          </a:p>
+          <a:p>
+            <a:pPr lvl="2"/>
+            <a:r>
+              <a:rPr lang="pt-BR" dirty="0" smtClean="0"/>
+              <a:t>Visual Studio</a:t>
+            </a:r>
+          </a:p>
+          <a:p>
+            <a:pPr lvl="2"/>
+            <a:r>
+              <a:rPr lang="pt-BR" dirty="0" smtClean="0"/>
+              <a:t>Selenium Web driver/IDE</a:t>
+            </a:r>
+          </a:p>
+          <a:p>
+            <a:pPr lvl="2">
+              <a:buNone/>
+            </a:pPr>
+            <a:endParaRPr lang="pt-BR" dirty="0" smtClean="0"/>
+          </a:p>
+          <a:p>
+            <a:pPr lvl="2">
+              <a:buNone/>
+            </a:pPr>
+            <a:endParaRPr lang="pt-BR" dirty="0" smtClean="0"/>
+          </a:p>
+          <a:p>
+            <a:pPr marL="1714500" lvl="3" indent="-342900">
+              <a:buNone/>
+            </a:pPr>
+            <a:endParaRPr lang="pt-BR" dirty="0" smtClean="0"/>
+          </a:p>
+          <a:p>
+            <a:pPr lvl="3"/>
+            <a:endParaRPr lang="pt-BR" dirty="0" smtClean="0"/>
+          </a:p>
+          <a:p>
+            <a:pPr lvl="3"/>
             <a:endParaRPr lang="pt-BR" dirty="0"/>
           </a:p>
         </p:txBody>
@@ -8032,7 +8068,7 @@
     </p:spTree>
     <p:extLst>
       <p:ext uri="{BB962C8B-B14F-4D97-AF65-F5344CB8AC3E}">
-        <p14:creationId xmlns:p14="http://schemas.microsoft.com/office/powerpoint/2010/main" val="125991297"/>
+        <p14:creationId xmlns:p14="http://schemas.microsoft.com/office/powerpoint/2010/main" xmlns="" val="125991297"/>
       </p:ext>
     </p:extLst>
   </p:cSld>
@@ -8095,7 +8131,7 @@
         </p:nvGraphicFramePr>
         <p:xfrm>
           <a:off x="971600" y="1844825"/>
-          <a:ext cx="7416824" cy="3972424"/>
+          <a:ext cx="7416824" cy="3960440"/>
         </p:xfrm>
         <a:graphic>
           <a:graphicData uri="http://schemas.openxmlformats.org/drawingml/2006/table">
@@ -9217,7 +9253,7 @@
     </p:spTree>
     <p:extLst>
       <p:ext uri="{BB962C8B-B14F-4D97-AF65-F5344CB8AC3E}">
-        <p14:creationId xmlns:p14="http://schemas.microsoft.com/office/powerpoint/2010/main" val="3472621727"/>
+        <p14:creationId xmlns:p14="http://schemas.microsoft.com/office/powerpoint/2010/main" xmlns="" val="3472621727"/>
       </p:ext>
     </p:extLst>
   </p:cSld>
@@ -9315,7 +9351,7 @@
         </p:nvGraphicFramePr>
         <p:xfrm>
           <a:off x="611560" y="2204864"/>
-          <a:ext cx="7920880" cy="3991562"/>
+          <a:ext cx="7920880" cy="3978545"/>
         </p:xfrm>
         <a:graphic>
           <a:graphicData uri="http://schemas.openxmlformats.org/drawingml/2006/table">
@@ -10400,14 +10436,14 @@
           <a:effectLst/>
           <a:extLst>
             <a:ext uri="{909E8E84-426E-40DD-AFC4-6F175D3DCCD1}">
-              <a14:hiddenFill xmlns:a14="http://schemas.microsoft.com/office/drawing/2010/main">
+              <a14:hiddenFill xmlns:a14="http://schemas.microsoft.com/office/drawing/2010/main" xmlns="">
                 <a:solidFill>
                   <a:schemeClr val="accent1"/>
                 </a:solidFill>
               </a14:hiddenFill>
             </a:ext>
             <a:ext uri="{91240B29-F687-4F45-9708-019B960494DF}">
-              <a14:hiddenLine xmlns:a14="http://schemas.microsoft.com/office/drawing/2010/main" w="9525">
+              <a14:hiddenLine xmlns:a14="http://schemas.microsoft.com/office/drawing/2010/main" xmlns="" w="9525">
                 <a:solidFill>
                   <a:schemeClr val="tx1"/>
                 </a:solidFill>
@@ -10417,7 +10453,7 @@
               </a14:hiddenLine>
             </a:ext>
             <a:ext uri="{AF507438-7753-43E0-B8FC-AC1667EBCBE1}">
-              <a14:hiddenEffects xmlns:a14="http://schemas.microsoft.com/office/drawing/2010/main">
+              <a14:hiddenEffects xmlns:a14="http://schemas.microsoft.com/office/drawing/2010/main" xmlns="">
                 <a:effectLst>
                   <a:outerShdw dist="35921" dir="2700000" algn="ctr" rotWithShape="0">
                     <a:schemeClr val="bg2"/>
@@ -10469,7 +10505,7 @@
     </p:spTree>
     <p:extLst>
       <p:ext uri="{BB962C8B-B14F-4D97-AF65-F5344CB8AC3E}">
-        <p14:creationId xmlns:p14="http://schemas.microsoft.com/office/powerpoint/2010/main" val="3069635047"/>
+        <p14:creationId xmlns:p14="http://schemas.microsoft.com/office/powerpoint/2010/main" xmlns="" val="3069635047"/>
       </p:ext>
     </p:extLst>
   </p:cSld>
@@ -10588,7 +10624,7 @@
     </p:spTree>
     <p:extLst>
       <p:ext uri="{BB962C8B-B14F-4D97-AF65-F5344CB8AC3E}">
-        <p14:creationId xmlns:p14="http://schemas.microsoft.com/office/powerpoint/2010/main" val="2255650603"/>
+        <p14:creationId xmlns:p14="http://schemas.microsoft.com/office/powerpoint/2010/main" xmlns="" val="2255650603"/>
       </p:ext>
     </p:extLst>
   </p:cSld>
@@ -10661,7 +10697,7 @@
           <p:nvPr>
             <p:extLst>
               <p:ext uri="{D42A27DB-BD31-4B8C-83A1-F6EECF244321}">
-                <p14:modId xmlns:p14="http://schemas.microsoft.com/office/powerpoint/2010/main" val="4138588668"/>
+                <p14:modId xmlns:p14="http://schemas.microsoft.com/office/powerpoint/2010/main" xmlns="" val="4138588668"/>
               </p:ext>
             </p:extLst>
           </p:nvPr>
@@ -10672,59 +10708,9 @@
         </p:xfrm>
         <a:graphic>
           <a:graphicData uri="http://schemas.openxmlformats.org/presentationml/2006/ole">
-            <mc:AlternateContent xmlns:mc="http://schemas.openxmlformats.org/markup-compatibility/2006">
-              <mc:Choice xmlns:v="urn:schemas-microsoft-com:vml" Requires="v">
-                <p:oleObj spid="_x0000_s9225" name="Planilha" r:id="rId3" imgW="1228771" imgH="390594" progId="Excel.Sheet.12">
-                  <p:embed/>
-                </p:oleObj>
-              </mc:Choice>
-              <mc:Fallback>
-                <p:oleObj name="Planilha" r:id="rId3" imgW="1228771" imgH="390594" progId="Excel.Sheet.12">
-                  <p:embed/>
-                  <p:pic>
-                    <p:nvPicPr>
-                      <p:cNvPr id="0" name="Picture 4"/>
-                      <p:cNvPicPr>
-                        <a:picLocks noChangeAspect="1" noChangeArrowheads="1"/>
-                      </p:cNvPicPr>
-                      <p:nvPr/>
-                    </p:nvPicPr>
-                    <p:blipFill>
-                      <a:blip r:embed="rId4">
-                        <a:extLst>
-                          <a:ext uri="{28A0092B-C50C-407E-A947-70E740481C1C}">
-                            <a14:useLocalDpi xmlns:a14="http://schemas.microsoft.com/office/drawing/2010/main" val="0"/>
-                          </a:ext>
-                        </a:extLst>
-                      </a:blip>
-                      <a:srcRect/>
-                      <a:stretch>
-                        <a:fillRect/>
-                      </a:stretch>
-                    </p:blipFill>
-                    <p:spPr bwMode="auto">
-                      <a:xfrm>
-                        <a:off x="3957638" y="3233738"/>
-                        <a:ext cx="1228725" cy="390525"/>
-                      </a:xfrm>
-                      <a:prstGeom prst="rect">
-                        <a:avLst/>
-                      </a:prstGeom>
-                      <a:noFill/>
-                      <a:extLst>
-                        <a:ext uri="{909E8E84-426E-40DD-AFC4-6F175D3DCCD1}">
-                          <a14:hiddenFill xmlns:a14="http://schemas.microsoft.com/office/drawing/2010/main">
-                            <a:solidFill>
-                              <a:srgbClr val="FFFFFF"/>
-                            </a:solidFill>
-                          </a14:hiddenFill>
-                        </a:ext>
-                      </a:extLst>
-                    </p:spPr>
-                  </p:pic>
-                </p:oleObj>
-              </mc:Fallback>
-            </mc:AlternateContent>
+            <p:oleObj spid="_x0000_s9225" name="Planilha" r:id="rId3" imgW="1228771" imgH="390594" progId="Excel.Sheet.12">
+              <p:embed/>
+            </p:oleObj>
           </a:graphicData>
         </a:graphic>
       </p:graphicFrame>
@@ -10738,14 +10724,14 @@
             <p:ph idx="1"/>
             <p:extLst>
               <p:ext uri="{D42A27DB-BD31-4B8C-83A1-F6EECF244321}">
-                <p14:modId xmlns:p14="http://schemas.microsoft.com/office/powerpoint/2010/main" val="2134768840"/>
+                <p14:modId xmlns:p14="http://schemas.microsoft.com/office/powerpoint/2010/main" xmlns="" val="2134768840"/>
               </p:ext>
             </p:extLst>
           </p:nvPr>
         </p:nvGraphicFramePr>
         <p:xfrm>
           <a:off x="0" y="2564904"/>
-          <a:ext cx="9144000" cy="2880320"/>
+          <a:ext cx="9144000" cy="3169931"/>
         </p:xfrm>
         <a:graphic>
           <a:graphicData uri="http://schemas.openxmlformats.org/drawingml/2006/table">
@@ -10758,11 +10744,11 @@
                 <a:gridCol w="474808"/>
                 <a:gridCol w="498549"/>
                 <a:gridCol w="967420"/>
-                <a:gridCol w="894221"/>
-                <a:gridCol w="458980"/>
-                <a:gridCol w="1068316"/>
-                <a:gridCol w="1297807"/>
-                <a:gridCol w="1250326"/>
+                <a:gridCol w="371256"/>
+                <a:gridCol w="648072"/>
+                <a:gridCol w="1152128"/>
+                <a:gridCol w="1656184"/>
+                <a:gridCol w="1142010"/>
                 <a:gridCol w="872459"/>
                 <a:gridCol w="973355"/>
               </a:tblGrid>
@@ -11144,12 +11130,12 @@
                     <a:p>
                       <a:pPr algn="l" fontAlgn="ctr"/>
                       <a:r>
-                        <a:rPr lang="pt-BR" sz="1200" u="none" strike="noStrike">
+                        <a:rPr lang="pt-BR" sz="1200" u="none" strike="noStrike" dirty="0">
                           <a:effectLst/>
                         </a:rPr>
                         <a:t>Funcional</a:t>
                       </a:r>
-                      <a:endParaRPr lang="pt-BR" sz="1200" b="0" i="0" u="none" strike="noStrike">
+                      <a:endParaRPr lang="pt-BR" sz="1200" b="0" i="0" u="none" strike="noStrike" dirty="0">
                         <a:solidFill>
                           <a:srgbClr val="000000"/>
                         </a:solidFill>
@@ -11167,12 +11153,12 @@
                     <a:p>
                       <a:pPr algn="ctr" fontAlgn="ctr"/>
                       <a:r>
-                        <a:rPr lang="pt-BR" sz="1200" u="none" strike="noStrike">
+                        <a:rPr lang="pt-BR" sz="1200" u="none" strike="noStrike" dirty="0">
                           <a:effectLst/>
                         </a:rPr>
                         <a:t>1. Agendamento Realizado.</a:t>
                       </a:r>
-                      <a:endParaRPr lang="pt-BR" sz="1200" b="0" i="0" u="none" strike="noStrike">
+                      <a:endParaRPr lang="pt-BR" sz="1200" b="0" i="0" u="none" strike="noStrike" dirty="0">
                         <a:solidFill>
                           <a:srgbClr val="000000"/>
                         </a:solidFill>
@@ -11190,34 +11176,34 @@
                     <a:p>
                       <a:pPr algn="l" fontAlgn="ctr"/>
                       <a:r>
-                        <a:rPr lang="pt-BR" sz="1200" u="none" strike="noStrike">
+                        <a:rPr lang="pt-BR" sz="1200" u="none" strike="noStrike" dirty="0">
                           <a:effectLst/>
                         </a:rPr>
                         <a:t>1. Home.</a:t>
                       </a:r>
                       <a:br>
-                        <a:rPr lang="pt-BR" sz="1200" u="none" strike="noStrike">
+                        <a:rPr lang="pt-BR" sz="1200" u="none" strike="noStrike" dirty="0">
                           <a:effectLst/>
                         </a:rPr>
                       </a:br>
                       <a:r>
-                        <a:rPr lang="pt-BR" sz="1200" u="none" strike="noStrike">
+                        <a:rPr lang="pt-BR" sz="1200" u="none" strike="noStrike" dirty="0">
                           <a:effectLst/>
                         </a:rPr>
                         <a:t>2. Selecione a opção "CANCELAR" na parte inferior da tela.</a:t>
                       </a:r>
                       <a:br>
-                        <a:rPr lang="pt-BR" sz="1200" u="none" strike="noStrike">
+                        <a:rPr lang="pt-BR" sz="1200" u="none" strike="noStrike" dirty="0">
                           <a:effectLst/>
                         </a:rPr>
                       </a:br>
                       <a:r>
-                        <a:rPr lang="pt-BR" sz="1200" u="none" strike="noStrike">
+                        <a:rPr lang="pt-BR" sz="1200" u="none" strike="noStrike" dirty="0">
                           <a:effectLst/>
                         </a:rPr>
                         <a:t>3.  Selecione "SALVAR".</a:t>
                       </a:r>
-                      <a:endParaRPr lang="pt-BR" sz="1200" b="0" i="0" u="none" strike="noStrike">
+                      <a:endParaRPr lang="pt-BR" sz="1200" b="0" i="0" u="none" strike="noStrike" dirty="0">
                         <a:solidFill>
                           <a:srgbClr val="000000"/>
                         </a:solidFill>
@@ -11305,7 +11291,7 @@
     </p:spTree>
     <p:extLst>
       <p:ext uri="{BB962C8B-B14F-4D97-AF65-F5344CB8AC3E}">
-        <p14:creationId xmlns:p14="http://schemas.microsoft.com/office/powerpoint/2010/main" val="1060046226"/>
+        <p14:creationId xmlns:p14="http://schemas.microsoft.com/office/powerpoint/2010/main" xmlns="" val="1060046226"/>
       </p:ext>
     </p:extLst>
   </p:cSld>
@@ -11384,7 +11370,7 @@
     </p:spTree>
     <p:extLst>
       <p:ext uri="{BB962C8B-B14F-4D97-AF65-F5344CB8AC3E}">
-        <p14:creationId xmlns:p14="http://schemas.microsoft.com/office/powerpoint/2010/main" val="33390202"/>
+        <p14:creationId xmlns:p14="http://schemas.microsoft.com/office/powerpoint/2010/main" xmlns="" val="33390202"/>
       </p:ext>
     </p:extLst>
   </p:cSld>
@@ -11538,32 +11524,284 @@
             <p:ph idx="1"/>
           </p:nvPr>
         </p:nvSpPr>
-        <p:spPr/>
+        <p:spPr>
+          <a:xfrm>
+            <a:off x="179388" y="1340768"/>
+            <a:ext cx="8785100" cy="5112568"/>
+          </a:xfrm>
+        </p:spPr>
         <p:txBody>
           <a:bodyPr/>
           <a:lstStyle/>
           <a:p>
-            <a:r>
-              <a:rPr lang="en-US" sz="2000" dirty="0" err="1" smtClean="0"/>
+            <a:endParaRPr lang="en-US" sz="2000" dirty="0" smtClean="0"/>
+          </a:p>
+          <a:p>
+            <a:r>
+              <a:rPr lang="en-US" b="1" dirty="0" smtClean="0"/>
+              <a:t>Targets</a:t>
+            </a:r>
+          </a:p>
+          <a:p>
+            <a:endParaRPr lang="en-US" b="1" dirty="0" smtClean="0"/>
+          </a:p>
+          <a:p>
+            <a:endParaRPr lang="en-US" sz="2000" dirty="0" smtClean="0"/>
+          </a:p>
+          <a:p>
+            <a:pPr lvl="1"/>
+            <a:r>
+              <a:rPr lang="en-US" b="1" dirty="0" err="1" smtClean="0"/>
               <a:t>Casos</a:t>
             </a:r>
             <a:r>
-              <a:rPr lang="en-US" sz="2000" dirty="0" smtClean="0"/>
-              <a:t> de testes</a:t>
-            </a:r>
-          </a:p>
-          <a:p>
-            <a:r>
-              <a:rPr lang="en-US" sz="2000" dirty="0" smtClean="0"/>
-              <a:t>Bugs</a:t>
-            </a:r>
-          </a:p>
-          <a:p>
-            <a:r>
-              <a:rPr lang="en-US" sz="2000" dirty="0" smtClean="0"/>
-              <a:t>RH</a:t>
-            </a:r>
-            <a:endParaRPr lang="en-US" sz="2000" dirty="0"/>
+              <a:rPr lang="en-US" b="1" dirty="0" smtClean="0"/>
+              <a:t> </a:t>
+            </a:r>
+            <a:r>
+              <a:rPr lang="en-US" b="1" dirty="0" smtClean="0"/>
+              <a:t>de </a:t>
+            </a:r>
+            <a:r>
+              <a:rPr lang="en-US" b="1" dirty="0" smtClean="0"/>
+              <a:t>testes: </a:t>
+            </a:r>
+            <a:r>
+              <a:rPr lang="en-US" dirty="0" smtClean="0"/>
+              <a:t>100</a:t>
+            </a:r>
+            <a:r>
+              <a:rPr lang="en-US" dirty="0" smtClean="0"/>
+              <a:t>%  dos </a:t>
+            </a:r>
+            <a:r>
+              <a:rPr lang="en-US" dirty="0" err="1" smtClean="0"/>
+              <a:t>casos</a:t>
+            </a:r>
+            <a:r>
+              <a:rPr lang="en-US" dirty="0" smtClean="0"/>
+              <a:t> de testes </a:t>
+            </a:r>
+            <a:r>
+              <a:rPr lang="en-US" dirty="0" err="1" smtClean="0"/>
+              <a:t>devem</a:t>
+            </a:r>
+            <a:r>
+              <a:rPr lang="en-US" dirty="0" smtClean="0"/>
+              <a:t> ser </a:t>
+            </a:r>
+            <a:r>
+              <a:rPr lang="en-US" dirty="0" err="1" smtClean="0"/>
+              <a:t>concluídos</a:t>
+            </a:r>
+            <a:r>
+              <a:rPr lang="en-US" dirty="0" smtClean="0"/>
+              <a:t>  e </a:t>
+            </a:r>
+            <a:r>
+              <a:rPr lang="en-US" dirty="0" err="1" smtClean="0"/>
+              <a:t>executados</a:t>
+            </a:r>
+            <a:r>
+              <a:rPr lang="en-US" dirty="0" smtClean="0"/>
+              <a:t> </a:t>
+            </a:r>
+            <a:r>
+              <a:rPr lang="en-US" dirty="0" err="1" smtClean="0"/>
+              <a:t>em</a:t>
+            </a:r>
+            <a:r>
+              <a:rPr lang="en-US" dirty="0" smtClean="0"/>
+              <a:t> </a:t>
+            </a:r>
+            <a:r>
+              <a:rPr lang="en-US" dirty="0" err="1" smtClean="0"/>
+              <a:t>cada</a:t>
+            </a:r>
+            <a:r>
+              <a:rPr lang="en-US" dirty="0" smtClean="0"/>
+              <a:t> </a:t>
+            </a:r>
+            <a:r>
+              <a:rPr lang="en-US" dirty="0" err="1" smtClean="0"/>
+              <a:t>iteração</a:t>
+            </a:r>
+            <a:r>
+              <a:rPr lang="en-US" dirty="0" smtClean="0"/>
+              <a:t>.</a:t>
+            </a:r>
+          </a:p>
+          <a:p>
+            <a:pPr lvl="1">
+              <a:buNone/>
+            </a:pPr>
+            <a:endParaRPr lang="en-US" dirty="0" smtClean="0"/>
+          </a:p>
+          <a:p>
+            <a:pPr lvl="1"/>
+            <a:r>
+              <a:rPr lang="en-US" b="1" dirty="0" smtClean="0"/>
+              <a:t>Bugs: </a:t>
+            </a:r>
+            <a:r>
+              <a:rPr lang="en-US" dirty="0" smtClean="0"/>
+              <a:t> A </a:t>
+            </a:r>
+            <a:r>
+              <a:rPr lang="en-US" dirty="0" err="1" smtClean="0"/>
+              <a:t>cada</a:t>
+            </a:r>
+            <a:r>
+              <a:rPr lang="en-US" dirty="0" smtClean="0"/>
+              <a:t> </a:t>
+            </a:r>
+            <a:r>
+              <a:rPr lang="en-US" dirty="0" err="1" smtClean="0"/>
+              <a:t>iteração</a:t>
+            </a:r>
+            <a:r>
+              <a:rPr lang="en-US" dirty="0" smtClean="0"/>
+              <a:t> </a:t>
+            </a:r>
+            <a:r>
+              <a:rPr lang="en-US" dirty="0" err="1" smtClean="0"/>
+              <a:t>não</a:t>
+            </a:r>
+            <a:r>
+              <a:rPr lang="en-US" dirty="0" smtClean="0"/>
+              <a:t> </a:t>
+            </a:r>
+            <a:r>
+              <a:rPr lang="en-US" dirty="0" err="1" smtClean="0"/>
+              <a:t>pode</a:t>
+            </a:r>
+            <a:r>
+              <a:rPr lang="en-US" dirty="0" smtClean="0"/>
+              <a:t> </a:t>
+            </a:r>
+            <a:r>
+              <a:rPr lang="en-US" dirty="0" err="1" smtClean="0"/>
+              <a:t>exceder</a:t>
+            </a:r>
+            <a:r>
+              <a:rPr lang="en-US" dirty="0" smtClean="0"/>
+              <a:t> o </a:t>
+            </a:r>
+            <a:r>
+              <a:rPr lang="en-US" dirty="0" err="1" smtClean="0"/>
+              <a:t>número</a:t>
+            </a:r>
+            <a:r>
+              <a:rPr lang="en-US" dirty="0" smtClean="0"/>
+              <a:t> de 3 bugs </a:t>
+            </a:r>
+            <a:r>
+              <a:rPr lang="en-US" dirty="0" err="1" smtClean="0"/>
+              <a:t>críticos</a:t>
+            </a:r>
+            <a:r>
+              <a:rPr lang="en-US" dirty="0" smtClean="0"/>
+              <a:t> </a:t>
+            </a:r>
+            <a:r>
+              <a:rPr lang="en-US" dirty="0" err="1" smtClean="0"/>
+              <a:t>ou</a:t>
+            </a:r>
+            <a:r>
+              <a:rPr lang="en-US" dirty="0" smtClean="0"/>
+              <a:t> 5 </a:t>
+            </a:r>
+            <a:r>
+              <a:rPr lang="en-US" dirty="0" err="1" smtClean="0"/>
+              <a:t>não-critícos</a:t>
+            </a:r>
+            <a:r>
+              <a:rPr lang="en-US" dirty="0" smtClean="0"/>
+              <a:t>.</a:t>
+            </a:r>
+          </a:p>
+          <a:p>
+            <a:pPr lvl="1">
+              <a:buNone/>
+            </a:pPr>
+            <a:endParaRPr lang="en-US" dirty="0" smtClean="0"/>
+          </a:p>
+          <a:p>
+            <a:pPr lvl="1"/>
+            <a:r>
+              <a:rPr lang="en-US" b="1" dirty="0" smtClean="0"/>
+              <a:t>RH: </a:t>
+            </a:r>
+            <a:r>
+              <a:rPr lang="en-US" dirty="0" smtClean="0"/>
+              <a:t>Durante a </a:t>
+            </a:r>
+            <a:r>
+              <a:rPr lang="en-US" dirty="0" err="1" smtClean="0"/>
+              <a:t>iteração</a:t>
+            </a:r>
+            <a:r>
+              <a:rPr lang="en-US" dirty="0" smtClean="0"/>
+              <a:t> </a:t>
+            </a:r>
+            <a:r>
+              <a:rPr lang="en-US" dirty="0" smtClean="0"/>
+              <a:t>a </a:t>
+            </a:r>
+            <a:r>
+              <a:rPr lang="en-US" dirty="0" err="1" smtClean="0"/>
+              <a:t>equipe</a:t>
+            </a:r>
+            <a:r>
+              <a:rPr lang="en-US" dirty="0" smtClean="0"/>
+              <a:t> de </a:t>
+            </a:r>
+            <a:r>
+              <a:rPr lang="en-US" dirty="0" err="1" smtClean="0"/>
+              <a:t>projeto</a:t>
+            </a:r>
+            <a:r>
+              <a:rPr lang="en-US" dirty="0" smtClean="0"/>
+              <a:t> </a:t>
+            </a:r>
+            <a:r>
+              <a:rPr lang="en-US" dirty="0" err="1" smtClean="0"/>
+              <a:t>deve</a:t>
+            </a:r>
+            <a:r>
+              <a:rPr lang="en-US" dirty="0" smtClean="0"/>
+              <a:t> </a:t>
+            </a:r>
+            <a:r>
+              <a:rPr lang="en-US" dirty="0" err="1" smtClean="0"/>
+              <a:t>ter</a:t>
+            </a:r>
+            <a:r>
+              <a:rPr lang="en-US" dirty="0" smtClean="0"/>
+              <a:t> o </a:t>
+            </a:r>
+            <a:r>
+              <a:rPr lang="en-US" dirty="0" err="1" smtClean="0"/>
+              <a:t>aproveitamento</a:t>
+            </a:r>
+            <a:r>
+              <a:rPr lang="en-US" dirty="0" smtClean="0"/>
+              <a:t> de 90% do tempo </a:t>
+            </a:r>
+            <a:r>
+              <a:rPr lang="en-US" dirty="0" err="1" smtClean="0"/>
+              <a:t>alocado</a:t>
+            </a:r>
+            <a:r>
+              <a:rPr lang="en-US" dirty="0" smtClean="0"/>
+              <a:t>.</a:t>
+            </a:r>
+          </a:p>
+          <a:p>
+            <a:pPr lvl="1">
+              <a:buNone/>
+            </a:pPr>
+            <a:endParaRPr lang="en-US" dirty="0"/>
           </a:p>
         </p:txBody>
       </p:sp>
@@ -11602,38 +11840,2352 @@
             <p:ph type="title"/>
           </p:nvPr>
         </p:nvSpPr>
-        <p:spPr/>
+        <p:spPr>
+          <a:xfrm>
+            <a:off x="346075" y="260350"/>
+            <a:ext cx="8797925" cy="922338"/>
+          </a:xfrm>
+        </p:spPr>
         <p:txBody>
           <a:bodyPr/>
           <a:lstStyle/>
           <a:p>
             <a:r>
+              <a:rPr lang="en-US" dirty="0" err="1" smtClean="0"/>
+              <a:t>Avaliando</a:t>
+            </a:r>
+            <a:r>
               <a:rPr lang="en-US" dirty="0" smtClean="0"/>
-              <a:t>Targets</a:t>
+              <a:t> </a:t>
+            </a:r>
+            <a:r>
+              <a:rPr lang="en-US" dirty="0" err="1" smtClean="0"/>
+              <a:t>os</a:t>
+            </a:r>
+            <a:r>
+              <a:rPr lang="en-US" dirty="0" smtClean="0"/>
+              <a:t> Targets</a:t>
             </a:r>
             <a:endParaRPr lang="en-US" dirty="0"/>
           </a:p>
         </p:txBody>
       </p:sp>
-      <p:sp>
-        <p:nvSpPr>
-          <p:cNvPr id="3" name="Content Placeholder 2"/>
-          <p:cNvSpPr>
-            <a:spLocks noGrp="1"/>
-          </p:cNvSpPr>
-          <p:nvPr>
-            <p:ph idx="1"/>
-          </p:nvPr>
-        </p:nvSpPr>
-        <p:spPr/>
-        <p:txBody>
-          <a:bodyPr/>
-          <a:lstStyle/>
-          <a:p>
-            <a:endParaRPr lang="en-US" dirty="0"/>
-          </a:p>
-        </p:txBody>
-      </p:sp>
+      <p:graphicFrame>
+        <p:nvGraphicFramePr>
+          <p:cNvPr id="4" name="Table 3"/>
+          <p:cNvGraphicFramePr>
+            <a:graphicFrameLocks noGrp="1"/>
+          </p:cNvGraphicFramePr>
+          <p:nvPr/>
+        </p:nvGraphicFramePr>
+        <p:xfrm>
+          <a:off x="790947" y="1484784"/>
+          <a:ext cx="7704858" cy="4320480"/>
+        </p:xfrm>
+        <a:graphic>
+          <a:graphicData uri="http://schemas.openxmlformats.org/drawingml/2006/table">
+            <a:tbl>
+              <a:tblPr/>
+              <a:tblGrid>
+                <a:gridCol w="1834490"/>
+                <a:gridCol w="838624"/>
+                <a:gridCol w="838624"/>
+                <a:gridCol w="838624"/>
+                <a:gridCol w="838624"/>
+                <a:gridCol w="838624"/>
+                <a:gridCol w="838624"/>
+                <a:gridCol w="838624"/>
+              </a:tblGrid>
+              <a:tr h="735252">
+                <a:tc>
+                  <a:txBody>
+                    <a:bodyPr/>
+                    <a:lstStyle/>
+                    <a:p>
+                      <a:pPr algn="ctr" fontAlgn="b"/>
+                      <a:r>
+                        <a:rPr lang="en-US" sz="1200" b="1" i="0" u="none" strike="noStrike">
+                          <a:solidFill>
+                            <a:srgbClr val="FFFFFF"/>
+                          </a:solidFill>
+                          <a:latin typeface="Calibri"/>
+                        </a:rPr>
+                        <a:t>ITERAÇÃO</a:t>
+                      </a:r>
+                    </a:p>
+                  </a:txBody>
+                  <a:tcPr marL="9525" marR="9525" marT="9525" marB="0" anchor="b">
+                    <a:lnL w="6350" cap="flat" cmpd="sng" algn="ctr">
+                      <a:solidFill>
+                        <a:srgbClr val="000000"/>
+                      </a:solidFill>
+                      <a:prstDash val="solid"/>
+                      <a:round/>
+                      <a:headEnd type="none" w="med" len="med"/>
+                      <a:tailEnd type="none" w="med" len="med"/>
+                    </a:lnL>
+                    <a:lnR w="6350" cap="flat" cmpd="sng" algn="ctr">
+                      <a:solidFill>
+                        <a:srgbClr val="000000"/>
+                      </a:solidFill>
+                      <a:prstDash val="solid"/>
+                      <a:round/>
+                      <a:headEnd type="none" w="med" len="med"/>
+                      <a:tailEnd type="none" w="med" len="med"/>
+                    </a:lnR>
+                    <a:lnT w="6350" cap="flat" cmpd="sng" algn="ctr">
+                      <a:solidFill>
+                        <a:srgbClr val="000000"/>
+                      </a:solidFill>
+                      <a:prstDash val="solid"/>
+                      <a:round/>
+                      <a:headEnd type="none" w="med" len="med"/>
+                      <a:tailEnd type="none" w="med" len="med"/>
+                    </a:lnT>
+                    <a:lnB w="6350" cap="flat" cmpd="sng" algn="ctr">
+                      <a:solidFill>
+                        <a:srgbClr val="000000"/>
+                      </a:solidFill>
+                      <a:prstDash val="solid"/>
+                      <a:round/>
+                      <a:headEnd type="none" w="med" len="med"/>
+                      <a:tailEnd type="none" w="med" len="med"/>
+                    </a:lnB>
+                    <a:solidFill>
+                      <a:srgbClr val="000000"/>
+                    </a:solidFill>
+                  </a:tcPr>
+                </a:tc>
+                <a:tc>
+                  <a:txBody>
+                    <a:bodyPr/>
+                    <a:lstStyle/>
+                    <a:p>
+                      <a:pPr algn="ctr" fontAlgn="b"/>
+                      <a:r>
+                        <a:rPr lang="en-US" sz="1200" b="1" i="0" u="none" strike="noStrike">
+                          <a:solidFill>
+                            <a:srgbClr val="FFFFFF"/>
+                          </a:solidFill>
+                          <a:latin typeface="Calibri"/>
+                        </a:rPr>
+                        <a:t>1</a:t>
+                      </a:r>
+                    </a:p>
+                  </a:txBody>
+                  <a:tcPr marL="9525" marR="9525" marT="9525" marB="0" anchor="b">
+                    <a:lnL w="6350" cap="flat" cmpd="sng" algn="ctr">
+                      <a:solidFill>
+                        <a:srgbClr val="000000"/>
+                      </a:solidFill>
+                      <a:prstDash val="solid"/>
+                      <a:round/>
+                      <a:headEnd type="none" w="med" len="med"/>
+                      <a:tailEnd type="none" w="med" len="med"/>
+                    </a:lnL>
+                    <a:lnR w="6350" cap="flat" cmpd="sng" algn="ctr">
+                      <a:solidFill>
+                        <a:srgbClr val="000000"/>
+                      </a:solidFill>
+                      <a:prstDash val="solid"/>
+                      <a:round/>
+                      <a:headEnd type="none" w="med" len="med"/>
+                      <a:tailEnd type="none" w="med" len="med"/>
+                    </a:lnR>
+                    <a:lnT w="6350" cap="flat" cmpd="sng" algn="ctr">
+                      <a:solidFill>
+                        <a:srgbClr val="000000"/>
+                      </a:solidFill>
+                      <a:prstDash val="solid"/>
+                      <a:round/>
+                      <a:headEnd type="none" w="med" len="med"/>
+                      <a:tailEnd type="none" w="med" len="med"/>
+                    </a:lnT>
+                    <a:lnB w="6350" cap="flat" cmpd="sng" algn="ctr">
+                      <a:solidFill>
+                        <a:srgbClr val="000000"/>
+                      </a:solidFill>
+                      <a:prstDash val="solid"/>
+                      <a:round/>
+                      <a:headEnd type="none" w="med" len="med"/>
+                      <a:tailEnd type="none" w="med" len="med"/>
+                    </a:lnB>
+                    <a:solidFill>
+                      <a:srgbClr val="000000"/>
+                    </a:solidFill>
+                  </a:tcPr>
+                </a:tc>
+                <a:tc>
+                  <a:txBody>
+                    <a:bodyPr/>
+                    <a:lstStyle/>
+                    <a:p>
+                      <a:pPr algn="ctr" fontAlgn="b"/>
+                      <a:r>
+                        <a:rPr lang="en-US" sz="1200" b="1" i="0" u="none" strike="noStrike">
+                          <a:solidFill>
+                            <a:srgbClr val="FFFFFF"/>
+                          </a:solidFill>
+                          <a:latin typeface="Calibri"/>
+                        </a:rPr>
+                        <a:t>2</a:t>
+                      </a:r>
+                    </a:p>
+                  </a:txBody>
+                  <a:tcPr marL="9525" marR="9525" marT="9525" marB="0" anchor="b">
+                    <a:lnL w="6350" cap="flat" cmpd="sng" algn="ctr">
+                      <a:solidFill>
+                        <a:srgbClr val="000000"/>
+                      </a:solidFill>
+                      <a:prstDash val="solid"/>
+                      <a:round/>
+                      <a:headEnd type="none" w="med" len="med"/>
+                      <a:tailEnd type="none" w="med" len="med"/>
+                    </a:lnL>
+                    <a:lnR w="6350" cap="flat" cmpd="sng" algn="ctr">
+                      <a:solidFill>
+                        <a:srgbClr val="000000"/>
+                      </a:solidFill>
+                      <a:prstDash val="solid"/>
+                      <a:round/>
+                      <a:headEnd type="none" w="med" len="med"/>
+                      <a:tailEnd type="none" w="med" len="med"/>
+                    </a:lnR>
+                    <a:lnT w="6350" cap="flat" cmpd="sng" algn="ctr">
+                      <a:solidFill>
+                        <a:srgbClr val="000000"/>
+                      </a:solidFill>
+                      <a:prstDash val="solid"/>
+                      <a:round/>
+                      <a:headEnd type="none" w="med" len="med"/>
+                      <a:tailEnd type="none" w="med" len="med"/>
+                    </a:lnT>
+                    <a:lnB w="6350" cap="flat" cmpd="sng" algn="ctr">
+                      <a:solidFill>
+                        <a:srgbClr val="000000"/>
+                      </a:solidFill>
+                      <a:prstDash val="solid"/>
+                      <a:round/>
+                      <a:headEnd type="none" w="med" len="med"/>
+                      <a:tailEnd type="none" w="med" len="med"/>
+                    </a:lnB>
+                    <a:solidFill>
+                      <a:srgbClr val="000000"/>
+                    </a:solidFill>
+                  </a:tcPr>
+                </a:tc>
+                <a:tc>
+                  <a:txBody>
+                    <a:bodyPr/>
+                    <a:lstStyle/>
+                    <a:p>
+                      <a:pPr algn="ctr" fontAlgn="b"/>
+                      <a:r>
+                        <a:rPr lang="en-US" sz="1200" b="1" i="0" u="none" strike="noStrike">
+                          <a:solidFill>
+                            <a:srgbClr val="FFFFFF"/>
+                          </a:solidFill>
+                          <a:latin typeface="Calibri"/>
+                        </a:rPr>
+                        <a:t>3</a:t>
+                      </a:r>
+                    </a:p>
+                  </a:txBody>
+                  <a:tcPr marL="9525" marR="9525" marT="9525" marB="0" anchor="b">
+                    <a:lnL w="6350" cap="flat" cmpd="sng" algn="ctr">
+                      <a:solidFill>
+                        <a:srgbClr val="000000"/>
+                      </a:solidFill>
+                      <a:prstDash val="solid"/>
+                      <a:round/>
+                      <a:headEnd type="none" w="med" len="med"/>
+                      <a:tailEnd type="none" w="med" len="med"/>
+                    </a:lnL>
+                    <a:lnR w="6350" cap="flat" cmpd="sng" algn="ctr">
+                      <a:solidFill>
+                        <a:srgbClr val="000000"/>
+                      </a:solidFill>
+                      <a:prstDash val="solid"/>
+                      <a:round/>
+                      <a:headEnd type="none" w="med" len="med"/>
+                      <a:tailEnd type="none" w="med" len="med"/>
+                    </a:lnR>
+                    <a:lnT w="6350" cap="flat" cmpd="sng" algn="ctr">
+                      <a:solidFill>
+                        <a:srgbClr val="000000"/>
+                      </a:solidFill>
+                      <a:prstDash val="solid"/>
+                      <a:round/>
+                      <a:headEnd type="none" w="med" len="med"/>
+                      <a:tailEnd type="none" w="med" len="med"/>
+                    </a:lnT>
+                    <a:lnB w="6350" cap="flat" cmpd="sng" algn="ctr">
+                      <a:solidFill>
+                        <a:srgbClr val="000000"/>
+                      </a:solidFill>
+                      <a:prstDash val="solid"/>
+                      <a:round/>
+                      <a:headEnd type="none" w="med" len="med"/>
+                      <a:tailEnd type="none" w="med" len="med"/>
+                    </a:lnB>
+                    <a:solidFill>
+                      <a:srgbClr val="000000"/>
+                    </a:solidFill>
+                  </a:tcPr>
+                </a:tc>
+                <a:tc>
+                  <a:txBody>
+                    <a:bodyPr/>
+                    <a:lstStyle/>
+                    <a:p>
+                      <a:pPr algn="ctr" fontAlgn="b"/>
+                      <a:r>
+                        <a:rPr lang="en-US" sz="1200" b="1" i="0" u="none" strike="noStrike">
+                          <a:solidFill>
+                            <a:srgbClr val="FFFFFF"/>
+                          </a:solidFill>
+                          <a:latin typeface="Calibri"/>
+                        </a:rPr>
+                        <a:t>4</a:t>
+                      </a:r>
+                    </a:p>
+                  </a:txBody>
+                  <a:tcPr marL="9525" marR="9525" marT="9525" marB="0" anchor="b">
+                    <a:lnL w="6350" cap="flat" cmpd="sng" algn="ctr">
+                      <a:solidFill>
+                        <a:srgbClr val="000000"/>
+                      </a:solidFill>
+                      <a:prstDash val="solid"/>
+                      <a:round/>
+                      <a:headEnd type="none" w="med" len="med"/>
+                      <a:tailEnd type="none" w="med" len="med"/>
+                    </a:lnL>
+                    <a:lnR w="6350" cap="flat" cmpd="sng" algn="ctr">
+                      <a:solidFill>
+                        <a:srgbClr val="000000"/>
+                      </a:solidFill>
+                      <a:prstDash val="solid"/>
+                      <a:round/>
+                      <a:headEnd type="none" w="med" len="med"/>
+                      <a:tailEnd type="none" w="med" len="med"/>
+                    </a:lnR>
+                    <a:lnT w="6350" cap="flat" cmpd="sng" algn="ctr">
+                      <a:solidFill>
+                        <a:srgbClr val="000000"/>
+                      </a:solidFill>
+                      <a:prstDash val="solid"/>
+                      <a:round/>
+                      <a:headEnd type="none" w="med" len="med"/>
+                      <a:tailEnd type="none" w="med" len="med"/>
+                    </a:lnT>
+                    <a:lnB w="6350" cap="flat" cmpd="sng" algn="ctr">
+                      <a:solidFill>
+                        <a:srgbClr val="000000"/>
+                      </a:solidFill>
+                      <a:prstDash val="solid"/>
+                      <a:round/>
+                      <a:headEnd type="none" w="med" len="med"/>
+                      <a:tailEnd type="none" w="med" len="med"/>
+                    </a:lnB>
+                    <a:solidFill>
+                      <a:srgbClr val="000000"/>
+                    </a:solidFill>
+                  </a:tcPr>
+                </a:tc>
+                <a:tc>
+                  <a:txBody>
+                    <a:bodyPr/>
+                    <a:lstStyle/>
+                    <a:p>
+                      <a:pPr algn="ctr" fontAlgn="b"/>
+                      <a:r>
+                        <a:rPr lang="en-US" sz="1200" b="1" i="0" u="none" strike="noStrike">
+                          <a:solidFill>
+                            <a:srgbClr val="FFFFFF"/>
+                          </a:solidFill>
+                          <a:latin typeface="Calibri"/>
+                        </a:rPr>
+                        <a:t>5</a:t>
+                      </a:r>
+                    </a:p>
+                  </a:txBody>
+                  <a:tcPr marL="9525" marR="9525" marT="9525" marB="0" anchor="b">
+                    <a:lnL w="6350" cap="flat" cmpd="sng" algn="ctr">
+                      <a:solidFill>
+                        <a:srgbClr val="000000"/>
+                      </a:solidFill>
+                      <a:prstDash val="solid"/>
+                      <a:round/>
+                      <a:headEnd type="none" w="med" len="med"/>
+                      <a:tailEnd type="none" w="med" len="med"/>
+                    </a:lnL>
+                    <a:lnR w="6350" cap="flat" cmpd="sng" algn="ctr">
+                      <a:solidFill>
+                        <a:srgbClr val="000000"/>
+                      </a:solidFill>
+                      <a:prstDash val="solid"/>
+                      <a:round/>
+                      <a:headEnd type="none" w="med" len="med"/>
+                      <a:tailEnd type="none" w="med" len="med"/>
+                    </a:lnR>
+                    <a:lnT w="6350" cap="flat" cmpd="sng" algn="ctr">
+                      <a:solidFill>
+                        <a:srgbClr val="000000"/>
+                      </a:solidFill>
+                      <a:prstDash val="solid"/>
+                      <a:round/>
+                      <a:headEnd type="none" w="med" len="med"/>
+                      <a:tailEnd type="none" w="med" len="med"/>
+                    </a:lnT>
+                    <a:lnB w="6350" cap="flat" cmpd="sng" algn="ctr">
+                      <a:solidFill>
+                        <a:srgbClr val="000000"/>
+                      </a:solidFill>
+                      <a:prstDash val="solid"/>
+                      <a:round/>
+                      <a:headEnd type="none" w="med" len="med"/>
+                      <a:tailEnd type="none" w="med" len="med"/>
+                    </a:lnB>
+                    <a:solidFill>
+                      <a:srgbClr val="000000"/>
+                    </a:solidFill>
+                  </a:tcPr>
+                </a:tc>
+                <a:tc>
+                  <a:txBody>
+                    <a:bodyPr/>
+                    <a:lstStyle/>
+                    <a:p>
+                      <a:pPr algn="ctr" fontAlgn="b"/>
+                      <a:r>
+                        <a:rPr lang="en-US" sz="1200" b="1" i="0" u="none" strike="noStrike">
+                          <a:solidFill>
+                            <a:srgbClr val="FFFFFF"/>
+                          </a:solidFill>
+                          <a:latin typeface="Calibri"/>
+                        </a:rPr>
+                        <a:t>6</a:t>
+                      </a:r>
+                    </a:p>
+                  </a:txBody>
+                  <a:tcPr marL="9525" marR="9525" marT="9525" marB="0" anchor="b">
+                    <a:lnL w="6350" cap="flat" cmpd="sng" algn="ctr">
+                      <a:solidFill>
+                        <a:srgbClr val="000000"/>
+                      </a:solidFill>
+                      <a:prstDash val="solid"/>
+                      <a:round/>
+                      <a:headEnd type="none" w="med" len="med"/>
+                      <a:tailEnd type="none" w="med" len="med"/>
+                    </a:lnL>
+                    <a:lnR w="6350" cap="flat" cmpd="sng" algn="ctr">
+                      <a:solidFill>
+                        <a:srgbClr val="000000"/>
+                      </a:solidFill>
+                      <a:prstDash val="solid"/>
+                      <a:round/>
+                      <a:headEnd type="none" w="med" len="med"/>
+                      <a:tailEnd type="none" w="med" len="med"/>
+                    </a:lnR>
+                    <a:lnT w="6350" cap="flat" cmpd="sng" algn="ctr">
+                      <a:solidFill>
+                        <a:srgbClr val="000000"/>
+                      </a:solidFill>
+                      <a:prstDash val="solid"/>
+                      <a:round/>
+                      <a:headEnd type="none" w="med" len="med"/>
+                      <a:tailEnd type="none" w="med" len="med"/>
+                    </a:lnT>
+                    <a:lnB w="6350" cap="flat" cmpd="sng" algn="ctr">
+                      <a:solidFill>
+                        <a:srgbClr val="000000"/>
+                      </a:solidFill>
+                      <a:prstDash val="solid"/>
+                      <a:round/>
+                      <a:headEnd type="none" w="med" len="med"/>
+                      <a:tailEnd type="none" w="med" len="med"/>
+                    </a:lnB>
+                    <a:solidFill>
+                      <a:srgbClr val="000000"/>
+                    </a:solidFill>
+                  </a:tcPr>
+                </a:tc>
+                <a:tc>
+                  <a:txBody>
+                    <a:bodyPr/>
+                    <a:lstStyle/>
+                    <a:p>
+                      <a:pPr algn="ctr" fontAlgn="b"/>
+                      <a:r>
+                        <a:rPr lang="en-US" sz="1200" b="1" i="0" u="none" strike="noStrike">
+                          <a:solidFill>
+                            <a:srgbClr val="FFFFFF"/>
+                          </a:solidFill>
+                          <a:latin typeface="Calibri"/>
+                        </a:rPr>
+                        <a:t>TOTAL</a:t>
+                      </a:r>
+                    </a:p>
+                  </a:txBody>
+                  <a:tcPr marL="9525" marR="9525" marT="9525" marB="0" anchor="b">
+                    <a:lnL w="6350" cap="flat" cmpd="sng" algn="ctr">
+                      <a:solidFill>
+                        <a:srgbClr val="000000"/>
+                      </a:solidFill>
+                      <a:prstDash val="solid"/>
+                      <a:round/>
+                      <a:headEnd type="none" w="med" len="med"/>
+                      <a:tailEnd type="none" w="med" len="med"/>
+                    </a:lnL>
+                    <a:lnR w="6350" cap="flat" cmpd="sng" algn="ctr">
+                      <a:solidFill>
+                        <a:srgbClr val="000000"/>
+                      </a:solidFill>
+                      <a:prstDash val="solid"/>
+                      <a:round/>
+                      <a:headEnd type="none" w="med" len="med"/>
+                      <a:tailEnd type="none" w="med" len="med"/>
+                    </a:lnR>
+                    <a:lnT w="6350" cap="flat" cmpd="sng" algn="ctr">
+                      <a:solidFill>
+                        <a:srgbClr val="000000"/>
+                      </a:solidFill>
+                      <a:prstDash val="solid"/>
+                      <a:round/>
+                      <a:headEnd type="none" w="med" len="med"/>
+                      <a:tailEnd type="none" w="med" len="med"/>
+                    </a:lnT>
+                    <a:lnB w="6350" cap="flat" cmpd="sng" algn="ctr">
+                      <a:solidFill>
+                        <a:srgbClr val="000000"/>
+                      </a:solidFill>
+                      <a:prstDash val="solid"/>
+                      <a:round/>
+                      <a:headEnd type="none" w="med" len="med"/>
+                      <a:tailEnd type="none" w="med" len="med"/>
+                    </a:lnB>
+                    <a:solidFill>
+                      <a:srgbClr val="000000"/>
+                    </a:solidFill>
+                  </a:tcPr>
+                </a:tc>
+              </a:tr>
+              <a:tr h="735252">
+                <a:tc>
+                  <a:txBody>
+                    <a:bodyPr/>
+                    <a:lstStyle/>
+                    <a:p>
+                      <a:pPr algn="l" fontAlgn="b"/>
+                      <a:r>
+                        <a:rPr lang="en-US" sz="1200" b="1" i="0" u="none" strike="noStrike">
+                          <a:solidFill>
+                            <a:srgbClr val="000000"/>
+                          </a:solidFill>
+                          <a:latin typeface="Calibri"/>
+                        </a:rPr>
+                        <a:t>CASOS DE TESTE</a:t>
+                      </a:r>
+                    </a:p>
+                  </a:txBody>
+                  <a:tcPr marL="9525" marR="9525" marT="9525" marB="0" anchor="b">
+                    <a:lnL w="6350" cap="flat" cmpd="sng" algn="ctr">
+                      <a:solidFill>
+                        <a:srgbClr val="000000"/>
+                      </a:solidFill>
+                      <a:prstDash val="solid"/>
+                      <a:round/>
+                      <a:headEnd type="none" w="med" len="med"/>
+                      <a:tailEnd type="none" w="med" len="med"/>
+                    </a:lnL>
+                    <a:lnR w="6350" cap="flat" cmpd="sng" algn="ctr">
+                      <a:solidFill>
+                        <a:srgbClr val="000000"/>
+                      </a:solidFill>
+                      <a:prstDash val="solid"/>
+                      <a:round/>
+                      <a:headEnd type="none" w="med" len="med"/>
+                      <a:tailEnd type="none" w="med" len="med"/>
+                    </a:lnR>
+                    <a:lnT w="6350" cap="flat" cmpd="sng" algn="ctr">
+                      <a:solidFill>
+                        <a:srgbClr val="000000"/>
+                      </a:solidFill>
+                      <a:prstDash val="solid"/>
+                      <a:round/>
+                      <a:headEnd type="none" w="med" len="med"/>
+                      <a:tailEnd type="none" w="med" len="med"/>
+                    </a:lnT>
+                    <a:lnB w="6350" cap="flat" cmpd="sng" algn="ctr">
+                      <a:solidFill>
+                        <a:srgbClr val="000000"/>
+                      </a:solidFill>
+                      <a:prstDash val="solid"/>
+                      <a:round/>
+                      <a:headEnd type="none" w="med" len="med"/>
+                      <a:tailEnd type="none" w="med" len="med"/>
+                    </a:lnB>
+                    <a:solidFill>
+                      <a:srgbClr val="EEECE1"/>
+                    </a:solidFill>
+                  </a:tcPr>
+                </a:tc>
+                <a:tc>
+                  <a:txBody>
+                    <a:bodyPr/>
+                    <a:lstStyle/>
+                    <a:p>
+                      <a:pPr algn="r" fontAlgn="b"/>
+                      <a:r>
+                        <a:rPr lang="en-US" sz="1200" b="0" i="0" u="none" strike="noStrike">
+                          <a:solidFill>
+                            <a:srgbClr val="000000"/>
+                          </a:solidFill>
+                          <a:latin typeface="Calibri"/>
+                        </a:rPr>
+                        <a:t>100</a:t>
+                      </a:r>
+                    </a:p>
+                  </a:txBody>
+                  <a:tcPr marL="9525" marR="9525" marT="9525" marB="0" anchor="b">
+                    <a:lnL w="6350" cap="flat" cmpd="sng" algn="ctr">
+                      <a:solidFill>
+                        <a:srgbClr val="000000"/>
+                      </a:solidFill>
+                      <a:prstDash val="solid"/>
+                      <a:round/>
+                      <a:headEnd type="none" w="med" len="med"/>
+                      <a:tailEnd type="none" w="med" len="med"/>
+                    </a:lnL>
+                    <a:lnR w="6350" cap="flat" cmpd="sng" algn="ctr">
+                      <a:solidFill>
+                        <a:srgbClr val="000000"/>
+                      </a:solidFill>
+                      <a:prstDash val="solid"/>
+                      <a:round/>
+                      <a:headEnd type="none" w="med" len="med"/>
+                      <a:tailEnd type="none" w="med" len="med"/>
+                    </a:lnR>
+                    <a:lnT w="6350" cap="flat" cmpd="sng" algn="ctr">
+                      <a:solidFill>
+                        <a:srgbClr val="000000"/>
+                      </a:solidFill>
+                      <a:prstDash val="solid"/>
+                      <a:round/>
+                      <a:headEnd type="none" w="med" len="med"/>
+                      <a:tailEnd type="none" w="med" len="med"/>
+                    </a:lnT>
+                    <a:lnB w="6350" cap="flat" cmpd="sng" algn="ctr">
+                      <a:solidFill>
+                        <a:srgbClr val="000000"/>
+                      </a:solidFill>
+                      <a:prstDash val="solid"/>
+                      <a:round/>
+                      <a:headEnd type="none" w="med" len="med"/>
+                      <a:tailEnd type="none" w="med" len="med"/>
+                    </a:lnB>
+                  </a:tcPr>
+                </a:tc>
+                <a:tc>
+                  <a:txBody>
+                    <a:bodyPr/>
+                    <a:lstStyle/>
+                    <a:p>
+                      <a:pPr algn="r" fontAlgn="b"/>
+                      <a:r>
+                        <a:rPr lang="en-US" sz="1200" b="0" i="0" u="none" strike="noStrike">
+                          <a:solidFill>
+                            <a:srgbClr val="000000"/>
+                          </a:solidFill>
+                          <a:latin typeface="Calibri"/>
+                        </a:rPr>
+                        <a:t>98</a:t>
+                      </a:r>
+                    </a:p>
+                  </a:txBody>
+                  <a:tcPr marL="9525" marR="9525" marT="9525" marB="0" anchor="b">
+                    <a:lnL w="6350" cap="flat" cmpd="sng" algn="ctr">
+                      <a:solidFill>
+                        <a:srgbClr val="000000"/>
+                      </a:solidFill>
+                      <a:prstDash val="solid"/>
+                      <a:round/>
+                      <a:headEnd type="none" w="med" len="med"/>
+                      <a:tailEnd type="none" w="med" len="med"/>
+                    </a:lnL>
+                    <a:lnR w="6350" cap="flat" cmpd="sng" algn="ctr">
+                      <a:solidFill>
+                        <a:srgbClr val="000000"/>
+                      </a:solidFill>
+                      <a:prstDash val="solid"/>
+                      <a:round/>
+                      <a:headEnd type="none" w="med" len="med"/>
+                      <a:tailEnd type="none" w="med" len="med"/>
+                    </a:lnR>
+                    <a:lnT w="6350" cap="flat" cmpd="sng" algn="ctr">
+                      <a:solidFill>
+                        <a:srgbClr val="000000"/>
+                      </a:solidFill>
+                      <a:prstDash val="solid"/>
+                      <a:round/>
+                      <a:headEnd type="none" w="med" len="med"/>
+                      <a:tailEnd type="none" w="med" len="med"/>
+                    </a:lnT>
+                    <a:lnB w="6350" cap="flat" cmpd="sng" algn="ctr">
+                      <a:solidFill>
+                        <a:srgbClr val="000000"/>
+                      </a:solidFill>
+                      <a:prstDash val="solid"/>
+                      <a:round/>
+                      <a:headEnd type="none" w="med" len="med"/>
+                      <a:tailEnd type="none" w="med" len="med"/>
+                    </a:lnB>
+                  </a:tcPr>
+                </a:tc>
+                <a:tc>
+                  <a:txBody>
+                    <a:bodyPr/>
+                    <a:lstStyle/>
+                    <a:p>
+                      <a:pPr algn="r" fontAlgn="b"/>
+                      <a:r>
+                        <a:rPr lang="en-US" sz="1200" b="0" i="0" u="none" strike="noStrike">
+                          <a:solidFill>
+                            <a:srgbClr val="000000"/>
+                          </a:solidFill>
+                          <a:latin typeface="Calibri"/>
+                        </a:rPr>
+                        <a:t>100</a:t>
+                      </a:r>
+                    </a:p>
+                  </a:txBody>
+                  <a:tcPr marL="9525" marR="9525" marT="9525" marB="0" anchor="b">
+                    <a:lnL w="6350" cap="flat" cmpd="sng" algn="ctr">
+                      <a:solidFill>
+                        <a:srgbClr val="000000"/>
+                      </a:solidFill>
+                      <a:prstDash val="solid"/>
+                      <a:round/>
+                      <a:headEnd type="none" w="med" len="med"/>
+                      <a:tailEnd type="none" w="med" len="med"/>
+                    </a:lnL>
+                    <a:lnR w="6350" cap="flat" cmpd="sng" algn="ctr">
+                      <a:solidFill>
+                        <a:srgbClr val="000000"/>
+                      </a:solidFill>
+                      <a:prstDash val="solid"/>
+                      <a:round/>
+                      <a:headEnd type="none" w="med" len="med"/>
+                      <a:tailEnd type="none" w="med" len="med"/>
+                    </a:lnR>
+                    <a:lnT w="6350" cap="flat" cmpd="sng" algn="ctr">
+                      <a:solidFill>
+                        <a:srgbClr val="000000"/>
+                      </a:solidFill>
+                      <a:prstDash val="solid"/>
+                      <a:round/>
+                      <a:headEnd type="none" w="med" len="med"/>
+                      <a:tailEnd type="none" w="med" len="med"/>
+                    </a:lnT>
+                    <a:lnB w="6350" cap="flat" cmpd="sng" algn="ctr">
+                      <a:solidFill>
+                        <a:srgbClr val="000000"/>
+                      </a:solidFill>
+                      <a:prstDash val="solid"/>
+                      <a:round/>
+                      <a:headEnd type="none" w="med" len="med"/>
+                      <a:tailEnd type="none" w="med" len="med"/>
+                    </a:lnB>
+                  </a:tcPr>
+                </a:tc>
+                <a:tc>
+                  <a:txBody>
+                    <a:bodyPr/>
+                    <a:lstStyle/>
+                    <a:p>
+                      <a:pPr algn="r" fontAlgn="b"/>
+                      <a:r>
+                        <a:rPr lang="en-US" sz="1200" b="0" i="0" u="none" strike="noStrike">
+                          <a:solidFill>
+                            <a:srgbClr val="000000"/>
+                          </a:solidFill>
+                          <a:latin typeface="Calibri"/>
+                        </a:rPr>
+                        <a:t>100</a:t>
+                      </a:r>
+                    </a:p>
+                  </a:txBody>
+                  <a:tcPr marL="9525" marR="9525" marT="9525" marB="0" anchor="b">
+                    <a:lnL w="6350" cap="flat" cmpd="sng" algn="ctr">
+                      <a:solidFill>
+                        <a:srgbClr val="000000"/>
+                      </a:solidFill>
+                      <a:prstDash val="solid"/>
+                      <a:round/>
+                      <a:headEnd type="none" w="med" len="med"/>
+                      <a:tailEnd type="none" w="med" len="med"/>
+                    </a:lnL>
+                    <a:lnR w="6350" cap="flat" cmpd="sng" algn="ctr">
+                      <a:solidFill>
+                        <a:srgbClr val="000000"/>
+                      </a:solidFill>
+                      <a:prstDash val="solid"/>
+                      <a:round/>
+                      <a:headEnd type="none" w="med" len="med"/>
+                      <a:tailEnd type="none" w="med" len="med"/>
+                    </a:lnR>
+                    <a:lnT w="6350" cap="flat" cmpd="sng" algn="ctr">
+                      <a:solidFill>
+                        <a:srgbClr val="000000"/>
+                      </a:solidFill>
+                      <a:prstDash val="solid"/>
+                      <a:round/>
+                      <a:headEnd type="none" w="med" len="med"/>
+                      <a:tailEnd type="none" w="med" len="med"/>
+                    </a:lnT>
+                    <a:lnB w="6350" cap="flat" cmpd="sng" algn="ctr">
+                      <a:solidFill>
+                        <a:srgbClr val="000000"/>
+                      </a:solidFill>
+                      <a:prstDash val="solid"/>
+                      <a:round/>
+                      <a:headEnd type="none" w="med" len="med"/>
+                      <a:tailEnd type="none" w="med" len="med"/>
+                    </a:lnB>
+                  </a:tcPr>
+                </a:tc>
+                <a:tc>
+                  <a:txBody>
+                    <a:bodyPr/>
+                    <a:lstStyle/>
+                    <a:p>
+                      <a:pPr algn="r" fontAlgn="b"/>
+                      <a:r>
+                        <a:rPr lang="en-US" sz="1200" b="0" i="0" u="none" strike="noStrike">
+                          <a:solidFill>
+                            <a:srgbClr val="000000"/>
+                          </a:solidFill>
+                          <a:latin typeface="Calibri"/>
+                        </a:rPr>
+                        <a:t>95</a:t>
+                      </a:r>
+                    </a:p>
+                  </a:txBody>
+                  <a:tcPr marL="9525" marR="9525" marT="9525" marB="0" anchor="b">
+                    <a:lnL w="6350" cap="flat" cmpd="sng" algn="ctr">
+                      <a:solidFill>
+                        <a:srgbClr val="000000"/>
+                      </a:solidFill>
+                      <a:prstDash val="solid"/>
+                      <a:round/>
+                      <a:headEnd type="none" w="med" len="med"/>
+                      <a:tailEnd type="none" w="med" len="med"/>
+                    </a:lnL>
+                    <a:lnR w="6350" cap="flat" cmpd="sng" algn="ctr">
+                      <a:solidFill>
+                        <a:srgbClr val="000000"/>
+                      </a:solidFill>
+                      <a:prstDash val="solid"/>
+                      <a:round/>
+                      <a:headEnd type="none" w="med" len="med"/>
+                      <a:tailEnd type="none" w="med" len="med"/>
+                    </a:lnR>
+                    <a:lnT w="6350" cap="flat" cmpd="sng" algn="ctr">
+                      <a:solidFill>
+                        <a:srgbClr val="000000"/>
+                      </a:solidFill>
+                      <a:prstDash val="solid"/>
+                      <a:round/>
+                      <a:headEnd type="none" w="med" len="med"/>
+                      <a:tailEnd type="none" w="med" len="med"/>
+                    </a:lnT>
+                    <a:lnB w="6350" cap="flat" cmpd="sng" algn="ctr">
+                      <a:solidFill>
+                        <a:srgbClr val="000000"/>
+                      </a:solidFill>
+                      <a:prstDash val="solid"/>
+                      <a:round/>
+                      <a:headEnd type="none" w="med" len="med"/>
+                      <a:tailEnd type="none" w="med" len="med"/>
+                    </a:lnB>
+                  </a:tcPr>
+                </a:tc>
+                <a:tc>
+                  <a:txBody>
+                    <a:bodyPr/>
+                    <a:lstStyle/>
+                    <a:p>
+                      <a:pPr algn="r" fontAlgn="b"/>
+                      <a:r>
+                        <a:rPr lang="en-US" sz="1200" b="0" i="0" u="none" strike="noStrike">
+                          <a:solidFill>
+                            <a:srgbClr val="000000"/>
+                          </a:solidFill>
+                          <a:latin typeface="Calibri"/>
+                        </a:rPr>
+                        <a:t>97</a:t>
+                      </a:r>
+                    </a:p>
+                  </a:txBody>
+                  <a:tcPr marL="9525" marR="9525" marT="9525" marB="0" anchor="b">
+                    <a:lnL w="6350" cap="flat" cmpd="sng" algn="ctr">
+                      <a:solidFill>
+                        <a:srgbClr val="000000"/>
+                      </a:solidFill>
+                      <a:prstDash val="solid"/>
+                      <a:round/>
+                      <a:headEnd type="none" w="med" len="med"/>
+                      <a:tailEnd type="none" w="med" len="med"/>
+                    </a:lnL>
+                    <a:lnR w="6350" cap="flat" cmpd="sng" algn="ctr">
+                      <a:solidFill>
+                        <a:srgbClr val="000000"/>
+                      </a:solidFill>
+                      <a:prstDash val="solid"/>
+                      <a:round/>
+                      <a:headEnd type="none" w="med" len="med"/>
+                      <a:tailEnd type="none" w="med" len="med"/>
+                    </a:lnR>
+                    <a:lnT w="6350" cap="flat" cmpd="sng" algn="ctr">
+                      <a:solidFill>
+                        <a:srgbClr val="000000"/>
+                      </a:solidFill>
+                      <a:prstDash val="solid"/>
+                      <a:round/>
+                      <a:headEnd type="none" w="med" len="med"/>
+                      <a:tailEnd type="none" w="med" len="med"/>
+                    </a:lnT>
+                    <a:lnB w="6350" cap="flat" cmpd="sng" algn="ctr">
+                      <a:solidFill>
+                        <a:srgbClr val="000000"/>
+                      </a:solidFill>
+                      <a:prstDash val="solid"/>
+                      <a:round/>
+                      <a:headEnd type="none" w="med" len="med"/>
+                      <a:tailEnd type="none" w="med" len="med"/>
+                    </a:lnB>
+                  </a:tcPr>
+                </a:tc>
+                <a:tc>
+                  <a:txBody>
+                    <a:bodyPr/>
+                    <a:lstStyle/>
+                    <a:p>
+                      <a:pPr algn="r" fontAlgn="b"/>
+                      <a:r>
+                        <a:rPr lang="en-US" sz="1200" b="0" i="0" u="none" strike="noStrike">
+                          <a:solidFill>
+                            <a:srgbClr val="000000"/>
+                          </a:solidFill>
+                          <a:latin typeface="Calibri"/>
+                        </a:rPr>
+                        <a:t>99</a:t>
+                      </a:r>
+                    </a:p>
+                  </a:txBody>
+                  <a:tcPr marL="9525" marR="9525" marT="9525" marB="0" anchor="b">
+                    <a:lnL w="6350" cap="flat" cmpd="sng" algn="ctr">
+                      <a:solidFill>
+                        <a:srgbClr val="000000"/>
+                      </a:solidFill>
+                      <a:prstDash val="solid"/>
+                      <a:round/>
+                      <a:headEnd type="none" w="med" len="med"/>
+                      <a:tailEnd type="none" w="med" len="med"/>
+                    </a:lnL>
+                    <a:lnR w="6350" cap="flat" cmpd="sng" algn="ctr">
+                      <a:solidFill>
+                        <a:srgbClr val="000000"/>
+                      </a:solidFill>
+                      <a:prstDash val="solid"/>
+                      <a:round/>
+                      <a:headEnd type="none" w="med" len="med"/>
+                      <a:tailEnd type="none" w="med" len="med"/>
+                    </a:lnR>
+                    <a:lnT w="6350" cap="flat" cmpd="sng" algn="ctr">
+                      <a:solidFill>
+                        <a:srgbClr val="000000"/>
+                      </a:solidFill>
+                      <a:prstDash val="solid"/>
+                      <a:round/>
+                      <a:headEnd type="none" w="med" len="med"/>
+                      <a:tailEnd type="none" w="med" len="med"/>
+                    </a:lnT>
+                    <a:lnB w="6350" cap="flat" cmpd="sng" algn="ctr">
+                      <a:solidFill>
+                        <a:srgbClr val="000000"/>
+                      </a:solidFill>
+                      <a:prstDash val="solid"/>
+                      <a:round/>
+                      <a:headEnd type="none" w="med" len="med"/>
+                      <a:tailEnd type="none" w="med" len="med"/>
+                    </a:lnB>
+                  </a:tcPr>
+                </a:tc>
+              </a:tr>
+              <a:tr h="735252">
+                <a:tc>
+                  <a:txBody>
+                    <a:bodyPr/>
+                    <a:lstStyle/>
+                    <a:p>
+                      <a:pPr algn="l" fontAlgn="b"/>
+                      <a:r>
+                        <a:rPr lang="en-US" sz="1200" b="1" i="0" u="none" strike="noStrike">
+                          <a:solidFill>
+                            <a:srgbClr val="000000"/>
+                          </a:solidFill>
+                          <a:latin typeface="Calibri"/>
+                        </a:rPr>
+                        <a:t>BUGS CRÍTICOS</a:t>
+                      </a:r>
+                    </a:p>
+                  </a:txBody>
+                  <a:tcPr marL="9525" marR="9525" marT="9525" marB="0" anchor="b">
+                    <a:lnL w="6350" cap="flat" cmpd="sng" algn="ctr">
+                      <a:solidFill>
+                        <a:srgbClr val="000000"/>
+                      </a:solidFill>
+                      <a:prstDash val="solid"/>
+                      <a:round/>
+                      <a:headEnd type="none" w="med" len="med"/>
+                      <a:tailEnd type="none" w="med" len="med"/>
+                    </a:lnL>
+                    <a:lnR w="6350" cap="flat" cmpd="sng" algn="ctr">
+                      <a:solidFill>
+                        <a:srgbClr val="000000"/>
+                      </a:solidFill>
+                      <a:prstDash val="solid"/>
+                      <a:round/>
+                      <a:headEnd type="none" w="med" len="med"/>
+                      <a:tailEnd type="none" w="med" len="med"/>
+                    </a:lnR>
+                    <a:lnT w="6350" cap="flat" cmpd="sng" algn="ctr">
+                      <a:solidFill>
+                        <a:srgbClr val="000000"/>
+                      </a:solidFill>
+                      <a:prstDash val="solid"/>
+                      <a:round/>
+                      <a:headEnd type="none" w="med" len="med"/>
+                      <a:tailEnd type="none" w="med" len="med"/>
+                    </a:lnT>
+                    <a:lnB w="6350" cap="flat" cmpd="sng" algn="ctr">
+                      <a:solidFill>
+                        <a:srgbClr val="000000"/>
+                      </a:solidFill>
+                      <a:prstDash val="solid"/>
+                      <a:round/>
+                      <a:headEnd type="none" w="med" len="med"/>
+                      <a:tailEnd type="none" w="med" len="med"/>
+                    </a:lnB>
+                    <a:solidFill>
+                      <a:srgbClr val="EEECE1"/>
+                    </a:solidFill>
+                  </a:tcPr>
+                </a:tc>
+                <a:tc>
+                  <a:txBody>
+                    <a:bodyPr/>
+                    <a:lstStyle/>
+                    <a:p>
+                      <a:pPr algn="r" fontAlgn="b"/>
+                      <a:r>
+                        <a:rPr lang="en-US" sz="1200" b="0" i="0" u="none" strike="noStrike">
+                          <a:solidFill>
+                            <a:srgbClr val="000000"/>
+                          </a:solidFill>
+                          <a:latin typeface="Calibri"/>
+                        </a:rPr>
+                        <a:t>1</a:t>
+                      </a:r>
+                    </a:p>
+                  </a:txBody>
+                  <a:tcPr marL="9525" marR="9525" marT="9525" marB="0" anchor="b">
+                    <a:lnL w="6350" cap="flat" cmpd="sng" algn="ctr">
+                      <a:solidFill>
+                        <a:srgbClr val="000000"/>
+                      </a:solidFill>
+                      <a:prstDash val="solid"/>
+                      <a:round/>
+                      <a:headEnd type="none" w="med" len="med"/>
+                      <a:tailEnd type="none" w="med" len="med"/>
+                    </a:lnL>
+                    <a:lnR w="6350" cap="flat" cmpd="sng" algn="ctr">
+                      <a:solidFill>
+                        <a:srgbClr val="000000"/>
+                      </a:solidFill>
+                      <a:prstDash val="solid"/>
+                      <a:round/>
+                      <a:headEnd type="none" w="med" len="med"/>
+                      <a:tailEnd type="none" w="med" len="med"/>
+                    </a:lnR>
+                    <a:lnT w="6350" cap="flat" cmpd="sng" algn="ctr">
+                      <a:solidFill>
+                        <a:srgbClr val="000000"/>
+                      </a:solidFill>
+                      <a:prstDash val="solid"/>
+                      <a:round/>
+                      <a:headEnd type="none" w="med" len="med"/>
+                      <a:tailEnd type="none" w="med" len="med"/>
+                    </a:lnT>
+                    <a:lnB w="6350" cap="flat" cmpd="sng" algn="ctr">
+                      <a:solidFill>
+                        <a:srgbClr val="000000"/>
+                      </a:solidFill>
+                      <a:prstDash val="solid"/>
+                      <a:round/>
+                      <a:headEnd type="none" w="med" len="med"/>
+                      <a:tailEnd type="none" w="med" len="med"/>
+                    </a:lnB>
+                  </a:tcPr>
+                </a:tc>
+                <a:tc>
+                  <a:txBody>
+                    <a:bodyPr/>
+                    <a:lstStyle/>
+                    <a:p>
+                      <a:pPr algn="r" fontAlgn="b"/>
+                      <a:r>
+                        <a:rPr lang="en-US" sz="1200" b="0" i="0" u="none" strike="noStrike">
+                          <a:solidFill>
+                            <a:srgbClr val="000000"/>
+                          </a:solidFill>
+                          <a:latin typeface="Calibri"/>
+                        </a:rPr>
+                        <a:t>0</a:t>
+                      </a:r>
+                    </a:p>
+                  </a:txBody>
+                  <a:tcPr marL="9525" marR="9525" marT="9525" marB="0" anchor="b">
+                    <a:lnL w="6350" cap="flat" cmpd="sng" algn="ctr">
+                      <a:solidFill>
+                        <a:srgbClr val="000000"/>
+                      </a:solidFill>
+                      <a:prstDash val="solid"/>
+                      <a:round/>
+                      <a:headEnd type="none" w="med" len="med"/>
+                      <a:tailEnd type="none" w="med" len="med"/>
+                    </a:lnL>
+                    <a:lnR w="6350" cap="flat" cmpd="sng" algn="ctr">
+                      <a:solidFill>
+                        <a:srgbClr val="000000"/>
+                      </a:solidFill>
+                      <a:prstDash val="solid"/>
+                      <a:round/>
+                      <a:headEnd type="none" w="med" len="med"/>
+                      <a:tailEnd type="none" w="med" len="med"/>
+                    </a:lnR>
+                    <a:lnT w="6350" cap="flat" cmpd="sng" algn="ctr">
+                      <a:solidFill>
+                        <a:srgbClr val="000000"/>
+                      </a:solidFill>
+                      <a:prstDash val="solid"/>
+                      <a:round/>
+                      <a:headEnd type="none" w="med" len="med"/>
+                      <a:tailEnd type="none" w="med" len="med"/>
+                    </a:lnT>
+                    <a:lnB w="6350" cap="flat" cmpd="sng" algn="ctr">
+                      <a:solidFill>
+                        <a:srgbClr val="000000"/>
+                      </a:solidFill>
+                      <a:prstDash val="solid"/>
+                      <a:round/>
+                      <a:headEnd type="none" w="med" len="med"/>
+                      <a:tailEnd type="none" w="med" len="med"/>
+                    </a:lnB>
+                  </a:tcPr>
+                </a:tc>
+                <a:tc>
+                  <a:txBody>
+                    <a:bodyPr/>
+                    <a:lstStyle/>
+                    <a:p>
+                      <a:pPr algn="r" fontAlgn="b"/>
+                      <a:r>
+                        <a:rPr lang="en-US" sz="1200" b="0" i="0" u="none" strike="noStrike">
+                          <a:solidFill>
+                            <a:srgbClr val="000000"/>
+                          </a:solidFill>
+                          <a:latin typeface="Calibri"/>
+                        </a:rPr>
+                        <a:t>2</a:t>
+                      </a:r>
+                    </a:p>
+                  </a:txBody>
+                  <a:tcPr marL="9525" marR="9525" marT="9525" marB="0" anchor="b">
+                    <a:lnL w="6350" cap="flat" cmpd="sng" algn="ctr">
+                      <a:solidFill>
+                        <a:srgbClr val="000000"/>
+                      </a:solidFill>
+                      <a:prstDash val="solid"/>
+                      <a:round/>
+                      <a:headEnd type="none" w="med" len="med"/>
+                      <a:tailEnd type="none" w="med" len="med"/>
+                    </a:lnL>
+                    <a:lnR w="6350" cap="flat" cmpd="sng" algn="ctr">
+                      <a:solidFill>
+                        <a:srgbClr val="000000"/>
+                      </a:solidFill>
+                      <a:prstDash val="solid"/>
+                      <a:round/>
+                      <a:headEnd type="none" w="med" len="med"/>
+                      <a:tailEnd type="none" w="med" len="med"/>
+                    </a:lnR>
+                    <a:lnT w="6350" cap="flat" cmpd="sng" algn="ctr">
+                      <a:solidFill>
+                        <a:srgbClr val="000000"/>
+                      </a:solidFill>
+                      <a:prstDash val="solid"/>
+                      <a:round/>
+                      <a:headEnd type="none" w="med" len="med"/>
+                      <a:tailEnd type="none" w="med" len="med"/>
+                    </a:lnT>
+                    <a:lnB w="6350" cap="flat" cmpd="sng" algn="ctr">
+                      <a:solidFill>
+                        <a:srgbClr val="000000"/>
+                      </a:solidFill>
+                      <a:prstDash val="solid"/>
+                      <a:round/>
+                      <a:headEnd type="none" w="med" len="med"/>
+                      <a:tailEnd type="none" w="med" len="med"/>
+                    </a:lnB>
+                  </a:tcPr>
+                </a:tc>
+                <a:tc>
+                  <a:txBody>
+                    <a:bodyPr/>
+                    <a:lstStyle/>
+                    <a:p>
+                      <a:pPr algn="r" fontAlgn="b"/>
+                      <a:r>
+                        <a:rPr lang="en-US" sz="1200" b="0" i="0" u="none" strike="noStrike">
+                          <a:solidFill>
+                            <a:srgbClr val="000000"/>
+                          </a:solidFill>
+                          <a:latin typeface="Calibri"/>
+                        </a:rPr>
+                        <a:t>0</a:t>
+                      </a:r>
+                    </a:p>
+                  </a:txBody>
+                  <a:tcPr marL="9525" marR="9525" marT="9525" marB="0" anchor="b">
+                    <a:lnL w="6350" cap="flat" cmpd="sng" algn="ctr">
+                      <a:solidFill>
+                        <a:srgbClr val="000000"/>
+                      </a:solidFill>
+                      <a:prstDash val="solid"/>
+                      <a:round/>
+                      <a:headEnd type="none" w="med" len="med"/>
+                      <a:tailEnd type="none" w="med" len="med"/>
+                    </a:lnL>
+                    <a:lnR w="6350" cap="flat" cmpd="sng" algn="ctr">
+                      <a:solidFill>
+                        <a:srgbClr val="000000"/>
+                      </a:solidFill>
+                      <a:prstDash val="solid"/>
+                      <a:round/>
+                      <a:headEnd type="none" w="med" len="med"/>
+                      <a:tailEnd type="none" w="med" len="med"/>
+                    </a:lnR>
+                    <a:lnT w="6350" cap="flat" cmpd="sng" algn="ctr">
+                      <a:solidFill>
+                        <a:srgbClr val="000000"/>
+                      </a:solidFill>
+                      <a:prstDash val="solid"/>
+                      <a:round/>
+                      <a:headEnd type="none" w="med" len="med"/>
+                      <a:tailEnd type="none" w="med" len="med"/>
+                    </a:lnT>
+                    <a:lnB w="6350" cap="flat" cmpd="sng" algn="ctr">
+                      <a:solidFill>
+                        <a:srgbClr val="000000"/>
+                      </a:solidFill>
+                      <a:prstDash val="solid"/>
+                      <a:round/>
+                      <a:headEnd type="none" w="med" len="med"/>
+                      <a:tailEnd type="none" w="med" len="med"/>
+                    </a:lnB>
+                  </a:tcPr>
+                </a:tc>
+                <a:tc>
+                  <a:txBody>
+                    <a:bodyPr/>
+                    <a:lstStyle/>
+                    <a:p>
+                      <a:pPr algn="r" fontAlgn="b"/>
+                      <a:r>
+                        <a:rPr lang="en-US" sz="1200" b="0" i="0" u="none" strike="noStrike">
+                          <a:solidFill>
+                            <a:srgbClr val="000000"/>
+                          </a:solidFill>
+                          <a:latin typeface="Calibri"/>
+                        </a:rPr>
+                        <a:t>0</a:t>
+                      </a:r>
+                    </a:p>
+                  </a:txBody>
+                  <a:tcPr marL="9525" marR="9525" marT="9525" marB="0" anchor="b">
+                    <a:lnL w="6350" cap="flat" cmpd="sng" algn="ctr">
+                      <a:solidFill>
+                        <a:srgbClr val="000000"/>
+                      </a:solidFill>
+                      <a:prstDash val="solid"/>
+                      <a:round/>
+                      <a:headEnd type="none" w="med" len="med"/>
+                      <a:tailEnd type="none" w="med" len="med"/>
+                    </a:lnL>
+                    <a:lnR w="6350" cap="flat" cmpd="sng" algn="ctr">
+                      <a:solidFill>
+                        <a:srgbClr val="000000"/>
+                      </a:solidFill>
+                      <a:prstDash val="solid"/>
+                      <a:round/>
+                      <a:headEnd type="none" w="med" len="med"/>
+                      <a:tailEnd type="none" w="med" len="med"/>
+                    </a:lnR>
+                    <a:lnT w="6350" cap="flat" cmpd="sng" algn="ctr">
+                      <a:solidFill>
+                        <a:srgbClr val="000000"/>
+                      </a:solidFill>
+                      <a:prstDash val="solid"/>
+                      <a:round/>
+                      <a:headEnd type="none" w="med" len="med"/>
+                      <a:tailEnd type="none" w="med" len="med"/>
+                    </a:lnT>
+                    <a:lnB w="6350" cap="flat" cmpd="sng" algn="ctr">
+                      <a:solidFill>
+                        <a:srgbClr val="000000"/>
+                      </a:solidFill>
+                      <a:prstDash val="solid"/>
+                      <a:round/>
+                      <a:headEnd type="none" w="med" len="med"/>
+                      <a:tailEnd type="none" w="med" len="med"/>
+                    </a:lnB>
+                  </a:tcPr>
+                </a:tc>
+                <a:tc>
+                  <a:txBody>
+                    <a:bodyPr/>
+                    <a:lstStyle/>
+                    <a:p>
+                      <a:pPr algn="r" fontAlgn="b"/>
+                      <a:r>
+                        <a:rPr lang="en-US" sz="1200" b="0" i="0" u="none" strike="noStrike">
+                          <a:solidFill>
+                            <a:srgbClr val="000000"/>
+                          </a:solidFill>
+                          <a:latin typeface="Calibri"/>
+                        </a:rPr>
+                        <a:t>3</a:t>
+                      </a:r>
+                    </a:p>
+                  </a:txBody>
+                  <a:tcPr marL="9525" marR="9525" marT="9525" marB="0" anchor="b">
+                    <a:lnL w="6350" cap="flat" cmpd="sng" algn="ctr">
+                      <a:solidFill>
+                        <a:srgbClr val="000000"/>
+                      </a:solidFill>
+                      <a:prstDash val="solid"/>
+                      <a:round/>
+                      <a:headEnd type="none" w="med" len="med"/>
+                      <a:tailEnd type="none" w="med" len="med"/>
+                    </a:lnL>
+                    <a:lnR w="6350" cap="flat" cmpd="sng" algn="ctr">
+                      <a:solidFill>
+                        <a:srgbClr val="000000"/>
+                      </a:solidFill>
+                      <a:prstDash val="solid"/>
+                      <a:round/>
+                      <a:headEnd type="none" w="med" len="med"/>
+                      <a:tailEnd type="none" w="med" len="med"/>
+                    </a:lnR>
+                    <a:lnT w="6350" cap="flat" cmpd="sng" algn="ctr">
+                      <a:solidFill>
+                        <a:srgbClr val="000000"/>
+                      </a:solidFill>
+                      <a:prstDash val="solid"/>
+                      <a:round/>
+                      <a:headEnd type="none" w="med" len="med"/>
+                      <a:tailEnd type="none" w="med" len="med"/>
+                    </a:lnT>
+                    <a:lnB w="6350" cap="flat" cmpd="sng" algn="ctr">
+                      <a:solidFill>
+                        <a:srgbClr val="000000"/>
+                      </a:solidFill>
+                      <a:prstDash val="solid"/>
+                      <a:round/>
+                      <a:headEnd type="none" w="med" len="med"/>
+                      <a:tailEnd type="none" w="med" len="med"/>
+                    </a:lnB>
+                  </a:tcPr>
+                </a:tc>
+                <a:tc>
+                  <a:txBody>
+                    <a:bodyPr/>
+                    <a:lstStyle/>
+                    <a:p>
+                      <a:pPr algn="r" fontAlgn="b"/>
+                      <a:r>
+                        <a:rPr lang="en-US" sz="1200" b="0" i="0" u="none" strike="noStrike">
+                          <a:solidFill>
+                            <a:srgbClr val="000000"/>
+                          </a:solidFill>
+                          <a:latin typeface="Calibri"/>
+                        </a:rPr>
+                        <a:t>6</a:t>
+                      </a:r>
+                    </a:p>
+                  </a:txBody>
+                  <a:tcPr marL="9525" marR="9525" marT="9525" marB="0" anchor="b">
+                    <a:lnL w="6350" cap="flat" cmpd="sng" algn="ctr">
+                      <a:solidFill>
+                        <a:srgbClr val="000000"/>
+                      </a:solidFill>
+                      <a:prstDash val="solid"/>
+                      <a:round/>
+                      <a:headEnd type="none" w="med" len="med"/>
+                      <a:tailEnd type="none" w="med" len="med"/>
+                    </a:lnL>
+                    <a:lnR w="6350" cap="flat" cmpd="sng" algn="ctr">
+                      <a:solidFill>
+                        <a:srgbClr val="000000"/>
+                      </a:solidFill>
+                      <a:prstDash val="solid"/>
+                      <a:round/>
+                      <a:headEnd type="none" w="med" len="med"/>
+                      <a:tailEnd type="none" w="med" len="med"/>
+                    </a:lnR>
+                    <a:lnT w="6350" cap="flat" cmpd="sng" algn="ctr">
+                      <a:solidFill>
+                        <a:srgbClr val="000000"/>
+                      </a:solidFill>
+                      <a:prstDash val="solid"/>
+                      <a:round/>
+                      <a:headEnd type="none" w="med" len="med"/>
+                      <a:tailEnd type="none" w="med" len="med"/>
+                    </a:lnT>
+                    <a:lnB w="6350" cap="flat" cmpd="sng" algn="ctr">
+                      <a:solidFill>
+                        <a:srgbClr val="000000"/>
+                      </a:solidFill>
+                      <a:prstDash val="solid"/>
+                      <a:round/>
+                      <a:headEnd type="none" w="med" len="med"/>
+                      <a:tailEnd type="none" w="med" len="med"/>
+                    </a:lnB>
+                  </a:tcPr>
+                </a:tc>
+              </a:tr>
+              <a:tr h="1379472">
+                <a:tc>
+                  <a:txBody>
+                    <a:bodyPr/>
+                    <a:lstStyle/>
+                    <a:p>
+                      <a:pPr algn="l" fontAlgn="b"/>
+                      <a:r>
+                        <a:rPr lang="en-US" sz="1200" b="1" i="0" u="none" strike="noStrike">
+                          <a:solidFill>
+                            <a:srgbClr val="000000"/>
+                          </a:solidFill>
+                          <a:latin typeface="Calibri"/>
+                        </a:rPr>
+                        <a:t>BUGS NÃO- CRÍTICOS</a:t>
+                      </a:r>
+                    </a:p>
+                  </a:txBody>
+                  <a:tcPr marL="9525" marR="9525" marT="9525" marB="0" anchor="b">
+                    <a:lnL w="6350" cap="flat" cmpd="sng" algn="ctr">
+                      <a:solidFill>
+                        <a:srgbClr val="000000"/>
+                      </a:solidFill>
+                      <a:prstDash val="solid"/>
+                      <a:round/>
+                      <a:headEnd type="none" w="med" len="med"/>
+                      <a:tailEnd type="none" w="med" len="med"/>
+                    </a:lnL>
+                    <a:lnR w="6350" cap="flat" cmpd="sng" algn="ctr">
+                      <a:solidFill>
+                        <a:srgbClr val="000000"/>
+                      </a:solidFill>
+                      <a:prstDash val="solid"/>
+                      <a:round/>
+                      <a:headEnd type="none" w="med" len="med"/>
+                      <a:tailEnd type="none" w="med" len="med"/>
+                    </a:lnR>
+                    <a:lnT w="6350" cap="flat" cmpd="sng" algn="ctr">
+                      <a:solidFill>
+                        <a:srgbClr val="000000"/>
+                      </a:solidFill>
+                      <a:prstDash val="solid"/>
+                      <a:round/>
+                      <a:headEnd type="none" w="med" len="med"/>
+                      <a:tailEnd type="none" w="med" len="med"/>
+                    </a:lnT>
+                    <a:lnB w="6350" cap="flat" cmpd="sng" algn="ctr">
+                      <a:solidFill>
+                        <a:srgbClr val="000000"/>
+                      </a:solidFill>
+                      <a:prstDash val="solid"/>
+                      <a:round/>
+                      <a:headEnd type="none" w="med" len="med"/>
+                      <a:tailEnd type="none" w="med" len="med"/>
+                    </a:lnB>
+                    <a:solidFill>
+                      <a:srgbClr val="EEECE1"/>
+                    </a:solidFill>
+                  </a:tcPr>
+                </a:tc>
+                <a:tc>
+                  <a:txBody>
+                    <a:bodyPr/>
+                    <a:lstStyle/>
+                    <a:p>
+                      <a:pPr algn="r" fontAlgn="b"/>
+                      <a:r>
+                        <a:rPr lang="en-US" sz="1200" b="0" i="0" u="none" strike="noStrike">
+                          <a:solidFill>
+                            <a:srgbClr val="000000"/>
+                          </a:solidFill>
+                          <a:latin typeface="Calibri"/>
+                        </a:rPr>
+                        <a:t>1</a:t>
+                      </a:r>
+                    </a:p>
+                  </a:txBody>
+                  <a:tcPr marL="9525" marR="9525" marT="9525" marB="0" anchor="b">
+                    <a:lnL w="6350" cap="flat" cmpd="sng" algn="ctr">
+                      <a:solidFill>
+                        <a:srgbClr val="000000"/>
+                      </a:solidFill>
+                      <a:prstDash val="solid"/>
+                      <a:round/>
+                      <a:headEnd type="none" w="med" len="med"/>
+                      <a:tailEnd type="none" w="med" len="med"/>
+                    </a:lnL>
+                    <a:lnR w="6350" cap="flat" cmpd="sng" algn="ctr">
+                      <a:solidFill>
+                        <a:srgbClr val="000000"/>
+                      </a:solidFill>
+                      <a:prstDash val="solid"/>
+                      <a:round/>
+                      <a:headEnd type="none" w="med" len="med"/>
+                      <a:tailEnd type="none" w="med" len="med"/>
+                    </a:lnR>
+                    <a:lnT w="6350" cap="flat" cmpd="sng" algn="ctr">
+                      <a:solidFill>
+                        <a:srgbClr val="000000"/>
+                      </a:solidFill>
+                      <a:prstDash val="solid"/>
+                      <a:round/>
+                      <a:headEnd type="none" w="med" len="med"/>
+                      <a:tailEnd type="none" w="med" len="med"/>
+                    </a:lnT>
+                    <a:lnB w="6350" cap="flat" cmpd="sng" algn="ctr">
+                      <a:solidFill>
+                        <a:srgbClr val="000000"/>
+                      </a:solidFill>
+                      <a:prstDash val="solid"/>
+                      <a:round/>
+                      <a:headEnd type="none" w="med" len="med"/>
+                      <a:tailEnd type="none" w="med" len="med"/>
+                    </a:lnB>
+                  </a:tcPr>
+                </a:tc>
+                <a:tc>
+                  <a:txBody>
+                    <a:bodyPr/>
+                    <a:lstStyle/>
+                    <a:p>
+                      <a:pPr algn="r" fontAlgn="b"/>
+                      <a:r>
+                        <a:rPr lang="en-US" sz="1200" b="0" i="0" u="none" strike="noStrike">
+                          <a:solidFill>
+                            <a:srgbClr val="000000"/>
+                          </a:solidFill>
+                          <a:latin typeface="Calibri"/>
+                        </a:rPr>
+                        <a:t>2</a:t>
+                      </a:r>
+                    </a:p>
+                  </a:txBody>
+                  <a:tcPr marL="9525" marR="9525" marT="9525" marB="0" anchor="b">
+                    <a:lnL w="6350" cap="flat" cmpd="sng" algn="ctr">
+                      <a:solidFill>
+                        <a:srgbClr val="000000"/>
+                      </a:solidFill>
+                      <a:prstDash val="solid"/>
+                      <a:round/>
+                      <a:headEnd type="none" w="med" len="med"/>
+                      <a:tailEnd type="none" w="med" len="med"/>
+                    </a:lnL>
+                    <a:lnR w="6350" cap="flat" cmpd="sng" algn="ctr">
+                      <a:solidFill>
+                        <a:srgbClr val="000000"/>
+                      </a:solidFill>
+                      <a:prstDash val="solid"/>
+                      <a:round/>
+                      <a:headEnd type="none" w="med" len="med"/>
+                      <a:tailEnd type="none" w="med" len="med"/>
+                    </a:lnR>
+                    <a:lnT w="6350" cap="flat" cmpd="sng" algn="ctr">
+                      <a:solidFill>
+                        <a:srgbClr val="000000"/>
+                      </a:solidFill>
+                      <a:prstDash val="solid"/>
+                      <a:round/>
+                      <a:headEnd type="none" w="med" len="med"/>
+                      <a:tailEnd type="none" w="med" len="med"/>
+                    </a:lnT>
+                    <a:lnB w="6350" cap="flat" cmpd="sng" algn="ctr">
+                      <a:solidFill>
+                        <a:srgbClr val="000000"/>
+                      </a:solidFill>
+                      <a:prstDash val="solid"/>
+                      <a:round/>
+                      <a:headEnd type="none" w="med" len="med"/>
+                      <a:tailEnd type="none" w="med" len="med"/>
+                    </a:lnB>
+                  </a:tcPr>
+                </a:tc>
+                <a:tc>
+                  <a:txBody>
+                    <a:bodyPr/>
+                    <a:lstStyle/>
+                    <a:p>
+                      <a:pPr algn="r" fontAlgn="b"/>
+                      <a:r>
+                        <a:rPr lang="en-US" sz="1200" b="0" i="0" u="none" strike="noStrike">
+                          <a:solidFill>
+                            <a:srgbClr val="000000"/>
+                          </a:solidFill>
+                          <a:latin typeface="Calibri"/>
+                        </a:rPr>
+                        <a:t>1</a:t>
+                      </a:r>
+                    </a:p>
+                  </a:txBody>
+                  <a:tcPr marL="9525" marR="9525" marT="9525" marB="0" anchor="b">
+                    <a:lnL w="6350" cap="flat" cmpd="sng" algn="ctr">
+                      <a:solidFill>
+                        <a:srgbClr val="000000"/>
+                      </a:solidFill>
+                      <a:prstDash val="solid"/>
+                      <a:round/>
+                      <a:headEnd type="none" w="med" len="med"/>
+                      <a:tailEnd type="none" w="med" len="med"/>
+                    </a:lnL>
+                    <a:lnR w="6350" cap="flat" cmpd="sng" algn="ctr">
+                      <a:solidFill>
+                        <a:srgbClr val="000000"/>
+                      </a:solidFill>
+                      <a:prstDash val="solid"/>
+                      <a:round/>
+                      <a:headEnd type="none" w="med" len="med"/>
+                      <a:tailEnd type="none" w="med" len="med"/>
+                    </a:lnR>
+                    <a:lnT w="6350" cap="flat" cmpd="sng" algn="ctr">
+                      <a:solidFill>
+                        <a:srgbClr val="000000"/>
+                      </a:solidFill>
+                      <a:prstDash val="solid"/>
+                      <a:round/>
+                      <a:headEnd type="none" w="med" len="med"/>
+                      <a:tailEnd type="none" w="med" len="med"/>
+                    </a:lnT>
+                    <a:lnB w="6350" cap="flat" cmpd="sng" algn="ctr">
+                      <a:solidFill>
+                        <a:srgbClr val="000000"/>
+                      </a:solidFill>
+                      <a:prstDash val="solid"/>
+                      <a:round/>
+                      <a:headEnd type="none" w="med" len="med"/>
+                      <a:tailEnd type="none" w="med" len="med"/>
+                    </a:lnB>
+                  </a:tcPr>
+                </a:tc>
+                <a:tc>
+                  <a:txBody>
+                    <a:bodyPr/>
+                    <a:lstStyle/>
+                    <a:p>
+                      <a:pPr algn="r" fontAlgn="b"/>
+                      <a:r>
+                        <a:rPr lang="en-US" sz="1200" b="0" i="0" u="none" strike="noStrike">
+                          <a:solidFill>
+                            <a:srgbClr val="000000"/>
+                          </a:solidFill>
+                          <a:latin typeface="Calibri"/>
+                        </a:rPr>
+                        <a:t>0</a:t>
+                      </a:r>
+                    </a:p>
+                  </a:txBody>
+                  <a:tcPr marL="9525" marR="9525" marT="9525" marB="0" anchor="b">
+                    <a:lnL w="6350" cap="flat" cmpd="sng" algn="ctr">
+                      <a:solidFill>
+                        <a:srgbClr val="000000"/>
+                      </a:solidFill>
+                      <a:prstDash val="solid"/>
+                      <a:round/>
+                      <a:headEnd type="none" w="med" len="med"/>
+                      <a:tailEnd type="none" w="med" len="med"/>
+                    </a:lnL>
+                    <a:lnR w="6350" cap="flat" cmpd="sng" algn="ctr">
+                      <a:solidFill>
+                        <a:srgbClr val="000000"/>
+                      </a:solidFill>
+                      <a:prstDash val="solid"/>
+                      <a:round/>
+                      <a:headEnd type="none" w="med" len="med"/>
+                      <a:tailEnd type="none" w="med" len="med"/>
+                    </a:lnR>
+                    <a:lnT w="6350" cap="flat" cmpd="sng" algn="ctr">
+                      <a:solidFill>
+                        <a:srgbClr val="000000"/>
+                      </a:solidFill>
+                      <a:prstDash val="solid"/>
+                      <a:round/>
+                      <a:headEnd type="none" w="med" len="med"/>
+                      <a:tailEnd type="none" w="med" len="med"/>
+                    </a:lnT>
+                    <a:lnB w="6350" cap="flat" cmpd="sng" algn="ctr">
+                      <a:solidFill>
+                        <a:srgbClr val="000000"/>
+                      </a:solidFill>
+                      <a:prstDash val="solid"/>
+                      <a:round/>
+                      <a:headEnd type="none" w="med" len="med"/>
+                      <a:tailEnd type="none" w="med" len="med"/>
+                    </a:lnB>
+                  </a:tcPr>
+                </a:tc>
+                <a:tc>
+                  <a:txBody>
+                    <a:bodyPr/>
+                    <a:lstStyle/>
+                    <a:p>
+                      <a:pPr algn="r" fontAlgn="b"/>
+                      <a:r>
+                        <a:rPr lang="en-US" sz="1200" b="0" i="0" u="none" strike="noStrike">
+                          <a:solidFill>
+                            <a:srgbClr val="000000"/>
+                          </a:solidFill>
+                          <a:latin typeface="Calibri"/>
+                        </a:rPr>
+                        <a:t>1</a:t>
+                      </a:r>
+                    </a:p>
+                  </a:txBody>
+                  <a:tcPr marL="9525" marR="9525" marT="9525" marB="0" anchor="b">
+                    <a:lnL w="6350" cap="flat" cmpd="sng" algn="ctr">
+                      <a:solidFill>
+                        <a:srgbClr val="000000"/>
+                      </a:solidFill>
+                      <a:prstDash val="solid"/>
+                      <a:round/>
+                      <a:headEnd type="none" w="med" len="med"/>
+                      <a:tailEnd type="none" w="med" len="med"/>
+                    </a:lnL>
+                    <a:lnR w="6350" cap="flat" cmpd="sng" algn="ctr">
+                      <a:solidFill>
+                        <a:srgbClr val="000000"/>
+                      </a:solidFill>
+                      <a:prstDash val="solid"/>
+                      <a:round/>
+                      <a:headEnd type="none" w="med" len="med"/>
+                      <a:tailEnd type="none" w="med" len="med"/>
+                    </a:lnR>
+                    <a:lnT w="6350" cap="flat" cmpd="sng" algn="ctr">
+                      <a:solidFill>
+                        <a:srgbClr val="000000"/>
+                      </a:solidFill>
+                      <a:prstDash val="solid"/>
+                      <a:round/>
+                      <a:headEnd type="none" w="med" len="med"/>
+                      <a:tailEnd type="none" w="med" len="med"/>
+                    </a:lnT>
+                    <a:lnB w="6350" cap="flat" cmpd="sng" algn="ctr">
+                      <a:solidFill>
+                        <a:srgbClr val="000000"/>
+                      </a:solidFill>
+                      <a:prstDash val="solid"/>
+                      <a:round/>
+                      <a:headEnd type="none" w="med" len="med"/>
+                      <a:tailEnd type="none" w="med" len="med"/>
+                    </a:lnB>
+                  </a:tcPr>
+                </a:tc>
+                <a:tc>
+                  <a:txBody>
+                    <a:bodyPr/>
+                    <a:lstStyle/>
+                    <a:p>
+                      <a:pPr algn="r" fontAlgn="b"/>
+                      <a:r>
+                        <a:rPr lang="en-US" sz="1200" b="0" i="0" u="none" strike="noStrike">
+                          <a:solidFill>
+                            <a:srgbClr val="000000"/>
+                          </a:solidFill>
+                          <a:latin typeface="Calibri"/>
+                        </a:rPr>
+                        <a:t>2</a:t>
+                      </a:r>
+                    </a:p>
+                  </a:txBody>
+                  <a:tcPr marL="9525" marR="9525" marT="9525" marB="0" anchor="b">
+                    <a:lnL w="6350" cap="flat" cmpd="sng" algn="ctr">
+                      <a:solidFill>
+                        <a:srgbClr val="000000"/>
+                      </a:solidFill>
+                      <a:prstDash val="solid"/>
+                      <a:round/>
+                      <a:headEnd type="none" w="med" len="med"/>
+                      <a:tailEnd type="none" w="med" len="med"/>
+                    </a:lnL>
+                    <a:lnR w="6350" cap="flat" cmpd="sng" algn="ctr">
+                      <a:solidFill>
+                        <a:srgbClr val="000000"/>
+                      </a:solidFill>
+                      <a:prstDash val="solid"/>
+                      <a:round/>
+                      <a:headEnd type="none" w="med" len="med"/>
+                      <a:tailEnd type="none" w="med" len="med"/>
+                    </a:lnR>
+                    <a:lnT w="6350" cap="flat" cmpd="sng" algn="ctr">
+                      <a:solidFill>
+                        <a:srgbClr val="000000"/>
+                      </a:solidFill>
+                      <a:prstDash val="solid"/>
+                      <a:round/>
+                      <a:headEnd type="none" w="med" len="med"/>
+                      <a:tailEnd type="none" w="med" len="med"/>
+                    </a:lnT>
+                    <a:lnB w="6350" cap="flat" cmpd="sng" algn="ctr">
+                      <a:solidFill>
+                        <a:srgbClr val="000000"/>
+                      </a:solidFill>
+                      <a:prstDash val="solid"/>
+                      <a:round/>
+                      <a:headEnd type="none" w="med" len="med"/>
+                      <a:tailEnd type="none" w="med" len="med"/>
+                    </a:lnB>
+                  </a:tcPr>
+                </a:tc>
+                <a:tc>
+                  <a:txBody>
+                    <a:bodyPr/>
+                    <a:lstStyle/>
+                    <a:p>
+                      <a:pPr algn="r" fontAlgn="b"/>
+                      <a:r>
+                        <a:rPr lang="en-US" sz="1200" b="0" i="0" u="none" strike="noStrike">
+                          <a:solidFill>
+                            <a:srgbClr val="000000"/>
+                          </a:solidFill>
+                          <a:latin typeface="Calibri"/>
+                        </a:rPr>
+                        <a:t>7</a:t>
+                      </a:r>
+                    </a:p>
+                  </a:txBody>
+                  <a:tcPr marL="9525" marR="9525" marT="9525" marB="0" anchor="b">
+                    <a:lnL w="6350" cap="flat" cmpd="sng" algn="ctr">
+                      <a:solidFill>
+                        <a:srgbClr val="000000"/>
+                      </a:solidFill>
+                      <a:prstDash val="solid"/>
+                      <a:round/>
+                      <a:headEnd type="none" w="med" len="med"/>
+                      <a:tailEnd type="none" w="med" len="med"/>
+                    </a:lnL>
+                    <a:lnR w="6350" cap="flat" cmpd="sng" algn="ctr">
+                      <a:solidFill>
+                        <a:srgbClr val="000000"/>
+                      </a:solidFill>
+                      <a:prstDash val="solid"/>
+                      <a:round/>
+                      <a:headEnd type="none" w="med" len="med"/>
+                      <a:tailEnd type="none" w="med" len="med"/>
+                    </a:lnR>
+                    <a:lnT w="6350" cap="flat" cmpd="sng" algn="ctr">
+                      <a:solidFill>
+                        <a:srgbClr val="000000"/>
+                      </a:solidFill>
+                      <a:prstDash val="solid"/>
+                      <a:round/>
+                      <a:headEnd type="none" w="med" len="med"/>
+                      <a:tailEnd type="none" w="med" len="med"/>
+                    </a:lnT>
+                    <a:lnB w="6350" cap="flat" cmpd="sng" algn="ctr">
+                      <a:solidFill>
+                        <a:srgbClr val="000000"/>
+                      </a:solidFill>
+                      <a:prstDash val="solid"/>
+                      <a:round/>
+                      <a:headEnd type="none" w="med" len="med"/>
+                      <a:tailEnd type="none" w="med" len="med"/>
+                    </a:lnB>
+                  </a:tcPr>
+                </a:tc>
+              </a:tr>
+              <a:tr h="735252">
+                <a:tc>
+                  <a:txBody>
+                    <a:bodyPr/>
+                    <a:lstStyle/>
+                    <a:p>
+                      <a:pPr algn="l" fontAlgn="b"/>
+                      <a:r>
+                        <a:rPr lang="en-US" sz="1200" b="1" i="0" u="none" strike="noStrike">
+                          <a:solidFill>
+                            <a:srgbClr val="000000"/>
+                          </a:solidFill>
+                          <a:latin typeface="Calibri"/>
+                        </a:rPr>
+                        <a:t>RH</a:t>
+                      </a:r>
+                    </a:p>
+                  </a:txBody>
+                  <a:tcPr marL="9525" marR="9525" marT="9525" marB="0" anchor="b">
+                    <a:lnL w="6350" cap="flat" cmpd="sng" algn="ctr">
+                      <a:solidFill>
+                        <a:srgbClr val="000000"/>
+                      </a:solidFill>
+                      <a:prstDash val="solid"/>
+                      <a:round/>
+                      <a:headEnd type="none" w="med" len="med"/>
+                      <a:tailEnd type="none" w="med" len="med"/>
+                    </a:lnL>
+                    <a:lnR w="6350" cap="flat" cmpd="sng" algn="ctr">
+                      <a:solidFill>
+                        <a:srgbClr val="000000"/>
+                      </a:solidFill>
+                      <a:prstDash val="solid"/>
+                      <a:round/>
+                      <a:headEnd type="none" w="med" len="med"/>
+                      <a:tailEnd type="none" w="med" len="med"/>
+                    </a:lnR>
+                    <a:lnT w="6350" cap="flat" cmpd="sng" algn="ctr">
+                      <a:solidFill>
+                        <a:srgbClr val="000000"/>
+                      </a:solidFill>
+                      <a:prstDash val="solid"/>
+                      <a:round/>
+                      <a:headEnd type="none" w="med" len="med"/>
+                      <a:tailEnd type="none" w="med" len="med"/>
+                    </a:lnT>
+                    <a:lnB w="6350" cap="flat" cmpd="sng" algn="ctr">
+                      <a:solidFill>
+                        <a:srgbClr val="000000"/>
+                      </a:solidFill>
+                      <a:prstDash val="solid"/>
+                      <a:round/>
+                      <a:headEnd type="none" w="med" len="med"/>
+                      <a:tailEnd type="none" w="med" len="med"/>
+                    </a:lnB>
+                    <a:solidFill>
+                      <a:srgbClr val="EEECE1"/>
+                    </a:solidFill>
+                  </a:tcPr>
+                </a:tc>
+                <a:tc>
+                  <a:txBody>
+                    <a:bodyPr/>
+                    <a:lstStyle/>
+                    <a:p>
+                      <a:pPr algn="r" fontAlgn="b"/>
+                      <a:r>
+                        <a:rPr lang="en-US" sz="1200" b="0" i="0" u="none" strike="noStrike">
+                          <a:solidFill>
+                            <a:srgbClr val="000000"/>
+                          </a:solidFill>
+                          <a:latin typeface="Calibri"/>
+                        </a:rPr>
+                        <a:t>100%</a:t>
+                      </a:r>
+                    </a:p>
+                  </a:txBody>
+                  <a:tcPr marL="9525" marR="9525" marT="9525" marB="0" anchor="b">
+                    <a:lnL w="6350" cap="flat" cmpd="sng" algn="ctr">
+                      <a:solidFill>
+                        <a:srgbClr val="000000"/>
+                      </a:solidFill>
+                      <a:prstDash val="solid"/>
+                      <a:round/>
+                      <a:headEnd type="none" w="med" len="med"/>
+                      <a:tailEnd type="none" w="med" len="med"/>
+                    </a:lnL>
+                    <a:lnR w="6350" cap="flat" cmpd="sng" algn="ctr">
+                      <a:solidFill>
+                        <a:srgbClr val="000000"/>
+                      </a:solidFill>
+                      <a:prstDash val="solid"/>
+                      <a:round/>
+                      <a:headEnd type="none" w="med" len="med"/>
+                      <a:tailEnd type="none" w="med" len="med"/>
+                    </a:lnR>
+                    <a:lnT w="6350" cap="flat" cmpd="sng" algn="ctr">
+                      <a:solidFill>
+                        <a:srgbClr val="000000"/>
+                      </a:solidFill>
+                      <a:prstDash val="solid"/>
+                      <a:round/>
+                      <a:headEnd type="none" w="med" len="med"/>
+                      <a:tailEnd type="none" w="med" len="med"/>
+                    </a:lnT>
+                    <a:lnB w="6350" cap="flat" cmpd="sng" algn="ctr">
+                      <a:solidFill>
+                        <a:srgbClr val="000000"/>
+                      </a:solidFill>
+                      <a:prstDash val="solid"/>
+                      <a:round/>
+                      <a:headEnd type="none" w="med" len="med"/>
+                      <a:tailEnd type="none" w="med" len="med"/>
+                    </a:lnB>
+                  </a:tcPr>
+                </a:tc>
+                <a:tc>
+                  <a:txBody>
+                    <a:bodyPr/>
+                    <a:lstStyle/>
+                    <a:p>
+                      <a:pPr algn="r" fontAlgn="b"/>
+                      <a:r>
+                        <a:rPr lang="en-US" sz="1200" b="0" i="0" u="none" strike="noStrike">
+                          <a:solidFill>
+                            <a:srgbClr val="000000"/>
+                          </a:solidFill>
+                          <a:latin typeface="Calibri"/>
+                        </a:rPr>
+                        <a:t>95%</a:t>
+                      </a:r>
+                    </a:p>
+                  </a:txBody>
+                  <a:tcPr marL="9525" marR="9525" marT="9525" marB="0" anchor="b">
+                    <a:lnL w="6350" cap="flat" cmpd="sng" algn="ctr">
+                      <a:solidFill>
+                        <a:srgbClr val="000000"/>
+                      </a:solidFill>
+                      <a:prstDash val="solid"/>
+                      <a:round/>
+                      <a:headEnd type="none" w="med" len="med"/>
+                      <a:tailEnd type="none" w="med" len="med"/>
+                    </a:lnL>
+                    <a:lnR w="6350" cap="flat" cmpd="sng" algn="ctr">
+                      <a:solidFill>
+                        <a:srgbClr val="000000"/>
+                      </a:solidFill>
+                      <a:prstDash val="solid"/>
+                      <a:round/>
+                      <a:headEnd type="none" w="med" len="med"/>
+                      <a:tailEnd type="none" w="med" len="med"/>
+                    </a:lnR>
+                    <a:lnT w="6350" cap="flat" cmpd="sng" algn="ctr">
+                      <a:solidFill>
+                        <a:srgbClr val="000000"/>
+                      </a:solidFill>
+                      <a:prstDash val="solid"/>
+                      <a:round/>
+                      <a:headEnd type="none" w="med" len="med"/>
+                      <a:tailEnd type="none" w="med" len="med"/>
+                    </a:lnT>
+                    <a:lnB w="6350" cap="flat" cmpd="sng" algn="ctr">
+                      <a:solidFill>
+                        <a:srgbClr val="000000"/>
+                      </a:solidFill>
+                      <a:prstDash val="solid"/>
+                      <a:round/>
+                      <a:headEnd type="none" w="med" len="med"/>
+                      <a:tailEnd type="none" w="med" len="med"/>
+                    </a:lnB>
+                  </a:tcPr>
+                </a:tc>
+                <a:tc>
+                  <a:txBody>
+                    <a:bodyPr/>
+                    <a:lstStyle/>
+                    <a:p>
+                      <a:pPr algn="r" fontAlgn="b"/>
+                      <a:r>
+                        <a:rPr lang="en-US" sz="1200" b="0" i="0" u="none" strike="noStrike">
+                          <a:solidFill>
+                            <a:srgbClr val="000000"/>
+                          </a:solidFill>
+                          <a:latin typeface="Calibri"/>
+                        </a:rPr>
+                        <a:t>98%</a:t>
+                      </a:r>
+                    </a:p>
+                  </a:txBody>
+                  <a:tcPr marL="9525" marR="9525" marT="9525" marB="0" anchor="b">
+                    <a:lnL w="6350" cap="flat" cmpd="sng" algn="ctr">
+                      <a:solidFill>
+                        <a:srgbClr val="000000"/>
+                      </a:solidFill>
+                      <a:prstDash val="solid"/>
+                      <a:round/>
+                      <a:headEnd type="none" w="med" len="med"/>
+                      <a:tailEnd type="none" w="med" len="med"/>
+                    </a:lnL>
+                    <a:lnR w="6350" cap="flat" cmpd="sng" algn="ctr">
+                      <a:solidFill>
+                        <a:srgbClr val="000000"/>
+                      </a:solidFill>
+                      <a:prstDash val="solid"/>
+                      <a:round/>
+                      <a:headEnd type="none" w="med" len="med"/>
+                      <a:tailEnd type="none" w="med" len="med"/>
+                    </a:lnR>
+                    <a:lnT w="6350" cap="flat" cmpd="sng" algn="ctr">
+                      <a:solidFill>
+                        <a:srgbClr val="000000"/>
+                      </a:solidFill>
+                      <a:prstDash val="solid"/>
+                      <a:round/>
+                      <a:headEnd type="none" w="med" len="med"/>
+                      <a:tailEnd type="none" w="med" len="med"/>
+                    </a:lnT>
+                    <a:lnB w="6350" cap="flat" cmpd="sng" algn="ctr">
+                      <a:solidFill>
+                        <a:srgbClr val="000000"/>
+                      </a:solidFill>
+                      <a:prstDash val="solid"/>
+                      <a:round/>
+                      <a:headEnd type="none" w="med" len="med"/>
+                      <a:tailEnd type="none" w="med" len="med"/>
+                    </a:lnB>
+                  </a:tcPr>
+                </a:tc>
+                <a:tc>
+                  <a:txBody>
+                    <a:bodyPr/>
+                    <a:lstStyle/>
+                    <a:p>
+                      <a:pPr algn="r" fontAlgn="b"/>
+                      <a:r>
+                        <a:rPr lang="en-US" sz="1200" b="0" i="0" u="none" strike="noStrike">
+                          <a:solidFill>
+                            <a:srgbClr val="000000"/>
+                          </a:solidFill>
+                          <a:latin typeface="Calibri"/>
+                        </a:rPr>
+                        <a:t>93%</a:t>
+                      </a:r>
+                    </a:p>
+                  </a:txBody>
+                  <a:tcPr marL="9525" marR="9525" marT="9525" marB="0" anchor="b">
+                    <a:lnL w="6350" cap="flat" cmpd="sng" algn="ctr">
+                      <a:solidFill>
+                        <a:srgbClr val="000000"/>
+                      </a:solidFill>
+                      <a:prstDash val="solid"/>
+                      <a:round/>
+                      <a:headEnd type="none" w="med" len="med"/>
+                      <a:tailEnd type="none" w="med" len="med"/>
+                    </a:lnL>
+                    <a:lnR w="6350" cap="flat" cmpd="sng" algn="ctr">
+                      <a:solidFill>
+                        <a:srgbClr val="000000"/>
+                      </a:solidFill>
+                      <a:prstDash val="solid"/>
+                      <a:round/>
+                      <a:headEnd type="none" w="med" len="med"/>
+                      <a:tailEnd type="none" w="med" len="med"/>
+                    </a:lnR>
+                    <a:lnT w="6350" cap="flat" cmpd="sng" algn="ctr">
+                      <a:solidFill>
+                        <a:srgbClr val="000000"/>
+                      </a:solidFill>
+                      <a:prstDash val="solid"/>
+                      <a:round/>
+                      <a:headEnd type="none" w="med" len="med"/>
+                      <a:tailEnd type="none" w="med" len="med"/>
+                    </a:lnT>
+                    <a:lnB w="6350" cap="flat" cmpd="sng" algn="ctr">
+                      <a:solidFill>
+                        <a:srgbClr val="000000"/>
+                      </a:solidFill>
+                      <a:prstDash val="solid"/>
+                      <a:round/>
+                      <a:headEnd type="none" w="med" len="med"/>
+                      <a:tailEnd type="none" w="med" len="med"/>
+                    </a:lnB>
+                  </a:tcPr>
+                </a:tc>
+                <a:tc>
+                  <a:txBody>
+                    <a:bodyPr/>
+                    <a:lstStyle/>
+                    <a:p>
+                      <a:pPr algn="r" fontAlgn="b"/>
+                      <a:r>
+                        <a:rPr lang="en-US" sz="1200" b="0" i="0" u="none" strike="noStrike">
+                          <a:solidFill>
+                            <a:srgbClr val="000000"/>
+                          </a:solidFill>
+                          <a:latin typeface="Calibri"/>
+                        </a:rPr>
+                        <a:t>85%</a:t>
+                      </a:r>
+                    </a:p>
+                  </a:txBody>
+                  <a:tcPr marL="9525" marR="9525" marT="9525" marB="0" anchor="b">
+                    <a:lnL w="6350" cap="flat" cmpd="sng" algn="ctr">
+                      <a:solidFill>
+                        <a:srgbClr val="000000"/>
+                      </a:solidFill>
+                      <a:prstDash val="solid"/>
+                      <a:round/>
+                      <a:headEnd type="none" w="med" len="med"/>
+                      <a:tailEnd type="none" w="med" len="med"/>
+                    </a:lnL>
+                    <a:lnR w="6350" cap="flat" cmpd="sng" algn="ctr">
+                      <a:solidFill>
+                        <a:srgbClr val="000000"/>
+                      </a:solidFill>
+                      <a:prstDash val="solid"/>
+                      <a:round/>
+                      <a:headEnd type="none" w="med" len="med"/>
+                      <a:tailEnd type="none" w="med" len="med"/>
+                    </a:lnR>
+                    <a:lnT w="6350" cap="flat" cmpd="sng" algn="ctr">
+                      <a:solidFill>
+                        <a:srgbClr val="000000"/>
+                      </a:solidFill>
+                      <a:prstDash val="solid"/>
+                      <a:round/>
+                      <a:headEnd type="none" w="med" len="med"/>
+                      <a:tailEnd type="none" w="med" len="med"/>
+                    </a:lnT>
+                    <a:lnB w="6350" cap="flat" cmpd="sng" algn="ctr">
+                      <a:solidFill>
+                        <a:srgbClr val="000000"/>
+                      </a:solidFill>
+                      <a:prstDash val="solid"/>
+                      <a:round/>
+                      <a:headEnd type="none" w="med" len="med"/>
+                      <a:tailEnd type="none" w="med" len="med"/>
+                    </a:lnB>
+                  </a:tcPr>
+                </a:tc>
+                <a:tc>
+                  <a:txBody>
+                    <a:bodyPr/>
+                    <a:lstStyle/>
+                    <a:p>
+                      <a:pPr algn="r" fontAlgn="b"/>
+                      <a:r>
+                        <a:rPr lang="en-US" sz="1200" b="0" i="0" u="none" strike="noStrike">
+                          <a:solidFill>
+                            <a:srgbClr val="000000"/>
+                          </a:solidFill>
+                          <a:latin typeface="Calibri"/>
+                        </a:rPr>
+                        <a:t>99%</a:t>
+                      </a:r>
+                    </a:p>
+                  </a:txBody>
+                  <a:tcPr marL="9525" marR="9525" marT="9525" marB="0" anchor="b">
+                    <a:lnL w="6350" cap="flat" cmpd="sng" algn="ctr">
+                      <a:solidFill>
+                        <a:srgbClr val="000000"/>
+                      </a:solidFill>
+                      <a:prstDash val="solid"/>
+                      <a:round/>
+                      <a:headEnd type="none" w="med" len="med"/>
+                      <a:tailEnd type="none" w="med" len="med"/>
+                    </a:lnL>
+                    <a:lnR w="6350" cap="flat" cmpd="sng" algn="ctr">
+                      <a:solidFill>
+                        <a:srgbClr val="000000"/>
+                      </a:solidFill>
+                      <a:prstDash val="solid"/>
+                      <a:round/>
+                      <a:headEnd type="none" w="med" len="med"/>
+                      <a:tailEnd type="none" w="med" len="med"/>
+                    </a:lnR>
+                    <a:lnT w="6350" cap="flat" cmpd="sng" algn="ctr">
+                      <a:solidFill>
+                        <a:srgbClr val="000000"/>
+                      </a:solidFill>
+                      <a:prstDash val="solid"/>
+                      <a:round/>
+                      <a:headEnd type="none" w="med" len="med"/>
+                      <a:tailEnd type="none" w="med" len="med"/>
+                    </a:lnT>
+                    <a:lnB w="6350" cap="flat" cmpd="sng" algn="ctr">
+                      <a:solidFill>
+                        <a:srgbClr val="000000"/>
+                      </a:solidFill>
+                      <a:prstDash val="solid"/>
+                      <a:round/>
+                      <a:headEnd type="none" w="med" len="med"/>
+                      <a:tailEnd type="none" w="med" len="med"/>
+                    </a:lnB>
+                  </a:tcPr>
+                </a:tc>
+                <a:tc>
+                  <a:txBody>
+                    <a:bodyPr/>
+                    <a:lstStyle/>
+                    <a:p>
+                      <a:pPr algn="r" fontAlgn="b"/>
+                      <a:r>
+                        <a:rPr lang="en-US" sz="1200" b="0" i="0" u="none" strike="noStrike" dirty="0">
+                          <a:solidFill>
+                            <a:srgbClr val="000000"/>
+                          </a:solidFill>
+                          <a:latin typeface="Calibri"/>
+                        </a:rPr>
+                        <a:t>97%</a:t>
+                      </a:r>
+                    </a:p>
+                  </a:txBody>
+                  <a:tcPr marL="9525" marR="9525" marT="9525" marB="0" anchor="b">
+                    <a:lnL w="6350" cap="flat" cmpd="sng" algn="ctr">
+                      <a:solidFill>
+                        <a:srgbClr val="000000"/>
+                      </a:solidFill>
+                      <a:prstDash val="solid"/>
+                      <a:round/>
+                      <a:headEnd type="none" w="med" len="med"/>
+                      <a:tailEnd type="none" w="med" len="med"/>
+                    </a:lnL>
+                    <a:lnR w="6350" cap="flat" cmpd="sng" algn="ctr">
+                      <a:solidFill>
+                        <a:srgbClr val="000000"/>
+                      </a:solidFill>
+                      <a:prstDash val="solid"/>
+                      <a:round/>
+                      <a:headEnd type="none" w="med" len="med"/>
+                      <a:tailEnd type="none" w="med" len="med"/>
+                    </a:lnR>
+                    <a:lnT w="6350" cap="flat" cmpd="sng" algn="ctr">
+                      <a:solidFill>
+                        <a:srgbClr val="000000"/>
+                      </a:solidFill>
+                      <a:prstDash val="solid"/>
+                      <a:round/>
+                      <a:headEnd type="none" w="med" len="med"/>
+                      <a:tailEnd type="none" w="med" len="med"/>
+                    </a:lnT>
+                    <a:lnB w="6350" cap="flat" cmpd="sng" algn="ctr">
+                      <a:solidFill>
+                        <a:srgbClr val="000000"/>
+                      </a:solidFill>
+                      <a:prstDash val="solid"/>
+                      <a:round/>
+                      <a:headEnd type="none" w="med" len="med"/>
+                      <a:tailEnd type="none" w="med" len="med"/>
+                    </a:lnB>
+                  </a:tcPr>
+                </a:tc>
+              </a:tr>
+            </a:tbl>
+          </a:graphicData>
+        </a:graphic>
+      </p:graphicFrame>
     </p:spTree>
   </p:cSld>
   <p:clrMapOvr>
@@ -11726,7 +14278,7 @@
     </p:spTree>
     <p:extLst>
       <p:ext uri="{BB962C8B-B14F-4D97-AF65-F5344CB8AC3E}">
-        <p14:creationId xmlns:p14="http://schemas.microsoft.com/office/powerpoint/2010/main" val="1673295198"/>
+        <p14:creationId xmlns:p14="http://schemas.microsoft.com/office/powerpoint/2010/main" xmlns="" val="1673295198"/>
       </p:ext>
     </p:extLst>
   </p:cSld>
@@ -11967,7 +14519,7 @@
           <a:p>
             <a:pPr algn="just"/>
             <a:r>
-              <a:rPr lang="pt-BR" sz="2000" smtClean="0"/>
+              <a:rPr lang="pt-BR" sz="2000" dirty="0" smtClean="0"/>
               <a:t> O produto a ser testado é um sistema de gerenciamento de informações e atividades de uma clínica psicológica, a NR Avaliações Psicológicas, contemplando funcionalidades como: </a:t>
             </a:r>
           </a:p>
@@ -11976,7 +14528,7 @@
               <a:buFont typeface="Arial" pitchFamily="34" charset="0"/>
               <a:buNone/>
             </a:pPr>
-            <a:endParaRPr lang="pt-BR" sz="2000" smtClean="0"/>
+            <a:endParaRPr lang="pt-BR" sz="2000" dirty="0" smtClean="0"/>
           </a:p>
           <a:p>
             <a:pPr lvl="3" algn="just">
@@ -11984,7 +14536,7 @@
               <a:buChar char="•"/>
             </a:pPr>
             <a:r>
-              <a:rPr lang="pt-BR" smtClean="0"/>
+              <a:rPr lang="pt-BR" dirty="0" smtClean="0"/>
               <a:t>Cadastro de empresas/convênios; </a:t>
             </a:r>
           </a:p>
@@ -11994,7 +14546,7 @@
               <a:buChar char="•"/>
             </a:pPr>
             <a:r>
-              <a:rPr lang="pt-BR" smtClean="0"/>
+              <a:rPr lang="pt-BR" dirty="0" smtClean="0"/>
               <a:t>Cadastro de pacientes; </a:t>
             </a:r>
           </a:p>
@@ -12004,7 +14556,7 @@
               <a:buChar char="•"/>
             </a:pPr>
             <a:r>
-              <a:rPr lang="pt-BR" smtClean="0"/>
+              <a:rPr lang="pt-BR" dirty="0" smtClean="0"/>
               <a:t>Controle de agenda; </a:t>
             </a:r>
           </a:p>
@@ -12014,7 +14566,7 @@
               <a:buChar char="•"/>
             </a:pPr>
             <a:r>
-              <a:rPr lang="pt-BR" smtClean="0"/>
+              <a:rPr lang="pt-BR" dirty="0" smtClean="0"/>
               <a:t>Controle financeiro; </a:t>
             </a:r>
           </a:p>
@@ -12024,7 +14576,7 @@
               <a:buChar char="•"/>
             </a:pPr>
             <a:r>
-              <a:rPr lang="pt-BR" smtClean="0"/>
+              <a:rPr lang="pt-BR" dirty="0" smtClean="0"/>
               <a:t>Emissão de relatórios.</a:t>
             </a:r>
             <a:endParaRPr lang="pt-BR" dirty="0"/>
@@ -12034,7 +14586,7 @@
     </p:spTree>
     <p:extLst>
       <p:ext uri="{BB962C8B-B14F-4D97-AF65-F5344CB8AC3E}">
-        <p14:creationId xmlns:p14="http://schemas.microsoft.com/office/powerpoint/2010/main" val="660323680"/>
+        <p14:creationId xmlns:p14="http://schemas.microsoft.com/office/powerpoint/2010/main" xmlns="" val="660323680"/>
       </p:ext>
     </p:extLst>
   </p:cSld>
@@ -12306,7 +14858,7 @@
     </p:spTree>
     <p:extLst>
       <p:ext uri="{BB962C8B-B14F-4D97-AF65-F5344CB8AC3E}">
-        <p14:creationId xmlns:p14="http://schemas.microsoft.com/office/powerpoint/2010/main" val="3037708794"/>
+        <p14:creationId xmlns:p14="http://schemas.microsoft.com/office/powerpoint/2010/main" xmlns="" val="3037708794"/>
       </p:ext>
     </p:extLst>
   </p:cSld>
@@ -12452,7 +15004,7 @@
     </p:spTree>
     <p:extLst>
       <p:ext uri="{BB962C8B-B14F-4D97-AF65-F5344CB8AC3E}">
-        <p14:creationId xmlns:p14="http://schemas.microsoft.com/office/powerpoint/2010/main" val="1412825067"/>
+        <p14:creationId xmlns:p14="http://schemas.microsoft.com/office/powerpoint/2010/main" xmlns="" val="1412825067"/>
       </p:ext>
     </p:extLst>
   </p:cSld>
@@ -13119,7 +15671,7 @@
     </p:spTree>
     <p:extLst>
       <p:ext uri="{BB962C8B-B14F-4D97-AF65-F5344CB8AC3E}">
-        <p14:creationId xmlns:p14="http://schemas.microsoft.com/office/powerpoint/2010/main" val="4019947591"/>
+        <p14:creationId xmlns:p14="http://schemas.microsoft.com/office/powerpoint/2010/main" xmlns="" val="4019947591"/>
       </p:ext>
     </p:extLst>
   </p:cSld>
@@ -13256,7 +15808,7 @@
     </p:spTree>
     <p:extLst>
       <p:ext uri="{BB962C8B-B14F-4D97-AF65-F5344CB8AC3E}">
-        <p14:creationId xmlns:p14="http://schemas.microsoft.com/office/powerpoint/2010/main" val="394801760"/>
+        <p14:creationId xmlns:p14="http://schemas.microsoft.com/office/powerpoint/2010/main" xmlns="" val="394801760"/>
       </p:ext>
     </p:extLst>
   </p:cSld>
@@ -13334,7 +15886,7 @@
         </p:nvGraphicFramePr>
         <p:xfrm>
           <a:off x="821234" y="1933921"/>
-          <a:ext cx="7488832" cy="3731227"/>
+          <a:ext cx="7488832" cy="3715352"/>
         </p:xfrm>
         <a:graphic>
           <a:graphicData uri="http://schemas.openxmlformats.org/drawingml/2006/table">
@@ -14207,7 +16759,7 @@
     </p:spTree>
     <p:extLst>
       <p:ext uri="{BB962C8B-B14F-4D97-AF65-F5344CB8AC3E}">
-        <p14:creationId xmlns:p14="http://schemas.microsoft.com/office/powerpoint/2010/main" val="3567939113"/>
+        <p14:creationId xmlns:p14="http://schemas.microsoft.com/office/powerpoint/2010/main" xmlns="" val="3567939113"/>
       </p:ext>
     </p:extLst>
   </p:cSld>
@@ -14529,7 +17081,7 @@
   <a:extraClrSchemeLst/>
   <a:extLst>
     <a:ext uri="{05A4C25C-085E-4340-85A3-A5531E510DB2}">
-      <thm15:themeFamily xmlns:thm15="http://schemas.microsoft.com/office/thememl/2012/main" name="Impacta" id="{9DEE3D4C-7075-4EED-BE25-71DD8C403211}" vid="{301E77B6-CD37-4EBE-AE48-640047432F64}"/>
+      <thm15:themeFamily xmlns:thm15="http://schemas.microsoft.com/office/thememl/2012/main" xmlns="" name="Impacta" id="{9DEE3D4C-7075-4EED-BE25-71DD8C403211}" vid="{301E77B6-CD37-4EBE-AE48-640047432F64}"/>
     </a:ext>
   </a:extLst>
 </a:theme>

--- a/Qualidade de Produto de SW/Qualidade de produto de SW - TRABALHO.pptx
+++ b/Qualidade de Produto de SW/Qualidade de produto de SW - TRABALHO.pptx
@@ -5,7 +5,7 @@
     <p:sldMasterId id="2147483681" r:id="rId1"/>
   </p:sldMasterIdLst>
   <p:notesMasterIdLst>
-    <p:notesMasterId r:id="rId24"/>
+    <p:notesMasterId r:id="rId26"/>
   </p:notesMasterIdLst>
   <p:sldIdLst>
     <p:sldId id="256" r:id="rId2"/>
@@ -26,32 +26,34 @@
     <p:sldId id="355" r:id="rId17"/>
     <p:sldId id="356" r:id="rId18"/>
     <p:sldId id="357" r:id="rId19"/>
-    <p:sldId id="342" r:id="rId20"/>
-    <p:sldId id="344" r:id="rId21"/>
-    <p:sldId id="345" r:id="rId22"/>
-    <p:sldId id="346" r:id="rId23"/>
+    <p:sldId id="359" r:id="rId20"/>
+    <p:sldId id="342" r:id="rId21"/>
+    <p:sldId id="344" r:id="rId22"/>
+    <p:sldId id="345" r:id="rId23"/>
+    <p:sldId id="346" r:id="rId24"/>
+    <p:sldId id="360" r:id="rId25"/>
   </p:sldIdLst>
   <p:sldSz cx="9144000" cy="6858000" type="screen4x3"/>
   <p:notesSz cx="7315200" cy="9601200"/>
   <p:embeddedFontLst>
     <p:embeddedFont>
-      <p:font typeface="Verdana" pitchFamily="34" charset="0"/>
-      <p:regular r:id="rId25"/>
-      <p:bold r:id="rId26"/>
-      <p:italic r:id="rId27"/>
-      <p:boldItalic r:id="rId28"/>
+      <p:font typeface="Tahoma" panose="020B0604030504040204" pitchFamily="34" charset="0"/>
+      <p:regular r:id="rId27"/>
+      <p:bold r:id="rId28"/>
     </p:embeddedFont>
     <p:embeddedFont>
-      <p:font typeface="Calibri" pitchFamily="34" charset="0"/>
+      <p:font typeface="Verdana" panose="020B0604030504040204" pitchFamily="34" charset="0"/>
       <p:regular r:id="rId29"/>
       <p:bold r:id="rId30"/>
       <p:italic r:id="rId31"/>
       <p:boldItalic r:id="rId32"/>
     </p:embeddedFont>
     <p:embeddedFont>
-      <p:font typeface="Tahoma" pitchFamily="34" charset="0"/>
+      <p:font typeface="Calibri" panose="020F0502020204030204" pitchFamily="34" charset="0"/>
       <p:regular r:id="rId33"/>
       <p:bold r:id="rId34"/>
+      <p:italic r:id="rId35"/>
+      <p:boldItalic r:id="rId36"/>
     </p:embeddedFont>
   </p:embeddedFontLst>
   <p:defaultTextStyle>
@@ -258,7 +260,7 @@
   </p:defaultTextStyle>
   <p:extLst>
     <p:ext uri="{EFAFB233-063F-42B5-8137-9DF3F51BA10A}">
-      <p15:sldGuideLst xmlns:p15="http://schemas.microsoft.com/office/powerpoint/2012/main" xmlns="">
+      <p15:sldGuideLst xmlns="" xmlns:p15="http://schemas.microsoft.com/office/powerpoint/2012/main">
         <p15:guide id="1" orient="horz" pos="2160">
           <p15:clr>
             <a:srgbClr val="A4A3A4"/>
@@ -1182,7 +1184,7 @@
                 <a:buFont typeface="Tahoma"/>
                 <a:buNone/>
               </a:pPr>
-              <a:t>‹#›</a:t>
+              <a:t>‹nº›</a:t>
             </a:fld>
             <a:endParaRPr lang="en-US" sz="1300" b="0" i="0" u="none" strike="noStrike" cap="none">
               <a:solidFill>
@@ -1199,7 +1201,7 @@
     </p:spTree>
     <p:extLst>
       <p:ext uri="{BB962C8B-B14F-4D97-AF65-F5344CB8AC3E}">
-        <p14:creationId xmlns:p14="http://schemas.microsoft.com/office/powerpoint/2010/main" xmlns="" val="1559816394"/>
+        <p14:creationId xmlns:p14="http://schemas.microsoft.com/office/powerpoint/2010/main" val="1559816394"/>
       </p:ext>
     </p:extLst>
   </p:cSld>
@@ -1395,7 +1397,7 @@
     </p:spTree>
     <p:extLst>
       <p:ext uri="{BB962C8B-B14F-4D97-AF65-F5344CB8AC3E}">
-        <p14:creationId xmlns:p14="http://schemas.microsoft.com/office/powerpoint/2010/main" xmlns="" val="4222154634"/>
+        <p14:creationId xmlns:p14="http://schemas.microsoft.com/office/powerpoint/2010/main" val="4222154634"/>
       </p:ext>
     </p:extLst>
   </p:cSld>
@@ -1511,7 +1513,7 @@
     </p:spTree>
     <p:extLst>
       <p:ext uri="{BB962C8B-B14F-4D97-AF65-F5344CB8AC3E}">
-        <p14:creationId xmlns:p14="http://schemas.microsoft.com/office/powerpoint/2010/main" xmlns="" val="1279608820"/>
+        <p14:creationId xmlns:p14="http://schemas.microsoft.com/office/powerpoint/2010/main" val="1279608820"/>
       </p:ext>
     </p:extLst>
   </p:cSld>
@@ -1744,7 +1746,7 @@
     </p:spTree>
     <p:extLst>
       <p:ext uri="{BB962C8B-B14F-4D97-AF65-F5344CB8AC3E}">
-        <p14:creationId xmlns:p14="http://schemas.microsoft.com/office/powerpoint/2010/main" xmlns="" val="2478786571"/>
+        <p14:creationId xmlns:p14="http://schemas.microsoft.com/office/powerpoint/2010/main" val="2478786571"/>
       </p:ext>
     </p:extLst>
   </p:cSld>
@@ -2038,7 +2040,7 @@
     </p:spTree>
     <p:extLst>
       <p:ext uri="{BB962C8B-B14F-4D97-AF65-F5344CB8AC3E}">
-        <p14:creationId xmlns:p14="http://schemas.microsoft.com/office/powerpoint/2010/main" xmlns="" val="2328964540"/>
+        <p14:creationId xmlns:p14="http://schemas.microsoft.com/office/powerpoint/2010/main" val="2328964540"/>
       </p:ext>
     </p:extLst>
   </p:cSld>
@@ -2392,7 +2394,7 @@
                 <a:cs typeface="Verdana" pitchFamily="34" charset="0"/>
               </a:rPr>
               <a:pPr/>
-              <a:t>‹#›</a:t>
+              <a:t>‹nº›</a:t>
             </a:fld>
             <a:endParaRPr lang="pt-BR" sz="1400" b="1" dirty="0">
               <a:solidFill>
@@ -2411,7 +2413,7 @@
     </p:spTree>
     <p:extLst>
       <p:ext uri="{BB962C8B-B14F-4D97-AF65-F5344CB8AC3E}">
-        <p14:creationId xmlns:p14="http://schemas.microsoft.com/office/powerpoint/2010/main" xmlns="" val="3375524679"/>
+        <p14:creationId xmlns:p14="http://schemas.microsoft.com/office/powerpoint/2010/main" val="3375524679"/>
       </p:ext>
     </p:extLst>
   </p:cSld>
@@ -2441,7 +2443,7 @@
     </p:spTree>
     <p:extLst>
       <p:ext uri="{BB962C8B-B14F-4D97-AF65-F5344CB8AC3E}">
-        <p14:creationId xmlns:p14="http://schemas.microsoft.com/office/powerpoint/2010/main" xmlns="" val="772820594"/>
+        <p14:creationId xmlns:p14="http://schemas.microsoft.com/office/powerpoint/2010/main" val="772820594"/>
       </p:ext>
     </p:extLst>
   </p:cSld>
@@ -2603,7 +2605,7 @@
     </p:spTree>
     <p:extLst>
       <p:ext uri="{BB962C8B-B14F-4D97-AF65-F5344CB8AC3E}">
-        <p14:creationId xmlns:p14="http://schemas.microsoft.com/office/powerpoint/2010/main" xmlns="" val="2806790013"/>
+        <p14:creationId xmlns:p14="http://schemas.microsoft.com/office/powerpoint/2010/main" val="2806790013"/>
       </p:ext>
     </p:extLst>
   </p:cSld>
@@ -2744,7 +2746,7 @@
     </p:spTree>
     <p:extLst>
       <p:ext uri="{BB962C8B-B14F-4D97-AF65-F5344CB8AC3E}">
-        <p14:creationId xmlns:p14="http://schemas.microsoft.com/office/powerpoint/2010/main" xmlns="" val="1674071280"/>
+        <p14:creationId xmlns:p14="http://schemas.microsoft.com/office/powerpoint/2010/main" val="1674071280"/>
       </p:ext>
     </p:extLst>
   </p:cSld>
@@ -2927,7 +2929,7 @@
     </p:spTree>
     <p:extLst>
       <p:ext uri="{BB962C8B-B14F-4D97-AF65-F5344CB8AC3E}">
-        <p14:creationId xmlns:p14="http://schemas.microsoft.com/office/powerpoint/2010/main" xmlns="" val="3915180986"/>
+        <p14:creationId xmlns:p14="http://schemas.microsoft.com/office/powerpoint/2010/main" val="3915180986"/>
       </p:ext>
     </p:extLst>
   </p:cSld>
@@ -2992,7 +2994,7 @@
     </p:spTree>
     <p:extLst>
       <p:ext uri="{BB962C8B-B14F-4D97-AF65-F5344CB8AC3E}">
-        <p14:creationId xmlns:p14="http://schemas.microsoft.com/office/powerpoint/2010/main" xmlns="" val="3402029070"/>
+        <p14:creationId xmlns:p14="http://schemas.microsoft.com/office/powerpoint/2010/main" val="3402029070"/>
       </p:ext>
     </p:extLst>
   </p:cSld>
@@ -3070,7 +3072,7 @@
     </p:spTree>
     <p:extLst>
       <p:ext uri="{BB962C8B-B14F-4D97-AF65-F5344CB8AC3E}">
-        <p14:creationId xmlns:p14="http://schemas.microsoft.com/office/powerpoint/2010/main" xmlns="" val="721522243"/>
+        <p14:creationId xmlns:p14="http://schemas.microsoft.com/office/powerpoint/2010/main" val="721522243"/>
       </p:ext>
     </p:extLst>
   </p:cSld>
@@ -3202,7 +3204,7 @@
     </p:spTree>
     <p:extLst>
       <p:ext uri="{BB962C8B-B14F-4D97-AF65-F5344CB8AC3E}">
-        <p14:creationId xmlns:p14="http://schemas.microsoft.com/office/powerpoint/2010/main" xmlns="" val="656146748"/>
+        <p14:creationId xmlns:p14="http://schemas.microsoft.com/office/powerpoint/2010/main" val="656146748"/>
       </p:ext>
     </p:extLst>
   </p:cSld>
@@ -3761,7 +3763,7 @@
         </p:nvGraphicFramePr>
         <p:xfrm>
           <a:off x="726046" y="1916832"/>
-          <a:ext cx="7704856" cy="4534982"/>
+          <a:ext cx="7704856" cy="4615942"/>
         </p:xfrm>
         <a:graphic>
           <a:graphicData uri="http://schemas.openxmlformats.org/drawingml/2006/table">
@@ -4813,7 +4815,7 @@
     </p:spTree>
     <p:extLst>
       <p:ext uri="{BB962C8B-B14F-4D97-AF65-F5344CB8AC3E}">
-        <p14:creationId xmlns:p14="http://schemas.microsoft.com/office/powerpoint/2010/main" xmlns="" val="3488319752"/>
+        <p14:creationId xmlns:p14="http://schemas.microsoft.com/office/powerpoint/2010/main" val="3488319752"/>
       </p:ext>
     </p:extLst>
   </p:cSld>
@@ -4891,7 +4893,7 @@
         </p:nvGraphicFramePr>
         <p:xfrm>
           <a:off x="755576" y="2060846"/>
-          <a:ext cx="7704856" cy="4046016"/>
+          <a:ext cx="7704856" cy="4061891"/>
         </p:xfrm>
         <a:graphic>
           <a:graphicData uri="http://schemas.openxmlformats.org/drawingml/2006/table">
@@ -5782,7 +5784,7 @@
     </p:spTree>
     <p:extLst>
       <p:ext uri="{BB962C8B-B14F-4D97-AF65-F5344CB8AC3E}">
-        <p14:creationId xmlns:p14="http://schemas.microsoft.com/office/powerpoint/2010/main" xmlns="" val="1068463166"/>
+        <p14:creationId xmlns:p14="http://schemas.microsoft.com/office/powerpoint/2010/main" val="1068463166"/>
       </p:ext>
     </p:extLst>
   </p:cSld>
@@ -6580,7 +6582,7 @@
     </p:spTree>
     <p:extLst>
       <p:ext uri="{BB962C8B-B14F-4D97-AF65-F5344CB8AC3E}">
-        <p14:creationId xmlns:p14="http://schemas.microsoft.com/office/powerpoint/2010/main" xmlns="" val="2224284626"/>
+        <p14:creationId xmlns:p14="http://schemas.microsoft.com/office/powerpoint/2010/main" val="2224284626"/>
       </p:ext>
     </p:extLst>
   </p:cSld>
@@ -6681,7 +6683,7 @@
         </p:nvGraphicFramePr>
         <p:xfrm>
           <a:off x="971600" y="2420888"/>
-          <a:ext cx="7488832" cy="3803672"/>
+          <a:ext cx="7488832" cy="3816689"/>
         </p:xfrm>
         <a:graphic>
           <a:graphicData uri="http://schemas.openxmlformats.org/drawingml/2006/table">
@@ -7608,7 +7610,7 @@
     </p:spTree>
     <p:extLst>
       <p:ext uri="{BB962C8B-B14F-4D97-AF65-F5344CB8AC3E}">
-        <p14:creationId xmlns:p14="http://schemas.microsoft.com/office/powerpoint/2010/main" xmlns="" val="2350085748"/>
+        <p14:creationId xmlns:p14="http://schemas.microsoft.com/office/powerpoint/2010/main" val="2350085748"/>
       </p:ext>
     </p:extLst>
   </p:cSld>
@@ -7893,7 +7895,7 @@
     </p:spTree>
     <p:extLst>
       <p:ext uri="{BB962C8B-B14F-4D97-AF65-F5344CB8AC3E}">
-        <p14:creationId xmlns:p14="http://schemas.microsoft.com/office/powerpoint/2010/main" xmlns="" val="2672163100"/>
+        <p14:creationId xmlns:p14="http://schemas.microsoft.com/office/powerpoint/2010/main" val="2672163100"/>
       </p:ext>
     </p:extLst>
   </p:cSld>
@@ -7967,7 +7969,15 @@
           <a:p>
             <a:r>
               <a:rPr lang="pt-BR" dirty="0" smtClean="0"/>
-              <a:t>Automação de testes</a:t>
+              <a:t>Automação </a:t>
+            </a:r>
+            <a:r>
+              <a:rPr lang="pt-BR" dirty="0" smtClean="0"/>
+              <a:t>e execução de </a:t>
+            </a:r>
+            <a:r>
+              <a:rPr lang="pt-BR" dirty="0" smtClean="0"/>
+              <a:t>testes</a:t>
             </a:r>
           </a:p>
           <a:p>
@@ -7991,11 +8001,7 @@
             <a:pPr lvl="2"/>
             <a:r>
               <a:rPr lang="pt-BR" dirty="0" smtClean="0"/>
-              <a:t>HD: 500 </a:t>
-            </a:r>
-            <a:r>
-              <a:rPr lang="pt-BR" dirty="0" smtClean="0"/>
-              <a:t>GB</a:t>
+              <a:t>HD: 500 GB</a:t>
             </a:r>
           </a:p>
           <a:p>
@@ -8068,7 +8074,7 @@
     </p:spTree>
     <p:extLst>
       <p:ext uri="{BB962C8B-B14F-4D97-AF65-F5344CB8AC3E}">
-        <p14:creationId xmlns:p14="http://schemas.microsoft.com/office/powerpoint/2010/main" xmlns="" val="125991297"/>
+        <p14:creationId xmlns:p14="http://schemas.microsoft.com/office/powerpoint/2010/main" val="125991297"/>
       </p:ext>
     </p:extLst>
   </p:cSld>
@@ -8131,7 +8137,7 @@
         </p:nvGraphicFramePr>
         <p:xfrm>
           <a:off x="971600" y="1844825"/>
-          <a:ext cx="7416824" cy="3960440"/>
+          <a:ext cx="7416824" cy="3972424"/>
         </p:xfrm>
         <a:graphic>
           <a:graphicData uri="http://schemas.openxmlformats.org/drawingml/2006/table">
@@ -9253,7 +9259,7 @@
     </p:spTree>
     <p:extLst>
       <p:ext uri="{BB962C8B-B14F-4D97-AF65-F5344CB8AC3E}">
-        <p14:creationId xmlns:p14="http://schemas.microsoft.com/office/powerpoint/2010/main" xmlns="" val="3472621727"/>
+        <p14:creationId xmlns:p14="http://schemas.microsoft.com/office/powerpoint/2010/main" val="3472621727"/>
       </p:ext>
     </p:extLst>
   </p:cSld>
@@ -9351,7 +9357,7 @@
         </p:nvGraphicFramePr>
         <p:xfrm>
           <a:off x="611560" y="2204864"/>
-          <a:ext cx="7920880" cy="3978545"/>
+          <a:ext cx="7920880" cy="3991562"/>
         </p:xfrm>
         <a:graphic>
           <a:graphicData uri="http://schemas.openxmlformats.org/drawingml/2006/table">
@@ -10436,14 +10442,14 @@
           <a:effectLst/>
           <a:extLst>
             <a:ext uri="{909E8E84-426E-40DD-AFC4-6F175D3DCCD1}">
-              <a14:hiddenFill xmlns:a14="http://schemas.microsoft.com/office/drawing/2010/main" xmlns="">
+              <a14:hiddenFill xmlns:a14="http://schemas.microsoft.com/office/drawing/2010/main">
                 <a:solidFill>
                   <a:schemeClr val="accent1"/>
                 </a:solidFill>
               </a14:hiddenFill>
             </a:ext>
             <a:ext uri="{91240B29-F687-4F45-9708-019B960494DF}">
-              <a14:hiddenLine xmlns:a14="http://schemas.microsoft.com/office/drawing/2010/main" xmlns="" w="9525">
+              <a14:hiddenLine xmlns:a14="http://schemas.microsoft.com/office/drawing/2010/main" w="9525">
                 <a:solidFill>
                   <a:schemeClr val="tx1"/>
                 </a:solidFill>
@@ -10453,7 +10459,7 @@
               </a14:hiddenLine>
             </a:ext>
             <a:ext uri="{AF507438-7753-43E0-B8FC-AC1667EBCBE1}">
-              <a14:hiddenEffects xmlns:a14="http://schemas.microsoft.com/office/drawing/2010/main" xmlns="">
+              <a14:hiddenEffects xmlns:a14="http://schemas.microsoft.com/office/drawing/2010/main">
                 <a:effectLst>
                   <a:outerShdw dist="35921" dir="2700000" algn="ctr" rotWithShape="0">
                     <a:schemeClr val="bg2"/>
@@ -10505,7 +10511,7 @@
     </p:spTree>
     <p:extLst>
       <p:ext uri="{BB962C8B-B14F-4D97-AF65-F5344CB8AC3E}">
-        <p14:creationId xmlns:p14="http://schemas.microsoft.com/office/powerpoint/2010/main" xmlns="" val="3069635047"/>
+        <p14:creationId xmlns:p14="http://schemas.microsoft.com/office/powerpoint/2010/main" val="3069635047"/>
       </p:ext>
     </p:extLst>
   </p:cSld>
@@ -10624,7 +10630,7 @@
     </p:spTree>
     <p:extLst>
       <p:ext uri="{BB962C8B-B14F-4D97-AF65-F5344CB8AC3E}">
-        <p14:creationId xmlns:p14="http://schemas.microsoft.com/office/powerpoint/2010/main" xmlns="" val="2255650603"/>
+        <p14:creationId xmlns:p14="http://schemas.microsoft.com/office/powerpoint/2010/main" val="2255650603"/>
       </p:ext>
     </p:extLst>
   </p:cSld>
@@ -10658,653 +10664,75 @@
           <a:chExt cx="0" cy="0"/>
         </a:xfrm>
       </p:grpSpPr>
-      <p:sp>
-        <p:nvSpPr>
-          <p:cNvPr id="2" name="Título 1"/>
-          <p:cNvSpPr>
-            <a:spLocks noGrp="1"/>
-          </p:cNvSpPr>
-          <p:nvPr>
-            <p:ph type="title"/>
-          </p:nvPr>
-        </p:nvSpPr>
-        <p:spPr/>
-        <p:txBody>
-          <a:bodyPr/>
-          <a:lstStyle/>
-          <a:p>
-            <a:r>
-              <a:rPr lang="pt-BR" b="1" dirty="0" smtClean="0"/>
-              <a:t>Casos de Teste </a:t>
-            </a:r>
-            <a:br>
-              <a:rPr lang="pt-BR" b="1" dirty="0" smtClean="0"/>
-            </a:br>
-            <a:r>
-              <a:rPr lang="pt-BR" b="1" dirty="0" smtClean="0"/>
-              <a:t> Subsistema Agenda</a:t>
-            </a:r>
-            <a:endParaRPr lang="pt-BR" b="1" dirty="0"/>
-          </a:p>
-        </p:txBody>
-      </p:sp>
-      <p:graphicFrame>
-        <p:nvGraphicFramePr>
-          <p:cNvPr id="5" name="Objeto 4"/>
-          <p:cNvGraphicFramePr>
-            <a:graphicFrameLocks noChangeAspect="1"/>
-          </p:cNvGraphicFramePr>
-          <p:nvPr>
-            <p:extLst>
-              <p:ext uri="{D42A27DB-BD31-4B8C-83A1-F6EECF244321}">
-                <p14:modId xmlns:p14="http://schemas.microsoft.com/office/powerpoint/2010/main" xmlns="" val="4138588668"/>
-              </p:ext>
-            </p:extLst>
-          </p:nvPr>
-        </p:nvGraphicFramePr>
-        <p:xfrm>
-          <a:off x="3957638" y="3233738"/>
-          <a:ext cx="1228725" cy="390525"/>
-        </p:xfrm>
-        <a:graphic>
-          <a:graphicData uri="http://schemas.openxmlformats.org/presentationml/2006/ole">
-            <p:oleObj spid="_x0000_s9225" name="Planilha" r:id="rId3" imgW="1228771" imgH="390594" progId="Excel.Sheet.12">
-              <p:embed/>
-            </p:oleObj>
-          </a:graphicData>
-        </a:graphic>
-      </p:graphicFrame>
-      <p:graphicFrame>
-        <p:nvGraphicFramePr>
-          <p:cNvPr id="12" name="Espaço Reservado para Conteúdo 11"/>
-          <p:cNvGraphicFramePr>
-            <a:graphicFrameLocks noGrp="1"/>
-          </p:cNvGraphicFramePr>
+      <p:pic>
+        <p:nvPicPr>
+          <p:cNvPr id="4" name="Espaço Reservado para Conteúdo 3"/>
+          <p:cNvPicPr>
+            <a:picLocks noGrp="1" noChangeAspect="1"/>
+          </p:cNvPicPr>
           <p:nvPr>
             <p:ph idx="1"/>
-            <p:extLst>
-              <p:ext uri="{D42A27DB-BD31-4B8C-83A1-F6EECF244321}">
-                <p14:modId xmlns:p14="http://schemas.microsoft.com/office/powerpoint/2010/main" xmlns="" val="2134768840"/>
-              </p:ext>
-            </p:extLst>
           </p:nvPr>
-        </p:nvGraphicFramePr>
-        <p:xfrm>
-          <a:off x="0" y="2564904"/>
-          <a:ext cx="9144000" cy="3169931"/>
-        </p:xfrm>
-        <a:graphic>
-          <a:graphicData uri="http://schemas.openxmlformats.org/drawingml/2006/table">
-            <a:tbl>
-              <a:tblPr>
-                <a:tableStyleId>{3C2FFA5D-87B4-456A-9821-1D502468CF0F}</a:tableStyleId>
-              </a:tblPr>
-              <a:tblGrid>
-                <a:gridCol w="387759"/>
-                <a:gridCol w="474808"/>
-                <a:gridCol w="498549"/>
-                <a:gridCol w="967420"/>
-                <a:gridCol w="371256"/>
-                <a:gridCol w="648072"/>
-                <a:gridCol w="1152128"/>
-                <a:gridCol w="1656184"/>
-                <a:gridCol w="1142010"/>
-                <a:gridCol w="872459"/>
-                <a:gridCol w="973355"/>
-              </a:tblGrid>
-              <a:tr h="630494">
-                <a:tc>
-                  <a:txBody>
-                    <a:bodyPr/>
-                    <a:lstStyle/>
-                    <a:p>
-                      <a:pPr algn="ctr" fontAlgn="ctr"/>
-                      <a:r>
-                        <a:rPr lang="pt-BR" sz="1200" b="1" u="none" strike="noStrike" dirty="0">
-                          <a:effectLst/>
-                        </a:rPr>
-                        <a:t>ID</a:t>
-                      </a:r>
-                      <a:endParaRPr lang="pt-BR" sz="1200" b="1" i="0" u="none" strike="noStrike" dirty="0">
-                        <a:solidFill>
-                          <a:srgbClr val="000000"/>
-                        </a:solidFill>
-                        <a:effectLst/>
-                        <a:latin typeface="Calibri"/>
-                      </a:endParaRPr>
-                    </a:p>
-                  </a:txBody>
-                  <a:tcPr marL="5705" marR="5705" marT="5705" marB="0" anchor="ctr"/>
-                </a:tc>
-                <a:tc>
-                  <a:txBody>
-                    <a:bodyPr/>
-                    <a:lstStyle/>
-                    <a:p>
-                      <a:pPr algn="ctr" fontAlgn="ctr"/>
-                      <a:r>
-                        <a:rPr lang="pt-BR" sz="1200" b="1" u="none" strike="noStrike" dirty="0">
-                          <a:effectLst/>
-                        </a:rPr>
-                        <a:t>REQUISITOS</a:t>
-                      </a:r>
-                      <a:endParaRPr lang="pt-BR" sz="1200" b="1" i="0" u="none" strike="noStrike" dirty="0">
-                        <a:solidFill>
-                          <a:srgbClr val="000000"/>
-                        </a:solidFill>
-                        <a:effectLst/>
-                        <a:latin typeface="Calibri"/>
-                      </a:endParaRPr>
-                    </a:p>
-                  </a:txBody>
-                  <a:tcPr marL="5705" marR="5705" marT="5705" marB="0" anchor="ctr"/>
-                </a:tc>
-                <a:tc>
-                  <a:txBody>
-                    <a:bodyPr/>
-                    <a:lstStyle/>
-                    <a:p>
-                      <a:pPr algn="ctr" fontAlgn="ctr"/>
-                      <a:r>
-                        <a:rPr lang="pt-BR" sz="1200" b="1" u="none" strike="noStrike" dirty="0">
-                          <a:effectLst/>
-                        </a:rPr>
-                        <a:t>CRITICIDADE</a:t>
-                      </a:r>
-                      <a:endParaRPr lang="pt-BR" sz="1200" b="1" i="0" u="none" strike="noStrike" dirty="0">
-                        <a:solidFill>
-                          <a:srgbClr val="000000"/>
-                        </a:solidFill>
-                        <a:effectLst/>
-                        <a:latin typeface="Calibri"/>
-                      </a:endParaRPr>
-                    </a:p>
-                  </a:txBody>
-                  <a:tcPr marL="5705" marR="5705" marT="5705" marB="0" anchor="ctr"/>
-                </a:tc>
-                <a:tc>
-                  <a:txBody>
-                    <a:bodyPr/>
-                    <a:lstStyle/>
-                    <a:p>
-                      <a:pPr algn="ctr" fontAlgn="ctr"/>
-                      <a:r>
-                        <a:rPr lang="pt-BR" sz="1200" b="1" u="none" strike="noStrike" dirty="0">
-                          <a:effectLst/>
-                        </a:rPr>
-                        <a:t>FUNCIONALIDADE</a:t>
-                      </a:r>
-                      <a:endParaRPr lang="pt-BR" sz="1200" b="1" i="0" u="none" strike="noStrike" dirty="0">
-                        <a:solidFill>
-                          <a:srgbClr val="000000"/>
-                        </a:solidFill>
-                        <a:effectLst/>
-                        <a:latin typeface="Calibri"/>
-                      </a:endParaRPr>
-                    </a:p>
-                  </a:txBody>
-                  <a:tcPr marL="5705" marR="5705" marT="5705" marB="0" anchor="ctr"/>
-                </a:tc>
-                <a:tc>
-                  <a:txBody>
-                    <a:bodyPr/>
-                    <a:lstStyle/>
-                    <a:p>
-                      <a:pPr algn="ctr" fontAlgn="ctr"/>
-                      <a:r>
-                        <a:rPr lang="pt-BR" sz="1200" b="1" u="none" strike="noStrike" dirty="0">
-                          <a:effectLst/>
-                        </a:rPr>
-                        <a:t>SUB-FUNCIONALIDADE</a:t>
-                      </a:r>
-                      <a:endParaRPr lang="pt-BR" sz="1200" b="1" i="0" u="none" strike="noStrike" dirty="0">
-                        <a:solidFill>
-                          <a:srgbClr val="000000"/>
-                        </a:solidFill>
-                        <a:effectLst/>
-                        <a:latin typeface="Calibri"/>
-                      </a:endParaRPr>
-                    </a:p>
-                  </a:txBody>
-                  <a:tcPr marL="5705" marR="5705" marT="5705" marB="0" anchor="ctr"/>
-                </a:tc>
-                <a:tc>
-                  <a:txBody>
-                    <a:bodyPr/>
-                    <a:lstStyle/>
-                    <a:p>
-                      <a:pPr algn="ctr" fontAlgn="ctr"/>
-                      <a:r>
-                        <a:rPr lang="pt-BR" sz="1200" b="1" u="none" strike="noStrike">
-                          <a:effectLst/>
-                        </a:rPr>
-                        <a:t>TIPO</a:t>
-                      </a:r>
-                      <a:endParaRPr lang="pt-BR" sz="1200" b="1" i="0" u="none" strike="noStrike">
-                        <a:solidFill>
-                          <a:srgbClr val="000000"/>
-                        </a:solidFill>
-                        <a:effectLst/>
-                        <a:latin typeface="Calibri"/>
-                      </a:endParaRPr>
-                    </a:p>
-                  </a:txBody>
-                  <a:tcPr marL="5705" marR="5705" marT="5705" marB="0" anchor="ctr"/>
-                </a:tc>
-                <a:tc>
-                  <a:txBody>
-                    <a:bodyPr/>
-                    <a:lstStyle/>
-                    <a:p>
-                      <a:pPr algn="ctr" fontAlgn="ctr"/>
-                      <a:r>
-                        <a:rPr lang="pt-BR" sz="1200" b="1" u="none" strike="noStrike" dirty="0">
-                          <a:effectLst/>
-                        </a:rPr>
-                        <a:t>PRÉ-CONDIÇÃO</a:t>
-                      </a:r>
-                      <a:endParaRPr lang="pt-BR" sz="1200" b="1" i="0" u="none" strike="noStrike" dirty="0">
-                        <a:solidFill>
-                          <a:srgbClr val="000000"/>
-                        </a:solidFill>
-                        <a:effectLst/>
-                        <a:latin typeface="Calibri"/>
-                      </a:endParaRPr>
-                    </a:p>
-                  </a:txBody>
-                  <a:tcPr marL="5705" marR="5705" marT="5705" marB="0" anchor="ctr"/>
-                </a:tc>
-                <a:tc>
-                  <a:txBody>
-                    <a:bodyPr/>
-                    <a:lstStyle/>
-                    <a:p>
-                      <a:pPr algn="ctr" fontAlgn="ctr"/>
-                      <a:r>
-                        <a:rPr lang="pt-BR" sz="1200" b="1" u="none" strike="noStrike" dirty="0">
-                          <a:effectLst/>
-                        </a:rPr>
-                        <a:t>DADOS DE ENTRADA</a:t>
-                      </a:r>
-                      <a:endParaRPr lang="pt-BR" sz="1200" b="1" i="0" u="none" strike="noStrike" dirty="0">
-                        <a:solidFill>
-                          <a:srgbClr val="000000"/>
-                        </a:solidFill>
-                        <a:effectLst/>
-                        <a:latin typeface="Calibri"/>
-                      </a:endParaRPr>
-                    </a:p>
-                  </a:txBody>
-                  <a:tcPr marL="5705" marR="5705" marT="5705" marB="0" anchor="ctr"/>
-                </a:tc>
-                <a:tc>
-                  <a:txBody>
-                    <a:bodyPr/>
-                    <a:lstStyle/>
-                    <a:p>
-                      <a:pPr algn="ctr" fontAlgn="ctr"/>
-                      <a:r>
-                        <a:rPr lang="pt-BR" sz="1200" b="1" u="none" strike="noStrike" dirty="0">
-                          <a:effectLst/>
-                        </a:rPr>
-                        <a:t>RESULTADO ESPERADO</a:t>
-                      </a:r>
-                      <a:endParaRPr lang="pt-BR" sz="1200" b="1" i="0" u="none" strike="noStrike" dirty="0">
-                        <a:solidFill>
-                          <a:srgbClr val="000000"/>
-                        </a:solidFill>
-                        <a:effectLst/>
-                        <a:latin typeface="Calibri"/>
-                      </a:endParaRPr>
-                    </a:p>
-                  </a:txBody>
-                  <a:tcPr marL="5705" marR="5705" marT="5705" marB="0" anchor="ctr"/>
-                </a:tc>
-                <a:tc>
-                  <a:txBody>
-                    <a:bodyPr/>
-                    <a:lstStyle/>
-                    <a:p>
-                      <a:pPr algn="ctr" fontAlgn="ctr"/>
-                      <a:r>
-                        <a:rPr lang="pt-BR" sz="1200" b="1" u="none" strike="noStrike" dirty="0">
-                          <a:effectLst/>
-                        </a:rPr>
-                        <a:t>RESULTADO ATUAL</a:t>
-                      </a:r>
-                      <a:endParaRPr lang="pt-BR" sz="1200" b="1" i="0" u="none" strike="noStrike" dirty="0">
-                        <a:solidFill>
-                          <a:srgbClr val="000000"/>
-                        </a:solidFill>
-                        <a:effectLst/>
-                        <a:latin typeface="Calibri"/>
-                      </a:endParaRPr>
-                    </a:p>
-                  </a:txBody>
-                  <a:tcPr marL="5705" marR="5705" marT="5705" marB="0" anchor="ctr"/>
-                </a:tc>
-                <a:tc>
-                  <a:txBody>
-                    <a:bodyPr/>
-                    <a:lstStyle/>
-                    <a:p>
-                      <a:pPr algn="ctr" fontAlgn="ctr"/>
-                      <a:r>
-                        <a:rPr lang="pt-BR" sz="1200" b="1" u="none" strike="noStrike" dirty="0">
-                          <a:effectLst/>
-                        </a:rPr>
-                        <a:t>OBSERVAÇÃO</a:t>
-                      </a:r>
-                      <a:endParaRPr lang="pt-BR" sz="1200" b="1" i="0" u="none" strike="noStrike" dirty="0">
-                        <a:solidFill>
-                          <a:srgbClr val="000000"/>
-                        </a:solidFill>
-                        <a:effectLst/>
-                        <a:latin typeface="Calibri"/>
-                      </a:endParaRPr>
-                    </a:p>
-                  </a:txBody>
-                  <a:tcPr marL="5705" marR="5705" marT="5705" marB="0" anchor="ctr"/>
-                </a:tc>
-              </a:tr>
-              <a:tr h="2249826">
-                <a:tc>
-                  <a:txBody>
-                    <a:bodyPr/>
-                    <a:lstStyle/>
-                    <a:p>
-                      <a:pPr algn="l" fontAlgn="ctr"/>
-                      <a:r>
-                        <a:rPr lang="pt-BR" sz="1200" u="none" strike="noStrike">
-                          <a:effectLst/>
-                        </a:rPr>
-                        <a:t>CT-0001</a:t>
-                      </a:r>
-                      <a:endParaRPr lang="pt-BR" sz="1200" b="0" i="0" u="none" strike="noStrike">
-                        <a:solidFill>
-                          <a:srgbClr val="000000"/>
-                        </a:solidFill>
-                        <a:effectLst/>
-                        <a:latin typeface="Calibri"/>
-                      </a:endParaRPr>
-                    </a:p>
-                  </a:txBody>
-                  <a:tcPr marL="5705" marR="5705" marT="5705" marB="0" anchor="ctr"/>
-                </a:tc>
-                <a:tc>
-                  <a:txBody>
-                    <a:bodyPr/>
-                    <a:lstStyle/>
-                    <a:p>
-                      <a:pPr algn="ctr" fontAlgn="ctr"/>
-                      <a:r>
-                        <a:rPr lang="pt-BR" sz="1200" u="none" strike="noStrike">
-                          <a:effectLst/>
-                        </a:rPr>
-                        <a:t>SRS-00001</a:t>
-                      </a:r>
-                      <a:endParaRPr lang="pt-BR" sz="1200" b="0" i="0" u="none" strike="noStrike">
-                        <a:solidFill>
-                          <a:srgbClr val="000000"/>
-                        </a:solidFill>
-                        <a:effectLst/>
-                        <a:latin typeface="Calibri"/>
-                      </a:endParaRPr>
-                    </a:p>
-                  </a:txBody>
-                  <a:tcPr marL="5705" marR="5705" marT="5705" marB="0" anchor="ctr"/>
-                </a:tc>
-                <a:tc>
-                  <a:txBody>
-                    <a:bodyPr/>
-                    <a:lstStyle/>
-                    <a:p>
-                      <a:pPr algn="ctr" fontAlgn="ctr"/>
-                      <a:r>
-                        <a:rPr lang="pt-BR" sz="1200" u="none" strike="noStrike">
-                          <a:effectLst/>
-                        </a:rPr>
-                        <a:t>ALTA</a:t>
-                      </a:r>
-                      <a:endParaRPr lang="pt-BR" sz="1200" b="1" i="0" u="none" strike="noStrike">
-                        <a:solidFill>
-                          <a:srgbClr val="FF0000"/>
-                        </a:solidFill>
-                        <a:effectLst/>
-                        <a:latin typeface="Calibri"/>
-                      </a:endParaRPr>
-                    </a:p>
-                  </a:txBody>
-                  <a:tcPr marL="5705" marR="5705" marT="5705" marB="0" anchor="ctr"/>
-                </a:tc>
-                <a:tc>
-                  <a:txBody>
-                    <a:bodyPr/>
-                    <a:lstStyle/>
-                    <a:p>
-                      <a:pPr algn="l" fontAlgn="ctr"/>
-                      <a:r>
-                        <a:rPr lang="pt-BR" sz="1200" u="none" strike="noStrike" dirty="0">
-                          <a:effectLst/>
-                        </a:rPr>
-                        <a:t>Cancelar Agendamento</a:t>
-                      </a:r>
-                      <a:endParaRPr lang="pt-BR" sz="1200" b="0" i="0" u="none" strike="noStrike" dirty="0">
-                        <a:solidFill>
-                          <a:srgbClr val="000000"/>
-                        </a:solidFill>
-                        <a:effectLst/>
-                        <a:latin typeface="Calibri"/>
-                      </a:endParaRPr>
-                    </a:p>
-                  </a:txBody>
-                  <a:tcPr marL="5705" marR="5705" marT="5705" marB="0" anchor="ctr"/>
-                </a:tc>
-                <a:tc>
-                  <a:txBody>
-                    <a:bodyPr/>
-                    <a:lstStyle/>
-                    <a:p>
-                      <a:pPr algn="ctr" fontAlgn="ctr"/>
-                      <a:r>
-                        <a:rPr lang="pt-BR" sz="1200" u="none" strike="noStrike">
-                          <a:effectLst/>
-                        </a:rPr>
-                        <a:t>N\A</a:t>
-                      </a:r>
-                      <a:endParaRPr lang="pt-BR" sz="1200" b="0" i="0" u="none" strike="noStrike">
-                        <a:solidFill>
-                          <a:srgbClr val="000000"/>
-                        </a:solidFill>
-                        <a:effectLst/>
-                        <a:latin typeface="Calibri"/>
-                      </a:endParaRPr>
-                    </a:p>
-                  </a:txBody>
-                  <a:tcPr marL="5705" marR="5705" marT="5705" marB="0" anchor="ctr"/>
-                </a:tc>
-                <a:tc>
-                  <a:txBody>
-                    <a:bodyPr/>
-                    <a:lstStyle/>
-                    <a:p>
-                      <a:pPr algn="l" fontAlgn="ctr"/>
-                      <a:r>
-                        <a:rPr lang="pt-BR" sz="1200" u="none" strike="noStrike" dirty="0">
-                          <a:effectLst/>
-                        </a:rPr>
-                        <a:t>Funcional</a:t>
-                      </a:r>
-                      <a:endParaRPr lang="pt-BR" sz="1200" b="0" i="0" u="none" strike="noStrike" dirty="0">
-                        <a:solidFill>
-                          <a:srgbClr val="000000"/>
-                        </a:solidFill>
-                        <a:effectLst/>
-                        <a:latin typeface="Calibri"/>
-                      </a:endParaRPr>
-                    </a:p>
-                  </a:txBody>
-                  <a:tcPr marL="5705" marR="5705" marT="5705" marB="0" anchor="ctr"/>
-                </a:tc>
-                <a:tc>
-                  <a:txBody>
-                    <a:bodyPr/>
-                    <a:lstStyle/>
-                    <a:p>
-                      <a:pPr algn="ctr" fontAlgn="ctr"/>
-                      <a:r>
-                        <a:rPr lang="pt-BR" sz="1200" u="none" strike="noStrike" dirty="0">
-                          <a:effectLst/>
-                        </a:rPr>
-                        <a:t>1. Agendamento Realizado.</a:t>
-                      </a:r>
-                      <a:endParaRPr lang="pt-BR" sz="1200" b="0" i="0" u="none" strike="noStrike" dirty="0">
-                        <a:solidFill>
-                          <a:srgbClr val="000000"/>
-                        </a:solidFill>
-                        <a:effectLst/>
-                        <a:latin typeface="Calibri"/>
-                      </a:endParaRPr>
-                    </a:p>
-                  </a:txBody>
-                  <a:tcPr marL="5705" marR="5705" marT="5705" marB="0" anchor="ctr"/>
-                </a:tc>
-                <a:tc>
-                  <a:txBody>
-                    <a:bodyPr/>
-                    <a:lstStyle/>
-                    <a:p>
-                      <a:pPr algn="l" fontAlgn="ctr"/>
-                      <a:r>
-                        <a:rPr lang="pt-BR" sz="1200" u="none" strike="noStrike" dirty="0">
-                          <a:effectLst/>
-                        </a:rPr>
-                        <a:t>1. Home.</a:t>
-                      </a:r>
-                      <a:br>
-                        <a:rPr lang="pt-BR" sz="1200" u="none" strike="noStrike" dirty="0">
-                          <a:effectLst/>
-                        </a:rPr>
-                      </a:br>
-                      <a:r>
-                        <a:rPr lang="pt-BR" sz="1200" u="none" strike="noStrike" dirty="0">
-                          <a:effectLst/>
-                        </a:rPr>
-                        <a:t>2. Selecione a opção "CANCELAR" na parte inferior da tela.</a:t>
-                      </a:r>
-                      <a:br>
-                        <a:rPr lang="pt-BR" sz="1200" u="none" strike="noStrike" dirty="0">
-                          <a:effectLst/>
-                        </a:rPr>
-                      </a:br>
-                      <a:r>
-                        <a:rPr lang="pt-BR" sz="1200" u="none" strike="noStrike" dirty="0">
-                          <a:effectLst/>
-                        </a:rPr>
-                        <a:t>3.  Selecione "SALVAR".</a:t>
-                      </a:r>
-                      <a:endParaRPr lang="pt-BR" sz="1200" b="0" i="0" u="none" strike="noStrike" dirty="0">
-                        <a:solidFill>
-                          <a:srgbClr val="000000"/>
-                        </a:solidFill>
-                        <a:effectLst/>
-                        <a:latin typeface="Calibri"/>
-                      </a:endParaRPr>
-                    </a:p>
-                  </a:txBody>
-                  <a:tcPr marL="5705" marR="5705" marT="5705" marB="0" anchor="ctr"/>
-                </a:tc>
-                <a:tc>
-                  <a:txBody>
-                    <a:bodyPr/>
-                    <a:lstStyle/>
-                    <a:p>
-                      <a:pPr algn="l" fontAlgn="ctr"/>
-                      <a:r>
-                        <a:rPr lang="pt-BR" sz="1200" u="none" strike="noStrike">
-                          <a:effectLst/>
-                        </a:rPr>
-                        <a:t>O cancelamento do agendamento deve ser realizado.</a:t>
-                      </a:r>
-                      <a:endParaRPr lang="pt-BR" sz="1200" b="0" i="0" u="none" strike="noStrike">
-                        <a:solidFill>
-                          <a:srgbClr val="000000"/>
-                        </a:solidFill>
-                        <a:effectLst/>
-                        <a:latin typeface="Calibri"/>
-                      </a:endParaRPr>
-                    </a:p>
-                  </a:txBody>
-                  <a:tcPr marL="5705" marR="5705" marT="5705" marB="0" anchor="ctr"/>
-                </a:tc>
-                <a:tc>
-                  <a:txBody>
-                    <a:bodyPr/>
-                    <a:lstStyle/>
-                    <a:p>
-                      <a:pPr algn="ctr" fontAlgn="ctr"/>
-                      <a:r>
-                        <a:rPr lang="pt-BR" sz="1200" u="none" strike="noStrike" dirty="0">
-                          <a:effectLst/>
-                        </a:rPr>
-                        <a:t>PASSOU</a:t>
-                      </a:r>
-                      <a:endParaRPr lang="pt-BR" sz="1200" b="1" i="0" u="none" strike="noStrike" dirty="0">
-                        <a:solidFill>
-                          <a:srgbClr val="000000"/>
-                        </a:solidFill>
-                        <a:effectLst/>
-                        <a:latin typeface="Calibri"/>
-                      </a:endParaRPr>
-                    </a:p>
-                  </a:txBody>
-                  <a:tcPr marL="5705" marR="5705" marT="5705" marB="0" anchor="ctr"/>
-                </a:tc>
-                <a:tc>
-                  <a:txBody>
-                    <a:bodyPr/>
-                    <a:lstStyle/>
-                    <a:p>
-                      <a:pPr algn="ctr" fontAlgn="ctr"/>
-                      <a:r>
-                        <a:rPr lang="pt-BR" sz="1200" u="none" strike="noStrike" dirty="0">
-                          <a:effectLst/>
-                        </a:rPr>
-                        <a:t> </a:t>
-                      </a:r>
-                      <a:endParaRPr lang="pt-BR" sz="1200" b="0" i="0" u="none" strike="noStrike" dirty="0">
-                        <a:solidFill>
-                          <a:srgbClr val="000000"/>
-                        </a:solidFill>
-                        <a:effectLst/>
-                        <a:latin typeface="Calibri"/>
-                      </a:endParaRPr>
-                    </a:p>
-                  </a:txBody>
-                  <a:tcPr marL="5705" marR="5705" marT="5705" marB="0" anchor="ctr"/>
-                </a:tc>
-              </a:tr>
-            </a:tbl>
-          </a:graphicData>
-        </a:graphic>
-      </p:graphicFrame>
+        </p:nvPicPr>
+        <p:blipFill>
+          <a:blip r:embed="rId2">
+            <a:extLst>
+              <a:ext uri="{28A0092B-C50C-407E-A947-70E740481C1C}">
+                <a14:useLocalDpi xmlns:a14="http://schemas.microsoft.com/office/drawing/2010/main" val="0"/>
+              </a:ext>
+            </a:extLst>
+          </a:blip>
+          <a:stretch>
+            <a:fillRect/>
+          </a:stretch>
+        </p:blipFill>
+        <p:spPr>
+          <a:xfrm>
+            <a:off x="0" y="1307311"/>
+            <a:ext cx="9144000" cy="5544616"/>
+          </a:xfrm>
+        </p:spPr>
+      </p:pic>
+      <p:pic>
+        <p:nvPicPr>
+          <p:cNvPr id="5" name="Imagem 4"/>
+          <p:cNvPicPr>
+            <a:picLocks noChangeAspect="1"/>
+          </p:cNvPicPr>
+          <p:nvPr/>
+        </p:nvPicPr>
+        <p:blipFill>
+          <a:blip r:embed="rId3">
+            <a:extLst>
+              <a:ext uri="{28A0092B-C50C-407E-A947-70E740481C1C}">
+                <a14:useLocalDpi xmlns:a14="http://schemas.microsoft.com/office/drawing/2010/main" val="0"/>
+              </a:ext>
+            </a:extLst>
+          </a:blip>
+          <a:stretch>
+            <a:fillRect/>
+          </a:stretch>
+        </p:blipFill>
+        <p:spPr>
+          <a:xfrm>
+            <a:off x="-18250" y="836712"/>
+            <a:ext cx="9144000" cy="483612"/>
+          </a:xfrm>
+          <a:prstGeom prst="rect">
+            <a:avLst/>
+          </a:prstGeom>
+        </p:spPr>
+      </p:pic>
     </p:spTree>
     <p:extLst>
       <p:ext uri="{BB962C8B-B14F-4D97-AF65-F5344CB8AC3E}">
-        <p14:creationId xmlns:p14="http://schemas.microsoft.com/office/powerpoint/2010/main" xmlns="" val="1060046226"/>
+        <p14:creationId xmlns:p14="http://schemas.microsoft.com/office/powerpoint/2010/main" val="3518320676"/>
       </p:ext>
     </p:extLst>
   </p:cSld>
   <p:clrMapOvr>
     <a:masterClrMapping/>
   </p:clrMapOvr>
-  <p:timing>
-    <p:tnLst>
-      <p:par>
-        <p:cTn id="1" dur="indefinite" restart="never" nodeType="tmRoot"/>
-      </p:par>
-    </p:tnLst>
-  </p:timing>
 </p:sld>
 </file>
 
@@ -11370,7 +10798,7 @@
     </p:spTree>
     <p:extLst>
       <p:ext uri="{BB962C8B-B14F-4D97-AF65-F5344CB8AC3E}">
-        <p14:creationId xmlns:p14="http://schemas.microsoft.com/office/powerpoint/2010/main" xmlns="" val="33390202"/>
+        <p14:creationId xmlns:p14="http://schemas.microsoft.com/office/powerpoint/2010/main" val="33390202"/>
       </p:ext>
     </p:extLst>
   </p:cSld>
@@ -11388,6 +10816,853 @@
 </file>
 
 <file path=ppt/slides/slide20.xml><?xml version="1.0" encoding="utf-8"?>
+<p:sld xmlns:a="http://schemas.openxmlformats.org/drawingml/2006/main" xmlns:r="http://schemas.openxmlformats.org/officeDocument/2006/relationships" xmlns:p="http://schemas.openxmlformats.org/presentationml/2006/main">
+  <p:cSld>
+    <p:spTree>
+      <p:nvGrpSpPr>
+        <p:cNvPr id="1" name=""/>
+        <p:cNvGrpSpPr/>
+        <p:nvPr/>
+      </p:nvGrpSpPr>
+      <p:grpSpPr>
+        <a:xfrm>
+          <a:off x="0" y="0"/>
+          <a:ext cx="0" cy="0"/>
+          <a:chOff x="0" y="0"/>
+          <a:chExt cx="0" cy="0"/>
+        </a:xfrm>
+      </p:grpSpPr>
+      <p:sp>
+        <p:nvSpPr>
+          <p:cNvPr id="2" name="Título 1"/>
+          <p:cNvSpPr>
+            <a:spLocks noGrp="1"/>
+          </p:cNvSpPr>
+          <p:nvPr>
+            <p:ph type="title"/>
+          </p:nvPr>
+        </p:nvSpPr>
+        <p:spPr/>
+        <p:txBody>
+          <a:bodyPr/>
+          <a:lstStyle/>
+          <a:p>
+            <a:r>
+              <a:rPr lang="pt-BR" b="1" dirty="0" smtClean="0"/>
+              <a:t>Caso </a:t>
+            </a:r>
+            <a:r>
+              <a:rPr lang="pt-BR" b="1" dirty="0" smtClean="0"/>
+              <a:t>de Teste </a:t>
+            </a:r>
+            <a:br>
+              <a:rPr lang="pt-BR" b="1" dirty="0" smtClean="0"/>
+            </a:br>
+            <a:r>
+              <a:rPr lang="pt-BR" b="1" dirty="0" smtClean="0"/>
+              <a:t> Subsistema Agenda</a:t>
+            </a:r>
+            <a:endParaRPr lang="pt-BR" b="1" dirty="0"/>
+          </a:p>
+        </p:txBody>
+      </p:sp>
+      <p:graphicFrame>
+        <p:nvGraphicFramePr>
+          <p:cNvPr id="5" name="Objeto 4"/>
+          <p:cNvGraphicFramePr>
+            <a:graphicFrameLocks noChangeAspect="1"/>
+          </p:cNvGraphicFramePr>
+          <p:nvPr>
+            <p:extLst>
+              <p:ext uri="{D42A27DB-BD31-4B8C-83A1-F6EECF244321}">
+                <p14:modId xmlns:p14="http://schemas.microsoft.com/office/powerpoint/2010/main" val="4138588668"/>
+              </p:ext>
+            </p:extLst>
+          </p:nvPr>
+        </p:nvGraphicFramePr>
+        <p:xfrm>
+          <a:off x="3957638" y="3233738"/>
+          <a:ext cx="1228725" cy="390525"/>
+        </p:xfrm>
+        <a:graphic>
+          <a:graphicData uri="http://schemas.openxmlformats.org/presentationml/2006/ole">
+            <mc:AlternateContent xmlns:mc="http://schemas.openxmlformats.org/markup-compatibility/2006">
+              <mc:Choice xmlns:v="urn:schemas-microsoft-com:vml" Requires="v">
+                <p:oleObj spid="_x0000_s9231" name="Planilha" r:id="rId3" imgW="1228771" imgH="390594" progId="Excel.Sheet.12">
+                  <p:embed/>
+                </p:oleObj>
+              </mc:Choice>
+              <mc:Fallback>
+                <p:oleObj name="Planilha" r:id="rId3" imgW="1228771" imgH="390594" progId="Excel.Sheet.12">
+                  <p:embed/>
+                  <p:pic>
+                    <p:nvPicPr>
+                      <p:cNvPr id="0" name="Picture 9"/>
+                      <p:cNvPicPr>
+                        <a:picLocks noChangeAspect="1" noChangeArrowheads="1"/>
+                      </p:cNvPicPr>
+                      <p:nvPr/>
+                    </p:nvPicPr>
+                    <p:blipFill>
+                      <a:blip r:embed="rId4">
+                        <a:extLst>
+                          <a:ext uri="{28A0092B-C50C-407E-A947-70E740481C1C}">
+                            <a14:useLocalDpi xmlns:a14="http://schemas.microsoft.com/office/drawing/2010/main" val="0"/>
+                          </a:ext>
+                        </a:extLst>
+                      </a:blip>
+                      <a:srcRect/>
+                      <a:stretch>
+                        <a:fillRect/>
+                      </a:stretch>
+                    </p:blipFill>
+                    <p:spPr bwMode="auto">
+                      <a:xfrm>
+                        <a:off x="3957638" y="3233738"/>
+                        <a:ext cx="1228725" cy="390525"/>
+                      </a:xfrm>
+                      <a:prstGeom prst="rect">
+                        <a:avLst/>
+                      </a:prstGeom>
+                      <a:noFill/>
+                      <a:extLst>
+                        <a:ext uri="{909E8E84-426E-40DD-AFC4-6F175D3DCCD1}">
+                          <a14:hiddenFill xmlns:a14="http://schemas.microsoft.com/office/drawing/2010/main">
+                            <a:solidFill>
+                              <a:srgbClr val="FFFFFF"/>
+                            </a:solidFill>
+                          </a14:hiddenFill>
+                        </a:ext>
+                      </a:extLst>
+                    </p:spPr>
+                  </p:pic>
+                </p:oleObj>
+              </mc:Fallback>
+            </mc:AlternateContent>
+          </a:graphicData>
+        </a:graphic>
+      </p:graphicFrame>
+      <p:graphicFrame>
+        <p:nvGraphicFramePr>
+          <p:cNvPr id="11" name="Espaço Reservado para Conteúdo 10"/>
+          <p:cNvGraphicFramePr>
+            <a:graphicFrameLocks noGrp="1"/>
+          </p:cNvGraphicFramePr>
+          <p:nvPr>
+            <p:ph idx="1"/>
+            <p:extLst>
+              <p:ext uri="{D42A27DB-BD31-4B8C-83A1-F6EECF244321}">
+                <p14:modId xmlns:p14="http://schemas.microsoft.com/office/powerpoint/2010/main" val="3128583035"/>
+              </p:ext>
+            </p:extLst>
+          </p:nvPr>
+        </p:nvGraphicFramePr>
+        <p:xfrm>
+          <a:off x="13572" y="1371600"/>
+          <a:ext cx="9130427" cy="5486400"/>
+        </p:xfrm>
+        <a:graphic>
+          <a:graphicData uri="http://schemas.openxmlformats.org/drawingml/2006/table">
+            <a:tbl>
+              <a:tblPr>
+                <a:tableStyleId>{3C2FFA5D-87B4-456A-9821-1D502468CF0F}</a:tableStyleId>
+              </a:tblPr>
+              <a:tblGrid>
+                <a:gridCol w="669996"/>
+                <a:gridCol w="924404"/>
+                <a:gridCol w="631528"/>
+                <a:gridCol w="962871"/>
+                <a:gridCol w="649549"/>
+                <a:gridCol w="944849"/>
+                <a:gridCol w="1409145"/>
+                <a:gridCol w="954878"/>
+                <a:gridCol w="939600"/>
+                <a:gridCol w="1043607"/>
+              </a:tblGrid>
+              <a:tr h="457200">
+                <a:tc>
+                  <a:txBody>
+                    <a:bodyPr/>
+                    <a:lstStyle/>
+                    <a:p>
+                      <a:pPr algn="ctr" fontAlgn="ctr"/>
+                      <a:r>
+                        <a:rPr lang="pt-BR" sz="1000" b="1" u="none" strike="noStrike" dirty="0" smtClean="0">
+                          <a:effectLst/>
+                          <a:latin typeface="Verdana" panose="020B0604030504040204" pitchFamily="34" charset="0"/>
+                          <a:ea typeface="Verdana" panose="020B0604030504040204" pitchFamily="34" charset="0"/>
+                          <a:cs typeface="Verdana" panose="020B0604030504040204" pitchFamily="34" charset="0"/>
+                        </a:rPr>
+                        <a:t>ID</a:t>
+                      </a:r>
+                      <a:endParaRPr lang="pt-BR" sz="1000" b="1" i="0" u="none" strike="noStrike" dirty="0">
+                        <a:solidFill>
+                          <a:srgbClr val="000000"/>
+                        </a:solidFill>
+                        <a:effectLst/>
+                        <a:latin typeface="Verdana" panose="020B0604030504040204" pitchFamily="34" charset="0"/>
+                        <a:ea typeface="Verdana" panose="020B0604030504040204" pitchFamily="34" charset="0"/>
+                        <a:cs typeface="Verdana" panose="020B0604030504040204" pitchFamily="34" charset="0"/>
+                      </a:endParaRPr>
+                    </a:p>
+                  </a:txBody>
+                  <a:tcPr marL="0" marR="0" marT="0" marB="0" anchor="ctr"/>
+                </a:tc>
+                <a:tc>
+                  <a:txBody>
+                    <a:bodyPr/>
+                    <a:lstStyle/>
+                    <a:p>
+                      <a:pPr algn="ctr" fontAlgn="ctr"/>
+                      <a:r>
+                        <a:rPr lang="pt-BR" sz="1000" b="1" u="none" strike="noStrike" dirty="0">
+                          <a:effectLst/>
+                          <a:latin typeface="Verdana" panose="020B0604030504040204" pitchFamily="34" charset="0"/>
+                          <a:ea typeface="Verdana" panose="020B0604030504040204" pitchFamily="34" charset="0"/>
+                          <a:cs typeface="Verdana" panose="020B0604030504040204" pitchFamily="34" charset="0"/>
+                        </a:rPr>
+                        <a:t>REQUISITOS</a:t>
+                      </a:r>
+                      <a:endParaRPr lang="pt-BR" sz="1000" b="1" i="0" u="none" strike="noStrike" dirty="0">
+                        <a:solidFill>
+                          <a:srgbClr val="000000"/>
+                        </a:solidFill>
+                        <a:effectLst/>
+                        <a:latin typeface="Verdana" panose="020B0604030504040204" pitchFamily="34" charset="0"/>
+                        <a:ea typeface="Verdana" panose="020B0604030504040204" pitchFamily="34" charset="0"/>
+                        <a:cs typeface="Verdana" panose="020B0604030504040204" pitchFamily="34" charset="0"/>
+                      </a:endParaRPr>
+                    </a:p>
+                  </a:txBody>
+                  <a:tcPr marL="0" marR="0" marT="0" marB="0" anchor="ctr"/>
+                </a:tc>
+                <a:tc>
+                  <a:txBody>
+                    <a:bodyPr/>
+                    <a:lstStyle/>
+                    <a:p>
+                      <a:pPr algn="ctr" fontAlgn="ctr"/>
+                      <a:r>
+                        <a:rPr lang="pt-BR" sz="1000" b="1" u="none" strike="noStrike" dirty="0">
+                          <a:effectLst/>
+                          <a:latin typeface="Verdana" panose="020B0604030504040204" pitchFamily="34" charset="0"/>
+                          <a:ea typeface="Verdana" panose="020B0604030504040204" pitchFamily="34" charset="0"/>
+                          <a:cs typeface="Verdana" panose="020B0604030504040204" pitchFamily="34" charset="0"/>
+                        </a:rPr>
+                        <a:t>PRIORIDADE</a:t>
+                      </a:r>
+                      <a:endParaRPr lang="pt-BR" sz="1000" b="1" i="0" u="none" strike="noStrike" dirty="0">
+                        <a:solidFill>
+                          <a:srgbClr val="000000"/>
+                        </a:solidFill>
+                        <a:effectLst/>
+                        <a:latin typeface="Verdana" panose="020B0604030504040204" pitchFamily="34" charset="0"/>
+                        <a:ea typeface="Verdana" panose="020B0604030504040204" pitchFamily="34" charset="0"/>
+                        <a:cs typeface="Verdana" panose="020B0604030504040204" pitchFamily="34" charset="0"/>
+                      </a:endParaRPr>
+                    </a:p>
+                  </a:txBody>
+                  <a:tcPr marL="0" marR="0" marT="0" marB="0" anchor="ctr"/>
+                </a:tc>
+                <a:tc>
+                  <a:txBody>
+                    <a:bodyPr/>
+                    <a:lstStyle/>
+                    <a:p>
+                      <a:pPr algn="ctr" fontAlgn="ctr"/>
+                      <a:r>
+                        <a:rPr lang="pt-BR" sz="1000" b="1" u="none" strike="noStrike">
+                          <a:effectLst/>
+                          <a:latin typeface="Verdana" panose="020B0604030504040204" pitchFamily="34" charset="0"/>
+                          <a:ea typeface="Verdana" panose="020B0604030504040204" pitchFamily="34" charset="0"/>
+                          <a:cs typeface="Verdana" panose="020B0604030504040204" pitchFamily="34" charset="0"/>
+                        </a:rPr>
+                        <a:t>FUNCIONALIDADE</a:t>
+                      </a:r>
+                      <a:endParaRPr lang="pt-BR" sz="1000" b="1" i="0" u="none" strike="noStrike">
+                        <a:solidFill>
+                          <a:srgbClr val="000000"/>
+                        </a:solidFill>
+                        <a:effectLst/>
+                        <a:latin typeface="Verdana" panose="020B0604030504040204" pitchFamily="34" charset="0"/>
+                        <a:ea typeface="Verdana" panose="020B0604030504040204" pitchFamily="34" charset="0"/>
+                        <a:cs typeface="Verdana" panose="020B0604030504040204" pitchFamily="34" charset="0"/>
+                      </a:endParaRPr>
+                    </a:p>
+                  </a:txBody>
+                  <a:tcPr marL="0" marR="0" marT="0" marB="0" anchor="ctr"/>
+                </a:tc>
+                <a:tc>
+                  <a:txBody>
+                    <a:bodyPr/>
+                    <a:lstStyle/>
+                    <a:p>
+                      <a:pPr algn="ctr" fontAlgn="ctr"/>
+                      <a:r>
+                        <a:rPr lang="pt-BR" sz="1000" b="1" u="none" strike="noStrike" dirty="0">
+                          <a:effectLst/>
+                          <a:latin typeface="Verdana" panose="020B0604030504040204" pitchFamily="34" charset="0"/>
+                          <a:ea typeface="Verdana" panose="020B0604030504040204" pitchFamily="34" charset="0"/>
+                          <a:cs typeface="Verdana" panose="020B0604030504040204" pitchFamily="34" charset="0"/>
+                        </a:rPr>
+                        <a:t>TIPO</a:t>
+                      </a:r>
+                      <a:endParaRPr lang="pt-BR" sz="1000" b="1" i="0" u="none" strike="noStrike" dirty="0">
+                        <a:solidFill>
+                          <a:srgbClr val="000000"/>
+                        </a:solidFill>
+                        <a:effectLst/>
+                        <a:latin typeface="Verdana" panose="020B0604030504040204" pitchFamily="34" charset="0"/>
+                        <a:ea typeface="Verdana" panose="020B0604030504040204" pitchFamily="34" charset="0"/>
+                        <a:cs typeface="Verdana" panose="020B0604030504040204" pitchFamily="34" charset="0"/>
+                      </a:endParaRPr>
+                    </a:p>
+                  </a:txBody>
+                  <a:tcPr marL="0" marR="0" marT="0" marB="0" anchor="ctr"/>
+                </a:tc>
+                <a:tc>
+                  <a:txBody>
+                    <a:bodyPr/>
+                    <a:lstStyle/>
+                    <a:p>
+                      <a:pPr algn="ctr" fontAlgn="ctr"/>
+                      <a:r>
+                        <a:rPr lang="pt-BR" sz="1000" b="1" u="none" strike="noStrike" dirty="0">
+                          <a:effectLst/>
+                          <a:latin typeface="Verdana" panose="020B0604030504040204" pitchFamily="34" charset="0"/>
+                          <a:ea typeface="Verdana" panose="020B0604030504040204" pitchFamily="34" charset="0"/>
+                          <a:cs typeface="Verdana" panose="020B0604030504040204" pitchFamily="34" charset="0"/>
+                        </a:rPr>
+                        <a:t>PRÉ-CONDIÇÃO</a:t>
+                      </a:r>
+                      <a:endParaRPr lang="pt-BR" sz="1000" b="1" i="0" u="none" strike="noStrike" dirty="0">
+                        <a:solidFill>
+                          <a:srgbClr val="000000"/>
+                        </a:solidFill>
+                        <a:effectLst/>
+                        <a:latin typeface="Verdana" panose="020B0604030504040204" pitchFamily="34" charset="0"/>
+                        <a:ea typeface="Verdana" panose="020B0604030504040204" pitchFamily="34" charset="0"/>
+                        <a:cs typeface="Verdana" panose="020B0604030504040204" pitchFamily="34" charset="0"/>
+                      </a:endParaRPr>
+                    </a:p>
+                  </a:txBody>
+                  <a:tcPr marL="0" marR="0" marT="0" marB="0" anchor="ctr"/>
+                </a:tc>
+                <a:tc>
+                  <a:txBody>
+                    <a:bodyPr/>
+                    <a:lstStyle/>
+                    <a:p>
+                      <a:pPr algn="ctr" fontAlgn="ctr"/>
+                      <a:r>
+                        <a:rPr lang="pt-BR" sz="1000" b="1" u="none" strike="noStrike" dirty="0">
+                          <a:effectLst/>
+                          <a:latin typeface="Verdana" panose="020B0604030504040204" pitchFamily="34" charset="0"/>
+                          <a:ea typeface="Verdana" panose="020B0604030504040204" pitchFamily="34" charset="0"/>
+                          <a:cs typeface="Verdana" panose="020B0604030504040204" pitchFamily="34" charset="0"/>
+                        </a:rPr>
+                        <a:t>DADOS DE ENTRADA</a:t>
+                      </a:r>
+                      <a:endParaRPr lang="pt-BR" sz="1000" b="1" i="0" u="none" strike="noStrike" dirty="0">
+                        <a:solidFill>
+                          <a:srgbClr val="000000"/>
+                        </a:solidFill>
+                        <a:effectLst/>
+                        <a:latin typeface="Verdana" panose="020B0604030504040204" pitchFamily="34" charset="0"/>
+                        <a:ea typeface="Verdana" panose="020B0604030504040204" pitchFamily="34" charset="0"/>
+                        <a:cs typeface="Verdana" panose="020B0604030504040204" pitchFamily="34" charset="0"/>
+                      </a:endParaRPr>
+                    </a:p>
+                  </a:txBody>
+                  <a:tcPr marL="0" marR="0" marT="0" marB="0" anchor="ctr"/>
+                </a:tc>
+                <a:tc>
+                  <a:txBody>
+                    <a:bodyPr/>
+                    <a:lstStyle/>
+                    <a:p>
+                      <a:pPr algn="ctr" fontAlgn="ctr"/>
+                      <a:r>
+                        <a:rPr lang="pt-BR" sz="1000" b="1" u="none" strike="noStrike">
+                          <a:effectLst/>
+                          <a:latin typeface="Verdana" panose="020B0604030504040204" pitchFamily="34" charset="0"/>
+                          <a:ea typeface="Verdana" panose="020B0604030504040204" pitchFamily="34" charset="0"/>
+                          <a:cs typeface="Verdana" panose="020B0604030504040204" pitchFamily="34" charset="0"/>
+                        </a:rPr>
+                        <a:t>RESULTADO ESPERADO</a:t>
+                      </a:r>
+                      <a:endParaRPr lang="pt-BR" sz="1000" b="1" i="0" u="none" strike="noStrike">
+                        <a:solidFill>
+                          <a:srgbClr val="000000"/>
+                        </a:solidFill>
+                        <a:effectLst/>
+                        <a:latin typeface="Verdana" panose="020B0604030504040204" pitchFamily="34" charset="0"/>
+                        <a:ea typeface="Verdana" panose="020B0604030504040204" pitchFamily="34" charset="0"/>
+                        <a:cs typeface="Verdana" panose="020B0604030504040204" pitchFamily="34" charset="0"/>
+                      </a:endParaRPr>
+                    </a:p>
+                  </a:txBody>
+                  <a:tcPr marL="0" marR="0" marT="0" marB="0" anchor="ctr"/>
+                </a:tc>
+                <a:tc>
+                  <a:txBody>
+                    <a:bodyPr/>
+                    <a:lstStyle/>
+                    <a:p>
+                      <a:pPr algn="ctr" fontAlgn="ctr"/>
+                      <a:r>
+                        <a:rPr lang="pt-BR" sz="1000" b="1" u="none" strike="noStrike" dirty="0">
+                          <a:effectLst/>
+                          <a:latin typeface="Verdana" panose="020B0604030504040204" pitchFamily="34" charset="0"/>
+                          <a:ea typeface="Verdana" panose="020B0604030504040204" pitchFamily="34" charset="0"/>
+                          <a:cs typeface="Verdana" panose="020B0604030504040204" pitchFamily="34" charset="0"/>
+                        </a:rPr>
+                        <a:t>RESULTADO ATUAL</a:t>
+                      </a:r>
+                      <a:endParaRPr lang="pt-BR" sz="1000" b="1" i="0" u="none" strike="noStrike" dirty="0">
+                        <a:solidFill>
+                          <a:srgbClr val="000000"/>
+                        </a:solidFill>
+                        <a:effectLst/>
+                        <a:latin typeface="Verdana" panose="020B0604030504040204" pitchFamily="34" charset="0"/>
+                        <a:ea typeface="Verdana" panose="020B0604030504040204" pitchFamily="34" charset="0"/>
+                        <a:cs typeface="Verdana" panose="020B0604030504040204" pitchFamily="34" charset="0"/>
+                      </a:endParaRPr>
+                    </a:p>
+                  </a:txBody>
+                  <a:tcPr marL="0" marR="0" marT="0" marB="0" anchor="ctr"/>
+                </a:tc>
+                <a:tc>
+                  <a:txBody>
+                    <a:bodyPr/>
+                    <a:lstStyle/>
+                    <a:p>
+                      <a:pPr algn="ctr" fontAlgn="ctr"/>
+                      <a:r>
+                        <a:rPr lang="pt-BR" sz="1000" b="1" u="none" strike="noStrike" dirty="0">
+                          <a:effectLst/>
+                          <a:latin typeface="Verdana" panose="020B0604030504040204" pitchFamily="34" charset="0"/>
+                          <a:ea typeface="Verdana" panose="020B0604030504040204" pitchFamily="34" charset="0"/>
+                          <a:cs typeface="Verdana" panose="020B0604030504040204" pitchFamily="34" charset="0"/>
+                        </a:rPr>
+                        <a:t>OBSERVAÇÃO</a:t>
+                      </a:r>
+                      <a:endParaRPr lang="pt-BR" sz="1000" b="1" i="0" u="none" strike="noStrike" dirty="0">
+                        <a:solidFill>
+                          <a:srgbClr val="000000"/>
+                        </a:solidFill>
+                        <a:effectLst/>
+                        <a:latin typeface="Verdana" panose="020B0604030504040204" pitchFamily="34" charset="0"/>
+                        <a:ea typeface="Verdana" panose="020B0604030504040204" pitchFamily="34" charset="0"/>
+                        <a:cs typeface="Verdana" panose="020B0604030504040204" pitchFamily="34" charset="0"/>
+                      </a:endParaRPr>
+                    </a:p>
+                  </a:txBody>
+                  <a:tcPr marL="0" marR="0" marT="0" marB="0" anchor="ctr"/>
+                </a:tc>
+              </a:tr>
+              <a:tr h="5029200">
+                <a:tc>
+                  <a:txBody>
+                    <a:bodyPr/>
+                    <a:lstStyle/>
+                    <a:p>
+                      <a:pPr algn="l" fontAlgn="ctr"/>
+                      <a:r>
+                        <a:rPr lang="pt-BR" sz="1000" u="none" strike="noStrike">
+                          <a:effectLst/>
+                          <a:latin typeface="Verdana" panose="020B0604030504040204" pitchFamily="34" charset="0"/>
+                          <a:ea typeface="Verdana" panose="020B0604030504040204" pitchFamily="34" charset="0"/>
+                          <a:cs typeface="Verdana" panose="020B0604030504040204" pitchFamily="34" charset="0"/>
+                        </a:rPr>
+                        <a:t>CT-0001</a:t>
+                      </a:r>
+                      <a:endParaRPr lang="pt-BR" sz="1000" b="0" i="0" u="none" strike="noStrike">
+                        <a:solidFill>
+                          <a:srgbClr val="000000"/>
+                        </a:solidFill>
+                        <a:effectLst/>
+                        <a:latin typeface="Verdana" panose="020B0604030504040204" pitchFamily="34" charset="0"/>
+                        <a:ea typeface="Verdana" panose="020B0604030504040204" pitchFamily="34" charset="0"/>
+                        <a:cs typeface="Verdana" panose="020B0604030504040204" pitchFamily="34" charset="0"/>
+                      </a:endParaRPr>
+                    </a:p>
+                  </a:txBody>
+                  <a:tcPr marL="0" marR="0" marT="0" marB="0" anchor="ctr"/>
+                </a:tc>
+                <a:tc>
+                  <a:txBody>
+                    <a:bodyPr/>
+                    <a:lstStyle/>
+                    <a:p>
+                      <a:pPr algn="ctr" fontAlgn="ctr"/>
+                      <a:r>
+                        <a:rPr lang="pt-BR" sz="1000" u="none" strike="noStrike">
+                          <a:effectLst/>
+                          <a:latin typeface="Verdana" panose="020B0604030504040204" pitchFamily="34" charset="0"/>
+                          <a:ea typeface="Verdana" panose="020B0604030504040204" pitchFamily="34" charset="0"/>
+                          <a:cs typeface="Verdana" panose="020B0604030504040204" pitchFamily="34" charset="0"/>
+                        </a:rPr>
+                        <a:t>SRS-00009</a:t>
+                      </a:r>
+                      <a:endParaRPr lang="pt-BR" sz="1000" b="0" i="0" u="none" strike="noStrike">
+                        <a:solidFill>
+                          <a:srgbClr val="000000"/>
+                        </a:solidFill>
+                        <a:effectLst/>
+                        <a:latin typeface="Verdana" panose="020B0604030504040204" pitchFamily="34" charset="0"/>
+                        <a:ea typeface="Verdana" panose="020B0604030504040204" pitchFamily="34" charset="0"/>
+                        <a:cs typeface="Verdana" panose="020B0604030504040204" pitchFamily="34" charset="0"/>
+                      </a:endParaRPr>
+                    </a:p>
+                  </a:txBody>
+                  <a:tcPr marL="0" marR="0" marT="0" marB="0" anchor="ctr"/>
+                </a:tc>
+                <a:tc>
+                  <a:txBody>
+                    <a:bodyPr/>
+                    <a:lstStyle/>
+                    <a:p>
+                      <a:pPr algn="ctr" fontAlgn="ctr"/>
+                      <a:r>
+                        <a:rPr lang="pt-BR" sz="1000" u="none" strike="noStrike">
+                          <a:effectLst/>
+                          <a:latin typeface="Verdana" panose="020B0604030504040204" pitchFamily="34" charset="0"/>
+                          <a:ea typeface="Verdana" panose="020B0604030504040204" pitchFamily="34" charset="0"/>
+                          <a:cs typeface="Verdana" panose="020B0604030504040204" pitchFamily="34" charset="0"/>
+                        </a:rPr>
+                        <a:t>ALTA</a:t>
+                      </a:r>
+                      <a:endParaRPr lang="pt-BR" sz="1000" b="1" i="0" u="none" strike="noStrike">
+                        <a:solidFill>
+                          <a:srgbClr val="FF0000"/>
+                        </a:solidFill>
+                        <a:effectLst/>
+                        <a:latin typeface="Verdana" panose="020B0604030504040204" pitchFamily="34" charset="0"/>
+                        <a:ea typeface="Verdana" panose="020B0604030504040204" pitchFamily="34" charset="0"/>
+                        <a:cs typeface="Verdana" panose="020B0604030504040204" pitchFamily="34" charset="0"/>
+                      </a:endParaRPr>
+                    </a:p>
+                  </a:txBody>
+                  <a:tcPr marL="0" marR="0" marT="0" marB="0" anchor="ctr"/>
+                </a:tc>
+                <a:tc>
+                  <a:txBody>
+                    <a:bodyPr/>
+                    <a:lstStyle/>
+                    <a:p>
+                      <a:pPr algn="l" fontAlgn="ctr"/>
+                      <a:r>
+                        <a:rPr lang="pt-BR" sz="1000" u="none" strike="noStrike">
+                          <a:effectLst/>
+                          <a:latin typeface="Verdana" panose="020B0604030504040204" pitchFamily="34" charset="0"/>
+                          <a:ea typeface="Verdana" panose="020B0604030504040204" pitchFamily="34" charset="0"/>
+                          <a:cs typeface="Verdana" panose="020B0604030504040204" pitchFamily="34" charset="0"/>
+                        </a:rPr>
+                        <a:t>Cancelar Agendamento</a:t>
+                      </a:r>
+                      <a:endParaRPr lang="pt-BR" sz="1000" b="0" i="0" u="none" strike="noStrike">
+                        <a:solidFill>
+                          <a:srgbClr val="000000"/>
+                        </a:solidFill>
+                        <a:effectLst/>
+                        <a:latin typeface="Verdana" panose="020B0604030504040204" pitchFamily="34" charset="0"/>
+                        <a:ea typeface="Verdana" panose="020B0604030504040204" pitchFamily="34" charset="0"/>
+                        <a:cs typeface="Verdana" panose="020B0604030504040204" pitchFamily="34" charset="0"/>
+                      </a:endParaRPr>
+                    </a:p>
+                  </a:txBody>
+                  <a:tcPr marL="0" marR="0" marT="0" marB="0" anchor="ctr"/>
+                </a:tc>
+                <a:tc>
+                  <a:txBody>
+                    <a:bodyPr/>
+                    <a:lstStyle/>
+                    <a:p>
+                      <a:pPr algn="l" fontAlgn="ctr"/>
+                      <a:r>
+                        <a:rPr lang="pt-BR" sz="1000" u="none" strike="noStrike" dirty="0">
+                          <a:effectLst/>
+                          <a:latin typeface="Verdana" panose="020B0604030504040204" pitchFamily="34" charset="0"/>
+                          <a:ea typeface="Verdana" panose="020B0604030504040204" pitchFamily="34" charset="0"/>
+                          <a:cs typeface="Verdana" panose="020B0604030504040204" pitchFamily="34" charset="0"/>
+                        </a:rPr>
+                        <a:t>Funcional/ Positivo</a:t>
+                      </a:r>
+                      <a:endParaRPr lang="pt-BR" sz="1000" b="0" i="0" u="none" strike="noStrike" dirty="0">
+                        <a:solidFill>
+                          <a:srgbClr val="000000"/>
+                        </a:solidFill>
+                        <a:effectLst/>
+                        <a:latin typeface="Verdana" panose="020B0604030504040204" pitchFamily="34" charset="0"/>
+                        <a:ea typeface="Verdana" panose="020B0604030504040204" pitchFamily="34" charset="0"/>
+                        <a:cs typeface="Verdana" panose="020B0604030504040204" pitchFamily="34" charset="0"/>
+                      </a:endParaRPr>
+                    </a:p>
+                  </a:txBody>
+                  <a:tcPr marL="0" marR="0" marT="0" marB="0" anchor="ctr"/>
+                </a:tc>
+                <a:tc>
+                  <a:txBody>
+                    <a:bodyPr/>
+                    <a:lstStyle/>
+                    <a:p>
+                      <a:pPr algn="ctr" fontAlgn="ctr"/>
+                      <a:r>
+                        <a:rPr lang="pt-BR" sz="1000" u="none" strike="noStrike" dirty="0">
+                          <a:effectLst/>
+                          <a:latin typeface="Verdana" panose="020B0604030504040204" pitchFamily="34" charset="0"/>
+                          <a:ea typeface="Verdana" panose="020B0604030504040204" pitchFamily="34" charset="0"/>
+                          <a:cs typeface="Verdana" panose="020B0604030504040204" pitchFamily="34" charset="0"/>
+                        </a:rPr>
+                        <a:t>1. Agendamento Realizado.</a:t>
+                      </a:r>
+                      <a:endParaRPr lang="pt-BR" sz="1000" b="0" i="0" u="none" strike="noStrike" dirty="0">
+                        <a:solidFill>
+                          <a:srgbClr val="000000"/>
+                        </a:solidFill>
+                        <a:effectLst/>
+                        <a:latin typeface="Verdana" panose="020B0604030504040204" pitchFamily="34" charset="0"/>
+                        <a:ea typeface="Verdana" panose="020B0604030504040204" pitchFamily="34" charset="0"/>
+                        <a:cs typeface="Verdana" panose="020B0604030504040204" pitchFamily="34" charset="0"/>
+                      </a:endParaRPr>
+                    </a:p>
+                  </a:txBody>
+                  <a:tcPr marL="0" marR="0" marT="0" marB="0" anchor="ctr"/>
+                </a:tc>
+                <a:tc>
+                  <a:txBody>
+                    <a:bodyPr/>
+                    <a:lstStyle/>
+                    <a:p>
+                      <a:pPr algn="l" fontAlgn="ctr"/>
+                      <a:r>
+                        <a:rPr lang="pt-BR" sz="1000" u="none" strike="noStrike" dirty="0" smtClean="0">
+                          <a:effectLst/>
+                          <a:latin typeface="Verdana" panose="020B0604030504040204" pitchFamily="34" charset="0"/>
+                          <a:ea typeface="Verdana" panose="020B0604030504040204" pitchFamily="34" charset="0"/>
+                          <a:cs typeface="Verdana" panose="020B0604030504040204" pitchFamily="34" charset="0"/>
+                        </a:rPr>
+                        <a:t>1. Home.</a:t>
+                      </a:r>
+                      <a:r>
+                        <a:rPr lang="pt-BR" sz="1000" u="none" strike="noStrike" dirty="0">
+                          <a:effectLst/>
+                          <a:latin typeface="Verdana" panose="020B0604030504040204" pitchFamily="34" charset="0"/>
+                          <a:ea typeface="Verdana" panose="020B0604030504040204" pitchFamily="34" charset="0"/>
+                          <a:cs typeface="Verdana" panose="020B0604030504040204" pitchFamily="34" charset="0"/>
+                        </a:rPr>
+                        <a:t/>
+                      </a:r>
+                      <a:br>
+                        <a:rPr lang="pt-BR" sz="1000" u="none" strike="noStrike" dirty="0">
+                          <a:effectLst/>
+                          <a:latin typeface="Verdana" panose="020B0604030504040204" pitchFamily="34" charset="0"/>
+                          <a:ea typeface="Verdana" panose="020B0604030504040204" pitchFamily="34" charset="0"/>
+                          <a:cs typeface="Verdana" panose="020B0604030504040204" pitchFamily="34" charset="0"/>
+                        </a:rPr>
+                      </a:br>
+                      <a:r>
+                        <a:rPr lang="pt-BR" sz="1000" u="none" strike="noStrike" dirty="0">
+                          <a:effectLst/>
+                          <a:latin typeface="Verdana" panose="020B0604030504040204" pitchFamily="34" charset="0"/>
+                          <a:ea typeface="Verdana" panose="020B0604030504040204" pitchFamily="34" charset="0"/>
+                          <a:cs typeface="Verdana" panose="020B0604030504040204" pitchFamily="34" charset="0"/>
+                        </a:rPr>
+                        <a:t>2. Selecione a botão" Agendamentos".</a:t>
+                      </a:r>
+                      <a:br>
+                        <a:rPr lang="pt-BR" sz="1000" u="none" strike="noStrike" dirty="0">
+                          <a:effectLst/>
+                          <a:latin typeface="Verdana" panose="020B0604030504040204" pitchFamily="34" charset="0"/>
+                          <a:ea typeface="Verdana" panose="020B0604030504040204" pitchFamily="34" charset="0"/>
+                          <a:cs typeface="Verdana" panose="020B0604030504040204" pitchFamily="34" charset="0"/>
+                        </a:rPr>
+                      </a:br>
+                      <a:r>
+                        <a:rPr lang="pt-BR" sz="1000" u="none" strike="noStrike" dirty="0">
+                          <a:effectLst/>
+                          <a:latin typeface="Verdana" panose="020B0604030504040204" pitchFamily="34" charset="0"/>
+                          <a:ea typeface="Verdana" panose="020B0604030504040204" pitchFamily="34" charset="0"/>
+                          <a:cs typeface="Verdana" panose="020B0604030504040204" pitchFamily="34" charset="0"/>
+                        </a:rPr>
+                        <a:t>3.  Tela Pesquisar Paciente &gt; Selecione a opção "AGENDA" na parte inferior da tela</a:t>
+                      </a:r>
+                      <a:br>
+                        <a:rPr lang="pt-BR" sz="1000" u="none" strike="noStrike" dirty="0">
+                          <a:effectLst/>
+                          <a:latin typeface="Verdana" panose="020B0604030504040204" pitchFamily="34" charset="0"/>
+                          <a:ea typeface="Verdana" panose="020B0604030504040204" pitchFamily="34" charset="0"/>
+                          <a:cs typeface="Verdana" panose="020B0604030504040204" pitchFamily="34" charset="0"/>
+                        </a:rPr>
+                      </a:br>
+                      <a:r>
+                        <a:rPr lang="pt-BR" sz="1000" u="none" strike="noStrike" dirty="0">
+                          <a:effectLst/>
+                          <a:latin typeface="Verdana" panose="020B0604030504040204" pitchFamily="34" charset="0"/>
+                          <a:ea typeface="Verdana" panose="020B0604030504040204" pitchFamily="34" charset="0"/>
+                          <a:cs typeface="Verdana" panose="020B0604030504040204" pitchFamily="34" charset="0"/>
+                        </a:rPr>
+                        <a:t>4.  Tela Pesquisar Agendamento &gt; Selecione opção "CANCELAR" </a:t>
+                      </a:r>
+                      <a:r>
+                        <a:rPr lang="pt-BR" sz="1000" u="none" strike="noStrike" dirty="0" smtClean="0">
+                          <a:effectLst/>
+                          <a:latin typeface="Verdana" panose="020B0604030504040204" pitchFamily="34" charset="0"/>
+                          <a:ea typeface="Verdana" panose="020B0604030504040204" pitchFamily="34" charset="0"/>
+                          <a:cs typeface="Verdana" panose="020B0604030504040204" pitchFamily="34" charset="0"/>
+                        </a:rPr>
+                        <a:t>de </a:t>
+                      </a:r>
+                      <a:r>
+                        <a:rPr lang="pt-BR" sz="1000" u="none" strike="noStrike" dirty="0">
+                          <a:effectLst/>
+                          <a:latin typeface="Verdana" panose="020B0604030504040204" pitchFamily="34" charset="0"/>
+                          <a:ea typeface="Verdana" panose="020B0604030504040204" pitchFamily="34" charset="0"/>
+                          <a:cs typeface="Verdana" panose="020B0604030504040204" pitchFamily="34" charset="0"/>
+                        </a:rPr>
+                        <a:t>algum paciente da lista de agendamento  na parte inferior da tela.</a:t>
+                      </a:r>
+                      <a:br>
+                        <a:rPr lang="pt-BR" sz="1000" u="none" strike="noStrike" dirty="0">
+                          <a:effectLst/>
+                          <a:latin typeface="Verdana" panose="020B0604030504040204" pitchFamily="34" charset="0"/>
+                          <a:ea typeface="Verdana" panose="020B0604030504040204" pitchFamily="34" charset="0"/>
+                          <a:cs typeface="Verdana" panose="020B0604030504040204" pitchFamily="34" charset="0"/>
+                        </a:rPr>
+                      </a:br>
+                      <a:r>
+                        <a:rPr lang="pt-BR" sz="1000" u="none" strike="noStrike" dirty="0">
+                          <a:effectLst/>
+                          <a:latin typeface="Verdana" panose="020B0604030504040204" pitchFamily="34" charset="0"/>
+                          <a:ea typeface="Verdana" panose="020B0604030504040204" pitchFamily="34" charset="0"/>
+                          <a:cs typeface="Verdana" panose="020B0604030504040204" pitchFamily="34" charset="0"/>
+                        </a:rPr>
+                        <a:t>5. Selecione "SALVAR".</a:t>
+                      </a:r>
+                      <a:endParaRPr lang="pt-BR" sz="1000" b="0" i="0" u="none" strike="noStrike" dirty="0">
+                        <a:solidFill>
+                          <a:srgbClr val="000000"/>
+                        </a:solidFill>
+                        <a:effectLst/>
+                        <a:latin typeface="Verdana" panose="020B0604030504040204" pitchFamily="34" charset="0"/>
+                        <a:ea typeface="Verdana" panose="020B0604030504040204" pitchFamily="34" charset="0"/>
+                        <a:cs typeface="Verdana" panose="020B0604030504040204" pitchFamily="34" charset="0"/>
+                      </a:endParaRPr>
+                    </a:p>
+                  </a:txBody>
+                  <a:tcPr marL="0" marR="0" marT="0" marB="0" anchor="ctr"/>
+                </a:tc>
+                <a:tc>
+                  <a:txBody>
+                    <a:bodyPr/>
+                    <a:lstStyle/>
+                    <a:p>
+                      <a:pPr algn="l" fontAlgn="ctr"/>
+                      <a:r>
+                        <a:rPr lang="pt-BR" sz="1000" u="none" strike="noStrike" dirty="0">
+                          <a:effectLst/>
+                          <a:latin typeface="Verdana" panose="020B0604030504040204" pitchFamily="34" charset="0"/>
+                          <a:ea typeface="Verdana" panose="020B0604030504040204" pitchFamily="34" charset="0"/>
+                          <a:cs typeface="Verdana" panose="020B0604030504040204" pitchFamily="34" charset="0"/>
+                        </a:rPr>
+                        <a:t>O cancelamento do agendamento deve ser realizado.</a:t>
+                      </a:r>
+                      <a:endParaRPr lang="pt-BR" sz="1000" b="0" i="0" u="none" strike="noStrike" dirty="0">
+                        <a:solidFill>
+                          <a:srgbClr val="000000"/>
+                        </a:solidFill>
+                        <a:effectLst/>
+                        <a:latin typeface="Verdana" panose="020B0604030504040204" pitchFamily="34" charset="0"/>
+                        <a:ea typeface="Verdana" panose="020B0604030504040204" pitchFamily="34" charset="0"/>
+                        <a:cs typeface="Verdana" panose="020B0604030504040204" pitchFamily="34" charset="0"/>
+                      </a:endParaRPr>
+                    </a:p>
+                  </a:txBody>
+                  <a:tcPr marL="0" marR="0" marT="0" marB="0" anchor="ctr"/>
+                </a:tc>
+                <a:tc>
+                  <a:txBody>
+                    <a:bodyPr/>
+                    <a:lstStyle/>
+                    <a:p>
+                      <a:pPr algn="ctr" fontAlgn="ctr"/>
+                      <a:r>
+                        <a:rPr lang="pt-BR" sz="1000" u="none" strike="noStrike">
+                          <a:effectLst/>
+                          <a:latin typeface="Verdana" panose="020B0604030504040204" pitchFamily="34" charset="0"/>
+                          <a:ea typeface="Verdana" panose="020B0604030504040204" pitchFamily="34" charset="0"/>
+                          <a:cs typeface="Verdana" panose="020B0604030504040204" pitchFamily="34" charset="0"/>
+                        </a:rPr>
+                        <a:t>PASSOU</a:t>
+                      </a:r>
+                      <a:endParaRPr lang="pt-BR" sz="1000" b="1" i="0" u="none" strike="noStrike">
+                        <a:solidFill>
+                          <a:srgbClr val="000000"/>
+                        </a:solidFill>
+                        <a:effectLst/>
+                        <a:latin typeface="Verdana" panose="020B0604030504040204" pitchFamily="34" charset="0"/>
+                        <a:ea typeface="Verdana" panose="020B0604030504040204" pitchFamily="34" charset="0"/>
+                        <a:cs typeface="Verdana" panose="020B0604030504040204" pitchFamily="34" charset="0"/>
+                      </a:endParaRPr>
+                    </a:p>
+                  </a:txBody>
+                  <a:tcPr marL="0" marR="0" marT="0" marB="0" anchor="ctr"/>
+                </a:tc>
+                <a:tc>
+                  <a:txBody>
+                    <a:bodyPr/>
+                    <a:lstStyle/>
+                    <a:p>
+                      <a:pPr algn="ctr" fontAlgn="ctr"/>
+                      <a:r>
+                        <a:rPr lang="pt-BR" sz="1000" u="none" strike="noStrike" dirty="0">
+                          <a:effectLst/>
+                          <a:latin typeface="Verdana" panose="020B0604030504040204" pitchFamily="34" charset="0"/>
+                          <a:ea typeface="Verdana" panose="020B0604030504040204" pitchFamily="34" charset="0"/>
+                          <a:cs typeface="Verdana" panose="020B0604030504040204" pitchFamily="34" charset="0"/>
+                        </a:rPr>
+                        <a:t> </a:t>
+                      </a:r>
+                      <a:endParaRPr lang="pt-BR" sz="1000" b="0" i="0" u="none" strike="noStrike" dirty="0">
+                        <a:solidFill>
+                          <a:srgbClr val="000000"/>
+                        </a:solidFill>
+                        <a:effectLst/>
+                        <a:latin typeface="Verdana" panose="020B0604030504040204" pitchFamily="34" charset="0"/>
+                        <a:ea typeface="Verdana" panose="020B0604030504040204" pitchFamily="34" charset="0"/>
+                        <a:cs typeface="Verdana" panose="020B0604030504040204" pitchFamily="34" charset="0"/>
+                      </a:endParaRPr>
+                    </a:p>
+                  </a:txBody>
+                  <a:tcPr marL="0" marR="0" marT="0" marB="0" anchor="ctr"/>
+                </a:tc>
+              </a:tr>
+            </a:tbl>
+          </a:graphicData>
+        </a:graphic>
+      </p:graphicFrame>
+    </p:spTree>
+    <p:extLst>
+      <p:ext uri="{BB962C8B-B14F-4D97-AF65-F5344CB8AC3E}">
+        <p14:creationId xmlns:p14="http://schemas.microsoft.com/office/powerpoint/2010/main" val="1060046226"/>
+      </p:ext>
+    </p:extLst>
+  </p:cSld>
+  <p:clrMapOvr>
+    <a:masterClrMapping/>
+  </p:clrMapOvr>
+  <p:timing>
+    <p:tnLst>
+      <p:par>
+        <p:cTn id="1" dur="indefinite" restart="never" nodeType="tmRoot"/>
+      </p:par>
+    </p:tnLst>
+  </p:timing>
+</p:sld>
+</file>
+
+<file path=ppt/slides/slide21.xml><?xml version="1.0" encoding="utf-8"?>
 <p:sld xmlns:a="http://schemas.openxmlformats.org/drawingml/2006/main" xmlns:r="http://schemas.openxmlformats.org/officeDocument/2006/relationships" xmlns:p="http://schemas.openxmlformats.org/presentationml/2006/main">
   <p:cSld>
     <p:spTree>
@@ -11474,7 +11749,7 @@
 </p:sld>
 </file>
 
-<file path=ppt/slides/slide21.xml><?xml version="1.0" encoding="utf-8"?>
+<file path=ppt/slides/slide22.xml><?xml version="1.0" encoding="utf-8"?>
 <p:sld xmlns:a="http://schemas.openxmlformats.org/drawingml/2006/main" xmlns:r="http://schemas.openxmlformats.org/officeDocument/2006/relationships" xmlns:p="http://schemas.openxmlformats.org/presentationml/2006/main">
   <p:cSld>
     <p:spTree>
@@ -11556,23 +11831,15 @@
             </a:r>
             <a:r>
               <a:rPr lang="en-US" b="1" dirty="0" smtClean="0"/>
-              <a:t> </a:t>
-            </a:r>
-            <a:r>
-              <a:rPr lang="en-US" b="1" dirty="0" smtClean="0"/>
-              <a:t>de </a:t>
-            </a:r>
-            <a:r>
-              <a:rPr lang="en-US" b="1" dirty="0" smtClean="0"/>
-              <a:t>testes: </a:t>
+              <a:t> de testes: </a:t>
             </a:r>
             <a:r>
               <a:rPr lang="en-US" dirty="0" smtClean="0"/>
-              <a:t>100</a:t>
+              <a:t>100% </a:t>
             </a:r>
             <a:r>
               <a:rPr lang="en-US" dirty="0" smtClean="0"/>
-              <a:t>%  dos </a:t>
+              <a:t>dos </a:t>
             </a:r>
             <a:r>
               <a:rPr lang="en-US" dirty="0" err="1" smtClean="0"/>
@@ -11742,11 +12009,7 @@
             </a:r>
             <a:r>
               <a:rPr lang="en-US" dirty="0" smtClean="0"/>
-              <a:t> </a:t>
-            </a:r>
-            <a:r>
-              <a:rPr lang="en-US" dirty="0" smtClean="0"/>
-              <a:t>a </a:t>
+              <a:t> a </a:t>
             </a:r>
             <a:r>
               <a:rPr lang="en-US" dirty="0" err="1" smtClean="0"/>
@@ -11813,7 +12076,7 @@
 </p:sld>
 </file>
 
-<file path=ppt/slides/slide22.xml><?xml version="1.0" encoding="utf-8"?>
+<file path=ppt/slides/slide23.xml><?xml version="1.0" encoding="utf-8"?>
 <p:sld xmlns:a="http://schemas.openxmlformats.org/drawingml/2006/main" xmlns:r="http://schemas.openxmlformats.org/officeDocument/2006/relationships" xmlns:p="http://schemas.openxmlformats.org/presentationml/2006/main">
   <p:cSld>
     <p:spTree>
@@ -11876,7 +12139,13 @@
           <p:cNvGraphicFramePr>
             <a:graphicFrameLocks noGrp="1"/>
           </p:cNvGraphicFramePr>
-          <p:nvPr/>
+          <p:nvPr>
+            <p:extLst>
+              <p:ext uri="{D42A27DB-BD31-4B8C-83A1-F6EECF244321}">
+                <p14:modId xmlns:p14="http://schemas.microsoft.com/office/powerpoint/2010/main" val="243154298"/>
+              </p:ext>
+            </p:extLst>
+          </p:nvPr>
         </p:nvGraphicFramePr>
         <p:xfrm>
           <a:off x="790947" y="1484784"/>
@@ -11904,11 +12173,13 @@
                     <a:p>
                       <a:pPr algn="ctr" fontAlgn="b"/>
                       <a:r>
-                        <a:rPr lang="en-US" sz="1200" b="1" i="0" u="none" strike="noStrike">
+                        <a:rPr lang="en-US" sz="1600" b="1" i="0" u="none" strike="noStrike" dirty="0">
                           <a:solidFill>
                             <a:srgbClr val="FFFFFF"/>
                           </a:solidFill>
-                          <a:latin typeface="Calibri"/>
+                          <a:latin typeface="Verdana" panose="020B0604030504040204" pitchFamily="34" charset="0"/>
+                          <a:ea typeface="Verdana" panose="020B0604030504040204" pitchFamily="34" charset="0"/>
+                          <a:cs typeface="Verdana" panose="020B0604030504040204" pitchFamily="34" charset="0"/>
                         </a:rPr>
                         <a:t>ITERAÇÃO</a:t>
                       </a:r>
@@ -11963,11 +12234,13 @@
                     <a:p>
                       <a:pPr algn="ctr" fontAlgn="b"/>
                       <a:r>
-                        <a:rPr lang="en-US" sz="1200" b="1" i="0" u="none" strike="noStrike">
+                        <a:rPr lang="en-US" sz="1600" b="1" i="0" u="none" strike="noStrike">
                           <a:solidFill>
                             <a:srgbClr val="FFFFFF"/>
                           </a:solidFill>
-                          <a:latin typeface="Calibri"/>
+                          <a:latin typeface="Verdana" panose="020B0604030504040204" pitchFamily="34" charset="0"/>
+                          <a:ea typeface="Verdana" panose="020B0604030504040204" pitchFamily="34" charset="0"/>
+                          <a:cs typeface="Verdana" panose="020B0604030504040204" pitchFamily="34" charset="0"/>
                         </a:rPr>
                         <a:t>1</a:t>
                       </a:r>
@@ -12022,11 +12295,13 @@
                     <a:p>
                       <a:pPr algn="ctr" fontAlgn="b"/>
                       <a:r>
-                        <a:rPr lang="en-US" sz="1200" b="1" i="0" u="none" strike="noStrike">
+                        <a:rPr lang="en-US" sz="1600" b="1" i="0" u="none" strike="noStrike" dirty="0">
                           <a:solidFill>
                             <a:srgbClr val="FFFFFF"/>
                           </a:solidFill>
-                          <a:latin typeface="Calibri"/>
+                          <a:latin typeface="Verdana" panose="020B0604030504040204" pitchFamily="34" charset="0"/>
+                          <a:ea typeface="Verdana" panose="020B0604030504040204" pitchFamily="34" charset="0"/>
+                          <a:cs typeface="Verdana" panose="020B0604030504040204" pitchFamily="34" charset="0"/>
                         </a:rPr>
                         <a:t>2</a:t>
                       </a:r>
@@ -12081,11 +12356,13 @@
                     <a:p>
                       <a:pPr algn="ctr" fontAlgn="b"/>
                       <a:r>
-                        <a:rPr lang="en-US" sz="1200" b="1" i="0" u="none" strike="noStrike">
+                        <a:rPr lang="en-US" sz="1600" b="1" i="0" u="none" strike="noStrike">
                           <a:solidFill>
                             <a:srgbClr val="FFFFFF"/>
                           </a:solidFill>
-                          <a:latin typeface="Calibri"/>
+                          <a:latin typeface="Verdana" panose="020B0604030504040204" pitchFamily="34" charset="0"/>
+                          <a:ea typeface="Verdana" panose="020B0604030504040204" pitchFamily="34" charset="0"/>
+                          <a:cs typeface="Verdana" panose="020B0604030504040204" pitchFamily="34" charset="0"/>
                         </a:rPr>
                         <a:t>3</a:t>
                       </a:r>
@@ -12140,11 +12417,13 @@
                     <a:p>
                       <a:pPr algn="ctr" fontAlgn="b"/>
                       <a:r>
-                        <a:rPr lang="en-US" sz="1200" b="1" i="0" u="none" strike="noStrike">
+                        <a:rPr lang="en-US" sz="1600" b="1" i="0" u="none" strike="noStrike">
                           <a:solidFill>
                             <a:srgbClr val="FFFFFF"/>
                           </a:solidFill>
-                          <a:latin typeface="Calibri"/>
+                          <a:latin typeface="Verdana" panose="020B0604030504040204" pitchFamily="34" charset="0"/>
+                          <a:ea typeface="Verdana" panose="020B0604030504040204" pitchFamily="34" charset="0"/>
+                          <a:cs typeface="Verdana" panose="020B0604030504040204" pitchFamily="34" charset="0"/>
                         </a:rPr>
                         <a:t>4</a:t>
                       </a:r>
@@ -12199,11 +12478,13 @@
                     <a:p>
                       <a:pPr algn="ctr" fontAlgn="b"/>
                       <a:r>
-                        <a:rPr lang="en-US" sz="1200" b="1" i="0" u="none" strike="noStrike">
+                        <a:rPr lang="en-US" sz="1600" b="1" i="0" u="none" strike="noStrike">
                           <a:solidFill>
                             <a:srgbClr val="FFFFFF"/>
                           </a:solidFill>
-                          <a:latin typeface="Calibri"/>
+                          <a:latin typeface="Verdana" panose="020B0604030504040204" pitchFamily="34" charset="0"/>
+                          <a:ea typeface="Verdana" panose="020B0604030504040204" pitchFamily="34" charset="0"/>
+                          <a:cs typeface="Verdana" panose="020B0604030504040204" pitchFamily="34" charset="0"/>
                         </a:rPr>
                         <a:t>5</a:t>
                       </a:r>
@@ -12258,11 +12539,13 @@
                     <a:p>
                       <a:pPr algn="ctr" fontAlgn="b"/>
                       <a:r>
-                        <a:rPr lang="en-US" sz="1200" b="1" i="0" u="none" strike="noStrike">
+                        <a:rPr lang="en-US" sz="1600" b="1" i="0" u="none" strike="noStrike">
                           <a:solidFill>
                             <a:srgbClr val="FFFFFF"/>
                           </a:solidFill>
-                          <a:latin typeface="Calibri"/>
+                          <a:latin typeface="Verdana" panose="020B0604030504040204" pitchFamily="34" charset="0"/>
+                          <a:ea typeface="Verdana" panose="020B0604030504040204" pitchFamily="34" charset="0"/>
+                          <a:cs typeface="Verdana" panose="020B0604030504040204" pitchFamily="34" charset="0"/>
                         </a:rPr>
                         <a:t>6</a:t>
                       </a:r>
@@ -12317,11 +12600,13 @@
                     <a:p>
                       <a:pPr algn="ctr" fontAlgn="b"/>
                       <a:r>
-                        <a:rPr lang="en-US" sz="1200" b="1" i="0" u="none" strike="noStrike">
+                        <a:rPr lang="en-US" sz="1600" b="1" i="0" u="none" strike="noStrike">
                           <a:solidFill>
                             <a:srgbClr val="FFFFFF"/>
                           </a:solidFill>
-                          <a:latin typeface="Calibri"/>
+                          <a:latin typeface="Verdana" panose="020B0604030504040204" pitchFamily="34" charset="0"/>
+                          <a:ea typeface="Verdana" panose="020B0604030504040204" pitchFamily="34" charset="0"/>
+                          <a:cs typeface="Verdana" panose="020B0604030504040204" pitchFamily="34" charset="0"/>
                         </a:rPr>
                         <a:t>TOTAL</a:t>
                       </a:r>
@@ -12376,13 +12661,15 @@
                     <a:bodyPr/>
                     <a:lstStyle/>
                     <a:p>
-                      <a:pPr algn="l" fontAlgn="b"/>
-                      <a:r>
-                        <a:rPr lang="en-US" sz="1200" b="1" i="0" u="none" strike="noStrike">
+                      <a:pPr algn="ctr" fontAlgn="b"/>
+                      <a:r>
+                        <a:rPr lang="en-US" sz="1600" b="1" i="0" u="none" strike="noStrike" dirty="0">
                           <a:solidFill>
                             <a:srgbClr val="000000"/>
                           </a:solidFill>
-                          <a:latin typeface="Calibri"/>
+                          <a:latin typeface="Verdana" panose="020B0604030504040204" pitchFamily="34" charset="0"/>
+                          <a:ea typeface="Verdana" panose="020B0604030504040204" pitchFamily="34" charset="0"/>
+                          <a:cs typeface="Verdana" panose="020B0604030504040204" pitchFamily="34" charset="0"/>
                         </a:rPr>
                         <a:t>CASOS DE TESTE</a:t>
                       </a:r>
@@ -12435,16 +12722,26 @@
                     <a:bodyPr/>
                     <a:lstStyle/>
                     <a:p>
-                      <a:pPr algn="r" fontAlgn="b"/>
-                      <a:r>
-                        <a:rPr lang="en-US" sz="1200" b="0" i="0" u="none" strike="noStrike">
+                      <a:pPr algn="ctr" fontAlgn="b"/>
+                      <a:r>
+                        <a:rPr lang="en-US" sz="1600" b="0" i="0" u="none" strike="noStrike" dirty="0" smtClean="0">
                           <a:solidFill>
                             <a:srgbClr val="000000"/>
                           </a:solidFill>
-                          <a:latin typeface="Calibri"/>
-                        </a:rPr>
-                        <a:t>100</a:t>
-                      </a:r>
+                          <a:latin typeface="Verdana" panose="020B0604030504040204" pitchFamily="34" charset="0"/>
+                          <a:ea typeface="Verdana" panose="020B0604030504040204" pitchFamily="34" charset="0"/>
+                          <a:cs typeface="Verdana" panose="020B0604030504040204" pitchFamily="34" charset="0"/>
+                        </a:rPr>
+                        <a:t>100%</a:t>
+                      </a:r>
+                      <a:endParaRPr lang="en-US" sz="1600" b="0" i="0" u="none" strike="noStrike" dirty="0">
+                        <a:solidFill>
+                          <a:srgbClr val="000000"/>
+                        </a:solidFill>
+                        <a:latin typeface="Verdana" panose="020B0604030504040204" pitchFamily="34" charset="0"/>
+                        <a:ea typeface="Verdana" panose="020B0604030504040204" pitchFamily="34" charset="0"/>
+                        <a:cs typeface="Verdana" panose="020B0604030504040204" pitchFamily="34" charset="0"/>
+                      </a:endParaRPr>
                     </a:p>
                   </a:txBody>
                   <a:tcPr marL="9525" marR="9525" marT="9525" marB="0" anchor="b">
@@ -12491,16 +12788,26 @@
                     <a:bodyPr/>
                     <a:lstStyle/>
                     <a:p>
-                      <a:pPr algn="r" fontAlgn="b"/>
-                      <a:r>
-                        <a:rPr lang="en-US" sz="1200" b="0" i="0" u="none" strike="noStrike">
+                      <a:pPr algn="ctr" fontAlgn="b"/>
+                      <a:r>
+                        <a:rPr lang="en-US" sz="1600" b="0" i="0" u="none" strike="noStrike" dirty="0" smtClean="0">
                           <a:solidFill>
                             <a:srgbClr val="000000"/>
                           </a:solidFill>
-                          <a:latin typeface="Calibri"/>
-                        </a:rPr>
-                        <a:t>98</a:t>
-                      </a:r>
+                          <a:latin typeface="Verdana" panose="020B0604030504040204" pitchFamily="34" charset="0"/>
+                          <a:ea typeface="Verdana" panose="020B0604030504040204" pitchFamily="34" charset="0"/>
+                          <a:cs typeface="Verdana" panose="020B0604030504040204" pitchFamily="34" charset="0"/>
+                        </a:rPr>
+                        <a:t>98%</a:t>
+                      </a:r>
+                      <a:endParaRPr lang="en-US" sz="1600" b="0" i="0" u="none" strike="noStrike" dirty="0">
+                        <a:solidFill>
+                          <a:srgbClr val="000000"/>
+                        </a:solidFill>
+                        <a:latin typeface="Verdana" panose="020B0604030504040204" pitchFamily="34" charset="0"/>
+                        <a:ea typeface="Verdana" panose="020B0604030504040204" pitchFamily="34" charset="0"/>
+                        <a:cs typeface="Verdana" panose="020B0604030504040204" pitchFamily="34" charset="0"/>
+                      </a:endParaRPr>
                     </a:p>
                   </a:txBody>
                   <a:tcPr marL="9525" marR="9525" marT="9525" marB="0" anchor="b">
@@ -12547,16 +12854,26 @@
                     <a:bodyPr/>
                     <a:lstStyle/>
                     <a:p>
-                      <a:pPr algn="r" fontAlgn="b"/>
-                      <a:r>
-                        <a:rPr lang="en-US" sz="1200" b="0" i="0" u="none" strike="noStrike">
+                      <a:pPr algn="ctr" fontAlgn="b"/>
+                      <a:r>
+                        <a:rPr lang="en-US" sz="1600" b="0" i="0" u="none" strike="noStrike" dirty="0" smtClean="0">
                           <a:solidFill>
                             <a:srgbClr val="000000"/>
                           </a:solidFill>
-                          <a:latin typeface="Calibri"/>
-                        </a:rPr>
-                        <a:t>100</a:t>
-                      </a:r>
+                          <a:latin typeface="Verdana" panose="020B0604030504040204" pitchFamily="34" charset="0"/>
+                          <a:ea typeface="Verdana" panose="020B0604030504040204" pitchFamily="34" charset="0"/>
+                          <a:cs typeface="Verdana" panose="020B0604030504040204" pitchFamily="34" charset="0"/>
+                        </a:rPr>
+                        <a:t>100%</a:t>
+                      </a:r>
+                      <a:endParaRPr lang="en-US" sz="1600" b="0" i="0" u="none" strike="noStrike" dirty="0">
+                        <a:solidFill>
+                          <a:srgbClr val="000000"/>
+                        </a:solidFill>
+                        <a:latin typeface="Verdana" panose="020B0604030504040204" pitchFamily="34" charset="0"/>
+                        <a:ea typeface="Verdana" panose="020B0604030504040204" pitchFamily="34" charset="0"/>
+                        <a:cs typeface="Verdana" panose="020B0604030504040204" pitchFamily="34" charset="0"/>
+                      </a:endParaRPr>
                     </a:p>
                   </a:txBody>
                   <a:tcPr marL="9525" marR="9525" marT="9525" marB="0" anchor="b">
@@ -12603,16 +12920,26 @@
                     <a:bodyPr/>
                     <a:lstStyle/>
                     <a:p>
-                      <a:pPr algn="r" fontAlgn="b"/>
-                      <a:r>
-                        <a:rPr lang="en-US" sz="1200" b="0" i="0" u="none" strike="noStrike">
+                      <a:pPr algn="ctr" fontAlgn="b"/>
+                      <a:r>
+                        <a:rPr lang="en-US" sz="1600" b="0" i="0" u="none" strike="noStrike" dirty="0" smtClean="0">
                           <a:solidFill>
                             <a:srgbClr val="000000"/>
                           </a:solidFill>
-                          <a:latin typeface="Calibri"/>
-                        </a:rPr>
-                        <a:t>100</a:t>
-                      </a:r>
+                          <a:latin typeface="Verdana" panose="020B0604030504040204" pitchFamily="34" charset="0"/>
+                          <a:ea typeface="Verdana" panose="020B0604030504040204" pitchFamily="34" charset="0"/>
+                          <a:cs typeface="Verdana" panose="020B0604030504040204" pitchFamily="34" charset="0"/>
+                        </a:rPr>
+                        <a:t>100%</a:t>
+                      </a:r>
+                      <a:endParaRPr lang="en-US" sz="1600" b="0" i="0" u="none" strike="noStrike" dirty="0">
+                        <a:solidFill>
+                          <a:srgbClr val="000000"/>
+                        </a:solidFill>
+                        <a:latin typeface="Verdana" panose="020B0604030504040204" pitchFamily="34" charset="0"/>
+                        <a:ea typeface="Verdana" panose="020B0604030504040204" pitchFamily="34" charset="0"/>
+                        <a:cs typeface="Verdana" panose="020B0604030504040204" pitchFamily="34" charset="0"/>
+                      </a:endParaRPr>
                     </a:p>
                   </a:txBody>
                   <a:tcPr marL="9525" marR="9525" marT="9525" marB="0" anchor="b">
@@ -12659,16 +12986,26 @@
                     <a:bodyPr/>
                     <a:lstStyle/>
                     <a:p>
-                      <a:pPr algn="r" fontAlgn="b"/>
-                      <a:r>
-                        <a:rPr lang="en-US" sz="1200" b="0" i="0" u="none" strike="noStrike">
+                      <a:pPr algn="ctr" fontAlgn="b"/>
+                      <a:r>
+                        <a:rPr lang="en-US" sz="1600" b="0" i="0" u="none" strike="noStrike" dirty="0" smtClean="0">
                           <a:solidFill>
                             <a:srgbClr val="000000"/>
                           </a:solidFill>
-                          <a:latin typeface="Calibri"/>
-                        </a:rPr>
-                        <a:t>95</a:t>
-                      </a:r>
+                          <a:latin typeface="Verdana" panose="020B0604030504040204" pitchFamily="34" charset="0"/>
+                          <a:ea typeface="Verdana" panose="020B0604030504040204" pitchFamily="34" charset="0"/>
+                          <a:cs typeface="Verdana" panose="020B0604030504040204" pitchFamily="34" charset="0"/>
+                        </a:rPr>
+                        <a:t>95%</a:t>
+                      </a:r>
+                      <a:endParaRPr lang="en-US" sz="1600" b="0" i="0" u="none" strike="noStrike" dirty="0">
+                        <a:solidFill>
+                          <a:srgbClr val="000000"/>
+                        </a:solidFill>
+                        <a:latin typeface="Verdana" panose="020B0604030504040204" pitchFamily="34" charset="0"/>
+                        <a:ea typeface="Verdana" panose="020B0604030504040204" pitchFamily="34" charset="0"/>
+                        <a:cs typeface="Verdana" panose="020B0604030504040204" pitchFamily="34" charset="0"/>
+                      </a:endParaRPr>
                     </a:p>
                   </a:txBody>
                   <a:tcPr marL="9525" marR="9525" marT="9525" marB="0" anchor="b">
@@ -12715,16 +13052,26 @@
                     <a:bodyPr/>
                     <a:lstStyle/>
                     <a:p>
-                      <a:pPr algn="r" fontAlgn="b"/>
-                      <a:r>
-                        <a:rPr lang="en-US" sz="1200" b="0" i="0" u="none" strike="noStrike">
+                      <a:pPr algn="ctr" fontAlgn="b"/>
+                      <a:r>
+                        <a:rPr lang="en-US" sz="1600" b="0" i="0" u="none" strike="noStrike" dirty="0" smtClean="0">
                           <a:solidFill>
                             <a:srgbClr val="000000"/>
                           </a:solidFill>
-                          <a:latin typeface="Calibri"/>
-                        </a:rPr>
-                        <a:t>97</a:t>
-                      </a:r>
+                          <a:latin typeface="Verdana" panose="020B0604030504040204" pitchFamily="34" charset="0"/>
+                          <a:ea typeface="Verdana" panose="020B0604030504040204" pitchFamily="34" charset="0"/>
+                          <a:cs typeface="Verdana" panose="020B0604030504040204" pitchFamily="34" charset="0"/>
+                        </a:rPr>
+                        <a:t>97%</a:t>
+                      </a:r>
+                      <a:endParaRPr lang="en-US" sz="1600" b="0" i="0" u="none" strike="noStrike" dirty="0">
+                        <a:solidFill>
+                          <a:srgbClr val="000000"/>
+                        </a:solidFill>
+                        <a:latin typeface="Verdana" panose="020B0604030504040204" pitchFamily="34" charset="0"/>
+                        <a:ea typeface="Verdana" panose="020B0604030504040204" pitchFamily="34" charset="0"/>
+                        <a:cs typeface="Verdana" panose="020B0604030504040204" pitchFamily="34" charset="0"/>
+                      </a:endParaRPr>
                     </a:p>
                   </a:txBody>
                   <a:tcPr marL="9525" marR="9525" marT="9525" marB="0" anchor="b">
@@ -12771,16 +13118,26 @@
                     <a:bodyPr/>
                     <a:lstStyle/>
                     <a:p>
-                      <a:pPr algn="r" fontAlgn="b"/>
-                      <a:r>
-                        <a:rPr lang="en-US" sz="1200" b="0" i="0" u="none" strike="noStrike">
+                      <a:pPr algn="ctr" fontAlgn="b"/>
+                      <a:r>
+                        <a:rPr lang="en-US" sz="1600" b="1" i="0" u="none" strike="noStrike" dirty="0" smtClean="0">
                           <a:solidFill>
-                            <a:srgbClr val="000000"/>
+                            <a:srgbClr val="FF0000"/>
                           </a:solidFill>
-                          <a:latin typeface="Calibri"/>
-                        </a:rPr>
-                        <a:t>99</a:t>
-                      </a:r>
+                          <a:latin typeface="Verdana" panose="020B0604030504040204" pitchFamily="34" charset="0"/>
+                          <a:ea typeface="Verdana" panose="020B0604030504040204" pitchFamily="34" charset="0"/>
+                          <a:cs typeface="Verdana" panose="020B0604030504040204" pitchFamily="34" charset="0"/>
+                        </a:rPr>
+                        <a:t>99%</a:t>
+                      </a:r>
+                      <a:endParaRPr lang="en-US" sz="1600" b="1" i="0" u="none" strike="noStrike" dirty="0">
+                        <a:solidFill>
+                          <a:srgbClr val="FF0000"/>
+                        </a:solidFill>
+                        <a:latin typeface="Verdana" panose="020B0604030504040204" pitchFamily="34" charset="0"/>
+                        <a:ea typeface="Verdana" panose="020B0604030504040204" pitchFamily="34" charset="0"/>
+                        <a:cs typeface="Verdana" panose="020B0604030504040204" pitchFamily="34" charset="0"/>
+                      </a:endParaRPr>
                     </a:p>
                   </a:txBody>
                   <a:tcPr marL="9525" marR="9525" marT="9525" marB="0" anchor="b">
@@ -12829,13 +13186,15 @@
                     <a:bodyPr/>
                     <a:lstStyle/>
                     <a:p>
-                      <a:pPr algn="l" fontAlgn="b"/>
-                      <a:r>
-                        <a:rPr lang="en-US" sz="1200" b="1" i="0" u="none" strike="noStrike">
+                      <a:pPr algn="ctr" fontAlgn="b"/>
+                      <a:r>
+                        <a:rPr lang="en-US" sz="1600" b="1" i="0" u="none" strike="noStrike" dirty="0">
                           <a:solidFill>
                             <a:srgbClr val="000000"/>
                           </a:solidFill>
-                          <a:latin typeface="Calibri"/>
+                          <a:latin typeface="Verdana" panose="020B0604030504040204" pitchFamily="34" charset="0"/>
+                          <a:ea typeface="Verdana" panose="020B0604030504040204" pitchFamily="34" charset="0"/>
+                          <a:cs typeface="Verdana" panose="020B0604030504040204" pitchFamily="34" charset="0"/>
                         </a:rPr>
                         <a:t>BUGS CRÍTICOS</a:t>
                       </a:r>
@@ -12888,13 +13247,15 @@
                     <a:bodyPr/>
                     <a:lstStyle/>
                     <a:p>
-                      <a:pPr algn="r" fontAlgn="b"/>
-                      <a:r>
-                        <a:rPr lang="en-US" sz="1200" b="0" i="0" u="none" strike="noStrike">
+                      <a:pPr algn="ctr" fontAlgn="b"/>
+                      <a:r>
+                        <a:rPr lang="en-US" sz="1600" b="0" i="0" u="none" strike="noStrike" dirty="0">
                           <a:solidFill>
                             <a:srgbClr val="000000"/>
                           </a:solidFill>
-                          <a:latin typeface="Calibri"/>
+                          <a:latin typeface="Verdana" panose="020B0604030504040204" pitchFamily="34" charset="0"/>
+                          <a:ea typeface="Verdana" panose="020B0604030504040204" pitchFamily="34" charset="0"/>
+                          <a:cs typeface="Verdana" panose="020B0604030504040204" pitchFamily="34" charset="0"/>
                         </a:rPr>
                         <a:t>1</a:t>
                       </a:r>
@@ -12944,13 +13305,15 @@
                     <a:bodyPr/>
                     <a:lstStyle/>
                     <a:p>
-                      <a:pPr algn="r" fontAlgn="b"/>
-                      <a:r>
-                        <a:rPr lang="en-US" sz="1200" b="0" i="0" u="none" strike="noStrike">
+                      <a:pPr algn="ctr" fontAlgn="b"/>
+                      <a:r>
+                        <a:rPr lang="en-US" sz="1600" b="0" i="0" u="none" strike="noStrike">
                           <a:solidFill>
                             <a:srgbClr val="000000"/>
                           </a:solidFill>
-                          <a:latin typeface="Calibri"/>
+                          <a:latin typeface="Verdana" panose="020B0604030504040204" pitchFamily="34" charset="0"/>
+                          <a:ea typeface="Verdana" panose="020B0604030504040204" pitchFamily="34" charset="0"/>
+                          <a:cs typeface="Verdana" panose="020B0604030504040204" pitchFamily="34" charset="0"/>
                         </a:rPr>
                         <a:t>0</a:t>
                       </a:r>
@@ -13000,13 +13363,15 @@
                     <a:bodyPr/>
                     <a:lstStyle/>
                     <a:p>
-                      <a:pPr algn="r" fontAlgn="b"/>
-                      <a:r>
-                        <a:rPr lang="en-US" sz="1200" b="0" i="0" u="none" strike="noStrike">
+                      <a:pPr algn="ctr" fontAlgn="b"/>
+                      <a:r>
+                        <a:rPr lang="en-US" sz="1600" b="0" i="0" u="none" strike="noStrike">
                           <a:solidFill>
                             <a:srgbClr val="000000"/>
                           </a:solidFill>
-                          <a:latin typeface="Calibri"/>
+                          <a:latin typeface="Verdana" panose="020B0604030504040204" pitchFamily="34" charset="0"/>
+                          <a:ea typeface="Verdana" panose="020B0604030504040204" pitchFamily="34" charset="0"/>
+                          <a:cs typeface="Verdana" panose="020B0604030504040204" pitchFamily="34" charset="0"/>
                         </a:rPr>
                         <a:t>2</a:t>
                       </a:r>
@@ -13056,13 +13421,15 @@
                     <a:bodyPr/>
                     <a:lstStyle/>
                     <a:p>
-                      <a:pPr algn="r" fontAlgn="b"/>
-                      <a:r>
-                        <a:rPr lang="en-US" sz="1200" b="0" i="0" u="none" strike="noStrike">
+                      <a:pPr algn="ctr" fontAlgn="b"/>
+                      <a:r>
+                        <a:rPr lang="en-US" sz="1600" b="0" i="0" u="none" strike="noStrike">
                           <a:solidFill>
                             <a:srgbClr val="000000"/>
                           </a:solidFill>
-                          <a:latin typeface="Calibri"/>
+                          <a:latin typeface="Verdana" panose="020B0604030504040204" pitchFamily="34" charset="0"/>
+                          <a:ea typeface="Verdana" panose="020B0604030504040204" pitchFamily="34" charset="0"/>
+                          <a:cs typeface="Verdana" panose="020B0604030504040204" pitchFamily="34" charset="0"/>
                         </a:rPr>
                         <a:t>0</a:t>
                       </a:r>
@@ -13112,13 +13479,15 @@
                     <a:bodyPr/>
                     <a:lstStyle/>
                     <a:p>
-                      <a:pPr algn="r" fontAlgn="b"/>
-                      <a:r>
-                        <a:rPr lang="en-US" sz="1200" b="0" i="0" u="none" strike="noStrike">
+                      <a:pPr algn="ctr" fontAlgn="b"/>
+                      <a:r>
+                        <a:rPr lang="en-US" sz="1600" b="0" i="0" u="none" strike="noStrike">
                           <a:solidFill>
                             <a:srgbClr val="000000"/>
                           </a:solidFill>
-                          <a:latin typeface="Calibri"/>
+                          <a:latin typeface="Verdana" panose="020B0604030504040204" pitchFamily="34" charset="0"/>
+                          <a:ea typeface="Verdana" panose="020B0604030504040204" pitchFamily="34" charset="0"/>
+                          <a:cs typeface="Verdana" panose="020B0604030504040204" pitchFamily="34" charset="0"/>
                         </a:rPr>
                         <a:t>0</a:t>
                       </a:r>
@@ -13168,13 +13537,15 @@
                     <a:bodyPr/>
                     <a:lstStyle/>
                     <a:p>
-                      <a:pPr algn="r" fontAlgn="b"/>
-                      <a:r>
-                        <a:rPr lang="en-US" sz="1200" b="0" i="0" u="none" strike="noStrike">
+                      <a:pPr algn="ctr" fontAlgn="b"/>
+                      <a:r>
+                        <a:rPr lang="en-US" sz="1600" b="0" i="0" u="none" strike="noStrike">
                           <a:solidFill>
                             <a:srgbClr val="000000"/>
                           </a:solidFill>
-                          <a:latin typeface="Calibri"/>
+                          <a:latin typeface="Verdana" panose="020B0604030504040204" pitchFamily="34" charset="0"/>
+                          <a:ea typeface="Verdana" panose="020B0604030504040204" pitchFamily="34" charset="0"/>
+                          <a:cs typeface="Verdana" panose="020B0604030504040204" pitchFamily="34" charset="0"/>
                         </a:rPr>
                         <a:t>3</a:t>
                       </a:r>
@@ -13224,13 +13595,15 @@
                     <a:bodyPr/>
                     <a:lstStyle/>
                     <a:p>
-                      <a:pPr algn="r" fontAlgn="b"/>
-                      <a:r>
-                        <a:rPr lang="en-US" sz="1200" b="0" i="0" u="none" strike="noStrike">
+                      <a:pPr algn="ctr" fontAlgn="b"/>
+                      <a:r>
+                        <a:rPr lang="en-US" sz="1600" b="1" i="0" u="none" strike="noStrike" dirty="0">
                           <a:solidFill>
-                            <a:srgbClr val="000000"/>
+                            <a:srgbClr val="FF0000"/>
                           </a:solidFill>
-                          <a:latin typeface="Calibri"/>
+                          <a:latin typeface="Verdana" panose="020B0604030504040204" pitchFamily="34" charset="0"/>
+                          <a:ea typeface="Verdana" panose="020B0604030504040204" pitchFamily="34" charset="0"/>
+                          <a:cs typeface="Verdana" panose="020B0604030504040204" pitchFamily="34" charset="0"/>
                         </a:rPr>
                         <a:t>6</a:t>
                       </a:r>
@@ -13282,13 +13655,15 @@
                     <a:bodyPr/>
                     <a:lstStyle/>
                     <a:p>
-                      <a:pPr algn="l" fontAlgn="b"/>
-                      <a:r>
-                        <a:rPr lang="en-US" sz="1200" b="1" i="0" u="none" strike="noStrike">
+                      <a:pPr algn="ctr" fontAlgn="b"/>
+                      <a:r>
+                        <a:rPr lang="en-US" sz="1600" b="1" i="0" u="none" strike="noStrike" dirty="0">
                           <a:solidFill>
                             <a:srgbClr val="000000"/>
                           </a:solidFill>
-                          <a:latin typeface="Calibri"/>
+                          <a:latin typeface="Verdana" panose="020B0604030504040204" pitchFamily="34" charset="0"/>
+                          <a:ea typeface="Verdana" panose="020B0604030504040204" pitchFamily="34" charset="0"/>
+                          <a:cs typeface="Verdana" panose="020B0604030504040204" pitchFamily="34" charset="0"/>
                         </a:rPr>
                         <a:t>BUGS NÃO- CRÍTICOS</a:t>
                       </a:r>
@@ -13341,13 +13716,15 @@
                     <a:bodyPr/>
                     <a:lstStyle/>
                     <a:p>
-                      <a:pPr algn="r" fontAlgn="b"/>
-                      <a:r>
-                        <a:rPr lang="en-US" sz="1200" b="0" i="0" u="none" strike="noStrike">
+                      <a:pPr algn="ctr" fontAlgn="b"/>
+                      <a:r>
+                        <a:rPr lang="en-US" sz="1600" b="0" i="0" u="none" strike="noStrike" dirty="0">
                           <a:solidFill>
                             <a:srgbClr val="000000"/>
                           </a:solidFill>
-                          <a:latin typeface="Calibri"/>
+                          <a:latin typeface="Verdana" panose="020B0604030504040204" pitchFamily="34" charset="0"/>
+                          <a:ea typeface="Verdana" panose="020B0604030504040204" pitchFamily="34" charset="0"/>
+                          <a:cs typeface="Verdana" panose="020B0604030504040204" pitchFamily="34" charset="0"/>
                         </a:rPr>
                         <a:t>1</a:t>
                       </a:r>
@@ -13397,13 +13774,15 @@
                     <a:bodyPr/>
                     <a:lstStyle/>
                     <a:p>
-                      <a:pPr algn="r" fontAlgn="b"/>
-                      <a:r>
-                        <a:rPr lang="en-US" sz="1200" b="0" i="0" u="none" strike="noStrike">
+                      <a:pPr algn="ctr" fontAlgn="b"/>
+                      <a:r>
+                        <a:rPr lang="en-US" sz="1600" b="0" i="0" u="none" strike="noStrike" dirty="0">
                           <a:solidFill>
                             <a:srgbClr val="000000"/>
                           </a:solidFill>
-                          <a:latin typeface="Calibri"/>
+                          <a:latin typeface="Verdana" panose="020B0604030504040204" pitchFamily="34" charset="0"/>
+                          <a:ea typeface="Verdana" panose="020B0604030504040204" pitchFamily="34" charset="0"/>
+                          <a:cs typeface="Verdana" panose="020B0604030504040204" pitchFamily="34" charset="0"/>
                         </a:rPr>
                         <a:t>2</a:t>
                       </a:r>
@@ -13453,13 +13832,15 @@
                     <a:bodyPr/>
                     <a:lstStyle/>
                     <a:p>
-                      <a:pPr algn="r" fontAlgn="b"/>
-                      <a:r>
-                        <a:rPr lang="en-US" sz="1200" b="0" i="0" u="none" strike="noStrike">
+                      <a:pPr algn="ctr" fontAlgn="b"/>
+                      <a:r>
+                        <a:rPr lang="en-US" sz="1600" b="0" i="0" u="none" strike="noStrike">
                           <a:solidFill>
                             <a:srgbClr val="000000"/>
                           </a:solidFill>
-                          <a:latin typeface="Calibri"/>
+                          <a:latin typeface="Verdana" panose="020B0604030504040204" pitchFamily="34" charset="0"/>
+                          <a:ea typeface="Verdana" panose="020B0604030504040204" pitchFamily="34" charset="0"/>
+                          <a:cs typeface="Verdana" panose="020B0604030504040204" pitchFamily="34" charset="0"/>
                         </a:rPr>
                         <a:t>1</a:t>
                       </a:r>
@@ -13509,13 +13890,15 @@
                     <a:bodyPr/>
                     <a:lstStyle/>
                     <a:p>
-                      <a:pPr algn="r" fontAlgn="b"/>
-                      <a:r>
-                        <a:rPr lang="en-US" sz="1200" b="0" i="0" u="none" strike="noStrike">
+                      <a:pPr algn="ctr" fontAlgn="b"/>
+                      <a:r>
+                        <a:rPr lang="en-US" sz="1600" b="0" i="0" u="none" strike="noStrike">
                           <a:solidFill>
                             <a:srgbClr val="000000"/>
                           </a:solidFill>
-                          <a:latin typeface="Calibri"/>
+                          <a:latin typeface="Verdana" panose="020B0604030504040204" pitchFamily="34" charset="0"/>
+                          <a:ea typeface="Verdana" panose="020B0604030504040204" pitchFamily="34" charset="0"/>
+                          <a:cs typeface="Verdana" panose="020B0604030504040204" pitchFamily="34" charset="0"/>
                         </a:rPr>
                         <a:t>0</a:t>
                       </a:r>
@@ -13565,13 +13948,15 @@
                     <a:bodyPr/>
                     <a:lstStyle/>
                     <a:p>
-                      <a:pPr algn="r" fontAlgn="b"/>
-                      <a:r>
-                        <a:rPr lang="en-US" sz="1200" b="0" i="0" u="none" strike="noStrike">
+                      <a:pPr algn="ctr" fontAlgn="b"/>
+                      <a:r>
+                        <a:rPr lang="en-US" sz="1600" b="0" i="0" u="none" strike="noStrike">
                           <a:solidFill>
                             <a:srgbClr val="000000"/>
                           </a:solidFill>
-                          <a:latin typeface="Calibri"/>
+                          <a:latin typeface="Verdana" panose="020B0604030504040204" pitchFamily="34" charset="0"/>
+                          <a:ea typeface="Verdana" panose="020B0604030504040204" pitchFamily="34" charset="0"/>
+                          <a:cs typeface="Verdana" panose="020B0604030504040204" pitchFamily="34" charset="0"/>
                         </a:rPr>
                         <a:t>1</a:t>
                       </a:r>
@@ -13621,13 +14006,15 @@
                     <a:bodyPr/>
                     <a:lstStyle/>
                     <a:p>
-                      <a:pPr algn="r" fontAlgn="b"/>
-                      <a:r>
-                        <a:rPr lang="en-US" sz="1200" b="0" i="0" u="none" strike="noStrike">
+                      <a:pPr algn="ctr" fontAlgn="b"/>
+                      <a:r>
+                        <a:rPr lang="en-US" sz="1600" b="0" i="0" u="none" strike="noStrike">
                           <a:solidFill>
                             <a:srgbClr val="000000"/>
                           </a:solidFill>
-                          <a:latin typeface="Calibri"/>
+                          <a:latin typeface="Verdana" panose="020B0604030504040204" pitchFamily="34" charset="0"/>
+                          <a:ea typeface="Verdana" panose="020B0604030504040204" pitchFamily="34" charset="0"/>
+                          <a:cs typeface="Verdana" panose="020B0604030504040204" pitchFamily="34" charset="0"/>
                         </a:rPr>
                         <a:t>2</a:t>
                       </a:r>
@@ -13677,13 +14064,15 @@
                     <a:bodyPr/>
                     <a:lstStyle/>
                     <a:p>
-                      <a:pPr algn="r" fontAlgn="b"/>
-                      <a:r>
-                        <a:rPr lang="en-US" sz="1200" b="0" i="0" u="none" strike="noStrike">
+                      <a:pPr algn="ctr" fontAlgn="b"/>
+                      <a:r>
+                        <a:rPr lang="en-US" sz="1600" b="1" i="0" u="none" strike="noStrike" dirty="0">
                           <a:solidFill>
-                            <a:srgbClr val="000000"/>
+                            <a:srgbClr val="FF0000"/>
                           </a:solidFill>
-                          <a:latin typeface="Calibri"/>
+                          <a:latin typeface="Verdana" panose="020B0604030504040204" pitchFamily="34" charset="0"/>
+                          <a:ea typeface="Verdana" panose="020B0604030504040204" pitchFamily="34" charset="0"/>
+                          <a:cs typeface="Verdana" panose="020B0604030504040204" pitchFamily="34" charset="0"/>
                         </a:rPr>
                         <a:t>7</a:t>
                       </a:r>
@@ -13735,13 +14124,15 @@
                     <a:bodyPr/>
                     <a:lstStyle/>
                     <a:p>
-                      <a:pPr algn="l" fontAlgn="b"/>
-                      <a:r>
-                        <a:rPr lang="en-US" sz="1200" b="1" i="0" u="none" strike="noStrike">
+                      <a:pPr algn="ctr" fontAlgn="b"/>
+                      <a:r>
+                        <a:rPr lang="en-US" sz="1600" b="1" i="0" u="none" strike="noStrike">
                           <a:solidFill>
                             <a:srgbClr val="000000"/>
                           </a:solidFill>
-                          <a:latin typeface="Calibri"/>
+                          <a:latin typeface="Verdana" panose="020B0604030504040204" pitchFamily="34" charset="0"/>
+                          <a:ea typeface="Verdana" panose="020B0604030504040204" pitchFamily="34" charset="0"/>
+                          <a:cs typeface="Verdana" panose="020B0604030504040204" pitchFamily="34" charset="0"/>
                         </a:rPr>
                         <a:t>RH</a:t>
                       </a:r>
@@ -13794,13 +14185,15 @@
                     <a:bodyPr/>
                     <a:lstStyle/>
                     <a:p>
-                      <a:pPr algn="r" fontAlgn="b"/>
-                      <a:r>
-                        <a:rPr lang="en-US" sz="1200" b="0" i="0" u="none" strike="noStrike">
+                      <a:pPr algn="ctr" fontAlgn="b"/>
+                      <a:r>
+                        <a:rPr lang="en-US" sz="1600" b="0" i="0" u="none" strike="noStrike">
                           <a:solidFill>
                             <a:srgbClr val="000000"/>
                           </a:solidFill>
-                          <a:latin typeface="Calibri"/>
+                          <a:latin typeface="Verdana" panose="020B0604030504040204" pitchFamily="34" charset="0"/>
+                          <a:ea typeface="Verdana" panose="020B0604030504040204" pitchFamily="34" charset="0"/>
+                          <a:cs typeface="Verdana" panose="020B0604030504040204" pitchFamily="34" charset="0"/>
                         </a:rPr>
                         <a:t>100%</a:t>
                       </a:r>
@@ -13850,13 +14243,15 @@
                     <a:bodyPr/>
                     <a:lstStyle/>
                     <a:p>
-                      <a:pPr algn="r" fontAlgn="b"/>
-                      <a:r>
-                        <a:rPr lang="en-US" sz="1200" b="0" i="0" u="none" strike="noStrike">
+                      <a:pPr algn="ctr" fontAlgn="b"/>
+                      <a:r>
+                        <a:rPr lang="en-US" sz="1600" b="0" i="0" u="none" strike="noStrike" dirty="0">
                           <a:solidFill>
                             <a:srgbClr val="000000"/>
                           </a:solidFill>
-                          <a:latin typeface="Calibri"/>
+                          <a:latin typeface="Verdana" panose="020B0604030504040204" pitchFamily="34" charset="0"/>
+                          <a:ea typeface="Verdana" panose="020B0604030504040204" pitchFamily="34" charset="0"/>
+                          <a:cs typeface="Verdana" panose="020B0604030504040204" pitchFamily="34" charset="0"/>
                         </a:rPr>
                         <a:t>95%</a:t>
                       </a:r>
@@ -13906,13 +14301,15 @@
                     <a:bodyPr/>
                     <a:lstStyle/>
                     <a:p>
-                      <a:pPr algn="r" fontAlgn="b"/>
-                      <a:r>
-                        <a:rPr lang="en-US" sz="1200" b="0" i="0" u="none" strike="noStrike">
+                      <a:pPr algn="ctr" fontAlgn="b"/>
+                      <a:r>
+                        <a:rPr lang="en-US" sz="1600" b="0" i="0" u="none" strike="noStrike" dirty="0">
                           <a:solidFill>
                             <a:srgbClr val="000000"/>
                           </a:solidFill>
-                          <a:latin typeface="Calibri"/>
+                          <a:latin typeface="Verdana" panose="020B0604030504040204" pitchFamily="34" charset="0"/>
+                          <a:ea typeface="Verdana" panose="020B0604030504040204" pitchFamily="34" charset="0"/>
+                          <a:cs typeface="Verdana" panose="020B0604030504040204" pitchFamily="34" charset="0"/>
                         </a:rPr>
                         <a:t>98%</a:t>
                       </a:r>
@@ -13962,13 +14359,15 @@
                     <a:bodyPr/>
                     <a:lstStyle/>
                     <a:p>
-                      <a:pPr algn="r" fontAlgn="b"/>
-                      <a:r>
-                        <a:rPr lang="en-US" sz="1200" b="0" i="0" u="none" strike="noStrike">
+                      <a:pPr algn="ctr" fontAlgn="b"/>
+                      <a:r>
+                        <a:rPr lang="en-US" sz="1600" b="0" i="0" u="none" strike="noStrike" dirty="0">
                           <a:solidFill>
                             <a:srgbClr val="000000"/>
                           </a:solidFill>
-                          <a:latin typeface="Calibri"/>
+                          <a:latin typeface="Verdana" panose="020B0604030504040204" pitchFamily="34" charset="0"/>
+                          <a:ea typeface="Verdana" panose="020B0604030504040204" pitchFamily="34" charset="0"/>
+                          <a:cs typeface="Verdana" panose="020B0604030504040204" pitchFamily="34" charset="0"/>
                         </a:rPr>
                         <a:t>93%</a:t>
                       </a:r>
@@ -14018,13 +14417,15 @@
                     <a:bodyPr/>
                     <a:lstStyle/>
                     <a:p>
-                      <a:pPr algn="r" fontAlgn="b"/>
-                      <a:r>
-                        <a:rPr lang="en-US" sz="1200" b="0" i="0" u="none" strike="noStrike">
+                      <a:pPr algn="ctr" fontAlgn="b"/>
+                      <a:r>
+                        <a:rPr lang="en-US" sz="1600" b="0" i="0" u="none" strike="noStrike" dirty="0">
                           <a:solidFill>
                             <a:srgbClr val="000000"/>
                           </a:solidFill>
-                          <a:latin typeface="Calibri"/>
+                          <a:latin typeface="Verdana" panose="020B0604030504040204" pitchFamily="34" charset="0"/>
+                          <a:ea typeface="Verdana" panose="020B0604030504040204" pitchFamily="34" charset="0"/>
+                          <a:cs typeface="Verdana" panose="020B0604030504040204" pitchFamily="34" charset="0"/>
                         </a:rPr>
                         <a:t>85%</a:t>
                       </a:r>
@@ -14074,13 +14475,15 @@
                     <a:bodyPr/>
                     <a:lstStyle/>
                     <a:p>
-                      <a:pPr algn="r" fontAlgn="b"/>
-                      <a:r>
-                        <a:rPr lang="en-US" sz="1200" b="0" i="0" u="none" strike="noStrike">
+                      <a:pPr algn="ctr" fontAlgn="b"/>
+                      <a:r>
+                        <a:rPr lang="en-US" sz="1600" b="0" i="0" u="none" strike="noStrike" dirty="0">
                           <a:solidFill>
                             <a:srgbClr val="000000"/>
                           </a:solidFill>
-                          <a:latin typeface="Calibri"/>
+                          <a:latin typeface="Verdana" panose="020B0604030504040204" pitchFamily="34" charset="0"/>
+                          <a:ea typeface="Verdana" panose="020B0604030504040204" pitchFamily="34" charset="0"/>
+                          <a:cs typeface="Verdana" panose="020B0604030504040204" pitchFamily="34" charset="0"/>
                         </a:rPr>
                         <a:t>99%</a:t>
                       </a:r>
@@ -14130,13 +14533,15 @@
                     <a:bodyPr/>
                     <a:lstStyle/>
                     <a:p>
-                      <a:pPr algn="r" fontAlgn="b"/>
-                      <a:r>
-                        <a:rPr lang="en-US" sz="1200" b="0" i="0" u="none" strike="noStrike" dirty="0">
+                      <a:pPr algn="ctr" fontAlgn="b"/>
+                      <a:r>
+                        <a:rPr lang="en-US" sz="1600" b="1" i="0" u="none" strike="noStrike" dirty="0">
                           <a:solidFill>
-                            <a:srgbClr val="000000"/>
+                            <a:srgbClr val="FF0000"/>
                           </a:solidFill>
-                          <a:latin typeface="Calibri"/>
+                          <a:latin typeface="Verdana" panose="020B0604030504040204" pitchFamily="34" charset="0"/>
+                          <a:ea typeface="Verdana" panose="020B0604030504040204" pitchFamily="34" charset="0"/>
+                          <a:cs typeface="Verdana" panose="020B0604030504040204" pitchFamily="34" charset="0"/>
                         </a:rPr>
                         <a:t>97%</a:t>
                       </a:r>
@@ -14187,6 +14592,72 @@
         </a:graphic>
       </p:graphicFrame>
     </p:spTree>
+  </p:cSld>
+  <p:clrMapOvr>
+    <a:masterClrMapping/>
+  </p:clrMapOvr>
+</p:sld>
+</file>
+
+<file path=ppt/slides/slide24.xml><?xml version="1.0" encoding="utf-8"?>
+<p:sld xmlns:a="http://schemas.openxmlformats.org/drawingml/2006/main" xmlns:r="http://schemas.openxmlformats.org/officeDocument/2006/relationships" xmlns:p="http://schemas.openxmlformats.org/presentationml/2006/main">
+  <p:cSld>
+    <p:spTree>
+      <p:nvGrpSpPr>
+        <p:cNvPr id="1" name=""/>
+        <p:cNvGrpSpPr/>
+        <p:nvPr/>
+      </p:nvGrpSpPr>
+      <p:grpSpPr>
+        <a:xfrm>
+          <a:off x="0" y="0"/>
+          <a:ext cx="0" cy="0"/>
+          <a:chOff x="0" y="0"/>
+          <a:chExt cx="0" cy="0"/>
+        </a:xfrm>
+      </p:grpSpPr>
+      <p:sp>
+        <p:nvSpPr>
+          <p:cNvPr id="4" name="Retângulo 3"/>
+          <p:cNvSpPr/>
+          <p:nvPr/>
+        </p:nvSpPr>
+        <p:spPr>
+          <a:xfrm>
+            <a:off x="2286000" y="2780928"/>
+            <a:ext cx="5382344" cy="923330"/>
+          </a:xfrm>
+          <a:prstGeom prst="rect">
+            <a:avLst/>
+          </a:prstGeom>
+        </p:spPr>
+        <p:txBody>
+          <a:bodyPr wrap="square">
+            <a:spAutoFit/>
+          </a:bodyPr>
+          <a:lstStyle/>
+          <a:p>
+            <a:r>
+              <a:rPr lang="pt-BR" sz="5400" b="1" dirty="0" smtClean="0">
+                <a:latin typeface="Verdana" panose="020B0604030504040204" pitchFamily="34" charset="0"/>
+                <a:ea typeface="Verdana" panose="020B0604030504040204" pitchFamily="34" charset="0"/>
+                <a:cs typeface="Verdana" panose="020B0604030504040204" pitchFamily="34" charset="0"/>
+              </a:rPr>
+              <a:t>OBRIGADO!</a:t>
+            </a:r>
+            <a:r>
+              <a:rPr lang="pt-BR" dirty="0"/>
+              <a:t>	</a:t>
+            </a:r>
+          </a:p>
+        </p:txBody>
+      </p:sp>
+    </p:spTree>
+    <p:extLst>
+      <p:ext uri="{BB962C8B-B14F-4D97-AF65-F5344CB8AC3E}">
+        <p14:creationId xmlns:p14="http://schemas.microsoft.com/office/powerpoint/2010/main" val="1118170736"/>
+      </p:ext>
+    </p:extLst>
   </p:cSld>
   <p:clrMapOvr>
     <a:masterClrMapping/>
@@ -14278,7 +14749,7 @@
     </p:spTree>
     <p:extLst>
       <p:ext uri="{BB962C8B-B14F-4D97-AF65-F5344CB8AC3E}">
-        <p14:creationId xmlns:p14="http://schemas.microsoft.com/office/powerpoint/2010/main" xmlns="" val="1673295198"/>
+        <p14:creationId xmlns:p14="http://schemas.microsoft.com/office/powerpoint/2010/main" val="1673295198"/>
       </p:ext>
     </p:extLst>
   </p:cSld>
@@ -14586,7 +15057,7 @@
     </p:spTree>
     <p:extLst>
       <p:ext uri="{BB962C8B-B14F-4D97-AF65-F5344CB8AC3E}">
-        <p14:creationId xmlns:p14="http://schemas.microsoft.com/office/powerpoint/2010/main" xmlns="" val="660323680"/>
+        <p14:creationId xmlns:p14="http://schemas.microsoft.com/office/powerpoint/2010/main" val="660323680"/>
       </p:ext>
     </p:extLst>
   </p:cSld>
@@ -14836,7 +15307,15 @@
           <a:p>
             <a:r>
               <a:rPr lang="pt-BR" sz="2000" dirty="0" smtClean="0"/>
-              <a:t>O método de desenvolvimento do projeto NR Avaliações Psicológicas é iterativo, e os testes devem ser realizados dentro destas interações.</a:t>
+              <a:t>O método de desenvolvimento do projeto NR Avaliações Psicológicas é iterativo, e os testes devem ser realizados dentro destas </a:t>
+            </a:r>
+            <a:r>
+              <a:rPr lang="pt-BR" sz="2000" dirty="0" smtClean="0"/>
+              <a:t>iterações</a:t>
+            </a:r>
+            <a:r>
+              <a:rPr lang="pt-BR" sz="2000" dirty="0" smtClean="0"/>
+              <a:t>.</a:t>
             </a:r>
           </a:p>
           <a:p>
@@ -14858,7 +15337,7 @@
     </p:spTree>
     <p:extLst>
       <p:ext uri="{BB962C8B-B14F-4D97-AF65-F5344CB8AC3E}">
-        <p14:creationId xmlns:p14="http://schemas.microsoft.com/office/powerpoint/2010/main" xmlns="" val="3037708794"/>
+        <p14:creationId xmlns:p14="http://schemas.microsoft.com/office/powerpoint/2010/main" val="3037708794"/>
       </p:ext>
     </p:extLst>
   </p:cSld>
@@ -15004,7 +15483,7 @@
     </p:spTree>
     <p:extLst>
       <p:ext uri="{BB962C8B-B14F-4D97-AF65-F5344CB8AC3E}">
-        <p14:creationId xmlns:p14="http://schemas.microsoft.com/office/powerpoint/2010/main" xmlns="" val="1412825067"/>
+        <p14:creationId xmlns:p14="http://schemas.microsoft.com/office/powerpoint/2010/main" val="1412825067"/>
       </p:ext>
     </p:extLst>
   </p:cSld>
@@ -15671,7 +16150,7 @@
     </p:spTree>
     <p:extLst>
       <p:ext uri="{BB962C8B-B14F-4D97-AF65-F5344CB8AC3E}">
-        <p14:creationId xmlns:p14="http://schemas.microsoft.com/office/powerpoint/2010/main" xmlns="" val="4019947591"/>
+        <p14:creationId xmlns:p14="http://schemas.microsoft.com/office/powerpoint/2010/main" val="4019947591"/>
       </p:ext>
     </p:extLst>
   </p:cSld>
@@ -15789,8 +16268,9 @@
             <a:pPr lvl="2"/>
             <a:r>
               <a:rPr lang="pt-BR" sz="2000" dirty="0" smtClean="0"/>
-              <a:t>Não Funcionais</a:t>
-            </a:r>
+              <a:t>Não-Funcionais</a:t>
+            </a:r>
+            <a:endParaRPr lang="pt-BR" sz="2000" dirty="0" smtClean="0"/>
           </a:p>
           <a:p>
             <a:pPr lvl="2"/>
@@ -15808,7 +16288,7 @@
     </p:spTree>
     <p:extLst>
       <p:ext uri="{BB962C8B-B14F-4D97-AF65-F5344CB8AC3E}">
-        <p14:creationId xmlns:p14="http://schemas.microsoft.com/office/powerpoint/2010/main" xmlns="" val="394801760"/>
+        <p14:creationId xmlns:p14="http://schemas.microsoft.com/office/powerpoint/2010/main" val="394801760"/>
       </p:ext>
     </p:extLst>
   </p:cSld>
@@ -15881,12 +16361,16 @@
             <a:graphicFrameLocks noGrp="1"/>
           </p:cNvGraphicFramePr>
           <p:nvPr>
-            <p:extLst/>
+            <p:extLst>
+              <p:ext uri="{D42A27DB-BD31-4B8C-83A1-F6EECF244321}">
+                <p14:modId xmlns:p14="http://schemas.microsoft.com/office/powerpoint/2010/main" val="3073572687"/>
+              </p:ext>
+            </p:extLst>
           </p:nvPr>
         </p:nvGraphicFramePr>
         <p:xfrm>
           <a:off x="821234" y="1933921"/>
-          <a:ext cx="7488832" cy="3715352"/>
+          <a:ext cx="7488832" cy="3731227"/>
         </p:xfrm>
         <a:graphic>
           <a:graphicData uri="http://schemas.openxmlformats.org/drawingml/2006/table">
@@ -16646,16 +17130,16 @@
                         </a:spcAft>
                       </a:pPr>
                       <a:r>
-                        <a:rPr lang="pt-BR" sz="1800" dirty="0" smtClean="0">
-                          <a:effectLst/>
-                        </a:rPr>
-                        <a:t>Ao</a:t>
-                      </a:r>
-                      <a:r>
                         <a:rPr lang="pt-BR" sz="1800" baseline="0" dirty="0" smtClean="0">
                           <a:effectLst/>
                         </a:rPr>
-                        <a:t> menos 50% de cobertura de código por iteração</a:t>
+                        <a:t>50</a:t>
+                      </a:r>
+                      <a:r>
+                        <a:rPr lang="pt-BR" sz="1800" baseline="0" dirty="0" smtClean="0">
+                          <a:effectLst/>
+                        </a:rPr>
+                        <a:t>% de cobertura de código por iteração</a:t>
                       </a:r>
                       <a:endParaRPr lang="pt-BR" sz="1800" dirty="0">
                         <a:solidFill>
@@ -16759,7 +17243,7 @@
     </p:spTree>
     <p:extLst>
       <p:ext uri="{BB962C8B-B14F-4D97-AF65-F5344CB8AC3E}">
-        <p14:creationId xmlns:p14="http://schemas.microsoft.com/office/powerpoint/2010/main" xmlns="" val="3567939113"/>
+        <p14:creationId xmlns:p14="http://schemas.microsoft.com/office/powerpoint/2010/main" val="3567939113"/>
       </p:ext>
     </p:extLst>
   </p:cSld>
@@ -17081,7 +17565,7 @@
   <a:extraClrSchemeLst/>
   <a:extLst>
     <a:ext uri="{05A4C25C-085E-4340-85A3-A5531E510DB2}">
-      <thm15:themeFamily xmlns:thm15="http://schemas.microsoft.com/office/thememl/2012/main" xmlns="" name="Impacta" id="{9DEE3D4C-7075-4EED-BE25-71DD8C403211}" vid="{301E77B6-CD37-4EBE-AE48-640047432F64}"/>
+      <thm15:themeFamily xmlns="" xmlns:thm15="http://schemas.microsoft.com/office/thememl/2012/main" name="Impacta" id="{9DEE3D4C-7075-4EED-BE25-71DD8C403211}" vid="{301E77B6-CD37-4EBE-AE48-640047432F64}"/>
     </a:ext>
   </a:extLst>
 </a:theme>

--- a/Qualidade de Produto de SW/Qualidade de produto de SW - TRABALHO.pptx
+++ b/Qualidade de Produto de SW/Qualidade de produto de SW - TRABALHO.pptx
@@ -37,23 +37,23 @@
   <p:notesSz cx="7315200" cy="9601200"/>
   <p:embeddedFontLst>
     <p:embeddedFont>
-      <p:font typeface="Tahoma" panose="020B0604030504040204" pitchFamily="34" charset="0"/>
+      <p:font typeface="Verdana" pitchFamily="34" charset="0"/>
       <p:regular r:id="rId27"/>
       <p:bold r:id="rId28"/>
+      <p:italic r:id="rId29"/>
+      <p:boldItalic r:id="rId30"/>
     </p:embeddedFont>
     <p:embeddedFont>
-      <p:font typeface="Verdana" panose="020B0604030504040204" pitchFamily="34" charset="0"/>
-      <p:regular r:id="rId29"/>
-      <p:bold r:id="rId30"/>
-      <p:italic r:id="rId31"/>
-      <p:boldItalic r:id="rId32"/>
+      <p:font typeface="Calibri" pitchFamily="34" charset="0"/>
+      <p:regular r:id="rId31"/>
+      <p:bold r:id="rId32"/>
+      <p:italic r:id="rId33"/>
+      <p:boldItalic r:id="rId34"/>
     </p:embeddedFont>
     <p:embeddedFont>
-      <p:font typeface="Calibri" panose="020F0502020204030204" pitchFamily="34" charset="0"/>
-      <p:regular r:id="rId33"/>
-      <p:bold r:id="rId34"/>
-      <p:italic r:id="rId35"/>
-      <p:boldItalic r:id="rId36"/>
+      <p:font typeface="Tahoma" pitchFamily="34" charset="0"/>
+      <p:regular r:id="rId35"/>
+      <p:bold r:id="rId36"/>
     </p:embeddedFont>
   </p:embeddedFontLst>
   <p:defaultTextStyle>
@@ -260,7 +260,7 @@
   </p:defaultTextStyle>
   <p:extLst>
     <p:ext uri="{EFAFB233-063F-42B5-8137-9DF3F51BA10A}">
-      <p15:sldGuideLst xmlns="" xmlns:p15="http://schemas.microsoft.com/office/powerpoint/2012/main">
+      <p15:sldGuideLst xmlns:p15="http://schemas.microsoft.com/office/powerpoint/2012/main" xmlns="">
         <p15:guide id="1" orient="horz" pos="2160">
           <p15:clr>
             <a:srgbClr val="A4A3A4"/>
@@ -1201,7 +1201,7 @@
     </p:spTree>
     <p:extLst>
       <p:ext uri="{BB962C8B-B14F-4D97-AF65-F5344CB8AC3E}">
-        <p14:creationId xmlns:p14="http://schemas.microsoft.com/office/powerpoint/2010/main" val="1559816394"/>
+        <p14:creationId xmlns:p14="http://schemas.microsoft.com/office/powerpoint/2010/main" xmlns="" val="1559816394"/>
       </p:ext>
     </p:extLst>
   </p:cSld>
@@ -1397,7 +1397,7 @@
     </p:spTree>
     <p:extLst>
       <p:ext uri="{BB962C8B-B14F-4D97-AF65-F5344CB8AC3E}">
-        <p14:creationId xmlns:p14="http://schemas.microsoft.com/office/powerpoint/2010/main" val="4222154634"/>
+        <p14:creationId xmlns:p14="http://schemas.microsoft.com/office/powerpoint/2010/main" xmlns="" val="4222154634"/>
       </p:ext>
     </p:extLst>
   </p:cSld>
@@ -1513,7 +1513,7 @@
     </p:spTree>
     <p:extLst>
       <p:ext uri="{BB962C8B-B14F-4D97-AF65-F5344CB8AC3E}">
-        <p14:creationId xmlns:p14="http://schemas.microsoft.com/office/powerpoint/2010/main" val="1279608820"/>
+        <p14:creationId xmlns:p14="http://schemas.microsoft.com/office/powerpoint/2010/main" xmlns="" val="1279608820"/>
       </p:ext>
     </p:extLst>
   </p:cSld>
@@ -1746,7 +1746,7 @@
     </p:spTree>
     <p:extLst>
       <p:ext uri="{BB962C8B-B14F-4D97-AF65-F5344CB8AC3E}">
-        <p14:creationId xmlns:p14="http://schemas.microsoft.com/office/powerpoint/2010/main" val="2478786571"/>
+        <p14:creationId xmlns:p14="http://schemas.microsoft.com/office/powerpoint/2010/main" xmlns="" val="2478786571"/>
       </p:ext>
     </p:extLst>
   </p:cSld>
@@ -2040,7 +2040,7 @@
     </p:spTree>
     <p:extLst>
       <p:ext uri="{BB962C8B-B14F-4D97-AF65-F5344CB8AC3E}">
-        <p14:creationId xmlns:p14="http://schemas.microsoft.com/office/powerpoint/2010/main" val="2328964540"/>
+        <p14:creationId xmlns:p14="http://schemas.microsoft.com/office/powerpoint/2010/main" xmlns="" val="2328964540"/>
       </p:ext>
     </p:extLst>
   </p:cSld>
@@ -2413,7 +2413,7 @@
     </p:spTree>
     <p:extLst>
       <p:ext uri="{BB962C8B-B14F-4D97-AF65-F5344CB8AC3E}">
-        <p14:creationId xmlns:p14="http://schemas.microsoft.com/office/powerpoint/2010/main" val="3375524679"/>
+        <p14:creationId xmlns:p14="http://schemas.microsoft.com/office/powerpoint/2010/main" xmlns="" val="3375524679"/>
       </p:ext>
     </p:extLst>
   </p:cSld>
@@ -2443,7 +2443,7 @@
     </p:spTree>
     <p:extLst>
       <p:ext uri="{BB962C8B-B14F-4D97-AF65-F5344CB8AC3E}">
-        <p14:creationId xmlns:p14="http://schemas.microsoft.com/office/powerpoint/2010/main" val="772820594"/>
+        <p14:creationId xmlns:p14="http://schemas.microsoft.com/office/powerpoint/2010/main" xmlns="" val="772820594"/>
       </p:ext>
     </p:extLst>
   </p:cSld>
@@ -2605,7 +2605,7 @@
     </p:spTree>
     <p:extLst>
       <p:ext uri="{BB962C8B-B14F-4D97-AF65-F5344CB8AC3E}">
-        <p14:creationId xmlns:p14="http://schemas.microsoft.com/office/powerpoint/2010/main" val="2806790013"/>
+        <p14:creationId xmlns:p14="http://schemas.microsoft.com/office/powerpoint/2010/main" xmlns="" val="2806790013"/>
       </p:ext>
     </p:extLst>
   </p:cSld>
@@ -2746,7 +2746,7 @@
     </p:spTree>
     <p:extLst>
       <p:ext uri="{BB962C8B-B14F-4D97-AF65-F5344CB8AC3E}">
-        <p14:creationId xmlns:p14="http://schemas.microsoft.com/office/powerpoint/2010/main" val="1674071280"/>
+        <p14:creationId xmlns:p14="http://schemas.microsoft.com/office/powerpoint/2010/main" xmlns="" val="1674071280"/>
       </p:ext>
     </p:extLst>
   </p:cSld>
@@ -2929,7 +2929,7 @@
     </p:spTree>
     <p:extLst>
       <p:ext uri="{BB962C8B-B14F-4D97-AF65-F5344CB8AC3E}">
-        <p14:creationId xmlns:p14="http://schemas.microsoft.com/office/powerpoint/2010/main" val="3915180986"/>
+        <p14:creationId xmlns:p14="http://schemas.microsoft.com/office/powerpoint/2010/main" xmlns="" val="3915180986"/>
       </p:ext>
     </p:extLst>
   </p:cSld>
@@ -2994,7 +2994,7 @@
     </p:spTree>
     <p:extLst>
       <p:ext uri="{BB962C8B-B14F-4D97-AF65-F5344CB8AC3E}">
-        <p14:creationId xmlns:p14="http://schemas.microsoft.com/office/powerpoint/2010/main" val="3402029070"/>
+        <p14:creationId xmlns:p14="http://schemas.microsoft.com/office/powerpoint/2010/main" xmlns="" val="3402029070"/>
       </p:ext>
     </p:extLst>
   </p:cSld>
@@ -3072,7 +3072,7 @@
     </p:spTree>
     <p:extLst>
       <p:ext uri="{BB962C8B-B14F-4D97-AF65-F5344CB8AC3E}">
-        <p14:creationId xmlns:p14="http://schemas.microsoft.com/office/powerpoint/2010/main" val="721522243"/>
+        <p14:creationId xmlns:p14="http://schemas.microsoft.com/office/powerpoint/2010/main" xmlns="" val="721522243"/>
       </p:ext>
     </p:extLst>
   </p:cSld>
@@ -3204,7 +3204,7 @@
     </p:spTree>
     <p:extLst>
       <p:ext uri="{BB962C8B-B14F-4D97-AF65-F5344CB8AC3E}">
-        <p14:creationId xmlns:p14="http://schemas.microsoft.com/office/powerpoint/2010/main" val="656146748"/>
+        <p14:creationId xmlns:p14="http://schemas.microsoft.com/office/powerpoint/2010/main" xmlns="" val="656146748"/>
       </p:ext>
     </p:extLst>
   </p:cSld>
@@ -4815,7 +4815,7 @@
     </p:spTree>
     <p:extLst>
       <p:ext uri="{BB962C8B-B14F-4D97-AF65-F5344CB8AC3E}">
-        <p14:creationId xmlns:p14="http://schemas.microsoft.com/office/powerpoint/2010/main" val="3488319752"/>
+        <p14:creationId xmlns:p14="http://schemas.microsoft.com/office/powerpoint/2010/main" xmlns="" val="3488319752"/>
       </p:ext>
     </p:extLst>
   </p:cSld>
@@ -5784,7 +5784,7 @@
     </p:spTree>
     <p:extLst>
       <p:ext uri="{BB962C8B-B14F-4D97-AF65-F5344CB8AC3E}">
-        <p14:creationId xmlns:p14="http://schemas.microsoft.com/office/powerpoint/2010/main" val="1068463166"/>
+        <p14:creationId xmlns:p14="http://schemas.microsoft.com/office/powerpoint/2010/main" xmlns="" val="1068463166"/>
       </p:ext>
     </p:extLst>
   </p:cSld>
@@ -6582,7 +6582,7 @@
     </p:spTree>
     <p:extLst>
       <p:ext uri="{BB962C8B-B14F-4D97-AF65-F5344CB8AC3E}">
-        <p14:creationId xmlns:p14="http://schemas.microsoft.com/office/powerpoint/2010/main" val="2224284626"/>
+        <p14:creationId xmlns:p14="http://schemas.microsoft.com/office/powerpoint/2010/main" xmlns="" val="2224284626"/>
       </p:ext>
     </p:extLst>
   </p:cSld>
@@ -7610,7 +7610,7 @@
     </p:spTree>
     <p:extLst>
       <p:ext uri="{BB962C8B-B14F-4D97-AF65-F5344CB8AC3E}">
-        <p14:creationId xmlns:p14="http://schemas.microsoft.com/office/powerpoint/2010/main" val="2350085748"/>
+        <p14:creationId xmlns:p14="http://schemas.microsoft.com/office/powerpoint/2010/main" xmlns="" val="2350085748"/>
       </p:ext>
     </p:extLst>
   </p:cSld>
@@ -7895,7 +7895,7 @@
     </p:spTree>
     <p:extLst>
       <p:ext uri="{BB962C8B-B14F-4D97-AF65-F5344CB8AC3E}">
-        <p14:creationId xmlns:p14="http://schemas.microsoft.com/office/powerpoint/2010/main" val="2672163100"/>
+        <p14:creationId xmlns:p14="http://schemas.microsoft.com/office/powerpoint/2010/main" xmlns="" val="2672163100"/>
       </p:ext>
     </p:extLst>
   </p:cSld>
@@ -7969,15 +7969,7 @@
           <a:p>
             <a:r>
               <a:rPr lang="pt-BR" dirty="0" smtClean="0"/>
-              <a:t>Automação </a:t>
-            </a:r>
-            <a:r>
-              <a:rPr lang="pt-BR" dirty="0" smtClean="0"/>
-              <a:t>e execução de </a:t>
-            </a:r>
-            <a:r>
-              <a:rPr lang="pt-BR" dirty="0" smtClean="0"/>
-              <a:t>testes</a:t>
+              <a:t>Automação e execução de testes</a:t>
             </a:r>
           </a:p>
           <a:p>
@@ -8074,7 +8066,7 @@
     </p:spTree>
     <p:extLst>
       <p:ext uri="{BB962C8B-B14F-4D97-AF65-F5344CB8AC3E}">
-        <p14:creationId xmlns:p14="http://schemas.microsoft.com/office/powerpoint/2010/main" val="125991297"/>
+        <p14:creationId xmlns:p14="http://schemas.microsoft.com/office/powerpoint/2010/main" xmlns="" val="125991297"/>
       </p:ext>
     </p:extLst>
   </p:cSld>
@@ -9259,7 +9251,7 @@
     </p:spTree>
     <p:extLst>
       <p:ext uri="{BB962C8B-B14F-4D97-AF65-F5344CB8AC3E}">
-        <p14:creationId xmlns:p14="http://schemas.microsoft.com/office/powerpoint/2010/main" val="3472621727"/>
+        <p14:creationId xmlns:p14="http://schemas.microsoft.com/office/powerpoint/2010/main" xmlns="" val="3472621727"/>
       </p:ext>
     </p:extLst>
   </p:cSld>
@@ -10442,14 +10434,14 @@
           <a:effectLst/>
           <a:extLst>
             <a:ext uri="{909E8E84-426E-40DD-AFC4-6F175D3DCCD1}">
-              <a14:hiddenFill xmlns:a14="http://schemas.microsoft.com/office/drawing/2010/main">
+              <a14:hiddenFill xmlns:a14="http://schemas.microsoft.com/office/drawing/2010/main" xmlns="">
                 <a:solidFill>
                   <a:schemeClr val="accent1"/>
                 </a:solidFill>
               </a14:hiddenFill>
             </a:ext>
             <a:ext uri="{91240B29-F687-4F45-9708-019B960494DF}">
-              <a14:hiddenLine xmlns:a14="http://schemas.microsoft.com/office/drawing/2010/main" w="9525">
+              <a14:hiddenLine xmlns:a14="http://schemas.microsoft.com/office/drawing/2010/main" xmlns="" w="9525">
                 <a:solidFill>
                   <a:schemeClr val="tx1"/>
                 </a:solidFill>
@@ -10459,7 +10451,7 @@
               </a14:hiddenLine>
             </a:ext>
             <a:ext uri="{AF507438-7753-43E0-B8FC-AC1667EBCBE1}">
-              <a14:hiddenEffects xmlns:a14="http://schemas.microsoft.com/office/drawing/2010/main">
+              <a14:hiddenEffects xmlns:a14="http://schemas.microsoft.com/office/drawing/2010/main" xmlns="">
                 <a:effectLst>
                   <a:outerShdw dist="35921" dir="2700000" algn="ctr" rotWithShape="0">
                     <a:schemeClr val="bg2"/>
@@ -10511,7 +10503,7 @@
     </p:spTree>
     <p:extLst>
       <p:ext uri="{BB962C8B-B14F-4D97-AF65-F5344CB8AC3E}">
-        <p14:creationId xmlns:p14="http://schemas.microsoft.com/office/powerpoint/2010/main" val="3069635047"/>
+        <p14:creationId xmlns:p14="http://schemas.microsoft.com/office/powerpoint/2010/main" xmlns="" val="3069635047"/>
       </p:ext>
     </p:extLst>
   </p:cSld>
@@ -10630,7 +10622,7 @@
     </p:spTree>
     <p:extLst>
       <p:ext uri="{BB962C8B-B14F-4D97-AF65-F5344CB8AC3E}">
-        <p14:creationId xmlns:p14="http://schemas.microsoft.com/office/powerpoint/2010/main" val="2255650603"/>
+        <p14:creationId xmlns:p14="http://schemas.microsoft.com/office/powerpoint/2010/main" xmlns="" val="2255650603"/>
       </p:ext>
     </p:extLst>
   </p:cSld>
@@ -10678,7 +10670,7 @@
           <a:blip r:embed="rId2">
             <a:extLst>
               <a:ext uri="{28A0092B-C50C-407E-A947-70E740481C1C}">
-                <a14:useLocalDpi xmlns:a14="http://schemas.microsoft.com/office/drawing/2010/main" val="0"/>
+                <a14:useLocalDpi xmlns:a14="http://schemas.microsoft.com/office/drawing/2010/main" xmlns="" val="0"/>
               </a:ext>
             </a:extLst>
           </a:blip>
@@ -10705,7 +10697,7 @@
           <a:blip r:embed="rId3">
             <a:extLst>
               <a:ext uri="{28A0092B-C50C-407E-A947-70E740481C1C}">
-                <a14:useLocalDpi xmlns:a14="http://schemas.microsoft.com/office/drawing/2010/main" val="0"/>
+                <a14:useLocalDpi xmlns:a14="http://schemas.microsoft.com/office/drawing/2010/main" xmlns="" val="0"/>
               </a:ext>
             </a:extLst>
           </a:blip>
@@ -10726,7 +10718,7 @@
     </p:spTree>
     <p:extLst>
       <p:ext uri="{BB962C8B-B14F-4D97-AF65-F5344CB8AC3E}">
-        <p14:creationId xmlns:p14="http://schemas.microsoft.com/office/powerpoint/2010/main" val="3518320676"/>
+        <p14:creationId xmlns:p14="http://schemas.microsoft.com/office/powerpoint/2010/main" xmlns="" val="3518320676"/>
       </p:ext>
     </p:extLst>
   </p:cSld>
@@ -10770,7 +10762,11 @@
           <a:p>
             <a:r>
               <a:rPr lang="pt-BR" dirty="0" smtClean="0"/>
-              <a:t>Abertura</a:t>
+              <a:t>Produto: </a:t>
+            </a:r>
+            <a:r>
+              <a:rPr lang="pt-BR" dirty="0" err="1" smtClean="0"/>
+              <a:t>Psystem</a:t>
             </a:r>
             <a:endParaRPr lang="pt-BR" dirty="0"/>
           </a:p>
@@ -10791,14 +10787,50 @@
           <a:bodyPr/>
           <a:lstStyle/>
           <a:p>
-            <a:endParaRPr lang="pt-BR"/>
+            <a:r>
+              <a:rPr lang="pt-BR" dirty="0" smtClean="0"/>
+              <a:t>PSYSTEM é um sistema para um consultório psicológico que visa facilitar o agendamento de consultas e avaliações, bem como auxiliar a gestão financeira da proprietária.</a:t>
+            </a:r>
+          </a:p>
+          <a:p>
+            <a:pPr algn="just"/>
+            <a:r>
+              <a:rPr lang="pt-BR" dirty="0" smtClean="0"/>
+              <a:t>O sistema deve ter módulos para o cadastro de empresas, cadastro de pacientes e cadastro dos valores de cada serviço.</a:t>
+            </a:r>
+          </a:p>
+          <a:p>
+            <a:pPr algn="just"/>
+            <a:r>
+              <a:rPr lang="pt-BR" dirty="0" smtClean="0"/>
+              <a:t>Para o atendimento diário, será apresentado uma tela com todos os agendamentos do dia e a cada consulta/avaliação finalizada gerará </a:t>
+            </a:r>
+            <a:r>
+              <a:rPr lang="pt-BR" dirty="0" smtClean="0"/>
+              <a:t>uma cobrança </a:t>
+            </a:r>
+            <a:r>
+              <a:rPr lang="pt-BR" dirty="0" smtClean="0"/>
+              <a:t>para a empresa solicitante com os valores de todas as consultas realizadas no mês (ou no período que a usuária </a:t>
+            </a:r>
+            <a:r>
+              <a:rPr lang="pt-BR" dirty="0" smtClean="0"/>
+              <a:t>selecionar).</a:t>
+            </a:r>
+          </a:p>
+          <a:p>
+            <a:pPr algn="just"/>
+            <a:r>
+              <a:rPr lang="pt-BR" dirty="0" smtClean="0"/>
+              <a:t>O sistema terá um módulo que mostrará todos os serviços realizados no mês gerando um relatório de faturamento que poderá ser filtrado por empresa e/ou por serviço realizado.</a:t>
+            </a:r>
           </a:p>
         </p:txBody>
       </p:sp>
     </p:spTree>
     <p:extLst>
       <p:ext uri="{BB962C8B-B14F-4D97-AF65-F5344CB8AC3E}">
-        <p14:creationId xmlns:p14="http://schemas.microsoft.com/office/powerpoint/2010/main" val="33390202"/>
+        <p14:creationId xmlns:p14="http://schemas.microsoft.com/office/powerpoint/2010/main" xmlns="" val="33390202"/>
       </p:ext>
     </p:extLst>
   </p:cSld>
@@ -10849,11 +10881,7 @@
           <a:p>
             <a:r>
               <a:rPr lang="pt-BR" b="1" dirty="0" smtClean="0"/>
-              <a:t>Caso </a:t>
-            </a:r>
-            <a:r>
-              <a:rPr lang="pt-BR" b="1" dirty="0" smtClean="0"/>
-              <a:t>de Teste </a:t>
+              <a:t>Caso de Teste </a:t>
             </a:r>
             <a:br>
               <a:rPr lang="pt-BR" b="1" dirty="0" smtClean="0"/>
@@ -10875,7 +10903,7 @@
           <p:nvPr>
             <p:extLst>
               <p:ext uri="{D42A27DB-BD31-4B8C-83A1-F6EECF244321}">
-                <p14:modId xmlns:p14="http://schemas.microsoft.com/office/powerpoint/2010/main" val="4138588668"/>
+                <p14:modId xmlns:p14="http://schemas.microsoft.com/office/powerpoint/2010/main" xmlns="" val="4138588668"/>
               </p:ext>
             </p:extLst>
           </p:nvPr>
@@ -10886,59 +10914,9 @@
         </p:xfrm>
         <a:graphic>
           <a:graphicData uri="http://schemas.openxmlformats.org/presentationml/2006/ole">
-            <mc:AlternateContent xmlns:mc="http://schemas.openxmlformats.org/markup-compatibility/2006">
-              <mc:Choice xmlns:v="urn:schemas-microsoft-com:vml" Requires="v">
-                <p:oleObj spid="_x0000_s9231" name="Planilha" r:id="rId3" imgW="1228771" imgH="390594" progId="Excel.Sheet.12">
-                  <p:embed/>
-                </p:oleObj>
-              </mc:Choice>
-              <mc:Fallback>
-                <p:oleObj name="Planilha" r:id="rId3" imgW="1228771" imgH="390594" progId="Excel.Sheet.12">
-                  <p:embed/>
-                  <p:pic>
-                    <p:nvPicPr>
-                      <p:cNvPr id="0" name="Picture 9"/>
-                      <p:cNvPicPr>
-                        <a:picLocks noChangeAspect="1" noChangeArrowheads="1"/>
-                      </p:cNvPicPr>
-                      <p:nvPr/>
-                    </p:nvPicPr>
-                    <p:blipFill>
-                      <a:blip r:embed="rId4">
-                        <a:extLst>
-                          <a:ext uri="{28A0092B-C50C-407E-A947-70E740481C1C}">
-                            <a14:useLocalDpi xmlns:a14="http://schemas.microsoft.com/office/drawing/2010/main" val="0"/>
-                          </a:ext>
-                        </a:extLst>
-                      </a:blip>
-                      <a:srcRect/>
-                      <a:stretch>
-                        <a:fillRect/>
-                      </a:stretch>
-                    </p:blipFill>
-                    <p:spPr bwMode="auto">
-                      <a:xfrm>
-                        <a:off x="3957638" y="3233738"/>
-                        <a:ext cx="1228725" cy="390525"/>
-                      </a:xfrm>
-                      <a:prstGeom prst="rect">
-                        <a:avLst/>
-                      </a:prstGeom>
-                      <a:noFill/>
-                      <a:extLst>
-                        <a:ext uri="{909E8E84-426E-40DD-AFC4-6F175D3DCCD1}">
-                          <a14:hiddenFill xmlns:a14="http://schemas.microsoft.com/office/drawing/2010/main">
-                            <a:solidFill>
-                              <a:srgbClr val="FFFFFF"/>
-                            </a:solidFill>
-                          </a14:hiddenFill>
-                        </a:ext>
-                      </a:extLst>
-                    </p:spPr>
-                  </p:pic>
-                </p:oleObj>
-              </mc:Fallback>
-            </mc:AlternateContent>
+            <p:oleObj spid="_x0000_s9231" name="Planilha" r:id="rId3" imgW="1228771" imgH="390594" progId="Excel.Sheet.12">
+              <p:embed/>
+            </p:oleObj>
           </a:graphicData>
         </a:graphic>
       </p:graphicFrame>
@@ -10952,7 +10930,7 @@
             <p:ph idx="1"/>
             <p:extLst>
               <p:ext uri="{D42A27DB-BD31-4B8C-83A1-F6EECF244321}">
-                <p14:modId xmlns:p14="http://schemas.microsoft.com/office/powerpoint/2010/main" val="3128583035"/>
+                <p14:modId xmlns:p14="http://schemas.microsoft.com/office/powerpoint/2010/main" xmlns="" val="3128583035"/>
               </p:ext>
             </p:extLst>
           </p:nvPr>
@@ -11645,7 +11623,7 @@
     </p:spTree>
     <p:extLst>
       <p:ext uri="{BB962C8B-B14F-4D97-AF65-F5344CB8AC3E}">
-        <p14:creationId xmlns:p14="http://schemas.microsoft.com/office/powerpoint/2010/main" val="1060046226"/>
+        <p14:creationId xmlns:p14="http://schemas.microsoft.com/office/powerpoint/2010/main" xmlns="" val="1060046226"/>
       </p:ext>
     </p:extLst>
   </p:cSld>
@@ -11835,11 +11813,7 @@
             </a:r>
             <a:r>
               <a:rPr lang="en-US" dirty="0" smtClean="0"/>
-              <a:t>100% </a:t>
-            </a:r>
-            <a:r>
-              <a:rPr lang="en-US" dirty="0" smtClean="0"/>
-              <a:t>dos </a:t>
+              <a:t>100% dos </a:t>
             </a:r>
             <a:r>
               <a:rPr lang="en-US" dirty="0" err="1" smtClean="0"/>
@@ -12142,7 +12116,7 @@
           <p:nvPr>
             <p:extLst>
               <p:ext uri="{D42A27DB-BD31-4B8C-83A1-F6EECF244321}">
-                <p14:modId xmlns:p14="http://schemas.microsoft.com/office/powerpoint/2010/main" val="243154298"/>
+                <p14:modId xmlns:p14="http://schemas.microsoft.com/office/powerpoint/2010/main" xmlns="" val="243154298"/>
               </p:ext>
             </p:extLst>
           </p:nvPr>
@@ -14655,7 +14629,7 @@
     </p:spTree>
     <p:extLst>
       <p:ext uri="{BB962C8B-B14F-4D97-AF65-F5344CB8AC3E}">
-        <p14:creationId xmlns:p14="http://schemas.microsoft.com/office/powerpoint/2010/main" val="1118170736"/>
+        <p14:creationId xmlns:p14="http://schemas.microsoft.com/office/powerpoint/2010/main" xmlns="" val="1118170736"/>
       </p:ext>
     </p:extLst>
   </p:cSld>
@@ -14749,7 +14723,7 @@
     </p:spTree>
     <p:extLst>
       <p:ext uri="{BB962C8B-B14F-4D97-AF65-F5344CB8AC3E}">
-        <p14:creationId xmlns:p14="http://schemas.microsoft.com/office/powerpoint/2010/main" val="1673295198"/>
+        <p14:creationId xmlns:p14="http://schemas.microsoft.com/office/powerpoint/2010/main" xmlns="" val="1673295198"/>
       </p:ext>
     </p:extLst>
   </p:cSld>
@@ -15057,7 +15031,7 @@
     </p:spTree>
     <p:extLst>
       <p:ext uri="{BB962C8B-B14F-4D97-AF65-F5344CB8AC3E}">
-        <p14:creationId xmlns:p14="http://schemas.microsoft.com/office/powerpoint/2010/main" val="660323680"/>
+        <p14:creationId xmlns:p14="http://schemas.microsoft.com/office/powerpoint/2010/main" xmlns="" val="660323680"/>
       </p:ext>
     </p:extLst>
   </p:cSld>
@@ -15307,15 +15281,7 @@
           <a:p>
             <a:r>
               <a:rPr lang="pt-BR" sz="2000" dirty="0" smtClean="0"/>
-              <a:t>O método de desenvolvimento do projeto NR Avaliações Psicológicas é iterativo, e os testes devem ser realizados dentro destas </a:t>
-            </a:r>
-            <a:r>
-              <a:rPr lang="pt-BR" sz="2000" dirty="0" smtClean="0"/>
-              <a:t>iterações</a:t>
-            </a:r>
-            <a:r>
-              <a:rPr lang="pt-BR" sz="2000" dirty="0" smtClean="0"/>
-              <a:t>.</a:t>
+              <a:t>O método de desenvolvimento do projeto NR Avaliações Psicológicas é iterativo, e os testes devem ser realizados dentro destas iterações.</a:t>
             </a:r>
           </a:p>
           <a:p>
@@ -15337,7 +15303,7 @@
     </p:spTree>
     <p:extLst>
       <p:ext uri="{BB962C8B-B14F-4D97-AF65-F5344CB8AC3E}">
-        <p14:creationId xmlns:p14="http://schemas.microsoft.com/office/powerpoint/2010/main" val="3037708794"/>
+        <p14:creationId xmlns:p14="http://schemas.microsoft.com/office/powerpoint/2010/main" xmlns="" val="3037708794"/>
       </p:ext>
     </p:extLst>
   </p:cSld>
@@ -15483,7 +15449,7 @@
     </p:spTree>
     <p:extLst>
       <p:ext uri="{BB962C8B-B14F-4D97-AF65-F5344CB8AC3E}">
-        <p14:creationId xmlns:p14="http://schemas.microsoft.com/office/powerpoint/2010/main" val="1412825067"/>
+        <p14:creationId xmlns:p14="http://schemas.microsoft.com/office/powerpoint/2010/main" xmlns="" val="1412825067"/>
       </p:ext>
     </p:extLst>
   </p:cSld>
@@ -16150,7 +16116,7 @@
     </p:spTree>
     <p:extLst>
       <p:ext uri="{BB962C8B-B14F-4D97-AF65-F5344CB8AC3E}">
-        <p14:creationId xmlns:p14="http://schemas.microsoft.com/office/powerpoint/2010/main" val="4019947591"/>
+        <p14:creationId xmlns:p14="http://schemas.microsoft.com/office/powerpoint/2010/main" xmlns="" val="4019947591"/>
       </p:ext>
     </p:extLst>
   </p:cSld>
@@ -16270,7 +16236,6 @@
               <a:rPr lang="pt-BR" sz="2000" dirty="0" smtClean="0"/>
               <a:t>Não-Funcionais</a:t>
             </a:r>
-            <a:endParaRPr lang="pt-BR" sz="2000" dirty="0" smtClean="0"/>
           </a:p>
           <a:p>
             <a:pPr lvl="2"/>
@@ -16288,7 +16253,7 @@
     </p:spTree>
     <p:extLst>
       <p:ext uri="{BB962C8B-B14F-4D97-AF65-F5344CB8AC3E}">
-        <p14:creationId xmlns:p14="http://schemas.microsoft.com/office/powerpoint/2010/main" val="394801760"/>
+        <p14:creationId xmlns:p14="http://schemas.microsoft.com/office/powerpoint/2010/main" xmlns="" val="394801760"/>
       </p:ext>
     </p:extLst>
   </p:cSld>
@@ -16363,7 +16328,7 @@
           <p:nvPr>
             <p:extLst>
               <p:ext uri="{D42A27DB-BD31-4B8C-83A1-F6EECF244321}">
-                <p14:modId xmlns:p14="http://schemas.microsoft.com/office/powerpoint/2010/main" val="3073572687"/>
+                <p14:modId xmlns:p14="http://schemas.microsoft.com/office/powerpoint/2010/main" xmlns="" val="3073572687"/>
               </p:ext>
             </p:extLst>
           </p:nvPr>
@@ -17133,13 +17098,7 @@
                         <a:rPr lang="pt-BR" sz="1800" baseline="0" dirty="0" smtClean="0">
                           <a:effectLst/>
                         </a:rPr>
-                        <a:t>50</a:t>
-                      </a:r>
-                      <a:r>
-                        <a:rPr lang="pt-BR" sz="1800" baseline="0" dirty="0" smtClean="0">
-                          <a:effectLst/>
-                        </a:rPr>
-                        <a:t>% de cobertura de código por iteração</a:t>
+                        <a:t>50% de cobertura de código por iteração</a:t>
                       </a:r>
                       <a:endParaRPr lang="pt-BR" sz="1800" dirty="0">
                         <a:solidFill>
@@ -17243,7 +17202,7 @@
     </p:spTree>
     <p:extLst>
       <p:ext uri="{BB962C8B-B14F-4D97-AF65-F5344CB8AC3E}">
-        <p14:creationId xmlns:p14="http://schemas.microsoft.com/office/powerpoint/2010/main" val="3567939113"/>
+        <p14:creationId xmlns:p14="http://schemas.microsoft.com/office/powerpoint/2010/main" xmlns="" val="3567939113"/>
       </p:ext>
     </p:extLst>
   </p:cSld>
@@ -17565,7 +17524,7 @@
   <a:extraClrSchemeLst/>
   <a:extLst>
     <a:ext uri="{05A4C25C-085E-4340-85A3-A5531E510DB2}">
-      <thm15:themeFamily xmlns="" xmlns:thm15="http://schemas.microsoft.com/office/thememl/2012/main" name="Impacta" id="{9DEE3D4C-7075-4EED-BE25-71DD8C403211}" vid="{301E77B6-CD37-4EBE-AE48-640047432F64}"/>
+      <thm15:themeFamily xmlns:thm15="http://schemas.microsoft.com/office/thememl/2012/main" xmlns="" name="Impacta" id="{9DEE3D4C-7075-4EED-BE25-71DD8C403211}" vid="{301E77B6-CD37-4EBE-AE48-640047432F64}"/>
     </a:ext>
   </a:extLst>
 </a:theme>

--- a/Qualidade de Produto de SW/Qualidade de produto de SW - TRABALHO.pptx
+++ b/Qualidade de Produto de SW/Qualidade de produto de SW - TRABALHO.pptx
@@ -260,7 +260,7 @@
   </p:defaultTextStyle>
   <p:extLst>
     <p:ext uri="{EFAFB233-063F-42B5-8137-9DF3F51BA10A}">
-      <p15:sldGuideLst xmlns:p15="http://schemas.microsoft.com/office/powerpoint/2012/main" xmlns="">
+      <p15:sldGuideLst xmlns="" xmlns:p15="http://schemas.microsoft.com/office/powerpoint/2012/main">
         <p15:guide id="1" orient="horz" pos="2160">
           <p15:clr>
             <a:srgbClr val="A4A3A4"/>
@@ -1184,7 +1184,7 @@
                 <a:buFont typeface="Tahoma"/>
                 <a:buNone/>
               </a:pPr>
-              <a:t>‹nº›</a:t>
+              <a:t>‹#›</a:t>
             </a:fld>
             <a:endParaRPr lang="en-US" sz="1300" b="0" i="0" u="none" strike="noStrike" cap="none">
               <a:solidFill>
@@ -1201,7 +1201,7 @@
     </p:spTree>
     <p:extLst>
       <p:ext uri="{BB962C8B-B14F-4D97-AF65-F5344CB8AC3E}">
-        <p14:creationId xmlns:p14="http://schemas.microsoft.com/office/powerpoint/2010/main" xmlns="" val="1559816394"/>
+        <p14:creationId xmlns="" xmlns:p14="http://schemas.microsoft.com/office/powerpoint/2010/main" val="1559816394"/>
       </p:ext>
     </p:extLst>
   </p:cSld>
@@ -1397,7 +1397,7 @@
     </p:spTree>
     <p:extLst>
       <p:ext uri="{BB962C8B-B14F-4D97-AF65-F5344CB8AC3E}">
-        <p14:creationId xmlns:p14="http://schemas.microsoft.com/office/powerpoint/2010/main" xmlns="" val="4222154634"/>
+        <p14:creationId xmlns="" xmlns:p14="http://schemas.microsoft.com/office/powerpoint/2010/main" val="4222154634"/>
       </p:ext>
     </p:extLst>
   </p:cSld>
@@ -1513,7 +1513,7 @@
     </p:spTree>
     <p:extLst>
       <p:ext uri="{BB962C8B-B14F-4D97-AF65-F5344CB8AC3E}">
-        <p14:creationId xmlns:p14="http://schemas.microsoft.com/office/powerpoint/2010/main" xmlns="" val="1279608820"/>
+        <p14:creationId xmlns="" xmlns:p14="http://schemas.microsoft.com/office/powerpoint/2010/main" val="1279608820"/>
       </p:ext>
     </p:extLst>
   </p:cSld>
@@ -1746,7 +1746,7 @@
     </p:spTree>
     <p:extLst>
       <p:ext uri="{BB962C8B-B14F-4D97-AF65-F5344CB8AC3E}">
-        <p14:creationId xmlns:p14="http://schemas.microsoft.com/office/powerpoint/2010/main" xmlns="" val="2478786571"/>
+        <p14:creationId xmlns="" xmlns:p14="http://schemas.microsoft.com/office/powerpoint/2010/main" val="2478786571"/>
       </p:ext>
     </p:extLst>
   </p:cSld>
@@ -2040,7 +2040,7 @@
     </p:spTree>
     <p:extLst>
       <p:ext uri="{BB962C8B-B14F-4D97-AF65-F5344CB8AC3E}">
-        <p14:creationId xmlns:p14="http://schemas.microsoft.com/office/powerpoint/2010/main" xmlns="" val="2328964540"/>
+        <p14:creationId xmlns="" xmlns:p14="http://schemas.microsoft.com/office/powerpoint/2010/main" val="2328964540"/>
       </p:ext>
     </p:extLst>
   </p:cSld>
@@ -2394,7 +2394,7 @@
                 <a:cs typeface="Verdana" pitchFamily="34" charset="0"/>
               </a:rPr>
               <a:pPr/>
-              <a:t>‹nº›</a:t>
+              <a:t>‹#›</a:t>
             </a:fld>
             <a:endParaRPr lang="pt-BR" sz="1400" b="1" dirty="0">
               <a:solidFill>
@@ -2413,7 +2413,7 @@
     </p:spTree>
     <p:extLst>
       <p:ext uri="{BB962C8B-B14F-4D97-AF65-F5344CB8AC3E}">
-        <p14:creationId xmlns:p14="http://schemas.microsoft.com/office/powerpoint/2010/main" xmlns="" val="3375524679"/>
+        <p14:creationId xmlns="" xmlns:p14="http://schemas.microsoft.com/office/powerpoint/2010/main" val="3375524679"/>
       </p:ext>
     </p:extLst>
   </p:cSld>
@@ -2443,7 +2443,7 @@
     </p:spTree>
     <p:extLst>
       <p:ext uri="{BB962C8B-B14F-4D97-AF65-F5344CB8AC3E}">
-        <p14:creationId xmlns:p14="http://schemas.microsoft.com/office/powerpoint/2010/main" xmlns="" val="772820594"/>
+        <p14:creationId xmlns="" xmlns:p14="http://schemas.microsoft.com/office/powerpoint/2010/main" val="772820594"/>
       </p:ext>
     </p:extLst>
   </p:cSld>
@@ -2605,7 +2605,7 @@
     </p:spTree>
     <p:extLst>
       <p:ext uri="{BB962C8B-B14F-4D97-AF65-F5344CB8AC3E}">
-        <p14:creationId xmlns:p14="http://schemas.microsoft.com/office/powerpoint/2010/main" xmlns="" val="2806790013"/>
+        <p14:creationId xmlns="" xmlns:p14="http://schemas.microsoft.com/office/powerpoint/2010/main" val="2806790013"/>
       </p:ext>
     </p:extLst>
   </p:cSld>
@@ -2746,7 +2746,7 @@
     </p:spTree>
     <p:extLst>
       <p:ext uri="{BB962C8B-B14F-4D97-AF65-F5344CB8AC3E}">
-        <p14:creationId xmlns:p14="http://schemas.microsoft.com/office/powerpoint/2010/main" xmlns="" val="1674071280"/>
+        <p14:creationId xmlns="" xmlns:p14="http://schemas.microsoft.com/office/powerpoint/2010/main" val="1674071280"/>
       </p:ext>
     </p:extLst>
   </p:cSld>
@@ -2929,7 +2929,7 @@
     </p:spTree>
     <p:extLst>
       <p:ext uri="{BB962C8B-B14F-4D97-AF65-F5344CB8AC3E}">
-        <p14:creationId xmlns:p14="http://schemas.microsoft.com/office/powerpoint/2010/main" xmlns="" val="3915180986"/>
+        <p14:creationId xmlns="" xmlns:p14="http://schemas.microsoft.com/office/powerpoint/2010/main" val="3915180986"/>
       </p:ext>
     </p:extLst>
   </p:cSld>
@@ -2994,7 +2994,7 @@
     </p:spTree>
     <p:extLst>
       <p:ext uri="{BB962C8B-B14F-4D97-AF65-F5344CB8AC3E}">
-        <p14:creationId xmlns:p14="http://schemas.microsoft.com/office/powerpoint/2010/main" xmlns="" val="3402029070"/>
+        <p14:creationId xmlns="" xmlns:p14="http://schemas.microsoft.com/office/powerpoint/2010/main" val="3402029070"/>
       </p:ext>
     </p:extLst>
   </p:cSld>
@@ -3072,7 +3072,7 @@
     </p:spTree>
     <p:extLst>
       <p:ext uri="{BB962C8B-B14F-4D97-AF65-F5344CB8AC3E}">
-        <p14:creationId xmlns:p14="http://schemas.microsoft.com/office/powerpoint/2010/main" xmlns="" val="721522243"/>
+        <p14:creationId xmlns="" xmlns:p14="http://schemas.microsoft.com/office/powerpoint/2010/main" val="721522243"/>
       </p:ext>
     </p:extLst>
   </p:cSld>
@@ -3204,7 +3204,7 @@
     </p:spTree>
     <p:extLst>
       <p:ext uri="{BB962C8B-B14F-4D97-AF65-F5344CB8AC3E}">
-        <p14:creationId xmlns:p14="http://schemas.microsoft.com/office/powerpoint/2010/main" xmlns="" val="656146748"/>
+        <p14:creationId xmlns="" xmlns:p14="http://schemas.microsoft.com/office/powerpoint/2010/main" val="656146748"/>
       </p:ext>
     </p:extLst>
   </p:cSld>
@@ -3763,7 +3763,7 @@
         </p:nvGraphicFramePr>
         <p:xfrm>
           <a:off x="726046" y="1916832"/>
-          <a:ext cx="7704856" cy="4615942"/>
+          <a:ext cx="7704856" cy="4534982"/>
         </p:xfrm>
         <a:graphic>
           <a:graphicData uri="http://schemas.openxmlformats.org/drawingml/2006/table">
@@ -4815,7 +4815,7 @@
     </p:spTree>
     <p:extLst>
       <p:ext uri="{BB962C8B-B14F-4D97-AF65-F5344CB8AC3E}">
-        <p14:creationId xmlns:p14="http://schemas.microsoft.com/office/powerpoint/2010/main" xmlns="" val="3488319752"/>
+        <p14:creationId xmlns="" xmlns:p14="http://schemas.microsoft.com/office/powerpoint/2010/main" val="3488319752"/>
       </p:ext>
     </p:extLst>
   </p:cSld>
@@ -4893,7 +4893,7 @@
         </p:nvGraphicFramePr>
         <p:xfrm>
           <a:off x="755576" y="2060846"/>
-          <a:ext cx="7704856" cy="4061891"/>
+          <a:ext cx="7704856" cy="4046016"/>
         </p:xfrm>
         <a:graphic>
           <a:graphicData uri="http://schemas.openxmlformats.org/drawingml/2006/table">
@@ -5784,7 +5784,7 @@
     </p:spTree>
     <p:extLst>
       <p:ext uri="{BB962C8B-B14F-4D97-AF65-F5344CB8AC3E}">
-        <p14:creationId xmlns:p14="http://schemas.microsoft.com/office/powerpoint/2010/main" xmlns="" val="1068463166"/>
+        <p14:creationId xmlns="" xmlns:p14="http://schemas.microsoft.com/office/powerpoint/2010/main" val="1068463166"/>
       </p:ext>
     </p:extLst>
   </p:cSld>
@@ -6582,7 +6582,7 @@
     </p:spTree>
     <p:extLst>
       <p:ext uri="{BB962C8B-B14F-4D97-AF65-F5344CB8AC3E}">
-        <p14:creationId xmlns:p14="http://schemas.microsoft.com/office/powerpoint/2010/main" xmlns="" val="2224284626"/>
+        <p14:creationId xmlns="" xmlns:p14="http://schemas.microsoft.com/office/powerpoint/2010/main" val="2224284626"/>
       </p:ext>
     </p:extLst>
   </p:cSld>
@@ -6683,7 +6683,7 @@
         </p:nvGraphicFramePr>
         <p:xfrm>
           <a:off x="971600" y="2420888"/>
-          <a:ext cx="7488832" cy="3816689"/>
+          <a:ext cx="7488832" cy="3803672"/>
         </p:xfrm>
         <a:graphic>
           <a:graphicData uri="http://schemas.openxmlformats.org/drawingml/2006/table">
@@ -7610,7 +7610,7 @@
     </p:spTree>
     <p:extLst>
       <p:ext uri="{BB962C8B-B14F-4D97-AF65-F5344CB8AC3E}">
-        <p14:creationId xmlns:p14="http://schemas.microsoft.com/office/powerpoint/2010/main" xmlns="" val="2350085748"/>
+        <p14:creationId xmlns="" xmlns:p14="http://schemas.microsoft.com/office/powerpoint/2010/main" val="2350085748"/>
       </p:ext>
     </p:extLst>
   </p:cSld>
@@ -7895,7 +7895,7 @@
     </p:spTree>
     <p:extLst>
       <p:ext uri="{BB962C8B-B14F-4D97-AF65-F5344CB8AC3E}">
-        <p14:creationId xmlns:p14="http://schemas.microsoft.com/office/powerpoint/2010/main" xmlns="" val="2672163100"/>
+        <p14:creationId xmlns="" xmlns:p14="http://schemas.microsoft.com/office/powerpoint/2010/main" val="2672163100"/>
       </p:ext>
     </p:extLst>
   </p:cSld>
@@ -8032,8 +8032,20 @@
             <a:pPr lvl="2"/>
             <a:r>
               <a:rPr lang="pt-BR" dirty="0" smtClean="0"/>
-              <a:t>Selenium Web driver/IDE</a:t>
-            </a:r>
+              <a:t>Selenium Web </a:t>
+            </a:r>
+            <a:r>
+              <a:rPr lang="pt-BR" dirty="0" smtClean="0"/>
+              <a:t>driver/IDE</a:t>
+            </a:r>
+          </a:p>
+          <a:p>
+            <a:pPr lvl="2"/>
+            <a:r>
+              <a:rPr lang="pt-BR" dirty="0" smtClean="0"/>
+              <a:t>Wamp</a:t>
+            </a:r>
+            <a:endParaRPr lang="pt-BR" dirty="0" smtClean="0"/>
           </a:p>
           <a:p>
             <a:pPr lvl="2">
@@ -8066,7 +8078,7 @@
     </p:spTree>
     <p:extLst>
       <p:ext uri="{BB962C8B-B14F-4D97-AF65-F5344CB8AC3E}">
-        <p14:creationId xmlns:p14="http://schemas.microsoft.com/office/powerpoint/2010/main" xmlns="" val="125991297"/>
+        <p14:creationId xmlns="" xmlns:p14="http://schemas.microsoft.com/office/powerpoint/2010/main" val="125991297"/>
       </p:ext>
     </p:extLst>
   </p:cSld>
@@ -9251,7 +9263,7 @@
     </p:spTree>
     <p:extLst>
       <p:ext uri="{BB962C8B-B14F-4D97-AF65-F5344CB8AC3E}">
-        <p14:creationId xmlns:p14="http://schemas.microsoft.com/office/powerpoint/2010/main" xmlns="" val="3472621727"/>
+        <p14:creationId xmlns="" xmlns:p14="http://schemas.microsoft.com/office/powerpoint/2010/main" val="3472621727"/>
       </p:ext>
     </p:extLst>
   </p:cSld>
@@ -10434,14 +10446,14 @@
           <a:effectLst/>
           <a:extLst>
             <a:ext uri="{909E8E84-426E-40DD-AFC4-6F175D3DCCD1}">
-              <a14:hiddenFill xmlns:a14="http://schemas.microsoft.com/office/drawing/2010/main" xmlns="">
+              <a14:hiddenFill xmlns="" xmlns:a14="http://schemas.microsoft.com/office/drawing/2010/main">
                 <a:solidFill>
                   <a:schemeClr val="accent1"/>
                 </a:solidFill>
               </a14:hiddenFill>
             </a:ext>
             <a:ext uri="{91240B29-F687-4F45-9708-019B960494DF}">
-              <a14:hiddenLine xmlns:a14="http://schemas.microsoft.com/office/drawing/2010/main" xmlns="" w="9525">
+              <a14:hiddenLine xmlns="" xmlns:a14="http://schemas.microsoft.com/office/drawing/2010/main" w="9525">
                 <a:solidFill>
                   <a:schemeClr val="tx1"/>
                 </a:solidFill>
@@ -10451,7 +10463,7 @@
               </a14:hiddenLine>
             </a:ext>
             <a:ext uri="{AF507438-7753-43E0-B8FC-AC1667EBCBE1}">
-              <a14:hiddenEffects xmlns:a14="http://schemas.microsoft.com/office/drawing/2010/main" xmlns="">
+              <a14:hiddenEffects xmlns="" xmlns:a14="http://schemas.microsoft.com/office/drawing/2010/main">
                 <a:effectLst>
                   <a:outerShdw dist="35921" dir="2700000" algn="ctr" rotWithShape="0">
                     <a:schemeClr val="bg2"/>
@@ -10503,7 +10515,7 @@
     </p:spTree>
     <p:extLst>
       <p:ext uri="{BB962C8B-B14F-4D97-AF65-F5344CB8AC3E}">
-        <p14:creationId xmlns:p14="http://schemas.microsoft.com/office/powerpoint/2010/main" xmlns="" val="3069635047"/>
+        <p14:creationId xmlns="" xmlns:p14="http://schemas.microsoft.com/office/powerpoint/2010/main" val="3069635047"/>
       </p:ext>
     </p:extLst>
   </p:cSld>
@@ -10622,7 +10634,7 @@
     </p:spTree>
     <p:extLst>
       <p:ext uri="{BB962C8B-B14F-4D97-AF65-F5344CB8AC3E}">
-        <p14:creationId xmlns:p14="http://schemas.microsoft.com/office/powerpoint/2010/main" xmlns="" val="2255650603"/>
+        <p14:creationId xmlns="" xmlns:p14="http://schemas.microsoft.com/office/powerpoint/2010/main" val="2255650603"/>
       </p:ext>
     </p:extLst>
   </p:cSld>
@@ -10670,7 +10682,7 @@
           <a:blip r:embed="rId2">
             <a:extLst>
               <a:ext uri="{28A0092B-C50C-407E-A947-70E740481C1C}">
-                <a14:useLocalDpi xmlns:a14="http://schemas.microsoft.com/office/drawing/2010/main" xmlns="" val="0"/>
+                <a14:useLocalDpi xmlns="" xmlns:a14="http://schemas.microsoft.com/office/drawing/2010/main" val="0"/>
               </a:ext>
             </a:extLst>
           </a:blip>
@@ -10680,7 +10692,7 @@
         </p:blipFill>
         <p:spPr>
           <a:xfrm>
-            <a:off x="0" y="1307311"/>
+            <a:off x="0" y="476672"/>
             <a:ext cx="9144000" cy="5544616"/>
           </a:xfrm>
         </p:spPr>
@@ -10697,7 +10709,7 @@
           <a:blip r:embed="rId3">
             <a:extLst>
               <a:ext uri="{28A0092B-C50C-407E-A947-70E740481C1C}">
-                <a14:useLocalDpi xmlns:a14="http://schemas.microsoft.com/office/drawing/2010/main" xmlns="" val="0"/>
+                <a14:useLocalDpi xmlns="" xmlns:a14="http://schemas.microsoft.com/office/drawing/2010/main" val="0"/>
               </a:ext>
             </a:extLst>
           </a:blip>
@@ -10707,7 +10719,7 @@
         </p:blipFill>
         <p:spPr>
           <a:xfrm>
-            <a:off x="-18250" y="836712"/>
+            <a:off x="-14068" y="0"/>
             <a:ext cx="9144000" cy="483612"/>
           </a:xfrm>
           <a:prstGeom prst="rect">
@@ -10718,7 +10730,7 @@
     </p:spTree>
     <p:extLst>
       <p:ext uri="{BB962C8B-B14F-4D97-AF65-F5344CB8AC3E}">
-        <p14:creationId xmlns:p14="http://schemas.microsoft.com/office/powerpoint/2010/main" xmlns="" val="3518320676"/>
+        <p14:creationId xmlns="" xmlns:p14="http://schemas.microsoft.com/office/powerpoint/2010/main" val="3518320676"/>
       </p:ext>
     </p:extLst>
   </p:cSld>
@@ -10788,40 +10800,78 @@
           <a:lstStyle/>
           <a:p>
             <a:r>
-              <a:rPr lang="pt-BR" dirty="0" smtClean="0"/>
-              <a:t>PSYSTEM é um sistema para um consultório psicológico que visa facilitar o agendamento de consultas e avaliações, bem como auxiliar a gestão financeira da proprietária.</a:t>
-            </a:r>
+              <a:rPr lang="pt-BR" sz="2000" dirty="0" smtClean="0">
+                <a:sym typeface="Arial"/>
+              </a:rPr>
+              <a:t>PSYSTEM é um sistema para um consultório psicológico que visa facilitar o agendamento de consultas e avaliações, bem como auxiliar a gestão financeira da proprietária</a:t>
+            </a:r>
+            <a:r>
+              <a:rPr lang="pt-BR" sz="2000" dirty="0" smtClean="0">
+                <a:sym typeface="Arial"/>
+              </a:rPr>
+              <a:t>.</a:t>
+            </a:r>
+          </a:p>
+          <a:p>
+            <a:pPr>
+              <a:buNone/>
+            </a:pPr>
+            <a:endParaRPr lang="pt-BR" sz="2000" dirty="0" smtClean="0">
+              <a:sym typeface="Arial"/>
+            </a:endParaRPr>
           </a:p>
           <a:p>
             <a:pPr algn="just"/>
             <a:r>
-              <a:rPr lang="pt-BR" dirty="0" smtClean="0"/>
-              <a:t>O sistema deve ter módulos para o cadastro de empresas, cadastro de pacientes e cadastro dos valores de cada serviço.</a:t>
-            </a:r>
+              <a:rPr lang="pt-BR" sz="2000" dirty="0" smtClean="0">
+                <a:sym typeface="Arial"/>
+              </a:rPr>
+              <a:t>O sistema deve ter módulos para o cadastro de empresas, cadastro de pacientes e cadastro dos valores de cada serviço</a:t>
+            </a:r>
+            <a:r>
+              <a:rPr lang="pt-BR" sz="2000" dirty="0" smtClean="0">
+                <a:sym typeface="Arial"/>
+              </a:rPr>
+              <a:t>.</a:t>
+            </a:r>
+          </a:p>
+          <a:p>
+            <a:pPr algn="just">
+              <a:buNone/>
+            </a:pPr>
+            <a:endParaRPr lang="pt-BR" sz="2000" dirty="0" smtClean="0">
+              <a:sym typeface="Arial"/>
+            </a:endParaRPr>
           </a:p>
           <a:p>
             <a:pPr algn="just"/>
             <a:r>
-              <a:rPr lang="pt-BR" dirty="0" smtClean="0"/>
-              <a:t>Para o atendimento diário, será apresentado uma tela com todos os agendamentos do dia e a cada consulta/avaliação finalizada gerará </a:t>
-            </a:r>
-            <a:r>
-              <a:rPr lang="pt-BR" dirty="0" smtClean="0"/>
-              <a:t>uma cobrança </a:t>
-            </a:r>
-            <a:r>
-              <a:rPr lang="pt-BR" dirty="0" smtClean="0"/>
-              <a:t>para a empresa solicitante com os valores de todas as consultas realizadas no mês (ou no período que a usuária </a:t>
-            </a:r>
-            <a:r>
-              <a:rPr lang="pt-BR" dirty="0" smtClean="0"/>
-              <a:t>selecionar).</a:t>
-            </a:r>
+              <a:rPr lang="pt-BR" sz="2000" dirty="0" smtClean="0">
+                <a:sym typeface="Arial"/>
+              </a:rPr>
+              <a:t>Para o atendimento diário, será apresentado uma tela com todos os agendamentos do dia e a cada consulta/avaliação finalizada gerará uma cobrança para a empresa solicitante com os valores de todas as consultas realizadas no mês (ou no período que a usuária selecionar</a:t>
+            </a:r>
+            <a:r>
+              <a:rPr lang="pt-BR" sz="2000" dirty="0" smtClean="0">
+                <a:sym typeface="Arial"/>
+              </a:rPr>
+              <a:t>).</a:t>
+            </a:r>
+          </a:p>
+          <a:p>
+            <a:pPr algn="just">
+              <a:buNone/>
+            </a:pPr>
+            <a:endParaRPr lang="pt-BR" sz="2000" dirty="0" smtClean="0">
+              <a:sym typeface="Arial"/>
+            </a:endParaRPr>
           </a:p>
           <a:p>
             <a:pPr algn="just"/>
             <a:r>
-              <a:rPr lang="pt-BR" dirty="0" smtClean="0"/>
+              <a:rPr lang="pt-BR" sz="2000" dirty="0" smtClean="0">
+                <a:sym typeface="Arial"/>
+              </a:rPr>
               <a:t>O sistema terá um módulo que mostrará todos os serviços realizados no mês gerando um relatório de faturamento que poderá ser filtrado por empresa e/ou por serviço realizado.</a:t>
             </a:r>
           </a:p>
@@ -10830,7 +10880,7 @@
     </p:spTree>
     <p:extLst>
       <p:ext uri="{BB962C8B-B14F-4D97-AF65-F5344CB8AC3E}">
-        <p14:creationId xmlns:p14="http://schemas.microsoft.com/office/powerpoint/2010/main" xmlns="" val="33390202"/>
+        <p14:creationId xmlns="" xmlns:p14="http://schemas.microsoft.com/office/powerpoint/2010/main" val="33390202"/>
       </p:ext>
     </p:extLst>
   </p:cSld>
@@ -10903,7 +10953,7 @@
           <p:nvPr>
             <p:extLst>
               <p:ext uri="{D42A27DB-BD31-4B8C-83A1-F6EECF244321}">
-                <p14:modId xmlns:p14="http://schemas.microsoft.com/office/powerpoint/2010/main" xmlns="" val="4138588668"/>
+                <p14:modId xmlns="" xmlns:p14="http://schemas.microsoft.com/office/powerpoint/2010/main" val="4138588668"/>
               </p:ext>
             </p:extLst>
           </p:nvPr>
@@ -10930,7 +10980,7 @@
             <p:ph idx="1"/>
             <p:extLst>
               <p:ext uri="{D42A27DB-BD31-4B8C-83A1-F6EECF244321}">
-                <p14:modId xmlns:p14="http://schemas.microsoft.com/office/powerpoint/2010/main" xmlns="" val="3128583035"/>
+                <p14:modId xmlns="" xmlns:p14="http://schemas.microsoft.com/office/powerpoint/2010/main" val="3128583035"/>
               </p:ext>
             </p:extLst>
           </p:nvPr>
@@ -10952,8 +11002,8 @@
                 <a:gridCol w="962871"/>
                 <a:gridCol w="649549"/>
                 <a:gridCol w="944849"/>
-                <a:gridCol w="1409145"/>
-                <a:gridCol w="954878"/>
+                <a:gridCol w="1431415"/>
+                <a:gridCol w="932608"/>
                 <a:gridCol w="939600"/>
                 <a:gridCol w="1043607"/>
               </a:tblGrid>
@@ -11387,7 +11437,10 @@
                     <a:p>
                       <a:pPr algn="ctr" fontAlgn="ctr"/>
                       <a:r>
-                        <a:rPr lang="pt-BR" sz="1000" u="none" strike="noStrike" dirty="0">
+                        <a:rPr lang="pt-BR" sz="1000" u="none" strike="noStrike" kern="1200" dirty="0">
+                          <a:solidFill>
+                            <a:schemeClr val="dk1"/>
+                          </a:solidFill>
                           <a:effectLst/>
                           <a:latin typeface="Verdana" panose="020B0604030504040204" pitchFamily="34" charset="0"/>
                           <a:ea typeface="Verdana" panose="020B0604030504040204" pitchFamily="34" charset="0"/>
@@ -11395,15 +11448,143 @@
                         </a:rPr>
                         <a:t>1. Agendamento Realizado.</a:t>
                       </a:r>
-                      <a:endParaRPr lang="pt-BR" sz="1000" b="0" i="0" u="none" strike="noStrike" dirty="0">
-                        <a:solidFill>
-                          <a:srgbClr val="000000"/>
-                        </a:solidFill>
-                        <a:effectLst/>
-                        <a:latin typeface="Verdana" panose="020B0604030504040204" pitchFamily="34" charset="0"/>
-                        <a:ea typeface="Verdana" panose="020B0604030504040204" pitchFamily="34" charset="0"/>
-                        <a:cs typeface="Verdana" panose="020B0604030504040204" pitchFamily="34" charset="0"/>
-                      </a:endParaRPr>
+                    </a:p>
+                  </a:txBody>
+                  <a:tcPr marL="0" marR="0" marT="0" marB="0" anchor="ctr"/>
+                </a:tc>
+                <a:tc>
+                  <a:txBody>
+                    <a:bodyPr/>
+                    <a:lstStyle/>
+                    <a:p>
+                      <a:pPr algn="l" fontAlgn="b"/>
+                      <a:r>
+                        <a:rPr lang="pt-BR" sz="1000" u="none" strike="noStrike" kern="1200" dirty="0">
+                          <a:solidFill>
+                            <a:schemeClr val="dk1"/>
+                          </a:solidFill>
+                          <a:effectLst/>
+                          <a:latin typeface="Verdana" panose="020B0604030504040204" pitchFamily="34" charset="0"/>
+                          <a:ea typeface="Verdana" panose="020B0604030504040204" pitchFamily="34" charset="0"/>
+                          <a:cs typeface="Verdana" panose="020B0604030504040204" pitchFamily="34" charset="0"/>
+                        </a:rPr>
+                        <a:t>1. Home</a:t>
+                      </a:r>
+                      <a:br>
+                        <a:rPr lang="pt-BR" sz="1000" u="none" strike="noStrike" kern="1200" dirty="0">
+                          <a:solidFill>
+                            <a:schemeClr val="dk1"/>
+                          </a:solidFill>
+                          <a:effectLst/>
+                          <a:latin typeface="Verdana" panose="020B0604030504040204" pitchFamily="34" charset="0"/>
+                          <a:ea typeface="Verdana" panose="020B0604030504040204" pitchFamily="34" charset="0"/>
+                          <a:cs typeface="Verdana" panose="020B0604030504040204" pitchFamily="34" charset="0"/>
+                        </a:rPr>
+                      </a:br>
+                      <a:r>
+                        <a:rPr lang="pt-BR" sz="1000" u="none" strike="noStrike" kern="1200" dirty="0">
+                          <a:solidFill>
+                            <a:schemeClr val="dk1"/>
+                          </a:solidFill>
+                          <a:effectLst/>
+                          <a:latin typeface="Verdana" panose="020B0604030504040204" pitchFamily="34" charset="0"/>
+                          <a:ea typeface="Verdana" panose="020B0604030504040204" pitchFamily="34" charset="0"/>
+                          <a:cs typeface="Verdana" panose="020B0604030504040204" pitchFamily="34" charset="0"/>
+                        </a:rPr>
+                        <a:t>2. Selecionar o botão agendamentos</a:t>
+                      </a:r>
+                      <a:br>
+                        <a:rPr lang="pt-BR" sz="1000" u="none" strike="noStrike" kern="1200" dirty="0">
+                          <a:solidFill>
+                            <a:schemeClr val="dk1"/>
+                          </a:solidFill>
+                          <a:effectLst/>
+                          <a:latin typeface="Verdana" panose="020B0604030504040204" pitchFamily="34" charset="0"/>
+                          <a:ea typeface="Verdana" panose="020B0604030504040204" pitchFamily="34" charset="0"/>
+                          <a:cs typeface="Verdana" panose="020B0604030504040204" pitchFamily="34" charset="0"/>
+                        </a:rPr>
+                      </a:br>
+                      <a:r>
+                        <a:rPr lang="pt-BR" sz="1000" u="none" strike="noStrike" kern="1200" dirty="0">
+                          <a:solidFill>
+                            <a:schemeClr val="dk1"/>
+                          </a:solidFill>
+                          <a:effectLst/>
+                          <a:latin typeface="Verdana" panose="020B0604030504040204" pitchFamily="34" charset="0"/>
+                          <a:ea typeface="Verdana" panose="020B0604030504040204" pitchFamily="34" charset="0"/>
+                          <a:cs typeface="Verdana" panose="020B0604030504040204" pitchFamily="34" charset="0"/>
+                        </a:rPr>
+                        <a:t>3. Pesquisar o paciente no qual deseja cancelar o agendamento</a:t>
+                      </a:r>
+                      <a:br>
+                        <a:rPr lang="pt-BR" sz="1000" u="none" strike="noStrike" kern="1200" dirty="0">
+                          <a:solidFill>
+                            <a:schemeClr val="dk1"/>
+                          </a:solidFill>
+                          <a:effectLst/>
+                          <a:latin typeface="Verdana" panose="020B0604030504040204" pitchFamily="34" charset="0"/>
+                          <a:ea typeface="Verdana" panose="020B0604030504040204" pitchFamily="34" charset="0"/>
+                          <a:cs typeface="Verdana" panose="020B0604030504040204" pitchFamily="34" charset="0"/>
+                        </a:rPr>
+                      </a:br>
+                      <a:r>
+                        <a:rPr lang="pt-BR" sz="1000" u="none" strike="noStrike" kern="1200" dirty="0">
+                          <a:solidFill>
+                            <a:schemeClr val="dk1"/>
+                          </a:solidFill>
+                          <a:effectLst/>
+                          <a:latin typeface="Verdana" panose="020B0604030504040204" pitchFamily="34" charset="0"/>
+                          <a:ea typeface="Verdana" panose="020B0604030504040204" pitchFamily="34" charset="0"/>
+                          <a:cs typeface="Verdana" panose="020B0604030504040204" pitchFamily="34" charset="0"/>
+                        </a:rPr>
+                        <a:t>4. Na lista apresentada após a pesquisa, selecionar o paciente desejado e selecionar o botão "agenda(s)"</a:t>
+                      </a:r>
+                      <a:br>
+                        <a:rPr lang="pt-BR" sz="1000" u="none" strike="noStrike" kern="1200" dirty="0">
+                          <a:solidFill>
+                            <a:schemeClr val="dk1"/>
+                          </a:solidFill>
+                          <a:effectLst/>
+                          <a:latin typeface="Verdana" panose="020B0604030504040204" pitchFamily="34" charset="0"/>
+                          <a:ea typeface="Verdana" panose="020B0604030504040204" pitchFamily="34" charset="0"/>
+                          <a:cs typeface="Verdana" panose="020B0604030504040204" pitchFamily="34" charset="0"/>
+                        </a:rPr>
+                      </a:br>
+                      <a:r>
+                        <a:rPr lang="pt-BR" sz="1000" u="none" strike="noStrike" kern="1200" dirty="0">
+                          <a:solidFill>
+                            <a:schemeClr val="dk1"/>
+                          </a:solidFill>
+                          <a:effectLst/>
+                          <a:latin typeface="Verdana" panose="020B0604030504040204" pitchFamily="34" charset="0"/>
+                          <a:ea typeface="Verdana" panose="020B0604030504040204" pitchFamily="34" charset="0"/>
+                          <a:cs typeface="Verdana" panose="020B0604030504040204" pitchFamily="34" charset="0"/>
+                        </a:rPr>
+                        <a:t>5. Selecionar o registro deseja e selecionar a opção "Cancelar"</a:t>
+                      </a:r>
+                      <a:br>
+                        <a:rPr lang="pt-BR" sz="1000" u="none" strike="noStrike" kern="1200" dirty="0">
+                          <a:solidFill>
+                            <a:schemeClr val="dk1"/>
+                          </a:solidFill>
+                          <a:effectLst/>
+                          <a:latin typeface="Verdana" panose="020B0604030504040204" pitchFamily="34" charset="0"/>
+                          <a:ea typeface="Verdana" panose="020B0604030504040204" pitchFamily="34" charset="0"/>
+                          <a:cs typeface="Verdana" panose="020B0604030504040204" pitchFamily="34" charset="0"/>
+                        </a:rPr>
+                      </a:br>
+                      <a:r>
+                        <a:rPr lang="pt-BR" sz="1000" u="none" strike="noStrike" kern="1200" dirty="0">
+                          <a:solidFill>
+                            <a:schemeClr val="dk1"/>
+                          </a:solidFill>
+                          <a:effectLst/>
+                          <a:latin typeface="Verdana" panose="020B0604030504040204" pitchFamily="34" charset="0"/>
+                          <a:ea typeface="Verdana" panose="020B0604030504040204" pitchFamily="34" charset="0"/>
+                          <a:cs typeface="Verdana" panose="020B0604030504040204" pitchFamily="34" charset="0"/>
+                        </a:rPr>
+                        <a:t>6. Confirmar os dados e selecionar a opção "Salvar".</a:t>
+                      </a:r>
                     </a:p>
                   </a:txBody>
                   <a:tcPr marL="0" marR="0" marT="0" marB="0" anchor="ctr"/>
@@ -11415,136 +11596,34 @@
                     <a:p>
                       <a:pPr algn="l" fontAlgn="ctr"/>
                       <a:r>
-                        <a:rPr lang="pt-BR" sz="1000" u="none" strike="noStrike" dirty="0" smtClean="0">
+                        <a:rPr lang="pt-BR" sz="1000" u="none" strike="noStrike" dirty="0">
                           <a:effectLst/>
                           <a:latin typeface="Verdana" panose="020B0604030504040204" pitchFamily="34" charset="0"/>
                           <a:ea typeface="Verdana" panose="020B0604030504040204" pitchFamily="34" charset="0"/>
                           <a:cs typeface="Verdana" panose="020B0604030504040204" pitchFamily="34" charset="0"/>
                         </a:rPr>
-                        <a:t>1. Home.</a:t>
-                      </a:r>
-                      <a:r>
-                        <a:rPr lang="pt-BR" sz="1000" u="none" strike="noStrike" dirty="0">
+                        <a:t>O cancelamento do agendamento deve ser </a:t>
+                      </a:r>
+                      <a:r>
+                        <a:rPr lang="pt-BR" sz="1000" u="none" strike="noStrike" kern="1200" dirty="0">
+                          <a:solidFill>
+                            <a:schemeClr val="dk1"/>
+                          </a:solidFill>
                           <a:effectLst/>
                           <a:latin typeface="Verdana" panose="020B0604030504040204" pitchFamily="34" charset="0"/>
                           <a:ea typeface="Verdana" panose="020B0604030504040204" pitchFamily="34" charset="0"/>
                           <a:cs typeface="Verdana" panose="020B0604030504040204" pitchFamily="34" charset="0"/>
                         </a:rPr>
-                        <a:t/>
-                      </a:r>
-                      <a:br>
+                        <a:t>realizado</a:t>
+                      </a:r>
+                      <a:r>
                         <a:rPr lang="pt-BR" sz="1000" u="none" strike="noStrike" dirty="0">
                           <a:effectLst/>
                           <a:latin typeface="Verdana" panose="020B0604030504040204" pitchFamily="34" charset="0"/>
                           <a:ea typeface="Verdana" panose="020B0604030504040204" pitchFamily="34" charset="0"/>
                           <a:cs typeface="Verdana" panose="020B0604030504040204" pitchFamily="34" charset="0"/>
                         </a:rPr>
-                      </a:br>
-                      <a:r>
-                        <a:rPr lang="pt-BR" sz="1000" u="none" strike="noStrike" dirty="0">
-                          <a:effectLst/>
-                          <a:latin typeface="Verdana" panose="020B0604030504040204" pitchFamily="34" charset="0"/>
-                          <a:ea typeface="Verdana" panose="020B0604030504040204" pitchFamily="34" charset="0"/>
-                          <a:cs typeface="Verdana" panose="020B0604030504040204" pitchFamily="34" charset="0"/>
-                        </a:rPr>
-                        <a:t>2. Selecione a botão" Agendamentos".</a:t>
-                      </a:r>
-                      <a:br>
-                        <a:rPr lang="pt-BR" sz="1000" u="none" strike="noStrike" dirty="0">
-                          <a:effectLst/>
-                          <a:latin typeface="Verdana" panose="020B0604030504040204" pitchFamily="34" charset="0"/>
-                          <a:ea typeface="Verdana" panose="020B0604030504040204" pitchFamily="34" charset="0"/>
-                          <a:cs typeface="Verdana" panose="020B0604030504040204" pitchFamily="34" charset="0"/>
-                        </a:rPr>
-                      </a:br>
-                      <a:r>
-                        <a:rPr lang="pt-BR" sz="1000" u="none" strike="noStrike" dirty="0">
-                          <a:effectLst/>
-                          <a:latin typeface="Verdana" panose="020B0604030504040204" pitchFamily="34" charset="0"/>
-                          <a:ea typeface="Verdana" panose="020B0604030504040204" pitchFamily="34" charset="0"/>
-                          <a:cs typeface="Verdana" panose="020B0604030504040204" pitchFamily="34" charset="0"/>
-                        </a:rPr>
-                        <a:t>3.  Tela Pesquisar Paciente &gt; Selecione a opção "AGENDA" na parte inferior da tela</a:t>
-                      </a:r>
-                      <a:br>
-                        <a:rPr lang="pt-BR" sz="1000" u="none" strike="noStrike" dirty="0">
-                          <a:effectLst/>
-                          <a:latin typeface="Verdana" panose="020B0604030504040204" pitchFamily="34" charset="0"/>
-                          <a:ea typeface="Verdana" panose="020B0604030504040204" pitchFamily="34" charset="0"/>
-                          <a:cs typeface="Verdana" panose="020B0604030504040204" pitchFamily="34" charset="0"/>
-                        </a:rPr>
-                      </a:br>
-                      <a:r>
-                        <a:rPr lang="pt-BR" sz="1000" u="none" strike="noStrike" dirty="0">
-                          <a:effectLst/>
-                          <a:latin typeface="Verdana" panose="020B0604030504040204" pitchFamily="34" charset="0"/>
-                          <a:ea typeface="Verdana" panose="020B0604030504040204" pitchFamily="34" charset="0"/>
-                          <a:cs typeface="Verdana" panose="020B0604030504040204" pitchFamily="34" charset="0"/>
-                        </a:rPr>
-                        <a:t>4.  Tela Pesquisar Agendamento &gt; Selecione opção "CANCELAR" </a:t>
-                      </a:r>
-                      <a:r>
-                        <a:rPr lang="pt-BR" sz="1000" u="none" strike="noStrike" dirty="0" smtClean="0">
-                          <a:effectLst/>
-                          <a:latin typeface="Verdana" panose="020B0604030504040204" pitchFamily="34" charset="0"/>
-                          <a:ea typeface="Verdana" panose="020B0604030504040204" pitchFamily="34" charset="0"/>
-                          <a:cs typeface="Verdana" panose="020B0604030504040204" pitchFamily="34" charset="0"/>
-                        </a:rPr>
-                        <a:t>de </a:t>
-                      </a:r>
-                      <a:r>
-                        <a:rPr lang="pt-BR" sz="1000" u="none" strike="noStrike" dirty="0">
-                          <a:effectLst/>
-                          <a:latin typeface="Verdana" panose="020B0604030504040204" pitchFamily="34" charset="0"/>
-                          <a:ea typeface="Verdana" panose="020B0604030504040204" pitchFamily="34" charset="0"/>
-                          <a:cs typeface="Verdana" panose="020B0604030504040204" pitchFamily="34" charset="0"/>
-                        </a:rPr>
-                        <a:t>algum paciente da lista de agendamento  na parte inferior da tela.</a:t>
-                      </a:r>
-                      <a:br>
-                        <a:rPr lang="pt-BR" sz="1000" u="none" strike="noStrike" dirty="0">
-                          <a:effectLst/>
-                          <a:latin typeface="Verdana" panose="020B0604030504040204" pitchFamily="34" charset="0"/>
-                          <a:ea typeface="Verdana" panose="020B0604030504040204" pitchFamily="34" charset="0"/>
-                          <a:cs typeface="Verdana" panose="020B0604030504040204" pitchFamily="34" charset="0"/>
-                        </a:rPr>
-                      </a:br>
-                      <a:r>
-                        <a:rPr lang="pt-BR" sz="1000" u="none" strike="noStrike" dirty="0">
-                          <a:effectLst/>
-                          <a:latin typeface="Verdana" panose="020B0604030504040204" pitchFamily="34" charset="0"/>
-                          <a:ea typeface="Verdana" panose="020B0604030504040204" pitchFamily="34" charset="0"/>
-                          <a:cs typeface="Verdana" panose="020B0604030504040204" pitchFamily="34" charset="0"/>
-                        </a:rPr>
-                        <a:t>5. Selecione "SALVAR".</a:t>
-                      </a:r>
-                      <a:endParaRPr lang="pt-BR" sz="1000" b="0" i="0" u="none" strike="noStrike" dirty="0">
-                        <a:solidFill>
-                          <a:srgbClr val="000000"/>
-                        </a:solidFill>
-                        <a:effectLst/>
-                        <a:latin typeface="Verdana" panose="020B0604030504040204" pitchFamily="34" charset="0"/>
-                        <a:ea typeface="Verdana" panose="020B0604030504040204" pitchFamily="34" charset="0"/>
-                        <a:cs typeface="Verdana" panose="020B0604030504040204" pitchFamily="34" charset="0"/>
-                      </a:endParaRPr>
-                    </a:p>
-                  </a:txBody>
-                  <a:tcPr marL="0" marR="0" marT="0" marB="0" anchor="ctr"/>
-                </a:tc>
-                <a:tc>
-                  <a:txBody>
-                    <a:bodyPr/>
-                    <a:lstStyle/>
-                    <a:p>
-                      <a:pPr algn="l" fontAlgn="ctr"/>
-                      <a:r>
-                        <a:rPr lang="pt-BR" sz="1000" u="none" strike="noStrike" dirty="0">
-                          <a:effectLst/>
-                          <a:latin typeface="Verdana" panose="020B0604030504040204" pitchFamily="34" charset="0"/>
-                          <a:ea typeface="Verdana" panose="020B0604030504040204" pitchFamily="34" charset="0"/>
-                          <a:cs typeface="Verdana" panose="020B0604030504040204" pitchFamily="34" charset="0"/>
-                        </a:rPr>
-                        <a:t>O cancelamento do agendamento deve ser realizado.</a:t>
+                        <a:t>.</a:t>
                       </a:r>
                       <a:endParaRPr lang="pt-BR" sz="1000" b="0" i="0" u="none" strike="noStrike" dirty="0">
                         <a:solidFill>
@@ -11566,7 +11645,7 @@
                     <a:p>
                       <a:pPr algn="ctr" fontAlgn="ctr"/>
                       <a:r>
-                        <a:rPr lang="pt-BR" sz="1000" u="none" strike="noStrike">
+                        <a:rPr lang="pt-BR" sz="1000" u="none" strike="noStrike" dirty="0">
                           <a:effectLst/>
                           <a:latin typeface="Verdana" panose="020B0604030504040204" pitchFamily="34" charset="0"/>
                           <a:ea typeface="Verdana" panose="020B0604030504040204" pitchFamily="34" charset="0"/>
@@ -11574,7 +11653,7 @@
                         </a:rPr>
                         <a:t>PASSOU</a:t>
                       </a:r>
-                      <a:endParaRPr lang="pt-BR" sz="1000" b="1" i="0" u="none" strike="noStrike">
+                      <a:endParaRPr lang="pt-BR" sz="1000" b="1" i="0" u="none" strike="noStrike" dirty="0">
                         <a:solidFill>
                           <a:srgbClr val="000000"/>
                         </a:solidFill>
@@ -11623,7 +11702,7 @@
     </p:spTree>
     <p:extLst>
       <p:ext uri="{BB962C8B-B14F-4D97-AF65-F5344CB8AC3E}">
-        <p14:creationId xmlns:p14="http://schemas.microsoft.com/office/powerpoint/2010/main" xmlns="" val="1060046226"/>
+        <p14:creationId xmlns="" xmlns:p14="http://schemas.microsoft.com/office/powerpoint/2010/main" val="1060046226"/>
       </p:ext>
     </p:extLst>
   </p:cSld>
@@ -12116,7 +12195,7 @@
           <p:nvPr>
             <p:extLst>
               <p:ext uri="{D42A27DB-BD31-4B8C-83A1-F6EECF244321}">
-                <p14:modId xmlns:p14="http://schemas.microsoft.com/office/powerpoint/2010/main" xmlns="" val="243154298"/>
+                <p14:modId xmlns="" xmlns:p14="http://schemas.microsoft.com/office/powerpoint/2010/main" val="243154298"/>
               </p:ext>
             </p:extLst>
           </p:nvPr>
@@ -14629,7 +14708,7 @@
     </p:spTree>
     <p:extLst>
       <p:ext uri="{BB962C8B-B14F-4D97-AF65-F5344CB8AC3E}">
-        <p14:creationId xmlns:p14="http://schemas.microsoft.com/office/powerpoint/2010/main" xmlns="" val="1118170736"/>
+        <p14:creationId xmlns="" xmlns:p14="http://schemas.microsoft.com/office/powerpoint/2010/main" val="1118170736"/>
       </p:ext>
     </p:extLst>
   </p:cSld>
@@ -14656,25 +14735,6 @@
           <a:chExt cx="0" cy="0"/>
         </a:xfrm>
       </p:grpSpPr>
-      <p:sp>
-        <p:nvSpPr>
-          <p:cNvPr id="3" name="Título 2"/>
-          <p:cNvSpPr>
-            <a:spLocks noGrp="1"/>
-          </p:cNvSpPr>
-          <p:nvPr>
-            <p:ph type="title"/>
-          </p:nvPr>
-        </p:nvSpPr>
-        <p:spPr/>
-        <p:txBody>
-          <a:bodyPr/>
-          <a:lstStyle/>
-          <a:p>
-            <a:endParaRPr lang="pt-BR"/>
-          </a:p>
-        </p:txBody>
-      </p:sp>
       <p:sp>
         <p:nvSpPr>
           <p:cNvPr id="4" name="Título 1"/>
@@ -14723,7 +14783,7 @@
     </p:spTree>
     <p:extLst>
       <p:ext uri="{BB962C8B-B14F-4D97-AF65-F5344CB8AC3E}">
-        <p14:creationId xmlns:p14="http://schemas.microsoft.com/office/powerpoint/2010/main" xmlns="" val="1673295198"/>
+        <p14:creationId xmlns="" xmlns:p14="http://schemas.microsoft.com/office/powerpoint/2010/main" val="1673295198"/>
       </p:ext>
     </p:extLst>
   </p:cSld>
@@ -15031,7 +15091,7 @@
     </p:spTree>
     <p:extLst>
       <p:ext uri="{BB962C8B-B14F-4D97-AF65-F5344CB8AC3E}">
-        <p14:creationId xmlns:p14="http://schemas.microsoft.com/office/powerpoint/2010/main" xmlns="" val="660323680"/>
+        <p14:creationId xmlns="" xmlns:p14="http://schemas.microsoft.com/office/powerpoint/2010/main" val="660323680"/>
       </p:ext>
     </p:extLst>
   </p:cSld>
@@ -15303,7 +15363,7 @@
     </p:spTree>
     <p:extLst>
       <p:ext uri="{BB962C8B-B14F-4D97-AF65-F5344CB8AC3E}">
-        <p14:creationId xmlns:p14="http://schemas.microsoft.com/office/powerpoint/2010/main" xmlns="" val="3037708794"/>
+        <p14:creationId xmlns="" xmlns:p14="http://schemas.microsoft.com/office/powerpoint/2010/main" val="3037708794"/>
       </p:ext>
     </p:extLst>
   </p:cSld>
@@ -15449,7 +15509,7 @@
     </p:spTree>
     <p:extLst>
       <p:ext uri="{BB962C8B-B14F-4D97-AF65-F5344CB8AC3E}">
-        <p14:creationId xmlns:p14="http://schemas.microsoft.com/office/powerpoint/2010/main" xmlns="" val="1412825067"/>
+        <p14:creationId xmlns="" xmlns:p14="http://schemas.microsoft.com/office/powerpoint/2010/main" val="1412825067"/>
       </p:ext>
     </p:extLst>
   </p:cSld>
@@ -16116,7 +16176,7 @@
     </p:spTree>
     <p:extLst>
       <p:ext uri="{BB962C8B-B14F-4D97-AF65-F5344CB8AC3E}">
-        <p14:creationId xmlns:p14="http://schemas.microsoft.com/office/powerpoint/2010/main" xmlns="" val="4019947591"/>
+        <p14:creationId xmlns="" xmlns:p14="http://schemas.microsoft.com/office/powerpoint/2010/main" val="4019947591"/>
       </p:ext>
     </p:extLst>
   </p:cSld>
@@ -16253,7 +16313,7 @@
     </p:spTree>
     <p:extLst>
       <p:ext uri="{BB962C8B-B14F-4D97-AF65-F5344CB8AC3E}">
-        <p14:creationId xmlns:p14="http://schemas.microsoft.com/office/powerpoint/2010/main" xmlns="" val="394801760"/>
+        <p14:creationId xmlns="" xmlns:p14="http://schemas.microsoft.com/office/powerpoint/2010/main" val="394801760"/>
       </p:ext>
     </p:extLst>
   </p:cSld>
@@ -16328,14 +16388,14 @@
           <p:nvPr>
             <p:extLst>
               <p:ext uri="{D42A27DB-BD31-4B8C-83A1-F6EECF244321}">
-                <p14:modId xmlns:p14="http://schemas.microsoft.com/office/powerpoint/2010/main" xmlns="" val="3073572687"/>
+                <p14:modId xmlns="" xmlns:p14="http://schemas.microsoft.com/office/powerpoint/2010/main" val="3073572687"/>
               </p:ext>
             </p:extLst>
           </p:nvPr>
         </p:nvGraphicFramePr>
         <p:xfrm>
           <a:off x="821234" y="1933921"/>
-          <a:ext cx="7488832" cy="3731227"/>
+          <a:ext cx="7488832" cy="3715352"/>
         </p:xfrm>
         <a:graphic>
           <a:graphicData uri="http://schemas.openxmlformats.org/drawingml/2006/table">
@@ -17202,7 +17262,7 @@
     </p:spTree>
     <p:extLst>
       <p:ext uri="{BB962C8B-B14F-4D97-AF65-F5344CB8AC3E}">
-        <p14:creationId xmlns:p14="http://schemas.microsoft.com/office/powerpoint/2010/main" xmlns="" val="3567939113"/>
+        <p14:creationId xmlns="" xmlns:p14="http://schemas.microsoft.com/office/powerpoint/2010/main" val="3567939113"/>
       </p:ext>
     </p:extLst>
   </p:cSld>
@@ -17524,7 +17584,7 @@
   <a:extraClrSchemeLst/>
   <a:extLst>
     <a:ext uri="{05A4C25C-085E-4340-85A3-A5531E510DB2}">
-      <thm15:themeFamily xmlns:thm15="http://schemas.microsoft.com/office/thememl/2012/main" xmlns="" name="Impacta" id="{9DEE3D4C-7075-4EED-BE25-71DD8C403211}" vid="{301E77B6-CD37-4EBE-AE48-640047432F64}"/>
+      <thm15:themeFamily xmlns="" xmlns:thm15="http://schemas.microsoft.com/office/thememl/2012/main" name="Impacta" id="{9DEE3D4C-7075-4EED-BE25-71DD8C403211}" vid="{301E77B6-CD37-4EBE-AE48-640047432F64}"/>
     </a:ext>
   </a:extLst>
 </a:theme>
